--- a/figs_src/diagrams.pptx
+++ b/figs_src/diagrams.pptx
@@ -194,7 +194,7 @@
           <a:p>
             <a:fld id="{843567C3-09B7-4EC5-8695-9659B6A4537F}" type="datetimeFigureOut">
               <a:rPr lang="en-US" smtClean="0"/>
-              <a:t>5/22/2014</a:t>
+              <a:t>5/23/2014</a:t>
             </a:fld>
             <a:endParaRPr lang="en-US"/>
           </a:p>
@@ -644,7 +644,7 @@
             <a:fld id="{1D8BD707-D9CF-40AE-B4C6-C98DA3205C09}" type="datetimeFigureOut">
               <a:rPr lang="en-US" smtClean="0"/>
               <a:pPr/>
-              <a:t>5/22/2014</a:t>
+              <a:t>5/23/2014</a:t>
             </a:fld>
             <a:endParaRPr lang="en-US"/>
           </a:p>
@@ -811,7 +811,7 @@
             <a:fld id="{1D8BD707-D9CF-40AE-B4C6-C98DA3205C09}" type="datetimeFigureOut">
               <a:rPr lang="en-US" smtClean="0"/>
               <a:pPr/>
-              <a:t>5/22/2014</a:t>
+              <a:t>5/23/2014</a:t>
             </a:fld>
             <a:endParaRPr lang="en-US"/>
           </a:p>
@@ -988,7 +988,7 @@
             <a:fld id="{1D8BD707-D9CF-40AE-B4C6-C98DA3205C09}" type="datetimeFigureOut">
               <a:rPr lang="en-US" smtClean="0"/>
               <a:pPr/>
-              <a:t>5/22/2014</a:t>
+              <a:t>5/23/2014</a:t>
             </a:fld>
             <a:endParaRPr lang="en-US"/>
           </a:p>
@@ -1155,7 +1155,7 @@
             <a:fld id="{1D8BD707-D9CF-40AE-B4C6-C98DA3205C09}" type="datetimeFigureOut">
               <a:rPr lang="en-US" smtClean="0"/>
               <a:pPr/>
-              <a:t>5/22/2014</a:t>
+              <a:t>5/23/2014</a:t>
             </a:fld>
             <a:endParaRPr lang="en-US"/>
           </a:p>
@@ -1398,7 +1398,7 @@
             <a:fld id="{1D8BD707-D9CF-40AE-B4C6-C98DA3205C09}" type="datetimeFigureOut">
               <a:rPr lang="en-US" smtClean="0"/>
               <a:pPr/>
-              <a:t>5/22/2014</a:t>
+              <a:t>5/23/2014</a:t>
             </a:fld>
             <a:endParaRPr lang="en-US"/>
           </a:p>
@@ -1683,7 +1683,7 @@
             <a:fld id="{1D8BD707-D9CF-40AE-B4C6-C98DA3205C09}" type="datetimeFigureOut">
               <a:rPr lang="en-US" smtClean="0"/>
               <a:pPr/>
-              <a:t>5/22/2014</a:t>
+              <a:t>5/23/2014</a:t>
             </a:fld>
             <a:endParaRPr lang="en-US"/>
           </a:p>
@@ -2102,7 +2102,7 @@
             <a:fld id="{1D8BD707-D9CF-40AE-B4C6-C98DA3205C09}" type="datetimeFigureOut">
               <a:rPr lang="en-US" smtClean="0"/>
               <a:pPr/>
-              <a:t>5/22/2014</a:t>
+              <a:t>5/23/2014</a:t>
             </a:fld>
             <a:endParaRPr lang="en-US"/>
           </a:p>
@@ -2217,7 +2217,7 @@
             <a:fld id="{1D8BD707-D9CF-40AE-B4C6-C98DA3205C09}" type="datetimeFigureOut">
               <a:rPr lang="en-US" smtClean="0"/>
               <a:pPr/>
-              <a:t>5/22/2014</a:t>
+              <a:t>5/23/2014</a:t>
             </a:fld>
             <a:endParaRPr lang="en-US"/>
           </a:p>
@@ -2309,7 +2309,7 @@
             <a:fld id="{1D8BD707-D9CF-40AE-B4C6-C98DA3205C09}" type="datetimeFigureOut">
               <a:rPr lang="en-US" smtClean="0"/>
               <a:pPr/>
-              <a:t>5/22/2014</a:t>
+              <a:t>5/23/2014</a:t>
             </a:fld>
             <a:endParaRPr lang="en-US"/>
           </a:p>
@@ -2583,7 +2583,7 @@
             <a:fld id="{1D8BD707-D9CF-40AE-B4C6-C98DA3205C09}" type="datetimeFigureOut">
               <a:rPr lang="en-US" smtClean="0"/>
               <a:pPr/>
-              <a:t>5/22/2014</a:t>
+              <a:t>5/23/2014</a:t>
             </a:fld>
             <a:endParaRPr lang="en-US"/>
           </a:p>
@@ -2833,7 +2833,7 @@
             <a:fld id="{1D8BD707-D9CF-40AE-B4C6-C98DA3205C09}" type="datetimeFigureOut">
               <a:rPr lang="en-US" smtClean="0"/>
               <a:pPr/>
-              <a:t>5/22/2014</a:t>
+              <a:t>5/23/2014</a:t>
             </a:fld>
             <a:endParaRPr lang="en-US"/>
           </a:p>
@@ -3043,7 +3043,7 @@
             <a:fld id="{1D8BD707-D9CF-40AE-B4C6-C98DA3205C09}" type="datetimeFigureOut">
               <a:rPr lang="en-US" smtClean="0"/>
               <a:pPr/>
-              <a:t>5/22/2014</a:t>
+              <a:t>5/23/2014</a:t>
             </a:fld>
             <a:endParaRPr lang="en-US"/>
           </a:p>
@@ -3523,14 +3523,14 @@
           <a:p>
             <a:pPr algn="ctr"/>
             <a:r>
-              <a:rPr lang="en-US" sz="900" dirty="0" smtClean="0">
+              <a:rPr lang="en-US" sz="900" smtClean="0">
                 <a:solidFill>
                   <a:schemeClr val="tx1"/>
                 </a:solidFill>
                 <a:latin typeface="Times New Roman" pitchFamily="18" charset="0"/>
                 <a:cs typeface="Times New Roman" pitchFamily="18" charset="0"/>
               </a:rPr>
-              <a:t>Monitor</a:t>
+              <a:t>MonitoringCore</a:t>
             </a:r>
             <a:endParaRPr lang="en-US" sz="900" dirty="0">
               <a:solidFill>
@@ -5150,13 +5150,6 @@
               </a:rPr>
               <a:t>D</a:t>
             </a:r>
-            <a:endParaRPr lang="en-US" sz="900" dirty="0">
-              <a:solidFill>
-                <a:schemeClr val="tx1"/>
-              </a:solidFill>
-              <a:latin typeface="Times New Roman" pitchFamily="18" charset="0"/>
-              <a:cs typeface="Times New Roman" pitchFamily="18" charset="0"/>
-            </a:endParaRPr>
           </a:p>
         </p:txBody>
       </p:sp>
@@ -5251,13 +5244,6 @@
               </a:rPr>
               <a:t>E</a:t>
             </a:r>
-            <a:endParaRPr lang="en-US" sz="900" dirty="0">
-              <a:solidFill>
-                <a:schemeClr val="tx1"/>
-              </a:solidFill>
-              <a:latin typeface="Times New Roman" pitchFamily="18" charset="0"/>
-              <a:cs typeface="Times New Roman" pitchFamily="18" charset="0"/>
-            </a:endParaRPr>
           </a:p>
         </p:txBody>
       </p:sp>
@@ -5352,13 +5338,6 @@
               </a:rPr>
               <a:t>F</a:t>
             </a:r>
-            <a:endParaRPr lang="en-US" sz="900" dirty="0">
-              <a:solidFill>
-                <a:schemeClr val="tx1"/>
-              </a:solidFill>
-              <a:latin typeface="Times New Roman" pitchFamily="18" charset="0"/>
-              <a:cs typeface="Times New Roman" pitchFamily="18" charset="0"/>
-            </a:endParaRPr>
           </a:p>
         </p:txBody>
       </p:sp>
@@ -5456,13 +5435,6 @@
               </a:rPr>
               <a:t>G</a:t>
             </a:r>
-            <a:endParaRPr lang="en-US" sz="900" dirty="0">
-              <a:solidFill>
-                <a:schemeClr val="tx1"/>
-              </a:solidFill>
-              <a:latin typeface="Times New Roman" pitchFamily="18" charset="0"/>
-              <a:cs typeface="Times New Roman" pitchFamily="18" charset="0"/>
-            </a:endParaRPr>
           </a:p>
         </p:txBody>
       </p:sp>

--- a/figs_src/diagrams.pptx
+++ b/figs_src/diagrams.pptx
@@ -5,12 +5,14 @@
     <p:sldMasterId id="2147483648" r:id="rId1"/>
   </p:sldMasterIdLst>
   <p:notesMasterIdLst>
-    <p:notesMasterId r:id="rId5"/>
+    <p:notesMasterId r:id="rId7"/>
   </p:notesMasterIdLst>
   <p:sldIdLst>
     <p:sldId id="256" r:id="rId2"/>
     <p:sldId id="258" r:id="rId3"/>
     <p:sldId id="257" r:id="rId4"/>
+    <p:sldId id="259" r:id="rId5"/>
+    <p:sldId id="260" r:id="rId6"/>
   </p:sldIdLst>
   <p:sldSz cx="3200400" cy="7772400"/>
   <p:notesSz cx="2743200" cy="7315200"/>
@@ -146,7 +148,7 @@
         </p:nvSpPr>
         <p:spPr>
           <a:xfrm>
-            <a:off x="0" y="4"/>
+            <a:off x="0" y="5"/>
             <a:ext cx="1188840" cy="365277"/>
           </a:xfrm>
           <a:prstGeom prst="rect">
@@ -154,7 +156,7 @@
           </a:prstGeom>
         </p:spPr>
         <p:txBody>
-          <a:bodyPr vert="horz" lIns="54342" tIns="27172" rIns="54342" bIns="27172" rtlCol="0"/>
+          <a:bodyPr vert="horz" lIns="54324" tIns="27162" rIns="54324" bIns="27162" rtlCol="0"/>
           <a:lstStyle>
             <a:lvl1pPr algn="l">
               <a:defRPr sz="700"/>
@@ -177,7 +179,7 @@
         </p:nvSpPr>
         <p:spPr>
           <a:xfrm>
-            <a:off x="1553766" y="4"/>
+            <a:off x="1553766" y="5"/>
             <a:ext cx="1188840" cy="365277"/>
           </a:xfrm>
           <a:prstGeom prst="rect">
@@ -185,7 +187,7 @@
           </a:prstGeom>
         </p:spPr>
         <p:txBody>
-          <a:bodyPr vert="horz" lIns="54342" tIns="27172" rIns="54342" bIns="27172" rtlCol="0"/>
+          <a:bodyPr vert="horz" lIns="54324" tIns="27162" rIns="54324" bIns="27162" rtlCol="0"/>
           <a:lstStyle>
             <a:lvl1pPr algn="r">
               <a:defRPr sz="700"/>
@@ -226,7 +228,7 @@
           </a:ln>
         </p:spPr>
         <p:txBody>
-          <a:bodyPr vert="horz" lIns="54342" tIns="27172" rIns="54342" bIns="27172" rtlCol="0" anchor="ctr"/>
+          <a:bodyPr vert="horz" lIns="54324" tIns="27162" rIns="54324" bIns="27162" rtlCol="0" anchor="ctr"/>
           <a:lstStyle/>
           <a:p>
             <a:endParaRPr lang="en-US"/>
@@ -245,7 +247,7 @@
         </p:nvSpPr>
         <p:spPr>
           <a:xfrm>
-            <a:off x="274442" y="3474963"/>
+            <a:off x="274442" y="3474964"/>
             <a:ext cx="2194322" cy="3291115"/>
           </a:xfrm>
           <a:prstGeom prst="rect">
@@ -253,7 +255,7 @@
           </a:prstGeom>
         </p:spPr>
         <p:txBody>
-          <a:bodyPr vert="horz" lIns="54342" tIns="27172" rIns="54342" bIns="27172" rtlCol="0"/>
+          <a:bodyPr vert="horz" lIns="54324" tIns="27162" rIns="54324" bIns="27162" rtlCol="0"/>
           <a:lstStyle/>
           <a:p>
             <a:pPr lvl="0"/>
@@ -313,7 +315,7 @@
           </a:prstGeom>
         </p:spPr>
         <p:txBody>
-          <a:bodyPr vert="horz" lIns="54342" tIns="27172" rIns="54342" bIns="27172" rtlCol="0" anchor="b"/>
+          <a:bodyPr vert="horz" lIns="54324" tIns="27162" rIns="54324" bIns="27162" rtlCol="0" anchor="b"/>
           <a:lstStyle>
             <a:lvl1pPr algn="l">
               <a:defRPr sz="700"/>
@@ -344,7 +346,7 @@
           </a:prstGeom>
         </p:spPr>
         <p:txBody>
-          <a:bodyPr vert="horz" lIns="54342" tIns="27172" rIns="54342" bIns="27172" rtlCol="0" anchor="b"/>
+          <a:bodyPr vert="horz" lIns="54324" tIns="27162" rIns="54324" bIns="27162" rtlCol="0" anchor="b"/>
           <a:lstStyle>
             <a:lvl1pPr algn="r">
               <a:defRPr sz="700"/>
@@ -3523,7 +3525,7 @@
           <a:p>
             <a:pPr algn="ctr"/>
             <a:r>
-              <a:rPr lang="en-US" sz="900" smtClean="0">
+              <a:rPr lang="en-US" sz="900" dirty="0" err="1" smtClean="0">
                 <a:solidFill>
                   <a:schemeClr val="tx1"/>
                 </a:solidFill>
@@ -5205,7 +5207,7 @@
             <a:avLst/>
           </a:prstGeom>
           <a:solidFill>
-            <a:srgbClr val="FFFFCC"/>
+            <a:srgbClr val="66CCFF"/>
           </a:solidFill>
           <a:ln w="12700">
             <a:solidFill>
@@ -5396,7 +5398,7 @@
             <a:avLst/>
           </a:prstGeom>
           <a:solidFill>
-            <a:srgbClr val="FFFFCC"/>
+            <a:srgbClr val="66CCFF"/>
           </a:solidFill>
           <a:ln w="12700">
             <a:solidFill>
@@ -5492,6 +5494,1578 @@
       </p:par>
     </p:tnLst>
   </p:timing>
+</p:sld>
+</file>
+
+<file path=ppt/slides/slide4.xml><?xml version="1.0" encoding="utf-8"?>
+<p:sld xmlns:a="http://schemas.openxmlformats.org/drawingml/2006/main" xmlns:r="http://schemas.openxmlformats.org/officeDocument/2006/relationships" xmlns:p="http://schemas.openxmlformats.org/presentationml/2006/main">
+  <p:cSld>
+    <p:spTree>
+      <p:nvGrpSpPr>
+        <p:cNvPr id="1" name=""/>
+        <p:cNvGrpSpPr/>
+        <p:nvPr/>
+      </p:nvGrpSpPr>
+      <p:grpSpPr>
+        <a:xfrm>
+          <a:off x="0" y="0"/>
+          <a:ext cx="0" cy="0"/>
+          <a:chOff x="0" y="0"/>
+          <a:chExt cx="0" cy="0"/>
+        </a:xfrm>
+      </p:grpSpPr>
+      <p:sp>
+        <p:nvSpPr>
+          <p:cNvPr id="3" name="Rectangle 2"/>
+          <p:cNvSpPr/>
+          <p:nvPr/>
+        </p:nvSpPr>
+        <p:spPr>
+          <a:xfrm>
+            <a:off x="1753820" y="65208"/>
+            <a:ext cx="649117" cy="1247858"/>
+          </a:xfrm>
+          <a:prstGeom prst="rect">
+            <a:avLst/>
+          </a:prstGeom>
+          <a:solidFill>
+            <a:schemeClr val="bg1">
+              <a:lumMod val="75000"/>
+            </a:schemeClr>
+          </a:solidFill>
+          <a:ln>
+            <a:noFill/>
+          </a:ln>
+        </p:spPr>
+        <p:style>
+          <a:lnRef idx="2">
+            <a:schemeClr val="accent1">
+              <a:shade val="50000"/>
+            </a:schemeClr>
+          </a:lnRef>
+          <a:fillRef idx="1">
+            <a:schemeClr val="accent1"/>
+          </a:fillRef>
+          <a:effectRef idx="0">
+            <a:schemeClr val="accent1"/>
+          </a:effectRef>
+          <a:fontRef idx="minor">
+            <a:schemeClr val="lt1"/>
+          </a:fontRef>
+        </p:style>
+        <p:txBody>
+          <a:bodyPr rtlCol="0" anchor="ctr"/>
+          <a:lstStyle/>
+          <a:p>
+            <a:pPr algn="ctr"/>
+            <a:endParaRPr lang="en-US" sz="900"/>
+          </a:p>
+        </p:txBody>
+      </p:sp>
+      <p:cxnSp>
+        <p:nvCxnSpPr>
+          <p:cNvPr id="4" name="Straight Arrow Connector 3"/>
+          <p:cNvCxnSpPr/>
+          <p:nvPr/>
+        </p:nvCxnSpPr>
+        <p:spPr>
+          <a:xfrm flipV="1">
+            <a:off x="623931" y="45700"/>
+            <a:ext cx="0" cy="1205505"/>
+          </a:xfrm>
+          <a:prstGeom prst="straightConnector1">
+            <a:avLst/>
+          </a:prstGeom>
+          <a:ln w="19050">
+            <a:solidFill>
+              <a:schemeClr val="tx1"/>
+            </a:solidFill>
+            <a:headEnd w="sm" len="sm"/>
+            <a:tailEnd type="arrow" w="sm" len="sm"/>
+          </a:ln>
+        </p:spPr>
+        <p:style>
+          <a:lnRef idx="1">
+            <a:schemeClr val="accent1"/>
+          </a:lnRef>
+          <a:fillRef idx="0">
+            <a:schemeClr val="accent1"/>
+          </a:fillRef>
+          <a:effectRef idx="0">
+            <a:schemeClr val="accent1"/>
+          </a:effectRef>
+          <a:fontRef idx="minor">
+            <a:schemeClr val="tx1"/>
+          </a:fontRef>
+        </p:style>
+      </p:cxnSp>
+      <p:cxnSp>
+        <p:nvCxnSpPr>
+          <p:cNvPr id="6" name="Straight Arrow Connector 5"/>
+          <p:cNvCxnSpPr/>
+          <p:nvPr/>
+        </p:nvCxnSpPr>
+        <p:spPr>
+          <a:xfrm>
+            <a:off x="489960" y="852205"/>
+            <a:ext cx="2646440" cy="0"/>
+          </a:xfrm>
+          <a:prstGeom prst="straightConnector1">
+            <a:avLst/>
+          </a:prstGeom>
+          <a:ln w="19050">
+            <a:solidFill>
+              <a:schemeClr val="tx1"/>
+            </a:solidFill>
+            <a:headEnd w="sm" len="sm"/>
+            <a:tailEnd type="arrow" w="sm" len="sm"/>
+          </a:ln>
+        </p:spPr>
+        <p:style>
+          <a:lnRef idx="1">
+            <a:schemeClr val="accent1"/>
+          </a:lnRef>
+          <a:fillRef idx="0">
+            <a:schemeClr val="accent1"/>
+          </a:fillRef>
+          <a:effectRef idx="0">
+            <a:schemeClr val="accent1"/>
+          </a:effectRef>
+          <a:fontRef idx="minor">
+            <a:schemeClr val="tx1"/>
+          </a:fontRef>
+        </p:style>
+      </p:cxnSp>
+      <p:sp>
+        <p:nvSpPr>
+          <p:cNvPr id="8" name="Rectangle 7"/>
+          <p:cNvSpPr/>
+          <p:nvPr/>
+        </p:nvSpPr>
+        <p:spPr>
+          <a:xfrm>
+            <a:off x="2878581" y="843701"/>
+            <a:ext cx="437487" cy="200529"/>
+          </a:xfrm>
+          <a:prstGeom prst="rect">
+            <a:avLst/>
+          </a:prstGeom>
+          <a:noFill/>
+          <a:ln>
+            <a:noFill/>
+          </a:ln>
+        </p:spPr>
+        <p:style>
+          <a:lnRef idx="2">
+            <a:schemeClr val="accent2">
+              <a:shade val="50000"/>
+            </a:schemeClr>
+          </a:lnRef>
+          <a:fillRef idx="1">
+            <a:schemeClr val="accent2"/>
+          </a:fillRef>
+          <a:effectRef idx="0">
+            <a:schemeClr val="accent2"/>
+          </a:effectRef>
+          <a:fontRef idx="minor">
+            <a:schemeClr val="lt1"/>
+          </a:fontRef>
+        </p:style>
+        <p:txBody>
+          <a:bodyPr rtlCol="0" anchor="ctr"/>
+          <a:lstStyle/>
+          <a:p>
+            <a:r>
+              <a:rPr lang="en-US" sz="900" dirty="0" smtClean="0">
+                <a:solidFill>
+                  <a:schemeClr val="tx1"/>
+                </a:solidFill>
+                <a:latin typeface="Times New Roman" pitchFamily="18" charset="0"/>
+                <a:cs typeface="Times New Roman" pitchFamily="18" charset="0"/>
+              </a:rPr>
+              <a:t>time</a:t>
+            </a:r>
+            <a:endParaRPr lang="en-US" sz="900" dirty="0">
+              <a:solidFill>
+                <a:schemeClr val="tx1"/>
+              </a:solidFill>
+              <a:latin typeface="Times New Roman" pitchFamily="18" charset="0"/>
+              <a:cs typeface="Times New Roman" pitchFamily="18" charset="0"/>
+            </a:endParaRPr>
+          </a:p>
+        </p:txBody>
+      </p:sp>
+      <p:sp>
+        <p:nvSpPr>
+          <p:cNvPr id="9" name="Rectangle 8"/>
+          <p:cNvSpPr/>
+          <p:nvPr/>
+        </p:nvSpPr>
+        <p:spPr>
+          <a:xfrm>
+            <a:off x="238490" y="46824"/>
+            <a:ext cx="500160" cy="200529"/>
+          </a:xfrm>
+          <a:prstGeom prst="rect">
+            <a:avLst/>
+          </a:prstGeom>
+          <a:noFill/>
+          <a:ln>
+            <a:noFill/>
+          </a:ln>
+        </p:spPr>
+        <p:style>
+          <a:lnRef idx="2">
+            <a:schemeClr val="accent2">
+              <a:shade val="50000"/>
+            </a:schemeClr>
+          </a:lnRef>
+          <a:fillRef idx="1">
+            <a:schemeClr val="accent2"/>
+          </a:fillRef>
+          <a:effectRef idx="0">
+            <a:schemeClr val="accent2"/>
+          </a:effectRef>
+          <a:fontRef idx="minor">
+            <a:schemeClr val="lt1"/>
+          </a:fontRef>
+        </p:style>
+        <p:txBody>
+          <a:bodyPr rtlCol="0" anchor="ctr"/>
+          <a:lstStyle/>
+          <a:p>
+            <a:r>
+              <a:rPr lang="en-US" sz="900" dirty="0" smtClean="0">
+                <a:solidFill>
+                  <a:schemeClr val="tx1"/>
+                </a:solidFill>
+                <a:latin typeface="Times New Roman" pitchFamily="18" charset="0"/>
+                <a:cs typeface="Times New Roman" pitchFamily="18" charset="0"/>
+              </a:rPr>
+              <a:t>slack</a:t>
+            </a:r>
+            <a:endParaRPr lang="en-US" sz="900" dirty="0">
+              <a:solidFill>
+                <a:schemeClr val="tx1"/>
+              </a:solidFill>
+              <a:latin typeface="Times New Roman" pitchFamily="18" charset="0"/>
+              <a:cs typeface="Times New Roman" pitchFamily="18" charset="0"/>
+            </a:endParaRPr>
+          </a:p>
+        </p:txBody>
+      </p:sp>
+      <p:cxnSp>
+        <p:nvCxnSpPr>
+          <p:cNvPr id="12" name="Straight Arrow Connector 11"/>
+          <p:cNvCxnSpPr/>
+          <p:nvPr/>
+        </p:nvCxnSpPr>
+        <p:spPr>
+          <a:xfrm flipV="1">
+            <a:off x="623931" y="522839"/>
+            <a:ext cx="345645" cy="128836"/>
+          </a:xfrm>
+          <a:prstGeom prst="straightConnector1">
+            <a:avLst/>
+          </a:prstGeom>
+          <a:ln w="19050">
+            <a:solidFill>
+              <a:srgbClr val="00B050"/>
+            </a:solidFill>
+            <a:headEnd w="sm" len="sm"/>
+            <a:tailEnd type="arrow" w="sm" len="sm"/>
+          </a:ln>
+        </p:spPr>
+        <p:style>
+          <a:lnRef idx="1">
+            <a:schemeClr val="accent1"/>
+          </a:lnRef>
+          <a:fillRef idx="0">
+            <a:schemeClr val="accent1"/>
+          </a:fillRef>
+          <a:effectRef idx="0">
+            <a:schemeClr val="accent1"/>
+          </a:effectRef>
+          <a:fontRef idx="minor">
+            <a:schemeClr val="tx1"/>
+          </a:fontRef>
+        </p:style>
+      </p:cxnSp>
+      <p:cxnSp>
+        <p:nvCxnSpPr>
+          <p:cNvPr id="21" name="Straight Connector 20"/>
+          <p:cNvCxnSpPr/>
+          <p:nvPr/>
+        </p:nvCxnSpPr>
+        <p:spPr>
+          <a:xfrm flipH="1">
+            <a:off x="575368" y="651675"/>
+            <a:ext cx="95890" cy="0"/>
+          </a:xfrm>
+          <a:prstGeom prst="line">
+            <a:avLst/>
+          </a:prstGeom>
+          <a:ln w="19050">
+            <a:solidFill>
+              <a:schemeClr val="tx1"/>
+            </a:solidFill>
+          </a:ln>
+        </p:spPr>
+        <p:style>
+          <a:lnRef idx="1">
+            <a:schemeClr val="accent1"/>
+          </a:lnRef>
+          <a:fillRef idx="0">
+            <a:schemeClr val="accent1"/>
+          </a:fillRef>
+          <a:effectRef idx="0">
+            <a:schemeClr val="accent1"/>
+          </a:effectRef>
+          <a:fontRef idx="minor">
+            <a:schemeClr val="tx1"/>
+          </a:fontRef>
+        </p:style>
+      </p:cxnSp>
+      <p:sp>
+        <p:nvSpPr>
+          <p:cNvPr id="23" name="Rectangle 22"/>
+          <p:cNvSpPr/>
+          <p:nvPr/>
+        </p:nvSpPr>
+        <p:spPr>
+          <a:xfrm>
+            <a:off x="199190" y="536461"/>
+            <a:ext cx="500160" cy="200529"/>
+          </a:xfrm>
+          <a:prstGeom prst="rect">
+            <a:avLst/>
+          </a:prstGeom>
+          <a:noFill/>
+          <a:ln>
+            <a:noFill/>
+          </a:ln>
+        </p:spPr>
+        <p:style>
+          <a:lnRef idx="2">
+            <a:schemeClr val="accent2">
+              <a:shade val="50000"/>
+            </a:schemeClr>
+          </a:lnRef>
+          <a:fillRef idx="1">
+            <a:schemeClr val="accent2"/>
+          </a:fillRef>
+          <a:effectRef idx="0">
+            <a:schemeClr val="accent2"/>
+          </a:effectRef>
+          <a:fontRef idx="minor">
+            <a:schemeClr val="lt1"/>
+          </a:fontRef>
+        </p:style>
+        <p:txBody>
+          <a:bodyPr rtlCol="0" anchor="ctr"/>
+          <a:lstStyle/>
+          <a:p>
+            <a:r>
+              <a:rPr lang="en-US" sz="900" dirty="0" smtClean="0">
+                <a:solidFill>
+                  <a:schemeClr val="tx1"/>
+                </a:solidFill>
+                <a:latin typeface="Times New Roman" pitchFamily="18" charset="0"/>
+                <a:cs typeface="Times New Roman" pitchFamily="18" charset="0"/>
+              </a:rPr>
+              <a:t>initial slack</a:t>
+            </a:r>
+            <a:endParaRPr lang="en-US" sz="900" dirty="0">
+              <a:solidFill>
+                <a:schemeClr val="tx1"/>
+              </a:solidFill>
+              <a:latin typeface="Times New Roman" pitchFamily="18" charset="0"/>
+              <a:cs typeface="Times New Roman" pitchFamily="18" charset="0"/>
+            </a:endParaRPr>
+          </a:p>
+        </p:txBody>
+      </p:sp>
+      <p:sp>
+        <p:nvSpPr>
+          <p:cNvPr id="56" name="Rectangle 55"/>
+          <p:cNvSpPr/>
+          <p:nvPr/>
+        </p:nvSpPr>
+        <p:spPr>
+          <a:xfrm>
+            <a:off x="1078854" y="65207"/>
+            <a:ext cx="775204" cy="200529"/>
+          </a:xfrm>
+          <a:prstGeom prst="rect">
+            <a:avLst/>
+          </a:prstGeom>
+          <a:noFill/>
+          <a:ln>
+            <a:noFill/>
+          </a:ln>
+        </p:spPr>
+        <p:style>
+          <a:lnRef idx="2">
+            <a:schemeClr val="accent2">
+              <a:shade val="50000"/>
+            </a:schemeClr>
+          </a:lnRef>
+          <a:fillRef idx="1">
+            <a:schemeClr val="accent2"/>
+          </a:fillRef>
+          <a:effectRef idx="0">
+            <a:schemeClr val="accent2"/>
+          </a:effectRef>
+          <a:fontRef idx="minor">
+            <a:schemeClr val="lt1"/>
+          </a:fontRef>
+        </p:style>
+        <p:txBody>
+          <a:bodyPr rtlCol="0" anchor="ctr"/>
+          <a:lstStyle/>
+          <a:p>
+            <a:pPr algn="ctr"/>
+            <a:r>
+              <a:rPr lang="en-US" sz="900" dirty="0" smtClean="0">
+                <a:solidFill>
+                  <a:schemeClr val="tx1"/>
+                </a:solidFill>
+                <a:latin typeface="Times New Roman" pitchFamily="18" charset="0"/>
+                <a:cs typeface="Times New Roman" pitchFamily="18" charset="0"/>
+              </a:rPr>
+              <a:t>monitoring overheads</a:t>
+            </a:r>
+            <a:endParaRPr lang="en-US" sz="900" dirty="0">
+              <a:solidFill>
+                <a:schemeClr val="tx1"/>
+              </a:solidFill>
+              <a:latin typeface="Times New Roman" pitchFamily="18" charset="0"/>
+              <a:cs typeface="Times New Roman" pitchFamily="18" charset="0"/>
+            </a:endParaRPr>
+          </a:p>
+        </p:txBody>
+      </p:sp>
+      <p:cxnSp>
+        <p:nvCxnSpPr>
+          <p:cNvPr id="67" name="Straight Arrow Connector 66"/>
+          <p:cNvCxnSpPr/>
+          <p:nvPr/>
+        </p:nvCxnSpPr>
+        <p:spPr>
+          <a:xfrm>
+            <a:off x="969576" y="522839"/>
+            <a:ext cx="190634" cy="198834"/>
+          </a:xfrm>
+          <a:prstGeom prst="straightConnector1">
+            <a:avLst/>
+          </a:prstGeom>
+          <a:ln w="19050">
+            <a:solidFill>
+              <a:srgbClr val="C00000"/>
+            </a:solidFill>
+            <a:headEnd w="sm" len="sm"/>
+            <a:tailEnd type="arrow" w="sm" len="sm"/>
+          </a:ln>
+        </p:spPr>
+        <p:style>
+          <a:lnRef idx="1">
+            <a:schemeClr val="accent1"/>
+          </a:lnRef>
+          <a:fillRef idx="0">
+            <a:schemeClr val="accent1"/>
+          </a:fillRef>
+          <a:effectRef idx="0">
+            <a:schemeClr val="accent1"/>
+          </a:effectRef>
+          <a:fontRef idx="minor">
+            <a:schemeClr val="tx1"/>
+          </a:fontRef>
+        </p:style>
+      </p:cxnSp>
+      <p:cxnSp>
+        <p:nvCxnSpPr>
+          <p:cNvPr id="69" name="Straight Arrow Connector 68"/>
+          <p:cNvCxnSpPr/>
+          <p:nvPr/>
+        </p:nvCxnSpPr>
+        <p:spPr>
+          <a:xfrm flipV="1">
+            <a:off x="1160210" y="592837"/>
+            <a:ext cx="345645" cy="128836"/>
+          </a:xfrm>
+          <a:prstGeom prst="straightConnector1">
+            <a:avLst/>
+          </a:prstGeom>
+          <a:ln w="19050">
+            <a:solidFill>
+              <a:srgbClr val="00B050"/>
+            </a:solidFill>
+            <a:headEnd w="sm" len="sm"/>
+            <a:tailEnd type="arrow" w="sm" len="sm"/>
+          </a:ln>
+        </p:spPr>
+        <p:style>
+          <a:lnRef idx="1">
+            <a:schemeClr val="accent1"/>
+          </a:lnRef>
+          <a:fillRef idx="0">
+            <a:schemeClr val="accent1"/>
+          </a:fillRef>
+          <a:effectRef idx="0">
+            <a:schemeClr val="accent1"/>
+          </a:effectRef>
+          <a:fontRef idx="minor">
+            <a:schemeClr val="tx1"/>
+          </a:fontRef>
+        </p:style>
+      </p:cxnSp>
+      <p:cxnSp>
+        <p:nvCxnSpPr>
+          <p:cNvPr id="71" name="Straight Arrow Connector 70"/>
+          <p:cNvCxnSpPr/>
+          <p:nvPr/>
+        </p:nvCxnSpPr>
+        <p:spPr>
+          <a:xfrm flipH="1">
+            <a:off x="1064894" y="314535"/>
+            <a:ext cx="210531" cy="272722"/>
+          </a:xfrm>
+          <a:prstGeom prst="straightConnector1">
+            <a:avLst/>
+          </a:prstGeom>
+          <a:ln w="19050">
+            <a:solidFill>
+              <a:schemeClr val="tx1"/>
+            </a:solidFill>
+            <a:headEnd w="sm" len="sm"/>
+            <a:tailEnd type="arrow" w="sm" len="sm"/>
+          </a:ln>
+        </p:spPr>
+        <p:style>
+          <a:lnRef idx="1">
+            <a:schemeClr val="accent1"/>
+          </a:lnRef>
+          <a:fillRef idx="0">
+            <a:schemeClr val="accent1"/>
+          </a:fillRef>
+          <a:effectRef idx="0">
+            <a:schemeClr val="accent1"/>
+          </a:effectRef>
+          <a:fontRef idx="minor">
+            <a:schemeClr val="tx1"/>
+          </a:fontRef>
+        </p:style>
+      </p:cxnSp>
+      <p:cxnSp>
+        <p:nvCxnSpPr>
+          <p:cNvPr id="74" name="Straight Arrow Connector 73"/>
+          <p:cNvCxnSpPr/>
+          <p:nvPr/>
+        </p:nvCxnSpPr>
+        <p:spPr>
+          <a:xfrm>
+            <a:off x="1625986" y="314325"/>
+            <a:ext cx="0" cy="342930"/>
+          </a:xfrm>
+          <a:prstGeom prst="straightConnector1">
+            <a:avLst/>
+          </a:prstGeom>
+          <a:ln w="19050">
+            <a:solidFill>
+              <a:schemeClr val="tx1"/>
+            </a:solidFill>
+            <a:headEnd w="sm" len="sm"/>
+            <a:tailEnd type="arrow" w="sm" len="sm"/>
+          </a:ln>
+        </p:spPr>
+        <p:style>
+          <a:lnRef idx="1">
+            <a:schemeClr val="accent1"/>
+          </a:lnRef>
+          <a:fillRef idx="0">
+            <a:schemeClr val="accent1"/>
+          </a:fillRef>
+          <a:effectRef idx="0">
+            <a:schemeClr val="accent1"/>
+          </a:effectRef>
+          <a:fontRef idx="minor">
+            <a:schemeClr val="tx1"/>
+          </a:fontRef>
+        </p:style>
+      </p:cxnSp>
+      <p:cxnSp>
+        <p:nvCxnSpPr>
+          <p:cNvPr id="14" name="Straight Arrow Connector 13"/>
+          <p:cNvCxnSpPr/>
+          <p:nvPr/>
+        </p:nvCxnSpPr>
+        <p:spPr>
+          <a:xfrm>
+            <a:off x="1505855" y="595299"/>
+            <a:ext cx="422455" cy="440627"/>
+          </a:xfrm>
+          <a:prstGeom prst="straightConnector1">
+            <a:avLst/>
+          </a:prstGeom>
+          <a:ln w="19050">
+            <a:solidFill>
+              <a:srgbClr val="C00000"/>
+            </a:solidFill>
+            <a:headEnd w="sm" len="sm"/>
+            <a:tailEnd type="arrow" w="sm" len="sm"/>
+          </a:ln>
+        </p:spPr>
+        <p:style>
+          <a:lnRef idx="1">
+            <a:schemeClr val="accent1"/>
+          </a:lnRef>
+          <a:fillRef idx="0">
+            <a:schemeClr val="accent1"/>
+          </a:fillRef>
+          <a:effectRef idx="0">
+            <a:schemeClr val="accent1"/>
+          </a:effectRef>
+          <a:fontRef idx="minor">
+            <a:schemeClr val="tx1"/>
+          </a:fontRef>
+        </p:style>
+      </p:cxnSp>
+      <p:cxnSp>
+        <p:nvCxnSpPr>
+          <p:cNvPr id="46" name="Straight Arrow Connector 45"/>
+          <p:cNvCxnSpPr/>
+          <p:nvPr/>
+        </p:nvCxnSpPr>
+        <p:spPr>
+          <a:xfrm flipV="1">
+            <a:off x="1928310" y="657197"/>
+            <a:ext cx="1016065" cy="378729"/>
+          </a:xfrm>
+          <a:prstGeom prst="straightConnector1">
+            <a:avLst/>
+          </a:prstGeom>
+          <a:ln w="19050">
+            <a:solidFill>
+              <a:srgbClr val="00B050"/>
+            </a:solidFill>
+            <a:headEnd w="sm" len="sm"/>
+            <a:tailEnd type="arrow" w="sm" len="sm"/>
+          </a:ln>
+        </p:spPr>
+        <p:style>
+          <a:lnRef idx="1">
+            <a:schemeClr val="accent1"/>
+          </a:lnRef>
+          <a:fillRef idx="0">
+            <a:schemeClr val="accent1"/>
+          </a:fillRef>
+          <a:effectRef idx="0">
+            <a:schemeClr val="accent1"/>
+          </a:effectRef>
+          <a:fontRef idx="minor">
+            <a:schemeClr val="tx1"/>
+          </a:fontRef>
+        </p:style>
+      </p:cxnSp>
+      <p:sp>
+        <p:nvSpPr>
+          <p:cNvPr id="25" name="Rectangle 24"/>
+          <p:cNvSpPr/>
+          <p:nvPr/>
+        </p:nvSpPr>
+        <p:spPr>
+          <a:xfrm>
+            <a:off x="808787" y="1074130"/>
+            <a:ext cx="743462" cy="200529"/>
+          </a:xfrm>
+          <a:prstGeom prst="rect">
+            <a:avLst/>
+          </a:prstGeom>
+          <a:noFill/>
+          <a:ln>
+            <a:noFill/>
+          </a:ln>
+        </p:spPr>
+        <p:style>
+          <a:lnRef idx="2">
+            <a:schemeClr val="accent2">
+              <a:shade val="50000"/>
+            </a:schemeClr>
+          </a:lnRef>
+          <a:fillRef idx="1">
+            <a:schemeClr val="accent2"/>
+          </a:fillRef>
+          <a:effectRef idx="0">
+            <a:schemeClr val="accent2"/>
+          </a:effectRef>
+          <a:fontRef idx="minor">
+            <a:schemeClr val="lt1"/>
+          </a:fontRef>
+        </p:style>
+        <p:txBody>
+          <a:bodyPr rtlCol="0" anchor="ctr"/>
+          <a:lstStyle/>
+          <a:p>
+            <a:pPr algn="ctr"/>
+            <a:r>
+              <a:rPr lang="en-US" sz="900" dirty="0" smtClean="0">
+                <a:solidFill>
+                  <a:schemeClr val="tx1"/>
+                </a:solidFill>
+                <a:latin typeface="Times New Roman" pitchFamily="18" charset="0"/>
+                <a:cs typeface="Times New Roman" pitchFamily="18" charset="0"/>
+              </a:rPr>
+              <a:t>perform monitoring</a:t>
+            </a:r>
+            <a:endParaRPr lang="en-US" sz="900" dirty="0">
+              <a:solidFill>
+                <a:schemeClr val="tx1"/>
+              </a:solidFill>
+              <a:latin typeface="Times New Roman" pitchFamily="18" charset="0"/>
+              <a:cs typeface="Times New Roman" pitchFamily="18" charset="0"/>
+            </a:endParaRPr>
+          </a:p>
+        </p:txBody>
+      </p:sp>
+      <p:sp>
+        <p:nvSpPr>
+          <p:cNvPr id="27" name="Rectangle 26"/>
+          <p:cNvSpPr/>
+          <p:nvPr/>
+        </p:nvSpPr>
+        <p:spPr>
+          <a:xfrm>
+            <a:off x="1713530" y="1074130"/>
+            <a:ext cx="729695" cy="200529"/>
+          </a:xfrm>
+          <a:prstGeom prst="rect">
+            <a:avLst/>
+          </a:prstGeom>
+          <a:noFill/>
+          <a:ln>
+            <a:noFill/>
+          </a:ln>
+        </p:spPr>
+        <p:style>
+          <a:lnRef idx="2">
+            <a:schemeClr val="accent2">
+              <a:shade val="50000"/>
+            </a:schemeClr>
+          </a:lnRef>
+          <a:fillRef idx="1">
+            <a:schemeClr val="accent2"/>
+          </a:fillRef>
+          <a:effectRef idx="0">
+            <a:schemeClr val="accent2"/>
+          </a:effectRef>
+          <a:fontRef idx="minor">
+            <a:schemeClr val="lt1"/>
+          </a:fontRef>
+        </p:style>
+        <p:txBody>
+          <a:bodyPr rtlCol="0" anchor="ctr"/>
+          <a:lstStyle/>
+          <a:p>
+            <a:pPr algn="ctr"/>
+            <a:r>
+              <a:rPr lang="en-US" sz="900" dirty="0" smtClean="0">
+                <a:solidFill>
+                  <a:schemeClr val="tx1"/>
+                </a:solidFill>
+                <a:latin typeface="Times New Roman" pitchFamily="18" charset="0"/>
+                <a:cs typeface="Times New Roman" pitchFamily="18" charset="0"/>
+              </a:rPr>
+              <a:t>drop monitoring</a:t>
+            </a:r>
+            <a:endParaRPr lang="en-US" sz="900" dirty="0">
+              <a:solidFill>
+                <a:schemeClr val="tx1"/>
+              </a:solidFill>
+              <a:latin typeface="Times New Roman" pitchFamily="18" charset="0"/>
+              <a:cs typeface="Times New Roman" pitchFamily="18" charset="0"/>
+            </a:endParaRPr>
+          </a:p>
+        </p:txBody>
+      </p:sp>
+      <p:sp>
+        <p:nvSpPr>
+          <p:cNvPr id="34" name="Rectangle 33"/>
+          <p:cNvSpPr/>
+          <p:nvPr/>
+        </p:nvSpPr>
+        <p:spPr>
+          <a:xfrm>
+            <a:off x="2392938" y="1074129"/>
+            <a:ext cx="743462" cy="200529"/>
+          </a:xfrm>
+          <a:prstGeom prst="rect">
+            <a:avLst/>
+          </a:prstGeom>
+          <a:noFill/>
+          <a:ln>
+            <a:noFill/>
+          </a:ln>
+        </p:spPr>
+        <p:style>
+          <a:lnRef idx="2">
+            <a:schemeClr val="accent2">
+              <a:shade val="50000"/>
+            </a:schemeClr>
+          </a:lnRef>
+          <a:fillRef idx="1">
+            <a:schemeClr val="accent2"/>
+          </a:fillRef>
+          <a:effectRef idx="0">
+            <a:schemeClr val="accent2"/>
+          </a:effectRef>
+          <a:fontRef idx="minor">
+            <a:schemeClr val="lt1"/>
+          </a:fontRef>
+        </p:style>
+        <p:txBody>
+          <a:bodyPr rtlCol="0" anchor="ctr"/>
+          <a:lstStyle/>
+          <a:p>
+            <a:pPr algn="ctr"/>
+            <a:r>
+              <a:rPr lang="en-US" sz="900" dirty="0" smtClean="0">
+                <a:solidFill>
+                  <a:schemeClr val="tx1"/>
+                </a:solidFill>
+                <a:latin typeface="Times New Roman" pitchFamily="18" charset="0"/>
+                <a:cs typeface="Times New Roman" pitchFamily="18" charset="0"/>
+              </a:rPr>
+              <a:t>perform monitoring</a:t>
+            </a:r>
+            <a:endParaRPr lang="en-US" sz="900" dirty="0">
+              <a:solidFill>
+                <a:schemeClr val="tx1"/>
+              </a:solidFill>
+              <a:latin typeface="Times New Roman" pitchFamily="18" charset="0"/>
+              <a:cs typeface="Times New Roman" pitchFamily="18" charset="0"/>
+            </a:endParaRPr>
+          </a:p>
+        </p:txBody>
+      </p:sp>
+    </p:spTree>
+    <p:extLst>
+      <p:ext uri="{BB962C8B-B14F-4D97-AF65-F5344CB8AC3E}">
+        <p14:creationId xmlns:p14="http://schemas.microsoft.com/office/powerpoint/2010/main" val="1614472030"/>
+      </p:ext>
+    </p:extLst>
+  </p:cSld>
+  <p:clrMapOvr>
+    <a:masterClrMapping/>
+  </p:clrMapOvr>
+</p:sld>
+</file>
+
+<file path=ppt/slides/slide5.xml><?xml version="1.0" encoding="utf-8"?>
+<p:sld xmlns:a="http://schemas.openxmlformats.org/drawingml/2006/main" xmlns:r="http://schemas.openxmlformats.org/officeDocument/2006/relationships" xmlns:p="http://schemas.openxmlformats.org/presentationml/2006/main">
+  <p:cSld>
+    <p:spTree>
+      <p:nvGrpSpPr>
+        <p:cNvPr id="1" name=""/>
+        <p:cNvGrpSpPr/>
+        <p:nvPr/>
+      </p:nvGrpSpPr>
+      <p:grpSpPr>
+        <a:xfrm>
+          <a:off x="0" y="0"/>
+          <a:ext cx="0" cy="0"/>
+          <a:chOff x="0" y="0"/>
+          <a:chExt cx="0" cy="0"/>
+        </a:xfrm>
+      </p:grpSpPr>
+      <p:sp>
+        <p:nvSpPr>
+          <p:cNvPr id="71" name="TextBox 70"/>
+          <p:cNvSpPr txBox="1"/>
+          <p:nvPr/>
+        </p:nvSpPr>
+        <p:spPr>
+          <a:xfrm>
+            <a:off x="2663440" y="201038"/>
+            <a:ext cx="590283" cy="369332"/>
+          </a:xfrm>
+          <a:prstGeom prst="rect">
+            <a:avLst/>
+          </a:prstGeom>
+          <a:noFill/>
+          <a:ln w="12700">
+            <a:noFill/>
+          </a:ln>
+        </p:spPr>
+        <p:txBody>
+          <a:bodyPr wrap="square" rtlCol="0">
+            <a:spAutoFit/>
+          </a:bodyPr>
+          <a:lstStyle/>
+          <a:p>
+            <a:r>
+              <a:rPr lang="en-US" sz="900" dirty="0" smtClean="0">
+                <a:latin typeface="Times New Roman" pitchFamily="18" charset="0"/>
+                <a:cs typeface="Times New Roman" pitchFamily="18" charset="0"/>
+              </a:rPr>
+              <a:t>drop decision</a:t>
+            </a:r>
+            <a:endParaRPr lang="en-US" sz="900" dirty="0">
+              <a:latin typeface="Times New Roman" pitchFamily="18" charset="0"/>
+              <a:cs typeface="Times New Roman" pitchFamily="18" charset="0"/>
+            </a:endParaRPr>
+          </a:p>
+        </p:txBody>
+      </p:sp>
+      <p:sp>
+        <p:nvSpPr>
+          <p:cNvPr id="58" name="TextBox 57"/>
+          <p:cNvSpPr txBox="1"/>
+          <p:nvPr/>
+        </p:nvSpPr>
+        <p:spPr>
+          <a:xfrm>
+            <a:off x="793695" y="224857"/>
+            <a:ext cx="342669" cy="230832"/>
+          </a:xfrm>
+          <a:prstGeom prst="rect">
+            <a:avLst/>
+          </a:prstGeom>
+          <a:noFill/>
+          <a:ln w="12700">
+            <a:noFill/>
+          </a:ln>
+        </p:spPr>
+        <p:txBody>
+          <a:bodyPr wrap="square" rtlCol="0">
+            <a:spAutoFit/>
+          </a:bodyPr>
+          <a:lstStyle/>
+          <a:p>
+            <a:r>
+              <a:rPr lang="en-US" sz="900" dirty="0" err="1" smtClean="0">
+                <a:latin typeface="Times New Roman" pitchFamily="18" charset="0"/>
+                <a:cs typeface="Times New Roman" pitchFamily="18" charset="0"/>
+              </a:rPr>
+              <a:t>clk</a:t>
+            </a:r>
+            <a:endParaRPr lang="en-US" sz="900" dirty="0">
+              <a:latin typeface="Times New Roman" pitchFamily="18" charset="0"/>
+              <a:cs typeface="Times New Roman" pitchFamily="18" charset="0"/>
+            </a:endParaRPr>
+          </a:p>
+        </p:txBody>
+      </p:sp>
+      <p:sp>
+        <p:nvSpPr>
+          <p:cNvPr id="60" name="TextBox 59"/>
+          <p:cNvSpPr txBox="1"/>
+          <p:nvPr/>
+        </p:nvSpPr>
+        <p:spPr>
+          <a:xfrm>
+            <a:off x="-51216" y="14326"/>
+            <a:ext cx="750409" cy="369332"/>
+          </a:xfrm>
+          <a:prstGeom prst="rect">
+            <a:avLst/>
+          </a:prstGeom>
+          <a:noFill/>
+          <a:ln w="12700">
+            <a:noFill/>
+          </a:ln>
+        </p:spPr>
+        <p:txBody>
+          <a:bodyPr wrap="square" rtlCol="0">
+            <a:spAutoFit/>
+          </a:bodyPr>
+          <a:lstStyle/>
+          <a:p>
+            <a:r>
+              <a:rPr lang="en-US" sz="900" dirty="0" smtClean="0">
+                <a:latin typeface="Times New Roman" pitchFamily="18" charset="0"/>
+                <a:cs typeface="Times New Roman" pitchFamily="18" charset="0"/>
+              </a:rPr>
+              <a:t>overhead budget (%)</a:t>
+            </a:r>
+            <a:endParaRPr lang="en-US" sz="900" dirty="0">
+              <a:latin typeface="Times New Roman" pitchFamily="18" charset="0"/>
+              <a:cs typeface="Times New Roman" pitchFamily="18" charset="0"/>
+            </a:endParaRPr>
+          </a:p>
+        </p:txBody>
+      </p:sp>
+      <p:sp>
+        <p:nvSpPr>
+          <p:cNvPr id="53" name="Rectangle 52"/>
+          <p:cNvSpPr/>
+          <p:nvPr/>
+        </p:nvSpPr>
+        <p:spPr>
+          <a:xfrm>
+            <a:off x="1355562" y="89028"/>
+            <a:ext cx="596185" cy="317208"/>
+          </a:xfrm>
+          <a:prstGeom prst="rect">
+            <a:avLst/>
+          </a:prstGeom>
+          <a:solidFill>
+            <a:srgbClr val="FFFFCC"/>
+          </a:solidFill>
+          <a:ln w="12700">
+            <a:solidFill>
+              <a:schemeClr val="tx1"/>
+            </a:solidFill>
+          </a:ln>
+        </p:spPr>
+        <p:style>
+          <a:lnRef idx="2">
+            <a:schemeClr val="accent1">
+              <a:shade val="50000"/>
+            </a:schemeClr>
+          </a:lnRef>
+          <a:fillRef idx="1">
+            <a:schemeClr val="accent1"/>
+          </a:fillRef>
+          <a:effectRef idx="0">
+            <a:schemeClr val="accent1"/>
+          </a:effectRef>
+          <a:fontRef idx="minor">
+            <a:schemeClr val="lt1"/>
+          </a:fontRef>
+        </p:style>
+        <p:txBody>
+          <a:bodyPr rtlCol="0" anchor="ctr"/>
+          <a:lstStyle/>
+          <a:p>
+            <a:pPr algn="ctr"/>
+            <a:r>
+              <a:rPr lang="en-US" sz="900" dirty="0" smtClean="0">
+                <a:solidFill>
+                  <a:schemeClr val="tx1"/>
+                </a:solidFill>
+                <a:latin typeface="Times New Roman" pitchFamily="18" charset="0"/>
+                <a:cs typeface="Times New Roman" pitchFamily="18" charset="0"/>
+              </a:rPr>
+              <a:t>Slack Counter</a:t>
+            </a:r>
+            <a:endParaRPr lang="en-US" sz="900" dirty="0">
+              <a:solidFill>
+                <a:schemeClr val="tx1"/>
+              </a:solidFill>
+              <a:latin typeface="Times New Roman" pitchFamily="18" charset="0"/>
+              <a:cs typeface="Times New Roman" pitchFamily="18" charset="0"/>
+            </a:endParaRPr>
+          </a:p>
+        </p:txBody>
+      </p:sp>
+      <p:cxnSp>
+        <p:nvCxnSpPr>
+          <p:cNvPr id="65" name="Straight Arrow Connector 64"/>
+          <p:cNvCxnSpPr/>
+          <p:nvPr/>
+        </p:nvCxnSpPr>
+        <p:spPr>
+          <a:xfrm flipV="1">
+            <a:off x="1653654" y="406237"/>
+            <a:ext cx="0" cy="164133"/>
+          </a:xfrm>
+          <a:prstGeom prst="straightConnector1">
+            <a:avLst/>
+          </a:prstGeom>
+          <a:ln w="19050">
+            <a:solidFill>
+              <a:schemeClr val="tx1"/>
+            </a:solidFill>
+            <a:headEnd w="sm" len="sm"/>
+            <a:tailEnd type="arrow" w="sm" len="sm"/>
+          </a:ln>
+        </p:spPr>
+        <p:style>
+          <a:lnRef idx="1">
+            <a:schemeClr val="accent1"/>
+          </a:lnRef>
+          <a:fillRef idx="0">
+            <a:schemeClr val="accent1"/>
+          </a:fillRef>
+          <a:effectRef idx="0">
+            <a:schemeClr val="accent1"/>
+          </a:effectRef>
+          <a:fontRef idx="minor">
+            <a:schemeClr val="tx1"/>
+          </a:fontRef>
+        </p:style>
+      </p:cxnSp>
+      <p:sp>
+        <p:nvSpPr>
+          <p:cNvPr id="67" name="TextBox 66"/>
+          <p:cNvSpPr txBox="1"/>
+          <p:nvPr/>
+        </p:nvSpPr>
+        <p:spPr>
+          <a:xfrm>
+            <a:off x="1397182" y="533310"/>
+            <a:ext cx="512943" cy="230832"/>
+          </a:xfrm>
+          <a:prstGeom prst="rect">
+            <a:avLst/>
+          </a:prstGeom>
+          <a:noFill/>
+          <a:ln w="12700">
+            <a:noFill/>
+          </a:ln>
+        </p:spPr>
+        <p:txBody>
+          <a:bodyPr wrap="square" rtlCol="0">
+            <a:spAutoFit/>
+          </a:bodyPr>
+          <a:lstStyle/>
+          <a:p>
+            <a:pPr algn="ctr"/>
+            <a:r>
+              <a:rPr lang="en-US" sz="900" dirty="0" smtClean="0">
+                <a:latin typeface="Times New Roman" pitchFamily="18" charset="0"/>
+                <a:cs typeface="Times New Roman" pitchFamily="18" charset="0"/>
+              </a:rPr>
+              <a:t>stall</a:t>
+            </a:r>
+            <a:endParaRPr lang="en-US" sz="900" dirty="0">
+              <a:latin typeface="Times New Roman" pitchFamily="18" charset="0"/>
+              <a:cs typeface="Times New Roman" pitchFamily="18" charset="0"/>
+            </a:endParaRPr>
+          </a:p>
+        </p:txBody>
+      </p:sp>
+      <p:sp>
+        <p:nvSpPr>
+          <p:cNvPr id="69" name="Oval 68"/>
+          <p:cNvSpPr/>
+          <p:nvPr/>
+        </p:nvSpPr>
+        <p:spPr>
+          <a:xfrm>
+            <a:off x="2304728" y="65194"/>
+            <a:ext cx="318199" cy="319327"/>
+          </a:xfrm>
+          <a:prstGeom prst="ellipse">
+            <a:avLst/>
+          </a:prstGeom>
+          <a:solidFill>
+            <a:srgbClr val="FFFFCC"/>
+          </a:solidFill>
+          <a:ln w="12700">
+            <a:solidFill>
+              <a:schemeClr val="tx1"/>
+            </a:solidFill>
+          </a:ln>
+        </p:spPr>
+        <p:style>
+          <a:lnRef idx="2">
+            <a:schemeClr val="accent1">
+              <a:shade val="50000"/>
+            </a:schemeClr>
+          </a:lnRef>
+          <a:fillRef idx="1">
+            <a:schemeClr val="accent1"/>
+          </a:fillRef>
+          <a:effectRef idx="0">
+            <a:schemeClr val="accent1"/>
+          </a:effectRef>
+          <a:fontRef idx="minor">
+            <a:schemeClr val="lt1"/>
+          </a:fontRef>
+        </p:style>
+        <p:txBody>
+          <a:bodyPr rtlCol="0" anchor="ctr"/>
+          <a:lstStyle/>
+          <a:p>
+            <a:pPr algn="ctr"/>
+            <a:endParaRPr lang="en-US" sz="900" b="1" dirty="0">
+              <a:solidFill>
+                <a:schemeClr val="tx1"/>
+              </a:solidFill>
+              <a:latin typeface="Times New Roman" pitchFamily="18" charset="0"/>
+              <a:cs typeface="Times New Roman" pitchFamily="18" charset="0"/>
+            </a:endParaRPr>
+          </a:p>
+        </p:txBody>
+      </p:sp>
+      <p:cxnSp>
+        <p:nvCxnSpPr>
+          <p:cNvPr id="74" name="Straight Arrow Connector 73"/>
+          <p:cNvCxnSpPr/>
+          <p:nvPr/>
+        </p:nvCxnSpPr>
+        <p:spPr>
+          <a:xfrm>
+            <a:off x="2622927" y="224857"/>
+            <a:ext cx="472791" cy="0"/>
+          </a:xfrm>
+          <a:prstGeom prst="straightConnector1">
+            <a:avLst/>
+          </a:prstGeom>
+          <a:ln w="19050">
+            <a:solidFill>
+              <a:schemeClr val="tx1"/>
+            </a:solidFill>
+            <a:headEnd w="sm" len="sm"/>
+            <a:tailEnd type="arrow" w="sm" len="sm"/>
+          </a:ln>
+        </p:spPr>
+        <p:style>
+          <a:lnRef idx="1">
+            <a:schemeClr val="accent1"/>
+          </a:lnRef>
+          <a:fillRef idx="0">
+            <a:schemeClr val="accent1"/>
+          </a:fillRef>
+          <a:effectRef idx="0">
+            <a:schemeClr val="accent1"/>
+          </a:effectRef>
+          <a:fontRef idx="minor">
+            <a:schemeClr val="tx1"/>
+          </a:fontRef>
+        </p:style>
+      </p:cxnSp>
+      <p:sp>
+        <p:nvSpPr>
+          <p:cNvPr id="75" name="TextBox 74"/>
+          <p:cNvSpPr txBox="1"/>
+          <p:nvPr/>
+        </p:nvSpPr>
+        <p:spPr>
+          <a:xfrm>
+            <a:off x="1893762" y="39202"/>
+            <a:ext cx="512943" cy="230832"/>
+          </a:xfrm>
+          <a:prstGeom prst="rect">
+            <a:avLst/>
+          </a:prstGeom>
+          <a:noFill/>
+          <a:ln w="12700">
+            <a:noFill/>
+          </a:ln>
+        </p:spPr>
+        <p:txBody>
+          <a:bodyPr wrap="square" rtlCol="0">
+            <a:spAutoFit/>
+          </a:bodyPr>
+          <a:lstStyle/>
+          <a:p>
+            <a:r>
+              <a:rPr lang="en-US" sz="900" dirty="0" smtClean="0">
+                <a:latin typeface="Times New Roman" pitchFamily="18" charset="0"/>
+                <a:cs typeface="Times New Roman" pitchFamily="18" charset="0"/>
+              </a:rPr>
+              <a:t>slack</a:t>
+            </a:r>
+            <a:endParaRPr lang="en-US" sz="900" dirty="0">
+              <a:latin typeface="Times New Roman" pitchFamily="18" charset="0"/>
+              <a:cs typeface="Times New Roman" pitchFamily="18" charset="0"/>
+            </a:endParaRPr>
+          </a:p>
+        </p:txBody>
+      </p:sp>
+      <p:cxnSp>
+        <p:nvCxnSpPr>
+          <p:cNvPr id="23" name="Straight Arrow Connector 22"/>
+          <p:cNvCxnSpPr/>
+          <p:nvPr/>
+        </p:nvCxnSpPr>
+        <p:spPr>
+          <a:xfrm>
+            <a:off x="545574" y="154618"/>
+            <a:ext cx="153620" cy="0"/>
+          </a:xfrm>
+          <a:prstGeom prst="straightConnector1">
+            <a:avLst/>
+          </a:prstGeom>
+          <a:ln w="19050">
+            <a:solidFill>
+              <a:schemeClr val="tx1"/>
+            </a:solidFill>
+            <a:headEnd w="sm" len="sm"/>
+            <a:tailEnd type="arrow" w="sm" len="sm"/>
+          </a:ln>
+        </p:spPr>
+        <p:style>
+          <a:lnRef idx="1">
+            <a:schemeClr val="accent1"/>
+          </a:lnRef>
+          <a:fillRef idx="0">
+            <a:schemeClr val="accent1"/>
+          </a:fillRef>
+          <a:effectRef idx="0">
+            <a:schemeClr val="accent1"/>
+          </a:effectRef>
+          <a:fontRef idx="minor">
+            <a:schemeClr val="tx1"/>
+          </a:fontRef>
+        </p:style>
+      </p:cxnSp>
+      <p:sp>
+        <p:nvSpPr>
+          <p:cNvPr id="16" name="Rectangle 15"/>
+          <p:cNvSpPr/>
+          <p:nvPr/>
+        </p:nvSpPr>
+        <p:spPr>
+          <a:xfrm>
+            <a:off x="699194" y="84306"/>
+            <a:ext cx="401741" cy="140624"/>
+          </a:xfrm>
+          <a:prstGeom prst="rect">
+            <a:avLst/>
+          </a:prstGeom>
+          <a:solidFill>
+            <a:srgbClr val="FFFFCC"/>
+          </a:solidFill>
+          <a:ln w="12700">
+            <a:solidFill>
+              <a:schemeClr val="tx1"/>
+            </a:solidFill>
+          </a:ln>
+        </p:spPr>
+        <p:style>
+          <a:lnRef idx="2">
+            <a:schemeClr val="accent1">
+              <a:shade val="50000"/>
+            </a:schemeClr>
+          </a:lnRef>
+          <a:fillRef idx="1">
+            <a:schemeClr val="accent1"/>
+          </a:fillRef>
+          <a:effectRef idx="0">
+            <a:schemeClr val="accent1"/>
+          </a:effectRef>
+          <a:fontRef idx="minor">
+            <a:schemeClr val="lt1"/>
+          </a:fontRef>
+        </p:style>
+        <p:txBody>
+          <a:bodyPr rtlCol="0" anchor="ctr"/>
+          <a:lstStyle/>
+          <a:p>
+            <a:pPr algn="ctr"/>
+            <a:r>
+              <a:rPr lang="en-US" sz="900" dirty="0" smtClean="0">
+                <a:solidFill>
+                  <a:schemeClr val="tx1"/>
+                </a:solidFill>
+                <a:latin typeface="Times New Roman" pitchFamily="18" charset="0"/>
+                <a:cs typeface="Times New Roman" pitchFamily="18" charset="0"/>
+              </a:rPr>
+              <a:t>1/x</a:t>
+            </a:r>
+            <a:endParaRPr lang="en-US" sz="900" dirty="0">
+              <a:solidFill>
+                <a:schemeClr val="tx1"/>
+              </a:solidFill>
+              <a:latin typeface="Times New Roman" pitchFamily="18" charset="0"/>
+              <a:cs typeface="Times New Roman" pitchFamily="18" charset="0"/>
+            </a:endParaRPr>
+          </a:p>
+        </p:txBody>
+      </p:sp>
+      <p:cxnSp>
+        <p:nvCxnSpPr>
+          <p:cNvPr id="17" name="Straight Arrow Connector 16"/>
+          <p:cNvCxnSpPr/>
+          <p:nvPr/>
+        </p:nvCxnSpPr>
+        <p:spPr>
+          <a:xfrm>
+            <a:off x="1094635" y="154618"/>
+            <a:ext cx="260927" cy="0"/>
+          </a:xfrm>
+          <a:prstGeom prst="straightConnector1">
+            <a:avLst/>
+          </a:prstGeom>
+          <a:ln w="19050">
+            <a:solidFill>
+              <a:schemeClr val="tx1"/>
+            </a:solidFill>
+            <a:headEnd w="sm" len="sm"/>
+            <a:tailEnd type="arrow" w="sm" len="sm"/>
+          </a:ln>
+        </p:spPr>
+        <p:style>
+          <a:lnRef idx="1">
+            <a:schemeClr val="accent1"/>
+          </a:lnRef>
+          <a:fillRef idx="0">
+            <a:schemeClr val="accent1"/>
+          </a:fillRef>
+          <a:effectRef idx="0">
+            <a:schemeClr val="accent1"/>
+          </a:effectRef>
+          <a:fontRef idx="minor">
+            <a:schemeClr val="tx1"/>
+          </a:fontRef>
+        </p:style>
+      </p:cxnSp>
+      <p:sp>
+        <p:nvSpPr>
+          <p:cNvPr id="21" name="TextBox 20"/>
+          <p:cNvSpPr txBox="1"/>
+          <p:nvPr/>
+        </p:nvSpPr>
+        <p:spPr>
+          <a:xfrm>
+            <a:off x="1085795" y="-31110"/>
+            <a:ext cx="270055" cy="230832"/>
+          </a:xfrm>
+          <a:prstGeom prst="rect">
+            <a:avLst/>
+          </a:prstGeom>
+          <a:noFill/>
+          <a:ln w="12700">
+            <a:noFill/>
+          </a:ln>
+        </p:spPr>
+        <p:txBody>
+          <a:bodyPr wrap="square" rtlCol="0">
+            <a:spAutoFit/>
+          </a:bodyPr>
+          <a:lstStyle/>
+          <a:p>
+            <a:r>
+              <a:rPr lang="en-US" sz="900" dirty="0" smtClean="0">
+                <a:latin typeface="Times New Roman" pitchFamily="18" charset="0"/>
+                <a:cs typeface="Times New Roman" pitchFamily="18" charset="0"/>
+              </a:rPr>
+              <a:t>k</a:t>
+            </a:r>
+            <a:endParaRPr lang="en-US" sz="900" dirty="0">
+              <a:latin typeface="Times New Roman" pitchFamily="18" charset="0"/>
+              <a:cs typeface="Times New Roman" pitchFamily="18" charset="0"/>
+            </a:endParaRPr>
+          </a:p>
+        </p:txBody>
+      </p:sp>
+      <p:cxnSp>
+        <p:nvCxnSpPr>
+          <p:cNvPr id="70" name="Straight Arrow Connector 69"/>
+          <p:cNvCxnSpPr/>
+          <p:nvPr/>
+        </p:nvCxnSpPr>
+        <p:spPr>
+          <a:xfrm>
+            <a:off x="1951747" y="227804"/>
+            <a:ext cx="352981" cy="0"/>
+          </a:xfrm>
+          <a:prstGeom prst="straightConnector1">
+            <a:avLst/>
+          </a:prstGeom>
+          <a:ln w="19050">
+            <a:solidFill>
+              <a:schemeClr val="tx1"/>
+            </a:solidFill>
+            <a:headEnd w="sm" len="sm"/>
+            <a:tailEnd type="arrow" w="sm" len="sm"/>
+          </a:ln>
+        </p:spPr>
+        <p:style>
+          <a:lnRef idx="1">
+            <a:schemeClr val="accent1"/>
+          </a:lnRef>
+          <a:fillRef idx="0">
+            <a:schemeClr val="accent1"/>
+          </a:fillRef>
+          <a:effectRef idx="0">
+            <a:schemeClr val="accent1"/>
+          </a:effectRef>
+          <a:fontRef idx="minor">
+            <a:schemeClr val="tx1"/>
+          </a:fontRef>
+        </p:style>
+      </p:cxnSp>
+      <p:cxnSp>
+        <p:nvCxnSpPr>
+          <p:cNvPr id="24" name="Straight Arrow Connector 23"/>
+          <p:cNvCxnSpPr/>
+          <p:nvPr/>
+        </p:nvCxnSpPr>
+        <p:spPr>
+          <a:xfrm>
+            <a:off x="1085795" y="340408"/>
+            <a:ext cx="260927" cy="0"/>
+          </a:xfrm>
+          <a:prstGeom prst="straightConnector1">
+            <a:avLst/>
+          </a:prstGeom>
+          <a:ln w="19050">
+            <a:solidFill>
+              <a:schemeClr val="tx1"/>
+            </a:solidFill>
+            <a:headEnd w="sm" len="sm"/>
+            <a:tailEnd type="arrow" w="sm" len="sm"/>
+          </a:ln>
+        </p:spPr>
+        <p:style>
+          <a:lnRef idx="1">
+            <a:schemeClr val="accent1"/>
+          </a:lnRef>
+          <a:fillRef idx="0">
+            <a:schemeClr val="accent1"/>
+          </a:fillRef>
+          <a:effectRef idx="0">
+            <a:schemeClr val="accent1"/>
+          </a:effectRef>
+          <a:fontRef idx="minor">
+            <a:schemeClr val="tx1"/>
+          </a:fontRef>
+        </p:style>
+      </p:cxnSp>
+      <p:sp>
+        <p:nvSpPr>
+          <p:cNvPr id="19" name="TextBox 18"/>
+          <p:cNvSpPr txBox="1"/>
+          <p:nvPr/>
+        </p:nvSpPr>
+        <p:spPr>
+          <a:xfrm>
+            <a:off x="2207355" y="109441"/>
+            <a:ext cx="512943" cy="230832"/>
+          </a:xfrm>
+          <a:prstGeom prst="rect">
+            <a:avLst/>
+          </a:prstGeom>
+          <a:noFill/>
+          <a:ln w="12700">
+            <a:noFill/>
+          </a:ln>
+        </p:spPr>
+        <p:txBody>
+          <a:bodyPr wrap="square" rtlCol="0">
+            <a:spAutoFit/>
+          </a:bodyPr>
+          <a:lstStyle/>
+          <a:p>
+            <a:pPr algn="ctr"/>
+            <a:r>
+              <a:rPr lang="en-US" sz="900" b="1" dirty="0" smtClean="0">
+                <a:latin typeface="Times New Roman" pitchFamily="18" charset="0"/>
+                <a:cs typeface="Times New Roman" pitchFamily="18" charset="0"/>
+              </a:rPr>
+              <a:t>&gt; 0</a:t>
+            </a:r>
+            <a:endParaRPr lang="en-US" sz="900" b="1" dirty="0">
+              <a:latin typeface="Times New Roman" pitchFamily="18" charset="0"/>
+              <a:cs typeface="Times New Roman" pitchFamily="18" charset="0"/>
+            </a:endParaRPr>
+          </a:p>
+        </p:txBody>
+      </p:sp>
+    </p:spTree>
+    <p:extLst>
+      <p:ext uri="{BB962C8B-B14F-4D97-AF65-F5344CB8AC3E}">
+        <p14:creationId xmlns:p14="http://schemas.microsoft.com/office/powerpoint/2010/main" val="1210843306"/>
+      </p:ext>
+    </p:extLst>
+  </p:cSld>
+  <p:clrMapOvr>
+    <a:masterClrMapping/>
+  </p:clrMapOvr>
 </p:sld>
 </file>
 

--- a/figs_src/diagrams.pptx
+++ b/figs_src/diagrams.pptx
@@ -156,7 +156,7 @@
           </a:prstGeom>
         </p:spPr>
         <p:txBody>
-          <a:bodyPr vert="horz" lIns="54324" tIns="27162" rIns="54324" bIns="27162" rtlCol="0"/>
+          <a:bodyPr vert="horz" lIns="54315" tIns="27157" rIns="54315" bIns="27157" rtlCol="0"/>
           <a:lstStyle>
             <a:lvl1pPr algn="l">
               <a:defRPr sz="700"/>
@@ -187,7 +187,7 @@
           </a:prstGeom>
         </p:spPr>
         <p:txBody>
-          <a:bodyPr vert="horz" lIns="54324" tIns="27162" rIns="54324" bIns="27162" rtlCol="0"/>
+          <a:bodyPr vert="horz" lIns="54315" tIns="27157" rIns="54315" bIns="27157" rtlCol="0"/>
           <a:lstStyle>
             <a:lvl1pPr algn="r">
               <a:defRPr sz="700"/>
@@ -196,7 +196,7 @@
           <a:p>
             <a:fld id="{843567C3-09B7-4EC5-8695-9659B6A4537F}" type="datetimeFigureOut">
               <a:rPr lang="en-US" smtClean="0"/>
-              <a:t>5/23/2014</a:t>
+              <a:t>5/27/2014</a:t>
             </a:fld>
             <a:endParaRPr lang="en-US"/>
           </a:p>
@@ -228,7 +228,7 @@
           </a:ln>
         </p:spPr>
         <p:txBody>
-          <a:bodyPr vert="horz" lIns="54324" tIns="27162" rIns="54324" bIns="27162" rtlCol="0" anchor="ctr"/>
+          <a:bodyPr vert="horz" lIns="54315" tIns="27157" rIns="54315" bIns="27157" rtlCol="0" anchor="ctr"/>
           <a:lstStyle/>
           <a:p>
             <a:endParaRPr lang="en-US"/>
@@ -255,7 +255,7 @@
           </a:prstGeom>
         </p:spPr>
         <p:txBody>
-          <a:bodyPr vert="horz" lIns="54324" tIns="27162" rIns="54324" bIns="27162" rtlCol="0"/>
+          <a:bodyPr vert="horz" lIns="54315" tIns="27157" rIns="54315" bIns="27157" rtlCol="0"/>
           <a:lstStyle/>
           <a:p>
             <a:pPr lvl="0"/>
@@ -315,7 +315,7 @@
           </a:prstGeom>
         </p:spPr>
         <p:txBody>
-          <a:bodyPr vert="horz" lIns="54324" tIns="27162" rIns="54324" bIns="27162" rtlCol="0" anchor="b"/>
+          <a:bodyPr vert="horz" lIns="54315" tIns="27157" rIns="54315" bIns="27157" rtlCol="0" anchor="b"/>
           <a:lstStyle>
             <a:lvl1pPr algn="l">
               <a:defRPr sz="700"/>
@@ -346,7 +346,7 @@
           </a:prstGeom>
         </p:spPr>
         <p:txBody>
-          <a:bodyPr vert="horz" lIns="54324" tIns="27162" rIns="54324" bIns="27162" rtlCol="0" anchor="b"/>
+          <a:bodyPr vert="horz" lIns="54315" tIns="27157" rIns="54315" bIns="27157" rtlCol="0" anchor="b"/>
           <a:lstStyle>
             <a:lvl1pPr algn="r">
               <a:defRPr sz="700"/>
@@ -646,7 +646,7 @@
             <a:fld id="{1D8BD707-D9CF-40AE-B4C6-C98DA3205C09}" type="datetimeFigureOut">
               <a:rPr lang="en-US" smtClean="0"/>
               <a:pPr/>
-              <a:t>5/23/2014</a:t>
+              <a:t>5/27/2014</a:t>
             </a:fld>
             <a:endParaRPr lang="en-US"/>
           </a:p>
@@ -813,7 +813,7 @@
             <a:fld id="{1D8BD707-D9CF-40AE-B4C6-C98DA3205C09}" type="datetimeFigureOut">
               <a:rPr lang="en-US" smtClean="0"/>
               <a:pPr/>
-              <a:t>5/23/2014</a:t>
+              <a:t>5/27/2014</a:t>
             </a:fld>
             <a:endParaRPr lang="en-US"/>
           </a:p>
@@ -990,7 +990,7 @@
             <a:fld id="{1D8BD707-D9CF-40AE-B4C6-C98DA3205C09}" type="datetimeFigureOut">
               <a:rPr lang="en-US" smtClean="0"/>
               <a:pPr/>
-              <a:t>5/23/2014</a:t>
+              <a:t>5/27/2014</a:t>
             </a:fld>
             <a:endParaRPr lang="en-US"/>
           </a:p>
@@ -1157,7 +1157,7 @@
             <a:fld id="{1D8BD707-D9CF-40AE-B4C6-C98DA3205C09}" type="datetimeFigureOut">
               <a:rPr lang="en-US" smtClean="0"/>
               <a:pPr/>
-              <a:t>5/23/2014</a:t>
+              <a:t>5/27/2014</a:t>
             </a:fld>
             <a:endParaRPr lang="en-US"/>
           </a:p>
@@ -1400,7 +1400,7 @@
             <a:fld id="{1D8BD707-D9CF-40AE-B4C6-C98DA3205C09}" type="datetimeFigureOut">
               <a:rPr lang="en-US" smtClean="0"/>
               <a:pPr/>
-              <a:t>5/23/2014</a:t>
+              <a:t>5/27/2014</a:t>
             </a:fld>
             <a:endParaRPr lang="en-US"/>
           </a:p>
@@ -1685,7 +1685,7 @@
             <a:fld id="{1D8BD707-D9CF-40AE-B4C6-C98DA3205C09}" type="datetimeFigureOut">
               <a:rPr lang="en-US" smtClean="0"/>
               <a:pPr/>
-              <a:t>5/23/2014</a:t>
+              <a:t>5/27/2014</a:t>
             </a:fld>
             <a:endParaRPr lang="en-US"/>
           </a:p>
@@ -2104,7 +2104,7 @@
             <a:fld id="{1D8BD707-D9CF-40AE-B4C6-C98DA3205C09}" type="datetimeFigureOut">
               <a:rPr lang="en-US" smtClean="0"/>
               <a:pPr/>
-              <a:t>5/23/2014</a:t>
+              <a:t>5/27/2014</a:t>
             </a:fld>
             <a:endParaRPr lang="en-US"/>
           </a:p>
@@ -2219,7 +2219,7 @@
             <a:fld id="{1D8BD707-D9CF-40AE-B4C6-C98DA3205C09}" type="datetimeFigureOut">
               <a:rPr lang="en-US" smtClean="0"/>
               <a:pPr/>
-              <a:t>5/23/2014</a:t>
+              <a:t>5/27/2014</a:t>
             </a:fld>
             <a:endParaRPr lang="en-US"/>
           </a:p>
@@ -2311,7 +2311,7 @@
             <a:fld id="{1D8BD707-D9CF-40AE-B4C6-C98DA3205C09}" type="datetimeFigureOut">
               <a:rPr lang="en-US" smtClean="0"/>
               <a:pPr/>
-              <a:t>5/23/2014</a:t>
+              <a:t>5/27/2014</a:t>
             </a:fld>
             <a:endParaRPr lang="en-US"/>
           </a:p>
@@ -2585,7 +2585,7 @@
             <a:fld id="{1D8BD707-D9CF-40AE-B4C6-C98DA3205C09}" type="datetimeFigureOut">
               <a:rPr lang="en-US" smtClean="0"/>
               <a:pPr/>
-              <a:t>5/23/2014</a:t>
+              <a:t>5/27/2014</a:t>
             </a:fld>
             <a:endParaRPr lang="en-US"/>
           </a:p>
@@ -2835,7 +2835,7 @@
             <a:fld id="{1D8BD707-D9CF-40AE-B4C6-C98DA3205C09}" type="datetimeFigureOut">
               <a:rPr lang="en-US" smtClean="0"/>
               <a:pPr/>
-              <a:t>5/23/2014</a:t>
+              <a:t>5/27/2014</a:t>
             </a:fld>
             <a:endParaRPr lang="en-US"/>
           </a:p>
@@ -3045,7 +3045,7 @@
             <a:fld id="{1D8BD707-D9CF-40AE-B4C6-C98DA3205C09}" type="datetimeFigureOut">
               <a:rPr lang="en-US" smtClean="0"/>
               <a:pPr/>
-              <a:t>5/23/2014</a:t>
+              <a:t>5/27/2014</a:t>
             </a:fld>
             <a:endParaRPr lang="en-US"/>
           </a:p>
@@ -4245,13 +4245,13 @@
           <p:cNvPr id="44" name="Straight Arrow Connector 43"/>
           <p:cNvCxnSpPr>
             <a:stCxn id="45" idx="3"/>
-            <a:endCxn id="74" idx="1"/>
+            <a:endCxn id="13" idx="1"/>
           </p:cNvCxnSpPr>
           <p:nvPr/>
         </p:nvCxnSpPr>
         <p:spPr>
           <a:xfrm>
-            <a:off x="1974478" y="362361"/>
+            <a:off x="2021732" y="362361"/>
             <a:ext cx="192945" cy="0"/>
           </a:xfrm>
           <a:prstGeom prst="straightConnector1">
@@ -4288,7 +4288,7 @@
         </p:nvSpPr>
         <p:spPr>
           <a:xfrm>
-            <a:off x="1206375" y="46657"/>
+            <a:off x="1253629" y="46657"/>
             <a:ext cx="768103" cy="631408"/>
           </a:xfrm>
           <a:prstGeom prst="rect">
@@ -4353,13 +4353,16 @@
       <p:cxnSp>
         <p:nvCxnSpPr>
           <p:cNvPr id="46" name="Straight Arrow Connector 45"/>
-          <p:cNvCxnSpPr/>
+          <p:cNvCxnSpPr>
+            <a:stCxn id="45" idx="2"/>
+            <a:endCxn id="47" idx="0"/>
+          </p:cNvCxnSpPr>
           <p:nvPr/>
         </p:nvCxnSpPr>
         <p:spPr>
           <a:xfrm>
-            <a:off x="1590427" y="670416"/>
-            <a:ext cx="0" cy="225127"/>
+            <a:off x="1637681" y="678065"/>
+            <a:ext cx="0" cy="219689"/>
           </a:xfrm>
           <a:prstGeom prst="straightConnector1">
             <a:avLst/>
@@ -4395,7 +4398,7 @@
         </p:nvSpPr>
         <p:spPr>
           <a:xfrm>
-            <a:off x="1206375" y="897754"/>
+            <a:off x="1253629" y="897754"/>
             <a:ext cx="768103" cy="315705"/>
           </a:xfrm>
           <a:prstGeom prst="rect">
@@ -4439,8 +4442,15 @@
                 <a:latin typeface="Times New Roman" pitchFamily="18" charset="0"/>
                 <a:cs typeface="Times New Roman" pitchFamily="18" charset="0"/>
               </a:rPr>
-              <a:t>Initialization Flags</a:t>
-            </a:r>
+              <a:t>Dataflow Flags</a:t>
+            </a:r>
+            <a:endParaRPr lang="en-US" sz="900" dirty="0" smtClean="0">
+              <a:solidFill>
+                <a:schemeClr val="tx1"/>
+              </a:solidFill>
+              <a:latin typeface="Times New Roman" pitchFamily="18" charset="0"/>
+              <a:cs typeface="Times New Roman" pitchFamily="18" charset="0"/>
+            </a:endParaRPr>
           </a:p>
         </p:txBody>
       </p:sp>
@@ -4448,15 +4458,15 @@
         <p:nvCxnSpPr>
           <p:cNvPr id="54" name="Straight Arrow Connector 53"/>
           <p:cNvCxnSpPr>
-            <a:stCxn id="66" idx="3"/>
+            <a:stCxn id="14" idx="3"/>
             <a:endCxn id="45" idx="1"/>
           </p:cNvCxnSpPr>
           <p:nvPr/>
         </p:nvCxnSpPr>
         <p:spPr>
-          <a:xfrm>
-            <a:off x="969482" y="362361"/>
-            <a:ext cx="236893" cy="0"/>
+          <a:xfrm flipV="1">
+            <a:off x="1016736" y="362361"/>
+            <a:ext cx="236893" cy="1"/>
           </a:xfrm>
           <a:prstGeom prst="straightConnector1">
             <a:avLst/>
@@ -4484,16 +4494,56 @@
           </a:fontRef>
         </p:style>
       </p:cxnSp>
-      <p:sp>
-        <p:nvSpPr>
-          <p:cNvPr id="66" name="Rectangle 65"/>
+      <p:cxnSp>
+        <p:nvCxnSpPr>
+          <p:cNvPr id="68" name="Straight Arrow Connector 67"/>
+          <p:cNvCxnSpPr>
+            <a:stCxn id="14" idx="2"/>
+            <a:endCxn id="70" idx="0"/>
+          </p:cNvCxnSpPr>
+          <p:nvPr/>
+        </p:nvCxnSpPr>
+        <p:spPr>
+          <a:xfrm>
+            <a:off x="632685" y="678066"/>
+            <a:ext cx="2" cy="219688"/>
+          </a:xfrm>
+          <a:prstGeom prst="straightConnector1">
+            <a:avLst/>
+          </a:prstGeom>
+          <a:ln w="19050">
+            <a:solidFill>
+              <a:schemeClr val="tx1"/>
+            </a:solidFill>
+            <a:headEnd type="arrow" w="sm" len="sm"/>
+            <a:tailEnd type="arrow" w="sm" len="sm"/>
+          </a:ln>
+        </p:spPr>
+        <p:style>
+          <a:lnRef idx="1">
+            <a:schemeClr val="accent1"/>
+          </a:lnRef>
+          <a:fillRef idx="0">
+            <a:schemeClr val="accent1"/>
+          </a:fillRef>
+          <a:effectRef idx="0">
+            <a:schemeClr val="accent1"/>
+          </a:effectRef>
+          <a:fontRef idx="minor">
+            <a:schemeClr val="tx1"/>
+          </a:fontRef>
+        </p:style>
+      </p:cxnSp>
+      <p:sp>
+        <p:nvSpPr>
+          <p:cNvPr id="70" name="Rectangle 69"/>
           <p:cNvSpPr/>
           <p:nvPr/>
         </p:nvSpPr>
         <p:spPr>
           <a:xfrm>
-            <a:off x="294430" y="46657"/>
-            <a:ext cx="675052" cy="631408"/>
+            <a:off x="248634" y="897754"/>
+            <a:ext cx="768106" cy="315705"/>
           </a:xfrm>
           <a:prstGeom prst="rect">
             <a:avLst/>
@@ -4536,6 +4586,224 @@
                 <a:latin typeface="Times New Roman" pitchFamily="18" charset="0"/>
                 <a:cs typeface="Times New Roman" pitchFamily="18" charset="0"/>
               </a:rPr>
+              <a:t>Program State</a:t>
+            </a:r>
+          </a:p>
+        </p:txBody>
+      </p:sp>
+      <p:cxnSp>
+        <p:nvCxnSpPr>
+          <p:cNvPr id="75" name="Straight Arrow Connector 74"/>
+          <p:cNvCxnSpPr>
+            <a:stCxn id="13" idx="2"/>
+            <a:endCxn id="77" idx="0"/>
+          </p:cNvCxnSpPr>
+          <p:nvPr/>
+        </p:nvCxnSpPr>
+        <p:spPr>
+          <a:xfrm>
+            <a:off x="2598729" y="678064"/>
+            <a:ext cx="1" cy="219690"/>
+          </a:xfrm>
+          <a:prstGeom prst="straightConnector1">
+            <a:avLst/>
+          </a:prstGeom>
+          <a:ln w="19050">
+            <a:solidFill>
+              <a:schemeClr val="tx1"/>
+            </a:solidFill>
+            <a:headEnd type="arrow" w="sm" len="sm"/>
+            <a:tailEnd type="arrow" w="sm" len="sm"/>
+          </a:ln>
+        </p:spPr>
+        <p:style>
+          <a:lnRef idx="1">
+            <a:schemeClr val="accent1"/>
+          </a:lnRef>
+          <a:fillRef idx="0">
+            <a:schemeClr val="accent1"/>
+          </a:fillRef>
+          <a:effectRef idx="0">
+            <a:schemeClr val="accent1"/>
+          </a:effectRef>
+          <a:fontRef idx="minor">
+            <a:schemeClr val="tx1"/>
+          </a:fontRef>
+        </p:style>
+      </p:cxnSp>
+      <p:sp>
+        <p:nvSpPr>
+          <p:cNvPr id="77" name="Rectangle 76"/>
+          <p:cNvSpPr/>
+          <p:nvPr/>
+        </p:nvSpPr>
+        <p:spPr>
+          <a:xfrm>
+            <a:off x="2214679" y="897754"/>
+            <a:ext cx="768101" cy="315705"/>
+          </a:xfrm>
+          <a:prstGeom prst="rect">
+            <a:avLst/>
+          </a:prstGeom>
+          <a:solidFill>
+            <a:srgbClr val="66CCFF"/>
+          </a:solidFill>
+          <a:ln w="12700">
+            <a:solidFill>
+              <a:schemeClr val="tx1"/>
+            </a:solidFill>
+          </a:ln>
+        </p:spPr>
+        <p:style>
+          <a:lnRef idx="2">
+            <a:schemeClr val="accent1">
+              <a:shade val="50000"/>
+            </a:schemeClr>
+          </a:lnRef>
+          <a:fillRef idx="1">
+            <a:schemeClr val="accent1"/>
+          </a:fillRef>
+          <a:effectRef idx="0">
+            <a:schemeClr val="accent1"/>
+          </a:effectRef>
+          <a:fontRef idx="minor">
+            <a:schemeClr val="lt1"/>
+          </a:fontRef>
+        </p:style>
+        <p:txBody>
+          <a:bodyPr rtlCol="0" anchor="ctr"/>
+          <a:lstStyle/>
+          <a:p>
+            <a:pPr algn="ctr"/>
+            <a:r>
+              <a:rPr lang="en-US" sz="900" dirty="0" smtClean="0">
+                <a:solidFill>
+                  <a:schemeClr val="tx1"/>
+                </a:solidFill>
+                <a:latin typeface="Times New Roman" pitchFamily="18" charset="0"/>
+                <a:cs typeface="Times New Roman" pitchFamily="18" charset="0"/>
+              </a:rPr>
+              <a:t>Metadata</a:t>
+            </a:r>
+          </a:p>
+        </p:txBody>
+      </p:sp>
+      <p:sp>
+        <p:nvSpPr>
+          <p:cNvPr id="13" name="Rectangle 12"/>
+          <p:cNvSpPr/>
+          <p:nvPr/>
+        </p:nvSpPr>
+        <p:spPr>
+          <a:xfrm>
+            <a:off x="2214677" y="46657"/>
+            <a:ext cx="768103" cy="631407"/>
+          </a:xfrm>
+          <a:prstGeom prst="rect">
+            <a:avLst/>
+          </a:prstGeom>
+          <a:solidFill>
+            <a:srgbClr val="66CCFF"/>
+          </a:solidFill>
+          <a:ln w="12700">
+            <a:solidFill>
+              <a:schemeClr val="tx1"/>
+            </a:solidFill>
+          </a:ln>
+        </p:spPr>
+        <p:style>
+          <a:lnRef idx="2">
+            <a:schemeClr val="accent1">
+              <a:shade val="50000"/>
+            </a:schemeClr>
+          </a:lnRef>
+          <a:fillRef idx="1">
+            <a:schemeClr val="accent1"/>
+          </a:fillRef>
+          <a:effectRef idx="0">
+            <a:schemeClr val="accent1"/>
+          </a:effectRef>
+          <a:fontRef idx="minor">
+            <a:schemeClr val="lt1"/>
+          </a:fontRef>
+        </p:style>
+        <p:txBody>
+          <a:bodyPr rtlCol="0" anchor="ctr"/>
+          <a:lstStyle/>
+          <a:p>
+            <a:pPr algn="ctr"/>
+            <a:r>
+              <a:rPr lang="en-US" sz="900" dirty="0" smtClean="0">
+                <a:solidFill>
+                  <a:schemeClr val="tx1"/>
+                </a:solidFill>
+                <a:latin typeface="Times New Roman" pitchFamily="18" charset="0"/>
+                <a:cs typeface="Times New Roman" pitchFamily="18" charset="0"/>
+              </a:rPr>
+              <a:t>Monitoring Core</a:t>
+            </a:r>
+            <a:endParaRPr lang="en-US" sz="900" dirty="0" smtClean="0">
+              <a:solidFill>
+                <a:schemeClr val="tx1"/>
+              </a:solidFill>
+              <a:latin typeface="Times New Roman" pitchFamily="18" charset="0"/>
+              <a:cs typeface="Times New Roman" pitchFamily="18" charset="0"/>
+            </a:endParaRPr>
+          </a:p>
+        </p:txBody>
+      </p:sp>
+      <p:sp>
+        <p:nvSpPr>
+          <p:cNvPr id="14" name="Rectangle 13"/>
+          <p:cNvSpPr/>
+          <p:nvPr/>
+        </p:nvSpPr>
+        <p:spPr>
+          <a:xfrm>
+            <a:off x="248633" y="46658"/>
+            <a:ext cx="768103" cy="631408"/>
+          </a:xfrm>
+          <a:prstGeom prst="rect">
+            <a:avLst/>
+          </a:prstGeom>
+          <a:solidFill>
+            <a:srgbClr val="66CCFF"/>
+          </a:solidFill>
+          <a:ln w="12700">
+            <a:solidFill>
+              <a:schemeClr val="tx1"/>
+            </a:solidFill>
+          </a:ln>
+        </p:spPr>
+        <p:style>
+          <a:lnRef idx="2">
+            <a:schemeClr val="accent1">
+              <a:shade val="50000"/>
+            </a:schemeClr>
+          </a:lnRef>
+          <a:fillRef idx="1">
+            <a:schemeClr val="accent1"/>
+          </a:fillRef>
+          <a:effectRef idx="0">
+            <a:schemeClr val="accent1"/>
+          </a:effectRef>
+          <a:fontRef idx="minor">
+            <a:schemeClr val="lt1"/>
+          </a:fontRef>
+        </p:style>
+        <p:txBody>
+          <a:bodyPr rtlCol="0" anchor="ctr"/>
+          <a:lstStyle/>
+          <a:p>
+            <a:pPr algn="ctr"/>
+            <a:r>
+              <a:rPr lang="en-US" sz="900" dirty="0" smtClean="0">
+                <a:solidFill>
+                  <a:schemeClr val="tx1"/>
+                </a:solidFill>
+                <a:latin typeface="Times New Roman" pitchFamily="18" charset="0"/>
+                <a:cs typeface="Times New Roman" pitchFamily="18" charset="0"/>
+              </a:rPr>
               <a:t>Main</a:t>
             </a:r>
           </a:p>
@@ -4550,251 +4818,6 @@
                 <a:cs typeface="Times New Roman" pitchFamily="18" charset="0"/>
               </a:rPr>
               <a:t>Core</a:t>
-            </a:r>
-          </a:p>
-        </p:txBody>
-      </p:sp>
-      <p:cxnSp>
-        <p:nvCxnSpPr>
-          <p:cNvPr id="68" name="Straight Arrow Connector 67"/>
-          <p:cNvCxnSpPr/>
-          <p:nvPr/>
-        </p:nvCxnSpPr>
-        <p:spPr>
-          <a:xfrm>
-            <a:off x="631956" y="672628"/>
-            <a:ext cx="0" cy="225127"/>
-          </a:xfrm>
-          <a:prstGeom prst="straightConnector1">
-            <a:avLst/>
-          </a:prstGeom>
-          <a:ln w="19050">
-            <a:solidFill>
-              <a:schemeClr val="tx1"/>
-            </a:solidFill>
-            <a:headEnd type="arrow" w="sm" len="sm"/>
-            <a:tailEnd type="arrow" w="sm" len="sm"/>
-          </a:ln>
-        </p:spPr>
-        <p:style>
-          <a:lnRef idx="1">
-            <a:schemeClr val="accent1"/>
-          </a:lnRef>
-          <a:fillRef idx="0">
-            <a:schemeClr val="accent1"/>
-          </a:fillRef>
-          <a:effectRef idx="0">
-            <a:schemeClr val="accent1"/>
-          </a:effectRef>
-          <a:fontRef idx="minor">
-            <a:schemeClr val="tx1"/>
-          </a:fontRef>
-        </p:style>
-      </p:cxnSp>
-      <p:sp>
-        <p:nvSpPr>
-          <p:cNvPr id="70" name="Rectangle 69"/>
-          <p:cNvSpPr/>
-          <p:nvPr/>
-        </p:nvSpPr>
-        <p:spPr>
-          <a:xfrm>
-            <a:off x="294432" y="897754"/>
-            <a:ext cx="675053" cy="315705"/>
-          </a:xfrm>
-          <a:prstGeom prst="rect">
-            <a:avLst/>
-          </a:prstGeom>
-          <a:solidFill>
-            <a:srgbClr val="66CCFF"/>
-          </a:solidFill>
-          <a:ln w="12700">
-            <a:solidFill>
-              <a:schemeClr val="tx1"/>
-            </a:solidFill>
-          </a:ln>
-        </p:spPr>
-        <p:style>
-          <a:lnRef idx="2">
-            <a:schemeClr val="accent1">
-              <a:shade val="50000"/>
-            </a:schemeClr>
-          </a:lnRef>
-          <a:fillRef idx="1">
-            <a:schemeClr val="accent1"/>
-          </a:fillRef>
-          <a:effectRef idx="0">
-            <a:schemeClr val="accent1"/>
-          </a:effectRef>
-          <a:fontRef idx="minor">
-            <a:schemeClr val="lt1"/>
-          </a:fontRef>
-        </p:style>
-        <p:txBody>
-          <a:bodyPr rtlCol="0" anchor="ctr"/>
-          <a:lstStyle/>
-          <a:p>
-            <a:pPr algn="ctr"/>
-            <a:r>
-              <a:rPr lang="en-US" sz="900" dirty="0" smtClean="0">
-                <a:solidFill>
-                  <a:schemeClr val="tx1"/>
-                </a:solidFill>
-                <a:latin typeface="Times New Roman" pitchFamily="18" charset="0"/>
-                <a:cs typeface="Times New Roman" pitchFamily="18" charset="0"/>
-              </a:rPr>
-              <a:t>Program State</a:t>
-            </a:r>
-          </a:p>
-        </p:txBody>
-      </p:sp>
-      <p:sp>
-        <p:nvSpPr>
-          <p:cNvPr id="74" name="Rectangle 73"/>
-          <p:cNvSpPr/>
-          <p:nvPr/>
-        </p:nvSpPr>
-        <p:spPr>
-          <a:xfrm>
-            <a:off x="2167423" y="46657"/>
-            <a:ext cx="675052" cy="631408"/>
-          </a:xfrm>
-          <a:prstGeom prst="rect">
-            <a:avLst/>
-          </a:prstGeom>
-          <a:solidFill>
-            <a:srgbClr val="66CCFF"/>
-          </a:solidFill>
-          <a:ln w="12700">
-            <a:solidFill>
-              <a:schemeClr val="tx1"/>
-            </a:solidFill>
-          </a:ln>
-        </p:spPr>
-        <p:style>
-          <a:lnRef idx="2">
-            <a:schemeClr val="accent1">
-              <a:shade val="50000"/>
-            </a:schemeClr>
-          </a:lnRef>
-          <a:fillRef idx="1">
-            <a:schemeClr val="accent1"/>
-          </a:fillRef>
-          <a:effectRef idx="0">
-            <a:schemeClr val="accent1"/>
-          </a:effectRef>
-          <a:fontRef idx="minor">
-            <a:schemeClr val="lt1"/>
-          </a:fontRef>
-        </p:style>
-        <p:txBody>
-          <a:bodyPr rtlCol="0" anchor="ctr"/>
-          <a:lstStyle/>
-          <a:p>
-            <a:pPr algn="ctr"/>
-            <a:r>
-              <a:rPr lang="en-US" sz="900" dirty="0" smtClean="0">
-                <a:solidFill>
-                  <a:schemeClr val="tx1"/>
-                </a:solidFill>
-                <a:latin typeface="Times New Roman" pitchFamily="18" charset="0"/>
-                <a:cs typeface="Times New Roman" pitchFamily="18" charset="0"/>
-              </a:rPr>
-              <a:t>Monitor</a:t>
-            </a:r>
-          </a:p>
-        </p:txBody>
-      </p:sp>
-      <p:cxnSp>
-        <p:nvCxnSpPr>
-          <p:cNvPr id="75" name="Straight Arrow Connector 74"/>
-          <p:cNvCxnSpPr/>
-          <p:nvPr/>
-        </p:nvCxnSpPr>
-        <p:spPr>
-          <a:xfrm>
-            <a:off x="2516700" y="678066"/>
-            <a:ext cx="0" cy="225127"/>
-          </a:xfrm>
-          <a:prstGeom prst="straightConnector1">
-            <a:avLst/>
-          </a:prstGeom>
-          <a:ln w="19050">
-            <a:solidFill>
-              <a:schemeClr val="tx1"/>
-            </a:solidFill>
-            <a:headEnd type="arrow" w="sm" len="sm"/>
-            <a:tailEnd type="arrow" w="sm" len="sm"/>
-          </a:ln>
-        </p:spPr>
-        <p:style>
-          <a:lnRef idx="1">
-            <a:schemeClr val="accent1"/>
-          </a:lnRef>
-          <a:fillRef idx="0">
-            <a:schemeClr val="accent1"/>
-          </a:fillRef>
-          <a:effectRef idx="0">
-            <a:schemeClr val="accent1"/>
-          </a:effectRef>
-          <a:fontRef idx="minor">
-            <a:schemeClr val="tx1"/>
-          </a:fontRef>
-        </p:style>
-      </p:cxnSp>
-      <p:sp>
-        <p:nvSpPr>
-          <p:cNvPr id="77" name="Rectangle 76"/>
-          <p:cNvSpPr/>
-          <p:nvPr/>
-        </p:nvSpPr>
-        <p:spPr>
-          <a:xfrm>
-            <a:off x="2167425" y="897754"/>
-            <a:ext cx="675053" cy="315705"/>
-          </a:xfrm>
-          <a:prstGeom prst="rect">
-            <a:avLst/>
-          </a:prstGeom>
-          <a:solidFill>
-            <a:srgbClr val="66CCFF"/>
-          </a:solidFill>
-          <a:ln w="12700">
-            <a:solidFill>
-              <a:schemeClr val="tx1"/>
-            </a:solidFill>
-          </a:ln>
-        </p:spPr>
-        <p:style>
-          <a:lnRef idx="2">
-            <a:schemeClr val="accent1">
-              <a:shade val="50000"/>
-            </a:schemeClr>
-          </a:lnRef>
-          <a:fillRef idx="1">
-            <a:schemeClr val="accent1"/>
-          </a:fillRef>
-          <a:effectRef idx="0">
-            <a:schemeClr val="accent1"/>
-          </a:effectRef>
-          <a:fontRef idx="minor">
-            <a:schemeClr val="lt1"/>
-          </a:fontRef>
-        </p:style>
-        <p:txBody>
-          <a:bodyPr rtlCol="0" anchor="ctr"/>
-          <a:lstStyle/>
-          <a:p>
-            <a:pPr algn="ctr"/>
-            <a:r>
-              <a:rPr lang="en-US" sz="900" dirty="0" smtClean="0">
-                <a:solidFill>
-                  <a:schemeClr val="tx1"/>
-                </a:solidFill>
-                <a:latin typeface="Times New Roman" pitchFamily="18" charset="0"/>
-                <a:cs typeface="Times New Roman" pitchFamily="18" charset="0"/>
-              </a:rPr>
-              <a:t>Metadata</a:t>
             </a:r>
           </a:p>
         </p:txBody>

--- a/figs_src/diagrams.pptx
+++ b/figs_src/diagrams.pptx
@@ -5,14 +5,18 @@
     <p:sldMasterId id="2147483648" r:id="rId1"/>
   </p:sldMasterIdLst>
   <p:notesMasterIdLst>
-    <p:notesMasterId r:id="rId7"/>
+    <p:notesMasterId r:id="rId11"/>
   </p:notesMasterIdLst>
   <p:sldIdLst>
     <p:sldId id="256" r:id="rId2"/>
     <p:sldId id="258" r:id="rId3"/>
-    <p:sldId id="257" r:id="rId4"/>
-    <p:sldId id="259" r:id="rId5"/>
-    <p:sldId id="260" r:id="rId6"/>
+    <p:sldId id="261" r:id="rId4"/>
+    <p:sldId id="257" r:id="rId5"/>
+    <p:sldId id="262" r:id="rId6"/>
+    <p:sldId id="263" r:id="rId7"/>
+    <p:sldId id="264" r:id="rId8"/>
+    <p:sldId id="259" r:id="rId9"/>
+    <p:sldId id="260" r:id="rId10"/>
   </p:sldIdLst>
   <p:sldSz cx="3200400" cy="7772400"/>
   <p:notesSz cx="2743200" cy="7315200"/>
@@ -156,7 +160,7 @@
           </a:prstGeom>
         </p:spPr>
         <p:txBody>
-          <a:bodyPr vert="horz" lIns="54315" tIns="27157" rIns="54315" bIns="27157" rtlCol="0"/>
+          <a:bodyPr vert="horz" lIns="54306" tIns="27153" rIns="54306" bIns="27153" rtlCol="0"/>
           <a:lstStyle>
             <a:lvl1pPr algn="l">
               <a:defRPr sz="700"/>
@@ -187,7 +191,7 @@
           </a:prstGeom>
         </p:spPr>
         <p:txBody>
-          <a:bodyPr vert="horz" lIns="54315" tIns="27157" rIns="54315" bIns="27157" rtlCol="0"/>
+          <a:bodyPr vert="horz" lIns="54306" tIns="27153" rIns="54306" bIns="27153" rtlCol="0"/>
           <a:lstStyle>
             <a:lvl1pPr algn="r">
               <a:defRPr sz="700"/>
@@ -228,7 +232,7 @@
           </a:ln>
         </p:spPr>
         <p:txBody>
-          <a:bodyPr vert="horz" lIns="54315" tIns="27157" rIns="54315" bIns="27157" rtlCol="0" anchor="ctr"/>
+          <a:bodyPr vert="horz" lIns="54306" tIns="27153" rIns="54306" bIns="27153" rtlCol="0" anchor="ctr"/>
           <a:lstStyle/>
           <a:p>
             <a:endParaRPr lang="en-US"/>
@@ -255,7 +259,7 @@
           </a:prstGeom>
         </p:spPr>
         <p:txBody>
-          <a:bodyPr vert="horz" lIns="54315" tIns="27157" rIns="54315" bIns="27157" rtlCol="0"/>
+          <a:bodyPr vert="horz" lIns="54306" tIns="27153" rIns="54306" bIns="27153" rtlCol="0"/>
           <a:lstStyle/>
           <a:p>
             <a:pPr lvl="0"/>
@@ -315,7 +319,7 @@
           </a:prstGeom>
         </p:spPr>
         <p:txBody>
-          <a:bodyPr vert="horz" lIns="54315" tIns="27157" rIns="54315" bIns="27157" rtlCol="0" anchor="b"/>
+          <a:bodyPr vert="horz" lIns="54306" tIns="27153" rIns="54306" bIns="27153" rtlCol="0" anchor="b"/>
           <a:lstStyle>
             <a:lvl1pPr algn="l">
               <a:defRPr sz="700"/>
@@ -346,7 +350,7 @@
           </a:prstGeom>
         </p:spPr>
         <p:txBody>
-          <a:bodyPr vert="horz" lIns="54315" tIns="27157" rIns="54315" bIns="27157" rtlCol="0" anchor="b"/>
+          <a:bodyPr vert="horz" lIns="54306" tIns="27153" rIns="54306" bIns="27153" rtlCol="0" anchor="b"/>
           <a:lstStyle>
             <a:lvl1pPr algn="r">
               <a:defRPr sz="700"/>
@@ -4444,13 +4448,6 @@
               </a:rPr>
               <a:t>Dataflow Flags</a:t>
             </a:r>
-            <a:endParaRPr lang="en-US" sz="900" dirty="0" smtClean="0">
-              <a:solidFill>
-                <a:schemeClr val="tx1"/>
-              </a:solidFill>
-              <a:latin typeface="Times New Roman" pitchFamily="18" charset="0"/>
-              <a:cs typeface="Times New Roman" pitchFamily="18" charset="0"/>
-            </a:endParaRPr>
           </a:p>
         </p:txBody>
       </p:sp>
@@ -4742,13 +4739,6 @@
               </a:rPr>
               <a:t>Monitoring Core</a:t>
             </a:r>
-            <a:endParaRPr lang="en-US" sz="900" dirty="0" smtClean="0">
-              <a:solidFill>
-                <a:schemeClr val="tx1"/>
-              </a:solidFill>
-              <a:latin typeface="Times New Roman" pitchFamily="18" charset="0"/>
-              <a:cs typeface="Times New Roman" pitchFamily="18" charset="0"/>
-            </a:endParaRPr>
           </a:p>
         </p:txBody>
       </p:sp>
@@ -4854,6 +4844,898 @@
       </p:grpSpPr>
       <p:sp>
         <p:nvSpPr>
+          <p:cNvPr id="45" name="Rectangle 44"/>
+          <p:cNvSpPr/>
+          <p:nvPr/>
+        </p:nvSpPr>
+        <p:spPr>
+          <a:xfrm>
+            <a:off x="1715414" y="548186"/>
+            <a:ext cx="654105" cy="372935"/>
+          </a:xfrm>
+          <a:prstGeom prst="rect">
+            <a:avLst/>
+          </a:prstGeom>
+          <a:solidFill>
+            <a:srgbClr val="FFFFCC"/>
+          </a:solidFill>
+          <a:ln w="12700">
+            <a:solidFill>
+              <a:schemeClr val="tx1"/>
+            </a:solidFill>
+          </a:ln>
+        </p:spPr>
+        <p:style>
+          <a:lnRef idx="2">
+            <a:schemeClr val="accent1">
+              <a:shade val="50000"/>
+            </a:schemeClr>
+          </a:lnRef>
+          <a:fillRef idx="1">
+            <a:schemeClr val="accent1"/>
+          </a:fillRef>
+          <a:effectRef idx="0">
+            <a:schemeClr val="accent1"/>
+          </a:effectRef>
+          <a:fontRef idx="minor">
+            <a:schemeClr val="lt1"/>
+          </a:fontRef>
+        </p:style>
+        <p:txBody>
+          <a:bodyPr rtlCol="0" anchor="ctr"/>
+          <a:lstStyle/>
+          <a:p>
+            <a:pPr algn="ctr"/>
+            <a:r>
+              <a:rPr lang="en-US" sz="900" dirty="0" smtClean="0">
+                <a:solidFill>
+                  <a:schemeClr val="tx1"/>
+                </a:solidFill>
+                <a:latin typeface="Times New Roman" pitchFamily="18" charset="0"/>
+                <a:cs typeface="Times New Roman" pitchFamily="18" charset="0"/>
+              </a:rPr>
+              <a:t>Dataflow</a:t>
+            </a:r>
+          </a:p>
+          <a:p>
+            <a:pPr algn="ctr"/>
+            <a:r>
+              <a:rPr lang="en-US" sz="900" dirty="0" smtClean="0">
+                <a:solidFill>
+                  <a:schemeClr val="tx1"/>
+                </a:solidFill>
+                <a:latin typeface="Times New Roman" pitchFamily="18" charset="0"/>
+                <a:cs typeface="Times New Roman" pitchFamily="18" charset="0"/>
+              </a:rPr>
+              <a:t>Engine</a:t>
+            </a:r>
+          </a:p>
+        </p:txBody>
+      </p:sp>
+      <p:cxnSp>
+        <p:nvCxnSpPr>
+          <p:cNvPr id="54" name="Straight Arrow Connector 53"/>
+          <p:cNvCxnSpPr>
+            <a:endCxn id="18" idx="1"/>
+          </p:cNvCxnSpPr>
+          <p:nvPr/>
+        </p:nvCxnSpPr>
+        <p:spPr>
+          <a:xfrm flipV="1">
+            <a:off x="225083" y="176952"/>
+            <a:ext cx="500459" cy="254"/>
+          </a:xfrm>
+          <a:prstGeom prst="straightConnector1">
+            <a:avLst/>
+          </a:prstGeom>
+          <a:ln w="19050">
+            <a:solidFill>
+              <a:schemeClr val="tx1"/>
+            </a:solidFill>
+            <a:headEnd w="sm" len="sm"/>
+            <a:tailEnd type="arrow" w="sm" len="sm"/>
+          </a:ln>
+        </p:spPr>
+        <p:style>
+          <a:lnRef idx="1">
+            <a:schemeClr val="accent1"/>
+          </a:lnRef>
+          <a:fillRef idx="0">
+            <a:schemeClr val="accent1"/>
+          </a:fillRef>
+          <a:effectRef idx="0">
+            <a:schemeClr val="accent1"/>
+          </a:effectRef>
+          <a:fontRef idx="minor">
+            <a:schemeClr val="tx1"/>
+          </a:fontRef>
+        </p:style>
+      </p:cxnSp>
+      <p:sp>
+        <p:nvSpPr>
+          <p:cNvPr id="13" name="Rectangle 12"/>
+          <p:cNvSpPr/>
+          <p:nvPr/>
+        </p:nvSpPr>
+        <p:spPr>
+          <a:xfrm rot="16200000">
+            <a:off x="2602815" y="331520"/>
+            <a:ext cx="900561" cy="278641"/>
+          </a:xfrm>
+          <a:prstGeom prst="rect">
+            <a:avLst/>
+          </a:prstGeom>
+          <a:solidFill>
+            <a:srgbClr val="66CCFF"/>
+          </a:solidFill>
+          <a:ln w="12700">
+            <a:solidFill>
+              <a:schemeClr val="tx1"/>
+            </a:solidFill>
+          </a:ln>
+        </p:spPr>
+        <p:style>
+          <a:lnRef idx="2">
+            <a:schemeClr val="accent1">
+              <a:shade val="50000"/>
+            </a:schemeClr>
+          </a:lnRef>
+          <a:fillRef idx="1">
+            <a:schemeClr val="accent1"/>
+          </a:fillRef>
+          <a:effectRef idx="0">
+            <a:schemeClr val="accent1"/>
+          </a:effectRef>
+          <a:fontRef idx="minor">
+            <a:schemeClr val="lt1"/>
+          </a:fontRef>
+        </p:style>
+        <p:txBody>
+          <a:bodyPr rtlCol="0" anchor="ctr"/>
+          <a:lstStyle/>
+          <a:p>
+            <a:pPr algn="ctr"/>
+            <a:r>
+              <a:rPr lang="en-US" sz="900" dirty="0" smtClean="0">
+                <a:solidFill>
+                  <a:schemeClr val="tx1"/>
+                </a:solidFill>
+                <a:latin typeface="Times New Roman" pitchFamily="18" charset="0"/>
+                <a:cs typeface="Times New Roman" pitchFamily="18" charset="0"/>
+              </a:rPr>
+              <a:t>Monitoring Core</a:t>
+            </a:r>
+          </a:p>
+        </p:txBody>
+      </p:sp>
+      <p:sp>
+        <p:nvSpPr>
+          <p:cNvPr id="14" name="Rectangle 13"/>
+          <p:cNvSpPr/>
+          <p:nvPr/>
+        </p:nvSpPr>
+        <p:spPr>
+          <a:xfrm rot="16200000">
+            <a:off x="-299244" y="335341"/>
+            <a:ext cx="908710" cy="278638"/>
+          </a:xfrm>
+          <a:prstGeom prst="rect">
+            <a:avLst/>
+          </a:prstGeom>
+          <a:solidFill>
+            <a:srgbClr val="66CCFF"/>
+          </a:solidFill>
+          <a:ln w="12700">
+            <a:solidFill>
+              <a:schemeClr val="tx1"/>
+            </a:solidFill>
+          </a:ln>
+        </p:spPr>
+        <p:style>
+          <a:lnRef idx="2">
+            <a:schemeClr val="accent1">
+              <a:shade val="50000"/>
+            </a:schemeClr>
+          </a:lnRef>
+          <a:fillRef idx="1">
+            <a:schemeClr val="accent1"/>
+          </a:fillRef>
+          <a:effectRef idx="0">
+            <a:schemeClr val="accent1"/>
+          </a:effectRef>
+          <a:fontRef idx="minor">
+            <a:schemeClr val="lt1"/>
+          </a:fontRef>
+        </p:style>
+        <p:txBody>
+          <a:bodyPr rtlCol="0" anchor="ctr"/>
+          <a:lstStyle/>
+          <a:p>
+            <a:pPr algn="ctr"/>
+            <a:r>
+              <a:rPr lang="en-US" sz="900" dirty="0" smtClean="0">
+                <a:solidFill>
+                  <a:schemeClr val="tx1"/>
+                </a:solidFill>
+                <a:latin typeface="Times New Roman" pitchFamily="18" charset="0"/>
+                <a:cs typeface="Times New Roman" pitchFamily="18" charset="0"/>
+              </a:rPr>
+              <a:t>Main</a:t>
+            </a:r>
+          </a:p>
+          <a:p>
+            <a:pPr algn="ctr"/>
+            <a:r>
+              <a:rPr lang="en-US" sz="900" dirty="0" smtClean="0">
+                <a:solidFill>
+                  <a:schemeClr val="tx1"/>
+                </a:solidFill>
+                <a:latin typeface="Times New Roman" pitchFamily="18" charset="0"/>
+                <a:cs typeface="Times New Roman" pitchFamily="18" charset="0"/>
+              </a:rPr>
+              <a:t>Core</a:t>
+            </a:r>
+          </a:p>
+        </p:txBody>
+      </p:sp>
+      <p:sp>
+        <p:nvSpPr>
+          <p:cNvPr id="17" name="Rectangle 16"/>
+          <p:cNvSpPr/>
+          <p:nvPr/>
+        </p:nvSpPr>
+        <p:spPr>
+          <a:xfrm>
+            <a:off x="724350" y="653075"/>
+            <a:ext cx="654105" cy="163157"/>
+          </a:xfrm>
+          <a:prstGeom prst="rect">
+            <a:avLst/>
+          </a:prstGeom>
+          <a:solidFill>
+            <a:srgbClr val="FFFFCC"/>
+          </a:solidFill>
+          <a:ln w="12700">
+            <a:solidFill>
+              <a:schemeClr val="tx1"/>
+            </a:solidFill>
+          </a:ln>
+        </p:spPr>
+        <p:style>
+          <a:lnRef idx="2">
+            <a:schemeClr val="accent1">
+              <a:shade val="50000"/>
+            </a:schemeClr>
+          </a:lnRef>
+          <a:fillRef idx="1">
+            <a:schemeClr val="accent1"/>
+          </a:fillRef>
+          <a:effectRef idx="0">
+            <a:schemeClr val="accent1"/>
+          </a:effectRef>
+          <a:fontRef idx="minor">
+            <a:schemeClr val="lt1"/>
+          </a:fontRef>
+        </p:style>
+        <p:txBody>
+          <a:bodyPr rtlCol="0" anchor="ctr"/>
+          <a:lstStyle/>
+          <a:p>
+            <a:pPr algn="ctr"/>
+            <a:r>
+              <a:rPr lang="en-US" sz="900" dirty="0" smtClean="0">
+                <a:solidFill>
+                  <a:schemeClr val="tx1"/>
+                </a:solidFill>
+                <a:latin typeface="Times New Roman" pitchFamily="18" charset="0"/>
+                <a:cs typeface="Times New Roman" pitchFamily="18" charset="0"/>
+              </a:rPr>
+              <a:t>FIFO</a:t>
+            </a:r>
+            <a:endParaRPr lang="en-US" sz="900" dirty="0" smtClean="0">
+              <a:solidFill>
+                <a:schemeClr val="tx1"/>
+              </a:solidFill>
+              <a:latin typeface="Times New Roman" pitchFamily="18" charset="0"/>
+              <a:cs typeface="Times New Roman" pitchFamily="18" charset="0"/>
+            </a:endParaRPr>
+          </a:p>
+        </p:txBody>
+      </p:sp>
+      <p:sp>
+        <p:nvSpPr>
+          <p:cNvPr id="18" name="Rectangle 17"/>
+          <p:cNvSpPr/>
+          <p:nvPr/>
+        </p:nvSpPr>
+        <p:spPr>
+          <a:xfrm>
+            <a:off x="725542" y="20305"/>
+            <a:ext cx="652912" cy="313294"/>
+          </a:xfrm>
+          <a:prstGeom prst="rect">
+            <a:avLst/>
+          </a:prstGeom>
+          <a:solidFill>
+            <a:srgbClr val="FFFFCC"/>
+          </a:solidFill>
+          <a:ln w="12700">
+            <a:solidFill>
+              <a:schemeClr val="tx1"/>
+            </a:solidFill>
+          </a:ln>
+        </p:spPr>
+        <p:style>
+          <a:lnRef idx="2">
+            <a:schemeClr val="accent1">
+              <a:shade val="50000"/>
+            </a:schemeClr>
+          </a:lnRef>
+          <a:fillRef idx="1">
+            <a:schemeClr val="accent1"/>
+          </a:fillRef>
+          <a:effectRef idx="0">
+            <a:schemeClr val="accent1"/>
+          </a:effectRef>
+          <a:fontRef idx="minor">
+            <a:schemeClr val="lt1"/>
+          </a:fontRef>
+        </p:style>
+        <p:txBody>
+          <a:bodyPr rtlCol="0" anchor="ctr"/>
+          <a:lstStyle/>
+          <a:p>
+            <a:pPr algn="ctr"/>
+            <a:r>
+              <a:rPr lang="en-US" sz="900" dirty="0" smtClean="0">
+                <a:solidFill>
+                  <a:schemeClr val="tx1"/>
+                </a:solidFill>
+                <a:latin typeface="Times New Roman" pitchFamily="18" charset="0"/>
+                <a:cs typeface="Times New Roman" pitchFamily="18" charset="0"/>
+              </a:rPr>
+              <a:t>Slack Tracking</a:t>
+            </a:r>
+            <a:endParaRPr lang="en-US" sz="900" dirty="0" smtClean="0">
+              <a:solidFill>
+                <a:schemeClr val="tx1"/>
+              </a:solidFill>
+              <a:latin typeface="Times New Roman" pitchFamily="18" charset="0"/>
+              <a:cs typeface="Times New Roman" pitchFamily="18" charset="0"/>
+            </a:endParaRPr>
+          </a:p>
+        </p:txBody>
+      </p:sp>
+      <p:sp>
+        <p:nvSpPr>
+          <p:cNvPr id="19" name="Rectangle 18"/>
+          <p:cNvSpPr/>
+          <p:nvPr/>
+        </p:nvSpPr>
+        <p:spPr>
+          <a:xfrm>
+            <a:off x="1715415" y="20559"/>
+            <a:ext cx="654105" cy="313294"/>
+          </a:xfrm>
+          <a:prstGeom prst="rect">
+            <a:avLst/>
+          </a:prstGeom>
+          <a:solidFill>
+            <a:srgbClr val="FFFFCC"/>
+          </a:solidFill>
+          <a:ln w="12700">
+            <a:solidFill>
+              <a:schemeClr val="tx1"/>
+            </a:solidFill>
+          </a:ln>
+        </p:spPr>
+        <p:style>
+          <a:lnRef idx="2">
+            <a:schemeClr val="accent1">
+              <a:shade val="50000"/>
+            </a:schemeClr>
+          </a:lnRef>
+          <a:fillRef idx="1">
+            <a:schemeClr val="accent1"/>
+          </a:fillRef>
+          <a:effectRef idx="0">
+            <a:schemeClr val="accent1"/>
+          </a:effectRef>
+          <a:fontRef idx="minor">
+            <a:schemeClr val="lt1"/>
+          </a:fontRef>
+        </p:style>
+        <p:txBody>
+          <a:bodyPr rtlCol="0" anchor="ctr"/>
+          <a:lstStyle/>
+          <a:p>
+            <a:pPr algn="ctr"/>
+            <a:r>
+              <a:rPr lang="en-US" sz="900" dirty="0" smtClean="0">
+                <a:solidFill>
+                  <a:schemeClr val="tx1"/>
+                </a:solidFill>
+                <a:latin typeface="Times New Roman" pitchFamily="18" charset="0"/>
+                <a:cs typeface="Times New Roman" pitchFamily="18" charset="0"/>
+              </a:rPr>
+              <a:t>Dropping Policy</a:t>
+            </a:r>
+            <a:endParaRPr lang="en-US" sz="900" dirty="0" smtClean="0">
+              <a:solidFill>
+                <a:schemeClr val="tx1"/>
+              </a:solidFill>
+              <a:latin typeface="Times New Roman" pitchFamily="18" charset="0"/>
+              <a:cs typeface="Times New Roman" pitchFamily="18" charset="0"/>
+            </a:endParaRPr>
+          </a:p>
+        </p:txBody>
+      </p:sp>
+      <p:cxnSp>
+        <p:nvCxnSpPr>
+          <p:cNvPr id="23" name="Straight Arrow Connector 22"/>
+          <p:cNvCxnSpPr>
+            <a:stCxn id="18" idx="3"/>
+            <a:endCxn id="19" idx="1"/>
+          </p:cNvCxnSpPr>
+          <p:nvPr/>
+        </p:nvCxnSpPr>
+        <p:spPr>
+          <a:xfrm>
+            <a:off x="1378454" y="176952"/>
+            <a:ext cx="336961" cy="254"/>
+          </a:xfrm>
+          <a:prstGeom prst="straightConnector1">
+            <a:avLst/>
+          </a:prstGeom>
+          <a:ln w="19050">
+            <a:solidFill>
+              <a:schemeClr val="tx1"/>
+            </a:solidFill>
+            <a:headEnd w="sm" len="sm"/>
+            <a:tailEnd type="arrow" w="sm" len="sm"/>
+          </a:ln>
+        </p:spPr>
+        <p:style>
+          <a:lnRef idx="1">
+            <a:schemeClr val="accent1"/>
+          </a:lnRef>
+          <a:fillRef idx="0">
+            <a:schemeClr val="accent1"/>
+          </a:fillRef>
+          <a:effectRef idx="0">
+            <a:schemeClr val="accent1"/>
+          </a:effectRef>
+          <a:fontRef idx="minor">
+            <a:schemeClr val="tx1"/>
+          </a:fontRef>
+        </p:style>
+      </p:cxnSp>
+      <p:sp>
+        <p:nvSpPr>
+          <p:cNvPr id="24" name="Rectangle 23"/>
+          <p:cNvSpPr/>
+          <p:nvPr/>
+        </p:nvSpPr>
+        <p:spPr>
+          <a:xfrm>
+            <a:off x="1327496" y="16404"/>
+            <a:ext cx="423675" cy="156647"/>
+          </a:xfrm>
+          <a:prstGeom prst="rect">
+            <a:avLst/>
+          </a:prstGeom>
+          <a:noFill/>
+          <a:ln w="12700">
+            <a:noFill/>
+          </a:ln>
+        </p:spPr>
+        <p:style>
+          <a:lnRef idx="2">
+            <a:schemeClr val="accent1">
+              <a:shade val="50000"/>
+            </a:schemeClr>
+          </a:lnRef>
+          <a:fillRef idx="1">
+            <a:schemeClr val="accent1"/>
+          </a:fillRef>
+          <a:effectRef idx="0">
+            <a:schemeClr val="accent1"/>
+          </a:effectRef>
+          <a:fontRef idx="minor">
+            <a:schemeClr val="lt1"/>
+          </a:fontRef>
+        </p:style>
+        <p:txBody>
+          <a:bodyPr rtlCol="0" anchor="ctr"/>
+          <a:lstStyle/>
+          <a:p>
+            <a:pPr algn="ctr"/>
+            <a:r>
+              <a:rPr lang="en-US" sz="900" dirty="0" smtClean="0">
+                <a:solidFill>
+                  <a:schemeClr val="tx1"/>
+                </a:solidFill>
+                <a:latin typeface="Times New Roman" pitchFamily="18" charset="0"/>
+                <a:cs typeface="Times New Roman" pitchFamily="18" charset="0"/>
+              </a:rPr>
+              <a:t>slack</a:t>
+            </a:r>
+            <a:endParaRPr lang="en-US" sz="900" dirty="0" smtClean="0">
+              <a:solidFill>
+                <a:schemeClr val="tx1"/>
+              </a:solidFill>
+              <a:latin typeface="Times New Roman" pitchFamily="18" charset="0"/>
+              <a:cs typeface="Times New Roman" pitchFamily="18" charset="0"/>
+            </a:endParaRPr>
+          </a:p>
+        </p:txBody>
+      </p:sp>
+      <p:cxnSp>
+        <p:nvCxnSpPr>
+          <p:cNvPr id="26" name="Straight Arrow Connector 25"/>
+          <p:cNvCxnSpPr/>
+          <p:nvPr/>
+        </p:nvCxnSpPr>
+        <p:spPr>
+          <a:xfrm>
+            <a:off x="296814" y="734654"/>
+            <a:ext cx="428728" cy="0"/>
+          </a:xfrm>
+          <a:prstGeom prst="straightConnector1">
+            <a:avLst/>
+          </a:prstGeom>
+          <a:ln w="19050">
+            <a:solidFill>
+              <a:schemeClr val="tx1"/>
+            </a:solidFill>
+            <a:headEnd w="sm" len="sm"/>
+            <a:tailEnd type="arrow" w="sm" len="sm"/>
+          </a:ln>
+        </p:spPr>
+        <p:style>
+          <a:lnRef idx="1">
+            <a:schemeClr val="accent1"/>
+          </a:lnRef>
+          <a:fillRef idx="0">
+            <a:schemeClr val="accent1"/>
+          </a:fillRef>
+          <a:effectRef idx="0">
+            <a:schemeClr val="accent1"/>
+          </a:effectRef>
+          <a:fontRef idx="minor">
+            <a:schemeClr val="tx1"/>
+          </a:fontRef>
+        </p:style>
+      </p:cxnSp>
+      <p:cxnSp>
+        <p:nvCxnSpPr>
+          <p:cNvPr id="28" name="Straight Arrow Connector 27"/>
+          <p:cNvCxnSpPr>
+            <a:stCxn id="17" idx="3"/>
+            <a:endCxn id="45" idx="1"/>
+          </p:cNvCxnSpPr>
+          <p:nvPr/>
+        </p:nvCxnSpPr>
+        <p:spPr>
+          <a:xfrm>
+            <a:off x="1378455" y="734654"/>
+            <a:ext cx="336959" cy="0"/>
+          </a:xfrm>
+          <a:prstGeom prst="straightConnector1">
+            <a:avLst/>
+          </a:prstGeom>
+          <a:ln w="19050">
+            <a:solidFill>
+              <a:schemeClr val="tx1"/>
+            </a:solidFill>
+            <a:headEnd w="sm" len="sm"/>
+            <a:tailEnd type="arrow" w="sm" len="sm"/>
+          </a:ln>
+        </p:spPr>
+        <p:style>
+          <a:lnRef idx="1">
+            <a:schemeClr val="accent1"/>
+          </a:lnRef>
+          <a:fillRef idx="0">
+            <a:schemeClr val="accent1"/>
+          </a:fillRef>
+          <a:effectRef idx="0">
+            <a:schemeClr val="accent1"/>
+          </a:effectRef>
+          <a:fontRef idx="minor">
+            <a:schemeClr val="tx1"/>
+          </a:fontRef>
+        </p:style>
+      </p:cxnSp>
+      <p:cxnSp>
+        <p:nvCxnSpPr>
+          <p:cNvPr id="30" name="Straight Arrow Connector 29"/>
+          <p:cNvCxnSpPr/>
+          <p:nvPr/>
+        </p:nvCxnSpPr>
+        <p:spPr>
+          <a:xfrm>
+            <a:off x="2363973" y="733886"/>
+            <a:ext cx="544255" cy="767"/>
+          </a:xfrm>
+          <a:prstGeom prst="straightConnector1">
+            <a:avLst/>
+          </a:prstGeom>
+          <a:ln w="19050">
+            <a:solidFill>
+              <a:schemeClr val="tx1"/>
+            </a:solidFill>
+            <a:headEnd w="sm" len="sm"/>
+            <a:tailEnd type="arrow" w="sm" len="sm"/>
+          </a:ln>
+        </p:spPr>
+        <p:style>
+          <a:lnRef idx="1">
+            <a:schemeClr val="accent1"/>
+          </a:lnRef>
+          <a:fillRef idx="0">
+            <a:schemeClr val="accent1"/>
+          </a:fillRef>
+          <a:effectRef idx="0">
+            <a:schemeClr val="accent1"/>
+          </a:effectRef>
+          <a:fontRef idx="minor">
+            <a:schemeClr val="tx1"/>
+          </a:fontRef>
+        </p:style>
+      </p:cxnSp>
+      <p:sp>
+        <p:nvSpPr>
+          <p:cNvPr id="32" name="Rectangle 31"/>
+          <p:cNvSpPr/>
+          <p:nvPr/>
+        </p:nvSpPr>
+        <p:spPr>
+          <a:xfrm>
+            <a:off x="242392" y="580343"/>
+            <a:ext cx="483150" cy="156647"/>
+          </a:xfrm>
+          <a:prstGeom prst="rect">
+            <a:avLst/>
+          </a:prstGeom>
+          <a:noFill/>
+          <a:ln w="12700">
+            <a:noFill/>
+          </a:ln>
+        </p:spPr>
+        <p:style>
+          <a:lnRef idx="2">
+            <a:schemeClr val="accent1">
+              <a:shade val="50000"/>
+            </a:schemeClr>
+          </a:lnRef>
+          <a:fillRef idx="1">
+            <a:schemeClr val="accent1"/>
+          </a:fillRef>
+          <a:effectRef idx="0">
+            <a:schemeClr val="accent1"/>
+          </a:effectRef>
+          <a:fontRef idx="minor">
+            <a:schemeClr val="lt1"/>
+          </a:fontRef>
+        </p:style>
+        <p:txBody>
+          <a:bodyPr rtlCol="0" anchor="ctr"/>
+          <a:lstStyle/>
+          <a:p>
+            <a:pPr algn="ctr"/>
+            <a:r>
+              <a:rPr lang="en-US" sz="900" dirty="0" smtClean="0">
+                <a:solidFill>
+                  <a:schemeClr val="tx1"/>
+                </a:solidFill>
+                <a:latin typeface="Times New Roman" pitchFamily="18" charset="0"/>
+                <a:cs typeface="Times New Roman" pitchFamily="18" charset="0"/>
+              </a:rPr>
+              <a:t>events</a:t>
+            </a:r>
+            <a:endParaRPr lang="en-US" sz="900" dirty="0" smtClean="0">
+              <a:solidFill>
+                <a:schemeClr val="tx1"/>
+              </a:solidFill>
+              <a:latin typeface="Times New Roman" pitchFamily="18" charset="0"/>
+              <a:cs typeface="Times New Roman" pitchFamily="18" charset="0"/>
+            </a:endParaRPr>
+          </a:p>
+        </p:txBody>
+      </p:sp>
+      <p:sp>
+        <p:nvSpPr>
+          <p:cNvPr id="37" name="Rectangle 36"/>
+          <p:cNvSpPr/>
+          <p:nvPr/>
+        </p:nvSpPr>
+        <p:spPr>
+          <a:xfrm>
+            <a:off x="2291490" y="486799"/>
+            <a:ext cx="689222" cy="211786"/>
+          </a:xfrm>
+          <a:prstGeom prst="rect">
+            <a:avLst/>
+          </a:prstGeom>
+          <a:noFill/>
+          <a:ln w="12700">
+            <a:noFill/>
+          </a:ln>
+        </p:spPr>
+        <p:style>
+          <a:lnRef idx="2">
+            <a:schemeClr val="accent1">
+              <a:shade val="50000"/>
+            </a:schemeClr>
+          </a:lnRef>
+          <a:fillRef idx="1">
+            <a:schemeClr val="accent1"/>
+          </a:fillRef>
+          <a:effectRef idx="0">
+            <a:schemeClr val="accent1"/>
+          </a:effectRef>
+          <a:fontRef idx="minor">
+            <a:schemeClr val="lt1"/>
+          </a:fontRef>
+        </p:style>
+        <p:txBody>
+          <a:bodyPr rtlCol="0" anchor="ctr"/>
+          <a:lstStyle/>
+          <a:p>
+            <a:pPr algn="ctr"/>
+            <a:r>
+              <a:rPr lang="en-US" sz="900" dirty="0" smtClean="0">
+                <a:solidFill>
+                  <a:schemeClr val="tx1"/>
+                </a:solidFill>
+                <a:latin typeface="Times New Roman" pitchFamily="18" charset="0"/>
+                <a:cs typeface="Times New Roman" pitchFamily="18" charset="0"/>
+              </a:rPr>
+              <a:t>monitored events</a:t>
+            </a:r>
+            <a:endParaRPr lang="en-US" sz="900" dirty="0" smtClean="0">
+              <a:solidFill>
+                <a:schemeClr val="tx1"/>
+              </a:solidFill>
+              <a:latin typeface="Times New Roman" pitchFamily="18" charset="0"/>
+              <a:cs typeface="Times New Roman" pitchFamily="18" charset="0"/>
+            </a:endParaRPr>
+          </a:p>
+        </p:txBody>
+      </p:sp>
+      <p:cxnSp>
+        <p:nvCxnSpPr>
+          <p:cNvPr id="48" name="Straight Arrow Connector 47"/>
+          <p:cNvCxnSpPr>
+            <a:stCxn id="19" idx="2"/>
+            <a:endCxn id="45" idx="0"/>
+          </p:cNvCxnSpPr>
+          <p:nvPr/>
+        </p:nvCxnSpPr>
+        <p:spPr>
+          <a:xfrm flipH="1">
+            <a:off x="2042467" y="333853"/>
+            <a:ext cx="1" cy="214333"/>
+          </a:xfrm>
+          <a:prstGeom prst="straightConnector1">
+            <a:avLst/>
+          </a:prstGeom>
+          <a:ln w="19050">
+            <a:solidFill>
+              <a:schemeClr val="tx1"/>
+            </a:solidFill>
+            <a:headEnd w="sm" len="sm"/>
+            <a:tailEnd type="arrow" w="sm" len="sm"/>
+          </a:ln>
+        </p:spPr>
+        <p:style>
+          <a:lnRef idx="1">
+            <a:schemeClr val="accent1"/>
+          </a:lnRef>
+          <a:fillRef idx="0">
+            <a:schemeClr val="accent1"/>
+          </a:fillRef>
+          <a:effectRef idx="0">
+            <a:schemeClr val="accent1"/>
+          </a:effectRef>
+          <a:fontRef idx="minor">
+            <a:schemeClr val="tx1"/>
+          </a:fontRef>
+        </p:style>
+      </p:cxnSp>
+      <p:sp>
+        <p:nvSpPr>
+          <p:cNvPr id="50" name="Rectangle 49"/>
+          <p:cNvSpPr/>
+          <p:nvPr/>
+        </p:nvSpPr>
+        <p:spPr>
+          <a:xfrm>
+            <a:off x="1484985" y="312277"/>
+            <a:ext cx="689222" cy="211786"/>
+          </a:xfrm>
+          <a:prstGeom prst="rect">
+            <a:avLst/>
+          </a:prstGeom>
+          <a:noFill/>
+          <a:ln w="12700">
+            <a:noFill/>
+          </a:ln>
+        </p:spPr>
+        <p:style>
+          <a:lnRef idx="2">
+            <a:schemeClr val="accent1">
+              <a:shade val="50000"/>
+            </a:schemeClr>
+          </a:lnRef>
+          <a:fillRef idx="1">
+            <a:schemeClr val="accent1"/>
+          </a:fillRef>
+          <a:effectRef idx="0">
+            <a:schemeClr val="accent1"/>
+          </a:effectRef>
+          <a:fontRef idx="minor">
+            <a:schemeClr val="lt1"/>
+          </a:fontRef>
+        </p:style>
+        <p:txBody>
+          <a:bodyPr rtlCol="0" anchor="ctr"/>
+          <a:lstStyle/>
+          <a:p>
+            <a:pPr algn="ctr"/>
+            <a:r>
+              <a:rPr lang="en-US" sz="900" dirty="0" smtClean="0">
+                <a:solidFill>
+                  <a:schemeClr val="tx1"/>
+                </a:solidFill>
+                <a:latin typeface="Times New Roman" pitchFamily="18" charset="0"/>
+                <a:cs typeface="Times New Roman" pitchFamily="18" charset="0"/>
+              </a:rPr>
+              <a:t>drop</a:t>
+            </a:r>
+            <a:endParaRPr lang="en-US" sz="900" dirty="0" smtClean="0">
+              <a:solidFill>
+                <a:schemeClr val="tx1"/>
+              </a:solidFill>
+              <a:latin typeface="Times New Roman" pitchFamily="18" charset="0"/>
+              <a:cs typeface="Times New Roman" pitchFamily="18" charset="0"/>
+            </a:endParaRPr>
+          </a:p>
+        </p:txBody>
+      </p:sp>
+    </p:spTree>
+    <p:extLst>
+      <p:ext uri="{BB962C8B-B14F-4D97-AF65-F5344CB8AC3E}">
+        <p14:creationId xmlns:p14="http://schemas.microsoft.com/office/powerpoint/2010/main" val="4134314914"/>
+      </p:ext>
+    </p:extLst>
+  </p:cSld>
+  <p:clrMapOvr>
+    <a:masterClrMapping/>
+  </p:clrMapOvr>
+</p:sld>
+</file>
+
+<file path=ppt/slides/slide4.xml><?xml version="1.0" encoding="utf-8"?>
+<p:sld xmlns:a="http://schemas.openxmlformats.org/drawingml/2006/main" xmlns:r="http://schemas.openxmlformats.org/officeDocument/2006/relationships" xmlns:p="http://schemas.openxmlformats.org/presentationml/2006/main">
+  <p:cSld>
+    <p:spTree>
+      <p:nvGrpSpPr>
+        <p:cNvPr id="1" name=""/>
+        <p:cNvGrpSpPr/>
+        <p:nvPr/>
+      </p:nvGrpSpPr>
+      <p:grpSpPr>
+        <a:xfrm>
+          <a:off x="0" y="0"/>
+          <a:ext cx="0" cy="0"/>
+          <a:chOff x="0" y="0"/>
+          <a:chExt cx="0" cy="0"/>
+        </a:xfrm>
+      </p:grpSpPr>
+      <p:sp>
+        <p:nvSpPr>
           <p:cNvPr id="29" name="Oval 28"/>
           <p:cNvSpPr/>
           <p:nvPr/>
@@ -5215,63 +6097,6 @@
           </a:fontRef>
         </p:style>
       </p:cxnSp>
-      <p:sp>
-        <p:nvSpPr>
-          <p:cNvPr id="43" name="Oval 42"/>
-          <p:cNvSpPr/>
-          <p:nvPr/>
-        </p:nvSpPr>
-        <p:spPr>
-          <a:xfrm>
-            <a:off x="2421207" y="46022"/>
-            <a:ext cx="230429" cy="230429"/>
-          </a:xfrm>
-          <a:prstGeom prst="ellipse">
-            <a:avLst/>
-          </a:prstGeom>
-          <a:solidFill>
-            <a:srgbClr val="66CCFF"/>
-          </a:solidFill>
-          <a:ln w="12700">
-            <a:solidFill>
-              <a:schemeClr val="tx1"/>
-            </a:solidFill>
-          </a:ln>
-        </p:spPr>
-        <p:style>
-          <a:lnRef idx="2">
-            <a:schemeClr val="accent1">
-              <a:shade val="50000"/>
-            </a:schemeClr>
-          </a:lnRef>
-          <a:fillRef idx="1">
-            <a:schemeClr val="accent1"/>
-          </a:fillRef>
-          <a:effectRef idx="0">
-            <a:schemeClr val="accent1"/>
-          </a:effectRef>
-          <a:fontRef idx="minor">
-            <a:schemeClr val="lt1"/>
-          </a:fontRef>
-        </p:style>
-        <p:txBody>
-          <a:bodyPr rtlCol="0" anchor="ctr"/>
-          <a:lstStyle/>
-          <a:p>
-            <a:pPr algn="ctr"/>
-            <a:r>
-              <a:rPr lang="en-US" sz="900" dirty="0">
-                <a:solidFill>
-                  <a:schemeClr val="tx1"/>
-                </a:solidFill>
-                <a:latin typeface="Times New Roman" pitchFamily="18" charset="0"/>
-                <a:cs typeface="Times New Roman" pitchFamily="18" charset="0"/>
-              </a:rPr>
-              <a:t>E</a:t>
-            </a:r>
-          </a:p>
-        </p:txBody>
-      </p:sp>
       <p:cxnSp>
         <p:nvCxnSpPr>
           <p:cNvPr id="44" name="Straight Arrow Connector 43"/>
@@ -5406,22 +6231,59 @@
           </a:fontRef>
         </p:style>
       </p:cxnSp>
-      <p:sp>
-        <p:nvSpPr>
-          <p:cNvPr id="50" name="Oval 49"/>
+      <p:cxnSp>
+        <p:nvCxnSpPr>
+          <p:cNvPr id="51" name="Straight Arrow Connector 50"/>
+          <p:cNvCxnSpPr/>
+          <p:nvPr/>
+        </p:nvCxnSpPr>
+        <p:spPr>
+          <a:xfrm>
+            <a:off x="1709344" y="458735"/>
+            <a:ext cx="242493" cy="2"/>
+          </a:xfrm>
+          <a:prstGeom prst="straightConnector1">
+            <a:avLst/>
+          </a:prstGeom>
+          <a:ln w="19050">
+            <a:solidFill>
+              <a:schemeClr val="tx1"/>
+            </a:solidFill>
+            <a:headEnd w="sm" len="sm"/>
+            <a:tailEnd type="arrow" w="sm" len="sm"/>
+          </a:ln>
+        </p:spPr>
+        <p:style>
+          <a:lnRef idx="1">
+            <a:schemeClr val="accent1"/>
+          </a:lnRef>
+          <a:fillRef idx="0">
+            <a:schemeClr val="accent1"/>
+          </a:fillRef>
+          <a:effectRef idx="0">
+            <a:schemeClr val="accent1"/>
+          </a:effectRef>
+          <a:fontRef idx="minor">
+            <a:schemeClr val="tx1"/>
+          </a:fontRef>
+        </p:style>
+      </p:cxnSp>
+      <p:sp>
+        <p:nvSpPr>
+          <p:cNvPr id="2" name="Rectangle 1"/>
           <p:cNvSpPr/>
           <p:nvPr/>
         </p:nvSpPr>
         <p:spPr>
           <a:xfrm>
-            <a:off x="1951837" y="343519"/>
+            <a:off x="1951837" y="343520"/>
             <a:ext cx="230429" cy="230429"/>
           </a:xfrm>
-          <a:prstGeom prst="ellipse">
+          <a:prstGeom prst="rect">
             <a:avLst/>
           </a:prstGeom>
           <a:solidFill>
-            <a:srgbClr val="66CCFF"/>
+            <a:srgbClr val="FFFFCC"/>
           </a:solidFill>
           <a:ln w="12700">
             <a:solidFill>
@@ -5451,7 +6313,7 @@
           <a:p>
             <a:pPr algn="ctr"/>
             <a:r>
-              <a:rPr lang="en-US" sz="900" dirty="0">
+              <a:rPr lang="en-US" sz="900" dirty="0" smtClean="0">
                 <a:solidFill>
                   <a:schemeClr val="tx1"/>
                 </a:solidFill>
@@ -5460,46 +6322,80 @@
               </a:rPr>
               <a:t>G</a:t>
             </a:r>
-          </a:p>
-        </p:txBody>
-      </p:sp>
-      <p:cxnSp>
-        <p:nvCxnSpPr>
-          <p:cNvPr id="51" name="Straight Arrow Connector 50"/>
-          <p:cNvCxnSpPr/>
-          <p:nvPr/>
-        </p:nvCxnSpPr>
-        <p:spPr>
-          <a:xfrm>
-            <a:off x="1709344" y="458735"/>
-            <a:ext cx="242493" cy="2"/>
-          </a:xfrm>
-          <a:prstGeom prst="straightConnector1">
-            <a:avLst/>
-          </a:prstGeom>
-          <a:ln w="19050">
+            <a:endParaRPr lang="en-US" sz="900" dirty="0">
+              <a:solidFill>
+                <a:schemeClr val="tx1"/>
+              </a:solidFill>
+              <a:latin typeface="Times New Roman" pitchFamily="18" charset="0"/>
+              <a:cs typeface="Times New Roman" pitchFamily="18" charset="0"/>
+            </a:endParaRPr>
+          </a:p>
+        </p:txBody>
+      </p:sp>
+      <p:sp>
+        <p:nvSpPr>
+          <p:cNvPr id="16" name="Rectangle 15"/>
+          <p:cNvSpPr/>
+          <p:nvPr/>
+        </p:nvSpPr>
+        <p:spPr>
+          <a:xfrm>
+            <a:off x="2421207" y="45699"/>
+            <a:ext cx="230429" cy="230429"/>
+          </a:xfrm>
+          <a:prstGeom prst="rect">
+            <a:avLst/>
+          </a:prstGeom>
+          <a:solidFill>
+            <a:srgbClr val="FFFFCC"/>
+          </a:solidFill>
+          <a:ln w="12700">
             <a:solidFill>
               <a:schemeClr val="tx1"/>
             </a:solidFill>
-            <a:headEnd w="sm" len="sm"/>
-            <a:tailEnd type="arrow" w="sm" len="sm"/>
-          </a:ln>
-        </p:spPr>
-        <p:style>
-          <a:lnRef idx="1">
-            <a:schemeClr val="accent1"/>
-          </a:lnRef>
-          <a:fillRef idx="0">
-            <a:schemeClr val="accent1"/>
-          </a:fillRef>
-          <a:effectRef idx="0">
-            <a:schemeClr val="accent1"/>
-          </a:effectRef>
-          <a:fontRef idx="minor">
-            <a:schemeClr val="tx1"/>
-          </a:fontRef>
-        </p:style>
-      </p:cxnSp>
+          </a:ln>
+        </p:spPr>
+        <p:style>
+          <a:lnRef idx="2">
+            <a:schemeClr val="accent1">
+              <a:shade val="50000"/>
+            </a:schemeClr>
+          </a:lnRef>
+          <a:fillRef idx="1">
+            <a:schemeClr val="accent1"/>
+          </a:fillRef>
+          <a:effectRef idx="0">
+            <a:schemeClr val="accent1"/>
+          </a:effectRef>
+          <a:fontRef idx="minor">
+            <a:schemeClr val="lt1"/>
+          </a:fontRef>
+        </p:style>
+        <p:txBody>
+          <a:bodyPr rtlCol="0" anchor="ctr"/>
+          <a:lstStyle/>
+          <a:p>
+            <a:pPr algn="ctr"/>
+            <a:r>
+              <a:rPr lang="en-US" sz="900" dirty="0" smtClean="0">
+                <a:solidFill>
+                  <a:schemeClr val="tx1"/>
+                </a:solidFill>
+                <a:latin typeface="Times New Roman" pitchFamily="18" charset="0"/>
+                <a:cs typeface="Times New Roman" pitchFamily="18" charset="0"/>
+              </a:rPr>
+              <a:t>E</a:t>
+            </a:r>
+            <a:endParaRPr lang="en-US" sz="900" dirty="0">
+              <a:solidFill>
+                <a:schemeClr val="tx1"/>
+              </a:solidFill>
+              <a:latin typeface="Times New Roman" pitchFamily="18" charset="0"/>
+              <a:cs typeface="Times New Roman" pitchFamily="18" charset="0"/>
+            </a:endParaRPr>
+          </a:p>
+        </p:txBody>
+      </p:sp>
     </p:spTree>
     <p:extLst>
       <p:ext uri="{BB962C8B-B14F-4D97-AF65-F5344CB8AC3E}">
@@ -5520,869 +6416,6 @@
 </p:sld>
 </file>
 
-<file path=ppt/slides/slide4.xml><?xml version="1.0" encoding="utf-8"?>
-<p:sld xmlns:a="http://schemas.openxmlformats.org/drawingml/2006/main" xmlns:r="http://schemas.openxmlformats.org/officeDocument/2006/relationships" xmlns:p="http://schemas.openxmlformats.org/presentationml/2006/main">
-  <p:cSld>
-    <p:spTree>
-      <p:nvGrpSpPr>
-        <p:cNvPr id="1" name=""/>
-        <p:cNvGrpSpPr/>
-        <p:nvPr/>
-      </p:nvGrpSpPr>
-      <p:grpSpPr>
-        <a:xfrm>
-          <a:off x="0" y="0"/>
-          <a:ext cx="0" cy="0"/>
-          <a:chOff x="0" y="0"/>
-          <a:chExt cx="0" cy="0"/>
-        </a:xfrm>
-      </p:grpSpPr>
-      <p:sp>
-        <p:nvSpPr>
-          <p:cNvPr id="3" name="Rectangle 2"/>
-          <p:cNvSpPr/>
-          <p:nvPr/>
-        </p:nvSpPr>
-        <p:spPr>
-          <a:xfrm>
-            <a:off x="1753820" y="65208"/>
-            <a:ext cx="649117" cy="1247858"/>
-          </a:xfrm>
-          <a:prstGeom prst="rect">
-            <a:avLst/>
-          </a:prstGeom>
-          <a:solidFill>
-            <a:schemeClr val="bg1">
-              <a:lumMod val="75000"/>
-            </a:schemeClr>
-          </a:solidFill>
-          <a:ln>
-            <a:noFill/>
-          </a:ln>
-        </p:spPr>
-        <p:style>
-          <a:lnRef idx="2">
-            <a:schemeClr val="accent1">
-              <a:shade val="50000"/>
-            </a:schemeClr>
-          </a:lnRef>
-          <a:fillRef idx="1">
-            <a:schemeClr val="accent1"/>
-          </a:fillRef>
-          <a:effectRef idx="0">
-            <a:schemeClr val="accent1"/>
-          </a:effectRef>
-          <a:fontRef idx="minor">
-            <a:schemeClr val="lt1"/>
-          </a:fontRef>
-        </p:style>
-        <p:txBody>
-          <a:bodyPr rtlCol="0" anchor="ctr"/>
-          <a:lstStyle/>
-          <a:p>
-            <a:pPr algn="ctr"/>
-            <a:endParaRPr lang="en-US" sz="900"/>
-          </a:p>
-        </p:txBody>
-      </p:sp>
-      <p:cxnSp>
-        <p:nvCxnSpPr>
-          <p:cNvPr id="4" name="Straight Arrow Connector 3"/>
-          <p:cNvCxnSpPr/>
-          <p:nvPr/>
-        </p:nvCxnSpPr>
-        <p:spPr>
-          <a:xfrm flipV="1">
-            <a:off x="623931" y="45700"/>
-            <a:ext cx="0" cy="1205505"/>
-          </a:xfrm>
-          <a:prstGeom prst="straightConnector1">
-            <a:avLst/>
-          </a:prstGeom>
-          <a:ln w="19050">
-            <a:solidFill>
-              <a:schemeClr val="tx1"/>
-            </a:solidFill>
-            <a:headEnd w="sm" len="sm"/>
-            <a:tailEnd type="arrow" w="sm" len="sm"/>
-          </a:ln>
-        </p:spPr>
-        <p:style>
-          <a:lnRef idx="1">
-            <a:schemeClr val="accent1"/>
-          </a:lnRef>
-          <a:fillRef idx="0">
-            <a:schemeClr val="accent1"/>
-          </a:fillRef>
-          <a:effectRef idx="0">
-            <a:schemeClr val="accent1"/>
-          </a:effectRef>
-          <a:fontRef idx="minor">
-            <a:schemeClr val="tx1"/>
-          </a:fontRef>
-        </p:style>
-      </p:cxnSp>
-      <p:cxnSp>
-        <p:nvCxnSpPr>
-          <p:cNvPr id="6" name="Straight Arrow Connector 5"/>
-          <p:cNvCxnSpPr/>
-          <p:nvPr/>
-        </p:nvCxnSpPr>
-        <p:spPr>
-          <a:xfrm>
-            <a:off x="489960" y="852205"/>
-            <a:ext cx="2646440" cy="0"/>
-          </a:xfrm>
-          <a:prstGeom prst="straightConnector1">
-            <a:avLst/>
-          </a:prstGeom>
-          <a:ln w="19050">
-            <a:solidFill>
-              <a:schemeClr val="tx1"/>
-            </a:solidFill>
-            <a:headEnd w="sm" len="sm"/>
-            <a:tailEnd type="arrow" w="sm" len="sm"/>
-          </a:ln>
-        </p:spPr>
-        <p:style>
-          <a:lnRef idx="1">
-            <a:schemeClr val="accent1"/>
-          </a:lnRef>
-          <a:fillRef idx="0">
-            <a:schemeClr val="accent1"/>
-          </a:fillRef>
-          <a:effectRef idx="0">
-            <a:schemeClr val="accent1"/>
-          </a:effectRef>
-          <a:fontRef idx="minor">
-            <a:schemeClr val="tx1"/>
-          </a:fontRef>
-        </p:style>
-      </p:cxnSp>
-      <p:sp>
-        <p:nvSpPr>
-          <p:cNvPr id="8" name="Rectangle 7"/>
-          <p:cNvSpPr/>
-          <p:nvPr/>
-        </p:nvSpPr>
-        <p:spPr>
-          <a:xfrm>
-            <a:off x="2878581" y="843701"/>
-            <a:ext cx="437487" cy="200529"/>
-          </a:xfrm>
-          <a:prstGeom prst="rect">
-            <a:avLst/>
-          </a:prstGeom>
-          <a:noFill/>
-          <a:ln>
-            <a:noFill/>
-          </a:ln>
-        </p:spPr>
-        <p:style>
-          <a:lnRef idx="2">
-            <a:schemeClr val="accent2">
-              <a:shade val="50000"/>
-            </a:schemeClr>
-          </a:lnRef>
-          <a:fillRef idx="1">
-            <a:schemeClr val="accent2"/>
-          </a:fillRef>
-          <a:effectRef idx="0">
-            <a:schemeClr val="accent2"/>
-          </a:effectRef>
-          <a:fontRef idx="minor">
-            <a:schemeClr val="lt1"/>
-          </a:fontRef>
-        </p:style>
-        <p:txBody>
-          <a:bodyPr rtlCol="0" anchor="ctr"/>
-          <a:lstStyle/>
-          <a:p>
-            <a:r>
-              <a:rPr lang="en-US" sz="900" dirty="0" smtClean="0">
-                <a:solidFill>
-                  <a:schemeClr val="tx1"/>
-                </a:solidFill>
-                <a:latin typeface="Times New Roman" pitchFamily="18" charset="0"/>
-                <a:cs typeface="Times New Roman" pitchFamily="18" charset="0"/>
-              </a:rPr>
-              <a:t>time</a:t>
-            </a:r>
-            <a:endParaRPr lang="en-US" sz="900" dirty="0">
-              <a:solidFill>
-                <a:schemeClr val="tx1"/>
-              </a:solidFill>
-              <a:latin typeface="Times New Roman" pitchFamily="18" charset="0"/>
-              <a:cs typeface="Times New Roman" pitchFamily="18" charset="0"/>
-            </a:endParaRPr>
-          </a:p>
-        </p:txBody>
-      </p:sp>
-      <p:sp>
-        <p:nvSpPr>
-          <p:cNvPr id="9" name="Rectangle 8"/>
-          <p:cNvSpPr/>
-          <p:nvPr/>
-        </p:nvSpPr>
-        <p:spPr>
-          <a:xfrm>
-            <a:off x="238490" y="46824"/>
-            <a:ext cx="500160" cy="200529"/>
-          </a:xfrm>
-          <a:prstGeom prst="rect">
-            <a:avLst/>
-          </a:prstGeom>
-          <a:noFill/>
-          <a:ln>
-            <a:noFill/>
-          </a:ln>
-        </p:spPr>
-        <p:style>
-          <a:lnRef idx="2">
-            <a:schemeClr val="accent2">
-              <a:shade val="50000"/>
-            </a:schemeClr>
-          </a:lnRef>
-          <a:fillRef idx="1">
-            <a:schemeClr val="accent2"/>
-          </a:fillRef>
-          <a:effectRef idx="0">
-            <a:schemeClr val="accent2"/>
-          </a:effectRef>
-          <a:fontRef idx="minor">
-            <a:schemeClr val="lt1"/>
-          </a:fontRef>
-        </p:style>
-        <p:txBody>
-          <a:bodyPr rtlCol="0" anchor="ctr"/>
-          <a:lstStyle/>
-          <a:p>
-            <a:r>
-              <a:rPr lang="en-US" sz="900" dirty="0" smtClean="0">
-                <a:solidFill>
-                  <a:schemeClr val="tx1"/>
-                </a:solidFill>
-                <a:latin typeface="Times New Roman" pitchFamily="18" charset="0"/>
-                <a:cs typeface="Times New Roman" pitchFamily="18" charset="0"/>
-              </a:rPr>
-              <a:t>slack</a:t>
-            </a:r>
-            <a:endParaRPr lang="en-US" sz="900" dirty="0">
-              <a:solidFill>
-                <a:schemeClr val="tx1"/>
-              </a:solidFill>
-              <a:latin typeface="Times New Roman" pitchFamily="18" charset="0"/>
-              <a:cs typeface="Times New Roman" pitchFamily="18" charset="0"/>
-            </a:endParaRPr>
-          </a:p>
-        </p:txBody>
-      </p:sp>
-      <p:cxnSp>
-        <p:nvCxnSpPr>
-          <p:cNvPr id="12" name="Straight Arrow Connector 11"/>
-          <p:cNvCxnSpPr/>
-          <p:nvPr/>
-        </p:nvCxnSpPr>
-        <p:spPr>
-          <a:xfrm flipV="1">
-            <a:off x="623931" y="522839"/>
-            <a:ext cx="345645" cy="128836"/>
-          </a:xfrm>
-          <a:prstGeom prst="straightConnector1">
-            <a:avLst/>
-          </a:prstGeom>
-          <a:ln w="19050">
-            <a:solidFill>
-              <a:srgbClr val="00B050"/>
-            </a:solidFill>
-            <a:headEnd w="sm" len="sm"/>
-            <a:tailEnd type="arrow" w="sm" len="sm"/>
-          </a:ln>
-        </p:spPr>
-        <p:style>
-          <a:lnRef idx="1">
-            <a:schemeClr val="accent1"/>
-          </a:lnRef>
-          <a:fillRef idx="0">
-            <a:schemeClr val="accent1"/>
-          </a:fillRef>
-          <a:effectRef idx="0">
-            <a:schemeClr val="accent1"/>
-          </a:effectRef>
-          <a:fontRef idx="minor">
-            <a:schemeClr val="tx1"/>
-          </a:fontRef>
-        </p:style>
-      </p:cxnSp>
-      <p:cxnSp>
-        <p:nvCxnSpPr>
-          <p:cNvPr id="21" name="Straight Connector 20"/>
-          <p:cNvCxnSpPr/>
-          <p:nvPr/>
-        </p:nvCxnSpPr>
-        <p:spPr>
-          <a:xfrm flipH="1">
-            <a:off x="575368" y="651675"/>
-            <a:ext cx="95890" cy="0"/>
-          </a:xfrm>
-          <a:prstGeom prst="line">
-            <a:avLst/>
-          </a:prstGeom>
-          <a:ln w="19050">
-            <a:solidFill>
-              <a:schemeClr val="tx1"/>
-            </a:solidFill>
-          </a:ln>
-        </p:spPr>
-        <p:style>
-          <a:lnRef idx="1">
-            <a:schemeClr val="accent1"/>
-          </a:lnRef>
-          <a:fillRef idx="0">
-            <a:schemeClr val="accent1"/>
-          </a:fillRef>
-          <a:effectRef idx="0">
-            <a:schemeClr val="accent1"/>
-          </a:effectRef>
-          <a:fontRef idx="minor">
-            <a:schemeClr val="tx1"/>
-          </a:fontRef>
-        </p:style>
-      </p:cxnSp>
-      <p:sp>
-        <p:nvSpPr>
-          <p:cNvPr id="23" name="Rectangle 22"/>
-          <p:cNvSpPr/>
-          <p:nvPr/>
-        </p:nvSpPr>
-        <p:spPr>
-          <a:xfrm>
-            <a:off x="199190" y="536461"/>
-            <a:ext cx="500160" cy="200529"/>
-          </a:xfrm>
-          <a:prstGeom prst="rect">
-            <a:avLst/>
-          </a:prstGeom>
-          <a:noFill/>
-          <a:ln>
-            <a:noFill/>
-          </a:ln>
-        </p:spPr>
-        <p:style>
-          <a:lnRef idx="2">
-            <a:schemeClr val="accent2">
-              <a:shade val="50000"/>
-            </a:schemeClr>
-          </a:lnRef>
-          <a:fillRef idx="1">
-            <a:schemeClr val="accent2"/>
-          </a:fillRef>
-          <a:effectRef idx="0">
-            <a:schemeClr val="accent2"/>
-          </a:effectRef>
-          <a:fontRef idx="minor">
-            <a:schemeClr val="lt1"/>
-          </a:fontRef>
-        </p:style>
-        <p:txBody>
-          <a:bodyPr rtlCol="0" anchor="ctr"/>
-          <a:lstStyle/>
-          <a:p>
-            <a:r>
-              <a:rPr lang="en-US" sz="900" dirty="0" smtClean="0">
-                <a:solidFill>
-                  <a:schemeClr val="tx1"/>
-                </a:solidFill>
-                <a:latin typeface="Times New Roman" pitchFamily="18" charset="0"/>
-                <a:cs typeface="Times New Roman" pitchFamily="18" charset="0"/>
-              </a:rPr>
-              <a:t>initial slack</a:t>
-            </a:r>
-            <a:endParaRPr lang="en-US" sz="900" dirty="0">
-              <a:solidFill>
-                <a:schemeClr val="tx1"/>
-              </a:solidFill>
-              <a:latin typeface="Times New Roman" pitchFamily="18" charset="0"/>
-              <a:cs typeface="Times New Roman" pitchFamily="18" charset="0"/>
-            </a:endParaRPr>
-          </a:p>
-        </p:txBody>
-      </p:sp>
-      <p:sp>
-        <p:nvSpPr>
-          <p:cNvPr id="56" name="Rectangle 55"/>
-          <p:cNvSpPr/>
-          <p:nvPr/>
-        </p:nvSpPr>
-        <p:spPr>
-          <a:xfrm>
-            <a:off x="1078854" y="65207"/>
-            <a:ext cx="775204" cy="200529"/>
-          </a:xfrm>
-          <a:prstGeom prst="rect">
-            <a:avLst/>
-          </a:prstGeom>
-          <a:noFill/>
-          <a:ln>
-            <a:noFill/>
-          </a:ln>
-        </p:spPr>
-        <p:style>
-          <a:lnRef idx="2">
-            <a:schemeClr val="accent2">
-              <a:shade val="50000"/>
-            </a:schemeClr>
-          </a:lnRef>
-          <a:fillRef idx="1">
-            <a:schemeClr val="accent2"/>
-          </a:fillRef>
-          <a:effectRef idx="0">
-            <a:schemeClr val="accent2"/>
-          </a:effectRef>
-          <a:fontRef idx="minor">
-            <a:schemeClr val="lt1"/>
-          </a:fontRef>
-        </p:style>
-        <p:txBody>
-          <a:bodyPr rtlCol="0" anchor="ctr"/>
-          <a:lstStyle/>
-          <a:p>
-            <a:pPr algn="ctr"/>
-            <a:r>
-              <a:rPr lang="en-US" sz="900" dirty="0" smtClean="0">
-                <a:solidFill>
-                  <a:schemeClr val="tx1"/>
-                </a:solidFill>
-                <a:latin typeface="Times New Roman" pitchFamily="18" charset="0"/>
-                <a:cs typeface="Times New Roman" pitchFamily="18" charset="0"/>
-              </a:rPr>
-              <a:t>monitoring overheads</a:t>
-            </a:r>
-            <a:endParaRPr lang="en-US" sz="900" dirty="0">
-              <a:solidFill>
-                <a:schemeClr val="tx1"/>
-              </a:solidFill>
-              <a:latin typeface="Times New Roman" pitchFamily="18" charset="0"/>
-              <a:cs typeface="Times New Roman" pitchFamily="18" charset="0"/>
-            </a:endParaRPr>
-          </a:p>
-        </p:txBody>
-      </p:sp>
-      <p:cxnSp>
-        <p:nvCxnSpPr>
-          <p:cNvPr id="67" name="Straight Arrow Connector 66"/>
-          <p:cNvCxnSpPr/>
-          <p:nvPr/>
-        </p:nvCxnSpPr>
-        <p:spPr>
-          <a:xfrm>
-            <a:off x="969576" y="522839"/>
-            <a:ext cx="190634" cy="198834"/>
-          </a:xfrm>
-          <a:prstGeom prst="straightConnector1">
-            <a:avLst/>
-          </a:prstGeom>
-          <a:ln w="19050">
-            <a:solidFill>
-              <a:srgbClr val="C00000"/>
-            </a:solidFill>
-            <a:headEnd w="sm" len="sm"/>
-            <a:tailEnd type="arrow" w="sm" len="sm"/>
-          </a:ln>
-        </p:spPr>
-        <p:style>
-          <a:lnRef idx="1">
-            <a:schemeClr val="accent1"/>
-          </a:lnRef>
-          <a:fillRef idx="0">
-            <a:schemeClr val="accent1"/>
-          </a:fillRef>
-          <a:effectRef idx="0">
-            <a:schemeClr val="accent1"/>
-          </a:effectRef>
-          <a:fontRef idx="minor">
-            <a:schemeClr val="tx1"/>
-          </a:fontRef>
-        </p:style>
-      </p:cxnSp>
-      <p:cxnSp>
-        <p:nvCxnSpPr>
-          <p:cNvPr id="69" name="Straight Arrow Connector 68"/>
-          <p:cNvCxnSpPr/>
-          <p:nvPr/>
-        </p:nvCxnSpPr>
-        <p:spPr>
-          <a:xfrm flipV="1">
-            <a:off x="1160210" y="592837"/>
-            <a:ext cx="345645" cy="128836"/>
-          </a:xfrm>
-          <a:prstGeom prst="straightConnector1">
-            <a:avLst/>
-          </a:prstGeom>
-          <a:ln w="19050">
-            <a:solidFill>
-              <a:srgbClr val="00B050"/>
-            </a:solidFill>
-            <a:headEnd w="sm" len="sm"/>
-            <a:tailEnd type="arrow" w="sm" len="sm"/>
-          </a:ln>
-        </p:spPr>
-        <p:style>
-          <a:lnRef idx="1">
-            <a:schemeClr val="accent1"/>
-          </a:lnRef>
-          <a:fillRef idx="0">
-            <a:schemeClr val="accent1"/>
-          </a:fillRef>
-          <a:effectRef idx="0">
-            <a:schemeClr val="accent1"/>
-          </a:effectRef>
-          <a:fontRef idx="minor">
-            <a:schemeClr val="tx1"/>
-          </a:fontRef>
-        </p:style>
-      </p:cxnSp>
-      <p:cxnSp>
-        <p:nvCxnSpPr>
-          <p:cNvPr id="71" name="Straight Arrow Connector 70"/>
-          <p:cNvCxnSpPr/>
-          <p:nvPr/>
-        </p:nvCxnSpPr>
-        <p:spPr>
-          <a:xfrm flipH="1">
-            <a:off x="1064894" y="314535"/>
-            <a:ext cx="210531" cy="272722"/>
-          </a:xfrm>
-          <a:prstGeom prst="straightConnector1">
-            <a:avLst/>
-          </a:prstGeom>
-          <a:ln w="19050">
-            <a:solidFill>
-              <a:schemeClr val="tx1"/>
-            </a:solidFill>
-            <a:headEnd w="sm" len="sm"/>
-            <a:tailEnd type="arrow" w="sm" len="sm"/>
-          </a:ln>
-        </p:spPr>
-        <p:style>
-          <a:lnRef idx="1">
-            <a:schemeClr val="accent1"/>
-          </a:lnRef>
-          <a:fillRef idx="0">
-            <a:schemeClr val="accent1"/>
-          </a:fillRef>
-          <a:effectRef idx="0">
-            <a:schemeClr val="accent1"/>
-          </a:effectRef>
-          <a:fontRef idx="minor">
-            <a:schemeClr val="tx1"/>
-          </a:fontRef>
-        </p:style>
-      </p:cxnSp>
-      <p:cxnSp>
-        <p:nvCxnSpPr>
-          <p:cNvPr id="74" name="Straight Arrow Connector 73"/>
-          <p:cNvCxnSpPr/>
-          <p:nvPr/>
-        </p:nvCxnSpPr>
-        <p:spPr>
-          <a:xfrm>
-            <a:off x="1625986" y="314325"/>
-            <a:ext cx="0" cy="342930"/>
-          </a:xfrm>
-          <a:prstGeom prst="straightConnector1">
-            <a:avLst/>
-          </a:prstGeom>
-          <a:ln w="19050">
-            <a:solidFill>
-              <a:schemeClr val="tx1"/>
-            </a:solidFill>
-            <a:headEnd w="sm" len="sm"/>
-            <a:tailEnd type="arrow" w="sm" len="sm"/>
-          </a:ln>
-        </p:spPr>
-        <p:style>
-          <a:lnRef idx="1">
-            <a:schemeClr val="accent1"/>
-          </a:lnRef>
-          <a:fillRef idx="0">
-            <a:schemeClr val="accent1"/>
-          </a:fillRef>
-          <a:effectRef idx="0">
-            <a:schemeClr val="accent1"/>
-          </a:effectRef>
-          <a:fontRef idx="minor">
-            <a:schemeClr val="tx1"/>
-          </a:fontRef>
-        </p:style>
-      </p:cxnSp>
-      <p:cxnSp>
-        <p:nvCxnSpPr>
-          <p:cNvPr id="14" name="Straight Arrow Connector 13"/>
-          <p:cNvCxnSpPr/>
-          <p:nvPr/>
-        </p:nvCxnSpPr>
-        <p:spPr>
-          <a:xfrm>
-            <a:off x="1505855" y="595299"/>
-            <a:ext cx="422455" cy="440627"/>
-          </a:xfrm>
-          <a:prstGeom prst="straightConnector1">
-            <a:avLst/>
-          </a:prstGeom>
-          <a:ln w="19050">
-            <a:solidFill>
-              <a:srgbClr val="C00000"/>
-            </a:solidFill>
-            <a:headEnd w="sm" len="sm"/>
-            <a:tailEnd type="arrow" w="sm" len="sm"/>
-          </a:ln>
-        </p:spPr>
-        <p:style>
-          <a:lnRef idx="1">
-            <a:schemeClr val="accent1"/>
-          </a:lnRef>
-          <a:fillRef idx="0">
-            <a:schemeClr val="accent1"/>
-          </a:fillRef>
-          <a:effectRef idx="0">
-            <a:schemeClr val="accent1"/>
-          </a:effectRef>
-          <a:fontRef idx="minor">
-            <a:schemeClr val="tx1"/>
-          </a:fontRef>
-        </p:style>
-      </p:cxnSp>
-      <p:cxnSp>
-        <p:nvCxnSpPr>
-          <p:cNvPr id="46" name="Straight Arrow Connector 45"/>
-          <p:cNvCxnSpPr/>
-          <p:nvPr/>
-        </p:nvCxnSpPr>
-        <p:spPr>
-          <a:xfrm flipV="1">
-            <a:off x="1928310" y="657197"/>
-            <a:ext cx="1016065" cy="378729"/>
-          </a:xfrm>
-          <a:prstGeom prst="straightConnector1">
-            <a:avLst/>
-          </a:prstGeom>
-          <a:ln w="19050">
-            <a:solidFill>
-              <a:srgbClr val="00B050"/>
-            </a:solidFill>
-            <a:headEnd w="sm" len="sm"/>
-            <a:tailEnd type="arrow" w="sm" len="sm"/>
-          </a:ln>
-        </p:spPr>
-        <p:style>
-          <a:lnRef idx="1">
-            <a:schemeClr val="accent1"/>
-          </a:lnRef>
-          <a:fillRef idx="0">
-            <a:schemeClr val="accent1"/>
-          </a:fillRef>
-          <a:effectRef idx="0">
-            <a:schemeClr val="accent1"/>
-          </a:effectRef>
-          <a:fontRef idx="minor">
-            <a:schemeClr val="tx1"/>
-          </a:fontRef>
-        </p:style>
-      </p:cxnSp>
-      <p:sp>
-        <p:nvSpPr>
-          <p:cNvPr id="25" name="Rectangle 24"/>
-          <p:cNvSpPr/>
-          <p:nvPr/>
-        </p:nvSpPr>
-        <p:spPr>
-          <a:xfrm>
-            <a:off x="808787" y="1074130"/>
-            <a:ext cx="743462" cy="200529"/>
-          </a:xfrm>
-          <a:prstGeom prst="rect">
-            <a:avLst/>
-          </a:prstGeom>
-          <a:noFill/>
-          <a:ln>
-            <a:noFill/>
-          </a:ln>
-        </p:spPr>
-        <p:style>
-          <a:lnRef idx="2">
-            <a:schemeClr val="accent2">
-              <a:shade val="50000"/>
-            </a:schemeClr>
-          </a:lnRef>
-          <a:fillRef idx="1">
-            <a:schemeClr val="accent2"/>
-          </a:fillRef>
-          <a:effectRef idx="0">
-            <a:schemeClr val="accent2"/>
-          </a:effectRef>
-          <a:fontRef idx="minor">
-            <a:schemeClr val="lt1"/>
-          </a:fontRef>
-        </p:style>
-        <p:txBody>
-          <a:bodyPr rtlCol="0" anchor="ctr"/>
-          <a:lstStyle/>
-          <a:p>
-            <a:pPr algn="ctr"/>
-            <a:r>
-              <a:rPr lang="en-US" sz="900" dirty="0" smtClean="0">
-                <a:solidFill>
-                  <a:schemeClr val="tx1"/>
-                </a:solidFill>
-                <a:latin typeface="Times New Roman" pitchFamily="18" charset="0"/>
-                <a:cs typeface="Times New Roman" pitchFamily="18" charset="0"/>
-              </a:rPr>
-              <a:t>perform monitoring</a:t>
-            </a:r>
-            <a:endParaRPr lang="en-US" sz="900" dirty="0">
-              <a:solidFill>
-                <a:schemeClr val="tx1"/>
-              </a:solidFill>
-              <a:latin typeface="Times New Roman" pitchFamily="18" charset="0"/>
-              <a:cs typeface="Times New Roman" pitchFamily="18" charset="0"/>
-            </a:endParaRPr>
-          </a:p>
-        </p:txBody>
-      </p:sp>
-      <p:sp>
-        <p:nvSpPr>
-          <p:cNvPr id="27" name="Rectangle 26"/>
-          <p:cNvSpPr/>
-          <p:nvPr/>
-        </p:nvSpPr>
-        <p:spPr>
-          <a:xfrm>
-            <a:off x="1713530" y="1074130"/>
-            <a:ext cx="729695" cy="200529"/>
-          </a:xfrm>
-          <a:prstGeom prst="rect">
-            <a:avLst/>
-          </a:prstGeom>
-          <a:noFill/>
-          <a:ln>
-            <a:noFill/>
-          </a:ln>
-        </p:spPr>
-        <p:style>
-          <a:lnRef idx="2">
-            <a:schemeClr val="accent2">
-              <a:shade val="50000"/>
-            </a:schemeClr>
-          </a:lnRef>
-          <a:fillRef idx="1">
-            <a:schemeClr val="accent2"/>
-          </a:fillRef>
-          <a:effectRef idx="0">
-            <a:schemeClr val="accent2"/>
-          </a:effectRef>
-          <a:fontRef idx="minor">
-            <a:schemeClr val="lt1"/>
-          </a:fontRef>
-        </p:style>
-        <p:txBody>
-          <a:bodyPr rtlCol="0" anchor="ctr"/>
-          <a:lstStyle/>
-          <a:p>
-            <a:pPr algn="ctr"/>
-            <a:r>
-              <a:rPr lang="en-US" sz="900" dirty="0" smtClean="0">
-                <a:solidFill>
-                  <a:schemeClr val="tx1"/>
-                </a:solidFill>
-                <a:latin typeface="Times New Roman" pitchFamily="18" charset="0"/>
-                <a:cs typeface="Times New Roman" pitchFamily="18" charset="0"/>
-              </a:rPr>
-              <a:t>drop monitoring</a:t>
-            </a:r>
-            <a:endParaRPr lang="en-US" sz="900" dirty="0">
-              <a:solidFill>
-                <a:schemeClr val="tx1"/>
-              </a:solidFill>
-              <a:latin typeface="Times New Roman" pitchFamily="18" charset="0"/>
-              <a:cs typeface="Times New Roman" pitchFamily="18" charset="0"/>
-            </a:endParaRPr>
-          </a:p>
-        </p:txBody>
-      </p:sp>
-      <p:sp>
-        <p:nvSpPr>
-          <p:cNvPr id="34" name="Rectangle 33"/>
-          <p:cNvSpPr/>
-          <p:nvPr/>
-        </p:nvSpPr>
-        <p:spPr>
-          <a:xfrm>
-            <a:off x="2392938" y="1074129"/>
-            <a:ext cx="743462" cy="200529"/>
-          </a:xfrm>
-          <a:prstGeom prst="rect">
-            <a:avLst/>
-          </a:prstGeom>
-          <a:noFill/>
-          <a:ln>
-            <a:noFill/>
-          </a:ln>
-        </p:spPr>
-        <p:style>
-          <a:lnRef idx="2">
-            <a:schemeClr val="accent2">
-              <a:shade val="50000"/>
-            </a:schemeClr>
-          </a:lnRef>
-          <a:fillRef idx="1">
-            <a:schemeClr val="accent2"/>
-          </a:fillRef>
-          <a:effectRef idx="0">
-            <a:schemeClr val="accent2"/>
-          </a:effectRef>
-          <a:fontRef idx="minor">
-            <a:schemeClr val="lt1"/>
-          </a:fontRef>
-        </p:style>
-        <p:txBody>
-          <a:bodyPr rtlCol="0" anchor="ctr"/>
-          <a:lstStyle/>
-          <a:p>
-            <a:pPr algn="ctr"/>
-            <a:r>
-              <a:rPr lang="en-US" sz="900" dirty="0" smtClean="0">
-                <a:solidFill>
-                  <a:schemeClr val="tx1"/>
-                </a:solidFill>
-                <a:latin typeface="Times New Roman" pitchFamily="18" charset="0"/>
-                <a:cs typeface="Times New Roman" pitchFamily="18" charset="0"/>
-              </a:rPr>
-              <a:t>perform monitoring</a:t>
-            </a:r>
-            <a:endParaRPr lang="en-US" sz="900" dirty="0">
-              <a:solidFill>
-                <a:schemeClr val="tx1"/>
-              </a:solidFill>
-              <a:latin typeface="Times New Roman" pitchFamily="18" charset="0"/>
-              <a:cs typeface="Times New Roman" pitchFamily="18" charset="0"/>
-            </a:endParaRPr>
-          </a:p>
-        </p:txBody>
-      </p:sp>
-    </p:spTree>
-    <p:extLst>
-      <p:ext uri="{BB962C8B-B14F-4D97-AF65-F5344CB8AC3E}">
-        <p14:creationId xmlns:p14="http://schemas.microsoft.com/office/powerpoint/2010/main" val="1614472030"/>
-      </p:ext>
-    </p:extLst>
-  </p:cSld>
-  <p:clrMapOvr>
-    <a:masterClrMapping/>
-  </p:clrMapOvr>
-</p:sld>
-</file>
-
 <file path=ppt/slides/slide5.xml><?xml version="1.0" encoding="utf-8"?>
 <p:sld xmlns:a="http://schemas.openxmlformats.org/drawingml/2006/main" xmlns:r="http://schemas.openxmlformats.org/officeDocument/2006/relationships" xmlns:p="http://schemas.openxmlformats.org/presentationml/2006/main">
   <p:cSld>
@@ -6402,37 +6435,62 @@
       </p:grpSpPr>
       <p:sp>
         <p:nvSpPr>
-          <p:cNvPr id="71" name="TextBox 70"/>
-          <p:cNvSpPr txBox="1"/>
-          <p:nvPr/>
-        </p:nvSpPr>
-        <p:spPr>
-          <a:xfrm>
-            <a:off x="2663440" y="201038"/>
-            <a:ext cx="590283" cy="369332"/>
-          </a:xfrm>
-          <a:prstGeom prst="rect">
-            <a:avLst/>
-          </a:prstGeom>
-          <a:noFill/>
+          <p:cNvPr id="29" name="Oval 28"/>
+          <p:cNvSpPr/>
+          <p:nvPr/>
+        </p:nvSpPr>
+        <p:spPr>
+          <a:xfrm>
+            <a:off x="529519" y="45700"/>
+            <a:ext cx="230429" cy="230429"/>
+          </a:xfrm>
+          <a:prstGeom prst="ellipse">
+            <a:avLst/>
+          </a:prstGeom>
+          <a:solidFill>
+            <a:srgbClr val="66CCFF"/>
+          </a:solidFill>
           <a:ln w="12700">
-            <a:noFill/>
-          </a:ln>
-        </p:spPr>
-        <p:txBody>
-          <a:bodyPr wrap="square" rtlCol="0">
-            <a:spAutoFit/>
-          </a:bodyPr>
-          <a:lstStyle/>
-          <a:p>
+            <a:solidFill>
+              <a:schemeClr val="tx1"/>
+            </a:solidFill>
+          </a:ln>
+        </p:spPr>
+        <p:style>
+          <a:lnRef idx="2">
+            <a:schemeClr val="accent1">
+              <a:shade val="50000"/>
+            </a:schemeClr>
+          </a:lnRef>
+          <a:fillRef idx="1">
+            <a:schemeClr val="accent1"/>
+          </a:fillRef>
+          <a:effectRef idx="0">
+            <a:schemeClr val="accent1"/>
+          </a:effectRef>
+          <a:fontRef idx="minor">
+            <a:schemeClr val="lt1"/>
+          </a:fontRef>
+        </p:style>
+        <p:txBody>
+          <a:bodyPr rtlCol="0" anchor="ctr"/>
+          <a:lstStyle/>
+          <a:p>
+            <a:pPr algn="ctr"/>
             <a:r>
               <a:rPr lang="en-US" sz="900" dirty="0" smtClean="0">
+                <a:solidFill>
+                  <a:schemeClr val="tx1"/>
+                </a:solidFill>
                 <a:latin typeface="Times New Roman" pitchFamily="18" charset="0"/>
                 <a:cs typeface="Times New Roman" pitchFamily="18" charset="0"/>
               </a:rPr>
-              <a:t>drop decision</a:t>
+              <a:t>A</a:t>
             </a:r>
             <a:endParaRPr lang="en-US" sz="900" dirty="0">
+              <a:solidFill>
+                <a:schemeClr val="tx1"/>
+              </a:solidFill>
               <a:latin typeface="Times New Roman" pitchFamily="18" charset="0"/>
               <a:cs typeface="Times New Roman" pitchFamily="18" charset="0"/>
             </a:endParaRPr>
@@ -6441,13 +6499,2909 @@
       </p:sp>
       <p:sp>
         <p:nvSpPr>
+          <p:cNvPr id="30" name="Oval 29"/>
+          <p:cNvSpPr/>
+          <p:nvPr/>
+        </p:nvSpPr>
+        <p:spPr>
+          <a:xfrm>
+            <a:off x="1002441" y="45702"/>
+            <a:ext cx="230429" cy="230429"/>
+          </a:xfrm>
+          <a:prstGeom prst="ellipse">
+            <a:avLst/>
+          </a:prstGeom>
+          <a:solidFill>
+            <a:srgbClr val="66CCFF"/>
+          </a:solidFill>
+          <a:ln w="12700">
+            <a:solidFill>
+              <a:schemeClr val="tx1"/>
+            </a:solidFill>
+          </a:ln>
+        </p:spPr>
+        <p:style>
+          <a:lnRef idx="2">
+            <a:schemeClr val="accent1">
+              <a:shade val="50000"/>
+            </a:schemeClr>
+          </a:lnRef>
+          <a:fillRef idx="1">
+            <a:schemeClr val="accent1"/>
+          </a:fillRef>
+          <a:effectRef idx="0">
+            <a:schemeClr val="accent1"/>
+          </a:effectRef>
+          <a:fontRef idx="minor">
+            <a:schemeClr val="lt1"/>
+          </a:fontRef>
+        </p:style>
+        <p:txBody>
+          <a:bodyPr rtlCol="0" anchor="ctr"/>
+          <a:lstStyle/>
+          <a:p>
+            <a:pPr algn="ctr"/>
+            <a:r>
+              <a:rPr lang="en-US" sz="900" dirty="0" smtClean="0">
+                <a:solidFill>
+                  <a:schemeClr val="tx1"/>
+                </a:solidFill>
+                <a:latin typeface="Times New Roman" pitchFamily="18" charset="0"/>
+                <a:cs typeface="Times New Roman" pitchFamily="18" charset="0"/>
+              </a:rPr>
+              <a:t>B</a:t>
+            </a:r>
+            <a:endParaRPr lang="en-US" sz="900" dirty="0">
+              <a:solidFill>
+                <a:schemeClr val="tx1"/>
+              </a:solidFill>
+              <a:latin typeface="Times New Roman" pitchFamily="18" charset="0"/>
+              <a:cs typeface="Times New Roman" pitchFamily="18" charset="0"/>
+            </a:endParaRPr>
+          </a:p>
+        </p:txBody>
+      </p:sp>
+      <p:cxnSp>
+        <p:nvCxnSpPr>
+          <p:cNvPr id="31" name="Straight Arrow Connector 30"/>
+          <p:cNvCxnSpPr>
+            <a:stCxn id="29" idx="6"/>
+            <a:endCxn id="30" idx="2"/>
+          </p:cNvCxnSpPr>
+          <p:nvPr/>
+        </p:nvCxnSpPr>
+        <p:spPr>
+          <a:xfrm>
+            <a:off x="759948" y="160915"/>
+            <a:ext cx="242493" cy="2"/>
+          </a:xfrm>
+          <a:prstGeom prst="straightConnector1">
+            <a:avLst/>
+          </a:prstGeom>
+          <a:ln w="19050">
+            <a:solidFill>
+              <a:schemeClr val="tx1"/>
+            </a:solidFill>
+            <a:headEnd w="sm" len="sm"/>
+            <a:tailEnd type="arrow" w="sm" len="sm"/>
+          </a:ln>
+        </p:spPr>
+        <p:style>
+          <a:lnRef idx="1">
+            <a:schemeClr val="accent1"/>
+          </a:lnRef>
+          <a:fillRef idx="0">
+            <a:schemeClr val="accent1"/>
+          </a:fillRef>
+          <a:effectRef idx="0">
+            <a:schemeClr val="accent1"/>
+          </a:effectRef>
+          <a:fontRef idx="minor">
+            <a:schemeClr val="tx1"/>
+          </a:fontRef>
+        </p:style>
+      </p:cxnSp>
+      <p:sp>
+        <p:nvSpPr>
+          <p:cNvPr id="34" name="Oval 33"/>
+          <p:cNvSpPr/>
+          <p:nvPr/>
+        </p:nvSpPr>
+        <p:spPr>
+          <a:xfrm>
+            <a:off x="1475363" y="46022"/>
+            <a:ext cx="230429" cy="230429"/>
+          </a:xfrm>
+          <a:prstGeom prst="ellipse">
+            <a:avLst/>
+          </a:prstGeom>
+          <a:solidFill>
+            <a:srgbClr val="66CCFF"/>
+          </a:solidFill>
+          <a:ln w="12700">
+            <a:solidFill>
+              <a:schemeClr val="tx1"/>
+            </a:solidFill>
+          </a:ln>
+        </p:spPr>
+        <p:style>
+          <a:lnRef idx="2">
+            <a:schemeClr val="accent1">
+              <a:shade val="50000"/>
+            </a:schemeClr>
+          </a:lnRef>
+          <a:fillRef idx="1">
+            <a:schemeClr val="accent1"/>
+          </a:fillRef>
+          <a:effectRef idx="0">
+            <a:schemeClr val="accent1"/>
+          </a:effectRef>
+          <a:fontRef idx="minor">
+            <a:schemeClr val="lt1"/>
+          </a:fontRef>
+        </p:style>
+        <p:txBody>
+          <a:bodyPr rtlCol="0" anchor="ctr"/>
+          <a:lstStyle/>
+          <a:p>
+            <a:pPr algn="ctr"/>
+            <a:r>
+              <a:rPr lang="en-US" sz="900" dirty="0" smtClean="0">
+                <a:solidFill>
+                  <a:schemeClr val="tx1"/>
+                </a:solidFill>
+                <a:latin typeface="Times New Roman" pitchFamily="18" charset="0"/>
+                <a:cs typeface="Times New Roman" pitchFamily="18" charset="0"/>
+              </a:rPr>
+              <a:t>C</a:t>
+            </a:r>
+            <a:endParaRPr lang="en-US" sz="900" dirty="0">
+              <a:solidFill>
+                <a:schemeClr val="tx1"/>
+              </a:solidFill>
+              <a:latin typeface="Times New Roman" pitchFamily="18" charset="0"/>
+              <a:cs typeface="Times New Roman" pitchFamily="18" charset="0"/>
+            </a:endParaRPr>
+          </a:p>
+        </p:txBody>
+      </p:sp>
+      <p:cxnSp>
+        <p:nvCxnSpPr>
+          <p:cNvPr id="39" name="Straight Arrow Connector 38"/>
+          <p:cNvCxnSpPr/>
+          <p:nvPr/>
+        </p:nvCxnSpPr>
+        <p:spPr>
+          <a:xfrm>
+            <a:off x="1232870" y="161240"/>
+            <a:ext cx="242493" cy="2"/>
+          </a:xfrm>
+          <a:prstGeom prst="straightConnector1">
+            <a:avLst/>
+          </a:prstGeom>
+          <a:ln w="19050">
+            <a:solidFill>
+              <a:schemeClr val="tx1"/>
+            </a:solidFill>
+            <a:headEnd w="sm" len="sm"/>
+            <a:tailEnd type="arrow" w="sm" len="sm"/>
+          </a:ln>
+        </p:spPr>
+        <p:style>
+          <a:lnRef idx="1">
+            <a:schemeClr val="accent1"/>
+          </a:lnRef>
+          <a:fillRef idx="0">
+            <a:schemeClr val="accent1"/>
+          </a:fillRef>
+          <a:effectRef idx="0">
+            <a:schemeClr val="accent1"/>
+          </a:effectRef>
+          <a:fontRef idx="minor">
+            <a:schemeClr val="tx1"/>
+          </a:fontRef>
+        </p:style>
+      </p:cxnSp>
+      <p:sp>
+        <p:nvSpPr>
+          <p:cNvPr id="41" name="Oval 40"/>
+          <p:cNvSpPr/>
+          <p:nvPr/>
+        </p:nvSpPr>
+        <p:spPr>
+          <a:xfrm>
+            <a:off x="1948285" y="46022"/>
+            <a:ext cx="230429" cy="230429"/>
+          </a:xfrm>
+          <a:prstGeom prst="ellipse">
+            <a:avLst/>
+          </a:prstGeom>
+          <a:solidFill>
+            <a:srgbClr val="66CCFF"/>
+          </a:solidFill>
+          <a:ln w="12700">
+            <a:solidFill>
+              <a:schemeClr val="tx1"/>
+            </a:solidFill>
+          </a:ln>
+        </p:spPr>
+        <p:style>
+          <a:lnRef idx="2">
+            <a:schemeClr val="accent1">
+              <a:shade val="50000"/>
+            </a:schemeClr>
+          </a:lnRef>
+          <a:fillRef idx="1">
+            <a:schemeClr val="accent1"/>
+          </a:fillRef>
+          <a:effectRef idx="0">
+            <a:schemeClr val="accent1"/>
+          </a:effectRef>
+          <a:fontRef idx="minor">
+            <a:schemeClr val="lt1"/>
+          </a:fontRef>
+        </p:style>
+        <p:txBody>
+          <a:bodyPr rtlCol="0" anchor="ctr"/>
+          <a:lstStyle/>
+          <a:p>
+            <a:pPr algn="ctr"/>
+            <a:r>
+              <a:rPr lang="en-US" sz="900" dirty="0">
+                <a:solidFill>
+                  <a:schemeClr val="tx1"/>
+                </a:solidFill>
+                <a:latin typeface="Times New Roman" pitchFamily="18" charset="0"/>
+                <a:cs typeface="Times New Roman" pitchFamily="18" charset="0"/>
+              </a:rPr>
+              <a:t>D</a:t>
+            </a:r>
+          </a:p>
+        </p:txBody>
+      </p:sp>
+      <p:cxnSp>
+        <p:nvCxnSpPr>
+          <p:cNvPr id="42" name="Straight Arrow Connector 41"/>
+          <p:cNvCxnSpPr/>
+          <p:nvPr/>
+        </p:nvCxnSpPr>
+        <p:spPr>
+          <a:xfrm>
+            <a:off x="1705792" y="161238"/>
+            <a:ext cx="242493" cy="2"/>
+          </a:xfrm>
+          <a:prstGeom prst="straightConnector1">
+            <a:avLst/>
+          </a:prstGeom>
+          <a:ln w="19050">
+            <a:solidFill>
+              <a:schemeClr val="tx1"/>
+            </a:solidFill>
+            <a:headEnd w="sm" len="sm"/>
+            <a:tailEnd type="arrow" w="sm" len="sm"/>
+          </a:ln>
+        </p:spPr>
+        <p:style>
+          <a:lnRef idx="1">
+            <a:schemeClr val="accent1"/>
+          </a:lnRef>
+          <a:fillRef idx="0">
+            <a:schemeClr val="accent1"/>
+          </a:fillRef>
+          <a:effectRef idx="0">
+            <a:schemeClr val="accent1"/>
+          </a:effectRef>
+          <a:fontRef idx="minor">
+            <a:schemeClr val="tx1"/>
+          </a:fontRef>
+        </p:style>
+      </p:cxnSp>
+      <p:cxnSp>
+        <p:nvCxnSpPr>
+          <p:cNvPr id="44" name="Straight Arrow Connector 43"/>
+          <p:cNvCxnSpPr/>
+          <p:nvPr/>
+        </p:nvCxnSpPr>
+        <p:spPr>
+          <a:xfrm>
+            <a:off x="2178714" y="161236"/>
+            <a:ext cx="242493" cy="2"/>
+          </a:xfrm>
+          <a:prstGeom prst="straightConnector1">
+            <a:avLst/>
+          </a:prstGeom>
+          <a:ln w="19050">
+            <a:solidFill>
+              <a:schemeClr val="tx1"/>
+            </a:solidFill>
+            <a:headEnd w="sm" len="sm"/>
+            <a:tailEnd type="arrow" w="sm" len="sm"/>
+          </a:ln>
+        </p:spPr>
+        <p:style>
+          <a:lnRef idx="1">
+            <a:schemeClr val="accent1"/>
+          </a:lnRef>
+          <a:fillRef idx="0">
+            <a:schemeClr val="accent1"/>
+          </a:fillRef>
+          <a:effectRef idx="0">
+            <a:schemeClr val="accent1"/>
+          </a:effectRef>
+          <a:fontRef idx="minor">
+            <a:schemeClr val="tx1"/>
+          </a:fontRef>
+        </p:style>
+      </p:cxnSp>
+      <p:sp>
+        <p:nvSpPr>
+          <p:cNvPr id="46" name="Oval 45"/>
+          <p:cNvSpPr/>
+          <p:nvPr/>
+        </p:nvSpPr>
+        <p:spPr>
+          <a:xfrm>
+            <a:off x="1475362" y="343520"/>
+            <a:ext cx="230429" cy="230429"/>
+          </a:xfrm>
+          <a:prstGeom prst="ellipse">
+            <a:avLst/>
+          </a:prstGeom>
+          <a:solidFill>
+            <a:srgbClr val="66CCFF"/>
+          </a:solidFill>
+          <a:ln w="12700">
+            <a:solidFill>
+              <a:schemeClr val="tx1"/>
+            </a:solidFill>
+          </a:ln>
+        </p:spPr>
+        <p:style>
+          <a:lnRef idx="2">
+            <a:schemeClr val="accent1">
+              <a:shade val="50000"/>
+            </a:schemeClr>
+          </a:lnRef>
+          <a:fillRef idx="1">
+            <a:schemeClr val="accent1"/>
+          </a:fillRef>
+          <a:effectRef idx="0">
+            <a:schemeClr val="accent1"/>
+          </a:effectRef>
+          <a:fontRef idx="minor">
+            <a:schemeClr val="lt1"/>
+          </a:fontRef>
+        </p:style>
+        <p:txBody>
+          <a:bodyPr rtlCol="0" anchor="ctr"/>
+          <a:lstStyle/>
+          <a:p>
+            <a:pPr algn="ctr"/>
+            <a:r>
+              <a:rPr lang="en-US" sz="900" dirty="0">
+                <a:solidFill>
+                  <a:schemeClr val="tx1"/>
+                </a:solidFill>
+                <a:latin typeface="Times New Roman" pitchFamily="18" charset="0"/>
+                <a:cs typeface="Times New Roman" pitchFamily="18" charset="0"/>
+              </a:rPr>
+              <a:t>F</a:t>
+            </a:r>
+          </a:p>
+        </p:txBody>
+      </p:sp>
+      <p:cxnSp>
+        <p:nvCxnSpPr>
+          <p:cNvPr id="47" name="Straight Arrow Connector 46"/>
+          <p:cNvCxnSpPr>
+            <a:stCxn id="30" idx="5"/>
+            <a:endCxn id="46" idx="2"/>
+          </p:cNvCxnSpPr>
+          <p:nvPr/>
+        </p:nvCxnSpPr>
+        <p:spPr>
+          <a:xfrm>
+            <a:off x="1199124" y="242385"/>
+            <a:ext cx="276238" cy="216350"/>
+          </a:xfrm>
+          <a:prstGeom prst="straightConnector1">
+            <a:avLst/>
+          </a:prstGeom>
+          <a:ln w="19050">
+            <a:solidFill>
+              <a:schemeClr val="tx1"/>
+            </a:solidFill>
+            <a:headEnd w="sm" len="sm"/>
+            <a:tailEnd type="arrow" w="sm" len="sm"/>
+          </a:ln>
+        </p:spPr>
+        <p:style>
+          <a:lnRef idx="1">
+            <a:schemeClr val="accent1"/>
+          </a:lnRef>
+          <a:fillRef idx="0">
+            <a:schemeClr val="accent1"/>
+          </a:fillRef>
+          <a:effectRef idx="0">
+            <a:schemeClr val="accent1"/>
+          </a:effectRef>
+          <a:fontRef idx="minor">
+            <a:schemeClr val="tx1"/>
+          </a:fontRef>
+        </p:style>
+      </p:cxnSp>
+      <p:cxnSp>
+        <p:nvCxnSpPr>
+          <p:cNvPr id="51" name="Straight Arrow Connector 50"/>
+          <p:cNvCxnSpPr/>
+          <p:nvPr/>
+        </p:nvCxnSpPr>
+        <p:spPr>
+          <a:xfrm>
+            <a:off x="1709344" y="458735"/>
+            <a:ext cx="242493" cy="2"/>
+          </a:xfrm>
+          <a:prstGeom prst="straightConnector1">
+            <a:avLst/>
+          </a:prstGeom>
+          <a:ln w="19050">
+            <a:solidFill>
+              <a:schemeClr val="tx1"/>
+            </a:solidFill>
+            <a:headEnd w="sm" len="sm"/>
+            <a:tailEnd type="arrow" w="sm" len="sm"/>
+          </a:ln>
+        </p:spPr>
+        <p:style>
+          <a:lnRef idx="1">
+            <a:schemeClr val="accent1"/>
+          </a:lnRef>
+          <a:fillRef idx="0">
+            <a:schemeClr val="accent1"/>
+          </a:fillRef>
+          <a:effectRef idx="0">
+            <a:schemeClr val="accent1"/>
+          </a:effectRef>
+          <a:fontRef idx="minor">
+            <a:schemeClr val="tx1"/>
+          </a:fontRef>
+        </p:style>
+      </p:cxnSp>
+      <p:sp>
+        <p:nvSpPr>
+          <p:cNvPr id="2" name="Rectangle 1"/>
+          <p:cNvSpPr/>
+          <p:nvPr/>
+        </p:nvSpPr>
+        <p:spPr>
+          <a:xfrm>
+            <a:off x="1951837" y="343520"/>
+            <a:ext cx="230429" cy="230429"/>
+          </a:xfrm>
+          <a:prstGeom prst="rect">
+            <a:avLst/>
+          </a:prstGeom>
+          <a:solidFill>
+            <a:srgbClr val="66CCFF"/>
+          </a:solidFill>
+          <a:ln w="12700">
+            <a:solidFill>
+              <a:schemeClr val="tx1"/>
+            </a:solidFill>
+          </a:ln>
+        </p:spPr>
+        <p:style>
+          <a:lnRef idx="2">
+            <a:schemeClr val="accent1">
+              <a:shade val="50000"/>
+            </a:schemeClr>
+          </a:lnRef>
+          <a:fillRef idx="1">
+            <a:schemeClr val="accent1"/>
+          </a:fillRef>
+          <a:effectRef idx="0">
+            <a:schemeClr val="accent1"/>
+          </a:effectRef>
+          <a:fontRef idx="minor">
+            <a:schemeClr val="lt1"/>
+          </a:fontRef>
+        </p:style>
+        <p:txBody>
+          <a:bodyPr rtlCol="0" anchor="ctr"/>
+          <a:lstStyle/>
+          <a:p>
+            <a:pPr algn="ctr"/>
+            <a:r>
+              <a:rPr lang="en-US" sz="900" dirty="0" smtClean="0">
+                <a:solidFill>
+                  <a:schemeClr val="tx1"/>
+                </a:solidFill>
+                <a:latin typeface="Times New Roman" pitchFamily="18" charset="0"/>
+                <a:cs typeface="Times New Roman" pitchFamily="18" charset="0"/>
+              </a:rPr>
+              <a:t>G</a:t>
+            </a:r>
+            <a:endParaRPr lang="en-US" sz="900" dirty="0">
+              <a:solidFill>
+                <a:schemeClr val="tx1"/>
+              </a:solidFill>
+              <a:latin typeface="Times New Roman" pitchFamily="18" charset="0"/>
+              <a:cs typeface="Times New Roman" pitchFamily="18" charset="0"/>
+            </a:endParaRPr>
+          </a:p>
+        </p:txBody>
+      </p:sp>
+      <p:sp>
+        <p:nvSpPr>
+          <p:cNvPr id="16" name="Rectangle 15"/>
+          <p:cNvSpPr/>
+          <p:nvPr/>
+        </p:nvSpPr>
+        <p:spPr>
+          <a:xfrm>
+            <a:off x="2421207" y="45699"/>
+            <a:ext cx="230429" cy="230429"/>
+          </a:xfrm>
+          <a:prstGeom prst="rect">
+            <a:avLst/>
+          </a:prstGeom>
+          <a:solidFill>
+            <a:srgbClr val="66CCFF"/>
+          </a:solidFill>
+          <a:ln w="12700">
+            <a:solidFill>
+              <a:schemeClr val="tx1"/>
+            </a:solidFill>
+          </a:ln>
+        </p:spPr>
+        <p:style>
+          <a:lnRef idx="2">
+            <a:schemeClr val="accent1">
+              <a:shade val="50000"/>
+            </a:schemeClr>
+          </a:lnRef>
+          <a:fillRef idx="1">
+            <a:schemeClr val="accent1"/>
+          </a:fillRef>
+          <a:effectRef idx="0">
+            <a:schemeClr val="accent1"/>
+          </a:effectRef>
+          <a:fontRef idx="minor">
+            <a:schemeClr val="lt1"/>
+          </a:fontRef>
+        </p:style>
+        <p:txBody>
+          <a:bodyPr rtlCol="0" anchor="ctr"/>
+          <a:lstStyle/>
+          <a:p>
+            <a:pPr algn="ctr"/>
+            <a:r>
+              <a:rPr lang="en-US" sz="900" dirty="0" smtClean="0">
+                <a:solidFill>
+                  <a:schemeClr val="tx1"/>
+                </a:solidFill>
+                <a:latin typeface="Times New Roman" pitchFamily="18" charset="0"/>
+                <a:cs typeface="Times New Roman" pitchFamily="18" charset="0"/>
+              </a:rPr>
+              <a:t>E</a:t>
+            </a:r>
+            <a:endParaRPr lang="en-US" sz="900" dirty="0">
+              <a:solidFill>
+                <a:schemeClr val="tx1"/>
+              </a:solidFill>
+              <a:latin typeface="Times New Roman" pitchFamily="18" charset="0"/>
+              <a:cs typeface="Times New Roman" pitchFamily="18" charset="0"/>
+            </a:endParaRPr>
+          </a:p>
+        </p:txBody>
+      </p:sp>
+    </p:spTree>
+    <p:extLst>
+      <p:ext uri="{BB962C8B-B14F-4D97-AF65-F5344CB8AC3E}">
+        <p14:creationId xmlns:p14="http://schemas.microsoft.com/office/powerpoint/2010/main" val="2553646245"/>
+      </p:ext>
+    </p:extLst>
+  </p:cSld>
+  <p:clrMapOvr>
+    <a:masterClrMapping/>
+  </p:clrMapOvr>
+  <p:timing>
+    <p:tnLst>
+      <p:par>
+        <p:cTn id="1" dur="indefinite" restart="never" nodeType="tmRoot"/>
+      </p:par>
+    </p:tnLst>
+  </p:timing>
+</p:sld>
+</file>
+
+<file path=ppt/slides/slide6.xml><?xml version="1.0" encoding="utf-8"?>
+<p:sld xmlns:a="http://schemas.openxmlformats.org/drawingml/2006/main" xmlns:r="http://schemas.openxmlformats.org/officeDocument/2006/relationships" xmlns:p="http://schemas.openxmlformats.org/presentationml/2006/main">
+  <p:cSld>
+    <p:spTree>
+      <p:nvGrpSpPr>
+        <p:cNvPr id="1" name=""/>
+        <p:cNvGrpSpPr/>
+        <p:nvPr/>
+      </p:nvGrpSpPr>
+      <p:grpSpPr>
+        <a:xfrm>
+          <a:off x="0" y="0"/>
+          <a:ext cx="0" cy="0"/>
+          <a:chOff x="0" y="0"/>
+          <a:chExt cx="0" cy="0"/>
+        </a:xfrm>
+      </p:grpSpPr>
+      <p:sp>
+        <p:nvSpPr>
+          <p:cNvPr id="29" name="Oval 28"/>
+          <p:cNvSpPr/>
+          <p:nvPr/>
+        </p:nvSpPr>
+        <p:spPr>
+          <a:xfrm>
+            <a:off x="529519" y="45700"/>
+            <a:ext cx="230429" cy="230429"/>
+          </a:xfrm>
+          <a:prstGeom prst="ellipse">
+            <a:avLst/>
+          </a:prstGeom>
+          <a:solidFill>
+            <a:srgbClr val="66CCFF"/>
+          </a:solidFill>
+          <a:ln w="12700">
+            <a:solidFill>
+              <a:schemeClr val="tx1"/>
+            </a:solidFill>
+          </a:ln>
+        </p:spPr>
+        <p:style>
+          <a:lnRef idx="2">
+            <a:schemeClr val="accent1">
+              <a:shade val="50000"/>
+            </a:schemeClr>
+          </a:lnRef>
+          <a:fillRef idx="1">
+            <a:schemeClr val="accent1"/>
+          </a:fillRef>
+          <a:effectRef idx="0">
+            <a:schemeClr val="accent1"/>
+          </a:effectRef>
+          <a:fontRef idx="minor">
+            <a:schemeClr val="lt1"/>
+          </a:fontRef>
+        </p:style>
+        <p:txBody>
+          <a:bodyPr rtlCol="0" anchor="ctr"/>
+          <a:lstStyle/>
+          <a:p>
+            <a:pPr algn="ctr"/>
+            <a:r>
+              <a:rPr lang="en-US" sz="900" dirty="0" smtClean="0">
+                <a:solidFill>
+                  <a:schemeClr val="tx1"/>
+                </a:solidFill>
+                <a:latin typeface="Times New Roman" pitchFamily="18" charset="0"/>
+                <a:cs typeface="Times New Roman" pitchFamily="18" charset="0"/>
+              </a:rPr>
+              <a:t>A</a:t>
+            </a:r>
+            <a:endParaRPr lang="en-US" sz="900" dirty="0">
+              <a:solidFill>
+                <a:schemeClr val="tx1"/>
+              </a:solidFill>
+              <a:latin typeface="Times New Roman" pitchFamily="18" charset="0"/>
+              <a:cs typeface="Times New Roman" pitchFamily="18" charset="0"/>
+            </a:endParaRPr>
+          </a:p>
+        </p:txBody>
+      </p:sp>
+      <p:sp>
+        <p:nvSpPr>
+          <p:cNvPr id="30" name="Oval 29"/>
+          <p:cNvSpPr/>
+          <p:nvPr/>
+        </p:nvSpPr>
+        <p:spPr>
+          <a:xfrm>
+            <a:off x="1002441" y="45702"/>
+            <a:ext cx="230429" cy="230429"/>
+          </a:xfrm>
+          <a:prstGeom prst="ellipse">
+            <a:avLst/>
+          </a:prstGeom>
+          <a:solidFill>
+            <a:srgbClr val="FFFFCC"/>
+          </a:solidFill>
+          <a:ln w="12700">
+            <a:solidFill>
+              <a:schemeClr val="tx1"/>
+            </a:solidFill>
+          </a:ln>
+        </p:spPr>
+        <p:style>
+          <a:lnRef idx="2">
+            <a:schemeClr val="accent1">
+              <a:shade val="50000"/>
+            </a:schemeClr>
+          </a:lnRef>
+          <a:fillRef idx="1">
+            <a:schemeClr val="accent1"/>
+          </a:fillRef>
+          <a:effectRef idx="0">
+            <a:schemeClr val="accent1"/>
+          </a:effectRef>
+          <a:fontRef idx="minor">
+            <a:schemeClr val="lt1"/>
+          </a:fontRef>
+        </p:style>
+        <p:txBody>
+          <a:bodyPr rtlCol="0" anchor="ctr"/>
+          <a:lstStyle/>
+          <a:p>
+            <a:pPr algn="ctr"/>
+            <a:r>
+              <a:rPr lang="en-US" sz="900" dirty="0" smtClean="0">
+                <a:solidFill>
+                  <a:schemeClr val="tx1"/>
+                </a:solidFill>
+                <a:latin typeface="Times New Roman" pitchFamily="18" charset="0"/>
+                <a:cs typeface="Times New Roman" pitchFamily="18" charset="0"/>
+              </a:rPr>
+              <a:t>B</a:t>
+            </a:r>
+            <a:endParaRPr lang="en-US" sz="900" dirty="0">
+              <a:solidFill>
+                <a:schemeClr val="tx1"/>
+              </a:solidFill>
+              <a:latin typeface="Times New Roman" pitchFamily="18" charset="0"/>
+              <a:cs typeface="Times New Roman" pitchFamily="18" charset="0"/>
+            </a:endParaRPr>
+          </a:p>
+        </p:txBody>
+      </p:sp>
+      <p:cxnSp>
+        <p:nvCxnSpPr>
+          <p:cNvPr id="31" name="Straight Arrow Connector 30"/>
+          <p:cNvCxnSpPr>
+            <a:stCxn id="29" idx="6"/>
+            <a:endCxn id="30" idx="2"/>
+          </p:cNvCxnSpPr>
+          <p:nvPr/>
+        </p:nvCxnSpPr>
+        <p:spPr>
+          <a:xfrm>
+            <a:off x="759948" y="160915"/>
+            <a:ext cx="242493" cy="2"/>
+          </a:xfrm>
+          <a:prstGeom prst="straightConnector1">
+            <a:avLst/>
+          </a:prstGeom>
+          <a:ln w="19050">
+            <a:solidFill>
+              <a:schemeClr val="tx1"/>
+            </a:solidFill>
+            <a:headEnd w="sm" len="sm"/>
+            <a:tailEnd type="arrow" w="sm" len="sm"/>
+          </a:ln>
+        </p:spPr>
+        <p:style>
+          <a:lnRef idx="1">
+            <a:schemeClr val="accent1"/>
+          </a:lnRef>
+          <a:fillRef idx="0">
+            <a:schemeClr val="accent1"/>
+          </a:fillRef>
+          <a:effectRef idx="0">
+            <a:schemeClr val="accent1"/>
+          </a:effectRef>
+          <a:fontRef idx="minor">
+            <a:schemeClr val="tx1"/>
+          </a:fontRef>
+        </p:style>
+      </p:cxnSp>
+      <p:sp>
+        <p:nvSpPr>
+          <p:cNvPr id="34" name="Oval 33"/>
+          <p:cNvSpPr/>
+          <p:nvPr/>
+        </p:nvSpPr>
+        <p:spPr>
+          <a:xfrm>
+            <a:off x="1475363" y="46022"/>
+            <a:ext cx="230429" cy="230429"/>
+          </a:xfrm>
+          <a:prstGeom prst="ellipse">
+            <a:avLst/>
+          </a:prstGeom>
+          <a:solidFill>
+            <a:srgbClr val="FFFFCC"/>
+          </a:solidFill>
+          <a:ln w="12700">
+            <a:solidFill>
+              <a:schemeClr val="tx1"/>
+            </a:solidFill>
+          </a:ln>
+        </p:spPr>
+        <p:style>
+          <a:lnRef idx="2">
+            <a:schemeClr val="accent1">
+              <a:shade val="50000"/>
+            </a:schemeClr>
+          </a:lnRef>
+          <a:fillRef idx="1">
+            <a:schemeClr val="accent1"/>
+          </a:fillRef>
+          <a:effectRef idx="0">
+            <a:schemeClr val="accent1"/>
+          </a:effectRef>
+          <a:fontRef idx="minor">
+            <a:schemeClr val="lt1"/>
+          </a:fontRef>
+        </p:style>
+        <p:txBody>
+          <a:bodyPr rtlCol="0" anchor="ctr"/>
+          <a:lstStyle/>
+          <a:p>
+            <a:pPr algn="ctr"/>
+            <a:r>
+              <a:rPr lang="en-US" sz="900" dirty="0" smtClean="0">
+                <a:solidFill>
+                  <a:schemeClr val="tx1"/>
+                </a:solidFill>
+                <a:latin typeface="Times New Roman" pitchFamily="18" charset="0"/>
+                <a:cs typeface="Times New Roman" pitchFamily="18" charset="0"/>
+              </a:rPr>
+              <a:t>C</a:t>
+            </a:r>
+            <a:endParaRPr lang="en-US" sz="900" dirty="0">
+              <a:solidFill>
+                <a:schemeClr val="tx1"/>
+              </a:solidFill>
+              <a:latin typeface="Times New Roman" pitchFamily="18" charset="0"/>
+              <a:cs typeface="Times New Roman" pitchFamily="18" charset="0"/>
+            </a:endParaRPr>
+          </a:p>
+        </p:txBody>
+      </p:sp>
+      <p:cxnSp>
+        <p:nvCxnSpPr>
+          <p:cNvPr id="39" name="Straight Arrow Connector 38"/>
+          <p:cNvCxnSpPr/>
+          <p:nvPr/>
+        </p:nvCxnSpPr>
+        <p:spPr>
+          <a:xfrm>
+            <a:off x="1232870" y="161240"/>
+            <a:ext cx="242493" cy="2"/>
+          </a:xfrm>
+          <a:prstGeom prst="straightConnector1">
+            <a:avLst/>
+          </a:prstGeom>
+          <a:ln w="19050">
+            <a:solidFill>
+              <a:schemeClr val="tx1"/>
+            </a:solidFill>
+            <a:headEnd w="sm" len="sm"/>
+            <a:tailEnd type="arrow" w="sm" len="sm"/>
+          </a:ln>
+        </p:spPr>
+        <p:style>
+          <a:lnRef idx="1">
+            <a:schemeClr val="accent1"/>
+          </a:lnRef>
+          <a:fillRef idx="0">
+            <a:schemeClr val="accent1"/>
+          </a:fillRef>
+          <a:effectRef idx="0">
+            <a:schemeClr val="accent1"/>
+          </a:effectRef>
+          <a:fontRef idx="minor">
+            <a:schemeClr val="tx1"/>
+          </a:fontRef>
+        </p:style>
+      </p:cxnSp>
+      <p:sp>
+        <p:nvSpPr>
+          <p:cNvPr id="41" name="Oval 40"/>
+          <p:cNvSpPr/>
+          <p:nvPr/>
+        </p:nvSpPr>
+        <p:spPr>
+          <a:xfrm>
+            <a:off x="1948285" y="46022"/>
+            <a:ext cx="230429" cy="230429"/>
+          </a:xfrm>
+          <a:prstGeom prst="ellipse">
+            <a:avLst/>
+          </a:prstGeom>
+          <a:solidFill>
+            <a:srgbClr val="FFFFCC"/>
+          </a:solidFill>
+          <a:ln w="12700">
+            <a:solidFill>
+              <a:schemeClr val="tx1"/>
+            </a:solidFill>
+          </a:ln>
+        </p:spPr>
+        <p:style>
+          <a:lnRef idx="2">
+            <a:schemeClr val="accent1">
+              <a:shade val="50000"/>
+            </a:schemeClr>
+          </a:lnRef>
+          <a:fillRef idx="1">
+            <a:schemeClr val="accent1"/>
+          </a:fillRef>
+          <a:effectRef idx="0">
+            <a:schemeClr val="accent1"/>
+          </a:effectRef>
+          <a:fontRef idx="minor">
+            <a:schemeClr val="lt1"/>
+          </a:fontRef>
+        </p:style>
+        <p:txBody>
+          <a:bodyPr rtlCol="0" anchor="ctr"/>
+          <a:lstStyle/>
+          <a:p>
+            <a:pPr algn="ctr"/>
+            <a:r>
+              <a:rPr lang="en-US" sz="900" dirty="0">
+                <a:solidFill>
+                  <a:schemeClr val="tx1"/>
+                </a:solidFill>
+                <a:latin typeface="Times New Roman" pitchFamily="18" charset="0"/>
+                <a:cs typeface="Times New Roman" pitchFamily="18" charset="0"/>
+              </a:rPr>
+              <a:t>D</a:t>
+            </a:r>
+          </a:p>
+        </p:txBody>
+      </p:sp>
+      <p:cxnSp>
+        <p:nvCxnSpPr>
+          <p:cNvPr id="42" name="Straight Arrow Connector 41"/>
+          <p:cNvCxnSpPr/>
+          <p:nvPr/>
+        </p:nvCxnSpPr>
+        <p:spPr>
+          <a:xfrm>
+            <a:off x="1705792" y="161238"/>
+            <a:ext cx="242493" cy="2"/>
+          </a:xfrm>
+          <a:prstGeom prst="straightConnector1">
+            <a:avLst/>
+          </a:prstGeom>
+          <a:ln w="19050">
+            <a:solidFill>
+              <a:schemeClr val="tx1"/>
+            </a:solidFill>
+            <a:headEnd w="sm" len="sm"/>
+            <a:tailEnd type="arrow" w="sm" len="sm"/>
+          </a:ln>
+        </p:spPr>
+        <p:style>
+          <a:lnRef idx="1">
+            <a:schemeClr val="accent1"/>
+          </a:lnRef>
+          <a:fillRef idx="0">
+            <a:schemeClr val="accent1"/>
+          </a:fillRef>
+          <a:effectRef idx="0">
+            <a:schemeClr val="accent1"/>
+          </a:effectRef>
+          <a:fontRef idx="minor">
+            <a:schemeClr val="tx1"/>
+          </a:fontRef>
+        </p:style>
+      </p:cxnSp>
+      <p:cxnSp>
+        <p:nvCxnSpPr>
+          <p:cNvPr id="44" name="Straight Arrow Connector 43"/>
+          <p:cNvCxnSpPr/>
+          <p:nvPr/>
+        </p:nvCxnSpPr>
+        <p:spPr>
+          <a:xfrm>
+            <a:off x="2178714" y="161236"/>
+            <a:ext cx="242493" cy="2"/>
+          </a:xfrm>
+          <a:prstGeom prst="straightConnector1">
+            <a:avLst/>
+          </a:prstGeom>
+          <a:ln w="19050">
+            <a:solidFill>
+              <a:schemeClr val="tx1"/>
+            </a:solidFill>
+            <a:headEnd w="sm" len="sm"/>
+            <a:tailEnd type="arrow" w="sm" len="sm"/>
+          </a:ln>
+        </p:spPr>
+        <p:style>
+          <a:lnRef idx="1">
+            <a:schemeClr val="accent1"/>
+          </a:lnRef>
+          <a:fillRef idx="0">
+            <a:schemeClr val="accent1"/>
+          </a:fillRef>
+          <a:effectRef idx="0">
+            <a:schemeClr val="accent1"/>
+          </a:effectRef>
+          <a:fontRef idx="minor">
+            <a:schemeClr val="tx1"/>
+          </a:fontRef>
+        </p:style>
+      </p:cxnSp>
+      <p:sp>
+        <p:nvSpPr>
+          <p:cNvPr id="46" name="Oval 45"/>
+          <p:cNvSpPr/>
+          <p:nvPr/>
+        </p:nvSpPr>
+        <p:spPr>
+          <a:xfrm>
+            <a:off x="1475362" y="343520"/>
+            <a:ext cx="230429" cy="230429"/>
+          </a:xfrm>
+          <a:prstGeom prst="ellipse">
+            <a:avLst/>
+          </a:prstGeom>
+          <a:solidFill>
+            <a:srgbClr val="FFFFCC"/>
+          </a:solidFill>
+          <a:ln w="12700">
+            <a:solidFill>
+              <a:schemeClr val="tx1"/>
+            </a:solidFill>
+          </a:ln>
+        </p:spPr>
+        <p:style>
+          <a:lnRef idx="2">
+            <a:schemeClr val="accent1">
+              <a:shade val="50000"/>
+            </a:schemeClr>
+          </a:lnRef>
+          <a:fillRef idx="1">
+            <a:schemeClr val="accent1"/>
+          </a:fillRef>
+          <a:effectRef idx="0">
+            <a:schemeClr val="accent1"/>
+          </a:effectRef>
+          <a:fontRef idx="minor">
+            <a:schemeClr val="lt1"/>
+          </a:fontRef>
+        </p:style>
+        <p:txBody>
+          <a:bodyPr rtlCol="0" anchor="ctr"/>
+          <a:lstStyle/>
+          <a:p>
+            <a:pPr algn="ctr"/>
+            <a:r>
+              <a:rPr lang="en-US" sz="900" dirty="0">
+                <a:solidFill>
+                  <a:schemeClr val="tx1"/>
+                </a:solidFill>
+                <a:latin typeface="Times New Roman" pitchFamily="18" charset="0"/>
+                <a:cs typeface="Times New Roman" pitchFamily="18" charset="0"/>
+              </a:rPr>
+              <a:t>F</a:t>
+            </a:r>
+          </a:p>
+        </p:txBody>
+      </p:sp>
+      <p:cxnSp>
+        <p:nvCxnSpPr>
+          <p:cNvPr id="47" name="Straight Arrow Connector 46"/>
+          <p:cNvCxnSpPr>
+            <a:stCxn id="30" idx="5"/>
+            <a:endCxn id="46" idx="2"/>
+          </p:cNvCxnSpPr>
+          <p:nvPr/>
+        </p:nvCxnSpPr>
+        <p:spPr>
+          <a:xfrm>
+            <a:off x="1199124" y="242385"/>
+            <a:ext cx="276238" cy="216350"/>
+          </a:xfrm>
+          <a:prstGeom prst="straightConnector1">
+            <a:avLst/>
+          </a:prstGeom>
+          <a:ln w="19050">
+            <a:solidFill>
+              <a:schemeClr val="tx1"/>
+            </a:solidFill>
+            <a:headEnd w="sm" len="sm"/>
+            <a:tailEnd type="arrow" w="sm" len="sm"/>
+          </a:ln>
+        </p:spPr>
+        <p:style>
+          <a:lnRef idx="1">
+            <a:schemeClr val="accent1"/>
+          </a:lnRef>
+          <a:fillRef idx="0">
+            <a:schemeClr val="accent1"/>
+          </a:fillRef>
+          <a:effectRef idx="0">
+            <a:schemeClr val="accent1"/>
+          </a:effectRef>
+          <a:fontRef idx="minor">
+            <a:schemeClr val="tx1"/>
+          </a:fontRef>
+        </p:style>
+      </p:cxnSp>
+      <p:cxnSp>
+        <p:nvCxnSpPr>
+          <p:cNvPr id="51" name="Straight Arrow Connector 50"/>
+          <p:cNvCxnSpPr/>
+          <p:nvPr/>
+        </p:nvCxnSpPr>
+        <p:spPr>
+          <a:xfrm>
+            <a:off x="1709344" y="458735"/>
+            <a:ext cx="242493" cy="2"/>
+          </a:xfrm>
+          <a:prstGeom prst="straightConnector1">
+            <a:avLst/>
+          </a:prstGeom>
+          <a:ln w="19050">
+            <a:solidFill>
+              <a:schemeClr val="tx1"/>
+            </a:solidFill>
+            <a:headEnd w="sm" len="sm"/>
+            <a:tailEnd type="arrow" w="sm" len="sm"/>
+          </a:ln>
+        </p:spPr>
+        <p:style>
+          <a:lnRef idx="1">
+            <a:schemeClr val="accent1"/>
+          </a:lnRef>
+          <a:fillRef idx="0">
+            <a:schemeClr val="accent1"/>
+          </a:fillRef>
+          <a:effectRef idx="0">
+            <a:schemeClr val="accent1"/>
+          </a:effectRef>
+          <a:fontRef idx="minor">
+            <a:schemeClr val="tx1"/>
+          </a:fontRef>
+        </p:style>
+      </p:cxnSp>
+      <p:sp>
+        <p:nvSpPr>
+          <p:cNvPr id="2" name="Rectangle 1"/>
+          <p:cNvSpPr/>
+          <p:nvPr/>
+        </p:nvSpPr>
+        <p:spPr>
+          <a:xfrm>
+            <a:off x="1951837" y="343520"/>
+            <a:ext cx="230429" cy="230429"/>
+          </a:xfrm>
+          <a:prstGeom prst="rect">
+            <a:avLst/>
+          </a:prstGeom>
+          <a:solidFill>
+            <a:srgbClr val="FFFFCC"/>
+          </a:solidFill>
+          <a:ln w="12700">
+            <a:solidFill>
+              <a:schemeClr val="tx1"/>
+            </a:solidFill>
+          </a:ln>
+        </p:spPr>
+        <p:style>
+          <a:lnRef idx="2">
+            <a:schemeClr val="accent1">
+              <a:shade val="50000"/>
+            </a:schemeClr>
+          </a:lnRef>
+          <a:fillRef idx="1">
+            <a:schemeClr val="accent1"/>
+          </a:fillRef>
+          <a:effectRef idx="0">
+            <a:schemeClr val="accent1"/>
+          </a:effectRef>
+          <a:fontRef idx="minor">
+            <a:schemeClr val="lt1"/>
+          </a:fontRef>
+        </p:style>
+        <p:txBody>
+          <a:bodyPr rtlCol="0" anchor="ctr"/>
+          <a:lstStyle/>
+          <a:p>
+            <a:pPr algn="ctr"/>
+            <a:r>
+              <a:rPr lang="en-US" sz="900" dirty="0" smtClean="0">
+                <a:solidFill>
+                  <a:schemeClr val="tx1"/>
+                </a:solidFill>
+                <a:latin typeface="Times New Roman" pitchFamily="18" charset="0"/>
+                <a:cs typeface="Times New Roman" pitchFamily="18" charset="0"/>
+              </a:rPr>
+              <a:t>G</a:t>
+            </a:r>
+            <a:endParaRPr lang="en-US" sz="900" dirty="0">
+              <a:solidFill>
+                <a:schemeClr val="tx1"/>
+              </a:solidFill>
+              <a:latin typeface="Times New Roman" pitchFamily="18" charset="0"/>
+              <a:cs typeface="Times New Roman" pitchFamily="18" charset="0"/>
+            </a:endParaRPr>
+          </a:p>
+        </p:txBody>
+      </p:sp>
+      <p:sp>
+        <p:nvSpPr>
+          <p:cNvPr id="16" name="Rectangle 15"/>
+          <p:cNvSpPr/>
+          <p:nvPr/>
+        </p:nvSpPr>
+        <p:spPr>
+          <a:xfrm>
+            <a:off x="2421207" y="45699"/>
+            <a:ext cx="230429" cy="230429"/>
+          </a:xfrm>
+          <a:prstGeom prst="rect">
+            <a:avLst/>
+          </a:prstGeom>
+          <a:solidFill>
+            <a:srgbClr val="FFFFCC"/>
+          </a:solidFill>
+          <a:ln w="12700">
+            <a:solidFill>
+              <a:schemeClr val="tx1"/>
+            </a:solidFill>
+          </a:ln>
+        </p:spPr>
+        <p:style>
+          <a:lnRef idx="2">
+            <a:schemeClr val="accent1">
+              <a:shade val="50000"/>
+            </a:schemeClr>
+          </a:lnRef>
+          <a:fillRef idx="1">
+            <a:schemeClr val="accent1"/>
+          </a:fillRef>
+          <a:effectRef idx="0">
+            <a:schemeClr val="accent1"/>
+          </a:effectRef>
+          <a:fontRef idx="minor">
+            <a:schemeClr val="lt1"/>
+          </a:fontRef>
+        </p:style>
+        <p:txBody>
+          <a:bodyPr rtlCol="0" anchor="ctr"/>
+          <a:lstStyle/>
+          <a:p>
+            <a:pPr algn="ctr"/>
+            <a:r>
+              <a:rPr lang="en-US" sz="900" dirty="0" smtClean="0">
+                <a:solidFill>
+                  <a:schemeClr val="tx1"/>
+                </a:solidFill>
+                <a:latin typeface="Times New Roman" pitchFamily="18" charset="0"/>
+                <a:cs typeface="Times New Roman" pitchFamily="18" charset="0"/>
+              </a:rPr>
+              <a:t>E</a:t>
+            </a:r>
+            <a:endParaRPr lang="en-US" sz="900" dirty="0">
+              <a:solidFill>
+                <a:schemeClr val="tx1"/>
+              </a:solidFill>
+              <a:latin typeface="Times New Roman" pitchFamily="18" charset="0"/>
+              <a:cs typeface="Times New Roman" pitchFamily="18" charset="0"/>
+            </a:endParaRPr>
+          </a:p>
+        </p:txBody>
+      </p:sp>
+    </p:spTree>
+    <p:extLst>
+      <p:ext uri="{BB962C8B-B14F-4D97-AF65-F5344CB8AC3E}">
+        <p14:creationId xmlns:p14="http://schemas.microsoft.com/office/powerpoint/2010/main" val="2263311733"/>
+      </p:ext>
+    </p:extLst>
+  </p:cSld>
+  <p:clrMapOvr>
+    <a:masterClrMapping/>
+  </p:clrMapOvr>
+  <p:timing>
+    <p:tnLst>
+      <p:par>
+        <p:cTn id="1" dur="indefinite" restart="never" nodeType="tmRoot"/>
+      </p:par>
+    </p:tnLst>
+  </p:timing>
+</p:sld>
+</file>
+
+<file path=ppt/slides/slide7.xml><?xml version="1.0" encoding="utf-8"?>
+<p:sld xmlns:a="http://schemas.openxmlformats.org/drawingml/2006/main" xmlns:r="http://schemas.openxmlformats.org/officeDocument/2006/relationships" xmlns:p="http://schemas.openxmlformats.org/presentationml/2006/main">
+  <p:cSld>
+    <p:spTree>
+      <p:nvGrpSpPr>
+        <p:cNvPr id="1" name=""/>
+        <p:cNvGrpSpPr/>
+        <p:nvPr/>
+      </p:nvGrpSpPr>
+      <p:grpSpPr>
+        <a:xfrm>
+          <a:off x="0" y="0"/>
+          <a:ext cx="0" cy="0"/>
+          <a:chOff x="0" y="0"/>
+          <a:chExt cx="0" cy="0"/>
+        </a:xfrm>
+      </p:grpSpPr>
+      <p:sp>
+        <p:nvSpPr>
+          <p:cNvPr id="29" name="Oval 28"/>
+          <p:cNvSpPr/>
+          <p:nvPr/>
+        </p:nvSpPr>
+        <p:spPr>
+          <a:xfrm>
+            <a:off x="529519" y="45700"/>
+            <a:ext cx="230429" cy="230429"/>
+          </a:xfrm>
+          <a:prstGeom prst="ellipse">
+            <a:avLst/>
+          </a:prstGeom>
+          <a:solidFill>
+            <a:srgbClr val="66CCFF"/>
+          </a:solidFill>
+          <a:ln w="12700">
+            <a:solidFill>
+              <a:schemeClr val="tx1"/>
+            </a:solidFill>
+          </a:ln>
+        </p:spPr>
+        <p:style>
+          <a:lnRef idx="2">
+            <a:schemeClr val="accent1">
+              <a:shade val="50000"/>
+            </a:schemeClr>
+          </a:lnRef>
+          <a:fillRef idx="1">
+            <a:schemeClr val="accent1"/>
+          </a:fillRef>
+          <a:effectRef idx="0">
+            <a:schemeClr val="accent1"/>
+          </a:effectRef>
+          <a:fontRef idx="minor">
+            <a:schemeClr val="lt1"/>
+          </a:fontRef>
+        </p:style>
+        <p:txBody>
+          <a:bodyPr rtlCol="0" anchor="ctr"/>
+          <a:lstStyle/>
+          <a:p>
+            <a:pPr algn="ctr"/>
+            <a:r>
+              <a:rPr lang="en-US" sz="900" dirty="0" smtClean="0">
+                <a:solidFill>
+                  <a:schemeClr val="tx1"/>
+                </a:solidFill>
+                <a:latin typeface="Times New Roman" pitchFamily="18" charset="0"/>
+                <a:cs typeface="Times New Roman" pitchFamily="18" charset="0"/>
+              </a:rPr>
+              <a:t>A</a:t>
+            </a:r>
+            <a:endParaRPr lang="en-US" sz="900" dirty="0">
+              <a:solidFill>
+                <a:schemeClr val="tx1"/>
+              </a:solidFill>
+              <a:latin typeface="Times New Roman" pitchFamily="18" charset="0"/>
+              <a:cs typeface="Times New Roman" pitchFamily="18" charset="0"/>
+            </a:endParaRPr>
+          </a:p>
+        </p:txBody>
+      </p:sp>
+      <p:sp>
+        <p:nvSpPr>
+          <p:cNvPr id="30" name="Oval 29"/>
+          <p:cNvSpPr/>
+          <p:nvPr/>
+        </p:nvSpPr>
+        <p:spPr>
+          <a:xfrm>
+            <a:off x="1002441" y="45702"/>
+            <a:ext cx="230429" cy="230429"/>
+          </a:xfrm>
+          <a:prstGeom prst="ellipse">
+            <a:avLst/>
+          </a:prstGeom>
+          <a:solidFill>
+            <a:srgbClr val="FFFFCC"/>
+          </a:solidFill>
+          <a:ln w="12700">
+            <a:solidFill>
+              <a:schemeClr val="tx1"/>
+            </a:solidFill>
+          </a:ln>
+        </p:spPr>
+        <p:style>
+          <a:lnRef idx="2">
+            <a:schemeClr val="accent1">
+              <a:shade val="50000"/>
+            </a:schemeClr>
+          </a:lnRef>
+          <a:fillRef idx="1">
+            <a:schemeClr val="accent1"/>
+          </a:fillRef>
+          <a:effectRef idx="0">
+            <a:schemeClr val="accent1"/>
+          </a:effectRef>
+          <a:fontRef idx="minor">
+            <a:schemeClr val="lt1"/>
+          </a:fontRef>
+        </p:style>
+        <p:txBody>
+          <a:bodyPr rtlCol="0" anchor="ctr"/>
+          <a:lstStyle/>
+          <a:p>
+            <a:pPr algn="ctr"/>
+            <a:r>
+              <a:rPr lang="en-US" sz="900" dirty="0" smtClean="0">
+                <a:solidFill>
+                  <a:schemeClr val="tx1"/>
+                </a:solidFill>
+                <a:latin typeface="Times New Roman" pitchFamily="18" charset="0"/>
+                <a:cs typeface="Times New Roman" pitchFamily="18" charset="0"/>
+              </a:rPr>
+              <a:t>B</a:t>
+            </a:r>
+            <a:endParaRPr lang="en-US" sz="900" dirty="0">
+              <a:solidFill>
+                <a:schemeClr val="tx1"/>
+              </a:solidFill>
+              <a:latin typeface="Times New Roman" pitchFamily="18" charset="0"/>
+              <a:cs typeface="Times New Roman" pitchFamily="18" charset="0"/>
+            </a:endParaRPr>
+          </a:p>
+        </p:txBody>
+      </p:sp>
+      <p:cxnSp>
+        <p:nvCxnSpPr>
+          <p:cNvPr id="31" name="Straight Arrow Connector 30"/>
+          <p:cNvCxnSpPr>
+            <a:stCxn id="29" idx="6"/>
+            <a:endCxn id="30" idx="2"/>
+          </p:cNvCxnSpPr>
+          <p:nvPr/>
+        </p:nvCxnSpPr>
+        <p:spPr>
+          <a:xfrm>
+            <a:off x="759948" y="160915"/>
+            <a:ext cx="242493" cy="2"/>
+          </a:xfrm>
+          <a:prstGeom prst="straightConnector1">
+            <a:avLst/>
+          </a:prstGeom>
+          <a:ln w="19050">
+            <a:solidFill>
+              <a:schemeClr val="tx1"/>
+            </a:solidFill>
+            <a:headEnd w="sm" len="sm"/>
+            <a:tailEnd type="arrow" w="sm" len="sm"/>
+          </a:ln>
+        </p:spPr>
+        <p:style>
+          <a:lnRef idx="1">
+            <a:schemeClr val="accent1"/>
+          </a:lnRef>
+          <a:fillRef idx="0">
+            <a:schemeClr val="accent1"/>
+          </a:fillRef>
+          <a:effectRef idx="0">
+            <a:schemeClr val="accent1"/>
+          </a:effectRef>
+          <a:fontRef idx="minor">
+            <a:schemeClr val="tx1"/>
+          </a:fontRef>
+        </p:style>
+      </p:cxnSp>
+      <p:sp>
+        <p:nvSpPr>
+          <p:cNvPr id="34" name="Oval 33"/>
+          <p:cNvSpPr/>
+          <p:nvPr/>
+        </p:nvSpPr>
+        <p:spPr>
+          <a:xfrm>
+            <a:off x="1475363" y="46022"/>
+            <a:ext cx="230429" cy="230429"/>
+          </a:xfrm>
+          <a:prstGeom prst="ellipse">
+            <a:avLst/>
+          </a:prstGeom>
+          <a:solidFill>
+            <a:srgbClr val="66CCFF"/>
+          </a:solidFill>
+          <a:ln w="12700">
+            <a:solidFill>
+              <a:schemeClr val="tx1"/>
+            </a:solidFill>
+          </a:ln>
+        </p:spPr>
+        <p:style>
+          <a:lnRef idx="2">
+            <a:schemeClr val="accent1">
+              <a:shade val="50000"/>
+            </a:schemeClr>
+          </a:lnRef>
+          <a:fillRef idx="1">
+            <a:schemeClr val="accent1"/>
+          </a:fillRef>
+          <a:effectRef idx="0">
+            <a:schemeClr val="accent1"/>
+          </a:effectRef>
+          <a:fontRef idx="minor">
+            <a:schemeClr val="lt1"/>
+          </a:fontRef>
+        </p:style>
+        <p:txBody>
+          <a:bodyPr rtlCol="0" anchor="ctr"/>
+          <a:lstStyle/>
+          <a:p>
+            <a:pPr algn="ctr"/>
+            <a:r>
+              <a:rPr lang="en-US" sz="900" dirty="0" smtClean="0">
+                <a:solidFill>
+                  <a:schemeClr val="tx1"/>
+                </a:solidFill>
+                <a:latin typeface="Times New Roman" pitchFamily="18" charset="0"/>
+                <a:cs typeface="Times New Roman" pitchFamily="18" charset="0"/>
+              </a:rPr>
+              <a:t>C</a:t>
+            </a:r>
+            <a:endParaRPr lang="en-US" sz="900" dirty="0">
+              <a:solidFill>
+                <a:schemeClr val="tx1"/>
+              </a:solidFill>
+              <a:latin typeface="Times New Roman" pitchFamily="18" charset="0"/>
+              <a:cs typeface="Times New Roman" pitchFamily="18" charset="0"/>
+            </a:endParaRPr>
+          </a:p>
+        </p:txBody>
+      </p:sp>
+      <p:cxnSp>
+        <p:nvCxnSpPr>
+          <p:cNvPr id="39" name="Straight Arrow Connector 38"/>
+          <p:cNvCxnSpPr/>
+          <p:nvPr/>
+        </p:nvCxnSpPr>
+        <p:spPr>
+          <a:xfrm>
+            <a:off x="1232870" y="161240"/>
+            <a:ext cx="242493" cy="2"/>
+          </a:xfrm>
+          <a:prstGeom prst="straightConnector1">
+            <a:avLst/>
+          </a:prstGeom>
+          <a:ln w="19050">
+            <a:solidFill>
+              <a:schemeClr val="tx1"/>
+            </a:solidFill>
+            <a:headEnd w="sm" len="sm"/>
+            <a:tailEnd type="arrow" w="sm" len="sm"/>
+          </a:ln>
+        </p:spPr>
+        <p:style>
+          <a:lnRef idx="1">
+            <a:schemeClr val="accent1"/>
+          </a:lnRef>
+          <a:fillRef idx="0">
+            <a:schemeClr val="accent1"/>
+          </a:fillRef>
+          <a:effectRef idx="0">
+            <a:schemeClr val="accent1"/>
+          </a:effectRef>
+          <a:fontRef idx="minor">
+            <a:schemeClr val="tx1"/>
+          </a:fontRef>
+        </p:style>
+      </p:cxnSp>
+      <p:sp>
+        <p:nvSpPr>
+          <p:cNvPr id="41" name="Oval 40"/>
+          <p:cNvSpPr/>
+          <p:nvPr/>
+        </p:nvSpPr>
+        <p:spPr>
+          <a:xfrm>
+            <a:off x="1948285" y="46022"/>
+            <a:ext cx="230429" cy="230429"/>
+          </a:xfrm>
+          <a:prstGeom prst="ellipse">
+            <a:avLst/>
+          </a:prstGeom>
+          <a:solidFill>
+            <a:srgbClr val="FFFFCC"/>
+          </a:solidFill>
+          <a:ln w="12700">
+            <a:solidFill>
+              <a:schemeClr val="tx1"/>
+            </a:solidFill>
+          </a:ln>
+        </p:spPr>
+        <p:style>
+          <a:lnRef idx="2">
+            <a:schemeClr val="accent1">
+              <a:shade val="50000"/>
+            </a:schemeClr>
+          </a:lnRef>
+          <a:fillRef idx="1">
+            <a:schemeClr val="accent1"/>
+          </a:fillRef>
+          <a:effectRef idx="0">
+            <a:schemeClr val="accent1"/>
+          </a:effectRef>
+          <a:fontRef idx="minor">
+            <a:schemeClr val="lt1"/>
+          </a:fontRef>
+        </p:style>
+        <p:txBody>
+          <a:bodyPr rtlCol="0" anchor="ctr"/>
+          <a:lstStyle/>
+          <a:p>
+            <a:pPr algn="ctr"/>
+            <a:r>
+              <a:rPr lang="en-US" sz="900" dirty="0">
+                <a:solidFill>
+                  <a:schemeClr val="tx1"/>
+                </a:solidFill>
+                <a:latin typeface="Times New Roman" pitchFamily="18" charset="0"/>
+                <a:cs typeface="Times New Roman" pitchFamily="18" charset="0"/>
+              </a:rPr>
+              <a:t>D</a:t>
+            </a:r>
+          </a:p>
+        </p:txBody>
+      </p:sp>
+      <p:cxnSp>
+        <p:nvCxnSpPr>
+          <p:cNvPr id="42" name="Straight Arrow Connector 41"/>
+          <p:cNvCxnSpPr/>
+          <p:nvPr/>
+        </p:nvCxnSpPr>
+        <p:spPr>
+          <a:xfrm>
+            <a:off x="1705792" y="161238"/>
+            <a:ext cx="242493" cy="2"/>
+          </a:xfrm>
+          <a:prstGeom prst="straightConnector1">
+            <a:avLst/>
+          </a:prstGeom>
+          <a:ln w="19050">
+            <a:solidFill>
+              <a:schemeClr val="tx1"/>
+            </a:solidFill>
+            <a:headEnd w="sm" len="sm"/>
+            <a:tailEnd type="arrow" w="sm" len="sm"/>
+          </a:ln>
+        </p:spPr>
+        <p:style>
+          <a:lnRef idx="1">
+            <a:schemeClr val="accent1"/>
+          </a:lnRef>
+          <a:fillRef idx="0">
+            <a:schemeClr val="accent1"/>
+          </a:fillRef>
+          <a:effectRef idx="0">
+            <a:schemeClr val="accent1"/>
+          </a:effectRef>
+          <a:fontRef idx="minor">
+            <a:schemeClr val="tx1"/>
+          </a:fontRef>
+        </p:style>
+      </p:cxnSp>
+      <p:cxnSp>
+        <p:nvCxnSpPr>
+          <p:cNvPr id="44" name="Straight Arrow Connector 43"/>
+          <p:cNvCxnSpPr/>
+          <p:nvPr/>
+        </p:nvCxnSpPr>
+        <p:spPr>
+          <a:xfrm>
+            <a:off x="2178714" y="161236"/>
+            <a:ext cx="242493" cy="2"/>
+          </a:xfrm>
+          <a:prstGeom prst="straightConnector1">
+            <a:avLst/>
+          </a:prstGeom>
+          <a:ln w="19050">
+            <a:solidFill>
+              <a:schemeClr val="tx1"/>
+            </a:solidFill>
+            <a:headEnd w="sm" len="sm"/>
+            <a:tailEnd type="arrow" w="sm" len="sm"/>
+          </a:ln>
+        </p:spPr>
+        <p:style>
+          <a:lnRef idx="1">
+            <a:schemeClr val="accent1"/>
+          </a:lnRef>
+          <a:fillRef idx="0">
+            <a:schemeClr val="accent1"/>
+          </a:fillRef>
+          <a:effectRef idx="0">
+            <a:schemeClr val="accent1"/>
+          </a:effectRef>
+          <a:fontRef idx="minor">
+            <a:schemeClr val="tx1"/>
+          </a:fontRef>
+        </p:style>
+      </p:cxnSp>
+      <p:sp>
+        <p:nvSpPr>
+          <p:cNvPr id="46" name="Oval 45"/>
+          <p:cNvSpPr/>
+          <p:nvPr/>
+        </p:nvSpPr>
+        <p:spPr>
+          <a:xfrm>
+            <a:off x="1475362" y="343520"/>
+            <a:ext cx="230429" cy="230429"/>
+          </a:xfrm>
+          <a:prstGeom prst="ellipse">
+            <a:avLst/>
+          </a:prstGeom>
+          <a:solidFill>
+            <a:srgbClr val="66CCFF"/>
+          </a:solidFill>
+          <a:ln w="12700">
+            <a:solidFill>
+              <a:schemeClr val="tx1"/>
+            </a:solidFill>
+          </a:ln>
+        </p:spPr>
+        <p:style>
+          <a:lnRef idx="2">
+            <a:schemeClr val="accent1">
+              <a:shade val="50000"/>
+            </a:schemeClr>
+          </a:lnRef>
+          <a:fillRef idx="1">
+            <a:schemeClr val="accent1"/>
+          </a:fillRef>
+          <a:effectRef idx="0">
+            <a:schemeClr val="accent1"/>
+          </a:effectRef>
+          <a:fontRef idx="minor">
+            <a:schemeClr val="lt1"/>
+          </a:fontRef>
+        </p:style>
+        <p:txBody>
+          <a:bodyPr rtlCol="0" anchor="ctr"/>
+          <a:lstStyle/>
+          <a:p>
+            <a:pPr algn="ctr"/>
+            <a:r>
+              <a:rPr lang="en-US" sz="900" dirty="0">
+                <a:solidFill>
+                  <a:schemeClr val="tx1"/>
+                </a:solidFill>
+                <a:latin typeface="Times New Roman" pitchFamily="18" charset="0"/>
+                <a:cs typeface="Times New Roman" pitchFamily="18" charset="0"/>
+              </a:rPr>
+              <a:t>F</a:t>
+            </a:r>
+          </a:p>
+        </p:txBody>
+      </p:sp>
+      <p:cxnSp>
+        <p:nvCxnSpPr>
+          <p:cNvPr id="47" name="Straight Arrow Connector 46"/>
+          <p:cNvCxnSpPr>
+            <a:stCxn id="30" idx="5"/>
+            <a:endCxn id="46" idx="2"/>
+          </p:cNvCxnSpPr>
+          <p:nvPr/>
+        </p:nvCxnSpPr>
+        <p:spPr>
+          <a:xfrm>
+            <a:off x="1199124" y="242385"/>
+            <a:ext cx="276238" cy="216350"/>
+          </a:xfrm>
+          <a:prstGeom prst="straightConnector1">
+            <a:avLst/>
+          </a:prstGeom>
+          <a:ln w="19050">
+            <a:solidFill>
+              <a:schemeClr val="tx1"/>
+            </a:solidFill>
+            <a:headEnd w="sm" len="sm"/>
+            <a:tailEnd type="arrow" w="sm" len="sm"/>
+          </a:ln>
+        </p:spPr>
+        <p:style>
+          <a:lnRef idx="1">
+            <a:schemeClr val="accent1"/>
+          </a:lnRef>
+          <a:fillRef idx="0">
+            <a:schemeClr val="accent1"/>
+          </a:fillRef>
+          <a:effectRef idx="0">
+            <a:schemeClr val="accent1"/>
+          </a:effectRef>
+          <a:fontRef idx="minor">
+            <a:schemeClr val="tx1"/>
+          </a:fontRef>
+        </p:style>
+      </p:cxnSp>
+      <p:cxnSp>
+        <p:nvCxnSpPr>
+          <p:cNvPr id="51" name="Straight Arrow Connector 50"/>
+          <p:cNvCxnSpPr/>
+          <p:nvPr/>
+        </p:nvCxnSpPr>
+        <p:spPr>
+          <a:xfrm>
+            <a:off x="1709344" y="458735"/>
+            <a:ext cx="242493" cy="2"/>
+          </a:xfrm>
+          <a:prstGeom prst="straightConnector1">
+            <a:avLst/>
+          </a:prstGeom>
+          <a:ln w="19050">
+            <a:solidFill>
+              <a:schemeClr val="tx1"/>
+            </a:solidFill>
+            <a:headEnd w="sm" len="sm"/>
+            <a:tailEnd type="arrow" w="sm" len="sm"/>
+          </a:ln>
+        </p:spPr>
+        <p:style>
+          <a:lnRef idx="1">
+            <a:schemeClr val="accent1"/>
+          </a:lnRef>
+          <a:fillRef idx="0">
+            <a:schemeClr val="accent1"/>
+          </a:fillRef>
+          <a:effectRef idx="0">
+            <a:schemeClr val="accent1"/>
+          </a:effectRef>
+          <a:fontRef idx="minor">
+            <a:schemeClr val="tx1"/>
+          </a:fontRef>
+        </p:style>
+      </p:cxnSp>
+      <p:sp>
+        <p:nvSpPr>
+          <p:cNvPr id="2" name="Rectangle 1"/>
+          <p:cNvSpPr/>
+          <p:nvPr/>
+        </p:nvSpPr>
+        <p:spPr>
+          <a:xfrm>
+            <a:off x="1951837" y="343520"/>
+            <a:ext cx="230429" cy="230429"/>
+          </a:xfrm>
+          <a:prstGeom prst="rect">
+            <a:avLst/>
+          </a:prstGeom>
+          <a:solidFill>
+            <a:srgbClr val="FFFFCC"/>
+          </a:solidFill>
+          <a:ln w="12700">
+            <a:solidFill>
+              <a:schemeClr val="tx1"/>
+            </a:solidFill>
+          </a:ln>
+        </p:spPr>
+        <p:style>
+          <a:lnRef idx="2">
+            <a:schemeClr val="accent1">
+              <a:shade val="50000"/>
+            </a:schemeClr>
+          </a:lnRef>
+          <a:fillRef idx="1">
+            <a:schemeClr val="accent1"/>
+          </a:fillRef>
+          <a:effectRef idx="0">
+            <a:schemeClr val="accent1"/>
+          </a:effectRef>
+          <a:fontRef idx="minor">
+            <a:schemeClr val="lt1"/>
+          </a:fontRef>
+        </p:style>
+        <p:txBody>
+          <a:bodyPr rtlCol="0" anchor="ctr"/>
+          <a:lstStyle/>
+          <a:p>
+            <a:pPr algn="ctr"/>
+            <a:r>
+              <a:rPr lang="en-US" sz="900" dirty="0" smtClean="0">
+                <a:solidFill>
+                  <a:schemeClr val="tx1"/>
+                </a:solidFill>
+                <a:latin typeface="Times New Roman" pitchFamily="18" charset="0"/>
+                <a:cs typeface="Times New Roman" pitchFamily="18" charset="0"/>
+              </a:rPr>
+              <a:t>G</a:t>
+            </a:r>
+            <a:endParaRPr lang="en-US" sz="900" dirty="0">
+              <a:solidFill>
+                <a:schemeClr val="tx1"/>
+              </a:solidFill>
+              <a:latin typeface="Times New Roman" pitchFamily="18" charset="0"/>
+              <a:cs typeface="Times New Roman" pitchFamily="18" charset="0"/>
+            </a:endParaRPr>
+          </a:p>
+        </p:txBody>
+      </p:sp>
+      <p:sp>
+        <p:nvSpPr>
+          <p:cNvPr id="16" name="Rectangle 15"/>
+          <p:cNvSpPr/>
+          <p:nvPr/>
+        </p:nvSpPr>
+        <p:spPr>
+          <a:xfrm>
+            <a:off x="2421207" y="45699"/>
+            <a:ext cx="230429" cy="230429"/>
+          </a:xfrm>
+          <a:prstGeom prst="rect">
+            <a:avLst/>
+          </a:prstGeom>
+          <a:solidFill>
+            <a:srgbClr val="FFFFCC"/>
+          </a:solidFill>
+          <a:ln w="12700">
+            <a:solidFill>
+              <a:schemeClr val="tx1"/>
+            </a:solidFill>
+          </a:ln>
+        </p:spPr>
+        <p:style>
+          <a:lnRef idx="2">
+            <a:schemeClr val="accent1">
+              <a:shade val="50000"/>
+            </a:schemeClr>
+          </a:lnRef>
+          <a:fillRef idx="1">
+            <a:schemeClr val="accent1"/>
+          </a:fillRef>
+          <a:effectRef idx="0">
+            <a:schemeClr val="accent1"/>
+          </a:effectRef>
+          <a:fontRef idx="minor">
+            <a:schemeClr val="lt1"/>
+          </a:fontRef>
+        </p:style>
+        <p:txBody>
+          <a:bodyPr rtlCol="0" anchor="ctr"/>
+          <a:lstStyle/>
+          <a:p>
+            <a:pPr algn="ctr"/>
+            <a:r>
+              <a:rPr lang="en-US" sz="900" dirty="0" smtClean="0">
+                <a:solidFill>
+                  <a:schemeClr val="tx1"/>
+                </a:solidFill>
+                <a:latin typeface="Times New Roman" pitchFamily="18" charset="0"/>
+                <a:cs typeface="Times New Roman" pitchFamily="18" charset="0"/>
+              </a:rPr>
+              <a:t>E</a:t>
+            </a:r>
+            <a:endParaRPr lang="en-US" sz="900" dirty="0">
+              <a:solidFill>
+                <a:schemeClr val="tx1"/>
+              </a:solidFill>
+              <a:latin typeface="Times New Roman" pitchFamily="18" charset="0"/>
+              <a:cs typeface="Times New Roman" pitchFamily="18" charset="0"/>
+            </a:endParaRPr>
+          </a:p>
+        </p:txBody>
+      </p:sp>
+    </p:spTree>
+    <p:extLst>
+      <p:ext uri="{BB962C8B-B14F-4D97-AF65-F5344CB8AC3E}">
+        <p14:creationId xmlns:p14="http://schemas.microsoft.com/office/powerpoint/2010/main" val="2263311733"/>
+      </p:ext>
+    </p:extLst>
+  </p:cSld>
+  <p:clrMapOvr>
+    <a:masterClrMapping/>
+  </p:clrMapOvr>
+  <p:timing>
+    <p:tnLst>
+      <p:par>
+        <p:cTn id="1" dur="indefinite" restart="never" nodeType="tmRoot"/>
+      </p:par>
+    </p:tnLst>
+  </p:timing>
+</p:sld>
+</file>
+
+<file path=ppt/slides/slide8.xml><?xml version="1.0" encoding="utf-8"?>
+<p:sld xmlns:a="http://schemas.openxmlformats.org/drawingml/2006/main" xmlns:r="http://schemas.openxmlformats.org/officeDocument/2006/relationships" xmlns:p="http://schemas.openxmlformats.org/presentationml/2006/main">
+  <p:cSld>
+    <p:spTree>
+      <p:nvGrpSpPr>
+        <p:cNvPr id="1" name=""/>
+        <p:cNvGrpSpPr/>
+        <p:nvPr/>
+      </p:nvGrpSpPr>
+      <p:grpSpPr>
+        <a:xfrm>
+          <a:off x="0" y="0"/>
+          <a:ext cx="0" cy="0"/>
+          <a:chOff x="0" y="0"/>
+          <a:chExt cx="0" cy="0"/>
+        </a:xfrm>
+      </p:grpSpPr>
+      <p:sp>
+        <p:nvSpPr>
+          <p:cNvPr id="3" name="Rectangle 2"/>
+          <p:cNvSpPr/>
+          <p:nvPr/>
+        </p:nvSpPr>
+        <p:spPr>
+          <a:xfrm>
+            <a:off x="1753820" y="65208"/>
+            <a:ext cx="649117" cy="1247858"/>
+          </a:xfrm>
+          <a:prstGeom prst="rect">
+            <a:avLst/>
+          </a:prstGeom>
+          <a:solidFill>
+            <a:schemeClr val="bg1">
+              <a:lumMod val="75000"/>
+            </a:schemeClr>
+          </a:solidFill>
+          <a:ln>
+            <a:noFill/>
+          </a:ln>
+        </p:spPr>
+        <p:style>
+          <a:lnRef idx="2">
+            <a:schemeClr val="accent1">
+              <a:shade val="50000"/>
+            </a:schemeClr>
+          </a:lnRef>
+          <a:fillRef idx="1">
+            <a:schemeClr val="accent1"/>
+          </a:fillRef>
+          <a:effectRef idx="0">
+            <a:schemeClr val="accent1"/>
+          </a:effectRef>
+          <a:fontRef idx="minor">
+            <a:schemeClr val="lt1"/>
+          </a:fontRef>
+        </p:style>
+        <p:txBody>
+          <a:bodyPr rtlCol="0" anchor="ctr"/>
+          <a:lstStyle/>
+          <a:p>
+            <a:pPr algn="ctr"/>
+            <a:endParaRPr lang="en-US" sz="900"/>
+          </a:p>
+        </p:txBody>
+      </p:sp>
+      <p:cxnSp>
+        <p:nvCxnSpPr>
+          <p:cNvPr id="4" name="Straight Arrow Connector 3"/>
+          <p:cNvCxnSpPr/>
+          <p:nvPr/>
+        </p:nvCxnSpPr>
+        <p:spPr>
+          <a:xfrm flipV="1">
+            <a:off x="623931" y="45700"/>
+            <a:ext cx="0" cy="1205505"/>
+          </a:xfrm>
+          <a:prstGeom prst="straightConnector1">
+            <a:avLst/>
+          </a:prstGeom>
+          <a:ln w="19050">
+            <a:solidFill>
+              <a:schemeClr val="tx1"/>
+            </a:solidFill>
+            <a:headEnd w="sm" len="sm"/>
+            <a:tailEnd type="arrow" w="sm" len="sm"/>
+          </a:ln>
+        </p:spPr>
+        <p:style>
+          <a:lnRef idx="1">
+            <a:schemeClr val="accent1"/>
+          </a:lnRef>
+          <a:fillRef idx="0">
+            <a:schemeClr val="accent1"/>
+          </a:fillRef>
+          <a:effectRef idx="0">
+            <a:schemeClr val="accent1"/>
+          </a:effectRef>
+          <a:fontRef idx="minor">
+            <a:schemeClr val="tx1"/>
+          </a:fontRef>
+        </p:style>
+      </p:cxnSp>
+      <p:cxnSp>
+        <p:nvCxnSpPr>
+          <p:cNvPr id="6" name="Straight Arrow Connector 5"/>
+          <p:cNvCxnSpPr/>
+          <p:nvPr/>
+        </p:nvCxnSpPr>
+        <p:spPr>
+          <a:xfrm>
+            <a:off x="489960" y="852205"/>
+            <a:ext cx="2646440" cy="0"/>
+          </a:xfrm>
+          <a:prstGeom prst="straightConnector1">
+            <a:avLst/>
+          </a:prstGeom>
+          <a:ln w="19050">
+            <a:solidFill>
+              <a:schemeClr val="tx1"/>
+            </a:solidFill>
+            <a:headEnd w="sm" len="sm"/>
+            <a:tailEnd type="arrow" w="sm" len="sm"/>
+          </a:ln>
+        </p:spPr>
+        <p:style>
+          <a:lnRef idx="1">
+            <a:schemeClr val="accent1"/>
+          </a:lnRef>
+          <a:fillRef idx="0">
+            <a:schemeClr val="accent1"/>
+          </a:fillRef>
+          <a:effectRef idx="0">
+            <a:schemeClr val="accent1"/>
+          </a:effectRef>
+          <a:fontRef idx="minor">
+            <a:schemeClr val="tx1"/>
+          </a:fontRef>
+        </p:style>
+      </p:cxnSp>
+      <p:sp>
+        <p:nvSpPr>
+          <p:cNvPr id="8" name="Rectangle 7"/>
+          <p:cNvSpPr/>
+          <p:nvPr/>
+        </p:nvSpPr>
+        <p:spPr>
+          <a:xfrm>
+            <a:off x="2878581" y="843701"/>
+            <a:ext cx="437487" cy="200529"/>
+          </a:xfrm>
+          <a:prstGeom prst="rect">
+            <a:avLst/>
+          </a:prstGeom>
+          <a:noFill/>
+          <a:ln>
+            <a:noFill/>
+          </a:ln>
+        </p:spPr>
+        <p:style>
+          <a:lnRef idx="2">
+            <a:schemeClr val="accent2">
+              <a:shade val="50000"/>
+            </a:schemeClr>
+          </a:lnRef>
+          <a:fillRef idx="1">
+            <a:schemeClr val="accent2"/>
+          </a:fillRef>
+          <a:effectRef idx="0">
+            <a:schemeClr val="accent2"/>
+          </a:effectRef>
+          <a:fontRef idx="minor">
+            <a:schemeClr val="lt1"/>
+          </a:fontRef>
+        </p:style>
+        <p:txBody>
+          <a:bodyPr rtlCol="0" anchor="ctr"/>
+          <a:lstStyle/>
+          <a:p>
+            <a:r>
+              <a:rPr lang="en-US" sz="900" dirty="0" smtClean="0">
+                <a:solidFill>
+                  <a:schemeClr val="tx1"/>
+                </a:solidFill>
+                <a:latin typeface="Times New Roman" pitchFamily="18" charset="0"/>
+                <a:cs typeface="Times New Roman" pitchFamily="18" charset="0"/>
+              </a:rPr>
+              <a:t>time</a:t>
+            </a:r>
+            <a:endParaRPr lang="en-US" sz="900" dirty="0">
+              <a:solidFill>
+                <a:schemeClr val="tx1"/>
+              </a:solidFill>
+              <a:latin typeface="Times New Roman" pitchFamily="18" charset="0"/>
+              <a:cs typeface="Times New Roman" pitchFamily="18" charset="0"/>
+            </a:endParaRPr>
+          </a:p>
+        </p:txBody>
+      </p:sp>
+      <p:sp>
+        <p:nvSpPr>
+          <p:cNvPr id="9" name="Rectangle 8"/>
+          <p:cNvSpPr/>
+          <p:nvPr/>
+        </p:nvSpPr>
+        <p:spPr>
+          <a:xfrm>
+            <a:off x="238490" y="46824"/>
+            <a:ext cx="500160" cy="200529"/>
+          </a:xfrm>
+          <a:prstGeom prst="rect">
+            <a:avLst/>
+          </a:prstGeom>
+          <a:noFill/>
+          <a:ln>
+            <a:noFill/>
+          </a:ln>
+        </p:spPr>
+        <p:style>
+          <a:lnRef idx="2">
+            <a:schemeClr val="accent2">
+              <a:shade val="50000"/>
+            </a:schemeClr>
+          </a:lnRef>
+          <a:fillRef idx="1">
+            <a:schemeClr val="accent2"/>
+          </a:fillRef>
+          <a:effectRef idx="0">
+            <a:schemeClr val="accent2"/>
+          </a:effectRef>
+          <a:fontRef idx="minor">
+            <a:schemeClr val="lt1"/>
+          </a:fontRef>
+        </p:style>
+        <p:txBody>
+          <a:bodyPr rtlCol="0" anchor="ctr"/>
+          <a:lstStyle/>
+          <a:p>
+            <a:r>
+              <a:rPr lang="en-US" sz="900" dirty="0" smtClean="0">
+                <a:solidFill>
+                  <a:schemeClr val="tx1"/>
+                </a:solidFill>
+                <a:latin typeface="Times New Roman" pitchFamily="18" charset="0"/>
+                <a:cs typeface="Times New Roman" pitchFamily="18" charset="0"/>
+              </a:rPr>
+              <a:t>slack</a:t>
+            </a:r>
+            <a:endParaRPr lang="en-US" sz="900" dirty="0">
+              <a:solidFill>
+                <a:schemeClr val="tx1"/>
+              </a:solidFill>
+              <a:latin typeface="Times New Roman" pitchFamily="18" charset="0"/>
+              <a:cs typeface="Times New Roman" pitchFamily="18" charset="0"/>
+            </a:endParaRPr>
+          </a:p>
+        </p:txBody>
+      </p:sp>
+      <p:cxnSp>
+        <p:nvCxnSpPr>
+          <p:cNvPr id="12" name="Straight Arrow Connector 11"/>
+          <p:cNvCxnSpPr/>
+          <p:nvPr/>
+        </p:nvCxnSpPr>
+        <p:spPr>
+          <a:xfrm flipV="1">
+            <a:off x="623931" y="522839"/>
+            <a:ext cx="345645" cy="128836"/>
+          </a:xfrm>
+          <a:prstGeom prst="straightConnector1">
+            <a:avLst/>
+          </a:prstGeom>
+          <a:ln w="19050">
+            <a:solidFill>
+              <a:srgbClr val="00B050"/>
+            </a:solidFill>
+            <a:headEnd w="sm" len="sm"/>
+            <a:tailEnd type="arrow" w="sm" len="sm"/>
+          </a:ln>
+        </p:spPr>
+        <p:style>
+          <a:lnRef idx="1">
+            <a:schemeClr val="accent1"/>
+          </a:lnRef>
+          <a:fillRef idx="0">
+            <a:schemeClr val="accent1"/>
+          </a:fillRef>
+          <a:effectRef idx="0">
+            <a:schemeClr val="accent1"/>
+          </a:effectRef>
+          <a:fontRef idx="minor">
+            <a:schemeClr val="tx1"/>
+          </a:fontRef>
+        </p:style>
+      </p:cxnSp>
+      <p:cxnSp>
+        <p:nvCxnSpPr>
+          <p:cNvPr id="21" name="Straight Connector 20"/>
+          <p:cNvCxnSpPr/>
+          <p:nvPr/>
+        </p:nvCxnSpPr>
+        <p:spPr>
+          <a:xfrm flipH="1">
+            <a:off x="575368" y="651675"/>
+            <a:ext cx="95890" cy="0"/>
+          </a:xfrm>
+          <a:prstGeom prst="line">
+            <a:avLst/>
+          </a:prstGeom>
+          <a:ln w="19050">
+            <a:solidFill>
+              <a:schemeClr val="tx1"/>
+            </a:solidFill>
+          </a:ln>
+        </p:spPr>
+        <p:style>
+          <a:lnRef idx="1">
+            <a:schemeClr val="accent1"/>
+          </a:lnRef>
+          <a:fillRef idx="0">
+            <a:schemeClr val="accent1"/>
+          </a:fillRef>
+          <a:effectRef idx="0">
+            <a:schemeClr val="accent1"/>
+          </a:effectRef>
+          <a:fontRef idx="minor">
+            <a:schemeClr val="tx1"/>
+          </a:fontRef>
+        </p:style>
+      </p:cxnSp>
+      <p:sp>
+        <p:nvSpPr>
+          <p:cNvPr id="23" name="Rectangle 22"/>
+          <p:cNvSpPr/>
+          <p:nvPr/>
+        </p:nvSpPr>
+        <p:spPr>
+          <a:xfrm>
+            <a:off x="199190" y="536461"/>
+            <a:ext cx="500160" cy="200529"/>
+          </a:xfrm>
+          <a:prstGeom prst="rect">
+            <a:avLst/>
+          </a:prstGeom>
+          <a:noFill/>
+          <a:ln>
+            <a:noFill/>
+          </a:ln>
+        </p:spPr>
+        <p:style>
+          <a:lnRef idx="2">
+            <a:schemeClr val="accent2">
+              <a:shade val="50000"/>
+            </a:schemeClr>
+          </a:lnRef>
+          <a:fillRef idx="1">
+            <a:schemeClr val="accent2"/>
+          </a:fillRef>
+          <a:effectRef idx="0">
+            <a:schemeClr val="accent2"/>
+          </a:effectRef>
+          <a:fontRef idx="minor">
+            <a:schemeClr val="lt1"/>
+          </a:fontRef>
+        </p:style>
+        <p:txBody>
+          <a:bodyPr rtlCol="0" anchor="ctr"/>
+          <a:lstStyle/>
+          <a:p>
+            <a:r>
+              <a:rPr lang="en-US" sz="900" dirty="0" smtClean="0">
+                <a:solidFill>
+                  <a:schemeClr val="tx1"/>
+                </a:solidFill>
+                <a:latin typeface="Times New Roman" pitchFamily="18" charset="0"/>
+                <a:cs typeface="Times New Roman" pitchFamily="18" charset="0"/>
+              </a:rPr>
+              <a:t>initial slack</a:t>
+            </a:r>
+            <a:endParaRPr lang="en-US" sz="900" dirty="0">
+              <a:solidFill>
+                <a:schemeClr val="tx1"/>
+              </a:solidFill>
+              <a:latin typeface="Times New Roman" pitchFamily="18" charset="0"/>
+              <a:cs typeface="Times New Roman" pitchFamily="18" charset="0"/>
+            </a:endParaRPr>
+          </a:p>
+        </p:txBody>
+      </p:sp>
+      <p:sp>
+        <p:nvSpPr>
+          <p:cNvPr id="56" name="Rectangle 55"/>
+          <p:cNvSpPr/>
+          <p:nvPr/>
+        </p:nvSpPr>
+        <p:spPr>
+          <a:xfrm>
+            <a:off x="1078854" y="65207"/>
+            <a:ext cx="775204" cy="200529"/>
+          </a:xfrm>
+          <a:prstGeom prst="rect">
+            <a:avLst/>
+          </a:prstGeom>
+          <a:noFill/>
+          <a:ln>
+            <a:noFill/>
+          </a:ln>
+        </p:spPr>
+        <p:style>
+          <a:lnRef idx="2">
+            <a:schemeClr val="accent2">
+              <a:shade val="50000"/>
+            </a:schemeClr>
+          </a:lnRef>
+          <a:fillRef idx="1">
+            <a:schemeClr val="accent2"/>
+          </a:fillRef>
+          <a:effectRef idx="0">
+            <a:schemeClr val="accent2"/>
+          </a:effectRef>
+          <a:fontRef idx="minor">
+            <a:schemeClr val="lt1"/>
+          </a:fontRef>
+        </p:style>
+        <p:txBody>
+          <a:bodyPr rtlCol="0" anchor="ctr"/>
+          <a:lstStyle/>
+          <a:p>
+            <a:pPr algn="ctr"/>
+            <a:r>
+              <a:rPr lang="en-US" sz="900" dirty="0" smtClean="0">
+                <a:solidFill>
+                  <a:schemeClr val="tx1"/>
+                </a:solidFill>
+                <a:latin typeface="Times New Roman" pitchFamily="18" charset="0"/>
+                <a:cs typeface="Times New Roman" pitchFamily="18" charset="0"/>
+              </a:rPr>
+              <a:t>monitoring overheads</a:t>
+            </a:r>
+            <a:endParaRPr lang="en-US" sz="900" dirty="0">
+              <a:solidFill>
+                <a:schemeClr val="tx1"/>
+              </a:solidFill>
+              <a:latin typeface="Times New Roman" pitchFamily="18" charset="0"/>
+              <a:cs typeface="Times New Roman" pitchFamily="18" charset="0"/>
+            </a:endParaRPr>
+          </a:p>
+        </p:txBody>
+      </p:sp>
+      <p:cxnSp>
+        <p:nvCxnSpPr>
+          <p:cNvPr id="67" name="Straight Arrow Connector 66"/>
+          <p:cNvCxnSpPr/>
+          <p:nvPr/>
+        </p:nvCxnSpPr>
+        <p:spPr>
+          <a:xfrm>
+            <a:off x="969576" y="522839"/>
+            <a:ext cx="190634" cy="198834"/>
+          </a:xfrm>
+          <a:prstGeom prst="straightConnector1">
+            <a:avLst/>
+          </a:prstGeom>
+          <a:ln w="19050">
+            <a:solidFill>
+              <a:srgbClr val="C00000"/>
+            </a:solidFill>
+            <a:headEnd w="sm" len="sm"/>
+            <a:tailEnd type="arrow" w="sm" len="sm"/>
+          </a:ln>
+        </p:spPr>
+        <p:style>
+          <a:lnRef idx="1">
+            <a:schemeClr val="accent1"/>
+          </a:lnRef>
+          <a:fillRef idx="0">
+            <a:schemeClr val="accent1"/>
+          </a:fillRef>
+          <a:effectRef idx="0">
+            <a:schemeClr val="accent1"/>
+          </a:effectRef>
+          <a:fontRef idx="minor">
+            <a:schemeClr val="tx1"/>
+          </a:fontRef>
+        </p:style>
+      </p:cxnSp>
+      <p:cxnSp>
+        <p:nvCxnSpPr>
+          <p:cNvPr id="69" name="Straight Arrow Connector 68"/>
+          <p:cNvCxnSpPr/>
+          <p:nvPr/>
+        </p:nvCxnSpPr>
+        <p:spPr>
+          <a:xfrm flipV="1">
+            <a:off x="1160210" y="592837"/>
+            <a:ext cx="345645" cy="128836"/>
+          </a:xfrm>
+          <a:prstGeom prst="straightConnector1">
+            <a:avLst/>
+          </a:prstGeom>
+          <a:ln w="19050">
+            <a:solidFill>
+              <a:srgbClr val="00B050"/>
+            </a:solidFill>
+            <a:headEnd w="sm" len="sm"/>
+            <a:tailEnd type="arrow" w="sm" len="sm"/>
+          </a:ln>
+        </p:spPr>
+        <p:style>
+          <a:lnRef idx="1">
+            <a:schemeClr val="accent1"/>
+          </a:lnRef>
+          <a:fillRef idx="0">
+            <a:schemeClr val="accent1"/>
+          </a:fillRef>
+          <a:effectRef idx="0">
+            <a:schemeClr val="accent1"/>
+          </a:effectRef>
+          <a:fontRef idx="minor">
+            <a:schemeClr val="tx1"/>
+          </a:fontRef>
+        </p:style>
+      </p:cxnSp>
+      <p:cxnSp>
+        <p:nvCxnSpPr>
+          <p:cNvPr id="71" name="Straight Arrow Connector 70"/>
+          <p:cNvCxnSpPr/>
+          <p:nvPr/>
+        </p:nvCxnSpPr>
+        <p:spPr>
+          <a:xfrm flipH="1">
+            <a:off x="1064894" y="314535"/>
+            <a:ext cx="210531" cy="272722"/>
+          </a:xfrm>
+          <a:prstGeom prst="straightConnector1">
+            <a:avLst/>
+          </a:prstGeom>
+          <a:ln w="19050">
+            <a:solidFill>
+              <a:schemeClr val="tx1"/>
+            </a:solidFill>
+            <a:headEnd w="sm" len="sm"/>
+            <a:tailEnd type="arrow" w="sm" len="sm"/>
+          </a:ln>
+        </p:spPr>
+        <p:style>
+          <a:lnRef idx="1">
+            <a:schemeClr val="accent1"/>
+          </a:lnRef>
+          <a:fillRef idx="0">
+            <a:schemeClr val="accent1"/>
+          </a:fillRef>
+          <a:effectRef idx="0">
+            <a:schemeClr val="accent1"/>
+          </a:effectRef>
+          <a:fontRef idx="minor">
+            <a:schemeClr val="tx1"/>
+          </a:fontRef>
+        </p:style>
+      </p:cxnSp>
+      <p:cxnSp>
+        <p:nvCxnSpPr>
+          <p:cNvPr id="74" name="Straight Arrow Connector 73"/>
+          <p:cNvCxnSpPr/>
+          <p:nvPr/>
+        </p:nvCxnSpPr>
+        <p:spPr>
+          <a:xfrm>
+            <a:off x="1625986" y="314325"/>
+            <a:ext cx="0" cy="342930"/>
+          </a:xfrm>
+          <a:prstGeom prst="straightConnector1">
+            <a:avLst/>
+          </a:prstGeom>
+          <a:ln w="19050">
+            <a:solidFill>
+              <a:schemeClr val="tx1"/>
+            </a:solidFill>
+            <a:headEnd w="sm" len="sm"/>
+            <a:tailEnd type="arrow" w="sm" len="sm"/>
+          </a:ln>
+        </p:spPr>
+        <p:style>
+          <a:lnRef idx="1">
+            <a:schemeClr val="accent1"/>
+          </a:lnRef>
+          <a:fillRef idx="0">
+            <a:schemeClr val="accent1"/>
+          </a:fillRef>
+          <a:effectRef idx="0">
+            <a:schemeClr val="accent1"/>
+          </a:effectRef>
+          <a:fontRef idx="minor">
+            <a:schemeClr val="tx1"/>
+          </a:fontRef>
+        </p:style>
+      </p:cxnSp>
+      <p:cxnSp>
+        <p:nvCxnSpPr>
+          <p:cNvPr id="14" name="Straight Arrow Connector 13"/>
+          <p:cNvCxnSpPr/>
+          <p:nvPr/>
+        </p:nvCxnSpPr>
+        <p:spPr>
+          <a:xfrm>
+            <a:off x="1505855" y="595299"/>
+            <a:ext cx="422455" cy="440627"/>
+          </a:xfrm>
+          <a:prstGeom prst="straightConnector1">
+            <a:avLst/>
+          </a:prstGeom>
+          <a:ln w="19050">
+            <a:solidFill>
+              <a:srgbClr val="C00000"/>
+            </a:solidFill>
+            <a:headEnd w="sm" len="sm"/>
+            <a:tailEnd type="arrow" w="sm" len="sm"/>
+          </a:ln>
+        </p:spPr>
+        <p:style>
+          <a:lnRef idx="1">
+            <a:schemeClr val="accent1"/>
+          </a:lnRef>
+          <a:fillRef idx="0">
+            <a:schemeClr val="accent1"/>
+          </a:fillRef>
+          <a:effectRef idx="0">
+            <a:schemeClr val="accent1"/>
+          </a:effectRef>
+          <a:fontRef idx="minor">
+            <a:schemeClr val="tx1"/>
+          </a:fontRef>
+        </p:style>
+      </p:cxnSp>
+      <p:cxnSp>
+        <p:nvCxnSpPr>
+          <p:cNvPr id="46" name="Straight Arrow Connector 45"/>
+          <p:cNvCxnSpPr/>
+          <p:nvPr/>
+        </p:nvCxnSpPr>
+        <p:spPr>
+          <a:xfrm flipV="1">
+            <a:off x="1928310" y="657197"/>
+            <a:ext cx="1016065" cy="378729"/>
+          </a:xfrm>
+          <a:prstGeom prst="straightConnector1">
+            <a:avLst/>
+          </a:prstGeom>
+          <a:ln w="19050">
+            <a:solidFill>
+              <a:srgbClr val="00B050"/>
+            </a:solidFill>
+            <a:headEnd w="sm" len="sm"/>
+            <a:tailEnd type="arrow" w="sm" len="sm"/>
+          </a:ln>
+        </p:spPr>
+        <p:style>
+          <a:lnRef idx="1">
+            <a:schemeClr val="accent1"/>
+          </a:lnRef>
+          <a:fillRef idx="0">
+            <a:schemeClr val="accent1"/>
+          </a:fillRef>
+          <a:effectRef idx="0">
+            <a:schemeClr val="accent1"/>
+          </a:effectRef>
+          <a:fontRef idx="minor">
+            <a:schemeClr val="tx1"/>
+          </a:fontRef>
+        </p:style>
+      </p:cxnSp>
+      <p:sp>
+        <p:nvSpPr>
+          <p:cNvPr id="25" name="Rectangle 24"/>
+          <p:cNvSpPr/>
+          <p:nvPr/>
+        </p:nvSpPr>
+        <p:spPr>
+          <a:xfrm>
+            <a:off x="808787" y="1074130"/>
+            <a:ext cx="743462" cy="200529"/>
+          </a:xfrm>
+          <a:prstGeom prst="rect">
+            <a:avLst/>
+          </a:prstGeom>
+          <a:noFill/>
+          <a:ln>
+            <a:noFill/>
+          </a:ln>
+        </p:spPr>
+        <p:style>
+          <a:lnRef idx="2">
+            <a:schemeClr val="accent2">
+              <a:shade val="50000"/>
+            </a:schemeClr>
+          </a:lnRef>
+          <a:fillRef idx="1">
+            <a:schemeClr val="accent2"/>
+          </a:fillRef>
+          <a:effectRef idx="0">
+            <a:schemeClr val="accent2"/>
+          </a:effectRef>
+          <a:fontRef idx="minor">
+            <a:schemeClr val="lt1"/>
+          </a:fontRef>
+        </p:style>
+        <p:txBody>
+          <a:bodyPr rtlCol="0" anchor="ctr"/>
+          <a:lstStyle/>
+          <a:p>
+            <a:pPr algn="ctr"/>
+            <a:r>
+              <a:rPr lang="en-US" sz="900" dirty="0" smtClean="0">
+                <a:solidFill>
+                  <a:schemeClr val="tx1"/>
+                </a:solidFill>
+                <a:latin typeface="Times New Roman" pitchFamily="18" charset="0"/>
+                <a:cs typeface="Times New Roman" pitchFamily="18" charset="0"/>
+              </a:rPr>
+              <a:t>perform monitoring</a:t>
+            </a:r>
+            <a:endParaRPr lang="en-US" sz="900" dirty="0">
+              <a:solidFill>
+                <a:schemeClr val="tx1"/>
+              </a:solidFill>
+              <a:latin typeface="Times New Roman" pitchFamily="18" charset="0"/>
+              <a:cs typeface="Times New Roman" pitchFamily="18" charset="0"/>
+            </a:endParaRPr>
+          </a:p>
+        </p:txBody>
+      </p:sp>
+      <p:sp>
+        <p:nvSpPr>
+          <p:cNvPr id="27" name="Rectangle 26"/>
+          <p:cNvSpPr/>
+          <p:nvPr/>
+        </p:nvSpPr>
+        <p:spPr>
+          <a:xfrm>
+            <a:off x="1713530" y="1074130"/>
+            <a:ext cx="729695" cy="200529"/>
+          </a:xfrm>
+          <a:prstGeom prst="rect">
+            <a:avLst/>
+          </a:prstGeom>
+          <a:noFill/>
+          <a:ln>
+            <a:noFill/>
+          </a:ln>
+        </p:spPr>
+        <p:style>
+          <a:lnRef idx="2">
+            <a:schemeClr val="accent2">
+              <a:shade val="50000"/>
+            </a:schemeClr>
+          </a:lnRef>
+          <a:fillRef idx="1">
+            <a:schemeClr val="accent2"/>
+          </a:fillRef>
+          <a:effectRef idx="0">
+            <a:schemeClr val="accent2"/>
+          </a:effectRef>
+          <a:fontRef idx="minor">
+            <a:schemeClr val="lt1"/>
+          </a:fontRef>
+        </p:style>
+        <p:txBody>
+          <a:bodyPr rtlCol="0" anchor="ctr"/>
+          <a:lstStyle/>
+          <a:p>
+            <a:pPr algn="ctr"/>
+            <a:r>
+              <a:rPr lang="en-US" sz="900" dirty="0" smtClean="0">
+                <a:solidFill>
+                  <a:schemeClr val="tx1"/>
+                </a:solidFill>
+                <a:latin typeface="Times New Roman" pitchFamily="18" charset="0"/>
+                <a:cs typeface="Times New Roman" pitchFamily="18" charset="0"/>
+              </a:rPr>
+              <a:t>drop monitoring</a:t>
+            </a:r>
+            <a:endParaRPr lang="en-US" sz="900" dirty="0">
+              <a:solidFill>
+                <a:schemeClr val="tx1"/>
+              </a:solidFill>
+              <a:latin typeface="Times New Roman" pitchFamily="18" charset="0"/>
+              <a:cs typeface="Times New Roman" pitchFamily="18" charset="0"/>
+            </a:endParaRPr>
+          </a:p>
+        </p:txBody>
+      </p:sp>
+      <p:sp>
+        <p:nvSpPr>
+          <p:cNvPr id="34" name="Rectangle 33"/>
+          <p:cNvSpPr/>
+          <p:nvPr/>
+        </p:nvSpPr>
+        <p:spPr>
+          <a:xfrm>
+            <a:off x="2392938" y="1074129"/>
+            <a:ext cx="743462" cy="200529"/>
+          </a:xfrm>
+          <a:prstGeom prst="rect">
+            <a:avLst/>
+          </a:prstGeom>
+          <a:noFill/>
+          <a:ln>
+            <a:noFill/>
+          </a:ln>
+        </p:spPr>
+        <p:style>
+          <a:lnRef idx="2">
+            <a:schemeClr val="accent2">
+              <a:shade val="50000"/>
+            </a:schemeClr>
+          </a:lnRef>
+          <a:fillRef idx="1">
+            <a:schemeClr val="accent2"/>
+          </a:fillRef>
+          <a:effectRef idx="0">
+            <a:schemeClr val="accent2"/>
+          </a:effectRef>
+          <a:fontRef idx="minor">
+            <a:schemeClr val="lt1"/>
+          </a:fontRef>
+        </p:style>
+        <p:txBody>
+          <a:bodyPr rtlCol="0" anchor="ctr"/>
+          <a:lstStyle/>
+          <a:p>
+            <a:pPr algn="ctr"/>
+            <a:r>
+              <a:rPr lang="en-US" sz="900" dirty="0" smtClean="0">
+                <a:solidFill>
+                  <a:schemeClr val="tx1"/>
+                </a:solidFill>
+                <a:latin typeface="Times New Roman" pitchFamily="18" charset="0"/>
+                <a:cs typeface="Times New Roman" pitchFamily="18" charset="0"/>
+              </a:rPr>
+              <a:t>perform monitoring</a:t>
+            </a:r>
+            <a:endParaRPr lang="en-US" sz="900" dirty="0">
+              <a:solidFill>
+                <a:schemeClr val="tx1"/>
+              </a:solidFill>
+              <a:latin typeface="Times New Roman" pitchFamily="18" charset="0"/>
+              <a:cs typeface="Times New Roman" pitchFamily="18" charset="0"/>
+            </a:endParaRPr>
+          </a:p>
+        </p:txBody>
+      </p:sp>
+    </p:spTree>
+    <p:extLst>
+      <p:ext uri="{BB962C8B-B14F-4D97-AF65-F5344CB8AC3E}">
+        <p14:creationId xmlns:p14="http://schemas.microsoft.com/office/powerpoint/2010/main" val="1614472030"/>
+      </p:ext>
+    </p:extLst>
+  </p:cSld>
+  <p:clrMapOvr>
+    <a:masterClrMapping/>
+  </p:clrMapOvr>
+</p:sld>
+</file>
+
+<file path=ppt/slides/slide9.xml><?xml version="1.0" encoding="utf-8"?>
+<p:sld xmlns:a="http://schemas.openxmlformats.org/drawingml/2006/main" xmlns:r="http://schemas.openxmlformats.org/officeDocument/2006/relationships" xmlns:p="http://schemas.openxmlformats.org/presentationml/2006/main">
+  <p:cSld>
+    <p:spTree>
+      <p:nvGrpSpPr>
+        <p:cNvPr id="1" name=""/>
+        <p:cNvGrpSpPr/>
+        <p:nvPr/>
+      </p:nvGrpSpPr>
+      <p:grpSpPr>
+        <a:xfrm>
+          <a:off x="0" y="0"/>
+          <a:ext cx="0" cy="0"/>
+          <a:chOff x="0" y="0"/>
+          <a:chExt cx="0" cy="0"/>
+        </a:xfrm>
+      </p:grpSpPr>
+      <p:sp>
+        <p:nvSpPr>
           <p:cNvPr id="58" name="TextBox 57"/>
           <p:cNvSpPr txBox="1"/>
           <p:nvPr/>
         </p:nvSpPr>
         <p:spPr>
           <a:xfrm>
-            <a:off x="793695" y="224857"/>
+            <a:off x="1219126" y="186452"/>
             <a:ext cx="342669" cy="230832"/>
           </a:xfrm>
           <a:prstGeom prst="rect">
@@ -6486,7 +9440,7 @@
         </p:nvSpPr>
         <p:spPr>
           <a:xfrm>
-            <a:off x="-51216" y="14326"/>
+            <a:off x="102405" y="-67464"/>
             <a:ext cx="750409" cy="369332"/>
           </a:xfrm>
           <a:prstGeom prst="rect">
@@ -6503,6 +9457,7 @@
           </a:bodyPr>
           <a:lstStyle/>
           <a:p>
+            <a:pPr algn="ctr"/>
             <a:r>
               <a:rPr lang="en-US" sz="900" dirty="0" smtClean="0">
                 <a:latin typeface="Times New Roman" pitchFamily="18" charset="0"/>
@@ -6525,7 +9480,7 @@
         </p:nvSpPr>
         <p:spPr>
           <a:xfrm>
-            <a:off x="1355562" y="89028"/>
+            <a:off x="1946307" y="50623"/>
             <a:ext cx="596185" cy="317208"/>
           </a:xfrm>
           <a:prstGeom prst="rect">
@@ -6589,7 +9544,7 @@
         </p:nvCxnSpPr>
         <p:spPr>
           <a:xfrm flipV="1">
-            <a:off x="1653654" y="406237"/>
+            <a:off x="2244399" y="367832"/>
             <a:ext cx="0" cy="164133"/>
           </a:xfrm>
           <a:prstGeom prst="straightConnector1">
@@ -6626,7 +9581,7 @@
         </p:nvSpPr>
         <p:spPr>
           <a:xfrm>
-            <a:off x="1397182" y="533310"/>
+            <a:off x="1987927" y="494905"/>
             <a:ext cx="512943" cy="230832"/>
           </a:xfrm>
           <a:prstGeom prst="rect">
@@ -6660,104 +9615,13 @@
       </p:sp>
       <p:sp>
         <p:nvSpPr>
-          <p:cNvPr id="69" name="Oval 68"/>
-          <p:cNvSpPr/>
-          <p:nvPr/>
-        </p:nvSpPr>
-        <p:spPr>
-          <a:xfrm>
-            <a:off x="2304728" y="65194"/>
-            <a:ext cx="318199" cy="319327"/>
-          </a:xfrm>
-          <a:prstGeom prst="ellipse">
-            <a:avLst/>
-          </a:prstGeom>
-          <a:solidFill>
-            <a:srgbClr val="FFFFCC"/>
-          </a:solidFill>
-          <a:ln w="12700">
-            <a:solidFill>
-              <a:schemeClr val="tx1"/>
-            </a:solidFill>
-          </a:ln>
-        </p:spPr>
-        <p:style>
-          <a:lnRef idx="2">
-            <a:schemeClr val="accent1">
-              <a:shade val="50000"/>
-            </a:schemeClr>
-          </a:lnRef>
-          <a:fillRef idx="1">
-            <a:schemeClr val="accent1"/>
-          </a:fillRef>
-          <a:effectRef idx="0">
-            <a:schemeClr val="accent1"/>
-          </a:effectRef>
-          <a:fontRef idx="minor">
-            <a:schemeClr val="lt1"/>
-          </a:fontRef>
-        </p:style>
-        <p:txBody>
-          <a:bodyPr rtlCol="0" anchor="ctr"/>
-          <a:lstStyle/>
-          <a:p>
-            <a:pPr algn="ctr"/>
-            <a:endParaRPr lang="en-US" sz="900" b="1" dirty="0">
-              <a:solidFill>
-                <a:schemeClr val="tx1"/>
-              </a:solidFill>
-              <a:latin typeface="Times New Roman" pitchFamily="18" charset="0"/>
-              <a:cs typeface="Times New Roman" pitchFamily="18" charset="0"/>
-            </a:endParaRPr>
-          </a:p>
-        </p:txBody>
-      </p:sp>
-      <p:cxnSp>
-        <p:nvCxnSpPr>
-          <p:cNvPr id="74" name="Straight Arrow Connector 73"/>
-          <p:cNvCxnSpPr/>
-          <p:nvPr/>
-        </p:nvCxnSpPr>
-        <p:spPr>
-          <a:xfrm>
-            <a:off x="2622927" y="224857"/>
-            <a:ext cx="472791" cy="0"/>
-          </a:xfrm>
-          <a:prstGeom prst="straightConnector1">
-            <a:avLst/>
-          </a:prstGeom>
-          <a:ln w="19050">
-            <a:solidFill>
-              <a:schemeClr val="tx1"/>
-            </a:solidFill>
-            <a:headEnd w="sm" len="sm"/>
-            <a:tailEnd type="arrow" w="sm" len="sm"/>
-          </a:ln>
-        </p:spPr>
-        <p:style>
-          <a:lnRef idx="1">
-            <a:schemeClr val="accent1"/>
-          </a:lnRef>
-          <a:fillRef idx="0">
-            <a:schemeClr val="accent1"/>
-          </a:fillRef>
-          <a:effectRef idx="0">
-            <a:schemeClr val="accent1"/>
-          </a:effectRef>
-          <a:fontRef idx="minor">
-            <a:schemeClr val="tx1"/>
-          </a:fontRef>
-        </p:style>
-      </p:cxnSp>
-      <p:sp>
-        <p:nvSpPr>
           <p:cNvPr id="75" name="TextBox 74"/>
           <p:cNvSpPr txBox="1"/>
           <p:nvPr/>
         </p:nvSpPr>
         <p:spPr>
           <a:xfrm>
-            <a:off x="1893762" y="39202"/>
+            <a:off x="2546647" y="797"/>
             <a:ext cx="512943" cy="230832"/>
           </a:xfrm>
           <a:prstGeom prst="rect">
@@ -6796,8 +9660,8 @@
         </p:nvCxnSpPr>
         <p:spPr>
           <a:xfrm>
-            <a:off x="545574" y="154618"/>
-            <a:ext cx="153620" cy="0"/>
+            <a:off x="755290" y="116213"/>
+            <a:ext cx="327954" cy="0"/>
           </a:xfrm>
           <a:prstGeom prst="straightConnector1">
             <a:avLst/>
@@ -6833,7 +9697,7 @@
         </p:nvSpPr>
         <p:spPr>
           <a:xfrm>
-            <a:off x="699194" y="84306"/>
+            <a:off x="1083244" y="45901"/>
             <a:ext cx="401741" cy="140624"/>
           </a:xfrm>
           <a:prstGeom prst="rect">
@@ -6889,43 +9753,6 @@
           </a:p>
         </p:txBody>
       </p:sp>
-      <p:cxnSp>
-        <p:nvCxnSpPr>
-          <p:cNvPr id="17" name="Straight Arrow Connector 16"/>
-          <p:cNvCxnSpPr/>
-          <p:nvPr/>
-        </p:nvCxnSpPr>
-        <p:spPr>
-          <a:xfrm>
-            <a:off x="1094635" y="154618"/>
-            <a:ext cx="260927" cy="0"/>
-          </a:xfrm>
-          <a:prstGeom prst="straightConnector1">
-            <a:avLst/>
-          </a:prstGeom>
-          <a:ln w="19050">
-            <a:solidFill>
-              <a:schemeClr val="tx1"/>
-            </a:solidFill>
-            <a:headEnd w="sm" len="sm"/>
-            <a:tailEnd type="arrow" w="sm" len="sm"/>
-          </a:ln>
-        </p:spPr>
-        <p:style>
-          <a:lnRef idx="1">
-            <a:schemeClr val="accent1"/>
-          </a:lnRef>
-          <a:fillRef idx="0">
-            <a:schemeClr val="accent1"/>
-          </a:fillRef>
-          <a:effectRef idx="0">
-            <a:schemeClr val="accent1"/>
-          </a:effectRef>
-          <a:fontRef idx="minor">
-            <a:schemeClr val="tx1"/>
-          </a:fontRef>
-        </p:style>
-      </p:cxnSp>
       <p:sp>
         <p:nvSpPr>
           <p:cNvPr id="21" name="TextBox 20"/>
@@ -6934,7 +9761,7 @@
         </p:nvSpPr>
         <p:spPr>
           <a:xfrm>
-            <a:off x="1085795" y="-31110"/>
+            <a:off x="1561795" y="-69515"/>
             <a:ext cx="270055" cy="230832"/>
           </a:xfrm>
           <a:prstGeom prst="rect">
@@ -6973,8 +9800,8 @@
         </p:nvCxnSpPr>
         <p:spPr>
           <a:xfrm>
-            <a:off x="1951747" y="227804"/>
-            <a:ext cx="352981" cy="0"/>
+            <a:off x="2542492" y="189399"/>
+            <a:ext cx="454958" cy="0"/>
           </a:xfrm>
           <a:prstGeom prst="straightConnector1">
             <a:avLst/>
@@ -7010,8 +9837,8 @@
         </p:nvCxnSpPr>
         <p:spPr>
           <a:xfrm>
-            <a:off x="1085795" y="340408"/>
-            <a:ext cx="260927" cy="0"/>
+            <a:off x="1484986" y="116213"/>
+            <a:ext cx="461321" cy="0"/>
           </a:xfrm>
           <a:prstGeom prst="straightConnector1">
             <a:avLst/>
@@ -7039,46 +9866,43 @@
           </a:fontRef>
         </p:style>
       </p:cxnSp>
-      <p:sp>
-        <p:nvSpPr>
-          <p:cNvPr id="19" name="TextBox 18"/>
-          <p:cNvSpPr txBox="1"/>
-          <p:nvPr/>
-        </p:nvSpPr>
-        <p:spPr>
-          <a:xfrm>
-            <a:off x="2207355" y="109441"/>
-            <a:ext cx="512943" cy="230832"/>
-          </a:xfrm>
-          <a:prstGeom prst="rect">
-            <a:avLst/>
-          </a:prstGeom>
-          <a:noFill/>
-          <a:ln w="12700">
-            <a:noFill/>
-          </a:ln>
-        </p:spPr>
-        <p:txBody>
-          <a:bodyPr wrap="square" rtlCol="0">
-            <a:spAutoFit/>
-          </a:bodyPr>
-          <a:lstStyle/>
-          <a:p>
-            <a:pPr algn="ctr"/>
-            <a:r>
-              <a:rPr lang="en-US" sz="900" b="1" dirty="0" smtClean="0">
-                <a:latin typeface="Times New Roman" pitchFamily="18" charset="0"/>
-                <a:cs typeface="Times New Roman" pitchFamily="18" charset="0"/>
-              </a:rPr>
-              <a:t>&gt; 0</a:t>
-            </a:r>
-            <a:endParaRPr lang="en-US" sz="900" b="1" dirty="0">
-              <a:latin typeface="Times New Roman" pitchFamily="18" charset="0"/>
-              <a:cs typeface="Times New Roman" pitchFamily="18" charset="0"/>
-            </a:endParaRPr>
-          </a:p>
-        </p:txBody>
-      </p:sp>
+      <p:cxnSp>
+        <p:nvCxnSpPr>
+          <p:cNvPr id="25" name="Straight Arrow Connector 24"/>
+          <p:cNvCxnSpPr/>
+          <p:nvPr/>
+        </p:nvCxnSpPr>
+        <p:spPr>
+          <a:xfrm>
+            <a:off x="1484985" y="301868"/>
+            <a:ext cx="461321" cy="0"/>
+          </a:xfrm>
+          <a:prstGeom prst="straightConnector1">
+            <a:avLst/>
+          </a:prstGeom>
+          <a:ln w="19050">
+            <a:solidFill>
+              <a:schemeClr val="tx1"/>
+            </a:solidFill>
+            <a:headEnd w="sm" len="sm"/>
+            <a:tailEnd type="arrow" w="sm" len="sm"/>
+          </a:ln>
+        </p:spPr>
+        <p:style>
+          <a:lnRef idx="1">
+            <a:schemeClr val="accent1"/>
+          </a:lnRef>
+          <a:fillRef idx="0">
+            <a:schemeClr val="accent1"/>
+          </a:fillRef>
+          <a:effectRef idx="0">
+            <a:schemeClr val="accent1"/>
+          </a:effectRef>
+          <a:fontRef idx="minor">
+            <a:schemeClr val="tx1"/>
+          </a:fontRef>
+        </p:style>
+      </p:cxnSp>
     </p:spTree>
     <p:extLst>
       <p:ext uri="{BB962C8B-B14F-4D97-AF65-F5344CB8AC3E}">

--- a/figs_src/diagrams.pptx
+++ b/figs_src/diagrams.pptx
@@ -5,18 +5,22 @@
     <p:sldMasterId id="2147483648" r:id="rId1"/>
   </p:sldMasterIdLst>
   <p:notesMasterIdLst>
-    <p:notesMasterId r:id="rId11"/>
+    <p:notesMasterId r:id="rId15"/>
   </p:notesMasterIdLst>
   <p:sldIdLst>
     <p:sldId id="256" r:id="rId2"/>
     <p:sldId id="258" r:id="rId3"/>
-    <p:sldId id="261" r:id="rId4"/>
-    <p:sldId id="257" r:id="rId5"/>
-    <p:sldId id="262" r:id="rId6"/>
-    <p:sldId id="263" r:id="rId7"/>
-    <p:sldId id="264" r:id="rId8"/>
-    <p:sldId id="259" r:id="rId9"/>
-    <p:sldId id="260" r:id="rId10"/>
+    <p:sldId id="267" r:id="rId4"/>
+    <p:sldId id="261" r:id="rId5"/>
+    <p:sldId id="266" r:id="rId6"/>
+    <p:sldId id="257" r:id="rId7"/>
+    <p:sldId id="262" r:id="rId8"/>
+    <p:sldId id="263" r:id="rId9"/>
+    <p:sldId id="264" r:id="rId10"/>
+    <p:sldId id="259" r:id="rId11"/>
+    <p:sldId id="260" r:id="rId12"/>
+    <p:sldId id="265" r:id="rId13"/>
+    <p:sldId id="268" r:id="rId14"/>
   </p:sldIdLst>
   <p:sldSz cx="3200400" cy="7772400"/>
   <p:notesSz cx="2743200" cy="7315200"/>
@@ -160,7 +164,7 @@
           </a:prstGeom>
         </p:spPr>
         <p:txBody>
-          <a:bodyPr vert="horz" lIns="54306" tIns="27153" rIns="54306" bIns="27153" rtlCol="0"/>
+          <a:bodyPr vert="horz" lIns="54288" tIns="27144" rIns="54288" bIns="27144" rtlCol="0"/>
           <a:lstStyle>
             <a:lvl1pPr algn="l">
               <a:defRPr sz="700"/>
@@ -191,7 +195,7 @@
           </a:prstGeom>
         </p:spPr>
         <p:txBody>
-          <a:bodyPr vert="horz" lIns="54306" tIns="27153" rIns="54306" bIns="27153" rtlCol="0"/>
+          <a:bodyPr vert="horz" lIns="54288" tIns="27144" rIns="54288" bIns="27144" rtlCol="0"/>
           <a:lstStyle>
             <a:lvl1pPr algn="r">
               <a:defRPr sz="700"/>
@@ -200,7 +204,7 @@
           <a:p>
             <a:fld id="{843567C3-09B7-4EC5-8695-9659B6A4537F}" type="datetimeFigureOut">
               <a:rPr lang="en-US" smtClean="0"/>
-              <a:t>5/27/2014</a:t>
+              <a:t>5/29/2014</a:t>
             </a:fld>
             <a:endParaRPr lang="en-US"/>
           </a:p>
@@ -232,7 +236,7 @@
           </a:ln>
         </p:spPr>
         <p:txBody>
-          <a:bodyPr vert="horz" lIns="54306" tIns="27153" rIns="54306" bIns="27153" rtlCol="0" anchor="ctr"/>
+          <a:bodyPr vert="horz" lIns="54288" tIns="27144" rIns="54288" bIns="27144" rtlCol="0" anchor="ctr"/>
           <a:lstStyle/>
           <a:p>
             <a:endParaRPr lang="en-US"/>
@@ -259,7 +263,7 @@
           </a:prstGeom>
         </p:spPr>
         <p:txBody>
-          <a:bodyPr vert="horz" lIns="54306" tIns="27153" rIns="54306" bIns="27153" rtlCol="0"/>
+          <a:bodyPr vert="horz" lIns="54288" tIns="27144" rIns="54288" bIns="27144" rtlCol="0"/>
           <a:lstStyle/>
           <a:p>
             <a:pPr lvl="0"/>
@@ -319,7 +323,7 @@
           </a:prstGeom>
         </p:spPr>
         <p:txBody>
-          <a:bodyPr vert="horz" lIns="54306" tIns="27153" rIns="54306" bIns="27153" rtlCol="0" anchor="b"/>
+          <a:bodyPr vert="horz" lIns="54288" tIns="27144" rIns="54288" bIns="27144" rtlCol="0" anchor="b"/>
           <a:lstStyle>
             <a:lvl1pPr algn="l">
               <a:defRPr sz="700"/>
@@ -350,7 +354,7 @@
           </a:prstGeom>
         </p:spPr>
         <p:txBody>
-          <a:bodyPr vert="horz" lIns="54306" tIns="27153" rIns="54306" bIns="27153" rtlCol="0" anchor="b"/>
+          <a:bodyPr vert="horz" lIns="54288" tIns="27144" rIns="54288" bIns="27144" rtlCol="0" anchor="b"/>
           <a:lstStyle>
             <a:lvl1pPr algn="r">
               <a:defRPr sz="700"/>
@@ -650,7 +654,7 @@
             <a:fld id="{1D8BD707-D9CF-40AE-B4C6-C98DA3205C09}" type="datetimeFigureOut">
               <a:rPr lang="en-US" smtClean="0"/>
               <a:pPr/>
-              <a:t>5/27/2014</a:t>
+              <a:t>5/29/2014</a:t>
             </a:fld>
             <a:endParaRPr lang="en-US"/>
           </a:p>
@@ -817,7 +821,7 @@
             <a:fld id="{1D8BD707-D9CF-40AE-B4C6-C98DA3205C09}" type="datetimeFigureOut">
               <a:rPr lang="en-US" smtClean="0"/>
               <a:pPr/>
-              <a:t>5/27/2014</a:t>
+              <a:t>5/29/2014</a:t>
             </a:fld>
             <a:endParaRPr lang="en-US"/>
           </a:p>
@@ -994,7 +998,7 @@
             <a:fld id="{1D8BD707-D9CF-40AE-B4C6-C98DA3205C09}" type="datetimeFigureOut">
               <a:rPr lang="en-US" smtClean="0"/>
               <a:pPr/>
-              <a:t>5/27/2014</a:t>
+              <a:t>5/29/2014</a:t>
             </a:fld>
             <a:endParaRPr lang="en-US"/>
           </a:p>
@@ -1161,7 +1165,7 @@
             <a:fld id="{1D8BD707-D9CF-40AE-B4C6-C98DA3205C09}" type="datetimeFigureOut">
               <a:rPr lang="en-US" smtClean="0"/>
               <a:pPr/>
-              <a:t>5/27/2014</a:t>
+              <a:t>5/29/2014</a:t>
             </a:fld>
             <a:endParaRPr lang="en-US"/>
           </a:p>
@@ -1404,7 +1408,7 @@
             <a:fld id="{1D8BD707-D9CF-40AE-B4C6-C98DA3205C09}" type="datetimeFigureOut">
               <a:rPr lang="en-US" smtClean="0"/>
               <a:pPr/>
-              <a:t>5/27/2014</a:t>
+              <a:t>5/29/2014</a:t>
             </a:fld>
             <a:endParaRPr lang="en-US"/>
           </a:p>
@@ -1689,7 +1693,7 @@
             <a:fld id="{1D8BD707-D9CF-40AE-B4C6-C98DA3205C09}" type="datetimeFigureOut">
               <a:rPr lang="en-US" smtClean="0"/>
               <a:pPr/>
-              <a:t>5/27/2014</a:t>
+              <a:t>5/29/2014</a:t>
             </a:fld>
             <a:endParaRPr lang="en-US"/>
           </a:p>
@@ -2108,7 +2112,7 @@
             <a:fld id="{1D8BD707-D9CF-40AE-B4C6-C98DA3205C09}" type="datetimeFigureOut">
               <a:rPr lang="en-US" smtClean="0"/>
               <a:pPr/>
-              <a:t>5/27/2014</a:t>
+              <a:t>5/29/2014</a:t>
             </a:fld>
             <a:endParaRPr lang="en-US"/>
           </a:p>
@@ -2223,7 +2227,7 @@
             <a:fld id="{1D8BD707-D9CF-40AE-B4C6-C98DA3205C09}" type="datetimeFigureOut">
               <a:rPr lang="en-US" smtClean="0"/>
               <a:pPr/>
-              <a:t>5/27/2014</a:t>
+              <a:t>5/29/2014</a:t>
             </a:fld>
             <a:endParaRPr lang="en-US"/>
           </a:p>
@@ -2315,7 +2319,7 @@
             <a:fld id="{1D8BD707-D9CF-40AE-B4C6-C98DA3205C09}" type="datetimeFigureOut">
               <a:rPr lang="en-US" smtClean="0"/>
               <a:pPr/>
-              <a:t>5/27/2014</a:t>
+              <a:t>5/29/2014</a:t>
             </a:fld>
             <a:endParaRPr lang="en-US"/>
           </a:p>
@@ -2589,7 +2593,7 @@
             <a:fld id="{1D8BD707-D9CF-40AE-B4C6-C98DA3205C09}" type="datetimeFigureOut">
               <a:rPr lang="en-US" smtClean="0"/>
               <a:pPr/>
-              <a:t>5/27/2014</a:t>
+              <a:t>5/29/2014</a:t>
             </a:fld>
             <a:endParaRPr lang="en-US"/>
           </a:p>
@@ -2839,7 +2843,7 @@
             <a:fld id="{1D8BD707-D9CF-40AE-B4C6-C98DA3205C09}" type="datetimeFigureOut">
               <a:rPr lang="en-US" smtClean="0"/>
               <a:pPr/>
-              <a:t>5/27/2014</a:t>
+              <a:t>5/29/2014</a:t>
             </a:fld>
             <a:endParaRPr lang="en-US"/>
           </a:p>
@@ -3049,7 +3053,7 @@
             <a:fld id="{1D8BD707-D9CF-40AE-B4C6-C98DA3205C09}" type="datetimeFigureOut">
               <a:rPr lang="en-US" smtClean="0"/>
               <a:pPr/>
-              <a:t>5/27/2014</a:t>
+              <a:t>5/29/2014</a:t>
             </a:fld>
             <a:endParaRPr lang="en-US"/>
           </a:p>
@@ -4227,6 +4231,3070 @@
 </p:sld>
 </file>
 
+<file path=ppt/slides/slide10.xml><?xml version="1.0" encoding="utf-8"?>
+<p:sld xmlns:a="http://schemas.openxmlformats.org/drawingml/2006/main" xmlns:r="http://schemas.openxmlformats.org/officeDocument/2006/relationships" xmlns:p="http://schemas.openxmlformats.org/presentationml/2006/main">
+  <p:cSld>
+    <p:spTree>
+      <p:nvGrpSpPr>
+        <p:cNvPr id="1" name=""/>
+        <p:cNvGrpSpPr/>
+        <p:nvPr/>
+      </p:nvGrpSpPr>
+      <p:grpSpPr>
+        <a:xfrm>
+          <a:off x="0" y="0"/>
+          <a:ext cx="0" cy="0"/>
+          <a:chOff x="0" y="0"/>
+          <a:chExt cx="0" cy="0"/>
+        </a:xfrm>
+      </p:grpSpPr>
+      <p:sp>
+        <p:nvSpPr>
+          <p:cNvPr id="3" name="Rectangle 2"/>
+          <p:cNvSpPr/>
+          <p:nvPr/>
+        </p:nvSpPr>
+        <p:spPr>
+          <a:xfrm>
+            <a:off x="1753820" y="65208"/>
+            <a:ext cx="649117" cy="1247858"/>
+          </a:xfrm>
+          <a:prstGeom prst="rect">
+            <a:avLst/>
+          </a:prstGeom>
+          <a:solidFill>
+            <a:schemeClr val="bg1">
+              <a:lumMod val="75000"/>
+            </a:schemeClr>
+          </a:solidFill>
+          <a:ln>
+            <a:noFill/>
+          </a:ln>
+        </p:spPr>
+        <p:style>
+          <a:lnRef idx="2">
+            <a:schemeClr val="accent1">
+              <a:shade val="50000"/>
+            </a:schemeClr>
+          </a:lnRef>
+          <a:fillRef idx="1">
+            <a:schemeClr val="accent1"/>
+          </a:fillRef>
+          <a:effectRef idx="0">
+            <a:schemeClr val="accent1"/>
+          </a:effectRef>
+          <a:fontRef idx="minor">
+            <a:schemeClr val="lt1"/>
+          </a:fontRef>
+        </p:style>
+        <p:txBody>
+          <a:bodyPr rtlCol="0" anchor="ctr"/>
+          <a:lstStyle/>
+          <a:p>
+            <a:pPr algn="ctr"/>
+            <a:endParaRPr lang="en-US" sz="900"/>
+          </a:p>
+        </p:txBody>
+      </p:sp>
+      <p:cxnSp>
+        <p:nvCxnSpPr>
+          <p:cNvPr id="4" name="Straight Arrow Connector 3"/>
+          <p:cNvCxnSpPr/>
+          <p:nvPr/>
+        </p:nvCxnSpPr>
+        <p:spPr>
+          <a:xfrm flipV="1">
+            <a:off x="623931" y="45700"/>
+            <a:ext cx="0" cy="1205505"/>
+          </a:xfrm>
+          <a:prstGeom prst="straightConnector1">
+            <a:avLst/>
+          </a:prstGeom>
+          <a:ln w="19050">
+            <a:solidFill>
+              <a:schemeClr val="tx1"/>
+            </a:solidFill>
+            <a:headEnd w="sm" len="sm"/>
+            <a:tailEnd type="arrow" w="sm" len="sm"/>
+          </a:ln>
+        </p:spPr>
+        <p:style>
+          <a:lnRef idx="1">
+            <a:schemeClr val="accent1"/>
+          </a:lnRef>
+          <a:fillRef idx="0">
+            <a:schemeClr val="accent1"/>
+          </a:fillRef>
+          <a:effectRef idx="0">
+            <a:schemeClr val="accent1"/>
+          </a:effectRef>
+          <a:fontRef idx="minor">
+            <a:schemeClr val="tx1"/>
+          </a:fontRef>
+        </p:style>
+      </p:cxnSp>
+      <p:cxnSp>
+        <p:nvCxnSpPr>
+          <p:cNvPr id="6" name="Straight Arrow Connector 5"/>
+          <p:cNvCxnSpPr/>
+          <p:nvPr/>
+        </p:nvCxnSpPr>
+        <p:spPr>
+          <a:xfrm>
+            <a:off x="489960" y="852205"/>
+            <a:ext cx="2646440" cy="0"/>
+          </a:xfrm>
+          <a:prstGeom prst="straightConnector1">
+            <a:avLst/>
+          </a:prstGeom>
+          <a:ln w="19050">
+            <a:solidFill>
+              <a:schemeClr val="tx1"/>
+            </a:solidFill>
+            <a:headEnd w="sm" len="sm"/>
+            <a:tailEnd type="arrow" w="sm" len="sm"/>
+          </a:ln>
+        </p:spPr>
+        <p:style>
+          <a:lnRef idx="1">
+            <a:schemeClr val="accent1"/>
+          </a:lnRef>
+          <a:fillRef idx="0">
+            <a:schemeClr val="accent1"/>
+          </a:fillRef>
+          <a:effectRef idx="0">
+            <a:schemeClr val="accent1"/>
+          </a:effectRef>
+          <a:fontRef idx="minor">
+            <a:schemeClr val="tx1"/>
+          </a:fontRef>
+        </p:style>
+      </p:cxnSp>
+      <p:sp>
+        <p:nvSpPr>
+          <p:cNvPr id="8" name="Rectangle 7"/>
+          <p:cNvSpPr/>
+          <p:nvPr/>
+        </p:nvSpPr>
+        <p:spPr>
+          <a:xfrm>
+            <a:off x="2878581" y="843701"/>
+            <a:ext cx="437487" cy="200529"/>
+          </a:xfrm>
+          <a:prstGeom prst="rect">
+            <a:avLst/>
+          </a:prstGeom>
+          <a:noFill/>
+          <a:ln>
+            <a:noFill/>
+          </a:ln>
+        </p:spPr>
+        <p:style>
+          <a:lnRef idx="2">
+            <a:schemeClr val="accent2">
+              <a:shade val="50000"/>
+            </a:schemeClr>
+          </a:lnRef>
+          <a:fillRef idx="1">
+            <a:schemeClr val="accent2"/>
+          </a:fillRef>
+          <a:effectRef idx="0">
+            <a:schemeClr val="accent2"/>
+          </a:effectRef>
+          <a:fontRef idx="minor">
+            <a:schemeClr val="lt1"/>
+          </a:fontRef>
+        </p:style>
+        <p:txBody>
+          <a:bodyPr rtlCol="0" anchor="ctr"/>
+          <a:lstStyle/>
+          <a:p>
+            <a:r>
+              <a:rPr lang="en-US" sz="900" dirty="0" smtClean="0">
+                <a:solidFill>
+                  <a:schemeClr val="tx1"/>
+                </a:solidFill>
+                <a:latin typeface="Times New Roman" pitchFamily="18" charset="0"/>
+                <a:cs typeface="Times New Roman" pitchFamily="18" charset="0"/>
+              </a:rPr>
+              <a:t>time</a:t>
+            </a:r>
+            <a:endParaRPr lang="en-US" sz="900" dirty="0">
+              <a:solidFill>
+                <a:schemeClr val="tx1"/>
+              </a:solidFill>
+              <a:latin typeface="Times New Roman" pitchFamily="18" charset="0"/>
+              <a:cs typeface="Times New Roman" pitchFamily="18" charset="0"/>
+            </a:endParaRPr>
+          </a:p>
+        </p:txBody>
+      </p:sp>
+      <p:sp>
+        <p:nvSpPr>
+          <p:cNvPr id="9" name="Rectangle 8"/>
+          <p:cNvSpPr/>
+          <p:nvPr/>
+        </p:nvSpPr>
+        <p:spPr>
+          <a:xfrm>
+            <a:off x="238490" y="46824"/>
+            <a:ext cx="500160" cy="200529"/>
+          </a:xfrm>
+          <a:prstGeom prst="rect">
+            <a:avLst/>
+          </a:prstGeom>
+          <a:noFill/>
+          <a:ln>
+            <a:noFill/>
+          </a:ln>
+        </p:spPr>
+        <p:style>
+          <a:lnRef idx="2">
+            <a:schemeClr val="accent2">
+              <a:shade val="50000"/>
+            </a:schemeClr>
+          </a:lnRef>
+          <a:fillRef idx="1">
+            <a:schemeClr val="accent2"/>
+          </a:fillRef>
+          <a:effectRef idx="0">
+            <a:schemeClr val="accent2"/>
+          </a:effectRef>
+          <a:fontRef idx="minor">
+            <a:schemeClr val="lt1"/>
+          </a:fontRef>
+        </p:style>
+        <p:txBody>
+          <a:bodyPr rtlCol="0" anchor="ctr"/>
+          <a:lstStyle/>
+          <a:p>
+            <a:r>
+              <a:rPr lang="en-US" sz="900" dirty="0" smtClean="0">
+                <a:solidFill>
+                  <a:schemeClr val="tx1"/>
+                </a:solidFill>
+                <a:latin typeface="Times New Roman" pitchFamily="18" charset="0"/>
+                <a:cs typeface="Times New Roman" pitchFamily="18" charset="0"/>
+              </a:rPr>
+              <a:t>slack</a:t>
+            </a:r>
+            <a:endParaRPr lang="en-US" sz="900" dirty="0">
+              <a:solidFill>
+                <a:schemeClr val="tx1"/>
+              </a:solidFill>
+              <a:latin typeface="Times New Roman" pitchFamily="18" charset="0"/>
+              <a:cs typeface="Times New Roman" pitchFamily="18" charset="0"/>
+            </a:endParaRPr>
+          </a:p>
+        </p:txBody>
+      </p:sp>
+      <p:cxnSp>
+        <p:nvCxnSpPr>
+          <p:cNvPr id="12" name="Straight Arrow Connector 11"/>
+          <p:cNvCxnSpPr/>
+          <p:nvPr/>
+        </p:nvCxnSpPr>
+        <p:spPr>
+          <a:xfrm flipV="1">
+            <a:off x="623931" y="522839"/>
+            <a:ext cx="345645" cy="128836"/>
+          </a:xfrm>
+          <a:prstGeom prst="straightConnector1">
+            <a:avLst/>
+          </a:prstGeom>
+          <a:ln w="19050">
+            <a:solidFill>
+              <a:srgbClr val="00B050"/>
+            </a:solidFill>
+            <a:headEnd w="sm" len="sm"/>
+            <a:tailEnd type="arrow" w="sm" len="sm"/>
+          </a:ln>
+        </p:spPr>
+        <p:style>
+          <a:lnRef idx="1">
+            <a:schemeClr val="accent1"/>
+          </a:lnRef>
+          <a:fillRef idx="0">
+            <a:schemeClr val="accent1"/>
+          </a:fillRef>
+          <a:effectRef idx="0">
+            <a:schemeClr val="accent1"/>
+          </a:effectRef>
+          <a:fontRef idx="minor">
+            <a:schemeClr val="tx1"/>
+          </a:fontRef>
+        </p:style>
+      </p:cxnSp>
+      <p:cxnSp>
+        <p:nvCxnSpPr>
+          <p:cNvPr id="21" name="Straight Connector 20"/>
+          <p:cNvCxnSpPr/>
+          <p:nvPr/>
+        </p:nvCxnSpPr>
+        <p:spPr>
+          <a:xfrm flipH="1">
+            <a:off x="575368" y="651675"/>
+            <a:ext cx="95890" cy="0"/>
+          </a:xfrm>
+          <a:prstGeom prst="line">
+            <a:avLst/>
+          </a:prstGeom>
+          <a:ln w="19050">
+            <a:solidFill>
+              <a:schemeClr val="tx1"/>
+            </a:solidFill>
+          </a:ln>
+        </p:spPr>
+        <p:style>
+          <a:lnRef idx="1">
+            <a:schemeClr val="accent1"/>
+          </a:lnRef>
+          <a:fillRef idx="0">
+            <a:schemeClr val="accent1"/>
+          </a:fillRef>
+          <a:effectRef idx="0">
+            <a:schemeClr val="accent1"/>
+          </a:effectRef>
+          <a:fontRef idx="minor">
+            <a:schemeClr val="tx1"/>
+          </a:fontRef>
+        </p:style>
+      </p:cxnSp>
+      <p:sp>
+        <p:nvSpPr>
+          <p:cNvPr id="23" name="Rectangle 22"/>
+          <p:cNvSpPr/>
+          <p:nvPr/>
+        </p:nvSpPr>
+        <p:spPr>
+          <a:xfrm>
+            <a:off x="199190" y="536461"/>
+            <a:ext cx="500160" cy="200529"/>
+          </a:xfrm>
+          <a:prstGeom prst="rect">
+            <a:avLst/>
+          </a:prstGeom>
+          <a:noFill/>
+          <a:ln>
+            <a:noFill/>
+          </a:ln>
+        </p:spPr>
+        <p:style>
+          <a:lnRef idx="2">
+            <a:schemeClr val="accent2">
+              <a:shade val="50000"/>
+            </a:schemeClr>
+          </a:lnRef>
+          <a:fillRef idx="1">
+            <a:schemeClr val="accent2"/>
+          </a:fillRef>
+          <a:effectRef idx="0">
+            <a:schemeClr val="accent2"/>
+          </a:effectRef>
+          <a:fontRef idx="minor">
+            <a:schemeClr val="lt1"/>
+          </a:fontRef>
+        </p:style>
+        <p:txBody>
+          <a:bodyPr rtlCol="0" anchor="ctr"/>
+          <a:lstStyle/>
+          <a:p>
+            <a:r>
+              <a:rPr lang="en-US" sz="900" dirty="0" smtClean="0">
+                <a:solidFill>
+                  <a:schemeClr val="tx1"/>
+                </a:solidFill>
+                <a:latin typeface="Times New Roman" pitchFamily="18" charset="0"/>
+                <a:cs typeface="Times New Roman" pitchFamily="18" charset="0"/>
+              </a:rPr>
+              <a:t>initial slack</a:t>
+            </a:r>
+            <a:endParaRPr lang="en-US" sz="900" dirty="0">
+              <a:solidFill>
+                <a:schemeClr val="tx1"/>
+              </a:solidFill>
+              <a:latin typeface="Times New Roman" pitchFamily="18" charset="0"/>
+              <a:cs typeface="Times New Roman" pitchFamily="18" charset="0"/>
+            </a:endParaRPr>
+          </a:p>
+        </p:txBody>
+      </p:sp>
+      <p:sp>
+        <p:nvSpPr>
+          <p:cNvPr id="56" name="Rectangle 55"/>
+          <p:cNvSpPr/>
+          <p:nvPr/>
+        </p:nvSpPr>
+        <p:spPr>
+          <a:xfrm>
+            <a:off x="1078854" y="65207"/>
+            <a:ext cx="775204" cy="200529"/>
+          </a:xfrm>
+          <a:prstGeom prst="rect">
+            <a:avLst/>
+          </a:prstGeom>
+          <a:noFill/>
+          <a:ln>
+            <a:noFill/>
+          </a:ln>
+        </p:spPr>
+        <p:style>
+          <a:lnRef idx="2">
+            <a:schemeClr val="accent2">
+              <a:shade val="50000"/>
+            </a:schemeClr>
+          </a:lnRef>
+          <a:fillRef idx="1">
+            <a:schemeClr val="accent2"/>
+          </a:fillRef>
+          <a:effectRef idx="0">
+            <a:schemeClr val="accent2"/>
+          </a:effectRef>
+          <a:fontRef idx="minor">
+            <a:schemeClr val="lt1"/>
+          </a:fontRef>
+        </p:style>
+        <p:txBody>
+          <a:bodyPr rtlCol="0" anchor="ctr"/>
+          <a:lstStyle/>
+          <a:p>
+            <a:pPr algn="ctr"/>
+            <a:r>
+              <a:rPr lang="en-US" sz="900" dirty="0" smtClean="0">
+                <a:solidFill>
+                  <a:schemeClr val="tx1"/>
+                </a:solidFill>
+                <a:latin typeface="Times New Roman" pitchFamily="18" charset="0"/>
+                <a:cs typeface="Times New Roman" pitchFamily="18" charset="0"/>
+              </a:rPr>
+              <a:t>monitoring overheads</a:t>
+            </a:r>
+            <a:endParaRPr lang="en-US" sz="900" dirty="0">
+              <a:solidFill>
+                <a:schemeClr val="tx1"/>
+              </a:solidFill>
+              <a:latin typeface="Times New Roman" pitchFamily="18" charset="0"/>
+              <a:cs typeface="Times New Roman" pitchFamily="18" charset="0"/>
+            </a:endParaRPr>
+          </a:p>
+        </p:txBody>
+      </p:sp>
+      <p:cxnSp>
+        <p:nvCxnSpPr>
+          <p:cNvPr id="67" name="Straight Arrow Connector 66"/>
+          <p:cNvCxnSpPr/>
+          <p:nvPr/>
+        </p:nvCxnSpPr>
+        <p:spPr>
+          <a:xfrm>
+            <a:off x="969576" y="522839"/>
+            <a:ext cx="190634" cy="198834"/>
+          </a:xfrm>
+          <a:prstGeom prst="straightConnector1">
+            <a:avLst/>
+          </a:prstGeom>
+          <a:ln w="19050">
+            <a:solidFill>
+              <a:srgbClr val="C00000"/>
+            </a:solidFill>
+            <a:headEnd w="sm" len="sm"/>
+            <a:tailEnd type="arrow" w="sm" len="sm"/>
+          </a:ln>
+        </p:spPr>
+        <p:style>
+          <a:lnRef idx="1">
+            <a:schemeClr val="accent1"/>
+          </a:lnRef>
+          <a:fillRef idx="0">
+            <a:schemeClr val="accent1"/>
+          </a:fillRef>
+          <a:effectRef idx="0">
+            <a:schemeClr val="accent1"/>
+          </a:effectRef>
+          <a:fontRef idx="minor">
+            <a:schemeClr val="tx1"/>
+          </a:fontRef>
+        </p:style>
+      </p:cxnSp>
+      <p:cxnSp>
+        <p:nvCxnSpPr>
+          <p:cNvPr id="69" name="Straight Arrow Connector 68"/>
+          <p:cNvCxnSpPr/>
+          <p:nvPr/>
+        </p:nvCxnSpPr>
+        <p:spPr>
+          <a:xfrm flipV="1">
+            <a:off x="1160210" y="592837"/>
+            <a:ext cx="345645" cy="128836"/>
+          </a:xfrm>
+          <a:prstGeom prst="straightConnector1">
+            <a:avLst/>
+          </a:prstGeom>
+          <a:ln w="19050">
+            <a:solidFill>
+              <a:srgbClr val="00B050"/>
+            </a:solidFill>
+            <a:headEnd w="sm" len="sm"/>
+            <a:tailEnd type="arrow" w="sm" len="sm"/>
+          </a:ln>
+        </p:spPr>
+        <p:style>
+          <a:lnRef idx="1">
+            <a:schemeClr val="accent1"/>
+          </a:lnRef>
+          <a:fillRef idx="0">
+            <a:schemeClr val="accent1"/>
+          </a:fillRef>
+          <a:effectRef idx="0">
+            <a:schemeClr val="accent1"/>
+          </a:effectRef>
+          <a:fontRef idx="minor">
+            <a:schemeClr val="tx1"/>
+          </a:fontRef>
+        </p:style>
+      </p:cxnSp>
+      <p:cxnSp>
+        <p:nvCxnSpPr>
+          <p:cNvPr id="71" name="Straight Arrow Connector 70"/>
+          <p:cNvCxnSpPr/>
+          <p:nvPr/>
+        </p:nvCxnSpPr>
+        <p:spPr>
+          <a:xfrm flipH="1">
+            <a:off x="1064894" y="314535"/>
+            <a:ext cx="210531" cy="272722"/>
+          </a:xfrm>
+          <a:prstGeom prst="straightConnector1">
+            <a:avLst/>
+          </a:prstGeom>
+          <a:ln w="19050">
+            <a:solidFill>
+              <a:schemeClr val="tx1"/>
+            </a:solidFill>
+            <a:headEnd w="sm" len="sm"/>
+            <a:tailEnd type="arrow" w="sm" len="sm"/>
+          </a:ln>
+        </p:spPr>
+        <p:style>
+          <a:lnRef idx="1">
+            <a:schemeClr val="accent1"/>
+          </a:lnRef>
+          <a:fillRef idx="0">
+            <a:schemeClr val="accent1"/>
+          </a:fillRef>
+          <a:effectRef idx="0">
+            <a:schemeClr val="accent1"/>
+          </a:effectRef>
+          <a:fontRef idx="minor">
+            <a:schemeClr val="tx1"/>
+          </a:fontRef>
+        </p:style>
+      </p:cxnSp>
+      <p:cxnSp>
+        <p:nvCxnSpPr>
+          <p:cNvPr id="74" name="Straight Arrow Connector 73"/>
+          <p:cNvCxnSpPr/>
+          <p:nvPr/>
+        </p:nvCxnSpPr>
+        <p:spPr>
+          <a:xfrm>
+            <a:off x="1625986" y="314325"/>
+            <a:ext cx="0" cy="342930"/>
+          </a:xfrm>
+          <a:prstGeom prst="straightConnector1">
+            <a:avLst/>
+          </a:prstGeom>
+          <a:ln w="19050">
+            <a:solidFill>
+              <a:schemeClr val="tx1"/>
+            </a:solidFill>
+            <a:headEnd w="sm" len="sm"/>
+            <a:tailEnd type="arrow" w="sm" len="sm"/>
+          </a:ln>
+        </p:spPr>
+        <p:style>
+          <a:lnRef idx="1">
+            <a:schemeClr val="accent1"/>
+          </a:lnRef>
+          <a:fillRef idx="0">
+            <a:schemeClr val="accent1"/>
+          </a:fillRef>
+          <a:effectRef idx="0">
+            <a:schemeClr val="accent1"/>
+          </a:effectRef>
+          <a:fontRef idx="minor">
+            <a:schemeClr val="tx1"/>
+          </a:fontRef>
+        </p:style>
+      </p:cxnSp>
+      <p:cxnSp>
+        <p:nvCxnSpPr>
+          <p:cNvPr id="14" name="Straight Arrow Connector 13"/>
+          <p:cNvCxnSpPr/>
+          <p:nvPr/>
+        </p:nvCxnSpPr>
+        <p:spPr>
+          <a:xfrm>
+            <a:off x="1505855" y="595299"/>
+            <a:ext cx="422455" cy="440627"/>
+          </a:xfrm>
+          <a:prstGeom prst="straightConnector1">
+            <a:avLst/>
+          </a:prstGeom>
+          <a:ln w="19050">
+            <a:solidFill>
+              <a:srgbClr val="C00000"/>
+            </a:solidFill>
+            <a:headEnd w="sm" len="sm"/>
+            <a:tailEnd type="arrow" w="sm" len="sm"/>
+          </a:ln>
+        </p:spPr>
+        <p:style>
+          <a:lnRef idx="1">
+            <a:schemeClr val="accent1"/>
+          </a:lnRef>
+          <a:fillRef idx="0">
+            <a:schemeClr val="accent1"/>
+          </a:fillRef>
+          <a:effectRef idx="0">
+            <a:schemeClr val="accent1"/>
+          </a:effectRef>
+          <a:fontRef idx="minor">
+            <a:schemeClr val="tx1"/>
+          </a:fontRef>
+        </p:style>
+      </p:cxnSp>
+      <p:cxnSp>
+        <p:nvCxnSpPr>
+          <p:cNvPr id="46" name="Straight Arrow Connector 45"/>
+          <p:cNvCxnSpPr/>
+          <p:nvPr/>
+        </p:nvCxnSpPr>
+        <p:spPr>
+          <a:xfrm flipV="1">
+            <a:off x="1928310" y="657197"/>
+            <a:ext cx="1016065" cy="378729"/>
+          </a:xfrm>
+          <a:prstGeom prst="straightConnector1">
+            <a:avLst/>
+          </a:prstGeom>
+          <a:ln w="19050">
+            <a:solidFill>
+              <a:srgbClr val="00B050"/>
+            </a:solidFill>
+            <a:headEnd w="sm" len="sm"/>
+            <a:tailEnd type="arrow" w="sm" len="sm"/>
+          </a:ln>
+        </p:spPr>
+        <p:style>
+          <a:lnRef idx="1">
+            <a:schemeClr val="accent1"/>
+          </a:lnRef>
+          <a:fillRef idx="0">
+            <a:schemeClr val="accent1"/>
+          </a:fillRef>
+          <a:effectRef idx="0">
+            <a:schemeClr val="accent1"/>
+          </a:effectRef>
+          <a:fontRef idx="minor">
+            <a:schemeClr val="tx1"/>
+          </a:fontRef>
+        </p:style>
+      </p:cxnSp>
+      <p:sp>
+        <p:nvSpPr>
+          <p:cNvPr id="25" name="Rectangle 24"/>
+          <p:cNvSpPr/>
+          <p:nvPr/>
+        </p:nvSpPr>
+        <p:spPr>
+          <a:xfrm>
+            <a:off x="808787" y="1074130"/>
+            <a:ext cx="743462" cy="200529"/>
+          </a:xfrm>
+          <a:prstGeom prst="rect">
+            <a:avLst/>
+          </a:prstGeom>
+          <a:noFill/>
+          <a:ln>
+            <a:noFill/>
+          </a:ln>
+        </p:spPr>
+        <p:style>
+          <a:lnRef idx="2">
+            <a:schemeClr val="accent2">
+              <a:shade val="50000"/>
+            </a:schemeClr>
+          </a:lnRef>
+          <a:fillRef idx="1">
+            <a:schemeClr val="accent2"/>
+          </a:fillRef>
+          <a:effectRef idx="0">
+            <a:schemeClr val="accent2"/>
+          </a:effectRef>
+          <a:fontRef idx="minor">
+            <a:schemeClr val="lt1"/>
+          </a:fontRef>
+        </p:style>
+        <p:txBody>
+          <a:bodyPr rtlCol="0" anchor="ctr"/>
+          <a:lstStyle/>
+          <a:p>
+            <a:pPr algn="ctr"/>
+            <a:r>
+              <a:rPr lang="en-US" sz="900" dirty="0" smtClean="0">
+                <a:solidFill>
+                  <a:schemeClr val="tx1"/>
+                </a:solidFill>
+                <a:latin typeface="Times New Roman" pitchFamily="18" charset="0"/>
+                <a:cs typeface="Times New Roman" pitchFamily="18" charset="0"/>
+              </a:rPr>
+              <a:t>perform monitoring</a:t>
+            </a:r>
+            <a:endParaRPr lang="en-US" sz="900" dirty="0">
+              <a:solidFill>
+                <a:schemeClr val="tx1"/>
+              </a:solidFill>
+              <a:latin typeface="Times New Roman" pitchFamily="18" charset="0"/>
+              <a:cs typeface="Times New Roman" pitchFamily="18" charset="0"/>
+            </a:endParaRPr>
+          </a:p>
+        </p:txBody>
+      </p:sp>
+      <p:sp>
+        <p:nvSpPr>
+          <p:cNvPr id="27" name="Rectangle 26"/>
+          <p:cNvSpPr/>
+          <p:nvPr/>
+        </p:nvSpPr>
+        <p:spPr>
+          <a:xfrm>
+            <a:off x="1713530" y="1074130"/>
+            <a:ext cx="729695" cy="200529"/>
+          </a:xfrm>
+          <a:prstGeom prst="rect">
+            <a:avLst/>
+          </a:prstGeom>
+          <a:noFill/>
+          <a:ln>
+            <a:noFill/>
+          </a:ln>
+        </p:spPr>
+        <p:style>
+          <a:lnRef idx="2">
+            <a:schemeClr val="accent2">
+              <a:shade val="50000"/>
+            </a:schemeClr>
+          </a:lnRef>
+          <a:fillRef idx="1">
+            <a:schemeClr val="accent2"/>
+          </a:fillRef>
+          <a:effectRef idx="0">
+            <a:schemeClr val="accent2"/>
+          </a:effectRef>
+          <a:fontRef idx="minor">
+            <a:schemeClr val="lt1"/>
+          </a:fontRef>
+        </p:style>
+        <p:txBody>
+          <a:bodyPr rtlCol="0" anchor="ctr"/>
+          <a:lstStyle/>
+          <a:p>
+            <a:pPr algn="ctr"/>
+            <a:r>
+              <a:rPr lang="en-US" sz="900" dirty="0" smtClean="0">
+                <a:solidFill>
+                  <a:schemeClr val="tx1"/>
+                </a:solidFill>
+                <a:latin typeface="Times New Roman" pitchFamily="18" charset="0"/>
+                <a:cs typeface="Times New Roman" pitchFamily="18" charset="0"/>
+              </a:rPr>
+              <a:t>drop monitoring</a:t>
+            </a:r>
+            <a:endParaRPr lang="en-US" sz="900" dirty="0">
+              <a:solidFill>
+                <a:schemeClr val="tx1"/>
+              </a:solidFill>
+              <a:latin typeface="Times New Roman" pitchFamily="18" charset="0"/>
+              <a:cs typeface="Times New Roman" pitchFamily="18" charset="0"/>
+            </a:endParaRPr>
+          </a:p>
+        </p:txBody>
+      </p:sp>
+      <p:sp>
+        <p:nvSpPr>
+          <p:cNvPr id="34" name="Rectangle 33"/>
+          <p:cNvSpPr/>
+          <p:nvPr/>
+        </p:nvSpPr>
+        <p:spPr>
+          <a:xfrm>
+            <a:off x="2392938" y="1074129"/>
+            <a:ext cx="743462" cy="200529"/>
+          </a:xfrm>
+          <a:prstGeom prst="rect">
+            <a:avLst/>
+          </a:prstGeom>
+          <a:noFill/>
+          <a:ln>
+            <a:noFill/>
+          </a:ln>
+        </p:spPr>
+        <p:style>
+          <a:lnRef idx="2">
+            <a:schemeClr val="accent2">
+              <a:shade val="50000"/>
+            </a:schemeClr>
+          </a:lnRef>
+          <a:fillRef idx="1">
+            <a:schemeClr val="accent2"/>
+          </a:fillRef>
+          <a:effectRef idx="0">
+            <a:schemeClr val="accent2"/>
+          </a:effectRef>
+          <a:fontRef idx="minor">
+            <a:schemeClr val="lt1"/>
+          </a:fontRef>
+        </p:style>
+        <p:txBody>
+          <a:bodyPr rtlCol="0" anchor="ctr"/>
+          <a:lstStyle/>
+          <a:p>
+            <a:pPr algn="ctr"/>
+            <a:r>
+              <a:rPr lang="en-US" sz="900" dirty="0" smtClean="0">
+                <a:solidFill>
+                  <a:schemeClr val="tx1"/>
+                </a:solidFill>
+                <a:latin typeface="Times New Roman" pitchFamily="18" charset="0"/>
+                <a:cs typeface="Times New Roman" pitchFamily="18" charset="0"/>
+              </a:rPr>
+              <a:t>perform monitoring</a:t>
+            </a:r>
+            <a:endParaRPr lang="en-US" sz="900" dirty="0">
+              <a:solidFill>
+                <a:schemeClr val="tx1"/>
+              </a:solidFill>
+              <a:latin typeface="Times New Roman" pitchFamily="18" charset="0"/>
+              <a:cs typeface="Times New Roman" pitchFamily="18" charset="0"/>
+            </a:endParaRPr>
+          </a:p>
+        </p:txBody>
+      </p:sp>
+    </p:spTree>
+    <p:extLst>
+      <p:ext uri="{BB962C8B-B14F-4D97-AF65-F5344CB8AC3E}">
+        <p14:creationId xmlns:p14="http://schemas.microsoft.com/office/powerpoint/2010/main" val="1614472030"/>
+      </p:ext>
+    </p:extLst>
+  </p:cSld>
+  <p:clrMapOvr>
+    <a:masterClrMapping/>
+  </p:clrMapOvr>
+</p:sld>
+</file>
+
+<file path=ppt/slides/slide11.xml><?xml version="1.0" encoding="utf-8"?>
+<p:sld xmlns:a="http://schemas.openxmlformats.org/drawingml/2006/main" xmlns:r="http://schemas.openxmlformats.org/officeDocument/2006/relationships" xmlns:p="http://schemas.openxmlformats.org/presentationml/2006/main">
+  <p:cSld>
+    <p:spTree>
+      <p:nvGrpSpPr>
+        <p:cNvPr id="1" name=""/>
+        <p:cNvGrpSpPr/>
+        <p:nvPr/>
+      </p:nvGrpSpPr>
+      <p:grpSpPr>
+        <a:xfrm>
+          <a:off x="0" y="0"/>
+          <a:ext cx="0" cy="0"/>
+          <a:chOff x="0" y="0"/>
+          <a:chExt cx="0" cy="0"/>
+        </a:xfrm>
+      </p:grpSpPr>
+      <p:sp>
+        <p:nvSpPr>
+          <p:cNvPr id="58" name="TextBox 57"/>
+          <p:cNvSpPr txBox="1"/>
+          <p:nvPr/>
+        </p:nvSpPr>
+        <p:spPr>
+          <a:xfrm>
+            <a:off x="1219126" y="186452"/>
+            <a:ext cx="342669" cy="230832"/>
+          </a:xfrm>
+          <a:prstGeom prst="rect">
+            <a:avLst/>
+          </a:prstGeom>
+          <a:noFill/>
+          <a:ln w="12700">
+            <a:noFill/>
+          </a:ln>
+        </p:spPr>
+        <p:txBody>
+          <a:bodyPr wrap="square" rtlCol="0">
+            <a:spAutoFit/>
+          </a:bodyPr>
+          <a:lstStyle/>
+          <a:p>
+            <a:r>
+              <a:rPr lang="en-US" sz="900" dirty="0" err="1" smtClean="0">
+                <a:latin typeface="Times New Roman" pitchFamily="18" charset="0"/>
+                <a:cs typeface="Times New Roman" pitchFamily="18" charset="0"/>
+              </a:rPr>
+              <a:t>clk</a:t>
+            </a:r>
+            <a:endParaRPr lang="en-US" sz="900" dirty="0">
+              <a:latin typeface="Times New Roman" pitchFamily="18" charset="0"/>
+              <a:cs typeface="Times New Roman" pitchFamily="18" charset="0"/>
+            </a:endParaRPr>
+          </a:p>
+        </p:txBody>
+      </p:sp>
+      <p:sp>
+        <p:nvSpPr>
+          <p:cNvPr id="60" name="TextBox 59"/>
+          <p:cNvSpPr txBox="1"/>
+          <p:nvPr/>
+        </p:nvSpPr>
+        <p:spPr>
+          <a:xfrm>
+            <a:off x="102405" y="-67464"/>
+            <a:ext cx="750409" cy="369332"/>
+          </a:xfrm>
+          <a:prstGeom prst="rect">
+            <a:avLst/>
+          </a:prstGeom>
+          <a:noFill/>
+          <a:ln w="12700">
+            <a:noFill/>
+          </a:ln>
+        </p:spPr>
+        <p:txBody>
+          <a:bodyPr wrap="square" rtlCol="0">
+            <a:spAutoFit/>
+          </a:bodyPr>
+          <a:lstStyle/>
+          <a:p>
+            <a:pPr algn="ctr"/>
+            <a:r>
+              <a:rPr lang="en-US" sz="900" dirty="0" smtClean="0">
+                <a:latin typeface="Times New Roman" pitchFamily="18" charset="0"/>
+                <a:cs typeface="Times New Roman" pitchFamily="18" charset="0"/>
+              </a:rPr>
+              <a:t>overhead budget (%)</a:t>
+            </a:r>
+            <a:endParaRPr lang="en-US" sz="900" dirty="0">
+              <a:latin typeface="Times New Roman" pitchFamily="18" charset="0"/>
+              <a:cs typeface="Times New Roman" pitchFamily="18" charset="0"/>
+            </a:endParaRPr>
+          </a:p>
+        </p:txBody>
+      </p:sp>
+      <p:sp>
+        <p:nvSpPr>
+          <p:cNvPr id="53" name="Rectangle 52"/>
+          <p:cNvSpPr/>
+          <p:nvPr/>
+        </p:nvSpPr>
+        <p:spPr>
+          <a:xfrm>
+            <a:off x="1946307" y="50623"/>
+            <a:ext cx="596185" cy="317208"/>
+          </a:xfrm>
+          <a:prstGeom prst="rect">
+            <a:avLst/>
+          </a:prstGeom>
+          <a:solidFill>
+            <a:srgbClr val="FFFFCC"/>
+          </a:solidFill>
+          <a:ln w="12700">
+            <a:solidFill>
+              <a:schemeClr val="tx1"/>
+            </a:solidFill>
+          </a:ln>
+        </p:spPr>
+        <p:style>
+          <a:lnRef idx="2">
+            <a:schemeClr val="accent1">
+              <a:shade val="50000"/>
+            </a:schemeClr>
+          </a:lnRef>
+          <a:fillRef idx="1">
+            <a:schemeClr val="accent1"/>
+          </a:fillRef>
+          <a:effectRef idx="0">
+            <a:schemeClr val="accent1"/>
+          </a:effectRef>
+          <a:fontRef idx="minor">
+            <a:schemeClr val="lt1"/>
+          </a:fontRef>
+        </p:style>
+        <p:txBody>
+          <a:bodyPr rtlCol="0" anchor="ctr"/>
+          <a:lstStyle/>
+          <a:p>
+            <a:pPr algn="ctr"/>
+            <a:r>
+              <a:rPr lang="en-US" sz="900" dirty="0" smtClean="0">
+                <a:solidFill>
+                  <a:schemeClr val="tx1"/>
+                </a:solidFill>
+                <a:latin typeface="Times New Roman" pitchFamily="18" charset="0"/>
+                <a:cs typeface="Times New Roman" pitchFamily="18" charset="0"/>
+              </a:rPr>
+              <a:t>Slack Counter</a:t>
+            </a:r>
+            <a:endParaRPr lang="en-US" sz="900" dirty="0">
+              <a:solidFill>
+                <a:schemeClr val="tx1"/>
+              </a:solidFill>
+              <a:latin typeface="Times New Roman" pitchFamily="18" charset="0"/>
+              <a:cs typeface="Times New Roman" pitchFamily="18" charset="0"/>
+            </a:endParaRPr>
+          </a:p>
+        </p:txBody>
+      </p:sp>
+      <p:cxnSp>
+        <p:nvCxnSpPr>
+          <p:cNvPr id="65" name="Straight Arrow Connector 64"/>
+          <p:cNvCxnSpPr/>
+          <p:nvPr/>
+        </p:nvCxnSpPr>
+        <p:spPr>
+          <a:xfrm flipV="1">
+            <a:off x="2244399" y="367832"/>
+            <a:ext cx="0" cy="164133"/>
+          </a:xfrm>
+          <a:prstGeom prst="straightConnector1">
+            <a:avLst/>
+          </a:prstGeom>
+          <a:ln w="19050">
+            <a:solidFill>
+              <a:schemeClr val="tx1"/>
+            </a:solidFill>
+            <a:headEnd w="sm" len="sm"/>
+            <a:tailEnd type="arrow" w="sm" len="sm"/>
+          </a:ln>
+        </p:spPr>
+        <p:style>
+          <a:lnRef idx="1">
+            <a:schemeClr val="accent1"/>
+          </a:lnRef>
+          <a:fillRef idx="0">
+            <a:schemeClr val="accent1"/>
+          </a:fillRef>
+          <a:effectRef idx="0">
+            <a:schemeClr val="accent1"/>
+          </a:effectRef>
+          <a:fontRef idx="minor">
+            <a:schemeClr val="tx1"/>
+          </a:fontRef>
+        </p:style>
+      </p:cxnSp>
+      <p:sp>
+        <p:nvSpPr>
+          <p:cNvPr id="67" name="TextBox 66"/>
+          <p:cNvSpPr txBox="1"/>
+          <p:nvPr/>
+        </p:nvSpPr>
+        <p:spPr>
+          <a:xfrm>
+            <a:off x="1987927" y="494905"/>
+            <a:ext cx="512943" cy="230832"/>
+          </a:xfrm>
+          <a:prstGeom prst="rect">
+            <a:avLst/>
+          </a:prstGeom>
+          <a:noFill/>
+          <a:ln w="12700">
+            <a:noFill/>
+          </a:ln>
+        </p:spPr>
+        <p:txBody>
+          <a:bodyPr wrap="square" rtlCol="0">
+            <a:spAutoFit/>
+          </a:bodyPr>
+          <a:lstStyle/>
+          <a:p>
+            <a:pPr algn="ctr"/>
+            <a:r>
+              <a:rPr lang="en-US" sz="900" dirty="0" smtClean="0">
+                <a:latin typeface="Times New Roman" pitchFamily="18" charset="0"/>
+                <a:cs typeface="Times New Roman" pitchFamily="18" charset="0"/>
+              </a:rPr>
+              <a:t>stall</a:t>
+            </a:r>
+            <a:endParaRPr lang="en-US" sz="900" dirty="0">
+              <a:latin typeface="Times New Roman" pitchFamily="18" charset="0"/>
+              <a:cs typeface="Times New Roman" pitchFamily="18" charset="0"/>
+            </a:endParaRPr>
+          </a:p>
+        </p:txBody>
+      </p:sp>
+      <p:sp>
+        <p:nvSpPr>
+          <p:cNvPr id="75" name="TextBox 74"/>
+          <p:cNvSpPr txBox="1"/>
+          <p:nvPr/>
+        </p:nvSpPr>
+        <p:spPr>
+          <a:xfrm>
+            <a:off x="2546647" y="797"/>
+            <a:ext cx="512943" cy="230832"/>
+          </a:xfrm>
+          <a:prstGeom prst="rect">
+            <a:avLst/>
+          </a:prstGeom>
+          <a:noFill/>
+          <a:ln w="12700">
+            <a:noFill/>
+          </a:ln>
+        </p:spPr>
+        <p:txBody>
+          <a:bodyPr wrap="square" rtlCol="0">
+            <a:spAutoFit/>
+          </a:bodyPr>
+          <a:lstStyle/>
+          <a:p>
+            <a:r>
+              <a:rPr lang="en-US" sz="900" dirty="0" smtClean="0">
+                <a:latin typeface="Times New Roman" pitchFamily="18" charset="0"/>
+                <a:cs typeface="Times New Roman" pitchFamily="18" charset="0"/>
+              </a:rPr>
+              <a:t>slack</a:t>
+            </a:r>
+            <a:endParaRPr lang="en-US" sz="900" dirty="0">
+              <a:latin typeface="Times New Roman" pitchFamily="18" charset="0"/>
+              <a:cs typeface="Times New Roman" pitchFamily="18" charset="0"/>
+            </a:endParaRPr>
+          </a:p>
+        </p:txBody>
+      </p:sp>
+      <p:cxnSp>
+        <p:nvCxnSpPr>
+          <p:cNvPr id="23" name="Straight Arrow Connector 22"/>
+          <p:cNvCxnSpPr/>
+          <p:nvPr/>
+        </p:nvCxnSpPr>
+        <p:spPr>
+          <a:xfrm>
+            <a:off x="755290" y="116213"/>
+            <a:ext cx="327954" cy="0"/>
+          </a:xfrm>
+          <a:prstGeom prst="straightConnector1">
+            <a:avLst/>
+          </a:prstGeom>
+          <a:ln w="19050">
+            <a:solidFill>
+              <a:schemeClr val="tx1"/>
+            </a:solidFill>
+            <a:headEnd w="sm" len="sm"/>
+            <a:tailEnd type="arrow" w="sm" len="sm"/>
+          </a:ln>
+        </p:spPr>
+        <p:style>
+          <a:lnRef idx="1">
+            <a:schemeClr val="accent1"/>
+          </a:lnRef>
+          <a:fillRef idx="0">
+            <a:schemeClr val="accent1"/>
+          </a:fillRef>
+          <a:effectRef idx="0">
+            <a:schemeClr val="accent1"/>
+          </a:effectRef>
+          <a:fontRef idx="minor">
+            <a:schemeClr val="tx1"/>
+          </a:fontRef>
+        </p:style>
+      </p:cxnSp>
+      <p:sp>
+        <p:nvSpPr>
+          <p:cNvPr id="16" name="Rectangle 15"/>
+          <p:cNvSpPr/>
+          <p:nvPr/>
+        </p:nvSpPr>
+        <p:spPr>
+          <a:xfrm>
+            <a:off x="1083244" y="45901"/>
+            <a:ext cx="401741" cy="140624"/>
+          </a:xfrm>
+          <a:prstGeom prst="rect">
+            <a:avLst/>
+          </a:prstGeom>
+          <a:solidFill>
+            <a:srgbClr val="FFFFCC"/>
+          </a:solidFill>
+          <a:ln w="12700">
+            <a:solidFill>
+              <a:schemeClr val="tx1"/>
+            </a:solidFill>
+          </a:ln>
+        </p:spPr>
+        <p:style>
+          <a:lnRef idx="2">
+            <a:schemeClr val="accent1">
+              <a:shade val="50000"/>
+            </a:schemeClr>
+          </a:lnRef>
+          <a:fillRef idx="1">
+            <a:schemeClr val="accent1"/>
+          </a:fillRef>
+          <a:effectRef idx="0">
+            <a:schemeClr val="accent1"/>
+          </a:effectRef>
+          <a:fontRef idx="minor">
+            <a:schemeClr val="lt1"/>
+          </a:fontRef>
+        </p:style>
+        <p:txBody>
+          <a:bodyPr rtlCol="0" anchor="ctr"/>
+          <a:lstStyle/>
+          <a:p>
+            <a:pPr algn="ctr"/>
+            <a:r>
+              <a:rPr lang="en-US" sz="900" dirty="0" smtClean="0">
+                <a:solidFill>
+                  <a:schemeClr val="tx1"/>
+                </a:solidFill>
+                <a:latin typeface="Times New Roman" pitchFamily="18" charset="0"/>
+                <a:cs typeface="Times New Roman" pitchFamily="18" charset="0"/>
+              </a:rPr>
+              <a:t>1/x</a:t>
+            </a:r>
+            <a:endParaRPr lang="en-US" sz="900" dirty="0">
+              <a:solidFill>
+                <a:schemeClr val="tx1"/>
+              </a:solidFill>
+              <a:latin typeface="Times New Roman" pitchFamily="18" charset="0"/>
+              <a:cs typeface="Times New Roman" pitchFamily="18" charset="0"/>
+            </a:endParaRPr>
+          </a:p>
+        </p:txBody>
+      </p:sp>
+      <p:sp>
+        <p:nvSpPr>
+          <p:cNvPr id="21" name="TextBox 20"/>
+          <p:cNvSpPr txBox="1"/>
+          <p:nvPr/>
+        </p:nvSpPr>
+        <p:spPr>
+          <a:xfrm>
+            <a:off x="1561795" y="-69515"/>
+            <a:ext cx="270055" cy="230832"/>
+          </a:xfrm>
+          <a:prstGeom prst="rect">
+            <a:avLst/>
+          </a:prstGeom>
+          <a:noFill/>
+          <a:ln w="12700">
+            <a:noFill/>
+          </a:ln>
+        </p:spPr>
+        <p:txBody>
+          <a:bodyPr wrap="square" rtlCol="0">
+            <a:spAutoFit/>
+          </a:bodyPr>
+          <a:lstStyle/>
+          <a:p>
+            <a:r>
+              <a:rPr lang="en-US" sz="900" dirty="0" smtClean="0">
+                <a:latin typeface="Times New Roman" pitchFamily="18" charset="0"/>
+                <a:cs typeface="Times New Roman" pitchFamily="18" charset="0"/>
+              </a:rPr>
+              <a:t>k</a:t>
+            </a:r>
+            <a:endParaRPr lang="en-US" sz="900" dirty="0">
+              <a:latin typeface="Times New Roman" pitchFamily="18" charset="0"/>
+              <a:cs typeface="Times New Roman" pitchFamily="18" charset="0"/>
+            </a:endParaRPr>
+          </a:p>
+        </p:txBody>
+      </p:sp>
+      <p:cxnSp>
+        <p:nvCxnSpPr>
+          <p:cNvPr id="70" name="Straight Arrow Connector 69"/>
+          <p:cNvCxnSpPr/>
+          <p:nvPr/>
+        </p:nvCxnSpPr>
+        <p:spPr>
+          <a:xfrm>
+            <a:off x="2542492" y="189399"/>
+            <a:ext cx="454958" cy="0"/>
+          </a:xfrm>
+          <a:prstGeom prst="straightConnector1">
+            <a:avLst/>
+          </a:prstGeom>
+          <a:ln w="19050">
+            <a:solidFill>
+              <a:schemeClr val="tx1"/>
+            </a:solidFill>
+            <a:headEnd w="sm" len="sm"/>
+            <a:tailEnd type="arrow" w="sm" len="sm"/>
+          </a:ln>
+        </p:spPr>
+        <p:style>
+          <a:lnRef idx="1">
+            <a:schemeClr val="accent1"/>
+          </a:lnRef>
+          <a:fillRef idx="0">
+            <a:schemeClr val="accent1"/>
+          </a:fillRef>
+          <a:effectRef idx="0">
+            <a:schemeClr val="accent1"/>
+          </a:effectRef>
+          <a:fontRef idx="minor">
+            <a:schemeClr val="tx1"/>
+          </a:fontRef>
+        </p:style>
+      </p:cxnSp>
+      <p:cxnSp>
+        <p:nvCxnSpPr>
+          <p:cNvPr id="24" name="Straight Arrow Connector 23"/>
+          <p:cNvCxnSpPr/>
+          <p:nvPr/>
+        </p:nvCxnSpPr>
+        <p:spPr>
+          <a:xfrm>
+            <a:off x="1484986" y="116213"/>
+            <a:ext cx="461321" cy="0"/>
+          </a:xfrm>
+          <a:prstGeom prst="straightConnector1">
+            <a:avLst/>
+          </a:prstGeom>
+          <a:ln w="19050">
+            <a:solidFill>
+              <a:schemeClr val="tx1"/>
+            </a:solidFill>
+            <a:headEnd w="sm" len="sm"/>
+            <a:tailEnd type="arrow" w="sm" len="sm"/>
+          </a:ln>
+        </p:spPr>
+        <p:style>
+          <a:lnRef idx="1">
+            <a:schemeClr val="accent1"/>
+          </a:lnRef>
+          <a:fillRef idx="0">
+            <a:schemeClr val="accent1"/>
+          </a:fillRef>
+          <a:effectRef idx="0">
+            <a:schemeClr val="accent1"/>
+          </a:effectRef>
+          <a:fontRef idx="minor">
+            <a:schemeClr val="tx1"/>
+          </a:fontRef>
+        </p:style>
+      </p:cxnSp>
+      <p:cxnSp>
+        <p:nvCxnSpPr>
+          <p:cNvPr id="25" name="Straight Arrow Connector 24"/>
+          <p:cNvCxnSpPr/>
+          <p:nvPr/>
+        </p:nvCxnSpPr>
+        <p:spPr>
+          <a:xfrm>
+            <a:off x="1484985" y="301868"/>
+            <a:ext cx="461321" cy="0"/>
+          </a:xfrm>
+          <a:prstGeom prst="straightConnector1">
+            <a:avLst/>
+          </a:prstGeom>
+          <a:ln w="19050">
+            <a:solidFill>
+              <a:schemeClr val="tx1"/>
+            </a:solidFill>
+            <a:headEnd w="sm" len="sm"/>
+            <a:tailEnd type="arrow" w="sm" len="sm"/>
+          </a:ln>
+        </p:spPr>
+        <p:style>
+          <a:lnRef idx="1">
+            <a:schemeClr val="accent1"/>
+          </a:lnRef>
+          <a:fillRef idx="0">
+            <a:schemeClr val="accent1"/>
+          </a:fillRef>
+          <a:effectRef idx="0">
+            <a:schemeClr val="accent1"/>
+          </a:effectRef>
+          <a:fontRef idx="minor">
+            <a:schemeClr val="tx1"/>
+          </a:fontRef>
+        </p:style>
+      </p:cxnSp>
+    </p:spTree>
+    <p:extLst>
+      <p:ext uri="{BB962C8B-B14F-4D97-AF65-F5344CB8AC3E}">
+        <p14:creationId xmlns:p14="http://schemas.microsoft.com/office/powerpoint/2010/main" val="1210843306"/>
+      </p:ext>
+    </p:extLst>
+  </p:cSld>
+  <p:clrMapOvr>
+    <a:masterClrMapping/>
+  </p:clrMapOvr>
+</p:sld>
+</file>
+
+<file path=ppt/slides/slide12.xml><?xml version="1.0" encoding="utf-8"?>
+<p:sld xmlns:a="http://schemas.openxmlformats.org/drawingml/2006/main" xmlns:r="http://schemas.openxmlformats.org/officeDocument/2006/relationships" xmlns:p="http://schemas.openxmlformats.org/presentationml/2006/main">
+  <p:cSld>
+    <p:spTree>
+      <p:nvGrpSpPr>
+        <p:cNvPr id="1" name=""/>
+        <p:cNvGrpSpPr/>
+        <p:nvPr/>
+      </p:nvGrpSpPr>
+      <p:grpSpPr>
+        <a:xfrm>
+          <a:off x="0" y="0"/>
+          <a:ext cx="0" cy="0"/>
+          <a:chOff x="0" y="0"/>
+          <a:chExt cx="0" cy="0"/>
+        </a:xfrm>
+      </p:grpSpPr>
+      <p:sp>
+        <p:nvSpPr>
+          <p:cNvPr id="48" name="Rectangle 47"/>
+          <p:cNvSpPr/>
+          <p:nvPr/>
+        </p:nvSpPr>
+        <p:spPr>
+          <a:xfrm>
+            <a:off x="485876" y="218675"/>
+            <a:ext cx="1114324" cy="902365"/>
+          </a:xfrm>
+          <a:prstGeom prst="rect">
+            <a:avLst/>
+          </a:prstGeom>
+          <a:solidFill>
+            <a:schemeClr val="bg1">
+              <a:lumMod val="85000"/>
+            </a:schemeClr>
+          </a:solidFill>
+          <a:ln>
+            <a:noFill/>
+          </a:ln>
+        </p:spPr>
+        <p:style>
+          <a:lnRef idx="2">
+            <a:schemeClr val="accent1">
+              <a:shade val="50000"/>
+            </a:schemeClr>
+          </a:lnRef>
+          <a:fillRef idx="1">
+            <a:schemeClr val="accent1"/>
+          </a:fillRef>
+          <a:effectRef idx="0">
+            <a:schemeClr val="accent1"/>
+          </a:effectRef>
+          <a:fontRef idx="minor">
+            <a:schemeClr val="lt1"/>
+          </a:fontRef>
+        </p:style>
+        <p:txBody>
+          <a:bodyPr rtlCol="0" anchor="ctr"/>
+          <a:lstStyle/>
+          <a:p>
+            <a:pPr algn="ctr"/>
+            <a:endParaRPr lang="en-US"/>
+          </a:p>
+        </p:txBody>
+      </p:sp>
+      <p:cxnSp>
+        <p:nvCxnSpPr>
+          <p:cNvPr id="4" name="Straight Arrow Connector 3"/>
+          <p:cNvCxnSpPr/>
+          <p:nvPr/>
+        </p:nvCxnSpPr>
+        <p:spPr>
+          <a:xfrm flipV="1">
+            <a:off x="485876" y="45700"/>
+            <a:ext cx="0" cy="1167099"/>
+          </a:xfrm>
+          <a:prstGeom prst="straightConnector1">
+            <a:avLst/>
+          </a:prstGeom>
+          <a:ln w="19050">
+            <a:solidFill>
+              <a:schemeClr val="tx1"/>
+            </a:solidFill>
+            <a:headEnd w="sm" len="sm"/>
+            <a:tailEnd type="arrow" w="sm" len="sm"/>
+          </a:ln>
+        </p:spPr>
+        <p:style>
+          <a:lnRef idx="1">
+            <a:schemeClr val="accent1"/>
+          </a:lnRef>
+          <a:fillRef idx="0">
+            <a:schemeClr val="accent1"/>
+          </a:fillRef>
+          <a:effectRef idx="0">
+            <a:schemeClr val="accent1"/>
+          </a:effectRef>
+          <a:fontRef idx="minor">
+            <a:schemeClr val="tx1"/>
+          </a:fontRef>
+        </p:style>
+      </p:cxnSp>
+      <p:cxnSp>
+        <p:nvCxnSpPr>
+          <p:cNvPr id="6" name="Straight Arrow Connector 5"/>
+          <p:cNvCxnSpPr/>
+          <p:nvPr/>
+        </p:nvCxnSpPr>
+        <p:spPr>
+          <a:xfrm>
+            <a:off x="409645" y="1121039"/>
+            <a:ext cx="2588700" cy="0"/>
+          </a:xfrm>
+          <a:prstGeom prst="straightConnector1">
+            <a:avLst/>
+          </a:prstGeom>
+          <a:ln w="19050">
+            <a:solidFill>
+              <a:schemeClr val="tx1"/>
+            </a:solidFill>
+            <a:headEnd w="sm" len="sm"/>
+            <a:tailEnd type="arrow" w="sm" len="sm"/>
+          </a:ln>
+        </p:spPr>
+        <p:style>
+          <a:lnRef idx="1">
+            <a:schemeClr val="accent1"/>
+          </a:lnRef>
+          <a:fillRef idx="0">
+            <a:schemeClr val="accent1"/>
+          </a:fillRef>
+          <a:effectRef idx="0">
+            <a:schemeClr val="accent1"/>
+          </a:effectRef>
+          <a:fontRef idx="minor">
+            <a:schemeClr val="tx1"/>
+          </a:fontRef>
+        </p:style>
+      </p:cxnSp>
+      <p:sp>
+        <p:nvSpPr>
+          <p:cNvPr id="8" name="Rectangle 7"/>
+          <p:cNvSpPr/>
+          <p:nvPr/>
+        </p:nvSpPr>
+        <p:spPr>
+          <a:xfrm>
+            <a:off x="2368300" y="1106088"/>
+            <a:ext cx="678933" cy="200529"/>
+          </a:xfrm>
+          <a:prstGeom prst="rect">
+            <a:avLst/>
+          </a:prstGeom>
+          <a:noFill/>
+          <a:ln>
+            <a:noFill/>
+          </a:ln>
+        </p:spPr>
+        <p:style>
+          <a:lnRef idx="2">
+            <a:schemeClr val="accent2">
+              <a:shade val="50000"/>
+            </a:schemeClr>
+          </a:lnRef>
+          <a:fillRef idx="1">
+            <a:schemeClr val="accent2"/>
+          </a:fillRef>
+          <a:effectRef idx="0">
+            <a:schemeClr val="accent2"/>
+          </a:effectRef>
+          <a:fontRef idx="minor">
+            <a:schemeClr val="lt1"/>
+          </a:fontRef>
+        </p:style>
+        <p:txBody>
+          <a:bodyPr rtlCol="0" anchor="ctr"/>
+          <a:lstStyle/>
+          <a:p>
+            <a:r>
+              <a:rPr lang="en-US" sz="900" dirty="0" smtClean="0">
+                <a:solidFill>
+                  <a:schemeClr val="tx1"/>
+                </a:solidFill>
+                <a:latin typeface="Times New Roman" pitchFamily="18" charset="0"/>
+                <a:cs typeface="Times New Roman" pitchFamily="18" charset="0"/>
+              </a:rPr>
+              <a:t>overhead</a:t>
+            </a:r>
+            <a:endParaRPr lang="en-US" sz="900" dirty="0">
+              <a:solidFill>
+                <a:schemeClr val="tx1"/>
+              </a:solidFill>
+              <a:latin typeface="Times New Roman" pitchFamily="18" charset="0"/>
+              <a:cs typeface="Times New Roman" pitchFamily="18" charset="0"/>
+            </a:endParaRPr>
+          </a:p>
+        </p:txBody>
+      </p:sp>
+      <p:sp>
+        <p:nvSpPr>
+          <p:cNvPr id="9" name="Rectangle 8"/>
+          <p:cNvSpPr/>
+          <p:nvPr/>
+        </p:nvSpPr>
+        <p:spPr>
+          <a:xfrm rot="16200000">
+            <a:off x="66325" y="528985"/>
+            <a:ext cx="597840" cy="200529"/>
+          </a:xfrm>
+          <a:prstGeom prst="rect">
+            <a:avLst/>
+          </a:prstGeom>
+          <a:noFill/>
+          <a:ln>
+            <a:noFill/>
+          </a:ln>
+        </p:spPr>
+        <p:style>
+          <a:lnRef idx="2">
+            <a:schemeClr val="accent2">
+              <a:shade val="50000"/>
+            </a:schemeClr>
+          </a:lnRef>
+          <a:fillRef idx="1">
+            <a:schemeClr val="accent2"/>
+          </a:fillRef>
+          <a:effectRef idx="0">
+            <a:schemeClr val="accent2"/>
+          </a:effectRef>
+          <a:fontRef idx="minor">
+            <a:schemeClr val="lt1"/>
+          </a:fontRef>
+        </p:style>
+        <p:txBody>
+          <a:bodyPr rtlCol="0" anchor="ctr"/>
+          <a:lstStyle/>
+          <a:p>
+            <a:r>
+              <a:rPr lang="en-US" sz="900" dirty="0" smtClean="0">
+                <a:solidFill>
+                  <a:schemeClr val="tx1"/>
+                </a:solidFill>
+                <a:latin typeface="Times New Roman" pitchFamily="18" charset="0"/>
+                <a:cs typeface="Times New Roman" pitchFamily="18" charset="0"/>
+              </a:rPr>
+              <a:t>coverage</a:t>
+            </a:r>
+            <a:endParaRPr lang="en-US" sz="900" dirty="0">
+              <a:solidFill>
+                <a:schemeClr val="tx1"/>
+              </a:solidFill>
+              <a:latin typeface="Times New Roman" pitchFamily="18" charset="0"/>
+              <a:cs typeface="Times New Roman" pitchFamily="18" charset="0"/>
+            </a:endParaRPr>
+          </a:p>
+        </p:txBody>
+      </p:sp>
+      <p:sp>
+        <p:nvSpPr>
+          <p:cNvPr id="56" name="Rectangle 55"/>
+          <p:cNvSpPr/>
+          <p:nvPr/>
+        </p:nvSpPr>
+        <p:spPr>
+          <a:xfrm>
+            <a:off x="25595" y="122508"/>
+            <a:ext cx="482943" cy="200529"/>
+          </a:xfrm>
+          <a:prstGeom prst="rect">
+            <a:avLst/>
+          </a:prstGeom>
+          <a:noFill/>
+          <a:ln>
+            <a:noFill/>
+          </a:ln>
+        </p:spPr>
+        <p:style>
+          <a:lnRef idx="2">
+            <a:schemeClr val="accent2">
+              <a:shade val="50000"/>
+            </a:schemeClr>
+          </a:lnRef>
+          <a:fillRef idx="1">
+            <a:schemeClr val="accent2"/>
+          </a:fillRef>
+          <a:effectRef idx="0">
+            <a:schemeClr val="accent2"/>
+          </a:effectRef>
+          <a:fontRef idx="minor">
+            <a:schemeClr val="lt1"/>
+          </a:fontRef>
+        </p:style>
+        <p:txBody>
+          <a:bodyPr rtlCol="0" anchor="ctr"/>
+          <a:lstStyle/>
+          <a:p>
+            <a:pPr algn="ctr"/>
+            <a:r>
+              <a:rPr lang="en-US" sz="900" dirty="0" smtClean="0">
+                <a:solidFill>
+                  <a:schemeClr val="tx1"/>
+                </a:solidFill>
+                <a:latin typeface="Times New Roman" pitchFamily="18" charset="0"/>
+                <a:cs typeface="Times New Roman" pitchFamily="18" charset="0"/>
+              </a:rPr>
+              <a:t>100%</a:t>
+            </a:r>
+            <a:endParaRPr lang="en-US" sz="900" dirty="0">
+              <a:solidFill>
+                <a:schemeClr val="tx1"/>
+              </a:solidFill>
+              <a:latin typeface="Times New Roman" pitchFamily="18" charset="0"/>
+              <a:cs typeface="Times New Roman" pitchFamily="18" charset="0"/>
+            </a:endParaRPr>
+          </a:p>
+        </p:txBody>
+      </p:sp>
+      <p:sp>
+        <p:nvSpPr>
+          <p:cNvPr id="25" name="Rectangle 24"/>
+          <p:cNvSpPr/>
+          <p:nvPr/>
+        </p:nvSpPr>
+        <p:spPr>
+          <a:xfrm>
+            <a:off x="2176275" y="141304"/>
+            <a:ext cx="781868" cy="154742"/>
+          </a:xfrm>
+          <a:prstGeom prst="rect">
+            <a:avLst/>
+          </a:prstGeom>
+          <a:noFill/>
+          <a:ln>
+            <a:noFill/>
+          </a:ln>
+        </p:spPr>
+        <p:style>
+          <a:lnRef idx="2">
+            <a:schemeClr val="accent2">
+              <a:shade val="50000"/>
+            </a:schemeClr>
+          </a:lnRef>
+          <a:fillRef idx="1">
+            <a:schemeClr val="accent2"/>
+          </a:fillRef>
+          <a:effectRef idx="0">
+            <a:schemeClr val="accent2"/>
+          </a:effectRef>
+          <a:fontRef idx="minor">
+            <a:schemeClr val="lt1"/>
+          </a:fontRef>
+        </p:style>
+        <p:txBody>
+          <a:bodyPr rtlCol="0" anchor="ctr"/>
+          <a:lstStyle/>
+          <a:p>
+            <a:pPr algn="ctr"/>
+            <a:r>
+              <a:rPr lang="en-US" sz="900" dirty="0" smtClean="0">
+                <a:solidFill>
+                  <a:schemeClr val="tx1"/>
+                </a:solidFill>
+                <a:latin typeface="Times New Roman" pitchFamily="18" charset="0"/>
+                <a:cs typeface="Times New Roman" pitchFamily="18" charset="0"/>
+              </a:rPr>
+              <a:t>full monitoring</a:t>
+            </a:r>
+            <a:endParaRPr lang="en-US" sz="900" dirty="0">
+              <a:solidFill>
+                <a:schemeClr val="tx1"/>
+              </a:solidFill>
+              <a:latin typeface="Times New Roman" pitchFamily="18" charset="0"/>
+              <a:cs typeface="Times New Roman" pitchFamily="18" charset="0"/>
+            </a:endParaRPr>
+          </a:p>
+        </p:txBody>
+      </p:sp>
+      <p:cxnSp>
+        <p:nvCxnSpPr>
+          <p:cNvPr id="20" name="Straight Connector 19"/>
+          <p:cNvCxnSpPr/>
+          <p:nvPr/>
+        </p:nvCxnSpPr>
+        <p:spPr>
+          <a:xfrm flipH="1">
+            <a:off x="437932" y="222772"/>
+            <a:ext cx="95888" cy="1"/>
+          </a:xfrm>
+          <a:prstGeom prst="line">
+            <a:avLst/>
+          </a:prstGeom>
+          <a:ln w="19050">
+            <a:solidFill>
+              <a:schemeClr val="tx1"/>
+            </a:solidFill>
+          </a:ln>
+        </p:spPr>
+        <p:style>
+          <a:lnRef idx="1">
+            <a:schemeClr val="accent1"/>
+          </a:lnRef>
+          <a:fillRef idx="0">
+            <a:schemeClr val="accent1"/>
+          </a:fillRef>
+          <a:effectRef idx="0">
+            <a:schemeClr val="accent1"/>
+          </a:effectRef>
+          <a:fontRef idx="minor">
+            <a:schemeClr val="tx1"/>
+          </a:fontRef>
+        </p:style>
+      </p:cxnSp>
+      <p:sp>
+        <p:nvSpPr>
+          <p:cNvPr id="22" name="Rectangle 21"/>
+          <p:cNvSpPr/>
+          <p:nvPr/>
+        </p:nvSpPr>
+        <p:spPr>
+          <a:xfrm>
+            <a:off x="64000" y="1005824"/>
+            <a:ext cx="482943" cy="200529"/>
+          </a:xfrm>
+          <a:prstGeom prst="rect">
+            <a:avLst/>
+          </a:prstGeom>
+          <a:noFill/>
+          <a:ln>
+            <a:noFill/>
+          </a:ln>
+        </p:spPr>
+        <p:style>
+          <a:lnRef idx="2">
+            <a:schemeClr val="accent2">
+              <a:shade val="50000"/>
+            </a:schemeClr>
+          </a:lnRef>
+          <a:fillRef idx="1">
+            <a:schemeClr val="accent2"/>
+          </a:fillRef>
+          <a:effectRef idx="0">
+            <a:schemeClr val="accent2"/>
+          </a:effectRef>
+          <a:fontRef idx="minor">
+            <a:schemeClr val="lt1"/>
+          </a:fontRef>
+        </p:style>
+        <p:txBody>
+          <a:bodyPr rtlCol="0" anchor="ctr"/>
+          <a:lstStyle/>
+          <a:p>
+            <a:pPr algn="ctr"/>
+            <a:r>
+              <a:rPr lang="en-US" sz="900" dirty="0" smtClean="0">
+                <a:solidFill>
+                  <a:schemeClr val="tx1"/>
+                </a:solidFill>
+                <a:latin typeface="Times New Roman" pitchFamily="18" charset="0"/>
+                <a:cs typeface="Times New Roman" pitchFamily="18" charset="0"/>
+              </a:rPr>
+              <a:t>0%</a:t>
+            </a:r>
+            <a:endParaRPr lang="en-US" sz="900" dirty="0">
+              <a:solidFill>
+                <a:schemeClr val="tx1"/>
+              </a:solidFill>
+              <a:latin typeface="Times New Roman" pitchFamily="18" charset="0"/>
+              <a:cs typeface="Times New Roman" pitchFamily="18" charset="0"/>
+            </a:endParaRPr>
+          </a:p>
+        </p:txBody>
+      </p:sp>
+      <p:sp>
+        <p:nvSpPr>
+          <p:cNvPr id="36" name="Cross 35"/>
+          <p:cNvSpPr/>
+          <p:nvPr/>
+        </p:nvSpPr>
+        <p:spPr>
+          <a:xfrm rot="2691789">
+            <a:off x="2169391" y="165166"/>
+            <a:ext cx="115215" cy="115215"/>
+          </a:xfrm>
+          <a:prstGeom prst="plus">
+            <a:avLst>
+              <a:gd name="adj" fmla="val 50000"/>
+            </a:avLst>
+          </a:prstGeom>
+          <a:solidFill>
+            <a:schemeClr val="tx1"/>
+          </a:solidFill>
+          <a:ln>
+            <a:solidFill>
+              <a:schemeClr val="tx1"/>
+            </a:solidFill>
+          </a:ln>
+        </p:spPr>
+        <p:style>
+          <a:lnRef idx="2">
+            <a:schemeClr val="accent1">
+              <a:shade val="50000"/>
+            </a:schemeClr>
+          </a:lnRef>
+          <a:fillRef idx="1">
+            <a:schemeClr val="accent1"/>
+          </a:fillRef>
+          <a:effectRef idx="0">
+            <a:schemeClr val="accent1"/>
+          </a:effectRef>
+          <a:fontRef idx="minor">
+            <a:schemeClr val="lt1"/>
+          </a:fontRef>
+        </p:style>
+        <p:txBody>
+          <a:bodyPr rtlCol="0" anchor="ctr"/>
+          <a:lstStyle/>
+          <a:p>
+            <a:pPr algn="ctr"/>
+            <a:endParaRPr lang="en-US"/>
+          </a:p>
+        </p:txBody>
+      </p:sp>
+      <p:sp>
+        <p:nvSpPr>
+          <p:cNvPr id="43" name="Rectangle 42"/>
+          <p:cNvSpPr/>
+          <p:nvPr/>
+        </p:nvSpPr>
+        <p:spPr>
+          <a:xfrm>
+            <a:off x="1307712" y="-31110"/>
+            <a:ext cx="584976" cy="200529"/>
+          </a:xfrm>
+          <a:prstGeom prst="rect">
+            <a:avLst/>
+          </a:prstGeom>
+          <a:noFill/>
+          <a:ln>
+            <a:noFill/>
+          </a:ln>
+        </p:spPr>
+        <p:style>
+          <a:lnRef idx="2">
+            <a:schemeClr val="accent2">
+              <a:shade val="50000"/>
+            </a:schemeClr>
+          </a:lnRef>
+          <a:fillRef idx="1">
+            <a:schemeClr val="accent2"/>
+          </a:fillRef>
+          <a:effectRef idx="0">
+            <a:schemeClr val="accent2"/>
+          </a:effectRef>
+          <a:fontRef idx="minor">
+            <a:schemeClr val="lt1"/>
+          </a:fontRef>
+        </p:style>
+        <p:txBody>
+          <a:bodyPr rtlCol="0" anchor="ctr"/>
+          <a:lstStyle/>
+          <a:p>
+            <a:pPr algn="ctr"/>
+            <a:r>
+              <a:rPr lang="en-US" sz="900" dirty="0" smtClean="0">
+                <a:solidFill>
+                  <a:schemeClr val="tx1"/>
+                </a:solidFill>
+                <a:latin typeface="Times New Roman" pitchFamily="18" charset="0"/>
+                <a:cs typeface="Times New Roman" pitchFamily="18" charset="0"/>
+              </a:rPr>
+              <a:t>filtering</a:t>
+            </a:r>
+            <a:endParaRPr lang="en-US" sz="900" dirty="0">
+              <a:solidFill>
+                <a:schemeClr val="tx1"/>
+              </a:solidFill>
+              <a:latin typeface="Times New Roman" pitchFamily="18" charset="0"/>
+              <a:cs typeface="Times New Roman" pitchFamily="18" charset="0"/>
+            </a:endParaRPr>
+          </a:p>
+        </p:txBody>
+      </p:sp>
+      <p:sp>
+        <p:nvSpPr>
+          <p:cNvPr id="45" name="Cross 44"/>
+          <p:cNvSpPr/>
+          <p:nvPr/>
+        </p:nvSpPr>
+        <p:spPr>
+          <a:xfrm rot="2691789">
+            <a:off x="1542593" y="165166"/>
+            <a:ext cx="115215" cy="115215"/>
+          </a:xfrm>
+          <a:prstGeom prst="plus">
+            <a:avLst>
+              <a:gd name="adj" fmla="val 50000"/>
+            </a:avLst>
+          </a:prstGeom>
+          <a:solidFill>
+            <a:schemeClr val="tx1"/>
+          </a:solidFill>
+          <a:ln>
+            <a:solidFill>
+              <a:schemeClr val="tx1"/>
+            </a:solidFill>
+          </a:ln>
+        </p:spPr>
+        <p:style>
+          <a:lnRef idx="2">
+            <a:schemeClr val="accent1">
+              <a:shade val="50000"/>
+            </a:schemeClr>
+          </a:lnRef>
+          <a:fillRef idx="1">
+            <a:schemeClr val="accent1"/>
+          </a:fillRef>
+          <a:effectRef idx="0">
+            <a:schemeClr val="accent1"/>
+          </a:effectRef>
+          <a:fontRef idx="minor">
+            <a:schemeClr val="lt1"/>
+          </a:fontRef>
+        </p:style>
+        <p:txBody>
+          <a:bodyPr rtlCol="0" anchor="ctr"/>
+          <a:lstStyle/>
+          <a:p>
+            <a:pPr algn="ctr"/>
+            <a:endParaRPr lang="en-US"/>
+          </a:p>
+        </p:txBody>
+      </p:sp>
+      <p:cxnSp>
+        <p:nvCxnSpPr>
+          <p:cNvPr id="47" name="Straight Connector 46"/>
+          <p:cNvCxnSpPr>
+            <a:stCxn id="45" idx="2"/>
+          </p:cNvCxnSpPr>
+          <p:nvPr/>
+        </p:nvCxnSpPr>
+        <p:spPr>
+          <a:xfrm flipH="1">
+            <a:off x="485877" y="263606"/>
+            <a:ext cx="1073687" cy="857434"/>
+          </a:xfrm>
+          <a:prstGeom prst="line">
+            <a:avLst/>
+          </a:prstGeom>
+          <a:ln w="19050">
+            <a:solidFill>
+              <a:srgbClr val="FF0000"/>
+            </a:solidFill>
+            <a:prstDash val="solid"/>
+            <a:headEnd type="arrow" w="sm" len="sm"/>
+            <a:tailEnd type="arrow" w="sm" len="sm"/>
+          </a:ln>
+        </p:spPr>
+        <p:style>
+          <a:lnRef idx="1">
+            <a:schemeClr val="accent1"/>
+          </a:lnRef>
+          <a:fillRef idx="0">
+            <a:schemeClr val="accent1"/>
+          </a:fillRef>
+          <a:effectRef idx="0">
+            <a:schemeClr val="accent1"/>
+          </a:effectRef>
+          <a:fontRef idx="minor">
+            <a:schemeClr val="tx1"/>
+          </a:fontRef>
+        </p:style>
+      </p:cxnSp>
+      <p:cxnSp>
+        <p:nvCxnSpPr>
+          <p:cNvPr id="51" name="Straight Arrow Connector 50"/>
+          <p:cNvCxnSpPr/>
+          <p:nvPr/>
+        </p:nvCxnSpPr>
+        <p:spPr>
+          <a:xfrm flipH="1" flipV="1">
+            <a:off x="1649119" y="222773"/>
+            <a:ext cx="545330" cy="195"/>
+          </a:xfrm>
+          <a:prstGeom prst="straightConnector1">
+            <a:avLst/>
+          </a:prstGeom>
+          <a:ln w="19050">
+            <a:solidFill>
+              <a:schemeClr val="tx1"/>
+            </a:solidFill>
+            <a:prstDash val="dash"/>
+            <a:headEnd w="sm" len="sm"/>
+            <a:tailEnd type="arrow" w="sm" len="sm"/>
+          </a:ln>
+        </p:spPr>
+        <p:style>
+          <a:lnRef idx="1">
+            <a:schemeClr val="accent1"/>
+          </a:lnRef>
+          <a:fillRef idx="0">
+            <a:schemeClr val="accent1"/>
+          </a:fillRef>
+          <a:effectRef idx="0">
+            <a:schemeClr val="accent1"/>
+          </a:effectRef>
+          <a:fontRef idx="minor">
+            <a:schemeClr val="tx1"/>
+          </a:fontRef>
+        </p:style>
+      </p:cxnSp>
+      <p:sp>
+        <p:nvSpPr>
+          <p:cNvPr id="55" name="Rectangle 54"/>
+          <p:cNvSpPr/>
+          <p:nvPr/>
+        </p:nvSpPr>
+        <p:spPr>
+          <a:xfrm>
+            <a:off x="755290" y="766891"/>
+            <a:ext cx="743302" cy="200529"/>
+          </a:xfrm>
+          <a:prstGeom prst="rect">
+            <a:avLst/>
+          </a:prstGeom>
+          <a:noFill/>
+          <a:ln>
+            <a:noFill/>
+          </a:ln>
+        </p:spPr>
+        <p:style>
+          <a:lnRef idx="2">
+            <a:schemeClr val="accent2">
+              <a:shade val="50000"/>
+            </a:schemeClr>
+          </a:lnRef>
+          <a:fillRef idx="1">
+            <a:schemeClr val="accent2"/>
+          </a:fillRef>
+          <a:effectRef idx="0">
+            <a:schemeClr val="accent2"/>
+          </a:effectRef>
+          <a:fontRef idx="minor">
+            <a:schemeClr val="lt1"/>
+          </a:fontRef>
+        </p:style>
+        <p:txBody>
+          <a:bodyPr rtlCol="0" anchor="ctr"/>
+          <a:lstStyle/>
+          <a:p>
+            <a:pPr algn="ctr"/>
+            <a:r>
+              <a:rPr lang="en-US" sz="900" dirty="0">
+                <a:solidFill>
+                  <a:schemeClr val="tx1"/>
+                </a:solidFill>
+                <a:latin typeface="Times New Roman" pitchFamily="18" charset="0"/>
+                <a:cs typeface="Times New Roman" pitchFamily="18" charset="0"/>
+              </a:rPr>
+              <a:t>p</a:t>
+            </a:r>
+            <a:r>
+              <a:rPr lang="en-US" sz="900" dirty="0" smtClean="0">
+                <a:solidFill>
+                  <a:schemeClr val="tx1"/>
+                </a:solidFill>
+                <a:latin typeface="Times New Roman" pitchFamily="18" charset="0"/>
+                <a:cs typeface="Times New Roman" pitchFamily="18" charset="0"/>
+              </a:rPr>
+              <a:t>artial monitoring</a:t>
+            </a:r>
+            <a:endParaRPr lang="en-US" sz="900" dirty="0">
+              <a:solidFill>
+                <a:schemeClr val="tx1"/>
+              </a:solidFill>
+              <a:latin typeface="Times New Roman" pitchFamily="18" charset="0"/>
+              <a:cs typeface="Times New Roman" pitchFamily="18" charset="0"/>
+            </a:endParaRPr>
+          </a:p>
+        </p:txBody>
+      </p:sp>
+      <p:sp>
+        <p:nvSpPr>
+          <p:cNvPr id="59" name="Cross 58"/>
+          <p:cNvSpPr/>
+          <p:nvPr/>
+        </p:nvSpPr>
+        <p:spPr>
+          <a:xfrm rot="2691789">
+            <a:off x="971177" y="634716"/>
+            <a:ext cx="115215" cy="115215"/>
+          </a:xfrm>
+          <a:prstGeom prst="plus">
+            <a:avLst>
+              <a:gd name="adj" fmla="val 50000"/>
+            </a:avLst>
+          </a:prstGeom>
+          <a:solidFill>
+            <a:schemeClr val="tx1"/>
+          </a:solidFill>
+          <a:ln>
+            <a:solidFill>
+              <a:schemeClr val="tx1"/>
+            </a:solidFill>
+          </a:ln>
+        </p:spPr>
+        <p:style>
+          <a:lnRef idx="2">
+            <a:schemeClr val="accent1">
+              <a:shade val="50000"/>
+            </a:schemeClr>
+          </a:lnRef>
+          <a:fillRef idx="1">
+            <a:schemeClr val="accent1"/>
+          </a:fillRef>
+          <a:effectRef idx="0">
+            <a:schemeClr val="accent1"/>
+          </a:effectRef>
+          <a:fontRef idx="minor">
+            <a:schemeClr val="lt1"/>
+          </a:fontRef>
+        </p:style>
+        <p:txBody>
+          <a:bodyPr rtlCol="0" anchor="ctr"/>
+          <a:lstStyle/>
+          <a:p>
+            <a:pPr algn="ctr"/>
+            <a:endParaRPr lang="en-US"/>
+          </a:p>
+        </p:txBody>
+      </p:sp>
+    </p:spTree>
+    <p:extLst>
+      <p:ext uri="{BB962C8B-B14F-4D97-AF65-F5344CB8AC3E}">
+        <p14:creationId xmlns:p14="http://schemas.microsoft.com/office/powerpoint/2010/main" val="210971324"/>
+      </p:ext>
+    </p:extLst>
+  </p:cSld>
+  <p:clrMapOvr>
+    <a:masterClrMapping/>
+  </p:clrMapOvr>
+</p:sld>
+</file>
+
+<file path=ppt/slides/slide13.xml><?xml version="1.0" encoding="utf-8"?>
+<p:sld xmlns:a="http://schemas.openxmlformats.org/drawingml/2006/main" xmlns:r="http://schemas.openxmlformats.org/officeDocument/2006/relationships" xmlns:p="http://schemas.openxmlformats.org/presentationml/2006/main">
+  <p:cSld>
+    <p:spTree>
+      <p:nvGrpSpPr>
+        <p:cNvPr id="1" name=""/>
+        <p:cNvGrpSpPr/>
+        <p:nvPr/>
+      </p:nvGrpSpPr>
+      <p:grpSpPr>
+        <a:xfrm>
+          <a:off x="0" y="0"/>
+          <a:ext cx="0" cy="0"/>
+          <a:chOff x="0" y="0"/>
+          <a:chExt cx="0" cy="0"/>
+        </a:xfrm>
+      </p:grpSpPr>
+      <p:sp>
+        <p:nvSpPr>
+          <p:cNvPr id="17" name="Rectangle 16"/>
+          <p:cNvSpPr/>
+          <p:nvPr/>
+        </p:nvSpPr>
+        <p:spPr>
+          <a:xfrm>
+            <a:off x="25595" y="53775"/>
+            <a:ext cx="566328" cy="259674"/>
+          </a:xfrm>
+          <a:prstGeom prst="rect">
+            <a:avLst/>
+          </a:prstGeom>
+          <a:solidFill>
+            <a:srgbClr val="FFFFCC"/>
+          </a:solidFill>
+          <a:ln w="12700">
+            <a:solidFill>
+              <a:schemeClr val="tx1"/>
+            </a:solidFill>
+          </a:ln>
+        </p:spPr>
+        <p:style>
+          <a:lnRef idx="2">
+            <a:schemeClr val="accent1">
+              <a:shade val="50000"/>
+            </a:schemeClr>
+          </a:lnRef>
+          <a:fillRef idx="1">
+            <a:schemeClr val="accent1"/>
+          </a:fillRef>
+          <a:effectRef idx="0">
+            <a:schemeClr val="accent1"/>
+          </a:effectRef>
+          <a:fontRef idx="minor">
+            <a:schemeClr val="lt1"/>
+          </a:fontRef>
+        </p:style>
+        <p:txBody>
+          <a:bodyPr rtlCol="0" anchor="ctr"/>
+          <a:lstStyle/>
+          <a:p>
+            <a:pPr algn="ctr"/>
+            <a:r>
+              <a:rPr lang="en-US" sz="900" dirty="0" smtClean="0">
+                <a:solidFill>
+                  <a:schemeClr val="tx1"/>
+                </a:solidFill>
+                <a:latin typeface="Times New Roman" pitchFamily="18" charset="0"/>
+                <a:cs typeface="Times New Roman" pitchFamily="18" charset="0"/>
+              </a:rPr>
+              <a:t>FIFO</a:t>
+            </a:r>
+          </a:p>
+        </p:txBody>
+      </p:sp>
+      <p:sp>
+        <p:nvSpPr>
+          <p:cNvPr id="21" name="Rectangle 20"/>
+          <p:cNvSpPr/>
+          <p:nvPr/>
+        </p:nvSpPr>
+        <p:spPr>
+          <a:xfrm>
+            <a:off x="25594" y="516140"/>
+            <a:ext cx="566328" cy="307240"/>
+          </a:xfrm>
+          <a:prstGeom prst="rect">
+            <a:avLst/>
+          </a:prstGeom>
+          <a:solidFill>
+            <a:srgbClr val="FFFFCC"/>
+          </a:solidFill>
+          <a:ln w="12700">
+            <a:solidFill>
+              <a:schemeClr val="tx1"/>
+            </a:solidFill>
+          </a:ln>
+        </p:spPr>
+        <p:style>
+          <a:lnRef idx="2">
+            <a:schemeClr val="accent1">
+              <a:shade val="50000"/>
+            </a:schemeClr>
+          </a:lnRef>
+          <a:fillRef idx="1">
+            <a:schemeClr val="accent1"/>
+          </a:fillRef>
+          <a:effectRef idx="0">
+            <a:schemeClr val="accent1"/>
+          </a:effectRef>
+          <a:fontRef idx="minor">
+            <a:schemeClr val="lt1"/>
+          </a:fontRef>
+        </p:style>
+        <p:txBody>
+          <a:bodyPr rtlCol="0" anchor="ctr"/>
+          <a:lstStyle/>
+          <a:p>
+            <a:pPr algn="ctr"/>
+            <a:r>
+              <a:rPr lang="en-US" sz="900" dirty="0" err="1" smtClean="0">
+                <a:solidFill>
+                  <a:schemeClr val="tx1"/>
+                </a:solidFill>
+                <a:latin typeface="Times New Roman" pitchFamily="18" charset="0"/>
+                <a:cs typeface="Times New Roman" pitchFamily="18" charset="0"/>
+              </a:rPr>
+              <a:t>Config</a:t>
+            </a:r>
+            <a:r>
+              <a:rPr lang="en-US" sz="900" dirty="0" smtClean="0">
+                <a:solidFill>
+                  <a:schemeClr val="tx1"/>
+                </a:solidFill>
+                <a:latin typeface="Times New Roman" pitchFamily="18" charset="0"/>
+                <a:cs typeface="Times New Roman" pitchFamily="18" charset="0"/>
+              </a:rPr>
+              <a:t> Table</a:t>
+            </a:r>
+          </a:p>
+        </p:txBody>
+      </p:sp>
+      <p:cxnSp>
+        <p:nvCxnSpPr>
+          <p:cNvPr id="22" name="Straight Arrow Connector 21"/>
+          <p:cNvCxnSpPr>
+            <a:stCxn id="17" idx="2"/>
+            <a:endCxn id="21" idx="0"/>
+          </p:cNvCxnSpPr>
+          <p:nvPr/>
+        </p:nvCxnSpPr>
+        <p:spPr>
+          <a:xfrm flipH="1">
+            <a:off x="308758" y="313449"/>
+            <a:ext cx="1" cy="202691"/>
+          </a:xfrm>
+          <a:prstGeom prst="straightConnector1">
+            <a:avLst/>
+          </a:prstGeom>
+          <a:ln w="19050">
+            <a:solidFill>
+              <a:schemeClr val="tx1"/>
+            </a:solidFill>
+            <a:headEnd w="sm" len="sm"/>
+            <a:tailEnd type="arrow" w="sm" len="sm"/>
+          </a:ln>
+        </p:spPr>
+        <p:style>
+          <a:lnRef idx="1">
+            <a:schemeClr val="accent1"/>
+          </a:lnRef>
+          <a:fillRef idx="0">
+            <a:schemeClr val="accent1"/>
+          </a:fillRef>
+          <a:effectRef idx="0">
+            <a:schemeClr val="accent1"/>
+          </a:effectRef>
+          <a:fontRef idx="minor">
+            <a:schemeClr val="tx1"/>
+          </a:fontRef>
+        </p:style>
+      </p:cxnSp>
+      <p:sp>
+        <p:nvSpPr>
+          <p:cNvPr id="27" name="Rectangle 26"/>
+          <p:cNvSpPr/>
+          <p:nvPr/>
+        </p:nvSpPr>
+        <p:spPr>
+          <a:xfrm>
+            <a:off x="219688" y="294774"/>
+            <a:ext cx="689222" cy="211786"/>
+          </a:xfrm>
+          <a:prstGeom prst="rect">
+            <a:avLst/>
+          </a:prstGeom>
+          <a:noFill/>
+          <a:ln w="12700">
+            <a:noFill/>
+          </a:ln>
+        </p:spPr>
+        <p:style>
+          <a:lnRef idx="2">
+            <a:schemeClr val="accent1">
+              <a:shade val="50000"/>
+            </a:schemeClr>
+          </a:lnRef>
+          <a:fillRef idx="1">
+            <a:schemeClr val="accent1"/>
+          </a:fillRef>
+          <a:effectRef idx="0">
+            <a:schemeClr val="accent1"/>
+          </a:effectRef>
+          <a:fontRef idx="minor">
+            <a:schemeClr val="lt1"/>
+          </a:fontRef>
+        </p:style>
+        <p:txBody>
+          <a:bodyPr rtlCol="0" anchor="ctr"/>
+          <a:lstStyle/>
+          <a:p>
+            <a:pPr algn="ctr"/>
+            <a:r>
+              <a:rPr lang="en-US" sz="900" dirty="0" err="1" smtClean="0">
+                <a:solidFill>
+                  <a:schemeClr val="tx1"/>
+                </a:solidFill>
+                <a:latin typeface="Times New Roman" pitchFamily="18" charset="0"/>
+                <a:cs typeface="Times New Roman" pitchFamily="18" charset="0"/>
+              </a:rPr>
+              <a:t>inst</a:t>
+            </a:r>
+            <a:r>
+              <a:rPr lang="en-US" sz="900" dirty="0" smtClean="0">
+                <a:solidFill>
+                  <a:schemeClr val="tx1"/>
+                </a:solidFill>
+                <a:latin typeface="Times New Roman" pitchFamily="18" charset="0"/>
+                <a:cs typeface="Times New Roman" pitchFamily="18" charset="0"/>
+              </a:rPr>
+              <a:t> type</a:t>
+            </a:r>
+          </a:p>
+        </p:txBody>
+      </p:sp>
+      <p:sp>
+        <p:nvSpPr>
+          <p:cNvPr id="28" name="Rectangle 27"/>
+          <p:cNvSpPr/>
+          <p:nvPr/>
+        </p:nvSpPr>
+        <p:spPr>
+          <a:xfrm>
+            <a:off x="908910" y="53775"/>
+            <a:ext cx="691290" cy="529595"/>
+          </a:xfrm>
+          <a:prstGeom prst="rect">
+            <a:avLst/>
+          </a:prstGeom>
+          <a:solidFill>
+            <a:srgbClr val="FFFFCC"/>
+          </a:solidFill>
+          <a:ln w="12700">
+            <a:solidFill>
+              <a:schemeClr val="tx1"/>
+            </a:solidFill>
+          </a:ln>
+        </p:spPr>
+        <p:style>
+          <a:lnRef idx="2">
+            <a:schemeClr val="accent1">
+              <a:shade val="50000"/>
+            </a:schemeClr>
+          </a:lnRef>
+          <a:fillRef idx="1">
+            <a:schemeClr val="accent1"/>
+          </a:fillRef>
+          <a:effectRef idx="0">
+            <a:schemeClr val="accent1"/>
+          </a:effectRef>
+          <a:fontRef idx="minor">
+            <a:schemeClr val="lt1"/>
+          </a:fontRef>
+        </p:style>
+        <p:txBody>
+          <a:bodyPr rtlCol="0" anchor="ctr"/>
+          <a:lstStyle/>
+          <a:p>
+            <a:pPr algn="ctr"/>
+            <a:r>
+              <a:rPr lang="en-US" sz="900" dirty="0" smtClean="0">
+                <a:solidFill>
+                  <a:schemeClr val="tx1"/>
+                </a:solidFill>
+                <a:latin typeface="Times New Roman" pitchFamily="18" charset="0"/>
+                <a:cs typeface="Times New Roman" pitchFamily="18" charset="0"/>
+              </a:rPr>
+              <a:t>Address Generation Unit</a:t>
+            </a:r>
+          </a:p>
+        </p:txBody>
+      </p:sp>
+      <p:cxnSp>
+        <p:nvCxnSpPr>
+          <p:cNvPr id="34" name="Straight Arrow Connector 33"/>
+          <p:cNvCxnSpPr/>
+          <p:nvPr/>
+        </p:nvCxnSpPr>
+        <p:spPr>
+          <a:xfrm>
+            <a:off x="591923" y="124002"/>
+            <a:ext cx="316987" cy="0"/>
+          </a:xfrm>
+          <a:prstGeom prst="straightConnector1">
+            <a:avLst/>
+          </a:prstGeom>
+          <a:ln w="19050">
+            <a:solidFill>
+              <a:schemeClr val="tx1"/>
+            </a:solidFill>
+            <a:headEnd w="sm" len="sm"/>
+            <a:tailEnd type="arrow" w="sm" len="sm"/>
+          </a:ln>
+        </p:spPr>
+        <p:style>
+          <a:lnRef idx="1">
+            <a:schemeClr val="accent1"/>
+          </a:lnRef>
+          <a:fillRef idx="0">
+            <a:schemeClr val="accent1"/>
+          </a:fillRef>
+          <a:effectRef idx="0">
+            <a:schemeClr val="accent1"/>
+          </a:effectRef>
+          <a:fontRef idx="minor">
+            <a:schemeClr val="tx1"/>
+          </a:fontRef>
+        </p:style>
+      </p:cxnSp>
+      <p:sp>
+        <p:nvSpPr>
+          <p:cNvPr id="31" name="Rectangle 30"/>
+          <p:cNvSpPr/>
+          <p:nvPr/>
+        </p:nvSpPr>
+        <p:spPr>
+          <a:xfrm>
+            <a:off x="985720" y="130585"/>
+            <a:ext cx="691290" cy="529595"/>
+          </a:xfrm>
+          <a:prstGeom prst="rect">
+            <a:avLst/>
+          </a:prstGeom>
+          <a:solidFill>
+            <a:srgbClr val="FFFFCC"/>
+          </a:solidFill>
+          <a:ln w="12700">
+            <a:solidFill>
+              <a:schemeClr val="tx1"/>
+            </a:solidFill>
+          </a:ln>
+        </p:spPr>
+        <p:style>
+          <a:lnRef idx="2">
+            <a:schemeClr val="accent1">
+              <a:shade val="50000"/>
+            </a:schemeClr>
+          </a:lnRef>
+          <a:fillRef idx="1">
+            <a:schemeClr val="accent1"/>
+          </a:fillRef>
+          <a:effectRef idx="0">
+            <a:schemeClr val="accent1"/>
+          </a:effectRef>
+          <a:fontRef idx="minor">
+            <a:schemeClr val="lt1"/>
+          </a:fontRef>
+        </p:style>
+        <p:txBody>
+          <a:bodyPr rtlCol="0" anchor="ctr"/>
+          <a:lstStyle/>
+          <a:p>
+            <a:pPr algn="ctr"/>
+            <a:r>
+              <a:rPr lang="en-US" sz="900" dirty="0" smtClean="0">
+                <a:solidFill>
+                  <a:schemeClr val="tx1"/>
+                </a:solidFill>
+                <a:latin typeface="Times New Roman" pitchFamily="18" charset="0"/>
+                <a:cs typeface="Times New Roman" pitchFamily="18" charset="0"/>
+              </a:rPr>
+              <a:t>Address Generation Unit</a:t>
+            </a:r>
+          </a:p>
+        </p:txBody>
+      </p:sp>
+      <p:sp>
+        <p:nvSpPr>
+          <p:cNvPr id="33" name="Rectangle 32"/>
+          <p:cNvSpPr/>
+          <p:nvPr/>
+        </p:nvSpPr>
+        <p:spPr>
+          <a:xfrm>
+            <a:off x="1061310" y="207395"/>
+            <a:ext cx="691290" cy="529595"/>
+          </a:xfrm>
+          <a:prstGeom prst="rect">
+            <a:avLst/>
+          </a:prstGeom>
+          <a:solidFill>
+            <a:srgbClr val="FFFFCC"/>
+          </a:solidFill>
+          <a:ln w="12700">
+            <a:solidFill>
+              <a:schemeClr val="tx1"/>
+            </a:solidFill>
+          </a:ln>
+        </p:spPr>
+        <p:style>
+          <a:lnRef idx="2">
+            <a:schemeClr val="accent1">
+              <a:shade val="50000"/>
+            </a:schemeClr>
+          </a:lnRef>
+          <a:fillRef idx="1">
+            <a:schemeClr val="accent1"/>
+          </a:fillRef>
+          <a:effectRef idx="0">
+            <a:schemeClr val="accent1"/>
+          </a:effectRef>
+          <a:fontRef idx="minor">
+            <a:schemeClr val="lt1"/>
+          </a:fontRef>
+        </p:style>
+        <p:txBody>
+          <a:bodyPr rtlCol="0" anchor="ctr"/>
+          <a:lstStyle/>
+          <a:p>
+            <a:pPr algn="ctr"/>
+            <a:r>
+              <a:rPr lang="en-US" sz="900" dirty="0" smtClean="0">
+                <a:solidFill>
+                  <a:schemeClr val="tx1"/>
+                </a:solidFill>
+                <a:latin typeface="Times New Roman" pitchFamily="18" charset="0"/>
+                <a:cs typeface="Times New Roman" pitchFamily="18" charset="0"/>
+              </a:rPr>
+              <a:t>Address Generation Unit</a:t>
+            </a:r>
+          </a:p>
+        </p:txBody>
+      </p:sp>
+      <p:cxnSp>
+        <p:nvCxnSpPr>
+          <p:cNvPr id="40" name="Straight Arrow Connector 39"/>
+          <p:cNvCxnSpPr/>
+          <p:nvPr/>
+        </p:nvCxnSpPr>
+        <p:spPr>
+          <a:xfrm>
+            <a:off x="591923" y="183612"/>
+            <a:ext cx="393797" cy="0"/>
+          </a:xfrm>
+          <a:prstGeom prst="straightConnector1">
+            <a:avLst/>
+          </a:prstGeom>
+          <a:ln w="19050">
+            <a:solidFill>
+              <a:schemeClr val="tx1"/>
+            </a:solidFill>
+            <a:headEnd w="sm" len="sm"/>
+            <a:tailEnd type="arrow" w="sm" len="sm"/>
+          </a:ln>
+        </p:spPr>
+        <p:style>
+          <a:lnRef idx="1">
+            <a:schemeClr val="accent1"/>
+          </a:lnRef>
+          <a:fillRef idx="0">
+            <a:schemeClr val="accent1"/>
+          </a:fillRef>
+          <a:effectRef idx="0">
+            <a:schemeClr val="accent1"/>
+          </a:effectRef>
+          <a:fontRef idx="minor">
+            <a:schemeClr val="tx1"/>
+          </a:fontRef>
+        </p:style>
+      </p:cxnSp>
+      <p:cxnSp>
+        <p:nvCxnSpPr>
+          <p:cNvPr id="41" name="Straight Arrow Connector 40"/>
+          <p:cNvCxnSpPr/>
+          <p:nvPr/>
+        </p:nvCxnSpPr>
+        <p:spPr>
+          <a:xfrm>
+            <a:off x="591922" y="237725"/>
+            <a:ext cx="469388" cy="0"/>
+          </a:xfrm>
+          <a:prstGeom prst="straightConnector1">
+            <a:avLst/>
+          </a:prstGeom>
+          <a:ln w="19050">
+            <a:solidFill>
+              <a:schemeClr val="tx1"/>
+            </a:solidFill>
+            <a:headEnd w="sm" len="sm"/>
+            <a:tailEnd type="arrow" w="sm" len="sm"/>
+          </a:ln>
+        </p:spPr>
+        <p:style>
+          <a:lnRef idx="1">
+            <a:schemeClr val="accent1"/>
+          </a:lnRef>
+          <a:fillRef idx="0">
+            <a:schemeClr val="accent1"/>
+          </a:fillRef>
+          <a:effectRef idx="0">
+            <a:schemeClr val="accent1"/>
+          </a:effectRef>
+          <a:fontRef idx="minor">
+            <a:schemeClr val="tx1"/>
+          </a:fontRef>
+        </p:style>
+      </p:cxnSp>
+      <p:cxnSp>
+        <p:nvCxnSpPr>
+          <p:cNvPr id="43" name="Straight Arrow Connector 42"/>
+          <p:cNvCxnSpPr/>
+          <p:nvPr/>
+        </p:nvCxnSpPr>
+        <p:spPr>
+          <a:xfrm>
+            <a:off x="591922" y="698585"/>
+            <a:ext cx="469388" cy="0"/>
+          </a:xfrm>
+          <a:prstGeom prst="straightConnector1">
+            <a:avLst/>
+          </a:prstGeom>
+          <a:ln w="19050">
+            <a:solidFill>
+              <a:schemeClr val="tx1"/>
+            </a:solidFill>
+            <a:headEnd w="sm" len="sm"/>
+            <a:tailEnd type="arrow" w="sm" len="sm"/>
+          </a:ln>
+        </p:spPr>
+        <p:style>
+          <a:lnRef idx="1">
+            <a:schemeClr val="accent1"/>
+          </a:lnRef>
+          <a:fillRef idx="0">
+            <a:schemeClr val="accent1"/>
+          </a:fillRef>
+          <a:effectRef idx="0">
+            <a:schemeClr val="accent1"/>
+          </a:effectRef>
+          <a:fontRef idx="minor">
+            <a:schemeClr val="tx1"/>
+          </a:fontRef>
+        </p:style>
+      </p:cxnSp>
+      <p:cxnSp>
+        <p:nvCxnSpPr>
+          <p:cNvPr id="44" name="Straight Arrow Connector 43"/>
+          <p:cNvCxnSpPr/>
+          <p:nvPr/>
+        </p:nvCxnSpPr>
+        <p:spPr>
+          <a:xfrm>
+            <a:off x="591923" y="621775"/>
+            <a:ext cx="393797" cy="0"/>
+          </a:xfrm>
+          <a:prstGeom prst="straightConnector1">
+            <a:avLst/>
+          </a:prstGeom>
+          <a:ln w="19050">
+            <a:solidFill>
+              <a:schemeClr val="tx1"/>
+            </a:solidFill>
+            <a:headEnd w="sm" len="sm"/>
+            <a:tailEnd type="arrow" w="sm" len="sm"/>
+          </a:ln>
+        </p:spPr>
+        <p:style>
+          <a:lnRef idx="1">
+            <a:schemeClr val="accent1"/>
+          </a:lnRef>
+          <a:fillRef idx="0">
+            <a:schemeClr val="accent1"/>
+          </a:fillRef>
+          <a:effectRef idx="0">
+            <a:schemeClr val="accent1"/>
+          </a:effectRef>
+          <a:fontRef idx="minor">
+            <a:schemeClr val="tx1"/>
+          </a:fontRef>
+        </p:style>
+      </p:cxnSp>
+      <p:cxnSp>
+        <p:nvCxnSpPr>
+          <p:cNvPr id="47" name="Straight Arrow Connector 46"/>
+          <p:cNvCxnSpPr/>
+          <p:nvPr/>
+        </p:nvCxnSpPr>
+        <p:spPr>
+          <a:xfrm>
+            <a:off x="591922" y="544965"/>
+            <a:ext cx="316988" cy="0"/>
+          </a:xfrm>
+          <a:prstGeom prst="straightConnector1">
+            <a:avLst/>
+          </a:prstGeom>
+          <a:ln w="19050">
+            <a:solidFill>
+              <a:schemeClr val="tx1"/>
+            </a:solidFill>
+            <a:headEnd w="sm" len="sm"/>
+            <a:tailEnd type="arrow" w="sm" len="sm"/>
+          </a:ln>
+        </p:spPr>
+        <p:style>
+          <a:lnRef idx="1">
+            <a:schemeClr val="accent1"/>
+          </a:lnRef>
+          <a:fillRef idx="0">
+            <a:schemeClr val="accent1"/>
+          </a:fillRef>
+          <a:effectRef idx="0">
+            <a:schemeClr val="accent1"/>
+          </a:effectRef>
+          <a:fontRef idx="minor">
+            <a:schemeClr val="tx1"/>
+          </a:fontRef>
+        </p:style>
+      </p:cxnSp>
+      <p:sp>
+        <p:nvSpPr>
+          <p:cNvPr id="48" name="Rectangle 47"/>
+          <p:cNvSpPr/>
+          <p:nvPr/>
+        </p:nvSpPr>
+        <p:spPr>
+          <a:xfrm>
+            <a:off x="2061059" y="53775"/>
+            <a:ext cx="614481" cy="769605"/>
+          </a:xfrm>
+          <a:prstGeom prst="rect">
+            <a:avLst/>
+          </a:prstGeom>
+          <a:solidFill>
+            <a:srgbClr val="FFFFCC"/>
+          </a:solidFill>
+          <a:ln w="12700">
+            <a:solidFill>
+              <a:schemeClr val="tx1"/>
+            </a:solidFill>
+          </a:ln>
+        </p:spPr>
+        <p:style>
+          <a:lnRef idx="2">
+            <a:schemeClr val="accent1">
+              <a:shade val="50000"/>
+            </a:schemeClr>
+          </a:lnRef>
+          <a:fillRef idx="1">
+            <a:schemeClr val="accent1"/>
+          </a:fillRef>
+          <a:effectRef idx="0">
+            <a:schemeClr val="accent1"/>
+          </a:effectRef>
+          <a:fontRef idx="minor">
+            <a:schemeClr val="lt1"/>
+          </a:fontRef>
+        </p:style>
+        <p:txBody>
+          <a:bodyPr rtlCol="0" anchor="ctr"/>
+          <a:lstStyle/>
+          <a:p>
+            <a:pPr algn="ctr"/>
+            <a:r>
+              <a:rPr lang="en-US" sz="900" dirty="0" smtClean="0">
+                <a:solidFill>
+                  <a:schemeClr val="tx1"/>
+                </a:solidFill>
+                <a:latin typeface="Times New Roman" pitchFamily="18" charset="0"/>
+                <a:cs typeface="Times New Roman" pitchFamily="18" charset="0"/>
+              </a:rPr>
+              <a:t>Dataflow Flags</a:t>
+            </a:r>
+          </a:p>
+        </p:txBody>
+      </p:sp>
+      <p:cxnSp>
+        <p:nvCxnSpPr>
+          <p:cNvPr id="50" name="Straight Arrow Connector 49"/>
+          <p:cNvCxnSpPr/>
+          <p:nvPr/>
+        </p:nvCxnSpPr>
+        <p:spPr>
+          <a:xfrm>
+            <a:off x="1752600" y="236487"/>
+            <a:ext cx="308459" cy="0"/>
+          </a:xfrm>
+          <a:prstGeom prst="straightConnector1">
+            <a:avLst/>
+          </a:prstGeom>
+          <a:ln w="19050">
+            <a:solidFill>
+              <a:schemeClr val="tx1"/>
+            </a:solidFill>
+            <a:headEnd w="sm" len="sm"/>
+            <a:tailEnd type="arrow" w="sm" len="sm"/>
+          </a:ln>
+        </p:spPr>
+        <p:style>
+          <a:lnRef idx="1">
+            <a:schemeClr val="accent1"/>
+          </a:lnRef>
+          <a:fillRef idx="0">
+            <a:schemeClr val="accent1"/>
+          </a:fillRef>
+          <a:effectRef idx="0">
+            <a:schemeClr val="accent1"/>
+          </a:effectRef>
+          <a:fontRef idx="minor">
+            <a:schemeClr val="tx1"/>
+          </a:fontRef>
+        </p:style>
+      </p:cxnSp>
+      <p:cxnSp>
+        <p:nvCxnSpPr>
+          <p:cNvPr id="51" name="Straight Arrow Connector 50"/>
+          <p:cNvCxnSpPr/>
+          <p:nvPr/>
+        </p:nvCxnSpPr>
+        <p:spPr>
+          <a:xfrm>
+            <a:off x="1750770" y="318572"/>
+            <a:ext cx="308459" cy="0"/>
+          </a:xfrm>
+          <a:prstGeom prst="straightConnector1">
+            <a:avLst/>
+          </a:prstGeom>
+          <a:ln w="19050">
+            <a:solidFill>
+              <a:schemeClr val="tx1"/>
+            </a:solidFill>
+            <a:headEnd w="sm" len="sm"/>
+            <a:tailEnd type="arrow" w="sm" len="sm"/>
+          </a:ln>
+        </p:spPr>
+        <p:style>
+          <a:lnRef idx="1">
+            <a:schemeClr val="accent1"/>
+          </a:lnRef>
+          <a:fillRef idx="0">
+            <a:schemeClr val="accent1"/>
+          </a:fillRef>
+          <a:effectRef idx="0">
+            <a:schemeClr val="accent1"/>
+          </a:effectRef>
+          <a:fontRef idx="minor">
+            <a:schemeClr val="tx1"/>
+          </a:fontRef>
+        </p:style>
+      </p:cxnSp>
+      <p:cxnSp>
+        <p:nvCxnSpPr>
+          <p:cNvPr id="52" name="Straight Arrow Connector 51"/>
+          <p:cNvCxnSpPr/>
+          <p:nvPr/>
+        </p:nvCxnSpPr>
+        <p:spPr>
+          <a:xfrm>
+            <a:off x="1752600" y="669760"/>
+            <a:ext cx="308459" cy="0"/>
+          </a:xfrm>
+          <a:prstGeom prst="straightConnector1">
+            <a:avLst/>
+          </a:prstGeom>
+          <a:ln w="19050">
+            <a:solidFill>
+              <a:schemeClr val="tx1"/>
+            </a:solidFill>
+            <a:headEnd w="sm" len="sm"/>
+            <a:tailEnd type="arrow" w="sm" len="sm"/>
+          </a:ln>
+        </p:spPr>
+        <p:style>
+          <a:lnRef idx="1">
+            <a:schemeClr val="accent1"/>
+          </a:lnRef>
+          <a:fillRef idx="0">
+            <a:schemeClr val="accent1"/>
+          </a:fillRef>
+          <a:effectRef idx="0">
+            <a:schemeClr val="accent1"/>
+          </a:effectRef>
+          <a:fontRef idx="minor">
+            <a:schemeClr val="tx1"/>
+          </a:fontRef>
+        </p:style>
+      </p:cxnSp>
+    </p:spTree>
+    <p:extLst>
+      <p:ext uri="{BB962C8B-B14F-4D97-AF65-F5344CB8AC3E}">
+        <p14:creationId xmlns:p14="http://schemas.microsoft.com/office/powerpoint/2010/main" val="3286239923"/>
+      </p:ext>
+    </p:extLst>
+  </p:cSld>
+  <p:clrMapOvr>
+    <a:masterClrMapping/>
+  </p:clrMapOvr>
+</p:sld>
+</file>
+
 <file path=ppt/slides/slide2.xml><?xml version="1.0" encoding="utf-8"?>
 <p:sld xmlns:a="http://schemas.openxmlformats.org/drawingml/2006/main" xmlns:r="http://schemas.openxmlformats.org/officeDocument/2006/relationships" xmlns:p="http://schemas.openxmlformats.org/presentationml/2006/main">
   <p:cSld>
@@ -4255,8 +7323,8 @@
         </p:nvCxnSpPr>
         <p:spPr>
           <a:xfrm>
-            <a:off x="2021732" y="362361"/>
-            <a:ext cx="192945" cy="0"/>
+            <a:off x="2291490" y="362361"/>
+            <a:ext cx="153620" cy="0"/>
           </a:xfrm>
           <a:prstGeom prst="straightConnector1">
             <a:avLst/>
@@ -4292,8 +7360,8 @@
         </p:nvSpPr>
         <p:spPr>
           <a:xfrm>
-            <a:off x="1253629" y="46657"/>
-            <a:ext cx="768103" cy="631408"/>
+            <a:off x="1561795" y="46657"/>
+            <a:ext cx="729695" cy="631408"/>
           </a:xfrm>
           <a:prstGeom prst="rect">
             <a:avLst/>
@@ -4365,8 +7433,8 @@
         </p:nvCxnSpPr>
         <p:spPr>
           <a:xfrm>
-            <a:off x="1637681" y="678065"/>
-            <a:ext cx="0" cy="219689"/>
+            <a:off x="1926643" y="678065"/>
+            <a:ext cx="0" cy="219688"/>
           </a:xfrm>
           <a:prstGeom prst="straightConnector1">
             <a:avLst/>
@@ -4402,8 +7470,8 @@
         </p:nvSpPr>
         <p:spPr>
           <a:xfrm>
-            <a:off x="1253629" y="897754"/>
-            <a:ext cx="768103" cy="315705"/>
+            <a:off x="1561795" y="897753"/>
+            <a:ext cx="729695" cy="315705"/>
           </a:xfrm>
           <a:prstGeom prst="rect">
             <a:avLst/>
@@ -4456,14 +7524,14 @@
           <p:cNvPr id="54" name="Straight Arrow Connector 53"/>
           <p:cNvCxnSpPr>
             <a:stCxn id="14" idx="3"/>
-            <a:endCxn id="45" idx="1"/>
+            <a:endCxn id="15" idx="1"/>
           </p:cNvCxnSpPr>
           <p:nvPr/>
         </p:nvCxnSpPr>
         <p:spPr>
-          <a:xfrm flipV="1">
-            <a:off x="1016736" y="362361"/>
-            <a:ext cx="236893" cy="1"/>
+          <a:xfrm>
+            <a:off x="793695" y="362362"/>
+            <a:ext cx="154935" cy="0"/>
           </a:xfrm>
           <a:prstGeom prst="straightConnector1">
             <a:avLst/>
@@ -4502,8 +7570,8 @@
         </p:nvCxnSpPr>
         <p:spPr>
           <a:xfrm>
-            <a:off x="632685" y="678066"/>
-            <a:ext cx="2" cy="219688"/>
+            <a:off x="428848" y="678066"/>
+            <a:ext cx="0" cy="219688"/>
           </a:xfrm>
           <a:prstGeom prst="straightConnector1">
             <a:avLst/>
@@ -4539,8 +7607,8 @@
         </p:nvSpPr>
         <p:spPr>
           <a:xfrm>
-            <a:off x="248634" y="897754"/>
-            <a:ext cx="768106" cy="315705"/>
+            <a:off x="64000" y="897754"/>
+            <a:ext cx="729695" cy="315705"/>
           </a:xfrm>
           <a:prstGeom prst="rect">
             <a:avLst/>
@@ -4599,8 +7667,8 @@
         </p:nvCxnSpPr>
         <p:spPr>
           <a:xfrm>
-            <a:off x="2598729" y="678064"/>
-            <a:ext cx="1" cy="219690"/>
+            <a:off x="2809958" y="678064"/>
+            <a:ext cx="0" cy="219690"/>
           </a:xfrm>
           <a:prstGeom prst="straightConnector1">
             <a:avLst/>
@@ -4636,8 +7704,8 @@
         </p:nvSpPr>
         <p:spPr>
           <a:xfrm>
-            <a:off x="2214679" y="897754"/>
-            <a:ext cx="768101" cy="315705"/>
+            <a:off x="2445110" y="897754"/>
+            <a:ext cx="729695" cy="315705"/>
           </a:xfrm>
           <a:prstGeom prst="rect">
             <a:avLst/>
@@ -4693,8 +7761,8 @@
         </p:nvSpPr>
         <p:spPr>
           <a:xfrm>
-            <a:off x="2214677" y="46657"/>
-            <a:ext cx="768103" cy="631407"/>
+            <a:off x="2445110" y="46657"/>
+            <a:ext cx="729695" cy="631407"/>
           </a:xfrm>
           <a:prstGeom prst="rect">
             <a:avLst/>
@@ -4750,8 +7818,8 @@
         </p:nvSpPr>
         <p:spPr>
           <a:xfrm>
-            <a:off x="248633" y="46658"/>
-            <a:ext cx="768103" cy="631408"/>
+            <a:off x="64000" y="46658"/>
+            <a:ext cx="729695" cy="631408"/>
           </a:xfrm>
           <a:prstGeom prst="rect">
             <a:avLst/>
@@ -4812,6 +7880,110 @@
           </a:p>
         </p:txBody>
       </p:sp>
+      <p:sp>
+        <p:nvSpPr>
+          <p:cNvPr id="15" name="Rectangle 14"/>
+          <p:cNvSpPr/>
+          <p:nvPr/>
+        </p:nvSpPr>
+        <p:spPr>
+          <a:xfrm>
+            <a:off x="948630" y="224498"/>
+            <a:ext cx="459545" cy="275727"/>
+          </a:xfrm>
+          <a:prstGeom prst="rect">
+            <a:avLst/>
+          </a:prstGeom>
+          <a:solidFill>
+            <a:srgbClr val="66CCFF"/>
+          </a:solidFill>
+          <a:ln w="12700">
+            <a:solidFill>
+              <a:schemeClr val="tx1"/>
+            </a:solidFill>
+          </a:ln>
+        </p:spPr>
+        <p:style>
+          <a:lnRef idx="2">
+            <a:schemeClr val="accent1">
+              <a:shade val="50000"/>
+            </a:schemeClr>
+          </a:lnRef>
+          <a:fillRef idx="1">
+            <a:schemeClr val="accent1"/>
+          </a:fillRef>
+          <a:effectRef idx="0">
+            <a:schemeClr val="accent1"/>
+          </a:effectRef>
+          <a:fontRef idx="minor">
+            <a:schemeClr val="lt1"/>
+          </a:fontRef>
+        </p:style>
+        <p:txBody>
+          <a:bodyPr rtlCol="0" anchor="ctr"/>
+          <a:lstStyle/>
+          <a:p>
+            <a:pPr algn="ctr"/>
+            <a:r>
+              <a:rPr lang="en-US" sz="900" dirty="0" smtClean="0">
+                <a:solidFill>
+                  <a:schemeClr val="tx1"/>
+                </a:solidFill>
+                <a:latin typeface="Times New Roman" pitchFamily="18" charset="0"/>
+                <a:cs typeface="Times New Roman" pitchFamily="18" charset="0"/>
+              </a:rPr>
+              <a:t>FIFO</a:t>
+            </a:r>
+            <a:endParaRPr lang="en-US" sz="900" dirty="0">
+              <a:solidFill>
+                <a:schemeClr val="tx1"/>
+              </a:solidFill>
+              <a:latin typeface="Times New Roman" pitchFamily="18" charset="0"/>
+              <a:cs typeface="Times New Roman" pitchFamily="18" charset="0"/>
+            </a:endParaRPr>
+          </a:p>
+        </p:txBody>
+      </p:sp>
+      <p:cxnSp>
+        <p:nvCxnSpPr>
+          <p:cNvPr id="37" name="Straight Arrow Connector 36"/>
+          <p:cNvCxnSpPr>
+            <a:stCxn id="15" idx="3"/>
+            <a:endCxn id="45" idx="1"/>
+          </p:cNvCxnSpPr>
+          <p:nvPr/>
+        </p:nvCxnSpPr>
+        <p:spPr>
+          <a:xfrm flipV="1">
+            <a:off x="1408175" y="362361"/>
+            <a:ext cx="153620" cy="1"/>
+          </a:xfrm>
+          <a:prstGeom prst="straightConnector1">
+            <a:avLst/>
+          </a:prstGeom>
+          <a:ln w="19050">
+            <a:solidFill>
+              <a:schemeClr val="tx1"/>
+            </a:solidFill>
+            <a:headEnd w="sm" len="sm"/>
+            <a:tailEnd type="arrow" w="sm" len="sm"/>
+          </a:ln>
+        </p:spPr>
+        <p:style>
+          <a:lnRef idx="1">
+            <a:schemeClr val="accent1"/>
+          </a:lnRef>
+          <a:fillRef idx="0">
+            <a:schemeClr val="accent1"/>
+          </a:fillRef>
+          <a:effectRef idx="0">
+            <a:schemeClr val="accent1"/>
+          </a:effectRef>
+          <a:fontRef idx="minor">
+            <a:schemeClr val="tx1"/>
+          </a:fontRef>
+        </p:style>
+      </p:cxnSp>
     </p:spTree>
     <p:extLst>
       <p:ext uri="{BB962C8B-B14F-4D97-AF65-F5344CB8AC3E}">
@@ -4842,6 +8014,46 @@
           <a:chExt cx="0" cy="0"/>
         </a:xfrm>
       </p:grpSpPr>
+      <p:cxnSp>
+        <p:nvCxnSpPr>
+          <p:cNvPr id="44" name="Straight Arrow Connector 43"/>
+          <p:cNvCxnSpPr>
+            <a:stCxn id="45" idx="3"/>
+            <a:endCxn id="13" idx="1"/>
+          </p:cNvCxnSpPr>
+          <p:nvPr/>
+        </p:nvCxnSpPr>
+        <p:spPr>
+          <a:xfrm>
+            <a:off x="2021732" y="362361"/>
+            <a:ext cx="192945" cy="0"/>
+          </a:xfrm>
+          <a:prstGeom prst="straightConnector1">
+            <a:avLst/>
+          </a:prstGeom>
+          <a:ln w="19050">
+            <a:solidFill>
+              <a:schemeClr val="tx1"/>
+            </a:solidFill>
+            <a:headEnd w="sm" len="sm"/>
+            <a:tailEnd type="arrow" w="sm" len="sm"/>
+          </a:ln>
+        </p:spPr>
+        <p:style>
+          <a:lnRef idx="1">
+            <a:schemeClr val="accent1"/>
+          </a:lnRef>
+          <a:fillRef idx="0">
+            <a:schemeClr val="accent1"/>
+          </a:fillRef>
+          <a:effectRef idx="0">
+            <a:schemeClr val="accent1"/>
+          </a:effectRef>
+          <a:fontRef idx="minor">
+            <a:schemeClr val="tx1"/>
+          </a:fontRef>
+        </p:style>
+      </p:cxnSp>
       <p:sp>
         <p:nvSpPr>
           <p:cNvPr id="45" name="Rectangle 44"/>
@@ -4850,8 +8062,8 @@
         </p:nvSpPr>
         <p:spPr>
           <a:xfrm>
-            <a:off x="1715414" y="548186"/>
-            <a:ext cx="654105" cy="372935"/>
+            <a:off x="1253629" y="46657"/>
+            <a:ext cx="768103" cy="631408"/>
           </a:xfrm>
           <a:prstGeom prst="rect">
             <a:avLst/>
@@ -4914,16 +8126,114 @@
       </p:sp>
       <p:cxnSp>
         <p:nvCxnSpPr>
+          <p:cNvPr id="46" name="Straight Arrow Connector 45"/>
+          <p:cNvCxnSpPr>
+            <a:stCxn id="45" idx="2"/>
+            <a:endCxn id="47" idx="0"/>
+          </p:cNvCxnSpPr>
+          <p:nvPr/>
+        </p:nvCxnSpPr>
+        <p:spPr>
+          <a:xfrm>
+            <a:off x="1637681" y="678065"/>
+            <a:ext cx="0" cy="219689"/>
+          </a:xfrm>
+          <a:prstGeom prst="straightConnector1">
+            <a:avLst/>
+          </a:prstGeom>
+          <a:ln w="19050">
+            <a:solidFill>
+              <a:schemeClr val="tx1"/>
+            </a:solidFill>
+            <a:headEnd type="arrow" w="sm" len="sm"/>
+            <a:tailEnd type="arrow" w="sm" len="sm"/>
+          </a:ln>
+        </p:spPr>
+        <p:style>
+          <a:lnRef idx="1">
+            <a:schemeClr val="accent1"/>
+          </a:lnRef>
+          <a:fillRef idx="0">
+            <a:schemeClr val="accent1"/>
+          </a:fillRef>
+          <a:effectRef idx="0">
+            <a:schemeClr val="accent1"/>
+          </a:effectRef>
+          <a:fontRef idx="minor">
+            <a:schemeClr val="tx1"/>
+          </a:fontRef>
+        </p:style>
+      </p:cxnSp>
+      <p:sp>
+        <p:nvSpPr>
+          <p:cNvPr id="47" name="Rectangle 46"/>
+          <p:cNvSpPr/>
+          <p:nvPr/>
+        </p:nvSpPr>
+        <p:spPr>
+          <a:xfrm>
+            <a:off x="1253629" y="897754"/>
+            <a:ext cx="768103" cy="315705"/>
+          </a:xfrm>
+          <a:prstGeom prst="rect">
+            <a:avLst/>
+          </a:prstGeom>
+          <a:solidFill>
+            <a:srgbClr val="FFFFCC"/>
+          </a:solidFill>
+          <a:ln w="12700">
+            <a:solidFill>
+              <a:schemeClr val="tx1"/>
+            </a:solidFill>
+          </a:ln>
+        </p:spPr>
+        <p:style>
+          <a:lnRef idx="2">
+            <a:schemeClr val="accent1">
+              <a:shade val="50000"/>
+            </a:schemeClr>
+          </a:lnRef>
+          <a:fillRef idx="1">
+            <a:schemeClr val="accent1"/>
+          </a:fillRef>
+          <a:effectRef idx="0">
+            <a:schemeClr val="accent1"/>
+          </a:effectRef>
+          <a:fontRef idx="minor">
+            <a:schemeClr val="lt1"/>
+          </a:fontRef>
+        </p:style>
+        <p:txBody>
+          <a:bodyPr rtlCol="0" anchor="ctr"/>
+          <a:lstStyle/>
+          <a:p>
+            <a:pPr algn="ctr"/>
+            <a:r>
+              <a:rPr lang="en-US" sz="900" dirty="0" smtClean="0">
+                <a:solidFill>
+                  <a:schemeClr val="tx1"/>
+                </a:solidFill>
+                <a:latin typeface="Times New Roman" pitchFamily="18" charset="0"/>
+                <a:cs typeface="Times New Roman" pitchFamily="18" charset="0"/>
+              </a:rPr>
+              <a:t>Dataflow Flags</a:t>
+            </a:r>
+          </a:p>
+        </p:txBody>
+      </p:sp>
+      <p:cxnSp>
+        <p:nvCxnSpPr>
           <p:cNvPr id="54" name="Straight Arrow Connector 53"/>
           <p:cNvCxnSpPr>
-            <a:endCxn id="18" idx="1"/>
+            <a:stCxn id="14" idx="3"/>
+            <a:endCxn id="45" idx="1"/>
           </p:cNvCxnSpPr>
           <p:nvPr/>
         </p:nvCxnSpPr>
         <p:spPr>
           <a:xfrm flipV="1">
-            <a:off x="225083" y="176952"/>
-            <a:ext cx="500459" cy="254"/>
+            <a:off x="1016736" y="362361"/>
+            <a:ext cx="236893" cy="1"/>
           </a:xfrm>
           <a:prstGeom prst="straightConnector1">
             <a:avLst/>
@@ -4951,6 +8261,200 @@
           </a:fontRef>
         </p:style>
       </p:cxnSp>
+      <p:cxnSp>
+        <p:nvCxnSpPr>
+          <p:cNvPr id="68" name="Straight Arrow Connector 67"/>
+          <p:cNvCxnSpPr>
+            <a:stCxn id="14" idx="2"/>
+            <a:endCxn id="70" idx="0"/>
+          </p:cNvCxnSpPr>
+          <p:nvPr/>
+        </p:nvCxnSpPr>
+        <p:spPr>
+          <a:xfrm>
+            <a:off x="632685" y="678066"/>
+            <a:ext cx="2" cy="219688"/>
+          </a:xfrm>
+          <a:prstGeom prst="straightConnector1">
+            <a:avLst/>
+          </a:prstGeom>
+          <a:ln w="19050">
+            <a:solidFill>
+              <a:schemeClr val="tx1"/>
+            </a:solidFill>
+            <a:headEnd type="arrow" w="sm" len="sm"/>
+            <a:tailEnd type="arrow" w="sm" len="sm"/>
+          </a:ln>
+        </p:spPr>
+        <p:style>
+          <a:lnRef idx="1">
+            <a:schemeClr val="accent1"/>
+          </a:lnRef>
+          <a:fillRef idx="0">
+            <a:schemeClr val="accent1"/>
+          </a:fillRef>
+          <a:effectRef idx="0">
+            <a:schemeClr val="accent1"/>
+          </a:effectRef>
+          <a:fontRef idx="minor">
+            <a:schemeClr val="tx1"/>
+          </a:fontRef>
+        </p:style>
+      </p:cxnSp>
+      <p:sp>
+        <p:nvSpPr>
+          <p:cNvPr id="70" name="Rectangle 69"/>
+          <p:cNvSpPr/>
+          <p:nvPr/>
+        </p:nvSpPr>
+        <p:spPr>
+          <a:xfrm>
+            <a:off x="248634" y="897754"/>
+            <a:ext cx="768106" cy="315705"/>
+          </a:xfrm>
+          <a:prstGeom prst="rect">
+            <a:avLst/>
+          </a:prstGeom>
+          <a:solidFill>
+            <a:srgbClr val="66CCFF"/>
+          </a:solidFill>
+          <a:ln w="12700">
+            <a:solidFill>
+              <a:schemeClr val="tx1"/>
+            </a:solidFill>
+          </a:ln>
+        </p:spPr>
+        <p:style>
+          <a:lnRef idx="2">
+            <a:schemeClr val="accent1">
+              <a:shade val="50000"/>
+            </a:schemeClr>
+          </a:lnRef>
+          <a:fillRef idx="1">
+            <a:schemeClr val="accent1"/>
+          </a:fillRef>
+          <a:effectRef idx="0">
+            <a:schemeClr val="accent1"/>
+          </a:effectRef>
+          <a:fontRef idx="minor">
+            <a:schemeClr val="lt1"/>
+          </a:fontRef>
+        </p:style>
+        <p:txBody>
+          <a:bodyPr rtlCol="0" anchor="ctr"/>
+          <a:lstStyle/>
+          <a:p>
+            <a:pPr algn="ctr"/>
+            <a:r>
+              <a:rPr lang="en-US" sz="900" dirty="0" smtClean="0">
+                <a:solidFill>
+                  <a:schemeClr val="tx1"/>
+                </a:solidFill>
+                <a:latin typeface="Times New Roman" pitchFamily="18" charset="0"/>
+                <a:cs typeface="Times New Roman" pitchFamily="18" charset="0"/>
+              </a:rPr>
+              <a:t>Program State</a:t>
+            </a:r>
+          </a:p>
+        </p:txBody>
+      </p:sp>
+      <p:cxnSp>
+        <p:nvCxnSpPr>
+          <p:cNvPr id="75" name="Straight Arrow Connector 74"/>
+          <p:cNvCxnSpPr>
+            <a:stCxn id="13" idx="2"/>
+            <a:endCxn id="77" idx="0"/>
+          </p:cNvCxnSpPr>
+          <p:nvPr/>
+        </p:nvCxnSpPr>
+        <p:spPr>
+          <a:xfrm>
+            <a:off x="2598729" y="678064"/>
+            <a:ext cx="1" cy="219690"/>
+          </a:xfrm>
+          <a:prstGeom prst="straightConnector1">
+            <a:avLst/>
+          </a:prstGeom>
+          <a:ln w="19050">
+            <a:solidFill>
+              <a:schemeClr val="tx1"/>
+            </a:solidFill>
+            <a:headEnd type="arrow" w="sm" len="sm"/>
+            <a:tailEnd type="arrow" w="sm" len="sm"/>
+          </a:ln>
+        </p:spPr>
+        <p:style>
+          <a:lnRef idx="1">
+            <a:schemeClr val="accent1"/>
+          </a:lnRef>
+          <a:fillRef idx="0">
+            <a:schemeClr val="accent1"/>
+          </a:fillRef>
+          <a:effectRef idx="0">
+            <a:schemeClr val="accent1"/>
+          </a:effectRef>
+          <a:fontRef idx="minor">
+            <a:schemeClr val="tx1"/>
+          </a:fontRef>
+        </p:style>
+      </p:cxnSp>
+      <p:sp>
+        <p:nvSpPr>
+          <p:cNvPr id="77" name="Rectangle 76"/>
+          <p:cNvSpPr/>
+          <p:nvPr/>
+        </p:nvSpPr>
+        <p:spPr>
+          <a:xfrm>
+            <a:off x="2214679" y="897754"/>
+            <a:ext cx="768101" cy="315705"/>
+          </a:xfrm>
+          <a:prstGeom prst="rect">
+            <a:avLst/>
+          </a:prstGeom>
+          <a:solidFill>
+            <a:srgbClr val="66CCFF"/>
+          </a:solidFill>
+          <a:ln w="12700">
+            <a:solidFill>
+              <a:schemeClr val="tx1"/>
+            </a:solidFill>
+          </a:ln>
+        </p:spPr>
+        <p:style>
+          <a:lnRef idx="2">
+            <a:schemeClr val="accent1">
+              <a:shade val="50000"/>
+            </a:schemeClr>
+          </a:lnRef>
+          <a:fillRef idx="1">
+            <a:schemeClr val="accent1"/>
+          </a:fillRef>
+          <a:effectRef idx="0">
+            <a:schemeClr val="accent1"/>
+          </a:effectRef>
+          <a:fontRef idx="minor">
+            <a:schemeClr val="lt1"/>
+          </a:fontRef>
+        </p:style>
+        <p:txBody>
+          <a:bodyPr rtlCol="0" anchor="ctr"/>
+          <a:lstStyle/>
+          <a:p>
+            <a:pPr algn="ctr"/>
+            <a:r>
+              <a:rPr lang="en-US" sz="900" dirty="0" smtClean="0">
+                <a:solidFill>
+                  <a:schemeClr val="tx1"/>
+                </a:solidFill>
+                <a:latin typeface="Times New Roman" pitchFamily="18" charset="0"/>
+                <a:cs typeface="Times New Roman" pitchFamily="18" charset="0"/>
+              </a:rPr>
+              <a:t>Metadata</a:t>
+            </a:r>
+          </a:p>
+        </p:txBody>
+      </p:sp>
       <p:sp>
         <p:nvSpPr>
           <p:cNvPr id="13" name="Rectangle 12"/>
@@ -4958,9 +8462,9 @@
           <p:nvPr/>
         </p:nvSpPr>
         <p:spPr>
-          <a:xfrm rot="16200000">
-            <a:off x="2602815" y="331520"/>
-            <a:ext cx="900561" cy="278641"/>
+          <a:xfrm>
+            <a:off x="2214677" y="46657"/>
+            <a:ext cx="768103" cy="631407"/>
           </a:xfrm>
           <a:prstGeom prst="rect">
             <a:avLst/>
@@ -5015,9 +8519,9 @@
           <p:nvPr/>
         </p:nvSpPr>
         <p:spPr>
-          <a:xfrm rot="16200000">
-            <a:off x="-299244" y="335341"/>
-            <a:ext cx="908710" cy="278638"/>
+          <a:xfrm>
+            <a:off x="248633" y="46658"/>
+            <a:ext cx="768103" cy="631408"/>
           </a:xfrm>
           <a:prstGeom prst="rect">
             <a:avLst/>
@@ -5078,636 +8582,10 @@
           </a:p>
         </p:txBody>
       </p:sp>
-      <p:sp>
-        <p:nvSpPr>
-          <p:cNvPr id="17" name="Rectangle 16"/>
-          <p:cNvSpPr/>
-          <p:nvPr/>
-        </p:nvSpPr>
-        <p:spPr>
-          <a:xfrm>
-            <a:off x="724350" y="653075"/>
-            <a:ext cx="654105" cy="163157"/>
-          </a:xfrm>
-          <a:prstGeom prst="rect">
-            <a:avLst/>
-          </a:prstGeom>
-          <a:solidFill>
-            <a:srgbClr val="FFFFCC"/>
-          </a:solidFill>
-          <a:ln w="12700">
-            <a:solidFill>
-              <a:schemeClr val="tx1"/>
-            </a:solidFill>
-          </a:ln>
-        </p:spPr>
-        <p:style>
-          <a:lnRef idx="2">
-            <a:schemeClr val="accent1">
-              <a:shade val="50000"/>
-            </a:schemeClr>
-          </a:lnRef>
-          <a:fillRef idx="1">
-            <a:schemeClr val="accent1"/>
-          </a:fillRef>
-          <a:effectRef idx="0">
-            <a:schemeClr val="accent1"/>
-          </a:effectRef>
-          <a:fontRef idx="minor">
-            <a:schemeClr val="lt1"/>
-          </a:fontRef>
-        </p:style>
-        <p:txBody>
-          <a:bodyPr rtlCol="0" anchor="ctr"/>
-          <a:lstStyle/>
-          <a:p>
-            <a:pPr algn="ctr"/>
-            <a:r>
-              <a:rPr lang="en-US" sz="900" dirty="0" smtClean="0">
-                <a:solidFill>
-                  <a:schemeClr val="tx1"/>
-                </a:solidFill>
-                <a:latin typeface="Times New Roman" pitchFamily="18" charset="0"/>
-                <a:cs typeface="Times New Roman" pitchFamily="18" charset="0"/>
-              </a:rPr>
-              <a:t>FIFO</a:t>
-            </a:r>
-            <a:endParaRPr lang="en-US" sz="900" dirty="0" smtClean="0">
-              <a:solidFill>
-                <a:schemeClr val="tx1"/>
-              </a:solidFill>
-              <a:latin typeface="Times New Roman" pitchFamily="18" charset="0"/>
-              <a:cs typeface="Times New Roman" pitchFamily="18" charset="0"/>
-            </a:endParaRPr>
-          </a:p>
-        </p:txBody>
-      </p:sp>
-      <p:sp>
-        <p:nvSpPr>
-          <p:cNvPr id="18" name="Rectangle 17"/>
-          <p:cNvSpPr/>
-          <p:nvPr/>
-        </p:nvSpPr>
-        <p:spPr>
-          <a:xfrm>
-            <a:off x="725542" y="20305"/>
-            <a:ext cx="652912" cy="313294"/>
-          </a:xfrm>
-          <a:prstGeom prst="rect">
-            <a:avLst/>
-          </a:prstGeom>
-          <a:solidFill>
-            <a:srgbClr val="FFFFCC"/>
-          </a:solidFill>
-          <a:ln w="12700">
-            <a:solidFill>
-              <a:schemeClr val="tx1"/>
-            </a:solidFill>
-          </a:ln>
-        </p:spPr>
-        <p:style>
-          <a:lnRef idx="2">
-            <a:schemeClr val="accent1">
-              <a:shade val="50000"/>
-            </a:schemeClr>
-          </a:lnRef>
-          <a:fillRef idx="1">
-            <a:schemeClr val="accent1"/>
-          </a:fillRef>
-          <a:effectRef idx="0">
-            <a:schemeClr val="accent1"/>
-          </a:effectRef>
-          <a:fontRef idx="minor">
-            <a:schemeClr val="lt1"/>
-          </a:fontRef>
-        </p:style>
-        <p:txBody>
-          <a:bodyPr rtlCol="0" anchor="ctr"/>
-          <a:lstStyle/>
-          <a:p>
-            <a:pPr algn="ctr"/>
-            <a:r>
-              <a:rPr lang="en-US" sz="900" dirty="0" smtClean="0">
-                <a:solidFill>
-                  <a:schemeClr val="tx1"/>
-                </a:solidFill>
-                <a:latin typeface="Times New Roman" pitchFamily="18" charset="0"/>
-                <a:cs typeface="Times New Roman" pitchFamily="18" charset="0"/>
-              </a:rPr>
-              <a:t>Slack Tracking</a:t>
-            </a:r>
-            <a:endParaRPr lang="en-US" sz="900" dirty="0" smtClean="0">
-              <a:solidFill>
-                <a:schemeClr val="tx1"/>
-              </a:solidFill>
-              <a:latin typeface="Times New Roman" pitchFamily="18" charset="0"/>
-              <a:cs typeface="Times New Roman" pitchFamily="18" charset="0"/>
-            </a:endParaRPr>
-          </a:p>
-        </p:txBody>
-      </p:sp>
-      <p:sp>
-        <p:nvSpPr>
-          <p:cNvPr id="19" name="Rectangle 18"/>
-          <p:cNvSpPr/>
-          <p:nvPr/>
-        </p:nvSpPr>
-        <p:spPr>
-          <a:xfrm>
-            <a:off x="1715415" y="20559"/>
-            <a:ext cx="654105" cy="313294"/>
-          </a:xfrm>
-          <a:prstGeom prst="rect">
-            <a:avLst/>
-          </a:prstGeom>
-          <a:solidFill>
-            <a:srgbClr val="FFFFCC"/>
-          </a:solidFill>
-          <a:ln w="12700">
-            <a:solidFill>
-              <a:schemeClr val="tx1"/>
-            </a:solidFill>
-          </a:ln>
-        </p:spPr>
-        <p:style>
-          <a:lnRef idx="2">
-            <a:schemeClr val="accent1">
-              <a:shade val="50000"/>
-            </a:schemeClr>
-          </a:lnRef>
-          <a:fillRef idx="1">
-            <a:schemeClr val="accent1"/>
-          </a:fillRef>
-          <a:effectRef idx="0">
-            <a:schemeClr val="accent1"/>
-          </a:effectRef>
-          <a:fontRef idx="minor">
-            <a:schemeClr val="lt1"/>
-          </a:fontRef>
-        </p:style>
-        <p:txBody>
-          <a:bodyPr rtlCol="0" anchor="ctr"/>
-          <a:lstStyle/>
-          <a:p>
-            <a:pPr algn="ctr"/>
-            <a:r>
-              <a:rPr lang="en-US" sz="900" dirty="0" smtClean="0">
-                <a:solidFill>
-                  <a:schemeClr val="tx1"/>
-                </a:solidFill>
-                <a:latin typeface="Times New Roman" pitchFamily="18" charset="0"/>
-                <a:cs typeface="Times New Roman" pitchFamily="18" charset="0"/>
-              </a:rPr>
-              <a:t>Dropping Policy</a:t>
-            </a:r>
-            <a:endParaRPr lang="en-US" sz="900" dirty="0" smtClean="0">
-              <a:solidFill>
-                <a:schemeClr val="tx1"/>
-              </a:solidFill>
-              <a:latin typeface="Times New Roman" pitchFamily="18" charset="0"/>
-              <a:cs typeface="Times New Roman" pitchFamily="18" charset="0"/>
-            </a:endParaRPr>
-          </a:p>
-        </p:txBody>
-      </p:sp>
-      <p:cxnSp>
-        <p:nvCxnSpPr>
-          <p:cNvPr id="23" name="Straight Arrow Connector 22"/>
-          <p:cNvCxnSpPr>
-            <a:stCxn id="18" idx="3"/>
-            <a:endCxn id="19" idx="1"/>
-          </p:cNvCxnSpPr>
-          <p:nvPr/>
-        </p:nvCxnSpPr>
-        <p:spPr>
-          <a:xfrm>
-            <a:off x="1378454" y="176952"/>
-            <a:ext cx="336961" cy="254"/>
-          </a:xfrm>
-          <a:prstGeom prst="straightConnector1">
-            <a:avLst/>
-          </a:prstGeom>
-          <a:ln w="19050">
-            <a:solidFill>
-              <a:schemeClr val="tx1"/>
-            </a:solidFill>
-            <a:headEnd w="sm" len="sm"/>
-            <a:tailEnd type="arrow" w="sm" len="sm"/>
-          </a:ln>
-        </p:spPr>
-        <p:style>
-          <a:lnRef idx="1">
-            <a:schemeClr val="accent1"/>
-          </a:lnRef>
-          <a:fillRef idx="0">
-            <a:schemeClr val="accent1"/>
-          </a:fillRef>
-          <a:effectRef idx="0">
-            <a:schemeClr val="accent1"/>
-          </a:effectRef>
-          <a:fontRef idx="minor">
-            <a:schemeClr val="tx1"/>
-          </a:fontRef>
-        </p:style>
-      </p:cxnSp>
-      <p:sp>
-        <p:nvSpPr>
-          <p:cNvPr id="24" name="Rectangle 23"/>
-          <p:cNvSpPr/>
-          <p:nvPr/>
-        </p:nvSpPr>
-        <p:spPr>
-          <a:xfrm>
-            <a:off x="1327496" y="16404"/>
-            <a:ext cx="423675" cy="156647"/>
-          </a:xfrm>
-          <a:prstGeom prst="rect">
-            <a:avLst/>
-          </a:prstGeom>
-          <a:noFill/>
-          <a:ln w="12700">
-            <a:noFill/>
-          </a:ln>
-        </p:spPr>
-        <p:style>
-          <a:lnRef idx="2">
-            <a:schemeClr val="accent1">
-              <a:shade val="50000"/>
-            </a:schemeClr>
-          </a:lnRef>
-          <a:fillRef idx="1">
-            <a:schemeClr val="accent1"/>
-          </a:fillRef>
-          <a:effectRef idx="0">
-            <a:schemeClr val="accent1"/>
-          </a:effectRef>
-          <a:fontRef idx="minor">
-            <a:schemeClr val="lt1"/>
-          </a:fontRef>
-        </p:style>
-        <p:txBody>
-          <a:bodyPr rtlCol="0" anchor="ctr"/>
-          <a:lstStyle/>
-          <a:p>
-            <a:pPr algn="ctr"/>
-            <a:r>
-              <a:rPr lang="en-US" sz="900" dirty="0" smtClean="0">
-                <a:solidFill>
-                  <a:schemeClr val="tx1"/>
-                </a:solidFill>
-                <a:latin typeface="Times New Roman" pitchFamily="18" charset="0"/>
-                <a:cs typeface="Times New Roman" pitchFamily="18" charset="0"/>
-              </a:rPr>
-              <a:t>slack</a:t>
-            </a:r>
-            <a:endParaRPr lang="en-US" sz="900" dirty="0" smtClean="0">
-              <a:solidFill>
-                <a:schemeClr val="tx1"/>
-              </a:solidFill>
-              <a:latin typeface="Times New Roman" pitchFamily="18" charset="0"/>
-              <a:cs typeface="Times New Roman" pitchFamily="18" charset="0"/>
-            </a:endParaRPr>
-          </a:p>
-        </p:txBody>
-      </p:sp>
-      <p:cxnSp>
-        <p:nvCxnSpPr>
-          <p:cNvPr id="26" name="Straight Arrow Connector 25"/>
-          <p:cNvCxnSpPr/>
-          <p:nvPr/>
-        </p:nvCxnSpPr>
-        <p:spPr>
-          <a:xfrm>
-            <a:off x="296814" y="734654"/>
-            <a:ext cx="428728" cy="0"/>
-          </a:xfrm>
-          <a:prstGeom prst="straightConnector1">
-            <a:avLst/>
-          </a:prstGeom>
-          <a:ln w="19050">
-            <a:solidFill>
-              <a:schemeClr val="tx1"/>
-            </a:solidFill>
-            <a:headEnd w="sm" len="sm"/>
-            <a:tailEnd type="arrow" w="sm" len="sm"/>
-          </a:ln>
-        </p:spPr>
-        <p:style>
-          <a:lnRef idx="1">
-            <a:schemeClr val="accent1"/>
-          </a:lnRef>
-          <a:fillRef idx="0">
-            <a:schemeClr val="accent1"/>
-          </a:fillRef>
-          <a:effectRef idx="0">
-            <a:schemeClr val="accent1"/>
-          </a:effectRef>
-          <a:fontRef idx="minor">
-            <a:schemeClr val="tx1"/>
-          </a:fontRef>
-        </p:style>
-      </p:cxnSp>
-      <p:cxnSp>
-        <p:nvCxnSpPr>
-          <p:cNvPr id="28" name="Straight Arrow Connector 27"/>
-          <p:cNvCxnSpPr>
-            <a:stCxn id="17" idx="3"/>
-            <a:endCxn id="45" idx="1"/>
-          </p:cNvCxnSpPr>
-          <p:nvPr/>
-        </p:nvCxnSpPr>
-        <p:spPr>
-          <a:xfrm>
-            <a:off x="1378455" y="734654"/>
-            <a:ext cx="336959" cy="0"/>
-          </a:xfrm>
-          <a:prstGeom prst="straightConnector1">
-            <a:avLst/>
-          </a:prstGeom>
-          <a:ln w="19050">
-            <a:solidFill>
-              <a:schemeClr val="tx1"/>
-            </a:solidFill>
-            <a:headEnd w="sm" len="sm"/>
-            <a:tailEnd type="arrow" w="sm" len="sm"/>
-          </a:ln>
-        </p:spPr>
-        <p:style>
-          <a:lnRef idx="1">
-            <a:schemeClr val="accent1"/>
-          </a:lnRef>
-          <a:fillRef idx="0">
-            <a:schemeClr val="accent1"/>
-          </a:fillRef>
-          <a:effectRef idx="0">
-            <a:schemeClr val="accent1"/>
-          </a:effectRef>
-          <a:fontRef idx="minor">
-            <a:schemeClr val="tx1"/>
-          </a:fontRef>
-        </p:style>
-      </p:cxnSp>
-      <p:cxnSp>
-        <p:nvCxnSpPr>
-          <p:cNvPr id="30" name="Straight Arrow Connector 29"/>
-          <p:cNvCxnSpPr/>
-          <p:nvPr/>
-        </p:nvCxnSpPr>
-        <p:spPr>
-          <a:xfrm>
-            <a:off x="2363973" y="733886"/>
-            <a:ext cx="544255" cy="767"/>
-          </a:xfrm>
-          <a:prstGeom prst="straightConnector1">
-            <a:avLst/>
-          </a:prstGeom>
-          <a:ln w="19050">
-            <a:solidFill>
-              <a:schemeClr val="tx1"/>
-            </a:solidFill>
-            <a:headEnd w="sm" len="sm"/>
-            <a:tailEnd type="arrow" w="sm" len="sm"/>
-          </a:ln>
-        </p:spPr>
-        <p:style>
-          <a:lnRef idx="1">
-            <a:schemeClr val="accent1"/>
-          </a:lnRef>
-          <a:fillRef idx="0">
-            <a:schemeClr val="accent1"/>
-          </a:fillRef>
-          <a:effectRef idx="0">
-            <a:schemeClr val="accent1"/>
-          </a:effectRef>
-          <a:fontRef idx="minor">
-            <a:schemeClr val="tx1"/>
-          </a:fontRef>
-        </p:style>
-      </p:cxnSp>
-      <p:sp>
-        <p:nvSpPr>
-          <p:cNvPr id="32" name="Rectangle 31"/>
-          <p:cNvSpPr/>
-          <p:nvPr/>
-        </p:nvSpPr>
-        <p:spPr>
-          <a:xfrm>
-            <a:off x="242392" y="580343"/>
-            <a:ext cx="483150" cy="156647"/>
-          </a:xfrm>
-          <a:prstGeom prst="rect">
-            <a:avLst/>
-          </a:prstGeom>
-          <a:noFill/>
-          <a:ln w="12700">
-            <a:noFill/>
-          </a:ln>
-        </p:spPr>
-        <p:style>
-          <a:lnRef idx="2">
-            <a:schemeClr val="accent1">
-              <a:shade val="50000"/>
-            </a:schemeClr>
-          </a:lnRef>
-          <a:fillRef idx="1">
-            <a:schemeClr val="accent1"/>
-          </a:fillRef>
-          <a:effectRef idx="0">
-            <a:schemeClr val="accent1"/>
-          </a:effectRef>
-          <a:fontRef idx="minor">
-            <a:schemeClr val="lt1"/>
-          </a:fontRef>
-        </p:style>
-        <p:txBody>
-          <a:bodyPr rtlCol="0" anchor="ctr"/>
-          <a:lstStyle/>
-          <a:p>
-            <a:pPr algn="ctr"/>
-            <a:r>
-              <a:rPr lang="en-US" sz="900" dirty="0" smtClean="0">
-                <a:solidFill>
-                  <a:schemeClr val="tx1"/>
-                </a:solidFill>
-                <a:latin typeface="Times New Roman" pitchFamily="18" charset="0"/>
-                <a:cs typeface="Times New Roman" pitchFamily="18" charset="0"/>
-              </a:rPr>
-              <a:t>events</a:t>
-            </a:r>
-            <a:endParaRPr lang="en-US" sz="900" dirty="0" smtClean="0">
-              <a:solidFill>
-                <a:schemeClr val="tx1"/>
-              </a:solidFill>
-              <a:latin typeface="Times New Roman" pitchFamily="18" charset="0"/>
-              <a:cs typeface="Times New Roman" pitchFamily="18" charset="0"/>
-            </a:endParaRPr>
-          </a:p>
-        </p:txBody>
-      </p:sp>
-      <p:sp>
-        <p:nvSpPr>
-          <p:cNvPr id="37" name="Rectangle 36"/>
-          <p:cNvSpPr/>
-          <p:nvPr/>
-        </p:nvSpPr>
-        <p:spPr>
-          <a:xfrm>
-            <a:off x="2291490" y="486799"/>
-            <a:ext cx="689222" cy="211786"/>
-          </a:xfrm>
-          <a:prstGeom prst="rect">
-            <a:avLst/>
-          </a:prstGeom>
-          <a:noFill/>
-          <a:ln w="12700">
-            <a:noFill/>
-          </a:ln>
-        </p:spPr>
-        <p:style>
-          <a:lnRef idx="2">
-            <a:schemeClr val="accent1">
-              <a:shade val="50000"/>
-            </a:schemeClr>
-          </a:lnRef>
-          <a:fillRef idx="1">
-            <a:schemeClr val="accent1"/>
-          </a:fillRef>
-          <a:effectRef idx="0">
-            <a:schemeClr val="accent1"/>
-          </a:effectRef>
-          <a:fontRef idx="minor">
-            <a:schemeClr val="lt1"/>
-          </a:fontRef>
-        </p:style>
-        <p:txBody>
-          <a:bodyPr rtlCol="0" anchor="ctr"/>
-          <a:lstStyle/>
-          <a:p>
-            <a:pPr algn="ctr"/>
-            <a:r>
-              <a:rPr lang="en-US" sz="900" dirty="0" smtClean="0">
-                <a:solidFill>
-                  <a:schemeClr val="tx1"/>
-                </a:solidFill>
-                <a:latin typeface="Times New Roman" pitchFamily="18" charset="0"/>
-                <a:cs typeface="Times New Roman" pitchFamily="18" charset="0"/>
-              </a:rPr>
-              <a:t>monitored events</a:t>
-            </a:r>
-            <a:endParaRPr lang="en-US" sz="900" dirty="0" smtClean="0">
-              <a:solidFill>
-                <a:schemeClr val="tx1"/>
-              </a:solidFill>
-              <a:latin typeface="Times New Roman" pitchFamily="18" charset="0"/>
-              <a:cs typeface="Times New Roman" pitchFamily="18" charset="0"/>
-            </a:endParaRPr>
-          </a:p>
-        </p:txBody>
-      </p:sp>
-      <p:cxnSp>
-        <p:nvCxnSpPr>
-          <p:cNvPr id="48" name="Straight Arrow Connector 47"/>
-          <p:cNvCxnSpPr>
-            <a:stCxn id="19" idx="2"/>
-            <a:endCxn id="45" idx="0"/>
-          </p:cNvCxnSpPr>
-          <p:nvPr/>
-        </p:nvCxnSpPr>
-        <p:spPr>
-          <a:xfrm flipH="1">
-            <a:off x="2042467" y="333853"/>
-            <a:ext cx="1" cy="214333"/>
-          </a:xfrm>
-          <a:prstGeom prst="straightConnector1">
-            <a:avLst/>
-          </a:prstGeom>
-          <a:ln w="19050">
-            <a:solidFill>
-              <a:schemeClr val="tx1"/>
-            </a:solidFill>
-            <a:headEnd w="sm" len="sm"/>
-            <a:tailEnd type="arrow" w="sm" len="sm"/>
-          </a:ln>
-        </p:spPr>
-        <p:style>
-          <a:lnRef idx="1">
-            <a:schemeClr val="accent1"/>
-          </a:lnRef>
-          <a:fillRef idx="0">
-            <a:schemeClr val="accent1"/>
-          </a:fillRef>
-          <a:effectRef idx="0">
-            <a:schemeClr val="accent1"/>
-          </a:effectRef>
-          <a:fontRef idx="minor">
-            <a:schemeClr val="tx1"/>
-          </a:fontRef>
-        </p:style>
-      </p:cxnSp>
-      <p:sp>
-        <p:nvSpPr>
-          <p:cNvPr id="50" name="Rectangle 49"/>
-          <p:cNvSpPr/>
-          <p:nvPr/>
-        </p:nvSpPr>
-        <p:spPr>
-          <a:xfrm>
-            <a:off x="1484985" y="312277"/>
-            <a:ext cx="689222" cy="211786"/>
-          </a:xfrm>
-          <a:prstGeom prst="rect">
-            <a:avLst/>
-          </a:prstGeom>
-          <a:noFill/>
-          <a:ln w="12700">
-            <a:noFill/>
-          </a:ln>
-        </p:spPr>
-        <p:style>
-          <a:lnRef idx="2">
-            <a:schemeClr val="accent1">
-              <a:shade val="50000"/>
-            </a:schemeClr>
-          </a:lnRef>
-          <a:fillRef idx="1">
-            <a:schemeClr val="accent1"/>
-          </a:fillRef>
-          <a:effectRef idx="0">
-            <a:schemeClr val="accent1"/>
-          </a:effectRef>
-          <a:fontRef idx="minor">
-            <a:schemeClr val="lt1"/>
-          </a:fontRef>
-        </p:style>
-        <p:txBody>
-          <a:bodyPr rtlCol="0" anchor="ctr"/>
-          <a:lstStyle/>
-          <a:p>
-            <a:pPr algn="ctr"/>
-            <a:r>
-              <a:rPr lang="en-US" sz="900" dirty="0" smtClean="0">
-                <a:solidFill>
-                  <a:schemeClr val="tx1"/>
-                </a:solidFill>
-                <a:latin typeface="Times New Roman" pitchFamily="18" charset="0"/>
-                <a:cs typeface="Times New Roman" pitchFamily="18" charset="0"/>
-              </a:rPr>
-              <a:t>drop</a:t>
-            </a:r>
-            <a:endParaRPr lang="en-US" sz="900" dirty="0" smtClean="0">
-              <a:solidFill>
-                <a:schemeClr val="tx1"/>
-              </a:solidFill>
-              <a:latin typeface="Times New Roman" pitchFamily="18" charset="0"/>
-              <a:cs typeface="Times New Roman" pitchFamily="18" charset="0"/>
-            </a:endParaRPr>
-          </a:p>
-        </p:txBody>
-      </p:sp>
     </p:spTree>
     <p:extLst>
       <p:ext uri="{BB962C8B-B14F-4D97-AF65-F5344CB8AC3E}">
-        <p14:creationId xmlns:p14="http://schemas.microsoft.com/office/powerpoint/2010/main" val="4134314914"/>
+        <p14:creationId xmlns:p14="http://schemas.microsoft.com/office/powerpoint/2010/main" val="3546894081"/>
       </p:ext>
     </p:extLst>
   </p:cSld>
@@ -5736,16 +8614,16 @@
       </p:grpSpPr>
       <p:sp>
         <p:nvSpPr>
-          <p:cNvPr id="29" name="Oval 28"/>
+          <p:cNvPr id="45" name="Rectangle 44"/>
           <p:cNvSpPr/>
           <p:nvPr/>
         </p:nvSpPr>
         <p:spPr>
           <a:xfrm>
-            <a:off x="529519" y="45700"/>
-            <a:ext cx="230429" cy="230429"/>
-          </a:xfrm>
-          <a:prstGeom prst="ellipse">
+            <a:off x="1327496" y="890609"/>
+            <a:ext cx="1028737" cy="268835"/>
+          </a:xfrm>
+          <a:prstGeom prst="rect">
             <a:avLst/>
           </a:prstGeom>
           <a:solidFill>
@@ -5786,34 +8664,66 @@
                 <a:latin typeface="Times New Roman" pitchFamily="18" charset="0"/>
                 <a:cs typeface="Times New Roman" pitchFamily="18" charset="0"/>
               </a:rPr>
-              <a:t>A</a:t>
-            </a:r>
-            <a:endParaRPr lang="en-US" sz="900" dirty="0">
-              <a:solidFill>
-                <a:schemeClr val="tx1"/>
-              </a:solidFill>
-              <a:latin typeface="Times New Roman" pitchFamily="18" charset="0"/>
-              <a:cs typeface="Times New Roman" pitchFamily="18" charset="0"/>
-            </a:endParaRPr>
-          </a:p>
-        </p:txBody>
-      </p:sp>
-      <p:sp>
-        <p:nvSpPr>
-          <p:cNvPr id="30" name="Oval 29"/>
+              <a:t>Dataflow Engine</a:t>
+            </a:r>
+          </a:p>
+        </p:txBody>
+      </p:sp>
+      <p:cxnSp>
+        <p:nvCxnSpPr>
+          <p:cNvPr id="54" name="Straight Arrow Connector 53"/>
+          <p:cNvCxnSpPr>
+            <a:endCxn id="18" idx="1"/>
+          </p:cNvCxnSpPr>
+          <p:nvPr/>
+        </p:nvCxnSpPr>
+        <p:spPr>
+          <a:xfrm flipV="1">
+            <a:off x="223891" y="177461"/>
+            <a:ext cx="500459" cy="254"/>
+          </a:xfrm>
+          <a:prstGeom prst="straightConnector1">
+            <a:avLst/>
+          </a:prstGeom>
+          <a:ln w="19050">
+            <a:solidFill>
+              <a:schemeClr val="tx1"/>
+            </a:solidFill>
+            <a:headEnd w="sm" len="sm"/>
+            <a:tailEnd type="arrow" w="sm" len="sm"/>
+          </a:ln>
+        </p:spPr>
+        <p:style>
+          <a:lnRef idx="1">
+            <a:schemeClr val="accent1"/>
+          </a:lnRef>
+          <a:fillRef idx="0">
+            <a:schemeClr val="accent1"/>
+          </a:fillRef>
+          <a:effectRef idx="0">
+            <a:schemeClr val="accent1"/>
+          </a:effectRef>
+          <a:fontRef idx="minor">
+            <a:schemeClr val="tx1"/>
+          </a:fontRef>
+        </p:style>
+      </p:cxnSp>
+      <p:sp>
+        <p:nvSpPr>
+          <p:cNvPr id="13" name="Rectangle 12"/>
           <p:cNvSpPr/>
           <p:nvPr/>
         </p:nvSpPr>
         <p:spPr>
-          <a:xfrm>
-            <a:off x="1002441" y="45702"/>
-            <a:ext cx="230429" cy="230429"/>
-          </a:xfrm>
-          <a:prstGeom prst="ellipse">
+          <a:xfrm rot="16200000">
+            <a:off x="2472689" y="450680"/>
+            <a:ext cx="1138886" cy="278641"/>
+          </a:xfrm>
+          <a:prstGeom prst="rect">
             <a:avLst/>
           </a:prstGeom>
           <a:solidFill>
-            <a:srgbClr val="FFFFCC"/>
+            <a:srgbClr val="66CCFF"/>
           </a:solidFill>
           <a:ln w="12700">
             <a:solidFill>
@@ -5850,74 +8760,27 @@
                 <a:latin typeface="Times New Roman" pitchFamily="18" charset="0"/>
                 <a:cs typeface="Times New Roman" pitchFamily="18" charset="0"/>
               </a:rPr>
-              <a:t>B</a:t>
-            </a:r>
-            <a:endParaRPr lang="en-US" sz="900" dirty="0">
-              <a:solidFill>
-                <a:schemeClr val="tx1"/>
-              </a:solidFill>
-              <a:latin typeface="Times New Roman" pitchFamily="18" charset="0"/>
-              <a:cs typeface="Times New Roman" pitchFamily="18" charset="0"/>
-            </a:endParaRPr>
-          </a:p>
-        </p:txBody>
-      </p:sp>
-      <p:cxnSp>
-        <p:nvCxnSpPr>
-          <p:cNvPr id="31" name="Straight Arrow Connector 30"/>
-          <p:cNvCxnSpPr>
-            <a:stCxn id="29" idx="6"/>
-            <a:endCxn id="30" idx="2"/>
-          </p:cNvCxnSpPr>
-          <p:nvPr/>
-        </p:nvCxnSpPr>
-        <p:spPr>
-          <a:xfrm>
-            <a:off x="759948" y="160915"/>
-            <a:ext cx="242493" cy="2"/>
-          </a:xfrm>
-          <a:prstGeom prst="straightConnector1">
-            <a:avLst/>
-          </a:prstGeom>
-          <a:ln w="19050">
-            <a:solidFill>
-              <a:schemeClr val="tx1"/>
-            </a:solidFill>
-            <a:headEnd w="sm" len="sm"/>
-            <a:tailEnd type="arrow" w="sm" len="sm"/>
-          </a:ln>
-        </p:spPr>
-        <p:style>
-          <a:lnRef idx="1">
-            <a:schemeClr val="accent1"/>
-          </a:lnRef>
-          <a:fillRef idx="0">
-            <a:schemeClr val="accent1"/>
-          </a:fillRef>
-          <a:effectRef idx="0">
-            <a:schemeClr val="accent1"/>
-          </a:effectRef>
-          <a:fontRef idx="minor">
-            <a:schemeClr val="tx1"/>
-          </a:fontRef>
-        </p:style>
-      </p:cxnSp>
-      <p:sp>
-        <p:nvSpPr>
-          <p:cNvPr id="34" name="Oval 33"/>
+              <a:t>Monitoring Core</a:t>
+            </a:r>
+          </a:p>
+        </p:txBody>
+      </p:sp>
+      <p:sp>
+        <p:nvSpPr>
+          <p:cNvPr id="14" name="Rectangle 13"/>
           <p:cNvSpPr/>
           <p:nvPr/>
         </p:nvSpPr>
         <p:spPr>
-          <a:xfrm>
-            <a:off x="1475363" y="46022"/>
-            <a:ext cx="230429" cy="230429"/>
-          </a:xfrm>
-          <a:prstGeom prst="ellipse">
+          <a:xfrm rot="16200000">
+            <a:off x="-414460" y="450556"/>
+            <a:ext cx="1139141" cy="278638"/>
+          </a:xfrm>
+          <a:prstGeom prst="rect">
             <a:avLst/>
           </a:prstGeom>
           <a:solidFill>
-            <a:srgbClr val="FFFFCC"/>
+            <a:srgbClr val="66CCFF"/>
           </a:solidFill>
           <a:ln w="12700">
             <a:solidFill>
@@ -5954,362 +8817,9 @@
                 <a:latin typeface="Times New Roman" pitchFamily="18" charset="0"/>
                 <a:cs typeface="Times New Roman" pitchFamily="18" charset="0"/>
               </a:rPr>
-              <a:t>C</a:t>
-            </a:r>
-            <a:endParaRPr lang="en-US" sz="900" dirty="0">
-              <a:solidFill>
-                <a:schemeClr val="tx1"/>
-              </a:solidFill>
-              <a:latin typeface="Times New Roman" pitchFamily="18" charset="0"/>
-              <a:cs typeface="Times New Roman" pitchFamily="18" charset="0"/>
-            </a:endParaRPr>
-          </a:p>
-        </p:txBody>
-      </p:sp>
-      <p:cxnSp>
-        <p:nvCxnSpPr>
-          <p:cNvPr id="39" name="Straight Arrow Connector 38"/>
-          <p:cNvCxnSpPr/>
-          <p:nvPr/>
-        </p:nvCxnSpPr>
-        <p:spPr>
-          <a:xfrm>
-            <a:off x="1232870" y="161240"/>
-            <a:ext cx="242493" cy="2"/>
-          </a:xfrm>
-          <a:prstGeom prst="straightConnector1">
-            <a:avLst/>
-          </a:prstGeom>
-          <a:ln w="19050">
-            <a:solidFill>
-              <a:schemeClr val="tx1"/>
-            </a:solidFill>
-            <a:headEnd w="sm" len="sm"/>
-            <a:tailEnd type="arrow" w="sm" len="sm"/>
-          </a:ln>
-        </p:spPr>
-        <p:style>
-          <a:lnRef idx="1">
-            <a:schemeClr val="accent1"/>
-          </a:lnRef>
-          <a:fillRef idx="0">
-            <a:schemeClr val="accent1"/>
-          </a:fillRef>
-          <a:effectRef idx="0">
-            <a:schemeClr val="accent1"/>
-          </a:effectRef>
-          <a:fontRef idx="minor">
-            <a:schemeClr val="tx1"/>
-          </a:fontRef>
-        </p:style>
-      </p:cxnSp>
-      <p:sp>
-        <p:nvSpPr>
-          <p:cNvPr id="41" name="Oval 40"/>
-          <p:cNvSpPr/>
-          <p:nvPr/>
-        </p:nvSpPr>
-        <p:spPr>
-          <a:xfrm>
-            <a:off x="1948285" y="46022"/>
-            <a:ext cx="230429" cy="230429"/>
-          </a:xfrm>
-          <a:prstGeom prst="ellipse">
-            <a:avLst/>
-          </a:prstGeom>
-          <a:solidFill>
-            <a:srgbClr val="FFFFCC"/>
-          </a:solidFill>
-          <a:ln w="12700">
-            <a:solidFill>
-              <a:schemeClr val="tx1"/>
-            </a:solidFill>
-          </a:ln>
-        </p:spPr>
-        <p:style>
-          <a:lnRef idx="2">
-            <a:schemeClr val="accent1">
-              <a:shade val="50000"/>
-            </a:schemeClr>
-          </a:lnRef>
-          <a:fillRef idx="1">
-            <a:schemeClr val="accent1"/>
-          </a:fillRef>
-          <a:effectRef idx="0">
-            <a:schemeClr val="accent1"/>
-          </a:effectRef>
-          <a:fontRef idx="minor">
-            <a:schemeClr val="lt1"/>
-          </a:fontRef>
-        </p:style>
-        <p:txBody>
-          <a:bodyPr rtlCol="0" anchor="ctr"/>
-          <a:lstStyle/>
-          <a:p>
-            <a:pPr algn="ctr"/>
-            <a:r>
-              <a:rPr lang="en-US" sz="900" dirty="0">
-                <a:solidFill>
-                  <a:schemeClr val="tx1"/>
-                </a:solidFill>
-                <a:latin typeface="Times New Roman" pitchFamily="18" charset="0"/>
-                <a:cs typeface="Times New Roman" pitchFamily="18" charset="0"/>
-              </a:rPr>
-              <a:t>D</a:t>
-            </a:r>
-          </a:p>
-        </p:txBody>
-      </p:sp>
-      <p:cxnSp>
-        <p:nvCxnSpPr>
-          <p:cNvPr id="42" name="Straight Arrow Connector 41"/>
-          <p:cNvCxnSpPr/>
-          <p:nvPr/>
-        </p:nvCxnSpPr>
-        <p:spPr>
-          <a:xfrm>
-            <a:off x="1705792" y="161238"/>
-            <a:ext cx="242493" cy="2"/>
-          </a:xfrm>
-          <a:prstGeom prst="straightConnector1">
-            <a:avLst/>
-          </a:prstGeom>
-          <a:ln w="19050">
-            <a:solidFill>
-              <a:schemeClr val="tx1"/>
-            </a:solidFill>
-            <a:headEnd w="sm" len="sm"/>
-            <a:tailEnd type="arrow" w="sm" len="sm"/>
-          </a:ln>
-        </p:spPr>
-        <p:style>
-          <a:lnRef idx="1">
-            <a:schemeClr val="accent1"/>
-          </a:lnRef>
-          <a:fillRef idx="0">
-            <a:schemeClr val="accent1"/>
-          </a:fillRef>
-          <a:effectRef idx="0">
-            <a:schemeClr val="accent1"/>
-          </a:effectRef>
-          <a:fontRef idx="minor">
-            <a:schemeClr val="tx1"/>
-          </a:fontRef>
-        </p:style>
-      </p:cxnSp>
-      <p:cxnSp>
-        <p:nvCxnSpPr>
-          <p:cNvPr id="44" name="Straight Arrow Connector 43"/>
-          <p:cNvCxnSpPr/>
-          <p:nvPr/>
-        </p:nvCxnSpPr>
-        <p:spPr>
-          <a:xfrm>
-            <a:off x="2178714" y="161236"/>
-            <a:ext cx="242493" cy="2"/>
-          </a:xfrm>
-          <a:prstGeom prst="straightConnector1">
-            <a:avLst/>
-          </a:prstGeom>
-          <a:ln w="19050">
-            <a:solidFill>
-              <a:schemeClr val="tx1"/>
-            </a:solidFill>
-            <a:headEnd w="sm" len="sm"/>
-            <a:tailEnd type="arrow" w="sm" len="sm"/>
-          </a:ln>
-        </p:spPr>
-        <p:style>
-          <a:lnRef idx="1">
-            <a:schemeClr val="accent1"/>
-          </a:lnRef>
-          <a:fillRef idx="0">
-            <a:schemeClr val="accent1"/>
-          </a:fillRef>
-          <a:effectRef idx="0">
-            <a:schemeClr val="accent1"/>
-          </a:effectRef>
-          <a:fontRef idx="minor">
-            <a:schemeClr val="tx1"/>
-          </a:fontRef>
-        </p:style>
-      </p:cxnSp>
-      <p:sp>
-        <p:nvSpPr>
-          <p:cNvPr id="46" name="Oval 45"/>
-          <p:cNvSpPr/>
-          <p:nvPr/>
-        </p:nvSpPr>
-        <p:spPr>
-          <a:xfrm>
-            <a:off x="1475362" y="343520"/>
-            <a:ext cx="230429" cy="230429"/>
-          </a:xfrm>
-          <a:prstGeom prst="ellipse">
-            <a:avLst/>
-          </a:prstGeom>
-          <a:solidFill>
-            <a:srgbClr val="FFFFCC"/>
-          </a:solidFill>
-          <a:ln w="12700">
-            <a:solidFill>
-              <a:schemeClr val="tx1"/>
-            </a:solidFill>
-          </a:ln>
-        </p:spPr>
-        <p:style>
-          <a:lnRef idx="2">
-            <a:schemeClr val="accent1">
-              <a:shade val="50000"/>
-            </a:schemeClr>
-          </a:lnRef>
-          <a:fillRef idx="1">
-            <a:schemeClr val="accent1"/>
-          </a:fillRef>
-          <a:effectRef idx="0">
-            <a:schemeClr val="accent1"/>
-          </a:effectRef>
-          <a:fontRef idx="minor">
-            <a:schemeClr val="lt1"/>
-          </a:fontRef>
-        </p:style>
-        <p:txBody>
-          <a:bodyPr rtlCol="0" anchor="ctr"/>
-          <a:lstStyle/>
-          <a:p>
-            <a:pPr algn="ctr"/>
-            <a:r>
-              <a:rPr lang="en-US" sz="900" dirty="0">
-                <a:solidFill>
-                  <a:schemeClr val="tx1"/>
-                </a:solidFill>
-                <a:latin typeface="Times New Roman" pitchFamily="18" charset="0"/>
-                <a:cs typeface="Times New Roman" pitchFamily="18" charset="0"/>
-              </a:rPr>
-              <a:t>F</a:t>
-            </a:r>
-          </a:p>
-        </p:txBody>
-      </p:sp>
-      <p:cxnSp>
-        <p:nvCxnSpPr>
-          <p:cNvPr id="47" name="Straight Arrow Connector 46"/>
-          <p:cNvCxnSpPr>
-            <a:stCxn id="30" idx="5"/>
-            <a:endCxn id="46" idx="2"/>
-          </p:cNvCxnSpPr>
-          <p:nvPr/>
-        </p:nvCxnSpPr>
-        <p:spPr>
-          <a:xfrm>
-            <a:off x="1199124" y="242385"/>
-            <a:ext cx="276238" cy="216350"/>
-          </a:xfrm>
-          <a:prstGeom prst="straightConnector1">
-            <a:avLst/>
-          </a:prstGeom>
-          <a:ln w="19050">
-            <a:solidFill>
-              <a:schemeClr val="tx1"/>
-            </a:solidFill>
-            <a:headEnd w="sm" len="sm"/>
-            <a:tailEnd type="arrow" w="sm" len="sm"/>
-          </a:ln>
-        </p:spPr>
-        <p:style>
-          <a:lnRef idx="1">
-            <a:schemeClr val="accent1"/>
-          </a:lnRef>
-          <a:fillRef idx="0">
-            <a:schemeClr val="accent1"/>
-          </a:fillRef>
-          <a:effectRef idx="0">
-            <a:schemeClr val="accent1"/>
-          </a:effectRef>
-          <a:fontRef idx="minor">
-            <a:schemeClr val="tx1"/>
-          </a:fontRef>
-        </p:style>
-      </p:cxnSp>
-      <p:cxnSp>
-        <p:nvCxnSpPr>
-          <p:cNvPr id="51" name="Straight Arrow Connector 50"/>
-          <p:cNvCxnSpPr/>
-          <p:nvPr/>
-        </p:nvCxnSpPr>
-        <p:spPr>
-          <a:xfrm>
-            <a:off x="1709344" y="458735"/>
-            <a:ext cx="242493" cy="2"/>
-          </a:xfrm>
-          <a:prstGeom prst="straightConnector1">
-            <a:avLst/>
-          </a:prstGeom>
-          <a:ln w="19050">
-            <a:solidFill>
-              <a:schemeClr val="tx1"/>
-            </a:solidFill>
-            <a:headEnd w="sm" len="sm"/>
-            <a:tailEnd type="arrow" w="sm" len="sm"/>
-          </a:ln>
-        </p:spPr>
-        <p:style>
-          <a:lnRef idx="1">
-            <a:schemeClr val="accent1"/>
-          </a:lnRef>
-          <a:fillRef idx="0">
-            <a:schemeClr val="accent1"/>
-          </a:fillRef>
-          <a:effectRef idx="0">
-            <a:schemeClr val="accent1"/>
-          </a:effectRef>
-          <a:fontRef idx="minor">
-            <a:schemeClr val="tx1"/>
-          </a:fontRef>
-        </p:style>
-      </p:cxnSp>
-      <p:sp>
-        <p:nvSpPr>
-          <p:cNvPr id="2" name="Rectangle 1"/>
-          <p:cNvSpPr/>
-          <p:nvPr/>
-        </p:nvSpPr>
-        <p:spPr>
-          <a:xfrm>
-            <a:off x="1951837" y="343520"/>
-            <a:ext cx="230429" cy="230429"/>
-          </a:xfrm>
-          <a:prstGeom prst="rect">
-            <a:avLst/>
-          </a:prstGeom>
-          <a:solidFill>
-            <a:srgbClr val="FFFFCC"/>
-          </a:solidFill>
-          <a:ln w="12700">
-            <a:solidFill>
-              <a:schemeClr val="tx1"/>
-            </a:solidFill>
-          </a:ln>
-        </p:spPr>
-        <p:style>
-          <a:lnRef idx="2">
-            <a:schemeClr val="accent1">
-              <a:shade val="50000"/>
-            </a:schemeClr>
-          </a:lnRef>
-          <a:fillRef idx="1">
-            <a:schemeClr val="accent1"/>
-          </a:fillRef>
-          <a:effectRef idx="0">
-            <a:schemeClr val="accent1"/>
-          </a:effectRef>
-          <a:fontRef idx="minor">
-            <a:schemeClr val="lt1"/>
-          </a:fontRef>
-        </p:style>
-        <p:txBody>
-          <a:bodyPr rtlCol="0" anchor="ctr"/>
-          <a:lstStyle/>
+              <a:t>Main</a:t>
+            </a:r>
+          </a:p>
           <a:p>
             <a:pPr algn="ctr"/>
             <a:r>
@@ -6320,28 +8830,21 @@
                 <a:latin typeface="Times New Roman" pitchFamily="18" charset="0"/>
                 <a:cs typeface="Times New Roman" pitchFamily="18" charset="0"/>
               </a:rPr>
-              <a:t>G</a:t>
-            </a:r>
-            <a:endParaRPr lang="en-US" sz="900" dirty="0">
-              <a:solidFill>
-                <a:schemeClr val="tx1"/>
-              </a:solidFill>
-              <a:latin typeface="Times New Roman" pitchFamily="18" charset="0"/>
-              <a:cs typeface="Times New Roman" pitchFamily="18" charset="0"/>
-            </a:endParaRPr>
-          </a:p>
-        </p:txBody>
-      </p:sp>
-      <p:sp>
-        <p:nvSpPr>
-          <p:cNvPr id="16" name="Rectangle 15"/>
+              <a:t>Core</a:t>
+            </a:r>
+          </a:p>
+        </p:txBody>
+      </p:sp>
+      <p:sp>
+        <p:nvSpPr>
+          <p:cNvPr id="17" name="Rectangle 16"/>
           <p:cNvSpPr/>
           <p:nvPr/>
         </p:nvSpPr>
         <p:spPr>
           <a:xfrm>
-            <a:off x="2421207" y="45699"/>
-            <a:ext cx="230429" cy="230429"/>
+            <a:off x="724350" y="438911"/>
+            <a:ext cx="453395" cy="259674"/>
           </a:xfrm>
           <a:prstGeom prst="rect">
             <a:avLst/>
@@ -6384,9 +8887,833 @@
                 <a:latin typeface="Times New Roman" pitchFamily="18" charset="0"/>
                 <a:cs typeface="Times New Roman" pitchFamily="18" charset="0"/>
               </a:rPr>
-              <a:t>E</a:t>
-            </a:r>
-            <a:endParaRPr lang="en-US" sz="900" dirty="0">
+              <a:t>FIFO</a:t>
+            </a:r>
+          </a:p>
+        </p:txBody>
+      </p:sp>
+      <p:sp>
+        <p:nvSpPr>
+          <p:cNvPr id="18" name="Rectangle 17"/>
+          <p:cNvSpPr/>
+          <p:nvPr/>
+        </p:nvSpPr>
+        <p:spPr>
+          <a:xfrm>
+            <a:off x="724350" y="20814"/>
+            <a:ext cx="651851" cy="313294"/>
+          </a:xfrm>
+          <a:prstGeom prst="rect">
+            <a:avLst/>
+          </a:prstGeom>
+          <a:solidFill>
+            <a:srgbClr val="FFFFCC"/>
+          </a:solidFill>
+          <a:ln w="12700">
+            <a:solidFill>
+              <a:schemeClr val="tx1"/>
+            </a:solidFill>
+          </a:ln>
+        </p:spPr>
+        <p:style>
+          <a:lnRef idx="2">
+            <a:schemeClr val="accent1">
+              <a:shade val="50000"/>
+            </a:schemeClr>
+          </a:lnRef>
+          <a:fillRef idx="1">
+            <a:schemeClr val="accent1"/>
+          </a:fillRef>
+          <a:effectRef idx="0">
+            <a:schemeClr val="accent1"/>
+          </a:effectRef>
+          <a:fontRef idx="minor">
+            <a:schemeClr val="lt1"/>
+          </a:fontRef>
+        </p:style>
+        <p:txBody>
+          <a:bodyPr rtlCol="0" anchor="ctr"/>
+          <a:lstStyle/>
+          <a:p>
+            <a:pPr algn="ctr"/>
+            <a:r>
+              <a:rPr lang="en-US" sz="900" dirty="0" smtClean="0">
+                <a:solidFill>
+                  <a:schemeClr val="tx1"/>
+                </a:solidFill>
+                <a:latin typeface="Times New Roman" pitchFamily="18" charset="0"/>
+                <a:cs typeface="Times New Roman" pitchFamily="18" charset="0"/>
+              </a:rPr>
+              <a:t>Slack Tracking</a:t>
+            </a:r>
+          </a:p>
+        </p:txBody>
+      </p:sp>
+      <p:sp>
+        <p:nvSpPr>
+          <p:cNvPr id="19" name="Rectangle 18"/>
+          <p:cNvSpPr/>
+          <p:nvPr/>
+        </p:nvSpPr>
+        <p:spPr>
+          <a:xfrm>
+            <a:off x="1938106" y="438911"/>
+            <a:ext cx="418127" cy="259513"/>
+          </a:xfrm>
+          <a:prstGeom prst="rect">
+            <a:avLst/>
+          </a:prstGeom>
+          <a:solidFill>
+            <a:srgbClr val="FFFFCC"/>
+          </a:solidFill>
+          <a:ln w="12700">
+            <a:solidFill>
+              <a:schemeClr val="tx1"/>
+            </a:solidFill>
+          </a:ln>
+        </p:spPr>
+        <p:style>
+          <a:lnRef idx="2">
+            <a:schemeClr val="accent1">
+              <a:shade val="50000"/>
+            </a:schemeClr>
+          </a:lnRef>
+          <a:fillRef idx="1">
+            <a:schemeClr val="accent1"/>
+          </a:fillRef>
+          <a:effectRef idx="0">
+            <a:schemeClr val="accent1"/>
+          </a:effectRef>
+          <a:fontRef idx="minor">
+            <a:schemeClr val="lt1"/>
+          </a:fontRef>
+        </p:style>
+        <p:txBody>
+          <a:bodyPr rtlCol="0" anchor="ctr"/>
+          <a:lstStyle/>
+          <a:p>
+            <a:pPr algn="ctr"/>
+            <a:r>
+              <a:rPr lang="en-US" sz="900" dirty="0" smtClean="0">
+                <a:solidFill>
+                  <a:schemeClr val="tx1"/>
+                </a:solidFill>
+                <a:latin typeface="Times New Roman" pitchFamily="18" charset="0"/>
+                <a:cs typeface="Times New Roman" pitchFamily="18" charset="0"/>
+              </a:rPr>
+              <a:t>Drop</a:t>
+            </a:r>
+          </a:p>
+        </p:txBody>
+      </p:sp>
+      <p:sp>
+        <p:nvSpPr>
+          <p:cNvPr id="24" name="Rectangle 23"/>
+          <p:cNvSpPr/>
+          <p:nvPr/>
+        </p:nvSpPr>
+        <p:spPr>
+          <a:xfrm>
+            <a:off x="1327496" y="16404"/>
+            <a:ext cx="423675" cy="156647"/>
+          </a:xfrm>
+          <a:prstGeom prst="rect">
+            <a:avLst/>
+          </a:prstGeom>
+          <a:noFill/>
+          <a:ln w="12700">
+            <a:noFill/>
+          </a:ln>
+        </p:spPr>
+        <p:style>
+          <a:lnRef idx="2">
+            <a:schemeClr val="accent1">
+              <a:shade val="50000"/>
+            </a:schemeClr>
+          </a:lnRef>
+          <a:fillRef idx="1">
+            <a:schemeClr val="accent1"/>
+          </a:fillRef>
+          <a:effectRef idx="0">
+            <a:schemeClr val="accent1"/>
+          </a:effectRef>
+          <a:fontRef idx="minor">
+            <a:schemeClr val="lt1"/>
+          </a:fontRef>
+        </p:style>
+        <p:txBody>
+          <a:bodyPr rtlCol="0" anchor="ctr"/>
+          <a:lstStyle/>
+          <a:p>
+            <a:pPr algn="ctr"/>
+            <a:r>
+              <a:rPr lang="en-US" sz="900" dirty="0" smtClean="0">
+                <a:solidFill>
+                  <a:schemeClr val="tx1"/>
+                </a:solidFill>
+                <a:latin typeface="Times New Roman" pitchFamily="18" charset="0"/>
+                <a:cs typeface="Times New Roman" pitchFamily="18" charset="0"/>
+              </a:rPr>
+              <a:t>slack</a:t>
+            </a:r>
+          </a:p>
+        </p:txBody>
+      </p:sp>
+      <p:cxnSp>
+        <p:nvCxnSpPr>
+          <p:cNvPr id="26" name="Straight Arrow Connector 25"/>
+          <p:cNvCxnSpPr/>
+          <p:nvPr/>
+        </p:nvCxnSpPr>
+        <p:spPr>
+          <a:xfrm>
+            <a:off x="296814" y="581034"/>
+            <a:ext cx="428728" cy="0"/>
+          </a:xfrm>
+          <a:prstGeom prst="straightConnector1">
+            <a:avLst/>
+          </a:prstGeom>
+          <a:ln w="19050">
+            <a:solidFill>
+              <a:schemeClr val="tx1"/>
+            </a:solidFill>
+            <a:headEnd w="sm" len="sm"/>
+            <a:tailEnd type="arrow" w="sm" len="sm"/>
+          </a:ln>
+        </p:spPr>
+        <p:style>
+          <a:lnRef idx="1">
+            <a:schemeClr val="accent1"/>
+          </a:lnRef>
+          <a:fillRef idx="0">
+            <a:schemeClr val="accent1"/>
+          </a:fillRef>
+          <a:effectRef idx="0">
+            <a:schemeClr val="accent1"/>
+          </a:effectRef>
+          <a:fontRef idx="minor">
+            <a:schemeClr val="tx1"/>
+          </a:fontRef>
+        </p:style>
+      </p:cxnSp>
+      <p:cxnSp>
+        <p:nvCxnSpPr>
+          <p:cNvPr id="30" name="Straight Arrow Connector 29"/>
+          <p:cNvCxnSpPr/>
+          <p:nvPr/>
+        </p:nvCxnSpPr>
+        <p:spPr>
+          <a:xfrm flipV="1">
+            <a:off x="2356233" y="583370"/>
+            <a:ext cx="544734" cy="2"/>
+          </a:xfrm>
+          <a:prstGeom prst="straightConnector1">
+            <a:avLst/>
+          </a:prstGeom>
+          <a:ln w="19050">
+            <a:solidFill>
+              <a:schemeClr val="tx1"/>
+            </a:solidFill>
+            <a:headEnd w="sm" len="sm"/>
+            <a:tailEnd type="arrow" w="sm" len="sm"/>
+          </a:ln>
+        </p:spPr>
+        <p:style>
+          <a:lnRef idx="1">
+            <a:schemeClr val="accent1"/>
+          </a:lnRef>
+          <a:fillRef idx="0">
+            <a:schemeClr val="accent1"/>
+          </a:fillRef>
+          <a:effectRef idx="0">
+            <a:schemeClr val="accent1"/>
+          </a:effectRef>
+          <a:fontRef idx="minor">
+            <a:schemeClr val="tx1"/>
+          </a:fontRef>
+        </p:style>
+      </p:cxnSp>
+      <p:sp>
+        <p:nvSpPr>
+          <p:cNvPr id="32" name="Rectangle 31"/>
+          <p:cNvSpPr/>
+          <p:nvPr/>
+        </p:nvSpPr>
+        <p:spPr>
+          <a:xfrm>
+            <a:off x="242392" y="426723"/>
+            <a:ext cx="483150" cy="156647"/>
+          </a:xfrm>
+          <a:prstGeom prst="rect">
+            <a:avLst/>
+          </a:prstGeom>
+          <a:noFill/>
+          <a:ln w="12700">
+            <a:noFill/>
+          </a:ln>
+        </p:spPr>
+        <p:style>
+          <a:lnRef idx="2">
+            <a:schemeClr val="accent1">
+              <a:shade val="50000"/>
+            </a:schemeClr>
+          </a:lnRef>
+          <a:fillRef idx="1">
+            <a:schemeClr val="accent1"/>
+          </a:fillRef>
+          <a:effectRef idx="0">
+            <a:schemeClr val="accent1"/>
+          </a:effectRef>
+          <a:fontRef idx="minor">
+            <a:schemeClr val="lt1"/>
+          </a:fontRef>
+        </p:style>
+        <p:txBody>
+          <a:bodyPr rtlCol="0" anchor="ctr"/>
+          <a:lstStyle/>
+          <a:p>
+            <a:pPr algn="ctr"/>
+            <a:r>
+              <a:rPr lang="en-US" sz="900" dirty="0" smtClean="0">
+                <a:solidFill>
+                  <a:schemeClr val="tx1"/>
+                </a:solidFill>
+                <a:latin typeface="Times New Roman" pitchFamily="18" charset="0"/>
+                <a:cs typeface="Times New Roman" pitchFamily="18" charset="0"/>
+              </a:rPr>
+              <a:t>events</a:t>
+            </a:r>
+          </a:p>
+        </p:txBody>
+      </p:sp>
+      <p:sp>
+        <p:nvSpPr>
+          <p:cNvPr id="37" name="Rectangle 36"/>
+          <p:cNvSpPr/>
+          <p:nvPr/>
+        </p:nvSpPr>
+        <p:spPr>
+          <a:xfrm>
+            <a:off x="2283989" y="320830"/>
+            <a:ext cx="689222" cy="211786"/>
+          </a:xfrm>
+          <a:prstGeom prst="rect">
+            <a:avLst/>
+          </a:prstGeom>
+          <a:noFill/>
+          <a:ln w="12700">
+            <a:noFill/>
+          </a:ln>
+        </p:spPr>
+        <p:style>
+          <a:lnRef idx="2">
+            <a:schemeClr val="accent1">
+              <a:shade val="50000"/>
+            </a:schemeClr>
+          </a:lnRef>
+          <a:fillRef idx="1">
+            <a:schemeClr val="accent1"/>
+          </a:fillRef>
+          <a:effectRef idx="0">
+            <a:schemeClr val="accent1"/>
+          </a:effectRef>
+          <a:fontRef idx="minor">
+            <a:schemeClr val="lt1"/>
+          </a:fontRef>
+        </p:style>
+        <p:txBody>
+          <a:bodyPr rtlCol="0" anchor="ctr"/>
+          <a:lstStyle/>
+          <a:p>
+            <a:pPr algn="ctr"/>
+            <a:r>
+              <a:rPr lang="en-US" sz="900" dirty="0" smtClean="0">
+                <a:solidFill>
+                  <a:schemeClr val="tx1"/>
+                </a:solidFill>
+                <a:latin typeface="Times New Roman" pitchFamily="18" charset="0"/>
+                <a:cs typeface="Times New Roman" pitchFamily="18" charset="0"/>
+              </a:rPr>
+              <a:t>monitored events</a:t>
+            </a:r>
+          </a:p>
+        </p:txBody>
+      </p:sp>
+      <p:sp>
+        <p:nvSpPr>
+          <p:cNvPr id="25" name="Rectangle 24"/>
+          <p:cNvSpPr/>
+          <p:nvPr/>
+        </p:nvSpPr>
+        <p:spPr>
+          <a:xfrm>
+            <a:off x="1327496" y="438911"/>
+            <a:ext cx="460859" cy="259513"/>
+          </a:xfrm>
+          <a:prstGeom prst="rect">
+            <a:avLst/>
+          </a:prstGeom>
+          <a:solidFill>
+            <a:srgbClr val="FFFFCC"/>
+          </a:solidFill>
+          <a:ln w="12700">
+            <a:solidFill>
+              <a:schemeClr val="tx1"/>
+            </a:solidFill>
+          </a:ln>
+        </p:spPr>
+        <p:style>
+          <a:lnRef idx="2">
+            <a:schemeClr val="accent1">
+              <a:shade val="50000"/>
+            </a:schemeClr>
+          </a:lnRef>
+          <a:fillRef idx="1">
+            <a:schemeClr val="accent1"/>
+          </a:fillRef>
+          <a:effectRef idx="0">
+            <a:schemeClr val="accent1"/>
+          </a:effectRef>
+          <a:fontRef idx="minor">
+            <a:schemeClr val="lt1"/>
+          </a:fontRef>
+        </p:style>
+        <p:txBody>
+          <a:bodyPr rtlCol="0" anchor="ctr"/>
+          <a:lstStyle/>
+          <a:p>
+            <a:pPr algn="ctr"/>
+            <a:r>
+              <a:rPr lang="en-US" sz="900" dirty="0" smtClean="0">
+                <a:solidFill>
+                  <a:schemeClr val="tx1"/>
+                </a:solidFill>
+                <a:latin typeface="Times New Roman" pitchFamily="18" charset="0"/>
+                <a:cs typeface="Times New Roman" pitchFamily="18" charset="0"/>
+              </a:rPr>
+              <a:t>Filter</a:t>
+            </a:r>
+          </a:p>
+        </p:txBody>
+      </p:sp>
+      <p:cxnSp>
+        <p:nvCxnSpPr>
+          <p:cNvPr id="39" name="Straight Arrow Connector 38"/>
+          <p:cNvCxnSpPr/>
+          <p:nvPr/>
+        </p:nvCxnSpPr>
+        <p:spPr>
+          <a:xfrm>
+            <a:off x="1177744" y="574218"/>
+            <a:ext cx="149751" cy="0"/>
+          </a:xfrm>
+          <a:prstGeom prst="straightConnector1">
+            <a:avLst/>
+          </a:prstGeom>
+          <a:ln w="19050">
+            <a:solidFill>
+              <a:schemeClr val="tx1"/>
+            </a:solidFill>
+            <a:headEnd w="sm" len="sm"/>
+            <a:tailEnd type="arrow" w="sm" len="sm"/>
+          </a:ln>
+        </p:spPr>
+        <p:style>
+          <a:lnRef idx="1">
+            <a:schemeClr val="accent1"/>
+          </a:lnRef>
+          <a:fillRef idx="0">
+            <a:schemeClr val="accent1"/>
+          </a:fillRef>
+          <a:effectRef idx="0">
+            <a:schemeClr val="accent1"/>
+          </a:effectRef>
+          <a:fontRef idx="minor">
+            <a:schemeClr val="tx1"/>
+          </a:fontRef>
+        </p:style>
+      </p:cxnSp>
+      <p:cxnSp>
+        <p:nvCxnSpPr>
+          <p:cNvPr id="42" name="Straight Arrow Connector 41"/>
+          <p:cNvCxnSpPr/>
+          <p:nvPr/>
+        </p:nvCxnSpPr>
+        <p:spPr>
+          <a:xfrm>
+            <a:off x="1788355" y="574218"/>
+            <a:ext cx="149751" cy="0"/>
+          </a:xfrm>
+          <a:prstGeom prst="straightConnector1">
+            <a:avLst/>
+          </a:prstGeom>
+          <a:ln w="19050">
+            <a:solidFill>
+              <a:schemeClr val="tx1"/>
+            </a:solidFill>
+            <a:headEnd w="sm" len="sm"/>
+            <a:tailEnd type="arrow" w="sm" len="sm"/>
+          </a:ln>
+        </p:spPr>
+        <p:style>
+          <a:lnRef idx="1">
+            <a:schemeClr val="accent1"/>
+          </a:lnRef>
+          <a:fillRef idx="0">
+            <a:schemeClr val="accent1"/>
+          </a:fillRef>
+          <a:effectRef idx="0">
+            <a:schemeClr val="accent1"/>
+          </a:effectRef>
+          <a:fontRef idx="minor">
+            <a:schemeClr val="tx1"/>
+          </a:fontRef>
+        </p:style>
+      </p:cxnSp>
+      <p:cxnSp>
+        <p:nvCxnSpPr>
+          <p:cNvPr id="46" name="Straight Arrow Connector 45"/>
+          <p:cNvCxnSpPr/>
+          <p:nvPr/>
+        </p:nvCxnSpPr>
+        <p:spPr>
+          <a:xfrm flipV="1">
+            <a:off x="1376201" y="177461"/>
+            <a:ext cx="770969" cy="508"/>
+          </a:xfrm>
+          <a:prstGeom prst="straightConnector1">
+            <a:avLst/>
+          </a:prstGeom>
+          <a:ln w="19050">
+            <a:solidFill>
+              <a:schemeClr val="tx1"/>
+            </a:solidFill>
+            <a:headEnd w="sm" len="sm"/>
+            <a:tailEnd type="none" w="sm" len="sm"/>
+          </a:ln>
+        </p:spPr>
+        <p:style>
+          <a:lnRef idx="1">
+            <a:schemeClr val="accent1"/>
+          </a:lnRef>
+          <a:fillRef idx="0">
+            <a:schemeClr val="accent1"/>
+          </a:fillRef>
+          <a:effectRef idx="0">
+            <a:schemeClr val="accent1"/>
+          </a:effectRef>
+          <a:fontRef idx="minor">
+            <a:schemeClr val="tx1"/>
+          </a:fontRef>
+        </p:style>
+      </p:cxnSp>
+      <p:cxnSp>
+        <p:nvCxnSpPr>
+          <p:cNvPr id="49" name="Straight Arrow Connector 48"/>
+          <p:cNvCxnSpPr>
+            <a:endCxn id="19" idx="0"/>
+          </p:cNvCxnSpPr>
+          <p:nvPr/>
+        </p:nvCxnSpPr>
+        <p:spPr>
+          <a:xfrm>
+            <a:off x="2147169" y="177969"/>
+            <a:ext cx="1" cy="260942"/>
+          </a:xfrm>
+          <a:prstGeom prst="straightConnector1">
+            <a:avLst/>
+          </a:prstGeom>
+          <a:ln w="19050">
+            <a:solidFill>
+              <a:schemeClr val="tx1"/>
+            </a:solidFill>
+            <a:headEnd w="sm" len="sm"/>
+            <a:tailEnd type="arrow" w="sm" len="sm"/>
+          </a:ln>
+        </p:spPr>
+        <p:style>
+          <a:lnRef idx="1">
+            <a:schemeClr val="accent1"/>
+          </a:lnRef>
+          <a:fillRef idx="0">
+            <a:schemeClr val="accent1"/>
+          </a:fillRef>
+          <a:effectRef idx="0">
+            <a:schemeClr val="accent1"/>
+          </a:effectRef>
+          <a:fontRef idx="minor">
+            <a:schemeClr val="tx1"/>
+          </a:fontRef>
+        </p:style>
+      </p:cxnSp>
+      <p:cxnSp>
+        <p:nvCxnSpPr>
+          <p:cNvPr id="60" name="Straight Arrow Connector 59"/>
+          <p:cNvCxnSpPr/>
+          <p:nvPr/>
+        </p:nvCxnSpPr>
+        <p:spPr>
+          <a:xfrm>
+            <a:off x="2147169" y="698585"/>
+            <a:ext cx="1" cy="192025"/>
+          </a:xfrm>
+          <a:prstGeom prst="straightConnector1">
+            <a:avLst/>
+          </a:prstGeom>
+          <a:ln w="19050">
+            <a:solidFill>
+              <a:schemeClr val="tx1"/>
+            </a:solidFill>
+            <a:headEnd w="sm" len="sm"/>
+            <a:tailEnd type="arrow" w="sm" len="sm"/>
+          </a:ln>
+        </p:spPr>
+        <p:style>
+          <a:lnRef idx="1">
+            <a:schemeClr val="accent1"/>
+          </a:lnRef>
+          <a:fillRef idx="0">
+            <a:schemeClr val="accent1"/>
+          </a:fillRef>
+          <a:effectRef idx="0">
+            <a:schemeClr val="accent1"/>
+          </a:effectRef>
+          <a:fontRef idx="minor">
+            <a:schemeClr val="tx1"/>
+          </a:fontRef>
+        </p:style>
+      </p:cxnSp>
+      <p:cxnSp>
+        <p:nvCxnSpPr>
+          <p:cNvPr id="21" name="Straight Arrow Connector 20"/>
+          <p:cNvCxnSpPr/>
+          <p:nvPr/>
+        </p:nvCxnSpPr>
+        <p:spPr>
+          <a:xfrm flipV="1">
+            <a:off x="1561795" y="698585"/>
+            <a:ext cx="0" cy="192025"/>
+          </a:xfrm>
+          <a:prstGeom prst="straightConnector1">
+            <a:avLst/>
+          </a:prstGeom>
+          <a:ln w="19050">
+            <a:solidFill>
+              <a:schemeClr val="tx1"/>
+            </a:solidFill>
+            <a:headEnd w="sm" len="sm"/>
+            <a:tailEnd type="arrow" w="sm" len="sm"/>
+          </a:ln>
+        </p:spPr>
+        <p:style>
+          <a:lnRef idx="1">
+            <a:schemeClr val="accent1"/>
+          </a:lnRef>
+          <a:fillRef idx="0">
+            <a:schemeClr val="accent1"/>
+          </a:fillRef>
+          <a:effectRef idx="0">
+            <a:schemeClr val="accent1"/>
+          </a:effectRef>
+          <a:fontRef idx="minor">
+            <a:schemeClr val="tx1"/>
+          </a:fontRef>
+        </p:style>
+      </p:cxnSp>
+      <p:sp>
+        <p:nvSpPr>
+          <p:cNvPr id="23" name="Rectangle 22"/>
+          <p:cNvSpPr/>
+          <p:nvPr/>
+        </p:nvSpPr>
+        <p:spPr>
+          <a:xfrm>
+            <a:off x="793695" y="698585"/>
+            <a:ext cx="847009" cy="211786"/>
+          </a:xfrm>
+          <a:prstGeom prst="rect">
+            <a:avLst/>
+          </a:prstGeom>
+          <a:noFill/>
+          <a:ln w="12700">
+            <a:noFill/>
+          </a:ln>
+        </p:spPr>
+        <p:style>
+          <a:lnRef idx="2">
+            <a:schemeClr val="accent1">
+              <a:shade val="50000"/>
+            </a:schemeClr>
+          </a:lnRef>
+          <a:fillRef idx="1">
+            <a:schemeClr val="accent1"/>
+          </a:fillRef>
+          <a:effectRef idx="0">
+            <a:schemeClr val="accent1"/>
+          </a:effectRef>
+          <a:fontRef idx="minor">
+            <a:schemeClr val="lt1"/>
+          </a:fontRef>
+        </p:style>
+        <p:txBody>
+          <a:bodyPr rtlCol="0" anchor="ctr"/>
+          <a:lstStyle/>
+          <a:p>
+            <a:pPr algn="ctr"/>
+            <a:r>
+              <a:rPr lang="en-US" sz="900" dirty="0" smtClean="0">
+                <a:solidFill>
+                  <a:schemeClr val="tx1"/>
+                </a:solidFill>
+                <a:latin typeface="Times New Roman" pitchFamily="18" charset="0"/>
+                <a:cs typeface="Times New Roman" pitchFamily="18" charset="0"/>
+              </a:rPr>
+              <a:t>filter decision</a:t>
+            </a:r>
+          </a:p>
+        </p:txBody>
+      </p:sp>
+      <p:sp>
+        <p:nvSpPr>
+          <p:cNvPr id="27" name="Rectangle 26"/>
+          <p:cNvSpPr/>
+          <p:nvPr/>
+        </p:nvSpPr>
+        <p:spPr>
+          <a:xfrm>
+            <a:off x="2109065" y="698585"/>
+            <a:ext cx="643285" cy="211786"/>
+          </a:xfrm>
+          <a:prstGeom prst="rect">
+            <a:avLst/>
+          </a:prstGeom>
+          <a:noFill/>
+          <a:ln w="12700">
+            <a:noFill/>
+          </a:ln>
+        </p:spPr>
+        <p:style>
+          <a:lnRef idx="2">
+            <a:schemeClr val="accent1">
+              <a:shade val="50000"/>
+            </a:schemeClr>
+          </a:lnRef>
+          <a:fillRef idx="1">
+            <a:schemeClr val="accent1"/>
+          </a:fillRef>
+          <a:effectRef idx="0">
+            <a:schemeClr val="accent1"/>
+          </a:effectRef>
+          <a:fontRef idx="minor">
+            <a:schemeClr val="lt1"/>
+          </a:fontRef>
+        </p:style>
+        <p:txBody>
+          <a:bodyPr rtlCol="0" anchor="ctr"/>
+          <a:lstStyle/>
+          <a:p>
+            <a:pPr algn="ctr"/>
+            <a:r>
+              <a:rPr lang="en-US" sz="900" dirty="0" smtClean="0">
+                <a:solidFill>
+                  <a:schemeClr val="tx1"/>
+                </a:solidFill>
+                <a:latin typeface="Times New Roman" pitchFamily="18" charset="0"/>
+                <a:cs typeface="Times New Roman" pitchFamily="18" charset="0"/>
+              </a:rPr>
+              <a:t>invalidate</a:t>
+            </a:r>
+          </a:p>
+        </p:txBody>
+      </p:sp>
+      <p:cxnSp>
+        <p:nvCxnSpPr>
+          <p:cNvPr id="28" name="Straight Arrow Connector 27"/>
+          <p:cNvCxnSpPr/>
+          <p:nvPr/>
+        </p:nvCxnSpPr>
+        <p:spPr>
+          <a:xfrm flipH="1">
+            <a:off x="2356235" y="1025026"/>
+            <a:ext cx="546576" cy="0"/>
+          </a:xfrm>
+          <a:prstGeom prst="straightConnector1">
+            <a:avLst/>
+          </a:prstGeom>
+          <a:ln w="19050">
+            <a:solidFill>
+              <a:schemeClr val="tx1"/>
+            </a:solidFill>
+            <a:headEnd w="sm" len="sm"/>
+            <a:tailEnd type="arrow" w="sm" len="sm"/>
+          </a:ln>
+        </p:spPr>
+        <p:style>
+          <a:lnRef idx="1">
+            <a:schemeClr val="accent1"/>
+          </a:lnRef>
+          <a:fillRef idx="0">
+            <a:schemeClr val="accent1"/>
+          </a:fillRef>
+          <a:effectRef idx="0">
+            <a:schemeClr val="accent1"/>
+          </a:effectRef>
+          <a:fontRef idx="minor">
+            <a:schemeClr val="tx1"/>
+          </a:fontRef>
+        </p:style>
+      </p:cxnSp>
+      <p:sp>
+        <p:nvSpPr>
+          <p:cNvPr id="29" name="Rectangle 28"/>
+          <p:cNvSpPr/>
+          <p:nvPr/>
+        </p:nvSpPr>
+        <p:spPr>
+          <a:xfrm>
+            <a:off x="2329926" y="986064"/>
+            <a:ext cx="643285" cy="211786"/>
+          </a:xfrm>
+          <a:prstGeom prst="rect">
+            <a:avLst/>
+          </a:prstGeom>
+          <a:noFill/>
+          <a:ln w="12700">
+            <a:noFill/>
+          </a:ln>
+        </p:spPr>
+        <p:style>
+          <a:lnRef idx="2">
+            <a:schemeClr val="accent1">
+              <a:shade val="50000"/>
+            </a:schemeClr>
+          </a:lnRef>
+          <a:fillRef idx="1">
+            <a:schemeClr val="accent1"/>
+          </a:fillRef>
+          <a:effectRef idx="0">
+            <a:schemeClr val="accent1"/>
+          </a:effectRef>
+          <a:fontRef idx="minor">
+            <a:schemeClr val="lt1"/>
+          </a:fontRef>
+        </p:style>
+        <p:txBody>
+          <a:bodyPr rtlCol="0" anchor="ctr"/>
+          <a:lstStyle/>
+          <a:p>
+            <a:pPr algn="ctr"/>
+            <a:r>
+              <a:rPr lang="en-US" sz="900" dirty="0" smtClean="0">
+                <a:solidFill>
+                  <a:schemeClr val="tx1"/>
+                </a:solidFill>
+                <a:latin typeface="Times New Roman" pitchFamily="18" charset="0"/>
+                <a:cs typeface="Times New Roman" pitchFamily="18" charset="0"/>
+              </a:rPr>
+              <a:t>non-null</a:t>
+            </a:r>
+            <a:endParaRPr lang="en-US" sz="900" dirty="0" smtClean="0">
               <a:solidFill>
                 <a:schemeClr val="tx1"/>
               </a:solidFill>
@@ -6399,20 +9726,13 @@
     </p:spTree>
     <p:extLst>
       <p:ext uri="{BB962C8B-B14F-4D97-AF65-F5344CB8AC3E}">
-        <p14:creationId xmlns:p14="http://schemas.microsoft.com/office/powerpoint/2010/main" val="2958256163"/>
+        <p14:creationId xmlns:p14="http://schemas.microsoft.com/office/powerpoint/2010/main" val="4134314914"/>
       </p:ext>
     </p:extLst>
   </p:cSld>
   <p:clrMapOvr>
     <a:masterClrMapping/>
   </p:clrMapOvr>
-  <p:timing>
-    <p:tnLst>
-      <p:par>
-        <p:cTn id="1" dur="indefinite" restart="never" nodeType="tmRoot"/>
-      </p:par>
-    </p:tnLst>
-  </p:timing>
 </p:sld>
 </file>
 
@@ -6435,20 +9755,20 @@
       </p:grpSpPr>
       <p:sp>
         <p:nvSpPr>
-          <p:cNvPr id="29" name="Oval 28"/>
+          <p:cNvPr id="45" name="Rectangle 44"/>
           <p:cNvSpPr/>
           <p:nvPr/>
         </p:nvSpPr>
         <p:spPr>
           <a:xfrm>
-            <a:off x="529519" y="45700"/>
-            <a:ext cx="230429" cy="230429"/>
-          </a:xfrm>
-          <a:prstGeom prst="ellipse">
+            <a:off x="1715414" y="548186"/>
+            <a:ext cx="654105" cy="372935"/>
+          </a:xfrm>
+          <a:prstGeom prst="rect">
             <a:avLst/>
           </a:prstGeom>
           <a:solidFill>
-            <a:srgbClr val="66CCFF"/>
+            <a:srgbClr val="FFFFCC"/>
           </a:solidFill>
           <a:ln w="12700">
             <a:solidFill>
@@ -6485,60 +9805,9 @@
                 <a:latin typeface="Times New Roman" pitchFamily="18" charset="0"/>
                 <a:cs typeface="Times New Roman" pitchFamily="18" charset="0"/>
               </a:rPr>
-              <a:t>A</a:t>
-            </a:r>
-            <a:endParaRPr lang="en-US" sz="900" dirty="0">
-              <a:solidFill>
-                <a:schemeClr val="tx1"/>
-              </a:solidFill>
-              <a:latin typeface="Times New Roman" pitchFamily="18" charset="0"/>
-              <a:cs typeface="Times New Roman" pitchFamily="18" charset="0"/>
-            </a:endParaRPr>
-          </a:p>
-        </p:txBody>
-      </p:sp>
-      <p:sp>
-        <p:nvSpPr>
-          <p:cNvPr id="30" name="Oval 29"/>
-          <p:cNvSpPr/>
-          <p:nvPr/>
-        </p:nvSpPr>
-        <p:spPr>
-          <a:xfrm>
-            <a:off x="1002441" y="45702"/>
-            <a:ext cx="230429" cy="230429"/>
-          </a:xfrm>
-          <a:prstGeom prst="ellipse">
-            <a:avLst/>
-          </a:prstGeom>
-          <a:solidFill>
-            <a:srgbClr val="66CCFF"/>
-          </a:solidFill>
-          <a:ln w="12700">
-            <a:solidFill>
-              <a:schemeClr val="tx1"/>
-            </a:solidFill>
-          </a:ln>
-        </p:spPr>
-        <p:style>
-          <a:lnRef idx="2">
-            <a:schemeClr val="accent1">
-              <a:shade val="50000"/>
-            </a:schemeClr>
-          </a:lnRef>
-          <a:fillRef idx="1">
-            <a:schemeClr val="accent1"/>
-          </a:fillRef>
-          <a:effectRef idx="0">
-            <a:schemeClr val="accent1"/>
-          </a:effectRef>
-          <a:fontRef idx="minor">
-            <a:schemeClr val="lt1"/>
-          </a:fontRef>
-        </p:style>
-        <p:txBody>
-          <a:bodyPr rtlCol="0" anchor="ctr"/>
-          <a:lstStyle/>
+              <a:t>Dataflow</a:t>
+            </a:r>
+          </a:p>
           <a:p>
             <a:pPr algn="ctr"/>
             <a:r>
@@ -6549,31 +9818,23 @@
                 <a:latin typeface="Times New Roman" pitchFamily="18" charset="0"/>
                 <a:cs typeface="Times New Roman" pitchFamily="18" charset="0"/>
               </a:rPr>
-              <a:t>B</a:t>
-            </a:r>
-            <a:endParaRPr lang="en-US" sz="900" dirty="0">
-              <a:solidFill>
-                <a:schemeClr val="tx1"/>
-              </a:solidFill>
-              <a:latin typeface="Times New Roman" pitchFamily="18" charset="0"/>
-              <a:cs typeface="Times New Roman" pitchFamily="18" charset="0"/>
-            </a:endParaRPr>
+              <a:t>Engine</a:t>
+            </a:r>
           </a:p>
         </p:txBody>
       </p:sp>
       <p:cxnSp>
         <p:nvCxnSpPr>
-          <p:cNvPr id="31" name="Straight Arrow Connector 30"/>
+          <p:cNvPr id="54" name="Straight Arrow Connector 53"/>
           <p:cNvCxnSpPr>
-            <a:stCxn id="29" idx="6"/>
-            <a:endCxn id="30" idx="2"/>
+            <a:endCxn id="18" idx="1"/>
           </p:cNvCxnSpPr>
           <p:nvPr/>
         </p:nvCxnSpPr>
         <p:spPr>
-          <a:xfrm>
-            <a:off x="759948" y="160915"/>
-            <a:ext cx="242493" cy="2"/>
+          <a:xfrm flipV="1">
+            <a:off x="225083" y="176952"/>
+            <a:ext cx="500459" cy="254"/>
           </a:xfrm>
           <a:prstGeom prst="straightConnector1">
             <a:avLst/>
@@ -6603,16 +9864,16 @@
       </p:cxnSp>
       <p:sp>
         <p:nvSpPr>
-          <p:cNvPr id="34" name="Oval 33"/>
+          <p:cNvPr id="13" name="Rectangle 12"/>
           <p:cNvSpPr/>
           <p:nvPr/>
         </p:nvSpPr>
         <p:spPr>
-          <a:xfrm>
-            <a:off x="1475363" y="46022"/>
-            <a:ext cx="230429" cy="230429"/>
-          </a:xfrm>
-          <a:prstGeom prst="ellipse">
+          <a:xfrm rot="16200000">
+            <a:off x="2602815" y="331520"/>
+            <a:ext cx="900561" cy="278641"/>
+          </a:xfrm>
+          <a:prstGeom prst="rect">
             <a:avLst/>
           </a:prstGeom>
           <a:solidFill>
@@ -6653,330 +9914,21 @@
                 <a:latin typeface="Times New Roman" pitchFamily="18" charset="0"/>
                 <a:cs typeface="Times New Roman" pitchFamily="18" charset="0"/>
               </a:rPr>
-              <a:t>C</a:t>
-            </a:r>
-            <a:endParaRPr lang="en-US" sz="900" dirty="0">
-              <a:solidFill>
-                <a:schemeClr val="tx1"/>
-              </a:solidFill>
-              <a:latin typeface="Times New Roman" pitchFamily="18" charset="0"/>
-              <a:cs typeface="Times New Roman" pitchFamily="18" charset="0"/>
-            </a:endParaRPr>
-          </a:p>
-        </p:txBody>
-      </p:sp>
-      <p:cxnSp>
-        <p:nvCxnSpPr>
-          <p:cNvPr id="39" name="Straight Arrow Connector 38"/>
-          <p:cNvCxnSpPr/>
-          <p:nvPr/>
-        </p:nvCxnSpPr>
-        <p:spPr>
-          <a:xfrm>
-            <a:off x="1232870" y="161240"/>
-            <a:ext cx="242493" cy="2"/>
-          </a:xfrm>
-          <a:prstGeom prst="straightConnector1">
-            <a:avLst/>
-          </a:prstGeom>
-          <a:ln w="19050">
-            <a:solidFill>
-              <a:schemeClr val="tx1"/>
-            </a:solidFill>
-            <a:headEnd w="sm" len="sm"/>
-            <a:tailEnd type="arrow" w="sm" len="sm"/>
-          </a:ln>
-        </p:spPr>
-        <p:style>
-          <a:lnRef idx="1">
-            <a:schemeClr val="accent1"/>
-          </a:lnRef>
-          <a:fillRef idx="0">
-            <a:schemeClr val="accent1"/>
-          </a:fillRef>
-          <a:effectRef idx="0">
-            <a:schemeClr val="accent1"/>
-          </a:effectRef>
-          <a:fontRef idx="minor">
-            <a:schemeClr val="tx1"/>
-          </a:fontRef>
-        </p:style>
-      </p:cxnSp>
-      <p:sp>
-        <p:nvSpPr>
-          <p:cNvPr id="41" name="Oval 40"/>
+              <a:t>Monitoring Core</a:t>
+            </a:r>
+          </a:p>
+        </p:txBody>
+      </p:sp>
+      <p:sp>
+        <p:nvSpPr>
+          <p:cNvPr id="14" name="Rectangle 13"/>
           <p:cNvSpPr/>
           <p:nvPr/>
         </p:nvSpPr>
         <p:spPr>
-          <a:xfrm>
-            <a:off x="1948285" y="46022"/>
-            <a:ext cx="230429" cy="230429"/>
-          </a:xfrm>
-          <a:prstGeom prst="ellipse">
-            <a:avLst/>
-          </a:prstGeom>
-          <a:solidFill>
-            <a:srgbClr val="66CCFF"/>
-          </a:solidFill>
-          <a:ln w="12700">
-            <a:solidFill>
-              <a:schemeClr val="tx1"/>
-            </a:solidFill>
-          </a:ln>
-        </p:spPr>
-        <p:style>
-          <a:lnRef idx="2">
-            <a:schemeClr val="accent1">
-              <a:shade val="50000"/>
-            </a:schemeClr>
-          </a:lnRef>
-          <a:fillRef idx="1">
-            <a:schemeClr val="accent1"/>
-          </a:fillRef>
-          <a:effectRef idx="0">
-            <a:schemeClr val="accent1"/>
-          </a:effectRef>
-          <a:fontRef idx="minor">
-            <a:schemeClr val="lt1"/>
-          </a:fontRef>
-        </p:style>
-        <p:txBody>
-          <a:bodyPr rtlCol="0" anchor="ctr"/>
-          <a:lstStyle/>
-          <a:p>
-            <a:pPr algn="ctr"/>
-            <a:r>
-              <a:rPr lang="en-US" sz="900" dirty="0">
-                <a:solidFill>
-                  <a:schemeClr val="tx1"/>
-                </a:solidFill>
-                <a:latin typeface="Times New Roman" pitchFamily="18" charset="0"/>
-                <a:cs typeface="Times New Roman" pitchFamily="18" charset="0"/>
-              </a:rPr>
-              <a:t>D</a:t>
-            </a:r>
-          </a:p>
-        </p:txBody>
-      </p:sp>
-      <p:cxnSp>
-        <p:nvCxnSpPr>
-          <p:cNvPr id="42" name="Straight Arrow Connector 41"/>
-          <p:cNvCxnSpPr/>
-          <p:nvPr/>
-        </p:nvCxnSpPr>
-        <p:spPr>
-          <a:xfrm>
-            <a:off x="1705792" y="161238"/>
-            <a:ext cx="242493" cy="2"/>
-          </a:xfrm>
-          <a:prstGeom prst="straightConnector1">
-            <a:avLst/>
-          </a:prstGeom>
-          <a:ln w="19050">
-            <a:solidFill>
-              <a:schemeClr val="tx1"/>
-            </a:solidFill>
-            <a:headEnd w="sm" len="sm"/>
-            <a:tailEnd type="arrow" w="sm" len="sm"/>
-          </a:ln>
-        </p:spPr>
-        <p:style>
-          <a:lnRef idx="1">
-            <a:schemeClr val="accent1"/>
-          </a:lnRef>
-          <a:fillRef idx="0">
-            <a:schemeClr val="accent1"/>
-          </a:fillRef>
-          <a:effectRef idx="0">
-            <a:schemeClr val="accent1"/>
-          </a:effectRef>
-          <a:fontRef idx="minor">
-            <a:schemeClr val="tx1"/>
-          </a:fontRef>
-        </p:style>
-      </p:cxnSp>
-      <p:cxnSp>
-        <p:nvCxnSpPr>
-          <p:cNvPr id="44" name="Straight Arrow Connector 43"/>
-          <p:cNvCxnSpPr/>
-          <p:nvPr/>
-        </p:nvCxnSpPr>
-        <p:spPr>
-          <a:xfrm>
-            <a:off x="2178714" y="161236"/>
-            <a:ext cx="242493" cy="2"/>
-          </a:xfrm>
-          <a:prstGeom prst="straightConnector1">
-            <a:avLst/>
-          </a:prstGeom>
-          <a:ln w="19050">
-            <a:solidFill>
-              <a:schemeClr val="tx1"/>
-            </a:solidFill>
-            <a:headEnd w="sm" len="sm"/>
-            <a:tailEnd type="arrow" w="sm" len="sm"/>
-          </a:ln>
-        </p:spPr>
-        <p:style>
-          <a:lnRef idx="1">
-            <a:schemeClr val="accent1"/>
-          </a:lnRef>
-          <a:fillRef idx="0">
-            <a:schemeClr val="accent1"/>
-          </a:fillRef>
-          <a:effectRef idx="0">
-            <a:schemeClr val="accent1"/>
-          </a:effectRef>
-          <a:fontRef idx="minor">
-            <a:schemeClr val="tx1"/>
-          </a:fontRef>
-        </p:style>
-      </p:cxnSp>
-      <p:sp>
-        <p:nvSpPr>
-          <p:cNvPr id="46" name="Oval 45"/>
-          <p:cNvSpPr/>
-          <p:nvPr/>
-        </p:nvSpPr>
-        <p:spPr>
-          <a:xfrm>
-            <a:off x="1475362" y="343520"/>
-            <a:ext cx="230429" cy="230429"/>
-          </a:xfrm>
-          <a:prstGeom prst="ellipse">
-            <a:avLst/>
-          </a:prstGeom>
-          <a:solidFill>
-            <a:srgbClr val="66CCFF"/>
-          </a:solidFill>
-          <a:ln w="12700">
-            <a:solidFill>
-              <a:schemeClr val="tx1"/>
-            </a:solidFill>
-          </a:ln>
-        </p:spPr>
-        <p:style>
-          <a:lnRef idx="2">
-            <a:schemeClr val="accent1">
-              <a:shade val="50000"/>
-            </a:schemeClr>
-          </a:lnRef>
-          <a:fillRef idx="1">
-            <a:schemeClr val="accent1"/>
-          </a:fillRef>
-          <a:effectRef idx="0">
-            <a:schemeClr val="accent1"/>
-          </a:effectRef>
-          <a:fontRef idx="minor">
-            <a:schemeClr val="lt1"/>
-          </a:fontRef>
-        </p:style>
-        <p:txBody>
-          <a:bodyPr rtlCol="0" anchor="ctr"/>
-          <a:lstStyle/>
-          <a:p>
-            <a:pPr algn="ctr"/>
-            <a:r>
-              <a:rPr lang="en-US" sz="900" dirty="0">
-                <a:solidFill>
-                  <a:schemeClr val="tx1"/>
-                </a:solidFill>
-                <a:latin typeface="Times New Roman" pitchFamily="18" charset="0"/>
-                <a:cs typeface="Times New Roman" pitchFamily="18" charset="0"/>
-              </a:rPr>
-              <a:t>F</a:t>
-            </a:r>
-          </a:p>
-        </p:txBody>
-      </p:sp>
-      <p:cxnSp>
-        <p:nvCxnSpPr>
-          <p:cNvPr id="47" name="Straight Arrow Connector 46"/>
-          <p:cNvCxnSpPr>
-            <a:stCxn id="30" idx="5"/>
-            <a:endCxn id="46" idx="2"/>
-          </p:cNvCxnSpPr>
-          <p:nvPr/>
-        </p:nvCxnSpPr>
-        <p:spPr>
-          <a:xfrm>
-            <a:off x="1199124" y="242385"/>
-            <a:ext cx="276238" cy="216350"/>
-          </a:xfrm>
-          <a:prstGeom prst="straightConnector1">
-            <a:avLst/>
-          </a:prstGeom>
-          <a:ln w="19050">
-            <a:solidFill>
-              <a:schemeClr val="tx1"/>
-            </a:solidFill>
-            <a:headEnd w="sm" len="sm"/>
-            <a:tailEnd type="arrow" w="sm" len="sm"/>
-          </a:ln>
-        </p:spPr>
-        <p:style>
-          <a:lnRef idx="1">
-            <a:schemeClr val="accent1"/>
-          </a:lnRef>
-          <a:fillRef idx="0">
-            <a:schemeClr val="accent1"/>
-          </a:fillRef>
-          <a:effectRef idx="0">
-            <a:schemeClr val="accent1"/>
-          </a:effectRef>
-          <a:fontRef idx="minor">
-            <a:schemeClr val="tx1"/>
-          </a:fontRef>
-        </p:style>
-      </p:cxnSp>
-      <p:cxnSp>
-        <p:nvCxnSpPr>
-          <p:cNvPr id="51" name="Straight Arrow Connector 50"/>
-          <p:cNvCxnSpPr/>
-          <p:nvPr/>
-        </p:nvCxnSpPr>
-        <p:spPr>
-          <a:xfrm>
-            <a:off x="1709344" y="458735"/>
-            <a:ext cx="242493" cy="2"/>
-          </a:xfrm>
-          <a:prstGeom prst="straightConnector1">
-            <a:avLst/>
-          </a:prstGeom>
-          <a:ln w="19050">
-            <a:solidFill>
-              <a:schemeClr val="tx1"/>
-            </a:solidFill>
-            <a:headEnd w="sm" len="sm"/>
-            <a:tailEnd type="arrow" w="sm" len="sm"/>
-          </a:ln>
-        </p:spPr>
-        <p:style>
-          <a:lnRef idx="1">
-            <a:schemeClr val="accent1"/>
-          </a:lnRef>
-          <a:fillRef idx="0">
-            <a:schemeClr val="accent1"/>
-          </a:fillRef>
-          <a:effectRef idx="0">
-            <a:schemeClr val="accent1"/>
-          </a:effectRef>
-          <a:fontRef idx="minor">
-            <a:schemeClr val="tx1"/>
-          </a:fontRef>
-        </p:style>
-      </p:cxnSp>
-      <p:sp>
-        <p:nvSpPr>
-          <p:cNvPr id="2" name="Rectangle 1"/>
-          <p:cNvSpPr/>
-          <p:nvPr/>
-        </p:nvSpPr>
-        <p:spPr>
-          <a:xfrm>
-            <a:off x="1951837" y="343520"/>
-            <a:ext cx="230429" cy="230429"/>
+          <a:xfrm rot="16200000">
+            <a:off x="-299244" y="335341"/>
+            <a:ext cx="908710" cy="278638"/>
           </a:xfrm>
           <a:prstGeom prst="rect">
             <a:avLst/>
@@ -7019,60 +9971,9 @@
                 <a:latin typeface="Times New Roman" pitchFamily="18" charset="0"/>
                 <a:cs typeface="Times New Roman" pitchFamily="18" charset="0"/>
               </a:rPr>
-              <a:t>G</a:t>
-            </a:r>
-            <a:endParaRPr lang="en-US" sz="900" dirty="0">
-              <a:solidFill>
-                <a:schemeClr val="tx1"/>
-              </a:solidFill>
-              <a:latin typeface="Times New Roman" pitchFamily="18" charset="0"/>
-              <a:cs typeface="Times New Roman" pitchFamily="18" charset="0"/>
-            </a:endParaRPr>
-          </a:p>
-        </p:txBody>
-      </p:sp>
-      <p:sp>
-        <p:nvSpPr>
-          <p:cNvPr id="16" name="Rectangle 15"/>
-          <p:cNvSpPr/>
-          <p:nvPr/>
-        </p:nvSpPr>
-        <p:spPr>
-          <a:xfrm>
-            <a:off x="2421207" y="45699"/>
-            <a:ext cx="230429" cy="230429"/>
-          </a:xfrm>
-          <a:prstGeom prst="rect">
-            <a:avLst/>
-          </a:prstGeom>
-          <a:solidFill>
-            <a:srgbClr val="66CCFF"/>
-          </a:solidFill>
-          <a:ln w="12700">
-            <a:solidFill>
-              <a:schemeClr val="tx1"/>
-            </a:solidFill>
-          </a:ln>
-        </p:spPr>
-        <p:style>
-          <a:lnRef idx="2">
-            <a:schemeClr val="accent1">
-              <a:shade val="50000"/>
-            </a:schemeClr>
-          </a:lnRef>
-          <a:fillRef idx="1">
-            <a:schemeClr val="accent1"/>
-          </a:fillRef>
-          <a:effectRef idx="0">
-            <a:schemeClr val="accent1"/>
-          </a:effectRef>
-          <a:fontRef idx="minor">
-            <a:schemeClr val="lt1"/>
-          </a:fontRef>
-        </p:style>
-        <p:txBody>
-          <a:bodyPr rtlCol="0" anchor="ctr"/>
-          <a:lstStyle/>
+              <a:t>Main</a:t>
+            </a:r>
+          </a:p>
           <a:p>
             <a:pPr algn="ctr"/>
             <a:r>
@@ -7083,35 +9984,598 @@
                 <a:latin typeface="Times New Roman" pitchFamily="18" charset="0"/>
                 <a:cs typeface="Times New Roman" pitchFamily="18" charset="0"/>
               </a:rPr>
-              <a:t>E</a:t>
-            </a:r>
-            <a:endParaRPr lang="en-US" sz="900" dirty="0">
-              <a:solidFill>
-                <a:schemeClr val="tx1"/>
-              </a:solidFill>
-              <a:latin typeface="Times New Roman" pitchFamily="18" charset="0"/>
-              <a:cs typeface="Times New Roman" pitchFamily="18" charset="0"/>
-            </a:endParaRPr>
+              <a:t>Core</a:t>
+            </a:r>
+          </a:p>
+        </p:txBody>
+      </p:sp>
+      <p:sp>
+        <p:nvSpPr>
+          <p:cNvPr id="17" name="Rectangle 16"/>
+          <p:cNvSpPr/>
+          <p:nvPr/>
+        </p:nvSpPr>
+        <p:spPr>
+          <a:xfrm>
+            <a:off x="724350" y="653075"/>
+            <a:ext cx="654105" cy="163157"/>
+          </a:xfrm>
+          <a:prstGeom prst="rect">
+            <a:avLst/>
+          </a:prstGeom>
+          <a:solidFill>
+            <a:srgbClr val="FFFFCC"/>
+          </a:solidFill>
+          <a:ln w="12700">
+            <a:solidFill>
+              <a:schemeClr val="tx1"/>
+            </a:solidFill>
+          </a:ln>
+        </p:spPr>
+        <p:style>
+          <a:lnRef idx="2">
+            <a:schemeClr val="accent1">
+              <a:shade val="50000"/>
+            </a:schemeClr>
+          </a:lnRef>
+          <a:fillRef idx="1">
+            <a:schemeClr val="accent1"/>
+          </a:fillRef>
+          <a:effectRef idx="0">
+            <a:schemeClr val="accent1"/>
+          </a:effectRef>
+          <a:fontRef idx="minor">
+            <a:schemeClr val="lt1"/>
+          </a:fontRef>
+        </p:style>
+        <p:txBody>
+          <a:bodyPr rtlCol="0" anchor="ctr"/>
+          <a:lstStyle/>
+          <a:p>
+            <a:pPr algn="ctr"/>
+            <a:r>
+              <a:rPr lang="en-US" sz="900" dirty="0" smtClean="0">
+                <a:solidFill>
+                  <a:schemeClr val="tx1"/>
+                </a:solidFill>
+                <a:latin typeface="Times New Roman" pitchFamily="18" charset="0"/>
+                <a:cs typeface="Times New Roman" pitchFamily="18" charset="0"/>
+              </a:rPr>
+              <a:t>FIFO</a:t>
+            </a:r>
+          </a:p>
+        </p:txBody>
+      </p:sp>
+      <p:sp>
+        <p:nvSpPr>
+          <p:cNvPr id="18" name="Rectangle 17"/>
+          <p:cNvSpPr/>
+          <p:nvPr/>
+        </p:nvSpPr>
+        <p:spPr>
+          <a:xfrm>
+            <a:off x="725542" y="20305"/>
+            <a:ext cx="652912" cy="313294"/>
+          </a:xfrm>
+          <a:prstGeom prst="rect">
+            <a:avLst/>
+          </a:prstGeom>
+          <a:solidFill>
+            <a:srgbClr val="FFFFCC"/>
+          </a:solidFill>
+          <a:ln w="12700">
+            <a:solidFill>
+              <a:schemeClr val="tx1"/>
+            </a:solidFill>
+          </a:ln>
+        </p:spPr>
+        <p:style>
+          <a:lnRef idx="2">
+            <a:schemeClr val="accent1">
+              <a:shade val="50000"/>
+            </a:schemeClr>
+          </a:lnRef>
+          <a:fillRef idx="1">
+            <a:schemeClr val="accent1"/>
+          </a:fillRef>
+          <a:effectRef idx="0">
+            <a:schemeClr val="accent1"/>
+          </a:effectRef>
+          <a:fontRef idx="minor">
+            <a:schemeClr val="lt1"/>
+          </a:fontRef>
+        </p:style>
+        <p:txBody>
+          <a:bodyPr rtlCol="0" anchor="ctr"/>
+          <a:lstStyle/>
+          <a:p>
+            <a:pPr algn="ctr"/>
+            <a:r>
+              <a:rPr lang="en-US" sz="900" dirty="0" smtClean="0">
+                <a:solidFill>
+                  <a:schemeClr val="tx1"/>
+                </a:solidFill>
+                <a:latin typeface="Times New Roman" pitchFamily="18" charset="0"/>
+                <a:cs typeface="Times New Roman" pitchFamily="18" charset="0"/>
+              </a:rPr>
+              <a:t>Slack Tracking</a:t>
+            </a:r>
+          </a:p>
+        </p:txBody>
+      </p:sp>
+      <p:sp>
+        <p:nvSpPr>
+          <p:cNvPr id="19" name="Rectangle 18"/>
+          <p:cNvSpPr/>
+          <p:nvPr/>
+        </p:nvSpPr>
+        <p:spPr>
+          <a:xfrm>
+            <a:off x="1715415" y="20559"/>
+            <a:ext cx="654105" cy="313294"/>
+          </a:xfrm>
+          <a:prstGeom prst="rect">
+            <a:avLst/>
+          </a:prstGeom>
+          <a:solidFill>
+            <a:srgbClr val="FFFFCC"/>
+          </a:solidFill>
+          <a:ln w="12700">
+            <a:solidFill>
+              <a:schemeClr val="tx1"/>
+            </a:solidFill>
+          </a:ln>
+        </p:spPr>
+        <p:style>
+          <a:lnRef idx="2">
+            <a:schemeClr val="accent1">
+              <a:shade val="50000"/>
+            </a:schemeClr>
+          </a:lnRef>
+          <a:fillRef idx="1">
+            <a:schemeClr val="accent1"/>
+          </a:fillRef>
+          <a:effectRef idx="0">
+            <a:schemeClr val="accent1"/>
+          </a:effectRef>
+          <a:fontRef idx="minor">
+            <a:schemeClr val="lt1"/>
+          </a:fontRef>
+        </p:style>
+        <p:txBody>
+          <a:bodyPr rtlCol="0" anchor="ctr"/>
+          <a:lstStyle/>
+          <a:p>
+            <a:pPr algn="ctr"/>
+            <a:r>
+              <a:rPr lang="en-US" sz="900" dirty="0" smtClean="0">
+                <a:solidFill>
+                  <a:schemeClr val="tx1"/>
+                </a:solidFill>
+                <a:latin typeface="Times New Roman" pitchFamily="18" charset="0"/>
+                <a:cs typeface="Times New Roman" pitchFamily="18" charset="0"/>
+              </a:rPr>
+              <a:t>Dropping Policy</a:t>
+            </a:r>
+          </a:p>
+        </p:txBody>
+      </p:sp>
+      <p:cxnSp>
+        <p:nvCxnSpPr>
+          <p:cNvPr id="23" name="Straight Arrow Connector 22"/>
+          <p:cNvCxnSpPr>
+            <a:stCxn id="18" idx="3"/>
+            <a:endCxn id="19" idx="1"/>
+          </p:cNvCxnSpPr>
+          <p:nvPr/>
+        </p:nvCxnSpPr>
+        <p:spPr>
+          <a:xfrm>
+            <a:off x="1378454" y="176952"/>
+            <a:ext cx="336961" cy="254"/>
+          </a:xfrm>
+          <a:prstGeom prst="straightConnector1">
+            <a:avLst/>
+          </a:prstGeom>
+          <a:ln w="19050">
+            <a:solidFill>
+              <a:schemeClr val="tx1"/>
+            </a:solidFill>
+            <a:headEnd w="sm" len="sm"/>
+            <a:tailEnd type="arrow" w="sm" len="sm"/>
+          </a:ln>
+        </p:spPr>
+        <p:style>
+          <a:lnRef idx="1">
+            <a:schemeClr val="accent1"/>
+          </a:lnRef>
+          <a:fillRef idx="0">
+            <a:schemeClr val="accent1"/>
+          </a:fillRef>
+          <a:effectRef idx="0">
+            <a:schemeClr val="accent1"/>
+          </a:effectRef>
+          <a:fontRef idx="minor">
+            <a:schemeClr val="tx1"/>
+          </a:fontRef>
+        </p:style>
+      </p:cxnSp>
+      <p:sp>
+        <p:nvSpPr>
+          <p:cNvPr id="24" name="Rectangle 23"/>
+          <p:cNvSpPr/>
+          <p:nvPr/>
+        </p:nvSpPr>
+        <p:spPr>
+          <a:xfrm>
+            <a:off x="1327496" y="16404"/>
+            <a:ext cx="423675" cy="156647"/>
+          </a:xfrm>
+          <a:prstGeom prst="rect">
+            <a:avLst/>
+          </a:prstGeom>
+          <a:noFill/>
+          <a:ln w="12700">
+            <a:noFill/>
+          </a:ln>
+        </p:spPr>
+        <p:style>
+          <a:lnRef idx="2">
+            <a:schemeClr val="accent1">
+              <a:shade val="50000"/>
+            </a:schemeClr>
+          </a:lnRef>
+          <a:fillRef idx="1">
+            <a:schemeClr val="accent1"/>
+          </a:fillRef>
+          <a:effectRef idx="0">
+            <a:schemeClr val="accent1"/>
+          </a:effectRef>
+          <a:fontRef idx="minor">
+            <a:schemeClr val="lt1"/>
+          </a:fontRef>
+        </p:style>
+        <p:txBody>
+          <a:bodyPr rtlCol="0" anchor="ctr"/>
+          <a:lstStyle/>
+          <a:p>
+            <a:pPr algn="ctr"/>
+            <a:r>
+              <a:rPr lang="en-US" sz="900" dirty="0" smtClean="0">
+                <a:solidFill>
+                  <a:schemeClr val="tx1"/>
+                </a:solidFill>
+                <a:latin typeface="Times New Roman" pitchFamily="18" charset="0"/>
+                <a:cs typeface="Times New Roman" pitchFamily="18" charset="0"/>
+              </a:rPr>
+              <a:t>slack</a:t>
+            </a:r>
+          </a:p>
+        </p:txBody>
+      </p:sp>
+      <p:cxnSp>
+        <p:nvCxnSpPr>
+          <p:cNvPr id="26" name="Straight Arrow Connector 25"/>
+          <p:cNvCxnSpPr/>
+          <p:nvPr/>
+        </p:nvCxnSpPr>
+        <p:spPr>
+          <a:xfrm>
+            <a:off x="296814" y="734654"/>
+            <a:ext cx="428728" cy="0"/>
+          </a:xfrm>
+          <a:prstGeom prst="straightConnector1">
+            <a:avLst/>
+          </a:prstGeom>
+          <a:ln w="19050">
+            <a:solidFill>
+              <a:schemeClr val="tx1"/>
+            </a:solidFill>
+            <a:headEnd w="sm" len="sm"/>
+            <a:tailEnd type="arrow" w="sm" len="sm"/>
+          </a:ln>
+        </p:spPr>
+        <p:style>
+          <a:lnRef idx="1">
+            <a:schemeClr val="accent1"/>
+          </a:lnRef>
+          <a:fillRef idx="0">
+            <a:schemeClr val="accent1"/>
+          </a:fillRef>
+          <a:effectRef idx="0">
+            <a:schemeClr val="accent1"/>
+          </a:effectRef>
+          <a:fontRef idx="minor">
+            <a:schemeClr val="tx1"/>
+          </a:fontRef>
+        </p:style>
+      </p:cxnSp>
+      <p:cxnSp>
+        <p:nvCxnSpPr>
+          <p:cNvPr id="28" name="Straight Arrow Connector 27"/>
+          <p:cNvCxnSpPr>
+            <a:stCxn id="17" idx="3"/>
+            <a:endCxn id="45" idx="1"/>
+          </p:cNvCxnSpPr>
+          <p:nvPr/>
+        </p:nvCxnSpPr>
+        <p:spPr>
+          <a:xfrm>
+            <a:off x="1378455" y="734654"/>
+            <a:ext cx="336959" cy="0"/>
+          </a:xfrm>
+          <a:prstGeom prst="straightConnector1">
+            <a:avLst/>
+          </a:prstGeom>
+          <a:ln w="19050">
+            <a:solidFill>
+              <a:schemeClr val="tx1"/>
+            </a:solidFill>
+            <a:headEnd w="sm" len="sm"/>
+            <a:tailEnd type="arrow" w="sm" len="sm"/>
+          </a:ln>
+        </p:spPr>
+        <p:style>
+          <a:lnRef idx="1">
+            <a:schemeClr val="accent1"/>
+          </a:lnRef>
+          <a:fillRef idx="0">
+            <a:schemeClr val="accent1"/>
+          </a:fillRef>
+          <a:effectRef idx="0">
+            <a:schemeClr val="accent1"/>
+          </a:effectRef>
+          <a:fontRef idx="minor">
+            <a:schemeClr val="tx1"/>
+          </a:fontRef>
+        </p:style>
+      </p:cxnSp>
+      <p:cxnSp>
+        <p:nvCxnSpPr>
+          <p:cNvPr id="30" name="Straight Arrow Connector 29"/>
+          <p:cNvCxnSpPr/>
+          <p:nvPr/>
+        </p:nvCxnSpPr>
+        <p:spPr>
+          <a:xfrm>
+            <a:off x="2363973" y="733886"/>
+            <a:ext cx="544255" cy="767"/>
+          </a:xfrm>
+          <a:prstGeom prst="straightConnector1">
+            <a:avLst/>
+          </a:prstGeom>
+          <a:ln w="19050">
+            <a:solidFill>
+              <a:schemeClr val="tx1"/>
+            </a:solidFill>
+            <a:headEnd w="sm" len="sm"/>
+            <a:tailEnd type="arrow" w="sm" len="sm"/>
+          </a:ln>
+        </p:spPr>
+        <p:style>
+          <a:lnRef idx="1">
+            <a:schemeClr val="accent1"/>
+          </a:lnRef>
+          <a:fillRef idx="0">
+            <a:schemeClr val="accent1"/>
+          </a:fillRef>
+          <a:effectRef idx="0">
+            <a:schemeClr val="accent1"/>
+          </a:effectRef>
+          <a:fontRef idx="minor">
+            <a:schemeClr val="tx1"/>
+          </a:fontRef>
+        </p:style>
+      </p:cxnSp>
+      <p:sp>
+        <p:nvSpPr>
+          <p:cNvPr id="32" name="Rectangle 31"/>
+          <p:cNvSpPr/>
+          <p:nvPr/>
+        </p:nvSpPr>
+        <p:spPr>
+          <a:xfrm>
+            <a:off x="242392" y="580343"/>
+            <a:ext cx="483150" cy="156647"/>
+          </a:xfrm>
+          <a:prstGeom prst="rect">
+            <a:avLst/>
+          </a:prstGeom>
+          <a:noFill/>
+          <a:ln w="12700">
+            <a:noFill/>
+          </a:ln>
+        </p:spPr>
+        <p:style>
+          <a:lnRef idx="2">
+            <a:schemeClr val="accent1">
+              <a:shade val="50000"/>
+            </a:schemeClr>
+          </a:lnRef>
+          <a:fillRef idx="1">
+            <a:schemeClr val="accent1"/>
+          </a:fillRef>
+          <a:effectRef idx="0">
+            <a:schemeClr val="accent1"/>
+          </a:effectRef>
+          <a:fontRef idx="minor">
+            <a:schemeClr val="lt1"/>
+          </a:fontRef>
+        </p:style>
+        <p:txBody>
+          <a:bodyPr rtlCol="0" anchor="ctr"/>
+          <a:lstStyle/>
+          <a:p>
+            <a:pPr algn="ctr"/>
+            <a:r>
+              <a:rPr lang="en-US" sz="900" dirty="0" smtClean="0">
+                <a:solidFill>
+                  <a:schemeClr val="tx1"/>
+                </a:solidFill>
+                <a:latin typeface="Times New Roman" pitchFamily="18" charset="0"/>
+                <a:cs typeface="Times New Roman" pitchFamily="18" charset="0"/>
+              </a:rPr>
+              <a:t>events</a:t>
+            </a:r>
+          </a:p>
+        </p:txBody>
+      </p:sp>
+      <p:sp>
+        <p:nvSpPr>
+          <p:cNvPr id="37" name="Rectangle 36"/>
+          <p:cNvSpPr/>
+          <p:nvPr/>
+        </p:nvSpPr>
+        <p:spPr>
+          <a:xfrm>
+            <a:off x="2291490" y="486799"/>
+            <a:ext cx="689222" cy="211786"/>
+          </a:xfrm>
+          <a:prstGeom prst="rect">
+            <a:avLst/>
+          </a:prstGeom>
+          <a:noFill/>
+          <a:ln w="12700">
+            <a:noFill/>
+          </a:ln>
+        </p:spPr>
+        <p:style>
+          <a:lnRef idx="2">
+            <a:schemeClr val="accent1">
+              <a:shade val="50000"/>
+            </a:schemeClr>
+          </a:lnRef>
+          <a:fillRef idx="1">
+            <a:schemeClr val="accent1"/>
+          </a:fillRef>
+          <a:effectRef idx="0">
+            <a:schemeClr val="accent1"/>
+          </a:effectRef>
+          <a:fontRef idx="minor">
+            <a:schemeClr val="lt1"/>
+          </a:fontRef>
+        </p:style>
+        <p:txBody>
+          <a:bodyPr rtlCol="0" anchor="ctr"/>
+          <a:lstStyle/>
+          <a:p>
+            <a:pPr algn="ctr"/>
+            <a:r>
+              <a:rPr lang="en-US" sz="900" dirty="0" smtClean="0">
+                <a:solidFill>
+                  <a:schemeClr val="tx1"/>
+                </a:solidFill>
+                <a:latin typeface="Times New Roman" pitchFamily="18" charset="0"/>
+                <a:cs typeface="Times New Roman" pitchFamily="18" charset="0"/>
+              </a:rPr>
+              <a:t>monitored events</a:t>
+            </a:r>
+          </a:p>
+        </p:txBody>
+      </p:sp>
+      <p:cxnSp>
+        <p:nvCxnSpPr>
+          <p:cNvPr id="48" name="Straight Arrow Connector 47"/>
+          <p:cNvCxnSpPr>
+            <a:stCxn id="19" idx="2"/>
+            <a:endCxn id="45" idx="0"/>
+          </p:cNvCxnSpPr>
+          <p:nvPr/>
+        </p:nvCxnSpPr>
+        <p:spPr>
+          <a:xfrm flipH="1">
+            <a:off x="2042467" y="333853"/>
+            <a:ext cx="1" cy="214333"/>
+          </a:xfrm>
+          <a:prstGeom prst="straightConnector1">
+            <a:avLst/>
+          </a:prstGeom>
+          <a:ln w="19050">
+            <a:solidFill>
+              <a:schemeClr val="tx1"/>
+            </a:solidFill>
+            <a:headEnd w="sm" len="sm"/>
+            <a:tailEnd type="arrow" w="sm" len="sm"/>
+          </a:ln>
+        </p:spPr>
+        <p:style>
+          <a:lnRef idx="1">
+            <a:schemeClr val="accent1"/>
+          </a:lnRef>
+          <a:fillRef idx="0">
+            <a:schemeClr val="accent1"/>
+          </a:fillRef>
+          <a:effectRef idx="0">
+            <a:schemeClr val="accent1"/>
+          </a:effectRef>
+          <a:fontRef idx="minor">
+            <a:schemeClr val="tx1"/>
+          </a:fontRef>
+        </p:style>
+      </p:cxnSp>
+      <p:sp>
+        <p:nvSpPr>
+          <p:cNvPr id="50" name="Rectangle 49"/>
+          <p:cNvSpPr/>
+          <p:nvPr/>
+        </p:nvSpPr>
+        <p:spPr>
+          <a:xfrm>
+            <a:off x="1484985" y="312277"/>
+            <a:ext cx="689222" cy="211786"/>
+          </a:xfrm>
+          <a:prstGeom prst="rect">
+            <a:avLst/>
+          </a:prstGeom>
+          <a:noFill/>
+          <a:ln w="12700">
+            <a:noFill/>
+          </a:ln>
+        </p:spPr>
+        <p:style>
+          <a:lnRef idx="2">
+            <a:schemeClr val="accent1">
+              <a:shade val="50000"/>
+            </a:schemeClr>
+          </a:lnRef>
+          <a:fillRef idx="1">
+            <a:schemeClr val="accent1"/>
+          </a:fillRef>
+          <a:effectRef idx="0">
+            <a:schemeClr val="accent1"/>
+          </a:effectRef>
+          <a:fontRef idx="minor">
+            <a:schemeClr val="lt1"/>
+          </a:fontRef>
+        </p:style>
+        <p:txBody>
+          <a:bodyPr rtlCol="0" anchor="ctr"/>
+          <a:lstStyle/>
+          <a:p>
+            <a:pPr algn="ctr"/>
+            <a:r>
+              <a:rPr lang="en-US" sz="900" dirty="0" smtClean="0">
+                <a:solidFill>
+                  <a:schemeClr val="tx1"/>
+                </a:solidFill>
+                <a:latin typeface="Times New Roman" pitchFamily="18" charset="0"/>
+                <a:cs typeface="Times New Roman" pitchFamily="18" charset="0"/>
+              </a:rPr>
+              <a:t>drop</a:t>
+            </a:r>
           </a:p>
         </p:txBody>
       </p:sp>
     </p:spTree>
     <p:extLst>
       <p:ext uri="{BB962C8B-B14F-4D97-AF65-F5344CB8AC3E}">
-        <p14:creationId xmlns:p14="http://schemas.microsoft.com/office/powerpoint/2010/main" val="2553646245"/>
+        <p14:creationId xmlns:p14="http://schemas.microsoft.com/office/powerpoint/2010/main" val="320129923"/>
       </p:ext>
     </p:extLst>
   </p:cSld>
   <p:clrMapOvr>
     <a:masterClrMapping/>
   </p:clrMapOvr>
-  <p:timing>
-    <p:tnLst>
-      <p:par>
-        <p:cTn id="1" dur="indefinite" restart="never" nodeType="tmRoot"/>
-      </p:par>
-    </p:tnLst>
-  </p:timing>
 </p:sld>
 </file>
 
@@ -7147,7 +10611,7 @@
             <a:avLst/>
           </a:prstGeom>
           <a:solidFill>
-            <a:srgbClr val="66CCFF"/>
+            <a:srgbClr val="FFFFCC"/>
           </a:solidFill>
           <a:ln w="12700">
             <a:solidFill>
@@ -7797,7 +11261,7 @@
     </p:spTree>
     <p:extLst>
       <p:ext uri="{BB962C8B-B14F-4D97-AF65-F5344CB8AC3E}">
-        <p14:creationId xmlns:p14="http://schemas.microsoft.com/office/powerpoint/2010/main" val="2263311733"/>
+        <p14:creationId xmlns:p14="http://schemas.microsoft.com/office/powerpoint/2010/main" val="2958256163"/>
       </p:ext>
     </p:extLst>
   </p:cSld>
@@ -7910,7 +11374,7 @@
             <a:avLst/>
           </a:prstGeom>
           <a:solidFill>
-            <a:srgbClr val="FFFFCC"/>
+            <a:srgbClr val="66CCFF"/>
           </a:solidFill>
           <a:ln w="12700">
             <a:solidFill>
@@ -8115,7 +11579,7 @@
             <a:avLst/>
           </a:prstGeom>
           <a:solidFill>
-            <a:srgbClr val="FFFFCC"/>
+            <a:srgbClr val="66CCFF"/>
           </a:solidFill>
           <a:ln w="12700">
             <a:solidFill>
@@ -8380,7 +11844,7 @@
             <a:avLst/>
           </a:prstGeom>
           <a:solidFill>
-            <a:srgbClr val="FFFFCC"/>
+            <a:srgbClr val="66CCFF"/>
           </a:solidFill>
           <a:ln w="12700">
             <a:solidFill>
@@ -8444,7 +11908,7 @@
             <a:avLst/>
           </a:prstGeom>
           <a:solidFill>
-            <a:srgbClr val="FFFFCC"/>
+            <a:srgbClr val="66CCFF"/>
           </a:solidFill>
           <a:ln w="12700">
             <a:solidFill>
@@ -8496,7 +11960,7 @@
     </p:spTree>
     <p:extLst>
       <p:ext uri="{BB962C8B-B14F-4D97-AF65-F5344CB8AC3E}">
-        <p14:creationId xmlns:p14="http://schemas.microsoft.com/office/powerpoint/2010/main" val="2263311733"/>
+        <p14:creationId xmlns:p14="http://schemas.microsoft.com/office/powerpoint/2010/main" val="2553646245"/>
       </p:ext>
     </p:extLst>
   </p:cSld>
@@ -8532,25 +11996,25 @@
       </p:grpSpPr>
       <p:sp>
         <p:nvSpPr>
-          <p:cNvPr id="3" name="Rectangle 2"/>
+          <p:cNvPr id="29" name="Oval 28"/>
           <p:cNvSpPr/>
           <p:nvPr/>
         </p:nvSpPr>
         <p:spPr>
           <a:xfrm>
-            <a:off x="1753820" y="65208"/>
-            <a:ext cx="649117" cy="1247858"/>
-          </a:xfrm>
-          <a:prstGeom prst="rect">
+            <a:off x="529519" y="45700"/>
+            <a:ext cx="230429" cy="230429"/>
+          </a:xfrm>
+          <a:prstGeom prst="ellipse">
             <a:avLst/>
           </a:prstGeom>
           <a:solidFill>
-            <a:schemeClr val="bg1">
-              <a:lumMod val="75000"/>
-            </a:schemeClr>
+            <a:srgbClr val="66CCFF"/>
           </a:solidFill>
-          <a:ln>
-            <a:noFill/>
+          <a:ln w="12700">
+            <a:solidFill>
+              <a:schemeClr val="tx1"/>
+            </a:solidFill>
           </a:ln>
         </p:spPr>
         <p:style>
@@ -8574,123 +12038,6 @@
           <a:lstStyle/>
           <a:p>
             <a:pPr algn="ctr"/>
-            <a:endParaRPr lang="en-US" sz="900"/>
-          </a:p>
-        </p:txBody>
-      </p:sp>
-      <p:cxnSp>
-        <p:nvCxnSpPr>
-          <p:cNvPr id="4" name="Straight Arrow Connector 3"/>
-          <p:cNvCxnSpPr/>
-          <p:nvPr/>
-        </p:nvCxnSpPr>
-        <p:spPr>
-          <a:xfrm flipV="1">
-            <a:off x="623931" y="45700"/>
-            <a:ext cx="0" cy="1205505"/>
-          </a:xfrm>
-          <a:prstGeom prst="straightConnector1">
-            <a:avLst/>
-          </a:prstGeom>
-          <a:ln w="19050">
-            <a:solidFill>
-              <a:schemeClr val="tx1"/>
-            </a:solidFill>
-            <a:headEnd w="sm" len="sm"/>
-            <a:tailEnd type="arrow" w="sm" len="sm"/>
-          </a:ln>
-        </p:spPr>
-        <p:style>
-          <a:lnRef idx="1">
-            <a:schemeClr val="accent1"/>
-          </a:lnRef>
-          <a:fillRef idx="0">
-            <a:schemeClr val="accent1"/>
-          </a:fillRef>
-          <a:effectRef idx="0">
-            <a:schemeClr val="accent1"/>
-          </a:effectRef>
-          <a:fontRef idx="minor">
-            <a:schemeClr val="tx1"/>
-          </a:fontRef>
-        </p:style>
-      </p:cxnSp>
-      <p:cxnSp>
-        <p:nvCxnSpPr>
-          <p:cNvPr id="6" name="Straight Arrow Connector 5"/>
-          <p:cNvCxnSpPr/>
-          <p:nvPr/>
-        </p:nvCxnSpPr>
-        <p:spPr>
-          <a:xfrm>
-            <a:off x="489960" y="852205"/>
-            <a:ext cx="2646440" cy="0"/>
-          </a:xfrm>
-          <a:prstGeom prst="straightConnector1">
-            <a:avLst/>
-          </a:prstGeom>
-          <a:ln w="19050">
-            <a:solidFill>
-              <a:schemeClr val="tx1"/>
-            </a:solidFill>
-            <a:headEnd w="sm" len="sm"/>
-            <a:tailEnd type="arrow" w="sm" len="sm"/>
-          </a:ln>
-        </p:spPr>
-        <p:style>
-          <a:lnRef idx="1">
-            <a:schemeClr val="accent1"/>
-          </a:lnRef>
-          <a:fillRef idx="0">
-            <a:schemeClr val="accent1"/>
-          </a:fillRef>
-          <a:effectRef idx="0">
-            <a:schemeClr val="accent1"/>
-          </a:effectRef>
-          <a:fontRef idx="minor">
-            <a:schemeClr val="tx1"/>
-          </a:fontRef>
-        </p:style>
-      </p:cxnSp>
-      <p:sp>
-        <p:nvSpPr>
-          <p:cNvPr id="8" name="Rectangle 7"/>
-          <p:cNvSpPr/>
-          <p:nvPr/>
-        </p:nvSpPr>
-        <p:spPr>
-          <a:xfrm>
-            <a:off x="2878581" y="843701"/>
-            <a:ext cx="437487" cy="200529"/>
-          </a:xfrm>
-          <a:prstGeom prst="rect">
-            <a:avLst/>
-          </a:prstGeom>
-          <a:noFill/>
-          <a:ln>
-            <a:noFill/>
-          </a:ln>
-        </p:spPr>
-        <p:style>
-          <a:lnRef idx="2">
-            <a:schemeClr val="accent2">
-              <a:shade val="50000"/>
-            </a:schemeClr>
-          </a:lnRef>
-          <a:fillRef idx="1">
-            <a:schemeClr val="accent2"/>
-          </a:fillRef>
-          <a:effectRef idx="0">
-            <a:schemeClr val="accent2"/>
-          </a:effectRef>
-          <a:fontRef idx="minor">
-            <a:schemeClr val="lt1"/>
-          </a:fontRef>
-        </p:style>
-        <p:txBody>
-          <a:bodyPr rtlCol="0" anchor="ctr"/>
-          <a:lstStyle/>
-          <a:p>
             <a:r>
               <a:rPr lang="en-US" sz="900" dirty="0" smtClean="0">
                 <a:solidFill>
@@ -8699,7 +12046,7 @@
                 <a:latin typeface="Times New Roman" pitchFamily="18" charset="0"/>
                 <a:cs typeface="Times New Roman" pitchFamily="18" charset="0"/>
               </a:rPr>
-              <a:t>time</a:t>
+              <a:t>A</a:t>
             </a:r>
             <a:endParaRPr lang="en-US" sz="900" dirty="0">
               <a:solidFill>
@@ -8713,34 +12060,38 @@
       </p:sp>
       <p:sp>
         <p:nvSpPr>
-          <p:cNvPr id="9" name="Rectangle 8"/>
+          <p:cNvPr id="30" name="Oval 29"/>
           <p:cNvSpPr/>
           <p:nvPr/>
         </p:nvSpPr>
         <p:spPr>
           <a:xfrm>
-            <a:off x="238490" y="46824"/>
-            <a:ext cx="500160" cy="200529"/>
-          </a:xfrm>
-          <a:prstGeom prst="rect">
-            <a:avLst/>
-          </a:prstGeom>
-          <a:noFill/>
-          <a:ln>
-            <a:noFill/>
+            <a:off x="1002441" y="45702"/>
+            <a:ext cx="230429" cy="230429"/>
+          </a:xfrm>
+          <a:prstGeom prst="ellipse">
+            <a:avLst/>
+          </a:prstGeom>
+          <a:solidFill>
+            <a:srgbClr val="FFFFCC"/>
+          </a:solidFill>
+          <a:ln w="12700">
+            <a:solidFill>
+              <a:schemeClr val="tx1"/>
+            </a:solidFill>
           </a:ln>
         </p:spPr>
         <p:style>
           <a:lnRef idx="2">
-            <a:schemeClr val="accent2">
+            <a:schemeClr val="accent1">
               <a:shade val="50000"/>
             </a:schemeClr>
           </a:lnRef>
           <a:fillRef idx="1">
-            <a:schemeClr val="accent2"/>
-          </a:fillRef>
-          <a:effectRef idx="0">
-            <a:schemeClr val="accent2"/>
+            <a:schemeClr val="accent1"/>
+          </a:fillRef>
+          <a:effectRef idx="0">
+            <a:schemeClr val="accent1"/>
           </a:effectRef>
           <a:fontRef idx="minor">
             <a:schemeClr val="lt1"/>
@@ -8750,6 +12101,7 @@
           <a:bodyPr rtlCol="0" anchor="ctr"/>
           <a:lstStyle/>
           <a:p>
+            <a:pPr algn="ctr"/>
             <a:r>
               <a:rPr lang="en-US" sz="900" dirty="0" smtClean="0">
                 <a:solidFill>
@@ -8758,7 +12110,7 @@
                 <a:latin typeface="Times New Roman" pitchFamily="18" charset="0"/>
                 <a:cs typeface="Times New Roman" pitchFamily="18" charset="0"/>
               </a:rPr>
-              <a:t>slack</a:t>
+              <a:t>B</a:t>
             </a:r>
             <a:endParaRPr lang="en-US" sz="900" dirty="0">
               <a:solidFill>
@@ -8772,21 +12124,24 @@
       </p:sp>
       <p:cxnSp>
         <p:nvCxnSpPr>
-          <p:cNvPr id="12" name="Straight Arrow Connector 11"/>
-          <p:cNvCxnSpPr/>
+          <p:cNvPr id="31" name="Straight Arrow Connector 30"/>
+          <p:cNvCxnSpPr>
+            <a:stCxn id="29" idx="6"/>
+            <a:endCxn id="30" idx="2"/>
+          </p:cNvCxnSpPr>
           <p:nvPr/>
         </p:nvCxnSpPr>
         <p:spPr>
-          <a:xfrm flipV="1">
-            <a:off x="623931" y="522839"/>
-            <a:ext cx="345645" cy="128836"/>
+          <a:xfrm>
+            <a:off x="759948" y="160915"/>
+            <a:ext cx="242493" cy="2"/>
           </a:xfrm>
           <a:prstGeom prst="straightConnector1">
             <a:avLst/>
           </a:prstGeom>
           <a:ln w="19050">
             <a:solidFill>
-              <a:srgbClr val="00B050"/>
+              <a:schemeClr val="tx1"/>
             </a:solidFill>
             <a:headEnd w="sm" len="sm"/>
             <a:tailEnd type="arrow" w="sm" len="sm"/>
@@ -8807,71 +12162,40 @@
           </a:fontRef>
         </p:style>
       </p:cxnSp>
-      <p:cxnSp>
-        <p:nvCxnSpPr>
-          <p:cNvPr id="21" name="Straight Connector 20"/>
-          <p:cNvCxnSpPr/>
-          <p:nvPr/>
-        </p:nvCxnSpPr>
-        <p:spPr>
-          <a:xfrm flipH="1">
-            <a:off x="575368" y="651675"/>
-            <a:ext cx="95890" cy="0"/>
-          </a:xfrm>
-          <a:prstGeom prst="line">
-            <a:avLst/>
-          </a:prstGeom>
-          <a:ln w="19050">
-            <a:solidFill>
-              <a:schemeClr val="tx1"/>
-            </a:solidFill>
-          </a:ln>
-        </p:spPr>
-        <p:style>
-          <a:lnRef idx="1">
-            <a:schemeClr val="accent1"/>
-          </a:lnRef>
-          <a:fillRef idx="0">
-            <a:schemeClr val="accent1"/>
-          </a:fillRef>
-          <a:effectRef idx="0">
-            <a:schemeClr val="accent1"/>
-          </a:effectRef>
-          <a:fontRef idx="minor">
-            <a:schemeClr val="tx1"/>
-          </a:fontRef>
-        </p:style>
-      </p:cxnSp>
-      <p:sp>
-        <p:nvSpPr>
-          <p:cNvPr id="23" name="Rectangle 22"/>
+      <p:sp>
+        <p:nvSpPr>
+          <p:cNvPr id="34" name="Oval 33"/>
           <p:cNvSpPr/>
           <p:nvPr/>
         </p:nvSpPr>
         <p:spPr>
           <a:xfrm>
-            <a:off x="199190" y="536461"/>
-            <a:ext cx="500160" cy="200529"/>
-          </a:xfrm>
-          <a:prstGeom prst="rect">
-            <a:avLst/>
-          </a:prstGeom>
-          <a:noFill/>
-          <a:ln>
-            <a:noFill/>
+            <a:off x="1475363" y="46022"/>
+            <a:ext cx="230429" cy="230429"/>
+          </a:xfrm>
+          <a:prstGeom prst="ellipse">
+            <a:avLst/>
+          </a:prstGeom>
+          <a:solidFill>
+            <a:srgbClr val="FFFFCC"/>
+          </a:solidFill>
+          <a:ln w="12700">
+            <a:solidFill>
+              <a:schemeClr val="tx1"/>
+            </a:solidFill>
           </a:ln>
         </p:spPr>
         <p:style>
           <a:lnRef idx="2">
-            <a:schemeClr val="accent2">
+            <a:schemeClr val="accent1">
               <a:shade val="50000"/>
             </a:schemeClr>
           </a:lnRef>
           <a:fillRef idx="1">
-            <a:schemeClr val="accent2"/>
-          </a:fillRef>
-          <a:effectRef idx="0">
-            <a:schemeClr val="accent2"/>
+            <a:schemeClr val="accent1"/>
+          </a:fillRef>
+          <a:effectRef idx="0">
+            <a:schemeClr val="accent1"/>
           </a:effectRef>
           <a:fontRef idx="minor">
             <a:schemeClr val="lt1"/>
@@ -8881,6 +12205,7 @@
           <a:bodyPr rtlCol="0" anchor="ctr"/>
           <a:lstStyle/>
           <a:p>
+            <a:pPr algn="ctr"/>
             <a:r>
               <a:rPr lang="en-US" sz="900" dirty="0" smtClean="0">
                 <a:solidFill>
@@ -8889,7 +12214,7 @@
                 <a:latin typeface="Times New Roman" pitchFamily="18" charset="0"/>
                 <a:cs typeface="Times New Roman" pitchFamily="18" charset="0"/>
               </a:rPr>
-              <a:t>initial slack</a:t>
+              <a:t>C</a:t>
             </a:r>
             <a:endParaRPr lang="en-US" sz="900" dirty="0">
               <a:solidFill>
@@ -8901,36 +12226,342 @@
           </a:p>
         </p:txBody>
       </p:sp>
-      <p:sp>
-        <p:nvSpPr>
-          <p:cNvPr id="56" name="Rectangle 55"/>
+      <p:cxnSp>
+        <p:nvCxnSpPr>
+          <p:cNvPr id="39" name="Straight Arrow Connector 38"/>
+          <p:cNvCxnSpPr/>
+          <p:nvPr/>
+        </p:nvCxnSpPr>
+        <p:spPr>
+          <a:xfrm>
+            <a:off x="1232870" y="161240"/>
+            <a:ext cx="242493" cy="2"/>
+          </a:xfrm>
+          <a:prstGeom prst="straightConnector1">
+            <a:avLst/>
+          </a:prstGeom>
+          <a:ln w="19050">
+            <a:solidFill>
+              <a:schemeClr val="tx1"/>
+            </a:solidFill>
+            <a:headEnd w="sm" len="sm"/>
+            <a:tailEnd type="arrow" w="sm" len="sm"/>
+          </a:ln>
+        </p:spPr>
+        <p:style>
+          <a:lnRef idx="1">
+            <a:schemeClr val="accent1"/>
+          </a:lnRef>
+          <a:fillRef idx="0">
+            <a:schemeClr val="accent1"/>
+          </a:fillRef>
+          <a:effectRef idx="0">
+            <a:schemeClr val="accent1"/>
+          </a:effectRef>
+          <a:fontRef idx="minor">
+            <a:schemeClr val="tx1"/>
+          </a:fontRef>
+        </p:style>
+      </p:cxnSp>
+      <p:sp>
+        <p:nvSpPr>
+          <p:cNvPr id="41" name="Oval 40"/>
           <p:cNvSpPr/>
           <p:nvPr/>
         </p:nvSpPr>
         <p:spPr>
           <a:xfrm>
-            <a:off x="1078854" y="65207"/>
-            <a:ext cx="775204" cy="200529"/>
-          </a:xfrm>
-          <a:prstGeom prst="rect">
-            <a:avLst/>
-          </a:prstGeom>
-          <a:noFill/>
-          <a:ln>
-            <a:noFill/>
+            <a:off x="1948285" y="46022"/>
+            <a:ext cx="230429" cy="230429"/>
+          </a:xfrm>
+          <a:prstGeom prst="ellipse">
+            <a:avLst/>
+          </a:prstGeom>
+          <a:solidFill>
+            <a:srgbClr val="FFFFCC"/>
+          </a:solidFill>
+          <a:ln w="12700">
+            <a:solidFill>
+              <a:schemeClr val="tx1"/>
+            </a:solidFill>
           </a:ln>
         </p:spPr>
         <p:style>
           <a:lnRef idx="2">
-            <a:schemeClr val="accent2">
+            <a:schemeClr val="accent1">
               <a:shade val="50000"/>
             </a:schemeClr>
           </a:lnRef>
           <a:fillRef idx="1">
-            <a:schemeClr val="accent2"/>
-          </a:fillRef>
-          <a:effectRef idx="0">
-            <a:schemeClr val="accent2"/>
+            <a:schemeClr val="accent1"/>
+          </a:fillRef>
+          <a:effectRef idx="0">
+            <a:schemeClr val="accent1"/>
+          </a:effectRef>
+          <a:fontRef idx="minor">
+            <a:schemeClr val="lt1"/>
+          </a:fontRef>
+        </p:style>
+        <p:txBody>
+          <a:bodyPr rtlCol="0" anchor="ctr"/>
+          <a:lstStyle/>
+          <a:p>
+            <a:pPr algn="ctr"/>
+            <a:r>
+              <a:rPr lang="en-US" sz="900" dirty="0">
+                <a:solidFill>
+                  <a:schemeClr val="tx1"/>
+                </a:solidFill>
+                <a:latin typeface="Times New Roman" pitchFamily="18" charset="0"/>
+                <a:cs typeface="Times New Roman" pitchFamily="18" charset="0"/>
+              </a:rPr>
+              <a:t>D</a:t>
+            </a:r>
+          </a:p>
+        </p:txBody>
+      </p:sp>
+      <p:cxnSp>
+        <p:nvCxnSpPr>
+          <p:cNvPr id="42" name="Straight Arrow Connector 41"/>
+          <p:cNvCxnSpPr/>
+          <p:nvPr/>
+        </p:nvCxnSpPr>
+        <p:spPr>
+          <a:xfrm>
+            <a:off x="1705792" y="161238"/>
+            <a:ext cx="242493" cy="2"/>
+          </a:xfrm>
+          <a:prstGeom prst="straightConnector1">
+            <a:avLst/>
+          </a:prstGeom>
+          <a:ln w="19050">
+            <a:solidFill>
+              <a:schemeClr val="tx1"/>
+            </a:solidFill>
+            <a:headEnd w="sm" len="sm"/>
+            <a:tailEnd type="arrow" w="sm" len="sm"/>
+          </a:ln>
+        </p:spPr>
+        <p:style>
+          <a:lnRef idx="1">
+            <a:schemeClr val="accent1"/>
+          </a:lnRef>
+          <a:fillRef idx="0">
+            <a:schemeClr val="accent1"/>
+          </a:fillRef>
+          <a:effectRef idx="0">
+            <a:schemeClr val="accent1"/>
+          </a:effectRef>
+          <a:fontRef idx="minor">
+            <a:schemeClr val="tx1"/>
+          </a:fontRef>
+        </p:style>
+      </p:cxnSp>
+      <p:cxnSp>
+        <p:nvCxnSpPr>
+          <p:cNvPr id="44" name="Straight Arrow Connector 43"/>
+          <p:cNvCxnSpPr/>
+          <p:nvPr/>
+        </p:nvCxnSpPr>
+        <p:spPr>
+          <a:xfrm>
+            <a:off x="2178714" y="161236"/>
+            <a:ext cx="242493" cy="2"/>
+          </a:xfrm>
+          <a:prstGeom prst="straightConnector1">
+            <a:avLst/>
+          </a:prstGeom>
+          <a:ln w="19050">
+            <a:solidFill>
+              <a:schemeClr val="tx1"/>
+            </a:solidFill>
+            <a:headEnd w="sm" len="sm"/>
+            <a:tailEnd type="arrow" w="sm" len="sm"/>
+          </a:ln>
+        </p:spPr>
+        <p:style>
+          <a:lnRef idx="1">
+            <a:schemeClr val="accent1"/>
+          </a:lnRef>
+          <a:fillRef idx="0">
+            <a:schemeClr val="accent1"/>
+          </a:fillRef>
+          <a:effectRef idx="0">
+            <a:schemeClr val="accent1"/>
+          </a:effectRef>
+          <a:fontRef idx="minor">
+            <a:schemeClr val="tx1"/>
+          </a:fontRef>
+        </p:style>
+      </p:cxnSp>
+      <p:sp>
+        <p:nvSpPr>
+          <p:cNvPr id="46" name="Oval 45"/>
+          <p:cNvSpPr/>
+          <p:nvPr/>
+        </p:nvSpPr>
+        <p:spPr>
+          <a:xfrm>
+            <a:off x="1475362" y="343520"/>
+            <a:ext cx="230429" cy="230429"/>
+          </a:xfrm>
+          <a:prstGeom prst="ellipse">
+            <a:avLst/>
+          </a:prstGeom>
+          <a:solidFill>
+            <a:srgbClr val="FFFFCC"/>
+          </a:solidFill>
+          <a:ln w="12700">
+            <a:solidFill>
+              <a:schemeClr val="tx1"/>
+            </a:solidFill>
+          </a:ln>
+        </p:spPr>
+        <p:style>
+          <a:lnRef idx="2">
+            <a:schemeClr val="accent1">
+              <a:shade val="50000"/>
+            </a:schemeClr>
+          </a:lnRef>
+          <a:fillRef idx="1">
+            <a:schemeClr val="accent1"/>
+          </a:fillRef>
+          <a:effectRef idx="0">
+            <a:schemeClr val="accent1"/>
+          </a:effectRef>
+          <a:fontRef idx="minor">
+            <a:schemeClr val="lt1"/>
+          </a:fontRef>
+        </p:style>
+        <p:txBody>
+          <a:bodyPr rtlCol="0" anchor="ctr"/>
+          <a:lstStyle/>
+          <a:p>
+            <a:pPr algn="ctr"/>
+            <a:r>
+              <a:rPr lang="en-US" sz="900" dirty="0">
+                <a:solidFill>
+                  <a:schemeClr val="tx1"/>
+                </a:solidFill>
+                <a:latin typeface="Times New Roman" pitchFamily="18" charset="0"/>
+                <a:cs typeface="Times New Roman" pitchFamily="18" charset="0"/>
+              </a:rPr>
+              <a:t>F</a:t>
+            </a:r>
+          </a:p>
+        </p:txBody>
+      </p:sp>
+      <p:cxnSp>
+        <p:nvCxnSpPr>
+          <p:cNvPr id="47" name="Straight Arrow Connector 46"/>
+          <p:cNvCxnSpPr>
+            <a:stCxn id="30" idx="5"/>
+            <a:endCxn id="46" idx="2"/>
+          </p:cNvCxnSpPr>
+          <p:nvPr/>
+        </p:nvCxnSpPr>
+        <p:spPr>
+          <a:xfrm>
+            <a:off x="1199124" y="242385"/>
+            <a:ext cx="276238" cy="216350"/>
+          </a:xfrm>
+          <a:prstGeom prst="straightConnector1">
+            <a:avLst/>
+          </a:prstGeom>
+          <a:ln w="19050">
+            <a:solidFill>
+              <a:schemeClr val="tx1"/>
+            </a:solidFill>
+            <a:headEnd w="sm" len="sm"/>
+            <a:tailEnd type="arrow" w="sm" len="sm"/>
+          </a:ln>
+        </p:spPr>
+        <p:style>
+          <a:lnRef idx="1">
+            <a:schemeClr val="accent1"/>
+          </a:lnRef>
+          <a:fillRef idx="0">
+            <a:schemeClr val="accent1"/>
+          </a:fillRef>
+          <a:effectRef idx="0">
+            <a:schemeClr val="accent1"/>
+          </a:effectRef>
+          <a:fontRef idx="minor">
+            <a:schemeClr val="tx1"/>
+          </a:fontRef>
+        </p:style>
+      </p:cxnSp>
+      <p:cxnSp>
+        <p:nvCxnSpPr>
+          <p:cNvPr id="51" name="Straight Arrow Connector 50"/>
+          <p:cNvCxnSpPr/>
+          <p:nvPr/>
+        </p:nvCxnSpPr>
+        <p:spPr>
+          <a:xfrm>
+            <a:off x="1709344" y="458735"/>
+            <a:ext cx="242493" cy="2"/>
+          </a:xfrm>
+          <a:prstGeom prst="straightConnector1">
+            <a:avLst/>
+          </a:prstGeom>
+          <a:ln w="19050">
+            <a:solidFill>
+              <a:schemeClr val="tx1"/>
+            </a:solidFill>
+            <a:headEnd w="sm" len="sm"/>
+            <a:tailEnd type="arrow" w="sm" len="sm"/>
+          </a:ln>
+        </p:spPr>
+        <p:style>
+          <a:lnRef idx="1">
+            <a:schemeClr val="accent1"/>
+          </a:lnRef>
+          <a:fillRef idx="0">
+            <a:schemeClr val="accent1"/>
+          </a:fillRef>
+          <a:effectRef idx="0">
+            <a:schemeClr val="accent1"/>
+          </a:effectRef>
+          <a:fontRef idx="minor">
+            <a:schemeClr val="tx1"/>
+          </a:fontRef>
+        </p:style>
+      </p:cxnSp>
+      <p:sp>
+        <p:nvSpPr>
+          <p:cNvPr id="2" name="Rectangle 1"/>
+          <p:cNvSpPr/>
+          <p:nvPr/>
+        </p:nvSpPr>
+        <p:spPr>
+          <a:xfrm>
+            <a:off x="1951837" y="343520"/>
+            <a:ext cx="230429" cy="230429"/>
+          </a:xfrm>
+          <a:prstGeom prst="rect">
+            <a:avLst/>
+          </a:prstGeom>
+          <a:solidFill>
+            <a:srgbClr val="FFFFCC"/>
+          </a:solidFill>
+          <a:ln w="12700">
+            <a:solidFill>
+              <a:schemeClr val="tx1"/>
+            </a:solidFill>
+          </a:ln>
+        </p:spPr>
+        <p:style>
+          <a:lnRef idx="2">
+            <a:schemeClr val="accent1">
+              <a:shade val="50000"/>
+            </a:schemeClr>
+          </a:lnRef>
+          <a:fillRef idx="1">
+            <a:schemeClr val="accent1"/>
+          </a:fillRef>
+          <a:effectRef idx="0">
+            <a:schemeClr val="accent1"/>
           </a:effectRef>
           <a:fontRef idx="minor">
             <a:schemeClr val="lt1"/>
@@ -8949,7 +12580,7 @@
                 <a:latin typeface="Times New Roman" pitchFamily="18" charset="0"/>
                 <a:cs typeface="Times New Roman" pitchFamily="18" charset="0"/>
               </a:rPr>
-              <a:t>monitoring overheads</a:t>
+              <a:t>G</a:t>
             </a:r>
             <a:endParaRPr lang="en-US" sz="900" dirty="0">
               <a:solidFill>
@@ -8961,258 +12592,40 @@
           </a:p>
         </p:txBody>
       </p:sp>
-      <p:cxnSp>
-        <p:nvCxnSpPr>
-          <p:cNvPr id="67" name="Straight Arrow Connector 66"/>
-          <p:cNvCxnSpPr/>
-          <p:nvPr/>
-        </p:nvCxnSpPr>
-        <p:spPr>
-          <a:xfrm>
-            <a:off x="969576" y="522839"/>
-            <a:ext cx="190634" cy="198834"/>
-          </a:xfrm>
-          <a:prstGeom prst="straightConnector1">
-            <a:avLst/>
-          </a:prstGeom>
-          <a:ln w="19050">
-            <a:solidFill>
-              <a:srgbClr val="C00000"/>
-            </a:solidFill>
-            <a:headEnd w="sm" len="sm"/>
-            <a:tailEnd type="arrow" w="sm" len="sm"/>
-          </a:ln>
-        </p:spPr>
-        <p:style>
-          <a:lnRef idx="1">
-            <a:schemeClr val="accent1"/>
-          </a:lnRef>
-          <a:fillRef idx="0">
-            <a:schemeClr val="accent1"/>
-          </a:fillRef>
-          <a:effectRef idx="0">
-            <a:schemeClr val="accent1"/>
-          </a:effectRef>
-          <a:fontRef idx="minor">
-            <a:schemeClr val="tx1"/>
-          </a:fontRef>
-        </p:style>
-      </p:cxnSp>
-      <p:cxnSp>
-        <p:nvCxnSpPr>
-          <p:cNvPr id="69" name="Straight Arrow Connector 68"/>
-          <p:cNvCxnSpPr/>
-          <p:nvPr/>
-        </p:nvCxnSpPr>
-        <p:spPr>
-          <a:xfrm flipV="1">
-            <a:off x="1160210" y="592837"/>
-            <a:ext cx="345645" cy="128836"/>
-          </a:xfrm>
-          <a:prstGeom prst="straightConnector1">
-            <a:avLst/>
-          </a:prstGeom>
-          <a:ln w="19050">
-            <a:solidFill>
-              <a:srgbClr val="00B050"/>
-            </a:solidFill>
-            <a:headEnd w="sm" len="sm"/>
-            <a:tailEnd type="arrow" w="sm" len="sm"/>
-          </a:ln>
-        </p:spPr>
-        <p:style>
-          <a:lnRef idx="1">
-            <a:schemeClr val="accent1"/>
-          </a:lnRef>
-          <a:fillRef idx="0">
-            <a:schemeClr val="accent1"/>
-          </a:fillRef>
-          <a:effectRef idx="0">
-            <a:schemeClr val="accent1"/>
-          </a:effectRef>
-          <a:fontRef idx="minor">
-            <a:schemeClr val="tx1"/>
-          </a:fontRef>
-        </p:style>
-      </p:cxnSp>
-      <p:cxnSp>
-        <p:nvCxnSpPr>
-          <p:cNvPr id="71" name="Straight Arrow Connector 70"/>
-          <p:cNvCxnSpPr/>
-          <p:nvPr/>
-        </p:nvCxnSpPr>
-        <p:spPr>
-          <a:xfrm flipH="1">
-            <a:off x="1064894" y="314535"/>
-            <a:ext cx="210531" cy="272722"/>
-          </a:xfrm>
-          <a:prstGeom prst="straightConnector1">
-            <a:avLst/>
-          </a:prstGeom>
-          <a:ln w="19050">
-            <a:solidFill>
-              <a:schemeClr val="tx1"/>
-            </a:solidFill>
-            <a:headEnd w="sm" len="sm"/>
-            <a:tailEnd type="arrow" w="sm" len="sm"/>
-          </a:ln>
-        </p:spPr>
-        <p:style>
-          <a:lnRef idx="1">
-            <a:schemeClr val="accent1"/>
-          </a:lnRef>
-          <a:fillRef idx="0">
-            <a:schemeClr val="accent1"/>
-          </a:fillRef>
-          <a:effectRef idx="0">
-            <a:schemeClr val="accent1"/>
-          </a:effectRef>
-          <a:fontRef idx="minor">
-            <a:schemeClr val="tx1"/>
-          </a:fontRef>
-        </p:style>
-      </p:cxnSp>
-      <p:cxnSp>
-        <p:nvCxnSpPr>
-          <p:cNvPr id="74" name="Straight Arrow Connector 73"/>
-          <p:cNvCxnSpPr/>
-          <p:nvPr/>
-        </p:nvCxnSpPr>
-        <p:spPr>
-          <a:xfrm>
-            <a:off x="1625986" y="314325"/>
-            <a:ext cx="0" cy="342930"/>
-          </a:xfrm>
-          <a:prstGeom prst="straightConnector1">
-            <a:avLst/>
-          </a:prstGeom>
-          <a:ln w="19050">
-            <a:solidFill>
-              <a:schemeClr val="tx1"/>
-            </a:solidFill>
-            <a:headEnd w="sm" len="sm"/>
-            <a:tailEnd type="arrow" w="sm" len="sm"/>
-          </a:ln>
-        </p:spPr>
-        <p:style>
-          <a:lnRef idx="1">
-            <a:schemeClr val="accent1"/>
-          </a:lnRef>
-          <a:fillRef idx="0">
-            <a:schemeClr val="accent1"/>
-          </a:fillRef>
-          <a:effectRef idx="0">
-            <a:schemeClr val="accent1"/>
-          </a:effectRef>
-          <a:fontRef idx="minor">
-            <a:schemeClr val="tx1"/>
-          </a:fontRef>
-        </p:style>
-      </p:cxnSp>
-      <p:cxnSp>
-        <p:nvCxnSpPr>
-          <p:cNvPr id="14" name="Straight Arrow Connector 13"/>
-          <p:cNvCxnSpPr/>
-          <p:nvPr/>
-        </p:nvCxnSpPr>
-        <p:spPr>
-          <a:xfrm>
-            <a:off x="1505855" y="595299"/>
-            <a:ext cx="422455" cy="440627"/>
-          </a:xfrm>
-          <a:prstGeom prst="straightConnector1">
-            <a:avLst/>
-          </a:prstGeom>
-          <a:ln w="19050">
-            <a:solidFill>
-              <a:srgbClr val="C00000"/>
-            </a:solidFill>
-            <a:headEnd w="sm" len="sm"/>
-            <a:tailEnd type="arrow" w="sm" len="sm"/>
-          </a:ln>
-        </p:spPr>
-        <p:style>
-          <a:lnRef idx="1">
-            <a:schemeClr val="accent1"/>
-          </a:lnRef>
-          <a:fillRef idx="0">
-            <a:schemeClr val="accent1"/>
-          </a:fillRef>
-          <a:effectRef idx="0">
-            <a:schemeClr val="accent1"/>
-          </a:effectRef>
-          <a:fontRef idx="minor">
-            <a:schemeClr val="tx1"/>
-          </a:fontRef>
-        </p:style>
-      </p:cxnSp>
-      <p:cxnSp>
-        <p:nvCxnSpPr>
-          <p:cNvPr id="46" name="Straight Arrow Connector 45"/>
-          <p:cNvCxnSpPr/>
-          <p:nvPr/>
-        </p:nvCxnSpPr>
-        <p:spPr>
-          <a:xfrm flipV="1">
-            <a:off x="1928310" y="657197"/>
-            <a:ext cx="1016065" cy="378729"/>
-          </a:xfrm>
-          <a:prstGeom prst="straightConnector1">
-            <a:avLst/>
-          </a:prstGeom>
-          <a:ln w="19050">
-            <a:solidFill>
-              <a:srgbClr val="00B050"/>
-            </a:solidFill>
-            <a:headEnd w="sm" len="sm"/>
-            <a:tailEnd type="arrow" w="sm" len="sm"/>
-          </a:ln>
-        </p:spPr>
-        <p:style>
-          <a:lnRef idx="1">
-            <a:schemeClr val="accent1"/>
-          </a:lnRef>
-          <a:fillRef idx="0">
-            <a:schemeClr val="accent1"/>
-          </a:fillRef>
-          <a:effectRef idx="0">
-            <a:schemeClr val="accent1"/>
-          </a:effectRef>
-          <a:fontRef idx="minor">
-            <a:schemeClr val="tx1"/>
-          </a:fontRef>
-        </p:style>
-      </p:cxnSp>
-      <p:sp>
-        <p:nvSpPr>
-          <p:cNvPr id="25" name="Rectangle 24"/>
+      <p:sp>
+        <p:nvSpPr>
+          <p:cNvPr id="16" name="Rectangle 15"/>
           <p:cNvSpPr/>
           <p:nvPr/>
         </p:nvSpPr>
         <p:spPr>
           <a:xfrm>
-            <a:off x="808787" y="1074130"/>
-            <a:ext cx="743462" cy="200529"/>
+            <a:off x="2421207" y="45699"/>
+            <a:ext cx="230429" cy="230429"/>
           </a:xfrm>
           <a:prstGeom prst="rect">
             <a:avLst/>
           </a:prstGeom>
-          <a:noFill/>
-          <a:ln>
-            <a:noFill/>
+          <a:solidFill>
+            <a:srgbClr val="FFFFCC"/>
+          </a:solidFill>
+          <a:ln w="12700">
+            <a:solidFill>
+              <a:schemeClr val="tx1"/>
+            </a:solidFill>
           </a:ln>
         </p:spPr>
         <p:style>
           <a:lnRef idx="2">
-            <a:schemeClr val="accent2">
+            <a:schemeClr val="accent1">
               <a:shade val="50000"/>
             </a:schemeClr>
           </a:lnRef>
           <a:fillRef idx="1">
-            <a:schemeClr val="accent2"/>
-          </a:fillRef>
-          <a:effectRef idx="0">
-            <a:schemeClr val="accent2"/>
+            <a:schemeClr val="accent1"/>
+          </a:fillRef>
+          <a:effectRef idx="0">
+            <a:schemeClr val="accent1"/>
           </a:effectRef>
           <a:fontRef idx="minor">
             <a:schemeClr val="lt1"/>
@@ -9231,7 +12644,7 @@
                 <a:latin typeface="Times New Roman" pitchFamily="18" charset="0"/>
                 <a:cs typeface="Times New Roman" pitchFamily="18" charset="0"/>
               </a:rPr>
-              <a:t>perform monitoring</a:t>
+              <a:t>E</a:t>
             </a:r>
             <a:endParaRPr lang="en-US" sz="900" dirty="0">
               <a:solidFill>
@@ -9243,136 +12656,23 @@
           </a:p>
         </p:txBody>
       </p:sp>
-      <p:sp>
-        <p:nvSpPr>
-          <p:cNvPr id="27" name="Rectangle 26"/>
-          <p:cNvSpPr/>
-          <p:nvPr/>
-        </p:nvSpPr>
-        <p:spPr>
-          <a:xfrm>
-            <a:off x="1713530" y="1074130"/>
-            <a:ext cx="729695" cy="200529"/>
-          </a:xfrm>
-          <a:prstGeom prst="rect">
-            <a:avLst/>
-          </a:prstGeom>
-          <a:noFill/>
-          <a:ln>
-            <a:noFill/>
-          </a:ln>
-        </p:spPr>
-        <p:style>
-          <a:lnRef idx="2">
-            <a:schemeClr val="accent2">
-              <a:shade val="50000"/>
-            </a:schemeClr>
-          </a:lnRef>
-          <a:fillRef idx="1">
-            <a:schemeClr val="accent2"/>
-          </a:fillRef>
-          <a:effectRef idx="0">
-            <a:schemeClr val="accent2"/>
-          </a:effectRef>
-          <a:fontRef idx="minor">
-            <a:schemeClr val="lt1"/>
-          </a:fontRef>
-        </p:style>
-        <p:txBody>
-          <a:bodyPr rtlCol="0" anchor="ctr"/>
-          <a:lstStyle/>
-          <a:p>
-            <a:pPr algn="ctr"/>
-            <a:r>
-              <a:rPr lang="en-US" sz="900" dirty="0" smtClean="0">
-                <a:solidFill>
-                  <a:schemeClr val="tx1"/>
-                </a:solidFill>
-                <a:latin typeface="Times New Roman" pitchFamily="18" charset="0"/>
-                <a:cs typeface="Times New Roman" pitchFamily="18" charset="0"/>
-              </a:rPr>
-              <a:t>drop monitoring</a:t>
-            </a:r>
-            <a:endParaRPr lang="en-US" sz="900" dirty="0">
-              <a:solidFill>
-                <a:schemeClr val="tx1"/>
-              </a:solidFill>
-              <a:latin typeface="Times New Roman" pitchFamily="18" charset="0"/>
-              <a:cs typeface="Times New Roman" pitchFamily="18" charset="0"/>
-            </a:endParaRPr>
-          </a:p>
-        </p:txBody>
-      </p:sp>
-      <p:sp>
-        <p:nvSpPr>
-          <p:cNvPr id="34" name="Rectangle 33"/>
-          <p:cNvSpPr/>
-          <p:nvPr/>
-        </p:nvSpPr>
-        <p:spPr>
-          <a:xfrm>
-            <a:off x="2392938" y="1074129"/>
-            <a:ext cx="743462" cy="200529"/>
-          </a:xfrm>
-          <a:prstGeom prst="rect">
-            <a:avLst/>
-          </a:prstGeom>
-          <a:noFill/>
-          <a:ln>
-            <a:noFill/>
-          </a:ln>
-        </p:spPr>
-        <p:style>
-          <a:lnRef idx="2">
-            <a:schemeClr val="accent2">
-              <a:shade val="50000"/>
-            </a:schemeClr>
-          </a:lnRef>
-          <a:fillRef idx="1">
-            <a:schemeClr val="accent2"/>
-          </a:fillRef>
-          <a:effectRef idx="0">
-            <a:schemeClr val="accent2"/>
-          </a:effectRef>
-          <a:fontRef idx="minor">
-            <a:schemeClr val="lt1"/>
-          </a:fontRef>
-        </p:style>
-        <p:txBody>
-          <a:bodyPr rtlCol="0" anchor="ctr"/>
-          <a:lstStyle/>
-          <a:p>
-            <a:pPr algn="ctr"/>
-            <a:r>
-              <a:rPr lang="en-US" sz="900" dirty="0" smtClean="0">
-                <a:solidFill>
-                  <a:schemeClr val="tx1"/>
-                </a:solidFill>
-                <a:latin typeface="Times New Roman" pitchFamily="18" charset="0"/>
-                <a:cs typeface="Times New Roman" pitchFamily="18" charset="0"/>
-              </a:rPr>
-              <a:t>perform monitoring</a:t>
-            </a:r>
-            <a:endParaRPr lang="en-US" sz="900" dirty="0">
-              <a:solidFill>
-                <a:schemeClr val="tx1"/>
-              </a:solidFill>
-              <a:latin typeface="Times New Roman" pitchFamily="18" charset="0"/>
-              <a:cs typeface="Times New Roman" pitchFamily="18" charset="0"/>
-            </a:endParaRPr>
-          </a:p>
-        </p:txBody>
-      </p:sp>
     </p:spTree>
     <p:extLst>
       <p:ext uri="{BB962C8B-B14F-4D97-AF65-F5344CB8AC3E}">
-        <p14:creationId xmlns:p14="http://schemas.microsoft.com/office/powerpoint/2010/main" val="1614472030"/>
+        <p14:creationId xmlns:p14="http://schemas.microsoft.com/office/powerpoint/2010/main" val="2263311733"/>
       </p:ext>
     </p:extLst>
   </p:cSld>
   <p:clrMapOvr>
     <a:masterClrMapping/>
   </p:clrMapOvr>
+  <p:timing>
+    <p:tnLst>
+      <p:par>
+        <p:cTn id="1" dur="indefinite" restart="never" nodeType="tmRoot"/>
+      </p:par>
+    </p:tnLst>
+  </p:timing>
 </p:sld>
 </file>
 
@@ -9395,99 +12695,20 @@
       </p:grpSpPr>
       <p:sp>
         <p:nvSpPr>
-          <p:cNvPr id="58" name="TextBox 57"/>
-          <p:cNvSpPr txBox="1"/>
-          <p:nvPr/>
-        </p:nvSpPr>
-        <p:spPr>
-          <a:xfrm>
-            <a:off x="1219126" y="186452"/>
-            <a:ext cx="342669" cy="230832"/>
-          </a:xfrm>
-          <a:prstGeom prst="rect">
-            <a:avLst/>
-          </a:prstGeom>
-          <a:noFill/>
-          <a:ln w="12700">
-            <a:noFill/>
-          </a:ln>
-        </p:spPr>
-        <p:txBody>
-          <a:bodyPr wrap="square" rtlCol="0">
-            <a:spAutoFit/>
-          </a:bodyPr>
-          <a:lstStyle/>
-          <a:p>
-            <a:r>
-              <a:rPr lang="en-US" sz="900" dirty="0" err="1" smtClean="0">
-                <a:latin typeface="Times New Roman" pitchFamily="18" charset="0"/>
-                <a:cs typeface="Times New Roman" pitchFamily="18" charset="0"/>
-              </a:rPr>
-              <a:t>clk</a:t>
-            </a:r>
-            <a:endParaRPr lang="en-US" sz="900" dirty="0">
-              <a:latin typeface="Times New Roman" pitchFamily="18" charset="0"/>
-              <a:cs typeface="Times New Roman" pitchFamily="18" charset="0"/>
-            </a:endParaRPr>
-          </a:p>
-        </p:txBody>
-      </p:sp>
-      <p:sp>
-        <p:nvSpPr>
-          <p:cNvPr id="60" name="TextBox 59"/>
-          <p:cNvSpPr txBox="1"/>
-          <p:nvPr/>
-        </p:nvSpPr>
-        <p:spPr>
-          <a:xfrm>
-            <a:off x="102405" y="-67464"/>
-            <a:ext cx="750409" cy="369332"/>
-          </a:xfrm>
-          <a:prstGeom prst="rect">
-            <a:avLst/>
-          </a:prstGeom>
-          <a:noFill/>
-          <a:ln w="12700">
-            <a:noFill/>
-          </a:ln>
-        </p:spPr>
-        <p:txBody>
-          <a:bodyPr wrap="square" rtlCol="0">
-            <a:spAutoFit/>
-          </a:bodyPr>
-          <a:lstStyle/>
-          <a:p>
-            <a:pPr algn="ctr"/>
-            <a:r>
-              <a:rPr lang="en-US" sz="900" dirty="0" smtClean="0">
-                <a:latin typeface="Times New Roman" pitchFamily="18" charset="0"/>
-                <a:cs typeface="Times New Roman" pitchFamily="18" charset="0"/>
-              </a:rPr>
-              <a:t>overhead budget (%)</a:t>
-            </a:r>
-            <a:endParaRPr lang="en-US" sz="900" dirty="0">
-              <a:latin typeface="Times New Roman" pitchFamily="18" charset="0"/>
-              <a:cs typeface="Times New Roman" pitchFamily="18" charset="0"/>
-            </a:endParaRPr>
-          </a:p>
-        </p:txBody>
-      </p:sp>
-      <p:sp>
-        <p:nvSpPr>
-          <p:cNvPr id="53" name="Rectangle 52"/>
+          <p:cNvPr id="29" name="Oval 28"/>
           <p:cNvSpPr/>
           <p:nvPr/>
         </p:nvSpPr>
         <p:spPr>
           <a:xfrm>
-            <a:off x="1946307" y="50623"/>
-            <a:ext cx="596185" cy="317208"/>
-          </a:xfrm>
-          <a:prstGeom prst="rect">
+            <a:off x="529519" y="45700"/>
+            <a:ext cx="230429" cy="230429"/>
+          </a:xfrm>
+          <a:prstGeom prst="ellipse">
             <a:avLst/>
           </a:prstGeom>
           <a:solidFill>
-            <a:srgbClr val="FFFFCC"/>
+            <a:srgbClr val="66CCFF"/>
           </a:solidFill>
           <a:ln w="12700">
             <a:solidFill>
@@ -9524,7 +12745,7 @@
                 <a:latin typeface="Times New Roman" pitchFamily="18" charset="0"/>
                 <a:cs typeface="Times New Roman" pitchFamily="18" charset="0"/>
               </a:rPr>
-              <a:t>Slack Counter</a:t>
+              <a:t>A</a:t>
             </a:r>
             <a:endParaRPr lang="en-US" sz="900" dirty="0">
               <a:solidFill>
@@ -9536,171 +12757,18 @@
           </a:p>
         </p:txBody>
       </p:sp>
-      <p:cxnSp>
-        <p:nvCxnSpPr>
-          <p:cNvPr id="65" name="Straight Arrow Connector 64"/>
-          <p:cNvCxnSpPr/>
-          <p:nvPr/>
-        </p:nvCxnSpPr>
-        <p:spPr>
-          <a:xfrm flipV="1">
-            <a:off x="2244399" y="367832"/>
-            <a:ext cx="0" cy="164133"/>
-          </a:xfrm>
-          <a:prstGeom prst="straightConnector1">
-            <a:avLst/>
-          </a:prstGeom>
-          <a:ln w="19050">
-            <a:solidFill>
-              <a:schemeClr val="tx1"/>
-            </a:solidFill>
-            <a:headEnd w="sm" len="sm"/>
-            <a:tailEnd type="arrow" w="sm" len="sm"/>
-          </a:ln>
-        </p:spPr>
-        <p:style>
-          <a:lnRef idx="1">
-            <a:schemeClr val="accent1"/>
-          </a:lnRef>
-          <a:fillRef idx="0">
-            <a:schemeClr val="accent1"/>
-          </a:fillRef>
-          <a:effectRef idx="0">
-            <a:schemeClr val="accent1"/>
-          </a:effectRef>
-          <a:fontRef idx="minor">
-            <a:schemeClr val="tx1"/>
-          </a:fontRef>
-        </p:style>
-      </p:cxnSp>
-      <p:sp>
-        <p:nvSpPr>
-          <p:cNvPr id="67" name="TextBox 66"/>
-          <p:cNvSpPr txBox="1"/>
-          <p:nvPr/>
-        </p:nvSpPr>
-        <p:spPr>
-          <a:xfrm>
-            <a:off x="1987927" y="494905"/>
-            <a:ext cx="512943" cy="230832"/>
-          </a:xfrm>
-          <a:prstGeom prst="rect">
-            <a:avLst/>
-          </a:prstGeom>
-          <a:noFill/>
-          <a:ln w="12700">
-            <a:noFill/>
-          </a:ln>
-        </p:spPr>
-        <p:txBody>
-          <a:bodyPr wrap="square" rtlCol="0">
-            <a:spAutoFit/>
-          </a:bodyPr>
-          <a:lstStyle/>
-          <a:p>
-            <a:pPr algn="ctr"/>
-            <a:r>
-              <a:rPr lang="en-US" sz="900" dirty="0" smtClean="0">
-                <a:latin typeface="Times New Roman" pitchFamily="18" charset="0"/>
-                <a:cs typeface="Times New Roman" pitchFamily="18" charset="0"/>
-              </a:rPr>
-              <a:t>stall</a:t>
-            </a:r>
-            <a:endParaRPr lang="en-US" sz="900" dirty="0">
-              <a:latin typeface="Times New Roman" pitchFamily="18" charset="0"/>
-              <a:cs typeface="Times New Roman" pitchFamily="18" charset="0"/>
-            </a:endParaRPr>
-          </a:p>
-        </p:txBody>
-      </p:sp>
-      <p:sp>
-        <p:nvSpPr>
-          <p:cNvPr id="75" name="TextBox 74"/>
-          <p:cNvSpPr txBox="1"/>
-          <p:nvPr/>
-        </p:nvSpPr>
-        <p:spPr>
-          <a:xfrm>
-            <a:off x="2546647" y="797"/>
-            <a:ext cx="512943" cy="230832"/>
-          </a:xfrm>
-          <a:prstGeom prst="rect">
-            <a:avLst/>
-          </a:prstGeom>
-          <a:noFill/>
-          <a:ln w="12700">
-            <a:noFill/>
-          </a:ln>
-        </p:spPr>
-        <p:txBody>
-          <a:bodyPr wrap="square" rtlCol="0">
-            <a:spAutoFit/>
-          </a:bodyPr>
-          <a:lstStyle/>
-          <a:p>
-            <a:r>
-              <a:rPr lang="en-US" sz="900" dirty="0" smtClean="0">
-                <a:latin typeface="Times New Roman" pitchFamily="18" charset="0"/>
-                <a:cs typeface="Times New Roman" pitchFamily="18" charset="0"/>
-              </a:rPr>
-              <a:t>slack</a:t>
-            </a:r>
-            <a:endParaRPr lang="en-US" sz="900" dirty="0">
-              <a:latin typeface="Times New Roman" pitchFamily="18" charset="0"/>
-              <a:cs typeface="Times New Roman" pitchFamily="18" charset="0"/>
-            </a:endParaRPr>
-          </a:p>
-        </p:txBody>
-      </p:sp>
-      <p:cxnSp>
-        <p:nvCxnSpPr>
-          <p:cNvPr id="23" name="Straight Arrow Connector 22"/>
-          <p:cNvCxnSpPr/>
-          <p:nvPr/>
-        </p:nvCxnSpPr>
-        <p:spPr>
-          <a:xfrm>
-            <a:off x="755290" y="116213"/>
-            <a:ext cx="327954" cy="0"/>
-          </a:xfrm>
-          <a:prstGeom prst="straightConnector1">
-            <a:avLst/>
-          </a:prstGeom>
-          <a:ln w="19050">
-            <a:solidFill>
-              <a:schemeClr val="tx1"/>
-            </a:solidFill>
-            <a:headEnd w="sm" len="sm"/>
-            <a:tailEnd type="arrow" w="sm" len="sm"/>
-          </a:ln>
-        </p:spPr>
-        <p:style>
-          <a:lnRef idx="1">
-            <a:schemeClr val="accent1"/>
-          </a:lnRef>
-          <a:fillRef idx="0">
-            <a:schemeClr val="accent1"/>
-          </a:fillRef>
-          <a:effectRef idx="0">
-            <a:schemeClr val="accent1"/>
-          </a:effectRef>
-          <a:fontRef idx="minor">
-            <a:schemeClr val="tx1"/>
-          </a:fontRef>
-        </p:style>
-      </p:cxnSp>
-      <p:sp>
-        <p:nvSpPr>
-          <p:cNvPr id="16" name="Rectangle 15"/>
+      <p:sp>
+        <p:nvSpPr>
+          <p:cNvPr id="30" name="Oval 29"/>
           <p:cNvSpPr/>
           <p:nvPr/>
         </p:nvSpPr>
         <p:spPr>
           <a:xfrm>
-            <a:off x="1083244" y="45901"/>
-            <a:ext cx="401741" cy="140624"/>
-          </a:xfrm>
-          <a:prstGeom prst="rect">
+            <a:off x="1002441" y="45702"/>
+            <a:ext cx="230429" cy="230429"/>
+          </a:xfrm>
+          <a:prstGeom prst="ellipse">
             <a:avLst/>
           </a:prstGeom>
           <a:solidFill>
@@ -9741,7 +12809,7 @@
                 <a:latin typeface="Times New Roman" pitchFamily="18" charset="0"/>
                 <a:cs typeface="Times New Roman" pitchFamily="18" charset="0"/>
               </a:rPr>
-              <a:t>1/x</a:t>
+              <a:t>B</a:t>
             </a:r>
             <a:endParaRPr lang="en-US" sz="900" dirty="0">
               <a:solidFill>
@@ -9753,39 +12821,104 @@
           </a:p>
         </p:txBody>
       </p:sp>
-      <p:sp>
-        <p:nvSpPr>
-          <p:cNvPr id="21" name="TextBox 20"/>
-          <p:cNvSpPr txBox="1"/>
-          <p:nvPr/>
-        </p:nvSpPr>
-        <p:spPr>
-          <a:xfrm>
-            <a:off x="1561795" y="-69515"/>
-            <a:ext cx="270055" cy="230832"/>
-          </a:xfrm>
-          <a:prstGeom prst="rect">
-            <a:avLst/>
-          </a:prstGeom>
-          <a:noFill/>
+      <p:cxnSp>
+        <p:nvCxnSpPr>
+          <p:cNvPr id="31" name="Straight Arrow Connector 30"/>
+          <p:cNvCxnSpPr>
+            <a:stCxn id="29" idx="6"/>
+            <a:endCxn id="30" idx="2"/>
+          </p:cNvCxnSpPr>
+          <p:nvPr/>
+        </p:nvCxnSpPr>
+        <p:spPr>
+          <a:xfrm>
+            <a:off x="759948" y="160915"/>
+            <a:ext cx="242493" cy="2"/>
+          </a:xfrm>
+          <a:prstGeom prst="straightConnector1">
+            <a:avLst/>
+          </a:prstGeom>
+          <a:ln w="19050">
+            <a:solidFill>
+              <a:schemeClr val="tx1"/>
+            </a:solidFill>
+            <a:headEnd w="sm" len="sm"/>
+            <a:tailEnd type="arrow" w="sm" len="sm"/>
+          </a:ln>
+        </p:spPr>
+        <p:style>
+          <a:lnRef idx="1">
+            <a:schemeClr val="accent1"/>
+          </a:lnRef>
+          <a:fillRef idx="0">
+            <a:schemeClr val="accent1"/>
+          </a:fillRef>
+          <a:effectRef idx="0">
+            <a:schemeClr val="accent1"/>
+          </a:effectRef>
+          <a:fontRef idx="minor">
+            <a:schemeClr val="tx1"/>
+          </a:fontRef>
+        </p:style>
+      </p:cxnSp>
+      <p:sp>
+        <p:nvSpPr>
+          <p:cNvPr id="34" name="Oval 33"/>
+          <p:cNvSpPr/>
+          <p:nvPr/>
+        </p:nvSpPr>
+        <p:spPr>
+          <a:xfrm>
+            <a:off x="1475363" y="46022"/>
+            <a:ext cx="230429" cy="230429"/>
+          </a:xfrm>
+          <a:prstGeom prst="ellipse">
+            <a:avLst/>
+          </a:prstGeom>
+          <a:solidFill>
+            <a:srgbClr val="66CCFF"/>
+          </a:solidFill>
           <a:ln w="12700">
-            <a:noFill/>
-          </a:ln>
-        </p:spPr>
-        <p:txBody>
-          <a:bodyPr wrap="square" rtlCol="0">
-            <a:spAutoFit/>
-          </a:bodyPr>
-          <a:lstStyle/>
-          <a:p>
+            <a:solidFill>
+              <a:schemeClr val="tx1"/>
+            </a:solidFill>
+          </a:ln>
+        </p:spPr>
+        <p:style>
+          <a:lnRef idx="2">
+            <a:schemeClr val="accent1">
+              <a:shade val="50000"/>
+            </a:schemeClr>
+          </a:lnRef>
+          <a:fillRef idx="1">
+            <a:schemeClr val="accent1"/>
+          </a:fillRef>
+          <a:effectRef idx="0">
+            <a:schemeClr val="accent1"/>
+          </a:effectRef>
+          <a:fontRef idx="minor">
+            <a:schemeClr val="lt1"/>
+          </a:fontRef>
+        </p:style>
+        <p:txBody>
+          <a:bodyPr rtlCol="0" anchor="ctr"/>
+          <a:lstStyle/>
+          <a:p>
+            <a:pPr algn="ctr"/>
             <a:r>
               <a:rPr lang="en-US" sz="900" dirty="0" smtClean="0">
+                <a:solidFill>
+                  <a:schemeClr val="tx1"/>
+                </a:solidFill>
                 <a:latin typeface="Times New Roman" pitchFamily="18" charset="0"/>
                 <a:cs typeface="Times New Roman" pitchFamily="18" charset="0"/>
               </a:rPr>
-              <a:t>k</a:t>
+              <a:t>C</a:t>
             </a:r>
             <a:endParaRPr lang="en-US" sz="900" dirty="0">
+              <a:solidFill>
+                <a:schemeClr val="tx1"/>
+              </a:solidFill>
               <a:latin typeface="Times New Roman" pitchFamily="18" charset="0"/>
               <a:cs typeface="Times New Roman" pitchFamily="18" charset="0"/>
             </a:endParaRPr>
@@ -9794,14 +12927,108 @@
       </p:sp>
       <p:cxnSp>
         <p:nvCxnSpPr>
-          <p:cNvPr id="70" name="Straight Arrow Connector 69"/>
+          <p:cNvPr id="39" name="Straight Arrow Connector 38"/>
           <p:cNvCxnSpPr/>
           <p:nvPr/>
         </p:nvCxnSpPr>
         <p:spPr>
           <a:xfrm>
-            <a:off x="2542492" y="189399"/>
-            <a:ext cx="454958" cy="0"/>
+            <a:off x="1232870" y="161240"/>
+            <a:ext cx="242493" cy="2"/>
+          </a:xfrm>
+          <a:prstGeom prst="straightConnector1">
+            <a:avLst/>
+          </a:prstGeom>
+          <a:ln w="19050">
+            <a:solidFill>
+              <a:schemeClr val="tx1"/>
+            </a:solidFill>
+            <a:headEnd w="sm" len="sm"/>
+            <a:tailEnd type="arrow" w="sm" len="sm"/>
+          </a:ln>
+        </p:spPr>
+        <p:style>
+          <a:lnRef idx="1">
+            <a:schemeClr val="accent1"/>
+          </a:lnRef>
+          <a:fillRef idx="0">
+            <a:schemeClr val="accent1"/>
+          </a:fillRef>
+          <a:effectRef idx="0">
+            <a:schemeClr val="accent1"/>
+          </a:effectRef>
+          <a:fontRef idx="minor">
+            <a:schemeClr val="tx1"/>
+          </a:fontRef>
+        </p:style>
+      </p:cxnSp>
+      <p:sp>
+        <p:nvSpPr>
+          <p:cNvPr id="41" name="Oval 40"/>
+          <p:cNvSpPr/>
+          <p:nvPr/>
+        </p:nvSpPr>
+        <p:spPr>
+          <a:xfrm>
+            <a:off x="1948285" y="46022"/>
+            <a:ext cx="230429" cy="230429"/>
+          </a:xfrm>
+          <a:prstGeom prst="ellipse">
+            <a:avLst/>
+          </a:prstGeom>
+          <a:solidFill>
+            <a:srgbClr val="FFFFCC"/>
+          </a:solidFill>
+          <a:ln w="12700">
+            <a:solidFill>
+              <a:schemeClr val="tx1"/>
+            </a:solidFill>
+          </a:ln>
+        </p:spPr>
+        <p:style>
+          <a:lnRef idx="2">
+            <a:schemeClr val="accent1">
+              <a:shade val="50000"/>
+            </a:schemeClr>
+          </a:lnRef>
+          <a:fillRef idx="1">
+            <a:schemeClr val="accent1"/>
+          </a:fillRef>
+          <a:effectRef idx="0">
+            <a:schemeClr val="accent1"/>
+          </a:effectRef>
+          <a:fontRef idx="minor">
+            <a:schemeClr val="lt1"/>
+          </a:fontRef>
+        </p:style>
+        <p:txBody>
+          <a:bodyPr rtlCol="0" anchor="ctr"/>
+          <a:lstStyle/>
+          <a:p>
+            <a:pPr algn="ctr"/>
+            <a:r>
+              <a:rPr lang="en-US" sz="900" dirty="0">
+                <a:solidFill>
+                  <a:schemeClr val="tx1"/>
+                </a:solidFill>
+                <a:latin typeface="Times New Roman" pitchFamily="18" charset="0"/>
+                <a:cs typeface="Times New Roman" pitchFamily="18" charset="0"/>
+              </a:rPr>
+              <a:t>D</a:t>
+            </a:r>
+          </a:p>
+        </p:txBody>
+      </p:sp>
+      <p:cxnSp>
+        <p:nvCxnSpPr>
+          <p:cNvPr id="42" name="Straight Arrow Connector 41"/>
+          <p:cNvCxnSpPr/>
+          <p:nvPr/>
+        </p:nvCxnSpPr>
+        <p:spPr>
+          <a:xfrm>
+            <a:off x="1705792" y="161238"/>
+            <a:ext cx="242493" cy="2"/>
           </a:xfrm>
           <a:prstGeom prst="straightConnector1">
             <a:avLst/>
@@ -9831,14 +13058,111 @@
       </p:cxnSp>
       <p:cxnSp>
         <p:nvCxnSpPr>
-          <p:cNvPr id="24" name="Straight Arrow Connector 23"/>
+          <p:cNvPr id="44" name="Straight Arrow Connector 43"/>
           <p:cNvCxnSpPr/>
           <p:nvPr/>
         </p:nvCxnSpPr>
         <p:spPr>
           <a:xfrm>
-            <a:off x="1484986" y="116213"/>
-            <a:ext cx="461321" cy="0"/>
+            <a:off x="2178714" y="161236"/>
+            <a:ext cx="242493" cy="2"/>
+          </a:xfrm>
+          <a:prstGeom prst="straightConnector1">
+            <a:avLst/>
+          </a:prstGeom>
+          <a:ln w="19050">
+            <a:solidFill>
+              <a:schemeClr val="tx1"/>
+            </a:solidFill>
+            <a:headEnd w="sm" len="sm"/>
+            <a:tailEnd type="arrow" w="sm" len="sm"/>
+          </a:ln>
+        </p:spPr>
+        <p:style>
+          <a:lnRef idx="1">
+            <a:schemeClr val="accent1"/>
+          </a:lnRef>
+          <a:fillRef idx="0">
+            <a:schemeClr val="accent1"/>
+          </a:fillRef>
+          <a:effectRef idx="0">
+            <a:schemeClr val="accent1"/>
+          </a:effectRef>
+          <a:fontRef idx="minor">
+            <a:schemeClr val="tx1"/>
+          </a:fontRef>
+        </p:style>
+      </p:cxnSp>
+      <p:sp>
+        <p:nvSpPr>
+          <p:cNvPr id="46" name="Oval 45"/>
+          <p:cNvSpPr/>
+          <p:nvPr/>
+        </p:nvSpPr>
+        <p:spPr>
+          <a:xfrm>
+            <a:off x="1475362" y="343520"/>
+            <a:ext cx="230429" cy="230429"/>
+          </a:xfrm>
+          <a:prstGeom prst="ellipse">
+            <a:avLst/>
+          </a:prstGeom>
+          <a:solidFill>
+            <a:srgbClr val="66CCFF"/>
+          </a:solidFill>
+          <a:ln w="12700">
+            <a:solidFill>
+              <a:schemeClr val="tx1"/>
+            </a:solidFill>
+          </a:ln>
+        </p:spPr>
+        <p:style>
+          <a:lnRef idx="2">
+            <a:schemeClr val="accent1">
+              <a:shade val="50000"/>
+            </a:schemeClr>
+          </a:lnRef>
+          <a:fillRef idx="1">
+            <a:schemeClr val="accent1"/>
+          </a:fillRef>
+          <a:effectRef idx="0">
+            <a:schemeClr val="accent1"/>
+          </a:effectRef>
+          <a:fontRef idx="minor">
+            <a:schemeClr val="lt1"/>
+          </a:fontRef>
+        </p:style>
+        <p:txBody>
+          <a:bodyPr rtlCol="0" anchor="ctr"/>
+          <a:lstStyle/>
+          <a:p>
+            <a:pPr algn="ctr"/>
+            <a:r>
+              <a:rPr lang="en-US" sz="900" dirty="0">
+                <a:solidFill>
+                  <a:schemeClr val="tx1"/>
+                </a:solidFill>
+                <a:latin typeface="Times New Roman" pitchFamily="18" charset="0"/>
+                <a:cs typeface="Times New Roman" pitchFamily="18" charset="0"/>
+              </a:rPr>
+              <a:t>F</a:t>
+            </a:r>
+          </a:p>
+        </p:txBody>
+      </p:sp>
+      <p:cxnSp>
+        <p:nvCxnSpPr>
+          <p:cNvPr id="47" name="Straight Arrow Connector 46"/>
+          <p:cNvCxnSpPr>
+            <a:stCxn id="30" idx="5"/>
+            <a:endCxn id="46" idx="2"/>
+          </p:cNvCxnSpPr>
+          <p:nvPr/>
+        </p:nvCxnSpPr>
+        <p:spPr>
+          <a:xfrm>
+            <a:off x="1199124" y="242385"/>
+            <a:ext cx="276238" cy="216350"/>
           </a:xfrm>
           <a:prstGeom prst="straightConnector1">
             <a:avLst/>
@@ -9868,14 +13192,14 @@
       </p:cxnSp>
       <p:cxnSp>
         <p:nvCxnSpPr>
-          <p:cNvPr id="25" name="Straight Arrow Connector 24"/>
+          <p:cNvPr id="51" name="Straight Arrow Connector 50"/>
           <p:cNvCxnSpPr/>
           <p:nvPr/>
         </p:nvCxnSpPr>
         <p:spPr>
           <a:xfrm>
-            <a:off x="1484985" y="301868"/>
-            <a:ext cx="461321" cy="0"/>
+            <a:off x="1709344" y="458735"/>
+            <a:ext cx="242493" cy="2"/>
           </a:xfrm>
           <a:prstGeom prst="straightConnector1">
             <a:avLst/>
@@ -9903,16 +13227,151 @@
           </a:fontRef>
         </p:style>
       </p:cxnSp>
+      <p:sp>
+        <p:nvSpPr>
+          <p:cNvPr id="2" name="Rectangle 1"/>
+          <p:cNvSpPr/>
+          <p:nvPr/>
+        </p:nvSpPr>
+        <p:spPr>
+          <a:xfrm>
+            <a:off x="1951837" y="343520"/>
+            <a:ext cx="230429" cy="230429"/>
+          </a:xfrm>
+          <a:prstGeom prst="rect">
+            <a:avLst/>
+          </a:prstGeom>
+          <a:solidFill>
+            <a:srgbClr val="FFFFCC"/>
+          </a:solidFill>
+          <a:ln w="12700">
+            <a:solidFill>
+              <a:schemeClr val="tx1"/>
+            </a:solidFill>
+          </a:ln>
+        </p:spPr>
+        <p:style>
+          <a:lnRef idx="2">
+            <a:schemeClr val="accent1">
+              <a:shade val="50000"/>
+            </a:schemeClr>
+          </a:lnRef>
+          <a:fillRef idx="1">
+            <a:schemeClr val="accent1"/>
+          </a:fillRef>
+          <a:effectRef idx="0">
+            <a:schemeClr val="accent1"/>
+          </a:effectRef>
+          <a:fontRef idx="minor">
+            <a:schemeClr val="lt1"/>
+          </a:fontRef>
+        </p:style>
+        <p:txBody>
+          <a:bodyPr rtlCol="0" anchor="ctr"/>
+          <a:lstStyle/>
+          <a:p>
+            <a:pPr algn="ctr"/>
+            <a:r>
+              <a:rPr lang="en-US" sz="900" dirty="0" smtClean="0">
+                <a:solidFill>
+                  <a:schemeClr val="tx1"/>
+                </a:solidFill>
+                <a:latin typeface="Times New Roman" pitchFamily="18" charset="0"/>
+                <a:cs typeface="Times New Roman" pitchFamily="18" charset="0"/>
+              </a:rPr>
+              <a:t>G</a:t>
+            </a:r>
+            <a:endParaRPr lang="en-US" sz="900" dirty="0">
+              <a:solidFill>
+                <a:schemeClr val="tx1"/>
+              </a:solidFill>
+              <a:latin typeface="Times New Roman" pitchFamily="18" charset="0"/>
+              <a:cs typeface="Times New Roman" pitchFamily="18" charset="0"/>
+            </a:endParaRPr>
+          </a:p>
+        </p:txBody>
+      </p:sp>
+      <p:sp>
+        <p:nvSpPr>
+          <p:cNvPr id="16" name="Rectangle 15"/>
+          <p:cNvSpPr/>
+          <p:nvPr/>
+        </p:nvSpPr>
+        <p:spPr>
+          <a:xfrm>
+            <a:off x="2421207" y="45699"/>
+            <a:ext cx="230429" cy="230429"/>
+          </a:xfrm>
+          <a:prstGeom prst="rect">
+            <a:avLst/>
+          </a:prstGeom>
+          <a:solidFill>
+            <a:srgbClr val="FFFFCC"/>
+          </a:solidFill>
+          <a:ln w="12700">
+            <a:solidFill>
+              <a:schemeClr val="tx1"/>
+            </a:solidFill>
+          </a:ln>
+        </p:spPr>
+        <p:style>
+          <a:lnRef idx="2">
+            <a:schemeClr val="accent1">
+              <a:shade val="50000"/>
+            </a:schemeClr>
+          </a:lnRef>
+          <a:fillRef idx="1">
+            <a:schemeClr val="accent1"/>
+          </a:fillRef>
+          <a:effectRef idx="0">
+            <a:schemeClr val="accent1"/>
+          </a:effectRef>
+          <a:fontRef idx="minor">
+            <a:schemeClr val="lt1"/>
+          </a:fontRef>
+        </p:style>
+        <p:txBody>
+          <a:bodyPr rtlCol="0" anchor="ctr"/>
+          <a:lstStyle/>
+          <a:p>
+            <a:pPr algn="ctr"/>
+            <a:r>
+              <a:rPr lang="en-US" sz="900" dirty="0" smtClean="0">
+                <a:solidFill>
+                  <a:schemeClr val="tx1"/>
+                </a:solidFill>
+                <a:latin typeface="Times New Roman" pitchFamily="18" charset="0"/>
+                <a:cs typeface="Times New Roman" pitchFamily="18" charset="0"/>
+              </a:rPr>
+              <a:t>E</a:t>
+            </a:r>
+            <a:endParaRPr lang="en-US" sz="900" dirty="0">
+              <a:solidFill>
+                <a:schemeClr val="tx1"/>
+              </a:solidFill>
+              <a:latin typeface="Times New Roman" pitchFamily="18" charset="0"/>
+              <a:cs typeface="Times New Roman" pitchFamily="18" charset="0"/>
+            </a:endParaRPr>
+          </a:p>
+        </p:txBody>
+      </p:sp>
     </p:spTree>
     <p:extLst>
       <p:ext uri="{BB962C8B-B14F-4D97-AF65-F5344CB8AC3E}">
-        <p14:creationId xmlns:p14="http://schemas.microsoft.com/office/powerpoint/2010/main" val="1210843306"/>
+        <p14:creationId xmlns:p14="http://schemas.microsoft.com/office/powerpoint/2010/main" val="2263311733"/>
       </p:ext>
     </p:extLst>
   </p:cSld>
   <p:clrMapOvr>
     <a:masterClrMapping/>
   </p:clrMapOvr>
+  <p:timing>
+    <p:tnLst>
+      <p:par>
+        <p:cTn id="1" dur="indefinite" restart="never" nodeType="tmRoot"/>
+      </p:par>
+    </p:tnLst>
+  </p:timing>
 </p:sld>
 </file>
 

--- a/figs_src/diagrams.pptx
+++ b/figs_src/diagrams.pptx
@@ -5,25 +5,26 @@
     <p:sldMasterId id="2147483648" r:id="rId1"/>
   </p:sldMasterIdLst>
   <p:notesMasterIdLst>
-    <p:notesMasterId r:id="rId15"/>
+    <p:notesMasterId r:id="rId16"/>
   </p:notesMasterIdLst>
   <p:sldIdLst>
     <p:sldId id="256" r:id="rId2"/>
-    <p:sldId id="258" r:id="rId3"/>
-    <p:sldId id="267" r:id="rId4"/>
-    <p:sldId id="261" r:id="rId5"/>
-    <p:sldId id="266" r:id="rId6"/>
-    <p:sldId id="257" r:id="rId7"/>
-    <p:sldId id="262" r:id="rId8"/>
-    <p:sldId id="263" r:id="rId9"/>
-    <p:sldId id="264" r:id="rId10"/>
-    <p:sldId id="259" r:id="rId11"/>
-    <p:sldId id="260" r:id="rId12"/>
-    <p:sldId id="265" r:id="rId13"/>
-    <p:sldId id="268" r:id="rId14"/>
+    <p:sldId id="269" r:id="rId3"/>
+    <p:sldId id="258" r:id="rId4"/>
+    <p:sldId id="267" r:id="rId5"/>
+    <p:sldId id="261" r:id="rId6"/>
+    <p:sldId id="266" r:id="rId7"/>
+    <p:sldId id="257" r:id="rId8"/>
+    <p:sldId id="262" r:id="rId9"/>
+    <p:sldId id="263" r:id="rId10"/>
+    <p:sldId id="264" r:id="rId11"/>
+    <p:sldId id="259" r:id="rId12"/>
+    <p:sldId id="260" r:id="rId13"/>
+    <p:sldId id="265" r:id="rId14"/>
+    <p:sldId id="268" r:id="rId15"/>
   </p:sldIdLst>
   <p:sldSz cx="3200400" cy="7772400"/>
-  <p:notesSz cx="2743200" cy="7315200"/>
+  <p:notesSz cx="7315200" cy="9601200"/>
   <p:defaultTextStyle>
     <a:defPPr>
       <a:defRPr lang="en-US"/>
@@ -156,18 +157,18 @@
         </p:nvSpPr>
         <p:spPr>
           <a:xfrm>
-            <a:off x="0" y="5"/>
-            <a:ext cx="1188840" cy="365277"/>
+            <a:off x="0" y="7"/>
+            <a:ext cx="3170240" cy="479426"/>
           </a:xfrm>
           <a:prstGeom prst="rect">
             <a:avLst/>
           </a:prstGeom>
         </p:spPr>
         <p:txBody>
-          <a:bodyPr vert="horz" lIns="54288" tIns="27144" rIns="54288" bIns="27144" rtlCol="0"/>
+          <a:bodyPr vert="horz" lIns="91302" tIns="45651" rIns="91302" bIns="45651" rtlCol="0"/>
           <a:lstStyle>
             <a:lvl1pPr algn="l">
-              <a:defRPr sz="700"/>
+              <a:defRPr sz="1200"/>
             </a:lvl1pPr>
           </a:lstStyle>
           <a:p>
@@ -187,18 +188,18 @@
         </p:nvSpPr>
         <p:spPr>
           <a:xfrm>
-            <a:off x="1553766" y="5"/>
-            <a:ext cx="1188840" cy="365277"/>
+            <a:off x="4143376" y="7"/>
+            <a:ext cx="3170240" cy="479426"/>
           </a:xfrm>
           <a:prstGeom prst="rect">
             <a:avLst/>
           </a:prstGeom>
         </p:spPr>
         <p:txBody>
-          <a:bodyPr vert="horz" lIns="54288" tIns="27144" rIns="54288" bIns="27144" rtlCol="0"/>
+          <a:bodyPr vert="horz" lIns="91302" tIns="45651" rIns="91302" bIns="45651" rtlCol="0"/>
           <a:lstStyle>
             <a:lvl1pPr algn="r">
-              <a:defRPr sz="700"/>
+              <a:defRPr sz="1200"/>
             </a:lvl1pPr>
           </a:lstStyle>
           <a:p>
@@ -222,8 +223,8 @@
         </p:nvSpPr>
         <p:spPr>
           <a:xfrm>
-            <a:off x="808038" y="550863"/>
-            <a:ext cx="1128712" cy="2743200"/>
+            <a:off x="2917825" y="722313"/>
+            <a:ext cx="1482725" cy="3600450"/>
           </a:xfrm>
           <a:prstGeom prst="rect">
             <a:avLst/>
@@ -236,7 +237,7 @@
           </a:ln>
         </p:spPr>
         <p:txBody>
-          <a:bodyPr vert="horz" lIns="54288" tIns="27144" rIns="54288" bIns="27144" rtlCol="0" anchor="ctr"/>
+          <a:bodyPr vert="horz" lIns="91302" tIns="45651" rIns="91302" bIns="45651" rtlCol="0" anchor="ctr"/>
           <a:lstStyle/>
           <a:p>
             <a:endParaRPr lang="en-US"/>
@@ -255,15 +256,15 @@
         </p:nvSpPr>
         <p:spPr>
           <a:xfrm>
-            <a:off x="274442" y="3474964"/>
-            <a:ext cx="2194322" cy="3291115"/>
+            <a:off x="731846" y="4560891"/>
+            <a:ext cx="5851525" cy="4319588"/>
           </a:xfrm>
           <a:prstGeom prst="rect">
             <a:avLst/>
           </a:prstGeom>
         </p:spPr>
         <p:txBody>
-          <a:bodyPr vert="horz" lIns="54288" tIns="27144" rIns="54288" bIns="27144" rtlCol="0"/>
+          <a:bodyPr vert="horz" lIns="91302" tIns="45651" rIns="91302" bIns="45651" rtlCol="0"/>
           <a:lstStyle/>
           <a:p>
             <a:pPr lvl="0"/>
@@ -315,18 +316,18 @@
         </p:nvSpPr>
         <p:spPr>
           <a:xfrm>
-            <a:off x="0" y="6948719"/>
-            <a:ext cx="1188840" cy="365277"/>
+            <a:off x="0" y="9120194"/>
+            <a:ext cx="3170240" cy="479426"/>
           </a:xfrm>
           <a:prstGeom prst="rect">
             <a:avLst/>
           </a:prstGeom>
         </p:spPr>
         <p:txBody>
-          <a:bodyPr vert="horz" lIns="54288" tIns="27144" rIns="54288" bIns="27144" rtlCol="0" anchor="b"/>
+          <a:bodyPr vert="horz" lIns="91302" tIns="45651" rIns="91302" bIns="45651" rtlCol="0" anchor="b"/>
           <a:lstStyle>
             <a:lvl1pPr algn="l">
-              <a:defRPr sz="700"/>
+              <a:defRPr sz="1200"/>
             </a:lvl1pPr>
           </a:lstStyle>
           <a:p>
@@ -346,18 +347,18 @@
         </p:nvSpPr>
         <p:spPr>
           <a:xfrm>
-            <a:off x="1553766" y="6948719"/>
-            <a:ext cx="1188840" cy="365277"/>
+            <a:off x="4143376" y="9120194"/>
+            <a:ext cx="3170240" cy="479426"/>
           </a:xfrm>
           <a:prstGeom prst="rect">
             <a:avLst/>
           </a:prstGeom>
         </p:spPr>
         <p:txBody>
-          <a:bodyPr vert="horz" lIns="54288" tIns="27144" rIns="54288" bIns="27144" rtlCol="0" anchor="b"/>
+          <a:bodyPr vert="horz" lIns="91302" tIns="45651" rIns="91302" bIns="45651" rtlCol="0" anchor="b"/>
           <a:lstStyle>
             <a:lvl1pPr algn="r">
-              <a:defRPr sz="700"/>
+              <a:defRPr sz="1200"/>
             </a:lvl1pPr>
           </a:lstStyle>
           <a:p>
@@ -4250,25 +4251,25 @@
       </p:grpSpPr>
       <p:sp>
         <p:nvSpPr>
-          <p:cNvPr id="3" name="Rectangle 2"/>
+          <p:cNvPr id="29" name="Oval 28"/>
           <p:cNvSpPr/>
           <p:nvPr/>
         </p:nvSpPr>
         <p:spPr>
           <a:xfrm>
-            <a:off x="1753820" y="65208"/>
-            <a:ext cx="649117" cy="1247858"/>
-          </a:xfrm>
-          <a:prstGeom prst="rect">
+            <a:off x="529519" y="45700"/>
+            <a:ext cx="230429" cy="230429"/>
+          </a:xfrm>
+          <a:prstGeom prst="ellipse">
             <a:avLst/>
           </a:prstGeom>
           <a:solidFill>
-            <a:schemeClr val="bg1">
-              <a:lumMod val="75000"/>
-            </a:schemeClr>
+            <a:srgbClr val="66CCFF"/>
           </a:solidFill>
-          <a:ln>
-            <a:noFill/>
+          <a:ln w="12700">
+            <a:solidFill>
+              <a:schemeClr val="tx1"/>
+            </a:solidFill>
           </a:ln>
         </p:spPr>
         <p:style>
@@ -4292,123 +4293,6 @@
           <a:lstStyle/>
           <a:p>
             <a:pPr algn="ctr"/>
-            <a:endParaRPr lang="en-US" sz="900"/>
-          </a:p>
-        </p:txBody>
-      </p:sp>
-      <p:cxnSp>
-        <p:nvCxnSpPr>
-          <p:cNvPr id="4" name="Straight Arrow Connector 3"/>
-          <p:cNvCxnSpPr/>
-          <p:nvPr/>
-        </p:nvCxnSpPr>
-        <p:spPr>
-          <a:xfrm flipV="1">
-            <a:off x="623931" y="45700"/>
-            <a:ext cx="0" cy="1205505"/>
-          </a:xfrm>
-          <a:prstGeom prst="straightConnector1">
-            <a:avLst/>
-          </a:prstGeom>
-          <a:ln w="19050">
-            <a:solidFill>
-              <a:schemeClr val="tx1"/>
-            </a:solidFill>
-            <a:headEnd w="sm" len="sm"/>
-            <a:tailEnd type="arrow" w="sm" len="sm"/>
-          </a:ln>
-        </p:spPr>
-        <p:style>
-          <a:lnRef idx="1">
-            <a:schemeClr val="accent1"/>
-          </a:lnRef>
-          <a:fillRef idx="0">
-            <a:schemeClr val="accent1"/>
-          </a:fillRef>
-          <a:effectRef idx="0">
-            <a:schemeClr val="accent1"/>
-          </a:effectRef>
-          <a:fontRef idx="minor">
-            <a:schemeClr val="tx1"/>
-          </a:fontRef>
-        </p:style>
-      </p:cxnSp>
-      <p:cxnSp>
-        <p:nvCxnSpPr>
-          <p:cNvPr id="6" name="Straight Arrow Connector 5"/>
-          <p:cNvCxnSpPr/>
-          <p:nvPr/>
-        </p:nvCxnSpPr>
-        <p:spPr>
-          <a:xfrm>
-            <a:off x="489960" y="852205"/>
-            <a:ext cx="2646440" cy="0"/>
-          </a:xfrm>
-          <a:prstGeom prst="straightConnector1">
-            <a:avLst/>
-          </a:prstGeom>
-          <a:ln w="19050">
-            <a:solidFill>
-              <a:schemeClr val="tx1"/>
-            </a:solidFill>
-            <a:headEnd w="sm" len="sm"/>
-            <a:tailEnd type="arrow" w="sm" len="sm"/>
-          </a:ln>
-        </p:spPr>
-        <p:style>
-          <a:lnRef idx="1">
-            <a:schemeClr val="accent1"/>
-          </a:lnRef>
-          <a:fillRef idx="0">
-            <a:schemeClr val="accent1"/>
-          </a:fillRef>
-          <a:effectRef idx="0">
-            <a:schemeClr val="accent1"/>
-          </a:effectRef>
-          <a:fontRef idx="minor">
-            <a:schemeClr val="tx1"/>
-          </a:fontRef>
-        </p:style>
-      </p:cxnSp>
-      <p:sp>
-        <p:nvSpPr>
-          <p:cNvPr id="8" name="Rectangle 7"/>
-          <p:cNvSpPr/>
-          <p:nvPr/>
-        </p:nvSpPr>
-        <p:spPr>
-          <a:xfrm>
-            <a:off x="2878581" y="843701"/>
-            <a:ext cx="437487" cy="200529"/>
-          </a:xfrm>
-          <a:prstGeom prst="rect">
-            <a:avLst/>
-          </a:prstGeom>
-          <a:noFill/>
-          <a:ln>
-            <a:noFill/>
-          </a:ln>
-        </p:spPr>
-        <p:style>
-          <a:lnRef idx="2">
-            <a:schemeClr val="accent2">
-              <a:shade val="50000"/>
-            </a:schemeClr>
-          </a:lnRef>
-          <a:fillRef idx="1">
-            <a:schemeClr val="accent2"/>
-          </a:fillRef>
-          <a:effectRef idx="0">
-            <a:schemeClr val="accent2"/>
-          </a:effectRef>
-          <a:fontRef idx="minor">
-            <a:schemeClr val="lt1"/>
-          </a:fontRef>
-        </p:style>
-        <p:txBody>
-          <a:bodyPr rtlCol="0" anchor="ctr"/>
-          <a:lstStyle/>
-          <a:p>
             <a:r>
               <a:rPr lang="en-US" sz="900" dirty="0" smtClean="0">
                 <a:solidFill>
@@ -4417,7 +4301,7 @@
                 <a:latin typeface="Times New Roman" pitchFamily="18" charset="0"/>
                 <a:cs typeface="Times New Roman" pitchFamily="18" charset="0"/>
               </a:rPr>
-              <a:t>time</a:t>
+              <a:t>A</a:t>
             </a:r>
             <a:endParaRPr lang="en-US" sz="900" dirty="0">
               <a:solidFill>
@@ -4431,34 +4315,38 @@
       </p:sp>
       <p:sp>
         <p:nvSpPr>
-          <p:cNvPr id="9" name="Rectangle 8"/>
+          <p:cNvPr id="30" name="Oval 29"/>
           <p:cNvSpPr/>
           <p:nvPr/>
         </p:nvSpPr>
         <p:spPr>
           <a:xfrm>
-            <a:off x="238490" y="46824"/>
-            <a:ext cx="500160" cy="200529"/>
-          </a:xfrm>
-          <a:prstGeom prst="rect">
-            <a:avLst/>
-          </a:prstGeom>
-          <a:noFill/>
-          <a:ln>
-            <a:noFill/>
+            <a:off x="1002441" y="45702"/>
+            <a:ext cx="230429" cy="230429"/>
+          </a:xfrm>
+          <a:prstGeom prst="ellipse">
+            <a:avLst/>
+          </a:prstGeom>
+          <a:solidFill>
+            <a:srgbClr val="FFFFCC"/>
+          </a:solidFill>
+          <a:ln w="12700">
+            <a:solidFill>
+              <a:schemeClr val="tx1"/>
+            </a:solidFill>
           </a:ln>
         </p:spPr>
         <p:style>
           <a:lnRef idx="2">
-            <a:schemeClr val="accent2">
+            <a:schemeClr val="accent1">
               <a:shade val="50000"/>
             </a:schemeClr>
           </a:lnRef>
           <a:fillRef idx="1">
-            <a:schemeClr val="accent2"/>
-          </a:fillRef>
-          <a:effectRef idx="0">
-            <a:schemeClr val="accent2"/>
+            <a:schemeClr val="accent1"/>
+          </a:fillRef>
+          <a:effectRef idx="0">
+            <a:schemeClr val="accent1"/>
           </a:effectRef>
           <a:fontRef idx="minor">
             <a:schemeClr val="lt1"/>
@@ -4468,6 +4356,7 @@
           <a:bodyPr rtlCol="0" anchor="ctr"/>
           <a:lstStyle/>
           <a:p>
+            <a:pPr algn="ctr"/>
             <a:r>
               <a:rPr lang="en-US" sz="900" dirty="0" smtClean="0">
                 <a:solidFill>
@@ -4476,7 +4365,7 @@
                 <a:latin typeface="Times New Roman" pitchFamily="18" charset="0"/>
                 <a:cs typeface="Times New Roman" pitchFamily="18" charset="0"/>
               </a:rPr>
-              <a:t>slack</a:t>
+              <a:t>B</a:t>
             </a:r>
             <a:endParaRPr lang="en-US" sz="900" dirty="0">
               <a:solidFill>
@@ -4490,21 +4379,24 @@
       </p:sp>
       <p:cxnSp>
         <p:nvCxnSpPr>
-          <p:cNvPr id="12" name="Straight Arrow Connector 11"/>
-          <p:cNvCxnSpPr/>
+          <p:cNvPr id="31" name="Straight Arrow Connector 30"/>
+          <p:cNvCxnSpPr>
+            <a:stCxn id="29" idx="6"/>
+            <a:endCxn id="30" idx="2"/>
+          </p:cNvCxnSpPr>
           <p:nvPr/>
         </p:nvCxnSpPr>
         <p:spPr>
-          <a:xfrm flipV="1">
-            <a:off x="623931" y="522839"/>
-            <a:ext cx="345645" cy="128836"/>
+          <a:xfrm>
+            <a:off x="759948" y="160915"/>
+            <a:ext cx="242493" cy="2"/>
           </a:xfrm>
           <a:prstGeom prst="straightConnector1">
             <a:avLst/>
           </a:prstGeom>
           <a:ln w="19050">
             <a:solidFill>
-              <a:srgbClr val="00B050"/>
+              <a:schemeClr val="tx1"/>
             </a:solidFill>
             <a:headEnd w="sm" len="sm"/>
             <a:tailEnd type="arrow" w="sm" len="sm"/>
@@ -4525,71 +4417,40 @@
           </a:fontRef>
         </p:style>
       </p:cxnSp>
-      <p:cxnSp>
-        <p:nvCxnSpPr>
-          <p:cNvPr id="21" name="Straight Connector 20"/>
-          <p:cNvCxnSpPr/>
-          <p:nvPr/>
-        </p:nvCxnSpPr>
-        <p:spPr>
-          <a:xfrm flipH="1">
-            <a:off x="575368" y="651675"/>
-            <a:ext cx="95890" cy="0"/>
-          </a:xfrm>
-          <a:prstGeom prst="line">
-            <a:avLst/>
-          </a:prstGeom>
-          <a:ln w="19050">
-            <a:solidFill>
-              <a:schemeClr val="tx1"/>
-            </a:solidFill>
-          </a:ln>
-        </p:spPr>
-        <p:style>
-          <a:lnRef idx="1">
-            <a:schemeClr val="accent1"/>
-          </a:lnRef>
-          <a:fillRef idx="0">
-            <a:schemeClr val="accent1"/>
-          </a:fillRef>
-          <a:effectRef idx="0">
-            <a:schemeClr val="accent1"/>
-          </a:effectRef>
-          <a:fontRef idx="minor">
-            <a:schemeClr val="tx1"/>
-          </a:fontRef>
-        </p:style>
-      </p:cxnSp>
-      <p:sp>
-        <p:nvSpPr>
-          <p:cNvPr id="23" name="Rectangle 22"/>
+      <p:sp>
+        <p:nvSpPr>
+          <p:cNvPr id="34" name="Oval 33"/>
           <p:cNvSpPr/>
           <p:nvPr/>
         </p:nvSpPr>
         <p:spPr>
           <a:xfrm>
-            <a:off x="199190" y="536461"/>
-            <a:ext cx="500160" cy="200529"/>
-          </a:xfrm>
-          <a:prstGeom prst="rect">
-            <a:avLst/>
-          </a:prstGeom>
-          <a:noFill/>
-          <a:ln>
-            <a:noFill/>
+            <a:off x="1475363" y="46022"/>
+            <a:ext cx="230429" cy="230429"/>
+          </a:xfrm>
+          <a:prstGeom prst="ellipse">
+            <a:avLst/>
+          </a:prstGeom>
+          <a:solidFill>
+            <a:srgbClr val="66CCFF"/>
+          </a:solidFill>
+          <a:ln w="12700">
+            <a:solidFill>
+              <a:schemeClr val="tx1"/>
+            </a:solidFill>
           </a:ln>
         </p:spPr>
         <p:style>
           <a:lnRef idx="2">
-            <a:schemeClr val="accent2">
+            <a:schemeClr val="accent1">
               <a:shade val="50000"/>
             </a:schemeClr>
           </a:lnRef>
           <a:fillRef idx="1">
-            <a:schemeClr val="accent2"/>
-          </a:fillRef>
-          <a:effectRef idx="0">
-            <a:schemeClr val="accent2"/>
+            <a:schemeClr val="accent1"/>
+          </a:fillRef>
+          <a:effectRef idx="0">
+            <a:schemeClr val="accent1"/>
           </a:effectRef>
           <a:fontRef idx="minor">
             <a:schemeClr val="lt1"/>
@@ -4599,6 +4460,7 @@
           <a:bodyPr rtlCol="0" anchor="ctr"/>
           <a:lstStyle/>
           <a:p>
+            <a:pPr algn="ctr"/>
             <a:r>
               <a:rPr lang="en-US" sz="900" dirty="0" smtClean="0">
                 <a:solidFill>
@@ -4607,7 +4469,7 @@
                 <a:latin typeface="Times New Roman" pitchFamily="18" charset="0"/>
                 <a:cs typeface="Times New Roman" pitchFamily="18" charset="0"/>
               </a:rPr>
-              <a:t>initial slack</a:t>
+              <a:t>C</a:t>
             </a:r>
             <a:endParaRPr lang="en-US" sz="900" dirty="0">
               <a:solidFill>
@@ -4619,36 +4481,342 @@
           </a:p>
         </p:txBody>
       </p:sp>
-      <p:sp>
-        <p:nvSpPr>
-          <p:cNvPr id="56" name="Rectangle 55"/>
+      <p:cxnSp>
+        <p:nvCxnSpPr>
+          <p:cNvPr id="39" name="Straight Arrow Connector 38"/>
+          <p:cNvCxnSpPr/>
+          <p:nvPr/>
+        </p:nvCxnSpPr>
+        <p:spPr>
+          <a:xfrm>
+            <a:off x="1232870" y="161240"/>
+            <a:ext cx="242493" cy="2"/>
+          </a:xfrm>
+          <a:prstGeom prst="straightConnector1">
+            <a:avLst/>
+          </a:prstGeom>
+          <a:ln w="19050">
+            <a:solidFill>
+              <a:schemeClr val="tx1"/>
+            </a:solidFill>
+            <a:headEnd w="sm" len="sm"/>
+            <a:tailEnd type="arrow" w="sm" len="sm"/>
+          </a:ln>
+        </p:spPr>
+        <p:style>
+          <a:lnRef idx="1">
+            <a:schemeClr val="accent1"/>
+          </a:lnRef>
+          <a:fillRef idx="0">
+            <a:schemeClr val="accent1"/>
+          </a:fillRef>
+          <a:effectRef idx="0">
+            <a:schemeClr val="accent1"/>
+          </a:effectRef>
+          <a:fontRef idx="minor">
+            <a:schemeClr val="tx1"/>
+          </a:fontRef>
+        </p:style>
+      </p:cxnSp>
+      <p:sp>
+        <p:nvSpPr>
+          <p:cNvPr id="41" name="Oval 40"/>
           <p:cNvSpPr/>
           <p:nvPr/>
         </p:nvSpPr>
         <p:spPr>
           <a:xfrm>
-            <a:off x="1078854" y="65207"/>
-            <a:ext cx="775204" cy="200529"/>
-          </a:xfrm>
-          <a:prstGeom prst="rect">
-            <a:avLst/>
-          </a:prstGeom>
-          <a:noFill/>
-          <a:ln>
-            <a:noFill/>
+            <a:off x="1948285" y="46022"/>
+            <a:ext cx="230429" cy="230429"/>
+          </a:xfrm>
+          <a:prstGeom prst="ellipse">
+            <a:avLst/>
+          </a:prstGeom>
+          <a:solidFill>
+            <a:srgbClr val="FFFFCC"/>
+          </a:solidFill>
+          <a:ln w="12700">
+            <a:solidFill>
+              <a:schemeClr val="tx1"/>
+            </a:solidFill>
           </a:ln>
         </p:spPr>
         <p:style>
           <a:lnRef idx="2">
-            <a:schemeClr val="accent2">
+            <a:schemeClr val="accent1">
               <a:shade val="50000"/>
             </a:schemeClr>
           </a:lnRef>
           <a:fillRef idx="1">
-            <a:schemeClr val="accent2"/>
-          </a:fillRef>
-          <a:effectRef idx="0">
-            <a:schemeClr val="accent2"/>
+            <a:schemeClr val="accent1"/>
+          </a:fillRef>
+          <a:effectRef idx="0">
+            <a:schemeClr val="accent1"/>
+          </a:effectRef>
+          <a:fontRef idx="minor">
+            <a:schemeClr val="lt1"/>
+          </a:fontRef>
+        </p:style>
+        <p:txBody>
+          <a:bodyPr rtlCol="0" anchor="ctr"/>
+          <a:lstStyle/>
+          <a:p>
+            <a:pPr algn="ctr"/>
+            <a:r>
+              <a:rPr lang="en-US" sz="900" dirty="0">
+                <a:solidFill>
+                  <a:schemeClr val="tx1"/>
+                </a:solidFill>
+                <a:latin typeface="Times New Roman" pitchFamily="18" charset="0"/>
+                <a:cs typeface="Times New Roman" pitchFamily="18" charset="0"/>
+              </a:rPr>
+              <a:t>D</a:t>
+            </a:r>
+          </a:p>
+        </p:txBody>
+      </p:sp>
+      <p:cxnSp>
+        <p:nvCxnSpPr>
+          <p:cNvPr id="42" name="Straight Arrow Connector 41"/>
+          <p:cNvCxnSpPr/>
+          <p:nvPr/>
+        </p:nvCxnSpPr>
+        <p:spPr>
+          <a:xfrm>
+            <a:off x="1705792" y="161238"/>
+            <a:ext cx="242493" cy="2"/>
+          </a:xfrm>
+          <a:prstGeom prst="straightConnector1">
+            <a:avLst/>
+          </a:prstGeom>
+          <a:ln w="19050">
+            <a:solidFill>
+              <a:schemeClr val="tx1"/>
+            </a:solidFill>
+            <a:headEnd w="sm" len="sm"/>
+            <a:tailEnd type="arrow" w="sm" len="sm"/>
+          </a:ln>
+        </p:spPr>
+        <p:style>
+          <a:lnRef idx="1">
+            <a:schemeClr val="accent1"/>
+          </a:lnRef>
+          <a:fillRef idx="0">
+            <a:schemeClr val="accent1"/>
+          </a:fillRef>
+          <a:effectRef idx="0">
+            <a:schemeClr val="accent1"/>
+          </a:effectRef>
+          <a:fontRef idx="minor">
+            <a:schemeClr val="tx1"/>
+          </a:fontRef>
+        </p:style>
+      </p:cxnSp>
+      <p:cxnSp>
+        <p:nvCxnSpPr>
+          <p:cNvPr id="44" name="Straight Arrow Connector 43"/>
+          <p:cNvCxnSpPr/>
+          <p:nvPr/>
+        </p:nvCxnSpPr>
+        <p:spPr>
+          <a:xfrm>
+            <a:off x="2178714" y="161236"/>
+            <a:ext cx="242493" cy="2"/>
+          </a:xfrm>
+          <a:prstGeom prst="straightConnector1">
+            <a:avLst/>
+          </a:prstGeom>
+          <a:ln w="19050">
+            <a:solidFill>
+              <a:schemeClr val="tx1"/>
+            </a:solidFill>
+            <a:headEnd w="sm" len="sm"/>
+            <a:tailEnd type="arrow" w="sm" len="sm"/>
+          </a:ln>
+        </p:spPr>
+        <p:style>
+          <a:lnRef idx="1">
+            <a:schemeClr val="accent1"/>
+          </a:lnRef>
+          <a:fillRef idx="0">
+            <a:schemeClr val="accent1"/>
+          </a:fillRef>
+          <a:effectRef idx="0">
+            <a:schemeClr val="accent1"/>
+          </a:effectRef>
+          <a:fontRef idx="minor">
+            <a:schemeClr val="tx1"/>
+          </a:fontRef>
+        </p:style>
+      </p:cxnSp>
+      <p:sp>
+        <p:nvSpPr>
+          <p:cNvPr id="46" name="Oval 45"/>
+          <p:cNvSpPr/>
+          <p:nvPr/>
+        </p:nvSpPr>
+        <p:spPr>
+          <a:xfrm>
+            <a:off x="1475362" y="343520"/>
+            <a:ext cx="230429" cy="230429"/>
+          </a:xfrm>
+          <a:prstGeom prst="ellipse">
+            <a:avLst/>
+          </a:prstGeom>
+          <a:solidFill>
+            <a:srgbClr val="66CCFF"/>
+          </a:solidFill>
+          <a:ln w="12700">
+            <a:solidFill>
+              <a:schemeClr val="tx1"/>
+            </a:solidFill>
+          </a:ln>
+        </p:spPr>
+        <p:style>
+          <a:lnRef idx="2">
+            <a:schemeClr val="accent1">
+              <a:shade val="50000"/>
+            </a:schemeClr>
+          </a:lnRef>
+          <a:fillRef idx="1">
+            <a:schemeClr val="accent1"/>
+          </a:fillRef>
+          <a:effectRef idx="0">
+            <a:schemeClr val="accent1"/>
+          </a:effectRef>
+          <a:fontRef idx="minor">
+            <a:schemeClr val="lt1"/>
+          </a:fontRef>
+        </p:style>
+        <p:txBody>
+          <a:bodyPr rtlCol="0" anchor="ctr"/>
+          <a:lstStyle/>
+          <a:p>
+            <a:pPr algn="ctr"/>
+            <a:r>
+              <a:rPr lang="en-US" sz="900" dirty="0">
+                <a:solidFill>
+                  <a:schemeClr val="tx1"/>
+                </a:solidFill>
+                <a:latin typeface="Times New Roman" pitchFamily="18" charset="0"/>
+                <a:cs typeface="Times New Roman" pitchFamily="18" charset="0"/>
+              </a:rPr>
+              <a:t>F</a:t>
+            </a:r>
+          </a:p>
+        </p:txBody>
+      </p:sp>
+      <p:cxnSp>
+        <p:nvCxnSpPr>
+          <p:cNvPr id="47" name="Straight Arrow Connector 46"/>
+          <p:cNvCxnSpPr>
+            <a:stCxn id="30" idx="5"/>
+            <a:endCxn id="46" idx="2"/>
+          </p:cNvCxnSpPr>
+          <p:nvPr/>
+        </p:nvCxnSpPr>
+        <p:spPr>
+          <a:xfrm>
+            <a:off x="1199124" y="242385"/>
+            <a:ext cx="276238" cy="216350"/>
+          </a:xfrm>
+          <a:prstGeom prst="straightConnector1">
+            <a:avLst/>
+          </a:prstGeom>
+          <a:ln w="19050">
+            <a:solidFill>
+              <a:schemeClr val="tx1"/>
+            </a:solidFill>
+            <a:headEnd w="sm" len="sm"/>
+            <a:tailEnd type="arrow" w="sm" len="sm"/>
+          </a:ln>
+        </p:spPr>
+        <p:style>
+          <a:lnRef idx="1">
+            <a:schemeClr val="accent1"/>
+          </a:lnRef>
+          <a:fillRef idx="0">
+            <a:schemeClr val="accent1"/>
+          </a:fillRef>
+          <a:effectRef idx="0">
+            <a:schemeClr val="accent1"/>
+          </a:effectRef>
+          <a:fontRef idx="minor">
+            <a:schemeClr val="tx1"/>
+          </a:fontRef>
+        </p:style>
+      </p:cxnSp>
+      <p:cxnSp>
+        <p:nvCxnSpPr>
+          <p:cNvPr id="51" name="Straight Arrow Connector 50"/>
+          <p:cNvCxnSpPr/>
+          <p:nvPr/>
+        </p:nvCxnSpPr>
+        <p:spPr>
+          <a:xfrm>
+            <a:off x="1709344" y="458735"/>
+            <a:ext cx="242493" cy="2"/>
+          </a:xfrm>
+          <a:prstGeom prst="straightConnector1">
+            <a:avLst/>
+          </a:prstGeom>
+          <a:ln w="19050">
+            <a:solidFill>
+              <a:schemeClr val="tx1"/>
+            </a:solidFill>
+            <a:headEnd w="sm" len="sm"/>
+            <a:tailEnd type="arrow" w="sm" len="sm"/>
+          </a:ln>
+        </p:spPr>
+        <p:style>
+          <a:lnRef idx="1">
+            <a:schemeClr val="accent1"/>
+          </a:lnRef>
+          <a:fillRef idx="0">
+            <a:schemeClr val="accent1"/>
+          </a:fillRef>
+          <a:effectRef idx="0">
+            <a:schemeClr val="accent1"/>
+          </a:effectRef>
+          <a:fontRef idx="minor">
+            <a:schemeClr val="tx1"/>
+          </a:fontRef>
+        </p:style>
+      </p:cxnSp>
+      <p:sp>
+        <p:nvSpPr>
+          <p:cNvPr id="2" name="Rectangle 1"/>
+          <p:cNvSpPr/>
+          <p:nvPr/>
+        </p:nvSpPr>
+        <p:spPr>
+          <a:xfrm>
+            <a:off x="1951837" y="343520"/>
+            <a:ext cx="230429" cy="230429"/>
+          </a:xfrm>
+          <a:prstGeom prst="rect">
+            <a:avLst/>
+          </a:prstGeom>
+          <a:solidFill>
+            <a:srgbClr val="FFFFCC"/>
+          </a:solidFill>
+          <a:ln w="12700">
+            <a:solidFill>
+              <a:schemeClr val="tx1"/>
+            </a:solidFill>
+          </a:ln>
+        </p:spPr>
+        <p:style>
+          <a:lnRef idx="2">
+            <a:schemeClr val="accent1">
+              <a:shade val="50000"/>
+            </a:schemeClr>
+          </a:lnRef>
+          <a:fillRef idx="1">
+            <a:schemeClr val="accent1"/>
+          </a:fillRef>
+          <a:effectRef idx="0">
+            <a:schemeClr val="accent1"/>
           </a:effectRef>
           <a:fontRef idx="minor">
             <a:schemeClr val="lt1"/>
@@ -4667,7 +4835,7 @@
                 <a:latin typeface="Times New Roman" pitchFamily="18" charset="0"/>
                 <a:cs typeface="Times New Roman" pitchFamily="18" charset="0"/>
               </a:rPr>
-              <a:t>monitoring overheads</a:t>
+              <a:t>G</a:t>
             </a:r>
             <a:endParaRPr lang="en-US" sz="900" dirty="0">
               <a:solidFill>
@@ -4679,258 +4847,40 @@
           </a:p>
         </p:txBody>
       </p:sp>
-      <p:cxnSp>
-        <p:nvCxnSpPr>
-          <p:cNvPr id="67" name="Straight Arrow Connector 66"/>
-          <p:cNvCxnSpPr/>
-          <p:nvPr/>
-        </p:nvCxnSpPr>
-        <p:spPr>
-          <a:xfrm>
-            <a:off x="969576" y="522839"/>
-            <a:ext cx="190634" cy="198834"/>
-          </a:xfrm>
-          <a:prstGeom prst="straightConnector1">
-            <a:avLst/>
-          </a:prstGeom>
-          <a:ln w="19050">
-            <a:solidFill>
-              <a:srgbClr val="C00000"/>
-            </a:solidFill>
-            <a:headEnd w="sm" len="sm"/>
-            <a:tailEnd type="arrow" w="sm" len="sm"/>
-          </a:ln>
-        </p:spPr>
-        <p:style>
-          <a:lnRef idx="1">
-            <a:schemeClr val="accent1"/>
-          </a:lnRef>
-          <a:fillRef idx="0">
-            <a:schemeClr val="accent1"/>
-          </a:fillRef>
-          <a:effectRef idx="0">
-            <a:schemeClr val="accent1"/>
-          </a:effectRef>
-          <a:fontRef idx="minor">
-            <a:schemeClr val="tx1"/>
-          </a:fontRef>
-        </p:style>
-      </p:cxnSp>
-      <p:cxnSp>
-        <p:nvCxnSpPr>
-          <p:cNvPr id="69" name="Straight Arrow Connector 68"/>
-          <p:cNvCxnSpPr/>
-          <p:nvPr/>
-        </p:nvCxnSpPr>
-        <p:spPr>
-          <a:xfrm flipV="1">
-            <a:off x="1160210" y="592837"/>
-            <a:ext cx="345645" cy="128836"/>
-          </a:xfrm>
-          <a:prstGeom prst="straightConnector1">
-            <a:avLst/>
-          </a:prstGeom>
-          <a:ln w="19050">
-            <a:solidFill>
-              <a:srgbClr val="00B050"/>
-            </a:solidFill>
-            <a:headEnd w="sm" len="sm"/>
-            <a:tailEnd type="arrow" w="sm" len="sm"/>
-          </a:ln>
-        </p:spPr>
-        <p:style>
-          <a:lnRef idx="1">
-            <a:schemeClr val="accent1"/>
-          </a:lnRef>
-          <a:fillRef idx="0">
-            <a:schemeClr val="accent1"/>
-          </a:fillRef>
-          <a:effectRef idx="0">
-            <a:schemeClr val="accent1"/>
-          </a:effectRef>
-          <a:fontRef idx="minor">
-            <a:schemeClr val="tx1"/>
-          </a:fontRef>
-        </p:style>
-      </p:cxnSp>
-      <p:cxnSp>
-        <p:nvCxnSpPr>
-          <p:cNvPr id="71" name="Straight Arrow Connector 70"/>
-          <p:cNvCxnSpPr/>
-          <p:nvPr/>
-        </p:nvCxnSpPr>
-        <p:spPr>
-          <a:xfrm flipH="1">
-            <a:off x="1064894" y="314535"/>
-            <a:ext cx="210531" cy="272722"/>
-          </a:xfrm>
-          <a:prstGeom prst="straightConnector1">
-            <a:avLst/>
-          </a:prstGeom>
-          <a:ln w="19050">
-            <a:solidFill>
-              <a:schemeClr val="tx1"/>
-            </a:solidFill>
-            <a:headEnd w="sm" len="sm"/>
-            <a:tailEnd type="arrow" w="sm" len="sm"/>
-          </a:ln>
-        </p:spPr>
-        <p:style>
-          <a:lnRef idx="1">
-            <a:schemeClr val="accent1"/>
-          </a:lnRef>
-          <a:fillRef idx="0">
-            <a:schemeClr val="accent1"/>
-          </a:fillRef>
-          <a:effectRef idx="0">
-            <a:schemeClr val="accent1"/>
-          </a:effectRef>
-          <a:fontRef idx="minor">
-            <a:schemeClr val="tx1"/>
-          </a:fontRef>
-        </p:style>
-      </p:cxnSp>
-      <p:cxnSp>
-        <p:nvCxnSpPr>
-          <p:cNvPr id="74" name="Straight Arrow Connector 73"/>
-          <p:cNvCxnSpPr/>
-          <p:nvPr/>
-        </p:nvCxnSpPr>
-        <p:spPr>
-          <a:xfrm>
-            <a:off x="1625986" y="314325"/>
-            <a:ext cx="0" cy="342930"/>
-          </a:xfrm>
-          <a:prstGeom prst="straightConnector1">
-            <a:avLst/>
-          </a:prstGeom>
-          <a:ln w="19050">
-            <a:solidFill>
-              <a:schemeClr val="tx1"/>
-            </a:solidFill>
-            <a:headEnd w="sm" len="sm"/>
-            <a:tailEnd type="arrow" w="sm" len="sm"/>
-          </a:ln>
-        </p:spPr>
-        <p:style>
-          <a:lnRef idx="1">
-            <a:schemeClr val="accent1"/>
-          </a:lnRef>
-          <a:fillRef idx="0">
-            <a:schemeClr val="accent1"/>
-          </a:fillRef>
-          <a:effectRef idx="0">
-            <a:schemeClr val="accent1"/>
-          </a:effectRef>
-          <a:fontRef idx="minor">
-            <a:schemeClr val="tx1"/>
-          </a:fontRef>
-        </p:style>
-      </p:cxnSp>
-      <p:cxnSp>
-        <p:nvCxnSpPr>
-          <p:cNvPr id="14" name="Straight Arrow Connector 13"/>
-          <p:cNvCxnSpPr/>
-          <p:nvPr/>
-        </p:nvCxnSpPr>
-        <p:spPr>
-          <a:xfrm>
-            <a:off x="1505855" y="595299"/>
-            <a:ext cx="422455" cy="440627"/>
-          </a:xfrm>
-          <a:prstGeom prst="straightConnector1">
-            <a:avLst/>
-          </a:prstGeom>
-          <a:ln w="19050">
-            <a:solidFill>
-              <a:srgbClr val="C00000"/>
-            </a:solidFill>
-            <a:headEnd w="sm" len="sm"/>
-            <a:tailEnd type="arrow" w="sm" len="sm"/>
-          </a:ln>
-        </p:spPr>
-        <p:style>
-          <a:lnRef idx="1">
-            <a:schemeClr val="accent1"/>
-          </a:lnRef>
-          <a:fillRef idx="0">
-            <a:schemeClr val="accent1"/>
-          </a:fillRef>
-          <a:effectRef idx="0">
-            <a:schemeClr val="accent1"/>
-          </a:effectRef>
-          <a:fontRef idx="minor">
-            <a:schemeClr val="tx1"/>
-          </a:fontRef>
-        </p:style>
-      </p:cxnSp>
-      <p:cxnSp>
-        <p:nvCxnSpPr>
-          <p:cNvPr id="46" name="Straight Arrow Connector 45"/>
-          <p:cNvCxnSpPr/>
-          <p:nvPr/>
-        </p:nvCxnSpPr>
-        <p:spPr>
-          <a:xfrm flipV="1">
-            <a:off x="1928310" y="657197"/>
-            <a:ext cx="1016065" cy="378729"/>
-          </a:xfrm>
-          <a:prstGeom prst="straightConnector1">
-            <a:avLst/>
-          </a:prstGeom>
-          <a:ln w="19050">
-            <a:solidFill>
-              <a:srgbClr val="00B050"/>
-            </a:solidFill>
-            <a:headEnd w="sm" len="sm"/>
-            <a:tailEnd type="arrow" w="sm" len="sm"/>
-          </a:ln>
-        </p:spPr>
-        <p:style>
-          <a:lnRef idx="1">
-            <a:schemeClr val="accent1"/>
-          </a:lnRef>
-          <a:fillRef idx="0">
-            <a:schemeClr val="accent1"/>
-          </a:fillRef>
-          <a:effectRef idx="0">
-            <a:schemeClr val="accent1"/>
-          </a:effectRef>
-          <a:fontRef idx="minor">
-            <a:schemeClr val="tx1"/>
-          </a:fontRef>
-        </p:style>
-      </p:cxnSp>
-      <p:sp>
-        <p:nvSpPr>
-          <p:cNvPr id="25" name="Rectangle 24"/>
+      <p:sp>
+        <p:nvSpPr>
+          <p:cNvPr id="16" name="Rectangle 15"/>
           <p:cNvSpPr/>
           <p:nvPr/>
         </p:nvSpPr>
         <p:spPr>
           <a:xfrm>
-            <a:off x="808787" y="1074130"/>
-            <a:ext cx="743462" cy="200529"/>
+            <a:off x="2421207" y="45699"/>
+            <a:ext cx="230429" cy="230429"/>
           </a:xfrm>
           <a:prstGeom prst="rect">
             <a:avLst/>
           </a:prstGeom>
-          <a:noFill/>
-          <a:ln>
-            <a:noFill/>
+          <a:solidFill>
+            <a:srgbClr val="FFFFCC"/>
+          </a:solidFill>
+          <a:ln w="12700">
+            <a:solidFill>
+              <a:schemeClr val="tx1"/>
+            </a:solidFill>
           </a:ln>
         </p:spPr>
         <p:style>
           <a:lnRef idx="2">
-            <a:schemeClr val="accent2">
+            <a:schemeClr val="accent1">
               <a:shade val="50000"/>
             </a:schemeClr>
           </a:lnRef>
           <a:fillRef idx="1">
-            <a:schemeClr val="accent2"/>
-          </a:fillRef>
-          <a:effectRef idx="0">
-            <a:schemeClr val="accent2"/>
+            <a:schemeClr val="accent1"/>
+          </a:fillRef>
+          <a:effectRef idx="0">
+            <a:schemeClr val="accent1"/>
           </a:effectRef>
           <a:fontRef idx="minor">
             <a:schemeClr val="lt1"/>
@@ -4949,7 +4899,7 @@
                 <a:latin typeface="Times New Roman" pitchFamily="18" charset="0"/>
                 <a:cs typeface="Times New Roman" pitchFamily="18" charset="0"/>
               </a:rPr>
-              <a:t>perform monitoring</a:t>
+              <a:t>E</a:t>
             </a:r>
             <a:endParaRPr lang="en-US" sz="900" dirty="0">
               <a:solidFill>
@@ -4961,136 +4911,23 @@
           </a:p>
         </p:txBody>
       </p:sp>
-      <p:sp>
-        <p:nvSpPr>
-          <p:cNvPr id="27" name="Rectangle 26"/>
-          <p:cNvSpPr/>
-          <p:nvPr/>
-        </p:nvSpPr>
-        <p:spPr>
-          <a:xfrm>
-            <a:off x="1713530" y="1074130"/>
-            <a:ext cx="729695" cy="200529"/>
-          </a:xfrm>
-          <a:prstGeom prst="rect">
-            <a:avLst/>
-          </a:prstGeom>
-          <a:noFill/>
-          <a:ln>
-            <a:noFill/>
-          </a:ln>
-        </p:spPr>
-        <p:style>
-          <a:lnRef idx="2">
-            <a:schemeClr val="accent2">
-              <a:shade val="50000"/>
-            </a:schemeClr>
-          </a:lnRef>
-          <a:fillRef idx="1">
-            <a:schemeClr val="accent2"/>
-          </a:fillRef>
-          <a:effectRef idx="0">
-            <a:schemeClr val="accent2"/>
-          </a:effectRef>
-          <a:fontRef idx="minor">
-            <a:schemeClr val="lt1"/>
-          </a:fontRef>
-        </p:style>
-        <p:txBody>
-          <a:bodyPr rtlCol="0" anchor="ctr"/>
-          <a:lstStyle/>
-          <a:p>
-            <a:pPr algn="ctr"/>
-            <a:r>
-              <a:rPr lang="en-US" sz="900" dirty="0" smtClean="0">
-                <a:solidFill>
-                  <a:schemeClr val="tx1"/>
-                </a:solidFill>
-                <a:latin typeface="Times New Roman" pitchFamily="18" charset="0"/>
-                <a:cs typeface="Times New Roman" pitchFamily="18" charset="0"/>
-              </a:rPr>
-              <a:t>drop monitoring</a:t>
-            </a:r>
-            <a:endParaRPr lang="en-US" sz="900" dirty="0">
-              <a:solidFill>
-                <a:schemeClr val="tx1"/>
-              </a:solidFill>
-              <a:latin typeface="Times New Roman" pitchFamily="18" charset="0"/>
-              <a:cs typeface="Times New Roman" pitchFamily="18" charset="0"/>
-            </a:endParaRPr>
-          </a:p>
-        </p:txBody>
-      </p:sp>
-      <p:sp>
-        <p:nvSpPr>
-          <p:cNvPr id="34" name="Rectangle 33"/>
-          <p:cNvSpPr/>
-          <p:nvPr/>
-        </p:nvSpPr>
-        <p:spPr>
-          <a:xfrm>
-            <a:off x="2392938" y="1074129"/>
-            <a:ext cx="743462" cy="200529"/>
-          </a:xfrm>
-          <a:prstGeom prst="rect">
-            <a:avLst/>
-          </a:prstGeom>
-          <a:noFill/>
-          <a:ln>
-            <a:noFill/>
-          </a:ln>
-        </p:spPr>
-        <p:style>
-          <a:lnRef idx="2">
-            <a:schemeClr val="accent2">
-              <a:shade val="50000"/>
-            </a:schemeClr>
-          </a:lnRef>
-          <a:fillRef idx="1">
-            <a:schemeClr val="accent2"/>
-          </a:fillRef>
-          <a:effectRef idx="0">
-            <a:schemeClr val="accent2"/>
-          </a:effectRef>
-          <a:fontRef idx="minor">
-            <a:schemeClr val="lt1"/>
-          </a:fontRef>
-        </p:style>
-        <p:txBody>
-          <a:bodyPr rtlCol="0" anchor="ctr"/>
-          <a:lstStyle/>
-          <a:p>
-            <a:pPr algn="ctr"/>
-            <a:r>
-              <a:rPr lang="en-US" sz="900" dirty="0" smtClean="0">
-                <a:solidFill>
-                  <a:schemeClr val="tx1"/>
-                </a:solidFill>
-                <a:latin typeface="Times New Roman" pitchFamily="18" charset="0"/>
-                <a:cs typeface="Times New Roman" pitchFamily="18" charset="0"/>
-              </a:rPr>
-              <a:t>perform monitoring</a:t>
-            </a:r>
-            <a:endParaRPr lang="en-US" sz="900" dirty="0">
-              <a:solidFill>
-                <a:schemeClr val="tx1"/>
-              </a:solidFill>
-              <a:latin typeface="Times New Roman" pitchFamily="18" charset="0"/>
-              <a:cs typeface="Times New Roman" pitchFamily="18" charset="0"/>
-            </a:endParaRPr>
-          </a:p>
-        </p:txBody>
-      </p:sp>
     </p:spTree>
     <p:extLst>
       <p:ext uri="{BB962C8B-B14F-4D97-AF65-F5344CB8AC3E}">
-        <p14:creationId xmlns:p14="http://schemas.microsoft.com/office/powerpoint/2010/main" val="1614472030"/>
+        <p14:creationId xmlns:p14="http://schemas.microsoft.com/office/powerpoint/2010/main" val="2263311733"/>
       </p:ext>
     </p:extLst>
   </p:cSld>
   <p:clrMapOvr>
     <a:masterClrMapping/>
   </p:clrMapOvr>
+  <p:timing>
+    <p:tnLst>
+      <p:par>
+        <p:cTn id="1" dur="indefinite" restart="never" nodeType="tmRoot"/>
+      </p:par>
+    </p:tnLst>
+  </p:timing>
 </p:sld>
 </file>
 
@@ -5113,104 +4950,25 @@
       </p:grpSpPr>
       <p:sp>
         <p:nvSpPr>
-          <p:cNvPr id="58" name="TextBox 57"/>
-          <p:cNvSpPr txBox="1"/>
-          <p:nvPr/>
-        </p:nvSpPr>
-        <p:spPr>
-          <a:xfrm>
-            <a:off x="1219126" y="186452"/>
-            <a:ext cx="342669" cy="230832"/>
+          <p:cNvPr id="3" name="Rectangle 2"/>
+          <p:cNvSpPr/>
+          <p:nvPr/>
+        </p:nvSpPr>
+        <p:spPr>
+          <a:xfrm>
+            <a:off x="1753820" y="65208"/>
+            <a:ext cx="649117" cy="1247858"/>
           </a:xfrm>
           <a:prstGeom prst="rect">
             <a:avLst/>
           </a:prstGeom>
-          <a:noFill/>
-          <a:ln w="12700">
+          <a:solidFill>
+            <a:schemeClr val="bg1">
+              <a:lumMod val="75000"/>
+            </a:schemeClr>
+          </a:solidFill>
+          <a:ln>
             <a:noFill/>
-          </a:ln>
-        </p:spPr>
-        <p:txBody>
-          <a:bodyPr wrap="square" rtlCol="0">
-            <a:spAutoFit/>
-          </a:bodyPr>
-          <a:lstStyle/>
-          <a:p>
-            <a:r>
-              <a:rPr lang="en-US" sz="900" dirty="0" err="1" smtClean="0">
-                <a:latin typeface="Times New Roman" pitchFamily="18" charset="0"/>
-                <a:cs typeface="Times New Roman" pitchFamily="18" charset="0"/>
-              </a:rPr>
-              <a:t>clk</a:t>
-            </a:r>
-            <a:endParaRPr lang="en-US" sz="900" dirty="0">
-              <a:latin typeface="Times New Roman" pitchFamily="18" charset="0"/>
-              <a:cs typeface="Times New Roman" pitchFamily="18" charset="0"/>
-            </a:endParaRPr>
-          </a:p>
-        </p:txBody>
-      </p:sp>
-      <p:sp>
-        <p:nvSpPr>
-          <p:cNvPr id="60" name="TextBox 59"/>
-          <p:cNvSpPr txBox="1"/>
-          <p:nvPr/>
-        </p:nvSpPr>
-        <p:spPr>
-          <a:xfrm>
-            <a:off x="102405" y="-67464"/>
-            <a:ext cx="750409" cy="369332"/>
-          </a:xfrm>
-          <a:prstGeom prst="rect">
-            <a:avLst/>
-          </a:prstGeom>
-          <a:noFill/>
-          <a:ln w="12700">
-            <a:noFill/>
-          </a:ln>
-        </p:spPr>
-        <p:txBody>
-          <a:bodyPr wrap="square" rtlCol="0">
-            <a:spAutoFit/>
-          </a:bodyPr>
-          <a:lstStyle/>
-          <a:p>
-            <a:pPr algn="ctr"/>
-            <a:r>
-              <a:rPr lang="en-US" sz="900" dirty="0" smtClean="0">
-                <a:latin typeface="Times New Roman" pitchFamily="18" charset="0"/>
-                <a:cs typeface="Times New Roman" pitchFamily="18" charset="0"/>
-              </a:rPr>
-              <a:t>overhead budget (%)</a:t>
-            </a:r>
-            <a:endParaRPr lang="en-US" sz="900" dirty="0">
-              <a:latin typeface="Times New Roman" pitchFamily="18" charset="0"/>
-              <a:cs typeface="Times New Roman" pitchFamily="18" charset="0"/>
-            </a:endParaRPr>
-          </a:p>
-        </p:txBody>
-      </p:sp>
-      <p:sp>
-        <p:nvSpPr>
-          <p:cNvPr id="53" name="Rectangle 52"/>
-          <p:cNvSpPr/>
-          <p:nvPr/>
-        </p:nvSpPr>
-        <p:spPr>
-          <a:xfrm>
-            <a:off x="1946307" y="50623"/>
-            <a:ext cx="596185" cy="317208"/>
-          </a:xfrm>
-          <a:prstGeom prst="rect">
-            <a:avLst/>
-          </a:prstGeom>
-          <a:solidFill>
-            <a:srgbClr val="FFFFCC"/>
-          </a:solidFill>
-          <a:ln w="12700">
-            <a:solidFill>
-              <a:schemeClr val="tx1"/>
-            </a:solidFill>
           </a:ln>
         </p:spPr>
         <p:style>
@@ -5234,6 +4992,123 @@
           <a:lstStyle/>
           <a:p>
             <a:pPr algn="ctr"/>
+            <a:endParaRPr lang="en-US" sz="900"/>
+          </a:p>
+        </p:txBody>
+      </p:sp>
+      <p:cxnSp>
+        <p:nvCxnSpPr>
+          <p:cNvPr id="4" name="Straight Arrow Connector 3"/>
+          <p:cNvCxnSpPr/>
+          <p:nvPr/>
+        </p:nvCxnSpPr>
+        <p:spPr>
+          <a:xfrm flipV="1">
+            <a:off x="623931" y="45700"/>
+            <a:ext cx="0" cy="1205505"/>
+          </a:xfrm>
+          <a:prstGeom prst="straightConnector1">
+            <a:avLst/>
+          </a:prstGeom>
+          <a:ln w="19050">
+            <a:solidFill>
+              <a:schemeClr val="tx1"/>
+            </a:solidFill>
+            <a:headEnd w="sm" len="sm"/>
+            <a:tailEnd type="arrow" w="sm" len="sm"/>
+          </a:ln>
+        </p:spPr>
+        <p:style>
+          <a:lnRef idx="1">
+            <a:schemeClr val="accent1"/>
+          </a:lnRef>
+          <a:fillRef idx="0">
+            <a:schemeClr val="accent1"/>
+          </a:fillRef>
+          <a:effectRef idx="0">
+            <a:schemeClr val="accent1"/>
+          </a:effectRef>
+          <a:fontRef idx="minor">
+            <a:schemeClr val="tx1"/>
+          </a:fontRef>
+        </p:style>
+      </p:cxnSp>
+      <p:cxnSp>
+        <p:nvCxnSpPr>
+          <p:cNvPr id="6" name="Straight Arrow Connector 5"/>
+          <p:cNvCxnSpPr/>
+          <p:nvPr/>
+        </p:nvCxnSpPr>
+        <p:spPr>
+          <a:xfrm>
+            <a:off x="489960" y="852205"/>
+            <a:ext cx="2646440" cy="0"/>
+          </a:xfrm>
+          <a:prstGeom prst="straightConnector1">
+            <a:avLst/>
+          </a:prstGeom>
+          <a:ln w="19050">
+            <a:solidFill>
+              <a:schemeClr val="tx1"/>
+            </a:solidFill>
+            <a:headEnd w="sm" len="sm"/>
+            <a:tailEnd type="arrow" w="sm" len="sm"/>
+          </a:ln>
+        </p:spPr>
+        <p:style>
+          <a:lnRef idx="1">
+            <a:schemeClr val="accent1"/>
+          </a:lnRef>
+          <a:fillRef idx="0">
+            <a:schemeClr val="accent1"/>
+          </a:fillRef>
+          <a:effectRef idx="0">
+            <a:schemeClr val="accent1"/>
+          </a:effectRef>
+          <a:fontRef idx="minor">
+            <a:schemeClr val="tx1"/>
+          </a:fontRef>
+        </p:style>
+      </p:cxnSp>
+      <p:sp>
+        <p:nvSpPr>
+          <p:cNvPr id="8" name="Rectangle 7"/>
+          <p:cNvSpPr/>
+          <p:nvPr/>
+        </p:nvSpPr>
+        <p:spPr>
+          <a:xfrm>
+            <a:off x="2878581" y="843701"/>
+            <a:ext cx="437487" cy="200529"/>
+          </a:xfrm>
+          <a:prstGeom prst="rect">
+            <a:avLst/>
+          </a:prstGeom>
+          <a:noFill/>
+          <a:ln>
+            <a:noFill/>
+          </a:ln>
+        </p:spPr>
+        <p:style>
+          <a:lnRef idx="2">
+            <a:schemeClr val="accent2">
+              <a:shade val="50000"/>
+            </a:schemeClr>
+          </a:lnRef>
+          <a:fillRef idx="1">
+            <a:schemeClr val="accent2"/>
+          </a:fillRef>
+          <a:effectRef idx="0">
+            <a:schemeClr val="accent2"/>
+          </a:effectRef>
+          <a:fontRef idx="minor">
+            <a:schemeClr val="lt1"/>
+          </a:fontRef>
+        </p:style>
+        <p:txBody>
+          <a:bodyPr rtlCol="0" anchor="ctr"/>
+          <a:lstStyle/>
+          <a:p>
             <a:r>
               <a:rPr lang="en-US" sz="900" dirty="0" smtClean="0">
                 <a:solidFill>
@@ -5242,7 +5117,7 @@
                 <a:latin typeface="Times New Roman" pitchFamily="18" charset="0"/>
                 <a:cs typeface="Times New Roman" pitchFamily="18" charset="0"/>
               </a:rPr>
-              <a:t>Slack Counter</a:t>
+              <a:t>time</a:t>
             </a:r>
             <a:endParaRPr lang="en-US" sz="900" dirty="0">
               <a:solidFill>
@@ -5254,193 +5129,36 @@
           </a:p>
         </p:txBody>
       </p:sp>
-      <p:cxnSp>
-        <p:nvCxnSpPr>
-          <p:cNvPr id="65" name="Straight Arrow Connector 64"/>
-          <p:cNvCxnSpPr/>
-          <p:nvPr/>
-        </p:nvCxnSpPr>
-        <p:spPr>
-          <a:xfrm flipV="1">
-            <a:off x="2244399" y="367832"/>
-            <a:ext cx="0" cy="164133"/>
-          </a:xfrm>
-          <a:prstGeom prst="straightConnector1">
-            <a:avLst/>
-          </a:prstGeom>
-          <a:ln w="19050">
-            <a:solidFill>
-              <a:schemeClr val="tx1"/>
-            </a:solidFill>
-            <a:headEnd w="sm" len="sm"/>
-            <a:tailEnd type="arrow" w="sm" len="sm"/>
-          </a:ln>
-        </p:spPr>
-        <p:style>
-          <a:lnRef idx="1">
-            <a:schemeClr val="accent1"/>
-          </a:lnRef>
-          <a:fillRef idx="0">
-            <a:schemeClr val="accent1"/>
-          </a:fillRef>
-          <a:effectRef idx="0">
-            <a:schemeClr val="accent1"/>
-          </a:effectRef>
-          <a:fontRef idx="minor">
-            <a:schemeClr val="tx1"/>
-          </a:fontRef>
-        </p:style>
-      </p:cxnSp>
-      <p:sp>
-        <p:nvSpPr>
-          <p:cNvPr id="67" name="TextBox 66"/>
-          <p:cNvSpPr txBox="1"/>
-          <p:nvPr/>
-        </p:nvSpPr>
-        <p:spPr>
-          <a:xfrm>
-            <a:off x="1987927" y="494905"/>
-            <a:ext cx="512943" cy="230832"/>
+      <p:sp>
+        <p:nvSpPr>
+          <p:cNvPr id="9" name="Rectangle 8"/>
+          <p:cNvSpPr/>
+          <p:nvPr/>
+        </p:nvSpPr>
+        <p:spPr>
+          <a:xfrm>
+            <a:off x="238490" y="46824"/>
+            <a:ext cx="500160" cy="200529"/>
           </a:xfrm>
           <a:prstGeom prst="rect">
             <a:avLst/>
           </a:prstGeom>
           <a:noFill/>
-          <a:ln w="12700">
+          <a:ln>
             <a:noFill/>
           </a:ln>
         </p:spPr>
-        <p:txBody>
-          <a:bodyPr wrap="square" rtlCol="0">
-            <a:spAutoFit/>
-          </a:bodyPr>
-          <a:lstStyle/>
-          <a:p>
-            <a:pPr algn="ctr"/>
-            <a:r>
-              <a:rPr lang="en-US" sz="900" dirty="0" smtClean="0">
-                <a:latin typeface="Times New Roman" pitchFamily="18" charset="0"/>
-                <a:cs typeface="Times New Roman" pitchFamily="18" charset="0"/>
-              </a:rPr>
-              <a:t>stall</a:t>
-            </a:r>
-            <a:endParaRPr lang="en-US" sz="900" dirty="0">
-              <a:latin typeface="Times New Roman" pitchFamily="18" charset="0"/>
-              <a:cs typeface="Times New Roman" pitchFamily="18" charset="0"/>
-            </a:endParaRPr>
-          </a:p>
-        </p:txBody>
-      </p:sp>
-      <p:sp>
-        <p:nvSpPr>
-          <p:cNvPr id="75" name="TextBox 74"/>
-          <p:cNvSpPr txBox="1"/>
-          <p:nvPr/>
-        </p:nvSpPr>
-        <p:spPr>
-          <a:xfrm>
-            <a:off x="2546647" y="797"/>
-            <a:ext cx="512943" cy="230832"/>
-          </a:xfrm>
-          <a:prstGeom prst="rect">
-            <a:avLst/>
-          </a:prstGeom>
-          <a:noFill/>
-          <a:ln w="12700">
-            <a:noFill/>
-          </a:ln>
-        </p:spPr>
-        <p:txBody>
-          <a:bodyPr wrap="square" rtlCol="0">
-            <a:spAutoFit/>
-          </a:bodyPr>
-          <a:lstStyle/>
-          <a:p>
-            <a:r>
-              <a:rPr lang="en-US" sz="900" dirty="0" smtClean="0">
-                <a:latin typeface="Times New Roman" pitchFamily="18" charset="0"/>
-                <a:cs typeface="Times New Roman" pitchFamily="18" charset="0"/>
-              </a:rPr>
-              <a:t>slack</a:t>
-            </a:r>
-            <a:endParaRPr lang="en-US" sz="900" dirty="0">
-              <a:latin typeface="Times New Roman" pitchFamily="18" charset="0"/>
-              <a:cs typeface="Times New Roman" pitchFamily="18" charset="0"/>
-            </a:endParaRPr>
-          </a:p>
-        </p:txBody>
-      </p:sp>
-      <p:cxnSp>
-        <p:nvCxnSpPr>
-          <p:cNvPr id="23" name="Straight Arrow Connector 22"/>
-          <p:cNvCxnSpPr/>
-          <p:nvPr/>
-        </p:nvCxnSpPr>
-        <p:spPr>
-          <a:xfrm>
-            <a:off x="755290" y="116213"/>
-            <a:ext cx="327954" cy="0"/>
-          </a:xfrm>
-          <a:prstGeom prst="straightConnector1">
-            <a:avLst/>
-          </a:prstGeom>
-          <a:ln w="19050">
-            <a:solidFill>
-              <a:schemeClr val="tx1"/>
-            </a:solidFill>
-            <a:headEnd w="sm" len="sm"/>
-            <a:tailEnd type="arrow" w="sm" len="sm"/>
-          </a:ln>
-        </p:spPr>
-        <p:style>
-          <a:lnRef idx="1">
-            <a:schemeClr val="accent1"/>
-          </a:lnRef>
-          <a:fillRef idx="0">
-            <a:schemeClr val="accent1"/>
-          </a:fillRef>
-          <a:effectRef idx="0">
-            <a:schemeClr val="accent1"/>
-          </a:effectRef>
-          <a:fontRef idx="minor">
-            <a:schemeClr val="tx1"/>
-          </a:fontRef>
-        </p:style>
-      </p:cxnSp>
-      <p:sp>
-        <p:nvSpPr>
-          <p:cNvPr id="16" name="Rectangle 15"/>
-          <p:cNvSpPr/>
-          <p:nvPr/>
-        </p:nvSpPr>
-        <p:spPr>
-          <a:xfrm>
-            <a:off x="1083244" y="45901"/>
-            <a:ext cx="401741" cy="140624"/>
-          </a:xfrm>
-          <a:prstGeom prst="rect">
-            <a:avLst/>
-          </a:prstGeom>
-          <a:solidFill>
-            <a:srgbClr val="FFFFCC"/>
-          </a:solidFill>
-          <a:ln w="12700">
-            <a:solidFill>
-              <a:schemeClr val="tx1"/>
-            </a:solidFill>
-          </a:ln>
-        </p:spPr>
         <p:style>
           <a:lnRef idx="2">
-            <a:schemeClr val="accent1">
+            <a:schemeClr val="accent2">
               <a:shade val="50000"/>
             </a:schemeClr>
           </a:lnRef>
           <a:fillRef idx="1">
-            <a:schemeClr val="accent1"/>
-          </a:fillRef>
-          <a:effectRef idx="0">
-            <a:schemeClr val="accent1"/>
+            <a:schemeClr val="accent2"/>
+          </a:fillRef>
+          <a:effectRef idx="0">
+            <a:schemeClr val="accent2"/>
           </a:effectRef>
           <a:fontRef idx="minor">
             <a:schemeClr val="lt1"/>
@@ -5450,7 +5168,6 @@
           <a:bodyPr rtlCol="0" anchor="ctr"/>
           <a:lstStyle/>
           <a:p>
-            <a:pPr algn="ctr"/>
             <a:r>
               <a:rPr lang="en-US" sz="900" dirty="0" smtClean="0">
                 <a:solidFill>
@@ -5459,7 +5176,7 @@
                 <a:latin typeface="Times New Roman" pitchFamily="18" charset="0"/>
                 <a:cs typeface="Times New Roman" pitchFamily="18" charset="0"/>
               </a:rPr>
-              <a:t>1/x</a:t>
+              <a:t>slack</a:t>
             </a:r>
             <a:endParaRPr lang="en-US" sz="900" dirty="0">
               <a:solidFill>
@@ -5471,62 +5188,214 @@
           </a:p>
         </p:txBody>
       </p:sp>
-      <p:sp>
-        <p:nvSpPr>
-          <p:cNvPr id="21" name="TextBox 20"/>
-          <p:cNvSpPr txBox="1"/>
-          <p:nvPr/>
-        </p:nvSpPr>
-        <p:spPr>
-          <a:xfrm>
-            <a:off x="1561795" y="-69515"/>
-            <a:ext cx="270055" cy="230832"/>
+      <p:cxnSp>
+        <p:nvCxnSpPr>
+          <p:cNvPr id="12" name="Straight Arrow Connector 11"/>
+          <p:cNvCxnSpPr/>
+          <p:nvPr/>
+        </p:nvCxnSpPr>
+        <p:spPr>
+          <a:xfrm flipV="1">
+            <a:off x="623931" y="522839"/>
+            <a:ext cx="345645" cy="128836"/>
+          </a:xfrm>
+          <a:prstGeom prst="straightConnector1">
+            <a:avLst/>
+          </a:prstGeom>
+          <a:ln w="19050">
+            <a:solidFill>
+              <a:srgbClr val="00B050"/>
+            </a:solidFill>
+            <a:headEnd w="sm" len="sm"/>
+            <a:tailEnd type="arrow" w="sm" len="sm"/>
+          </a:ln>
+        </p:spPr>
+        <p:style>
+          <a:lnRef idx="1">
+            <a:schemeClr val="accent1"/>
+          </a:lnRef>
+          <a:fillRef idx="0">
+            <a:schemeClr val="accent1"/>
+          </a:fillRef>
+          <a:effectRef idx="0">
+            <a:schemeClr val="accent1"/>
+          </a:effectRef>
+          <a:fontRef idx="minor">
+            <a:schemeClr val="tx1"/>
+          </a:fontRef>
+        </p:style>
+      </p:cxnSp>
+      <p:cxnSp>
+        <p:nvCxnSpPr>
+          <p:cNvPr id="21" name="Straight Connector 20"/>
+          <p:cNvCxnSpPr/>
+          <p:nvPr/>
+        </p:nvCxnSpPr>
+        <p:spPr>
+          <a:xfrm flipH="1">
+            <a:off x="575368" y="651675"/>
+            <a:ext cx="95890" cy="0"/>
+          </a:xfrm>
+          <a:prstGeom prst="line">
+            <a:avLst/>
+          </a:prstGeom>
+          <a:ln w="19050">
+            <a:solidFill>
+              <a:schemeClr val="tx1"/>
+            </a:solidFill>
+          </a:ln>
+        </p:spPr>
+        <p:style>
+          <a:lnRef idx="1">
+            <a:schemeClr val="accent1"/>
+          </a:lnRef>
+          <a:fillRef idx="0">
+            <a:schemeClr val="accent1"/>
+          </a:fillRef>
+          <a:effectRef idx="0">
+            <a:schemeClr val="accent1"/>
+          </a:effectRef>
+          <a:fontRef idx="minor">
+            <a:schemeClr val="tx1"/>
+          </a:fontRef>
+        </p:style>
+      </p:cxnSp>
+      <p:sp>
+        <p:nvSpPr>
+          <p:cNvPr id="23" name="Rectangle 22"/>
+          <p:cNvSpPr/>
+          <p:nvPr/>
+        </p:nvSpPr>
+        <p:spPr>
+          <a:xfrm>
+            <a:off x="199190" y="536461"/>
+            <a:ext cx="500160" cy="200529"/>
           </a:xfrm>
           <a:prstGeom prst="rect">
             <a:avLst/>
           </a:prstGeom>
           <a:noFill/>
-          <a:ln w="12700">
+          <a:ln>
             <a:noFill/>
           </a:ln>
         </p:spPr>
-        <p:txBody>
-          <a:bodyPr wrap="square" rtlCol="0">
-            <a:spAutoFit/>
-          </a:bodyPr>
+        <p:style>
+          <a:lnRef idx="2">
+            <a:schemeClr val="accent2">
+              <a:shade val="50000"/>
+            </a:schemeClr>
+          </a:lnRef>
+          <a:fillRef idx="1">
+            <a:schemeClr val="accent2"/>
+          </a:fillRef>
+          <a:effectRef idx="0">
+            <a:schemeClr val="accent2"/>
+          </a:effectRef>
+          <a:fontRef idx="minor">
+            <a:schemeClr val="lt1"/>
+          </a:fontRef>
+        </p:style>
+        <p:txBody>
+          <a:bodyPr rtlCol="0" anchor="ctr"/>
           <a:lstStyle/>
           <a:p>
             <a:r>
               <a:rPr lang="en-US" sz="900" dirty="0" smtClean="0">
+                <a:solidFill>
+                  <a:schemeClr val="tx1"/>
+                </a:solidFill>
                 <a:latin typeface="Times New Roman" pitchFamily="18" charset="0"/>
                 <a:cs typeface="Times New Roman" pitchFamily="18" charset="0"/>
               </a:rPr>
-              <a:t>k</a:t>
+              <a:t>initial slack</a:t>
             </a:r>
             <a:endParaRPr lang="en-US" sz="900" dirty="0">
+              <a:solidFill>
+                <a:schemeClr val="tx1"/>
+              </a:solidFill>
               <a:latin typeface="Times New Roman" pitchFamily="18" charset="0"/>
               <a:cs typeface="Times New Roman" pitchFamily="18" charset="0"/>
             </a:endParaRPr>
           </a:p>
         </p:txBody>
       </p:sp>
+      <p:sp>
+        <p:nvSpPr>
+          <p:cNvPr id="56" name="Rectangle 55"/>
+          <p:cNvSpPr/>
+          <p:nvPr/>
+        </p:nvSpPr>
+        <p:spPr>
+          <a:xfrm>
+            <a:off x="1078854" y="65207"/>
+            <a:ext cx="775204" cy="200529"/>
+          </a:xfrm>
+          <a:prstGeom prst="rect">
+            <a:avLst/>
+          </a:prstGeom>
+          <a:noFill/>
+          <a:ln>
+            <a:noFill/>
+          </a:ln>
+        </p:spPr>
+        <p:style>
+          <a:lnRef idx="2">
+            <a:schemeClr val="accent2">
+              <a:shade val="50000"/>
+            </a:schemeClr>
+          </a:lnRef>
+          <a:fillRef idx="1">
+            <a:schemeClr val="accent2"/>
+          </a:fillRef>
+          <a:effectRef idx="0">
+            <a:schemeClr val="accent2"/>
+          </a:effectRef>
+          <a:fontRef idx="minor">
+            <a:schemeClr val="lt1"/>
+          </a:fontRef>
+        </p:style>
+        <p:txBody>
+          <a:bodyPr rtlCol="0" anchor="ctr"/>
+          <a:lstStyle/>
+          <a:p>
+            <a:pPr algn="ctr"/>
+            <a:r>
+              <a:rPr lang="en-US" sz="900" dirty="0" smtClean="0">
+                <a:solidFill>
+                  <a:schemeClr val="tx1"/>
+                </a:solidFill>
+                <a:latin typeface="Times New Roman" pitchFamily="18" charset="0"/>
+                <a:cs typeface="Times New Roman" pitchFamily="18" charset="0"/>
+              </a:rPr>
+              <a:t>monitoring overheads</a:t>
+            </a:r>
+            <a:endParaRPr lang="en-US" sz="900" dirty="0">
+              <a:solidFill>
+                <a:schemeClr val="tx1"/>
+              </a:solidFill>
+              <a:latin typeface="Times New Roman" pitchFamily="18" charset="0"/>
+              <a:cs typeface="Times New Roman" pitchFamily="18" charset="0"/>
+            </a:endParaRPr>
+          </a:p>
+        </p:txBody>
+      </p:sp>
       <p:cxnSp>
         <p:nvCxnSpPr>
-          <p:cNvPr id="70" name="Straight Arrow Connector 69"/>
+          <p:cNvPr id="67" name="Straight Arrow Connector 66"/>
           <p:cNvCxnSpPr/>
           <p:nvPr/>
         </p:nvCxnSpPr>
         <p:spPr>
           <a:xfrm>
-            <a:off x="2542492" y="189399"/>
-            <a:ext cx="454958" cy="0"/>
+            <a:off x="969576" y="522839"/>
+            <a:ext cx="190634" cy="198834"/>
           </a:xfrm>
           <a:prstGeom prst="straightConnector1">
             <a:avLst/>
           </a:prstGeom>
           <a:ln w="19050">
             <a:solidFill>
-              <a:schemeClr val="tx1"/>
+              <a:srgbClr val="C00000"/>
             </a:solidFill>
             <a:headEnd w="sm" len="sm"/>
             <a:tailEnd type="arrow" w="sm" len="sm"/>
@@ -5549,21 +5418,21 @@
       </p:cxnSp>
       <p:cxnSp>
         <p:nvCxnSpPr>
-          <p:cNvPr id="24" name="Straight Arrow Connector 23"/>
+          <p:cNvPr id="69" name="Straight Arrow Connector 68"/>
           <p:cNvCxnSpPr/>
           <p:nvPr/>
         </p:nvCxnSpPr>
         <p:spPr>
-          <a:xfrm>
-            <a:off x="1484986" y="116213"/>
-            <a:ext cx="461321" cy="0"/>
+          <a:xfrm flipV="1">
+            <a:off x="1160210" y="592837"/>
+            <a:ext cx="345645" cy="128836"/>
           </a:xfrm>
           <a:prstGeom prst="straightConnector1">
             <a:avLst/>
           </a:prstGeom>
           <a:ln w="19050">
             <a:solidFill>
-              <a:schemeClr val="tx1"/>
+              <a:srgbClr val="00B050"/>
             </a:solidFill>
             <a:headEnd w="sm" len="sm"/>
             <a:tailEnd type="arrow" w="sm" len="sm"/>
@@ -5586,14 +5455,14 @@
       </p:cxnSp>
       <p:cxnSp>
         <p:nvCxnSpPr>
-          <p:cNvPr id="25" name="Straight Arrow Connector 24"/>
+          <p:cNvPr id="71" name="Straight Arrow Connector 70"/>
           <p:cNvCxnSpPr/>
           <p:nvPr/>
         </p:nvCxnSpPr>
         <p:spPr>
-          <a:xfrm>
-            <a:off x="1484985" y="301868"/>
-            <a:ext cx="461321" cy="0"/>
+          <a:xfrm flipH="1">
+            <a:off x="1064894" y="314535"/>
+            <a:ext cx="210531" cy="272722"/>
           </a:xfrm>
           <a:prstGeom prst="straightConnector1">
             <a:avLst/>
@@ -5621,10 +5490,301 @@
           </a:fontRef>
         </p:style>
       </p:cxnSp>
+      <p:cxnSp>
+        <p:nvCxnSpPr>
+          <p:cNvPr id="74" name="Straight Arrow Connector 73"/>
+          <p:cNvCxnSpPr/>
+          <p:nvPr/>
+        </p:nvCxnSpPr>
+        <p:spPr>
+          <a:xfrm>
+            <a:off x="1625986" y="314325"/>
+            <a:ext cx="0" cy="342930"/>
+          </a:xfrm>
+          <a:prstGeom prst="straightConnector1">
+            <a:avLst/>
+          </a:prstGeom>
+          <a:ln w="19050">
+            <a:solidFill>
+              <a:schemeClr val="tx1"/>
+            </a:solidFill>
+            <a:headEnd w="sm" len="sm"/>
+            <a:tailEnd type="arrow" w="sm" len="sm"/>
+          </a:ln>
+        </p:spPr>
+        <p:style>
+          <a:lnRef idx="1">
+            <a:schemeClr val="accent1"/>
+          </a:lnRef>
+          <a:fillRef idx="0">
+            <a:schemeClr val="accent1"/>
+          </a:fillRef>
+          <a:effectRef idx="0">
+            <a:schemeClr val="accent1"/>
+          </a:effectRef>
+          <a:fontRef idx="minor">
+            <a:schemeClr val="tx1"/>
+          </a:fontRef>
+        </p:style>
+      </p:cxnSp>
+      <p:cxnSp>
+        <p:nvCxnSpPr>
+          <p:cNvPr id="14" name="Straight Arrow Connector 13"/>
+          <p:cNvCxnSpPr/>
+          <p:nvPr/>
+        </p:nvCxnSpPr>
+        <p:spPr>
+          <a:xfrm>
+            <a:off x="1505855" y="595299"/>
+            <a:ext cx="422455" cy="440627"/>
+          </a:xfrm>
+          <a:prstGeom prst="straightConnector1">
+            <a:avLst/>
+          </a:prstGeom>
+          <a:ln w="19050">
+            <a:solidFill>
+              <a:srgbClr val="C00000"/>
+            </a:solidFill>
+            <a:headEnd w="sm" len="sm"/>
+            <a:tailEnd type="arrow" w="sm" len="sm"/>
+          </a:ln>
+        </p:spPr>
+        <p:style>
+          <a:lnRef idx="1">
+            <a:schemeClr val="accent1"/>
+          </a:lnRef>
+          <a:fillRef idx="0">
+            <a:schemeClr val="accent1"/>
+          </a:fillRef>
+          <a:effectRef idx="0">
+            <a:schemeClr val="accent1"/>
+          </a:effectRef>
+          <a:fontRef idx="minor">
+            <a:schemeClr val="tx1"/>
+          </a:fontRef>
+        </p:style>
+      </p:cxnSp>
+      <p:cxnSp>
+        <p:nvCxnSpPr>
+          <p:cNvPr id="46" name="Straight Arrow Connector 45"/>
+          <p:cNvCxnSpPr/>
+          <p:nvPr/>
+        </p:nvCxnSpPr>
+        <p:spPr>
+          <a:xfrm flipV="1">
+            <a:off x="1928310" y="657197"/>
+            <a:ext cx="1016065" cy="378729"/>
+          </a:xfrm>
+          <a:prstGeom prst="straightConnector1">
+            <a:avLst/>
+          </a:prstGeom>
+          <a:ln w="19050">
+            <a:solidFill>
+              <a:srgbClr val="00B050"/>
+            </a:solidFill>
+            <a:headEnd w="sm" len="sm"/>
+            <a:tailEnd type="arrow" w="sm" len="sm"/>
+          </a:ln>
+        </p:spPr>
+        <p:style>
+          <a:lnRef idx="1">
+            <a:schemeClr val="accent1"/>
+          </a:lnRef>
+          <a:fillRef idx="0">
+            <a:schemeClr val="accent1"/>
+          </a:fillRef>
+          <a:effectRef idx="0">
+            <a:schemeClr val="accent1"/>
+          </a:effectRef>
+          <a:fontRef idx="minor">
+            <a:schemeClr val="tx1"/>
+          </a:fontRef>
+        </p:style>
+      </p:cxnSp>
+      <p:sp>
+        <p:nvSpPr>
+          <p:cNvPr id="25" name="Rectangle 24"/>
+          <p:cNvSpPr/>
+          <p:nvPr/>
+        </p:nvSpPr>
+        <p:spPr>
+          <a:xfrm>
+            <a:off x="808787" y="1074130"/>
+            <a:ext cx="743462" cy="200529"/>
+          </a:xfrm>
+          <a:prstGeom prst="rect">
+            <a:avLst/>
+          </a:prstGeom>
+          <a:noFill/>
+          <a:ln>
+            <a:noFill/>
+          </a:ln>
+        </p:spPr>
+        <p:style>
+          <a:lnRef idx="2">
+            <a:schemeClr val="accent2">
+              <a:shade val="50000"/>
+            </a:schemeClr>
+          </a:lnRef>
+          <a:fillRef idx="1">
+            <a:schemeClr val="accent2"/>
+          </a:fillRef>
+          <a:effectRef idx="0">
+            <a:schemeClr val="accent2"/>
+          </a:effectRef>
+          <a:fontRef idx="minor">
+            <a:schemeClr val="lt1"/>
+          </a:fontRef>
+        </p:style>
+        <p:txBody>
+          <a:bodyPr rtlCol="0" anchor="ctr"/>
+          <a:lstStyle/>
+          <a:p>
+            <a:pPr algn="ctr"/>
+            <a:r>
+              <a:rPr lang="en-US" sz="900" dirty="0" smtClean="0">
+                <a:solidFill>
+                  <a:schemeClr val="tx1"/>
+                </a:solidFill>
+                <a:latin typeface="Times New Roman" pitchFamily="18" charset="0"/>
+                <a:cs typeface="Times New Roman" pitchFamily="18" charset="0"/>
+              </a:rPr>
+              <a:t>perform monitoring</a:t>
+            </a:r>
+            <a:endParaRPr lang="en-US" sz="900" dirty="0">
+              <a:solidFill>
+                <a:schemeClr val="tx1"/>
+              </a:solidFill>
+              <a:latin typeface="Times New Roman" pitchFamily="18" charset="0"/>
+              <a:cs typeface="Times New Roman" pitchFamily="18" charset="0"/>
+            </a:endParaRPr>
+          </a:p>
+        </p:txBody>
+      </p:sp>
+      <p:sp>
+        <p:nvSpPr>
+          <p:cNvPr id="27" name="Rectangle 26"/>
+          <p:cNvSpPr/>
+          <p:nvPr/>
+        </p:nvSpPr>
+        <p:spPr>
+          <a:xfrm>
+            <a:off x="1713530" y="1074130"/>
+            <a:ext cx="729695" cy="200529"/>
+          </a:xfrm>
+          <a:prstGeom prst="rect">
+            <a:avLst/>
+          </a:prstGeom>
+          <a:noFill/>
+          <a:ln>
+            <a:noFill/>
+          </a:ln>
+        </p:spPr>
+        <p:style>
+          <a:lnRef idx="2">
+            <a:schemeClr val="accent2">
+              <a:shade val="50000"/>
+            </a:schemeClr>
+          </a:lnRef>
+          <a:fillRef idx="1">
+            <a:schemeClr val="accent2"/>
+          </a:fillRef>
+          <a:effectRef idx="0">
+            <a:schemeClr val="accent2"/>
+          </a:effectRef>
+          <a:fontRef idx="minor">
+            <a:schemeClr val="lt1"/>
+          </a:fontRef>
+        </p:style>
+        <p:txBody>
+          <a:bodyPr rtlCol="0" anchor="ctr"/>
+          <a:lstStyle/>
+          <a:p>
+            <a:pPr algn="ctr"/>
+            <a:r>
+              <a:rPr lang="en-US" sz="900" dirty="0" smtClean="0">
+                <a:solidFill>
+                  <a:schemeClr val="tx1"/>
+                </a:solidFill>
+                <a:latin typeface="Times New Roman" pitchFamily="18" charset="0"/>
+                <a:cs typeface="Times New Roman" pitchFamily="18" charset="0"/>
+              </a:rPr>
+              <a:t>drop monitoring</a:t>
+            </a:r>
+            <a:endParaRPr lang="en-US" sz="900" dirty="0">
+              <a:solidFill>
+                <a:schemeClr val="tx1"/>
+              </a:solidFill>
+              <a:latin typeface="Times New Roman" pitchFamily="18" charset="0"/>
+              <a:cs typeface="Times New Roman" pitchFamily="18" charset="0"/>
+            </a:endParaRPr>
+          </a:p>
+        </p:txBody>
+      </p:sp>
+      <p:sp>
+        <p:nvSpPr>
+          <p:cNvPr id="34" name="Rectangle 33"/>
+          <p:cNvSpPr/>
+          <p:nvPr/>
+        </p:nvSpPr>
+        <p:spPr>
+          <a:xfrm>
+            <a:off x="2392938" y="1074129"/>
+            <a:ext cx="743462" cy="200529"/>
+          </a:xfrm>
+          <a:prstGeom prst="rect">
+            <a:avLst/>
+          </a:prstGeom>
+          <a:noFill/>
+          <a:ln>
+            <a:noFill/>
+          </a:ln>
+        </p:spPr>
+        <p:style>
+          <a:lnRef idx="2">
+            <a:schemeClr val="accent2">
+              <a:shade val="50000"/>
+            </a:schemeClr>
+          </a:lnRef>
+          <a:fillRef idx="1">
+            <a:schemeClr val="accent2"/>
+          </a:fillRef>
+          <a:effectRef idx="0">
+            <a:schemeClr val="accent2"/>
+          </a:effectRef>
+          <a:fontRef idx="minor">
+            <a:schemeClr val="lt1"/>
+          </a:fontRef>
+        </p:style>
+        <p:txBody>
+          <a:bodyPr rtlCol="0" anchor="ctr"/>
+          <a:lstStyle/>
+          <a:p>
+            <a:pPr algn="ctr"/>
+            <a:r>
+              <a:rPr lang="en-US" sz="900" dirty="0" smtClean="0">
+                <a:solidFill>
+                  <a:schemeClr val="tx1"/>
+                </a:solidFill>
+                <a:latin typeface="Times New Roman" pitchFamily="18" charset="0"/>
+                <a:cs typeface="Times New Roman" pitchFamily="18" charset="0"/>
+              </a:rPr>
+              <a:t>perform monitoring</a:t>
+            </a:r>
+            <a:endParaRPr lang="en-US" sz="900" dirty="0">
+              <a:solidFill>
+                <a:schemeClr val="tx1"/>
+              </a:solidFill>
+              <a:latin typeface="Times New Roman" pitchFamily="18" charset="0"/>
+              <a:cs typeface="Times New Roman" pitchFamily="18" charset="0"/>
+            </a:endParaRPr>
+          </a:p>
+        </p:txBody>
+      </p:sp>
     </p:spTree>
     <p:extLst>
       <p:ext uri="{BB962C8B-B14F-4D97-AF65-F5344CB8AC3E}">
-        <p14:creationId xmlns:p14="http://schemas.microsoft.com/office/powerpoint/2010/main" val="1210843306"/>
+        <p14:creationId xmlns:p14="http://schemas.microsoft.com/office/powerpoint/2010/main" val="1614472030"/>
       </p:ext>
     </p:extLst>
   </p:cSld>
@@ -5653,6 +5813,546 @@
       </p:grpSpPr>
       <p:sp>
         <p:nvSpPr>
+          <p:cNvPr id="58" name="TextBox 57"/>
+          <p:cNvSpPr txBox="1"/>
+          <p:nvPr/>
+        </p:nvSpPr>
+        <p:spPr>
+          <a:xfrm>
+            <a:off x="1219126" y="186452"/>
+            <a:ext cx="342669" cy="230832"/>
+          </a:xfrm>
+          <a:prstGeom prst="rect">
+            <a:avLst/>
+          </a:prstGeom>
+          <a:noFill/>
+          <a:ln w="12700">
+            <a:noFill/>
+          </a:ln>
+        </p:spPr>
+        <p:txBody>
+          <a:bodyPr wrap="square" rtlCol="0">
+            <a:spAutoFit/>
+          </a:bodyPr>
+          <a:lstStyle/>
+          <a:p>
+            <a:r>
+              <a:rPr lang="en-US" sz="900" dirty="0" err="1" smtClean="0">
+                <a:latin typeface="Times New Roman" pitchFamily="18" charset="0"/>
+                <a:cs typeface="Times New Roman" pitchFamily="18" charset="0"/>
+              </a:rPr>
+              <a:t>clk</a:t>
+            </a:r>
+            <a:endParaRPr lang="en-US" sz="900" dirty="0">
+              <a:latin typeface="Times New Roman" pitchFamily="18" charset="0"/>
+              <a:cs typeface="Times New Roman" pitchFamily="18" charset="0"/>
+            </a:endParaRPr>
+          </a:p>
+        </p:txBody>
+      </p:sp>
+      <p:sp>
+        <p:nvSpPr>
+          <p:cNvPr id="60" name="TextBox 59"/>
+          <p:cNvSpPr txBox="1"/>
+          <p:nvPr/>
+        </p:nvSpPr>
+        <p:spPr>
+          <a:xfrm>
+            <a:off x="102405" y="-67464"/>
+            <a:ext cx="750409" cy="369332"/>
+          </a:xfrm>
+          <a:prstGeom prst="rect">
+            <a:avLst/>
+          </a:prstGeom>
+          <a:noFill/>
+          <a:ln w="12700">
+            <a:noFill/>
+          </a:ln>
+        </p:spPr>
+        <p:txBody>
+          <a:bodyPr wrap="square" rtlCol="0">
+            <a:spAutoFit/>
+          </a:bodyPr>
+          <a:lstStyle/>
+          <a:p>
+            <a:pPr algn="ctr"/>
+            <a:r>
+              <a:rPr lang="en-US" sz="900" dirty="0" smtClean="0">
+                <a:latin typeface="Times New Roman" pitchFamily="18" charset="0"/>
+                <a:cs typeface="Times New Roman" pitchFamily="18" charset="0"/>
+              </a:rPr>
+              <a:t>overhead budget (%)</a:t>
+            </a:r>
+            <a:endParaRPr lang="en-US" sz="900" dirty="0">
+              <a:latin typeface="Times New Roman" pitchFamily="18" charset="0"/>
+              <a:cs typeface="Times New Roman" pitchFamily="18" charset="0"/>
+            </a:endParaRPr>
+          </a:p>
+        </p:txBody>
+      </p:sp>
+      <p:sp>
+        <p:nvSpPr>
+          <p:cNvPr id="53" name="Rectangle 52"/>
+          <p:cNvSpPr/>
+          <p:nvPr/>
+        </p:nvSpPr>
+        <p:spPr>
+          <a:xfrm>
+            <a:off x="1946307" y="50623"/>
+            <a:ext cx="596185" cy="317208"/>
+          </a:xfrm>
+          <a:prstGeom prst="rect">
+            <a:avLst/>
+          </a:prstGeom>
+          <a:solidFill>
+            <a:srgbClr val="FFFFCC"/>
+          </a:solidFill>
+          <a:ln w="12700">
+            <a:solidFill>
+              <a:schemeClr val="tx1"/>
+            </a:solidFill>
+          </a:ln>
+        </p:spPr>
+        <p:style>
+          <a:lnRef idx="2">
+            <a:schemeClr val="accent1">
+              <a:shade val="50000"/>
+            </a:schemeClr>
+          </a:lnRef>
+          <a:fillRef idx="1">
+            <a:schemeClr val="accent1"/>
+          </a:fillRef>
+          <a:effectRef idx="0">
+            <a:schemeClr val="accent1"/>
+          </a:effectRef>
+          <a:fontRef idx="minor">
+            <a:schemeClr val="lt1"/>
+          </a:fontRef>
+        </p:style>
+        <p:txBody>
+          <a:bodyPr rtlCol="0" anchor="ctr"/>
+          <a:lstStyle/>
+          <a:p>
+            <a:pPr algn="ctr"/>
+            <a:r>
+              <a:rPr lang="en-US" sz="900" dirty="0" smtClean="0">
+                <a:solidFill>
+                  <a:schemeClr val="tx1"/>
+                </a:solidFill>
+                <a:latin typeface="Times New Roman" pitchFamily="18" charset="0"/>
+                <a:cs typeface="Times New Roman" pitchFamily="18" charset="0"/>
+              </a:rPr>
+              <a:t>Slack Counter</a:t>
+            </a:r>
+            <a:endParaRPr lang="en-US" sz="900" dirty="0">
+              <a:solidFill>
+                <a:schemeClr val="tx1"/>
+              </a:solidFill>
+              <a:latin typeface="Times New Roman" pitchFamily="18" charset="0"/>
+              <a:cs typeface="Times New Roman" pitchFamily="18" charset="0"/>
+            </a:endParaRPr>
+          </a:p>
+        </p:txBody>
+      </p:sp>
+      <p:cxnSp>
+        <p:nvCxnSpPr>
+          <p:cNvPr id="65" name="Straight Arrow Connector 64"/>
+          <p:cNvCxnSpPr/>
+          <p:nvPr/>
+        </p:nvCxnSpPr>
+        <p:spPr>
+          <a:xfrm flipV="1">
+            <a:off x="2244399" y="367832"/>
+            <a:ext cx="0" cy="164133"/>
+          </a:xfrm>
+          <a:prstGeom prst="straightConnector1">
+            <a:avLst/>
+          </a:prstGeom>
+          <a:ln w="19050">
+            <a:solidFill>
+              <a:schemeClr val="tx1"/>
+            </a:solidFill>
+            <a:headEnd w="sm" len="sm"/>
+            <a:tailEnd type="arrow" w="sm" len="sm"/>
+          </a:ln>
+        </p:spPr>
+        <p:style>
+          <a:lnRef idx="1">
+            <a:schemeClr val="accent1"/>
+          </a:lnRef>
+          <a:fillRef idx="0">
+            <a:schemeClr val="accent1"/>
+          </a:fillRef>
+          <a:effectRef idx="0">
+            <a:schemeClr val="accent1"/>
+          </a:effectRef>
+          <a:fontRef idx="minor">
+            <a:schemeClr val="tx1"/>
+          </a:fontRef>
+        </p:style>
+      </p:cxnSp>
+      <p:sp>
+        <p:nvSpPr>
+          <p:cNvPr id="67" name="TextBox 66"/>
+          <p:cNvSpPr txBox="1"/>
+          <p:nvPr/>
+        </p:nvSpPr>
+        <p:spPr>
+          <a:xfrm>
+            <a:off x="1987927" y="494905"/>
+            <a:ext cx="512943" cy="230832"/>
+          </a:xfrm>
+          <a:prstGeom prst="rect">
+            <a:avLst/>
+          </a:prstGeom>
+          <a:noFill/>
+          <a:ln w="12700">
+            <a:noFill/>
+          </a:ln>
+        </p:spPr>
+        <p:txBody>
+          <a:bodyPr wrap="square" rtlCol="0">
+            <a:spAutoFit/>
+          </a:bodyPr>
+          <a:lstStyle/>
+          <a:p>
+            <a:pPr algn="ctr"/>
+            <a:r>
+              <a:rPr lang="en-US" sz="900" dirty="0" smtClean="0">
+                <a:latin typeface="Times New Roman" pitchFamily="18" charset="0"/>
+                <a:cs typeface="Times New Roman" pitchFamily="18" charset="0"/>
+              </a:rPr>
+              <a:t>stall</a:t>
+            </a:r>
+            <a:endParaRPr lang="en-US" sz="900" dirty="0">
+              <a:latin typeface="Times New Roman" pitchFamily="18" charset="0"/>
+              <a:cs typeface="Times New Roman" pitchFamily="18" charset="0"/>
+            </a:endParaRPr>
+          </a:p>
+        </p:txBody>
+      </p:sp>
+      <p:sp>
+        <p:nvSpPr>
+          <p:cNvPr id="75" name="TextBox 74"/>
+          <p:cNvSpPr txBox="1"/>
+          <p:nvPr/>
+        </p:nvSpPr>
+        <p:spPr>
+          <a:xfrm>
+            <a:off x="2546647" y="797"/>
+            <a:ext cx="512943" cy="230832"/>
+          </a:xfrm>
+          <a:prstGeom prst="rect">
+            <a:avLst/>
+          </a:prstGeom>
+          <a:noFill/>
+          <a:ln w="12700">
+            <a:noFill/>
+          </a:ln>
+        </p:spPr>
+        <p:txBody>
+          <a:bodyPr wrap="square" rtlCol="0">
+            <a:spAutoFit/>
+          </a:bodyPr>
+          <a:lstStyle/>
+          <a:p>
+            <a:r>
+              <a:rPr lang="en-US" sz="900" dirty="0" smtClean="0">
+                <a:latin typeface="Times New Roman" pitchFamily="18" charset="0"/>
+                <a:cs typeface="Times New Roman" pitchFamily="18" charset="0"/>
+              </a:rPr>
+              <a:t>slack</a:t>
+            </a:r>
+            <a:endParaRPr lang="en-US" sz="900" dirty="0">
+              <a:latin typeface="Times New Roman" pitchFamily="18" charset="0"/>
+              <a:cs typeface="Times New Roman" pitchFamily="18" charset="0"/>
+            </a:endParaRPr>
+          </a:p>
+        </p:txBody>
+      </p:sp>
+      <p:cxnSp>
+        <p:nvCxnSpPr>
+          <p:cNvPr id="23" name="Straight Arrow Connector 22"/>
+          <p:cNvCxnSpPr/>
+          <p:nvPr/>
+        </p:nvCxnSpPr>
+        <p:spPr>
+          <a:xfrm>
+            <a:off x="755290" y="116213"/>
+            <a:ext cx="327954" cy="0"/>
+          </a:xfrm>
+          <a:prstGeom prst="straightConnector1">
+            <a:avLst/>
+          </a:prstGeom>
+          <a:ln w="19050">
+            <a:solidFill>
+              <a:schemeClr val="tx1"/>
+            </a:solidFill>
+            <a:headEnd w="sm" len="sm"/>
+            <a:tailEnd type="arrow" w="sm" len="sm"/>
+          </a:ln>
+        </p:spPr>
+        <p:style>
+          <a:lnRef idx="1">
+            <a:schemeClr val="accent1"/>
+          </a:lnRef>
+          <a:fillRef idx="0">
+            <a:schemeClr val="accent1"/>
+          </a:fillRef>
+          <a:effectRef idx="0">
+            <a:schemeClr val="accent1"/>
+          </a:effectRef>
+          <a:fontRef idx="minor">
+            <a:schemeClr val="tx1"/>
+          </a:fontRef>
+        </p:style>
+      </p:cxnSp>
+      <p:sp>
+        <p:nvSpPr>
+          <p:cNvPr id="16" name="Rectangle 15"/>
+          <p:cNvSpPr/>
+          <p:nvPr/>
+        </p:nvSpPr>
+        <p:spPr>
+          <a:xfrm>
+            <a:off x="1083244" y="45901"/>
+            <a:ext cx="401741" cy="140624"/>
+          </a:xfrm>
+          <a:prstGeom prst="rect">
+            <a:avLst/>
+          </a:prstGeom>
+          <a:solidFill>
+            <a:srgbClr val="FFFFCC"/>
+          </a:solidFill>
+          <a:ln w="12700">
+            <a:solidFill>
+              <a:schemeClr val="tx1"/>
+            </a:solidFill>
+          </a:ln>
+        </p:spPr>
+        <p:style>
+          <a:lnRef idx="2">
+            <a:schemeClr val="accent1">
+              <a:shade val="50000"/>
+            </a:schemeClr>
+          </a:lnRef>
+          <a:fillRef idx="1">
+            <a:schemeClr val="accent1"/>
+          </a:fillRef>
+          <a:effectRef idx="0">
+            <a:schemeClr val="accent1"/>
+          </a:effectRef>
+          <a:fontRef idx="minor">
+            <a:schemeClr val="lt1"/>
+          </a:fontRef>
+        </p:style>
+        <p:txBody>
+          <a:bodyPr rtlCol="0" anchor="ctr"/>
+          <a:lstStyle/>
+          <a:p>
+            <a:pPr algn="ctr"/>
+            <a:r>
+              <a:rPr lang="en-US" sz="900" dirty="0" smtClean="0">
+                <a:solidFill>
+                  <a:schemeClr val="tx1"/>
+                </a:solidFill>
+                <a:latin typeface="Times New Roman" pitchFamily="18" charset="0"/>
+                <a:cs typeface="Times New Roman" pitchFamily="18" charset="0"/>
+              </a:rPr>
+              <a:t>1/x</a:t>
+            </a:r>
+            <a:endParaRPr lang="en-US" sz="900" dirty="0">
+              <a:solidFill>
+                <a:schemeClr val="tx1"/>
+              </a:solidFill>
+              <a:latin typeface="Times New Roman" pitchFamily="18" charset="0"/>
+              <a:cs typeface="Times New Roman" pitchFamily="18" charset="0"/>
+            </a:endParaRPr>
+          </a:p>
+        </p:txBody>
+      </p:sp>
+      <p:sp>
+        <p:nvSpPr>
+          <p:cNvPr id="21" name="TextBox 20"/>
+          <p:cNvSpPr txBox="1"/>
+          <p:nvPr/>
+        </p:nvSpPr>
+        <p:spPr>
+          <a:xfrm>
+            <a:off x="1561795" y="-69515"/>
+            <a:ext cx="270055" cy="230832"/>
+          </a:xfrm>
+          <a:prstGeom prst="rect">
+            <a:avLst/>
+          </a:prstGeom>
+          <a:noFill/>
+          <a:ln w="12700">
+            <a:noFill/>
+          </a:ln>
+        </p:spPr>
+        <p:txBody>
+          <a:bodyPr wrap="square" rtlCol="0">
+            <a:spAutoFit/>
+          </a:bodyPr>
+          <a:lstStyle/>
+          <a:p>
+            <a:r>
+              <a:rPr lang="en-US" sz="900" dirty="0" smtClean="0">
+                <a:latin typeface="Times New Roman" pitchFamily="18" charset="0"/>
+                <a:cs typeface="Times New Roman" pitchFamily="18" charset="0"/>
+              </a:rPr>
+              <a:t>k</a:t>
+            </a:r>
+            <a:endParaRPr lang="en-US" sz="900" dirty="0">
+              <a:latin typeface="Times New Roman" pitchFamily="18" charset="0"/>
+              <a:cs typeface="Times New Roman" pitchFamily="18" charset="0"/>
+            </a:endParaRPr>
+          </a:p>
+        </p:txBody>
+      </p:sp>
+      <p:cxnSp>
+        <p:nvCxnSpPr>
+          <p:cNvPr id="70" name="Straight Arrow Connector 69"/>
+          <p:cNvCxnSpPr/>
+          <p:nvPr/>
+        </p:nvCxnSpPr>
+        <p:spPr>
+          <a:xfrm>
+            <a:off x="2542492" y="189399"/>
+            <a:ext cx="454958" cy="0"/>
+          </a:xfrm>
+          <a:prstGeom prst="straightConnector1">
+            <a:avLst/>
+          </a:prstGeom>
+          <a:ln w="19050">
+            <a:solidFill>
+              <a:schemeClr val="tx1"/>
+            </a:solidFill>
+            <a:headEnd w="sm" len="sm"/>
+            <a:tailEnd type="arrow" w="sm" len="sm"/>
+          </a:ln>
+        </p:spPr>
+        <p:style>
+          <a:lnRef idx="1">
+            <a:schemeClr val="accent1"/>
+          </a:lnRef>
+          <a:fillRef idx="0">
+            <a:schemeClr val="accent1"/>
+          </a:fillRef>
+          <a:effectRef idx="0">
+            <a:schemeClr val="accent1"/>
+          </a:effectRef>
+          <a:fontRef idx="minor">
+            <a:schemeClr val="tx1"/>
+          </a:fontRef>
+        </p:style>
+      </p:cxnSp>
+      <p:cxnSp>
+        <p:nvCxnSpPr>
+          <p:cNvPr id="24" name="Straight Arrow Connector 23"/>
+          <p:cNvCxnSpPr/>
+          <p:nvPr/>
+        </p:nvCxnSpPr>
+        <p:spPr>
+          <a:xfrm>
+            <a:off x="1484986" y="116213"/>
+            <a:ext cx="461321" cy="0"/>
+          </a:xfrm>
+          <a:prstGeom prst="straightConnector1">
+            <a:avLst/>
+          </a:prstGeom>
+          <a:ln w="19050">
+            <a:solidFill>
+              <a:schemeClr val="tx1"/>
+            </a:solidFill>
+            <a:headEnd w="sm" len="sm"/>
+            <a:tailEnd type="arrow" w="sm" len="sm"/>
+          </a:ln>
+        </p:spPr>
+        <p:style>
+          <a:lnRef idx="1">
+            <a:schemeClr val="accent1"/>
+          </a:lnRef>
+          <a:fillRef idx="0">
+            <a:schemeClr val="accent1"/>
+          </a:fillRef>
+          <a:effectRef idx="0">
+            <a:schemeClr val="accent1"/>
+          </a:effectRef>
+          <a:fontRef idx="minor">
+            <a:schemeClr val="tx1"/>
+          </a:fontRef>
+        </p:style>
+      </p:cxnSp>
+      <p:cxnSp>
+        <p:nvCxnSpPr>
+          <p:cNvPr id="25" name="Straight Arrow Connector 24"/>
+          <p:cNvCxnSpPr/>
+          <p:nvPr/>
+        </p:nvCxnSpPr>
+        <p:spPr>
+          <a:xfrm>
+            <a:off x="1484985" y="301868"/>
+            <a:ext cx="461321" cy="0"/>
+          </a:xfrm>
+          <a:prstGeom prst="straightConnector1">
+            <a:avLst/>
+          </a:prstGeom>
+          <a:ln w="19050">
+            <a:solidFill>
+              <a:schemeClr val="tx1"/>
+            </a:solidFill>
+            <a:headEnd w="sm" len="sm"/>
+            <a:tailEnd type="arrow" w="sm" len="sm"/>
+          </a:ln>
+        </p:spPr>
+        <p:style>
+          <a:lnRef idx="1">
+            <a:schemeClr val="accent1"/>
+          </a:lnRef>
+          <a:fillRef idx="0">
+            <a:schemeClr val="accent1"/>
+          </a:fillRef>
+          <a:effectRef idx="0">
+            <a:schemeClr val="accent1"/>
+          </a:effectRef>
+          <a:fontRef idx="minor">
+            <a:schemeClr val="tx1"/>
+          </a:fontRef>
+        </p:style>
+      </p:cxnSp>
+    </p:spTree>
+    <p:extLst>
+      <p:ext uri="{BB962C8B-B14F-4D97-AF65-F5344CB8AC3E}">
+        <p14:creationId xmlns:p14="http://schemas.microsoft.com/office/powerpoint/2010/main" val="1210843306"/>
+      </p:ext>
+    </p:extLst>
+  </p:cSld>
+  <p:clrMapOvr>
+    <a:masterClrMapping/>
+  </p:clrMapOvr>
+</p:sld>
+</file>
+
+<file path=ppt/slides/slide13.xml><?xml version="1.0" encoding="utf-8"?>
+<p:sld xmlns:a="http://schemas.openxmlformats.org/drawingml/2006/main" xmlns:r="http://schemas.openxmlformats.org/officeDocument/2006/relationships" xmlns:p="http://schemas.openxmlformats.org/presentationml/2006/main">
+  <p:cSld>
+    <p:spTree>
+      <p:nvGrpSpPr>
+        <p:cNvPr id="1" name=""/>
+        <p:cNvGrpSpPr/>
+        <p:nvPr/>
+      </p:nvGrpSpPr>
+      <p:grpSpPr>
+        <a:xfrm>
+          <a:off x="0" y="0"/>
+          <a:ext cx="0" cy="0"/>
+          <a:chOff x="0" y="0"/>
+          <a:chExt cx="0" cy="0"/>
+        </a:xfrm>
+      </p:grpSpPr>
+      <p:sp>
+        <p:nvSpPr>
           <p:cNvPr id="48" name="Rectangle 47"/>
           <p:cNvSpPr/>
           <p:nvPr/>
@@ -6477,7 +7177,7 @@
 </p:sld>
 </file>
 
-<file path=ppt/slides/slide13.xml><?xml version="1.0" encoding="utf-8"?>
+<file path=ppt/slides/slide14.xml><?xml version="1.0" encoding="utf-8"?>
 <p:sld xmlns:a="http://schemas.openxmlformats.org/drawingml/2006/main" xmlns:r="http://schemas.openxmlformats.org/officeDocument/2006/relationships" xmlns:p="http://schemas.openxmlformats.org/presentationml/2006/main">
   <p:cSld>
     <p:spTree>
@@ -7316,15 +8016,15 @@
         <p:nvCxnSpPr>
           <p:cNvPr id="44" name="Straight Arrow Connector 43"/>
           <p:cNvCxnSpPr>
-            <a:stCxn id="45" idx="3"/>
+            <a:stCxn id="15" idx="3"/>
             <a:endCxn id="13" idx="1"/>
           </p:cNvCxnSpPr>
           <p:nvPr/>
         </p:nvCxnSpPr>
         <p:spPr>
           <a:xfrm>
-            <a:off x="2291490" y="362361"/>
-            <a:ext cx="153620" cy="0"/>
+            <a:off x="2099465" y="362360"/>
+            <a:ext cx="268835" cy="1"/>
           </a:xfrm>
           <a:prstGeom prst="straightConnector1">
             <a:avLst/>
@@ -7352,173 +8052,6 @@
           </a:fontRef>
         </p:style>
       </p:cxnSp>
-      <p:sp>
-        <p:nvSpPr>
-          <p:cNvPr id="45" name="Rectangle 44"/>
-          <p:cNvSpPr/>
-          <p:nvPr/>
-        </p:nvSpPr>
-        <p:spPr>
-          <a:xfrm>
-            <a:off x="1561795" y="46657"/>
-            <a:ext cx="729695" cy="631408"/>
-          </a:xfrm>
-          <a:prstGeom prst="rect">
-            <a:avLst/>
-          </a:prstGeom>
-          <a:solidFill>
-            <a:srgbClr val="FFFFCC"/>
-          </a:solidFill>
-          <a:ln w="12700">
-            <a:solidFill>
-              <a:schemeClr val="tx1"/>
-            </a:solidFill>
-          </a:ln>
-        </p:spPr>
-        <p:style>
-          <a:lnRef idx="2">
-            <a:schemeClr val="accent1">
-              <a:shade val="50000"/>
-            </a:schemeClr>
-          </a:lnRef>
-          <a:fillRef idx="1">
-            <a:schemeClr val="accent1"/>
-          </a:fillRef>
-          <a:effectRef idx="0">
-            <a:schemeClr val="accent1"/>
-          </a:effectRef>
-          <a:fontRef idx="minor">
-            <a:schemeClr val="lt1"/>
-          </a:fontRef>
-        </p:style>
-        <p:txBody>
-          <a:bodyPr rtlCol="0" anchor="ctr"/>
-          <a:lstStyle/>
-          <a:p>
-            <a:pPr algn="ctr"/>
-            <a:r>
-              <a:rPr lang="en-US" sz="900" dirty="0" smtClean="0">
-                <a:solidFill>
-                  <a:schemeClr val="tx1"/>
-                </a:solidFill>
-                <a:latin typeface="Times New Roman" pitchFamily="18" charset="0"/>
-                <a:cs typeface="Times New Roman" pitchFamily="18" charset="0"/>
-              </a:rPr>
-              <a:t>Dataflow</a:t>
-            </a:r>
-          </a:p>
-          <a:p>
-            <a:pPr algn="ctr"/>
-            <a:r>
-              <a:rPr lang="en-US" sz="900" dirty="0" smtClean="0">
-                <a:solidFill>
-                  <a:schemeClr val="tx1"/>
-                </a:solidFill>
-                <a:latin typeface="Times New Roman" pitchFamily="18" charset="0"/>
-                <a:cs typeface="Times New Roman" pitchFamily="18" charset="0"/>
-              </a:rPr>
-              <a:t>Engine</a:t>
-            </a:r>
-          </a:p>
-        </p:txBody>
-      </p:sp>
-      <p:cxnSp>
-        <p:nvCxnSpPr>
-          <p:cNvPr id="46" name="Straight Arrow Connector 45"/>
-          <p:cNvCxnSpPr>
-            <a:stCxn id="45" idx="2"/>
-            <a:endCxn id="47" idx="0"/>
-          </p:cNvCxnSpPr>
-          <p:nvPr/>
-        </p:nvCxnSpPr>
-        <p:spPr>
-          <a:xfrm>
-            <a:off x="1926643" y="678065"/>
-            <a:ext cx="0" cy="219688"/>
-          </a:xfrm>
-          <a:prstGeom prst="straightConnector1">
-            <a:avLst/>
-          </a:prstGeom>
-          <a:ln w="19050">
-            <a:solidFill>
-              <a:schemeClr val="tx1"/>
-            </a:solidFill>
-            <a:headEnd type="arrow" w="sm" len="sm"/>
-            <a:tailEnd type="arrow" w="sm" len="sm"/>
-          </a:ln>
-        </p:spPr>
-        <p:style>
-          <a:lnRef idx="1">
-            <a:schemeClr val="accent1"/>
-          </a:lnRef>
-          <a:fillRef idx="0">
-            <a:schemeClr val="accent1"/>
-          </a:fillRef>
-          <a:effectRef idx="0">
-            <a:schemeClr val="accent1"/>
-          </a:effectRef>
-          <a:fontRef idx="minor">
-            <a:schemeClr val="tx1"/>
-          </a:fontRef>
-        </p:style>
-      </p:cxnSp>
-      <p:sp>
-        <p:nvSpPr>
-          <p:cNvPr id="47" name="Rectangle 46"/>
-          <p:cNvSpPr/>
-          <p:nvPr/>
-        </p:nvSpPr>
-        <p:spPr>
-          <a:xfrm>
-            <a:off x="1561795" y="897753"/>
-            <a:ext cx="729695" cy="315705"/>
-          </a:xfrm>
-          <a:prstGeom prst="rect">
-            <a:avLst/>
-          </a:prstGeom>
-          <a:solidFill>
-            <a:srgbClr val="FFFFCC"/>
-          </a:solidFill>
-          <a:ln w="12700">
-            <a:solidFill>
-              <a:schemeClr val="tx1"/>
-            </a:solidFill>
-          </a:ln>
-        </p:spPr>
-        <p:style>
-          <a:lnRef idx="2">
-            <a:schemeClr val="accent1">
-              <a:shade val="50000"/>
-            </a:schemeClr>
-          </a:lnRef>
-          <a:fillRef idx="1">
-            <a:schemeClr val="accent1"/>
-          </a:fillRef>
-          <a:effectRef idx="0">
-            <a:schemeClr val="accent1"/>
-          </a:effectRef>
-          <a:fontRef idx="minor">
-            <a:schemeClr val="lt1"/>
-          </a:fontRef>
-        </p:style>
-        <p:txBody>
-          <a:bodyPr rtlCol="0" anchor="ctr"/>
-          <a:lstStyle/>
-          <a:p>
-            <a:pPr algn="ctr"/>
-            <a:r>
-              <a:rPr lang="en-US" sz="900" dirty="0" smtClean="0">
-                <a:solidFill>
-                  <a:schemeClr val="tx1"/>
-                </a:solidFill>
-                <a:latin typeface="Times New Roman" pitchFamily="18" charset="0"/>
-                <a:cs typeface="Times New Roman" pitchFamily="18" charset="0"/>
-              </a:rPr>
-              <a:t>Dataflow Flags</a:t>
-            </a:r>
-          </a:p>
-        </p:txBody>
-      </p:sp>
       <p:cxnSp>
         <p:nvCxnSpPr>
           <p:cNvPr id="54" name="Straight Arrow Connector 53"/>
@@ -7529,9 +8062,9 @@
           <p:nvPr/>
         </p:nvCxnSpPr>
         <p:spPr>
-          <a:xfrm>
-            <a:off x="793695" y="362362"/>
-            <a:ext cx="154935" cy="0"/>
+          <a:xfrm flipV="1">
+            <a:off x="870505" y="362360"/>
+            <a:ext cx="576075" cy="2"/>
           </a:xfrm>
           <a:prstGeom prst="straightConnector1">
             <a:avLst/>
@@ -7570,7 +8103,7 @@
         </p:nvCxnSpPr>
         <p:spPr>
           <a:xfrm>
-            <a:off x="428848" y="678066"/>
+            <a:off x="467253" y="678066"/>
             <a:ext cx="0" cy="219688"/>
           </a:xfrm>
           <a:prstGeom prst="straightConnector1">
@@ -7608,7 +8141,7 @@
         <p:spPr>
           <a:xfrm>
             <a:off x="64000" y="897754"/>
-            <a:ext cx="729695" cy="315705"/>
+            <a:ext cx="806505" cy="315705"/>
           </a:xfrm>
           <a:prstGeom prst="rect">
             <a:avLst/>
@@ -7667,7 +8200,7 @@
         </p:nvCxnSpPr>
         <p:spPr>
           <a:xfrm>
-            <a:off x="2809958" y="678064"/>
+            <a:off x="2771553" y="678064"/>
             <a:ext cx="0" cy="219690"/>
           </a:xfrm>
           <a:prstGeom prst="straightConnector1">
@@ -7704,8 +8237,8 @@
         </p:nvSpPr>
         <p:spPr>
           <a:xfrm>
-            <a:off x="2445110" y="897754"/>
-            <a:ext cx="729695" cy="315705"/>
+            <a:off x="2368300" y="897754"/>
+            <a:ext cx="806505" cy="315705"/>
           </a:xfrm>
           <a:prstGeom prst="rect">
             <a:avLst/>
@@ -7761,8 +8294,8 @@
         </p:nvSpPr>
         <p:spPr>
           <a:xfrm>
-            <a:off x="2445110" y="46657"/>
-            <a:ext cx="729695" cy="631407"/>
+            <a:off x="2368300" y="46657"/>
+            <a:ext cx="806505" cy="631407"/>
           </a:xfrm>
           <a:prstGeom prst="rect">
             <a:avLst/>
@@ -7819,7 +8352,7 @@
         <p:spPr>
           <a:xfrm>
             <a:off x="64000" y="46658"/>
-            <a:ext cx="729695" cy="631408"/>
+            <a:ext cx="806505" cy="631408"/>
           </a:xfrm>
           <a:prstGeom prst="rect">
             <a:avLst/>
@@ -7888,8 +8421,8 @@
         </p:nvSpPr>
         <p:spPr>
           <a:xfrm>
-            <a:off x="948630" y="224498"/>
-            <a:ext cx="459545" cy="275727"/>
+            <a:off x="1446580" y="224496"/>
+            <a:ext cx="652885" cy="275727"/>
           </a:xfrm>
           <a:prstGeom prst="rect">
             <a:avLst/>
@@ -7944,50 +8477,69 @@
           </a:p>
         </p:txBody>
       </p:sp>
-      <p:cxnSp>
-        <p:nvCxnSpPr>
-          <p:cNvPr id="37" name="Straight Arrow Connector 36"/>
-          <p:cNvCxnSpPr>
-            <a:stCxn id="15" idx="3"/>
-            <a:endCxn id="45" idx="1"/>
-          </p:cNvCxnSpPr>
-          <p:nvPr/>
-        </p:nvCxnSpPr>
-        <p:spPr>
-          <a:xfrm flipV="1">
-            <a:off x="1408175" y="362361"/>
-            <a:ext cx="153620" cy="1"/>
-          </a:xfrm>
-          <a:prstGeom prst="straightConnector1">
-            <a:avLst/>
-          </a:prstGeom>
-          <a:ln w="19050">
-            <a:solidFill>
-              <a:schemeClr val="tx1"/>
-            </a:solidFill>
-            <a:headEnd w="sm" len="sm"/>
-            <a:tailEnd type="arrow" w="sm" len="sm"/>
-          </a:ln>
-        </p:spPr>
-        <p:style>
-          <a:lnRef idx="1">
-            <a:schemeClr val="accent1"/>
-          </a:lnRef>
-          <a:fillRef idx="0">
-            <a:schemeClr val="accent1"/>
-          </a:fillRef>
-          <a:effectRef idx="0">
-            <a:schemeClr val="accent1"/>
-          </a:effectRef>
-          <a:fontRef idx="minor">
-            <a:schemeClr val="tx1"/>
-          </a:fontRef>
-        </p:style>
-      </p:cxnSp>
+      <p:sp>
+        <p:nvSpPr>
+          <p:cNvPr id="20" name="Rectangle 19"/>
+          <p:cNvSpPr/>
+          <p:nvPr/>
+        </p:nvSpPr>
+        <p:spPr>
+          <a:xfrm>
+            <a:off x="818975" y="0"/>
+            <a:ext cx="781225" cy="413589"/>
+          </a:xfrm>
+          <a:prstGeom prst="rect">
+            <a:avLst/>
+          </a:prstGeom>
+          <a:noFill/>
+          <a:ln>
+            <a:noFill/>
+          </a:ln>
+        </p:spPr>
+        <p:style>
+          <a:lnRef idx="2">
+            <a:schemeClr val="accent2">
+              <a:shade val="50000"/>
+            </a:schemeClr>
+          </a:lnRef>
+          <a:fillRef idx="1">
+            <a:schemeClr val="accent2"/>
+          </a:fillRef>
+          <a:effectRef idx="0">
+            <a:schemeClr val="accent2"/>
+          </a:effectRef>
+          <a:fontRef idx="minor">
+            <a:schemeClr val="lt1"/>
+          </a:fontRef>
+        </p:style>
+        <p:txBody>
+          <a:bodyPr rtlCol="0" anchor="ctr"/>
+          <a:lstStyle/>
+          <a:p>
+            <a:r>
+              <a:rPr lang="en-US" sz="900" dirty="0" smtClean="0">
+                <a:solidFill>
+                  <a:schemeClr val="tx1"/>
+                </a:solidFill>
+                <a:latin typeface="Times New Roman" pitchFamily="18" charset="0"/>
+                <a:cs typeface="Times New Roman" pitchFamily="18" charset="0"/>
+              </a:rPr>
+              <a:t>monitoring event</a:t>
+            </a:r>
+            <a:endParaRPr lang="en-US" sz="900" dirty="0">
+              <a:solidFill>
+                <a:schemeClr val="tx1"/>
+              </a:solidFill>
+              <a:latin typeface="Times New Roman" pitchFamily="18" charset="0"/>
+              <a:cs typeface="Times New Roman" pitchFamily="18" charset="0"/>
+            </a:endParaRPr>
+          </a:p>
+        </p:txBody>
+      </p:sp>
     </p:spTree>
     <p:extLst>
       <p:ext uri="{BB962C8B-B14F-4D97-AF65-F5344CB8AC3E}">
-        <p14:creationId xmlns:p14="http://schemas.microsoft.com/office/powerpoint/2010/main" val="2660475481"/>
+        <p14:creationId xmlns:p14="http://schemas.microsoft.com/office/powerpoint/2010/main" val="2005262311"/>
       </p:ext>
     </p:extLst>
   </p:cSld>
@@ -8025,8 +8577,8 @@
         </p:nvCxnSpPr>
         <p:spPr>
           <a:xfrm>
-            <a:off x="2021732" y="362361"/>
-            <a:ext cx="192945" cy="0"/>
+            <a:off x="2291490" y="362361"/>
+            <a:ext cx="153620" cy="0"/>
           </a:xfrm>
           <a:prstGeom prst="straightConnector1">
             <a:avLst/>
@@ -8062,8 +8614,8 @@
         </p:nvSpPr>
         <p:spPr>
           <a:xfrm>
-            <a:off x="1253629" y="46657"/>
-            <a:ext cx="768103" cy="631408"/>
+            <a:off x="1561795" y="46657"/>
+            <a:ext cx="729695" cy="631408"/>
           </a:xfrm>
           <a:prstGeom prst="rect">
             <a:avLst/>
@@ -8135,8 +8687,8 @@
         </p:nvCxnSpPr>
         <p:spPr>
           <a:xfrm>
-            <a:off x="1637681" y="678065"/>
-            <a:ext cx="0" cy="219689"/>
+            <a:off x="1926643" y="678065"/>
+            <a:ext cx="0" cy="219688"/>
           </a:xfrm>
           <a:prstGeom prst="straightConnector1">
             <a:avLst/>
@@ -8172,8 +8724,8 @@
         </p:nvSpPr>
         <p:spPr>
           <a:xfrm>
-            <a:off x="1253629" y="897754"/>
-            <a:ext cx="768103" cy="315705"/>
+            <a:off x="1561795" y="897753"/>
+            <a:ext cx="729695" cy="315705"/>
           </a:xfrm>
           <a:prstGeom prst="rect">
             <a:avLst/>
@@ -8226,14 +8778,14 @@
           <p:cNvPr id="54" name="Straight Arrow Connector 53"/>
           <p:cNvCxnSpPr>
             <a:stCxn id="14" idx="3"/>
-            <a:endCxn id="45" idx="1"/>
+            <a:endCxn id="15" idx="1"/>
           </p:cNvCxnSpPr>
           <p:nvPr/>
         </p:nvCxnSpPr>
         <p:spPr>
-          <a:xfrm flipV="1">
-            <a:off x="1016736" y="362361"/>
-            <a:ext cx="236893" cy="1"/>
+          <a:xfrm>
+            <a:off x="793695" y="362362"/>
+            <a:ext cx="154935" cy="0"/>
           </a:xfrm>
           <a:prstGeom prst="straightConnector1">
             <a:avLst/>
@@ -8272,8 +8824,8 @@
         </p:nvCxnSpPr>
         <p:spPr>
           <a:xfrm>
-            <a:off x="632685" y="678066"/>
-            <a:ext cx="2" cy="219688"/>
+            <a:off x="428848" y="678066"/>
+            <a:ext cx="0" cy="219688"/>
           </a:xfrm>
           <a:prstGeom prst="straightConnector1">
             <a:avLst/>
@@ -8309,8 +8861,8 @@
         </p:nvSpPr>
         <p:spPr>
           <a:xfrm>
-            <a:off x="248634" y="897754"/>
-            <a:ext cx="768106" cy="315705"/>
+            <a:off x="64000" y="897754"/>
+            <a:ext cx="729695" cy="315705"/>
           </a:xfrm>
           <a:prstGeom prst="rect">
             <a:avLst/>
@@ -8369,8 +8921,8 @@
         </p:nvCxnSpPr>
         <p:spPr>
           <a:xfrm>
-            <a:off x="2598729" y="678064"/>
-            <a:ext cx="1" cy="219690"/>
+            <a:off x="2809958" y="678064"/>
+            <a:ext cx="0" cy="219690"/>
           </a:xfrm>
           <a:prstGeom prst="straightConnector1">
             <a:avLst/>
@@ -8406,8 +8958,8 @@
         </p:nvSpPr>
         <p:spPr>
           <a:xfrm>
-            <a:off x="2214679" y="897754"/>
-            <a:ext cx="768101" cy="315705"/>
+            <a:off x="2445110" y="897754"/>
+            <a:ext cx="729695" cy="315705"/>
           </a:xfrm>
           <a:prstGeom prst="rect">
             <a:avLst/>
@@ -8463,8 +9015,8 @@
         </p:nvSpPr>
         <p:spPr>
           <a:xfrm>
-            <a:off x="2214677" y="46657"/>
-            <a:ext cx="768103" cy="631407"/>
+            <a:off x="2445110" y="46657"/>
+            <a:ext cx="729695" cy="631407"/>
           </a:xfrm>
           <a:prstGeom prst="rect">
             <a:avLst/>
@@ -8520,8 +9072,8 @@
         </p:nvSpPr>
         <p:spPr>
           <a:xfrm>
-            <a:off x="248633" y="46658"/>
-            <a:ext cx="768103" cy="631408"/>
+            <a:off x="64000" y="46658"/>
+            <a:ext cx="729695" cy="631408"/>
           </a:xfrm>
           <a:prstGeom prst="rect">
             <a:avLst/>
@@ -8582,10 +9134,114 @@
           </a:p>
         </p:txBody>
       </p:sp>
+      <p:sp>
+        <p:nvSpPr>
+          <p:cNvPr id="15" name="Rectangle 14"/>
+          <p:cNvSpPr/>
+          <p:nvPr/>
+        </p:nvSpPr>
+        <p:spPr>
+          <a:xfrm>
+            <a:off x="948630" y="224498"/>
+            <a:ext cx="459545" cy="275727"/>
+          </a:xfrm>
+          <a:prstGeom prst="rect">
+            <a:avLst/>
+          </a:prstGeom>
+          <a:solidFill>
+            <a:srgbClr val="66CCFF"/>
+          </a:solidFill>
+          <a:ln w="12700">
+            <a:solidFill>
+              <a:schemeClr val="tx1"/>
+            </a:solidFill>
+          </a:ln>
+        </p:spPr>
+        <p:style>
+          <a:lnRef idx="2">
+            <a:schemeClr val="accent1">
+              <a:shade val="50000"/>
+            </a:schemeClr>
+          </a:lnRef>
+          <a:fillRef idx="1">
+            <a:schemeClr val="accent1"/>
+          </a:fillRef>
+          <a:effectRef idx="0">
+            <a:schemeClr val="accent1"/>
+          </a:effectRef>
+          <a:fontRef idx="minor">
+            <a:schemeClr val="lt1"/>
+          </a:fontRef>
+        </p:style>
+        <p:txBody>
+          <a:bodyPr rtlCol="0" anchor="ctr"/>
+          <a:lstStyle/>
+          <a:p>
+            <a:pPr algn="ctr"/>
+            <a:r>
+              <a:rPr lang="en-US" sz="900" dirty="0" smtClean="0">
+                <a:solidFill>
+                  <a:schemeClr val="tx1"/>
+                </a:solidFill>
+                <a:latin typeface="Times New Roman" pitchFamily="18" charset="0"/>
+                <a:cs typeface="Times New Roman" pitchFamily="18" charset="0"/>
+              </a:rPr>
+              <a:t>FIFO</a:t>
+            </a:r>
+            <a:endParaRPr lang="en-US" sz="900" dirty="0">
+              <a:solidFill>
+                <a:schemeClr val="tx1"/>
+              </a:solidFill>
+              <a:latin typeface="Times New Roman" pitchFamily="18" charset="0"/>
+              <a:cs typeface="Times New Roman" pitchFamily="18" charset="0"/>
+            </a:endParaRPr>
+          </a:p>
+        </p:txBody>
+      </p:sp>
+      <p:cxnSp>
+        <p:nvCxnSpPr>
+          <p:cNvPr id="37" name="Straight Arrow Connector 36"/>
+          <p:cNvCxnSpPr>
+            <a:stCxn id="15" idx="3"/>
+            <a:endCxn id="45" idx="1"/>
+          </p:cNvCxnSpPr>
+          <p:nvPr/>
+        </p:nvCxnSpPr>
+        <p:spPr>
+          <a:xfrm flipV="1">
+            <a:off x="1408175" y="362361"/>
+            <a:ext cx="153620" cy="1"/>
+          </a:xfrm>
+          <a:prstGeom prst="straightConnector1">
+            <a:avLst/>
+          </a:prstGeom>
+          <a:ln w="19050">
+            <a:solidFill>
+              <a:schemeClr val="tx1"/>
+            </a:solidFill>
+            <a:headEnd w="sm" len="sm"/>
+            <a:tailEnd type="arrow" w="sm" len="sm"/>
+          </a:ln>
+        </p:spPr>
+        <p:style>
+          <a:lnRef idx="1">
+            <a:schemeClr val="accent1"/>
+          </a:lnRef>
+          <a:fillRef idx="0">
+            <a:schemeClr val="accent1"/>
+          </a:fillRef>
+          <a:effectRef idx="0">
+            <a:schemeClr val="accent1"/>
+          </a:effectRef>
+          <a:fontRef idx="minor">
+            <a:schemeClr val="tx1"/>
+          </a:fontRef>
+        </p:style>
+      </p:cxnSp>
     </p:spTree>
     <p:extLst>
       <p:ext uri="{BB962C8B-B14F-4D97-AF65-F5344CB8AC3E}">
-        <p14:creationId xmlns:p14="http://schemas.microsoft.com/office/powerpoint/2010/main" val="3546894081"/>
+        <p14:creationId xmlns:p14="http://schemas.microsoft.com/office/powerpoint/2010/main" val="2660475481"/>
       </p:ext>
     </p:extLst>
   </p:cSld>
@@ -8612,6 +9268,46 @@
           <a:chExt cx="0" cy="0"/>
         </a:xfrm>
       </p:grpSpPr>
+      <p:cxnSp>
+        <p:nvCxnSpPr>
+          <p:cNvPr id="44" name="Straight Arrow Connector 43"/>
+          <p:cNvCxnSpPr>
+            <a:stCxn id="45" idx="3"/>
+            <a:endCxn id="13" idx="1"/>
+          </p:cNvCxnSpPr>
+          <p:nvPr/>
+        </p:nvCxnSpPr>
+        <p:spPr>
+          <a:xfrm>
+            <a:off x="2021732" y="362361"/>
+            <a:ext cx="192945" cy="0"/>
+          </a:xfrm>
+          <a:prstGeom prst="straightConnector1">
+            <a:avLst/>
+          </a:prstGeom>
+          <a:ln w="19050">
+            <a:solidFill>
+              <a:schemeClr val="tx1"/>
+            </a:solidFill>
+            <a:headEnd w="sm" len="sm"/>
+            <a:tailEnd type="arrow" w="sm" len="sm"/>
+          </a:ln>
+        </p:spPr>
+        <p:style>
+          <a:lnRef idx="1">
+            <a:schemeClr val="accent1"/>
+          </a:lnRef>
+          <a:fillRef idx="0">
+            <a:schemeClr val="accent1"/>
+          </a:fillRef>
+          <a:effectRef idx="0">
+            <a:schemeClr val="accent1"/>
+          </a:effectRef>
+          <a:fontRef idx="minor">
+            <a:schemeClr val="tx1"/>
+          </a:fontRef>
+        </p:style>
+      </p:cxnSp>
       <p:sp>
         <p:nvSpPr>
           <p:cNvPr id="45" name="Rectangle 44"/>
@@ -8620,8 +9316,8 @@
         </p:nvSpPr>
         <p:spPr>
           <a:xfrm>
-            <a:off x="1327496" y="890609"/>
-            <a:ext cx="1028737" cy="268835"/>
+            <a:off x="1253629" y="46657"/>
+            <a:ext cx="768103" cy="631408"/>
           </a:xfrm>
           <a:prstGeom prst="rect">
             <a:avLst/>
@@ -8664,7 +9360,117 @@
                 <a:latin typeface="Times New Roman" pitchFamily="18" charset="0"/>
                 <a:cs typeface="Times New Roman" pitchFamily="18" charset="0"/>
               </a:rPr>
-              <a:t>Dataflow Engine</a:t>
+              <a:t>Dataflow</a:t>
+            </a:r>
+          </a:p>
+          <a:p>
+            <a:pPr algn="ctr"/>
+            <a:r>
+              <a:rPr lang="en-US" sz="900" dirty="0" smtClean="0">
+                <a:solidFill>
+                  <a:schemeClr val="tx1"/>
+                </a:solidFill>
+                <a:latin typeface="Times New Roman" pitchFamily="18" charset="0"/>
+                <a:cs typeface="Times New Roman" pitchFamily="18" charset="0"/>
+              </a:rPr>
+              <a:t>Engine</a:t>
+            </a:r>
+          </a:p>
+        </p:txBody>
+      </p:sp>
+      <p:cxnSp>
+        <p:nvCxnSpPr>
+          <p:cNvPr id="46" name="Straight Arrow Connector 45"/>
+          <p:cNvCxnSpPr>
+            <a:stCxn id="45" idx="2"/>
+            <a:endCxn id="47" idx="0"/>
+          </p:cNvCxnSpPr>
+          <p:nvPr/>
+        </p:nvCxnSpPr>
+        <p:spPr>
+          <a:xfrm>
+            <a:off x="1637681" y="678065"/>
+            <a:ext cx="0" cy="219689"/>
+          </a:xfrm>
+          <a:prstGeom prst="straightConnector1">
+            <a:avLst/>
+          </a:prstGeom>
+          <a:ln w="19050">
+            <a:solidFill>
+              <a:schemeClr val="tx1"/>
+            </a:solidFill>
+            <a:headEnd type="arrow" w="sm" len="sm"/>
+            <a:tailEnd type="arrow" w="sm" len="sm"/>
+          </a:ln>
+        </p:spPr>
+        <p:style>
+          <a:lnRef idx="1">
+            <a:schemeClr val="accent1"/>
+          </a:lnRef>
+          <a:fillRef idx="0">
+            <a:schemeClr val="accent1"/>
+          </a:fillRef>
+          <a:effectRef idx="0">
+            <a:schemeClr val="accent1"/>
+          </a:effectRef>
+          <a:fontRef idx="minor">
+            <a:schemeClr val="tx1"/>
+          </a:fontRef>
+        </p:style>
+      </p:cxnSp>
+      <p:sp>
+        <p:nvSpPr>
+          <p:cNvPr id="47" name="Rectangle 46"/>
+          <p:cNvSpPr/>
+          <p:nvPr/>
+        </p:nvSpPr>
+        <p:spPr>
+          <a:xfrm>
+            <a:off x="1253629" y="897754"/>
+            <a:ext cx="768103" cy="315705"/>
+          </a:xfrm>
+          <a:prstGeom prst="rect">
+            <a:avLst/>
+          </a:prstGeom>
+          <a:solidFill>
+            <a:srgbClr val="FFFFCC"/>
+          </a:solidFill>
+          <a:ln w="12700">
+            <a:solidFill>
+              <a:schemeClr val="tx1"/>
+            </a:solidFill>
+          </a:ln>
+        </p:spPr>
+        <p:style>
+          <a:lnRef idx="2">
+            <a:schemeClr val="accent1">
+              <a:shade val="50000"/>
+            </a:schemeClr>
+          </a:lnRef>
+          <a:fillRef idx="1">
+            <a:schemeClr val="accent1"/>
+          </a:fillRef>
+          <a:effectRef idx="0">
+            <a:schemeClr val="accent1"/>
+          </a:effectRef>
+          <a:fontRef idx="minor">
+            <a:schemeClr val="lt1"/>
+          </a:fontRef>
+        </p:style>
+        <p:txBody>
+          <a:bodyPr rtlCol="0" anchor="ctr"/>
+          <a:lstStyle/>
+          <a:p>
+            <a:pPr algn="ctr"/>
+            <a:r>
+              <a:rPr lang="en-US" sz="900" dirty="0" smtClean="0">
+                <a:solidFill>
+                  <a:schemeClr val="tx1"/>
+                </a:solidFill>
+                <a:latin typeface="Times New Roman" pitchFamily="18" charset="0"/>
+                <a:cs typeface="Times New Roman" pitchFamily="18" charset="0"/>
+              </a:rPr>
+              <a:t>Dataflow Flags</a:t>
             </a:r>
           </a:p>
         </p:txBody>
@@ -8673,14 +9479,15 @@
         <p:nvCxnSpPr>
           <p:cNvPr id="54" name="Straight Arrow Connector 53"/>
           <p:cNvCxnSpPr>
-            <a:endCxn id="18" idx="1"/>
+            <a:stCxn id="14" idx="3"/>
+            <a:endCxn id="45" idx="1"/>
           </p:cNvCxnSpPr>
           <p:nvPr/>
         </p:nvCxnSpPr>
         <p:spPr>
           <a:xfrm flipV="1">
-            <a:off x="223891" y="177461"/>
-            <a:ext cx="500459" cy="254"/>
+            <a:off x="1016736" y="362361"/>
+            <a:ext cx="236893" cy="1"/>
           </a:xfrm>
           <a:prstGeom prst="straightConnector1">
             <a:avLst/>
@@ -8708,6 +9515,200 @@
           </a:fontRef>
         </p:style>
       </p:cxnSp>
+      <p:cxnSp>
+        <p:nvCxnSpPr>
+          <p:cNvPr id="68" name="Straight Arrow Connector 67"/>
+          <p:cNvCxnSpPr>
+            <a:stCxn id="14" idx="2"/>
+            <a:endCxn id="70" idx="0"/>
+          </p:cNvCxnSpPr>
+          <p:nvPr/>
+        </p:nvCxnSpPr>
+        <p:spPr>
+          <a:xfrm>
+            <a:off x="632685" y="678066"/>
+            <a:ext cx="2" cy="219688"/>
+          </a:xfrm>
+          <a:prstGeom prst="straightConnector1">
+            <a:avLst/>
+          </a:prstGeom>
+          <a:ln w="19050">
+            <a:solidFill>
+              <a:schemeClr val="tx1"/>
+            </a:solidFill>
+            <a:headEnd type="arrow" w="sm" len="sm"/>
+            <a:tailEnd type="arrow" w="sm" len="sm"/>
+          </a:ln>
+        </p:spPr>
+        <p:style>
+          <a:lnRef idx="1">
+            <a:schemeClr val="accent1"/>
+          </a:lnRef>
+          <a:fillRef idx="0">
+            <a:schemeClr val="accent1"/>
+          </a:fillRef>
+          <a:effectRef idx="0">
+            <a:schemeClr val="accent1"/>
+          </a:effectRef>
+          <a:fontRef idx="minor">
+            <a:schemeClr val="tx1"/>
+          </a:fontRef>
+        </p:style>
+      </p:cxnSp>
+      <p:sp>
+        <p:nvSpPr>
+          <p:cNvPr id="70" name="Rectangle 69"/>
+          <p:cNvSpPr/>
+          <p:nvPr/>
+        </p:nvSpPr>
+        <p:spPr>
+          <a:xfrm>
+            <a:off x="248634" y="897754"/>
+            <a:ext cx="768106" cy="315705"/>
+          </a:xfrm>
+          <a:prstGeom prst="rect">
+            <a:avLst/>
+          </a:prstGeom>
+          <a:solidFill>
+            <a:srgbClr val="66CCFF"/>
+          </a:solidFill>
+          <a:ln w="12700">
+            <a:solidFill>
+              <a:schemeClr val="tx1"/>
+            </a:solidFill>
+          </a:ln>
+        </p:spPr>
+        <p:style>
+          <a:lnRef idx="2">
+            <a:schemeClr val="accent1">
+              <a:shade val="50000"/>
+            </a:schemeClr>
+          </a:lnRef>
+          <a:fillRef idx="1">
+            <a:schemeClr val="accent1"/>
+          </a:fillRef>
+          <a:effectRef idx="0">
+            <a:schemeClr val="accent1"/>
+          </a:effectRef>
+          <a:fontRef idx="minor">
+            <a:schemeClr val="lt1"/>
+          </a:fontRef>
+        </p:style>
+        <p:txBody>
+          <a:bodyPr rtlCol="0" anchor="ctr"/>
+          <a:lstStyle/>
+          <a:p>
+            <a:pPr algn="ctr"/>
+            <a:r>
+              <a:rPr lang="en-US" sz="900" dirty="0" smtClean="0">
+                <a:solidFill>
+                  <a:schemeClr val="tx1"/>
+                </a:solidFill>
+                <a:latin typeface="Times New Roman" pitchFamily="18" charset="0"/>
+                <a:cs typeface="Times New Roman" pitchFamily="18" charset="0"/>
+              </a:rPr>
+              <a:t>Program State</a:t>
+            </a:r>
+          </a:p>
+        </p:txBody>
+      </p:sp>
+      <p:cxnSp>
+        <p:nvCxnSpPr>
+          <p:cNvPr id="75" name="Straight Arrow Connector 74"/>
+          <p:cNvCxnSpPr>
+            <a:stCxn id="13" idx="2"/>
+            <a:endCxn id="77" idx="0"/>
+          </p:cNvCxnSpPr>
+          <p:nvPr/>
+        </p:nvCxnSpPr>
+        <p:spPr>
+          <a:xfrm>
+            <a:off x="2598729" y="678064"/>
+            <a:ext cx="1" cy="219690"/>
+          </a:xfrm>
+          <a:prstGeom prst="straightConnector1">
+            <a:avLst/>
+          </a:prstGeom>
+          <a:ln w="19050">
+            <a:solidFill>
+              <a:schemeClr val="tx1"/>
+            </a:solidFill>
+            <a:headEnd type="arrow" w="sm" len="sm"/>
+            <a:tailEnd type="arrow" w="sm" len="sm"/>
+          </a:ln>
+        </p:spPr>
+        <p:style>
+          <a:lnRef idx="1">
+            <a:schemeClr val="accent1"/>
+          </a:lnRef>
+          <a:fillRef idx="0">
+            <a:schemeClr val="accent1"/>
+          </a:fillRef>
+          <a:effectRef idx="0">
+            <a:schemeClr val="accent1"/>
+          </a:effectRef>
+          <a:fontRef idx="minor">
+            <a:schemeClr val="tx1"/>
+          </a:fontRef>
+        </p:style>
+      </p:cxnSp>
+      <p:sp>
+        <p:nvSpPr>
+          <p:cNvPr id="77" name="Rectangle 76"/>
+          <p:cNvSpPr/>
+          <p:nvPr/>
+        </p:nvSpPr>
+        <p:spPr>
+          <a:xfrm>
+            <a:off x="2214679" y="897754"/>
+            <a:ext cx="768101" cy="315705"/>
+          </a:xfrm>
+          <a:prstGeom prst="rect">
+            <a:avLst/>
+          </a:prstGeom>
+          <a:solidFill>
+            <a:srgbClr val="66CCFF"/>
+          </a:solidFill>
+          <a:ln w="12700">
+            <a:solidFill>
+              <a:schemeClr val="tx1"/>
+            </a:solidFill>
+          </a:ln>
+        </p:spPr>
+        <p:style>
+          <a:lnRef idx="2">
+            <a:schemeClr val="accent1">
+              <a:shade val="50000"/>
+            </a:schemeClr>
+          </a:lnRef>
+          <a:fillRef idx="1">
+            <a:schemeClr val="accent1"/>
+          </a:fillRef>
+          <a:effectRef idx="0">
+            <a:schemeClr val="accent1"/>
+          </a:effectRef>
+          <a:fontRef idx="minor">
+            <a:schemeClr val="lt1"/>
+          </a:fontRef>
+        </p:style>
+        <p:txBody>
+          <a:bodyPr rtlCol="0" anchor="ctr"/>
+          <a:lstStyle/>
+          <a:p>
+            <a:pPr algn="ctr"/>
+            <a:r>
+              <a:rPr lang="en-US" sz="900" dirty="0" smtClean="0">
+                <a:solidFill>
+                  <a:schemeClr val="tx1"/>
+                </a:solidFill>
+                <a:latin typeface="Times New Roman" pitchFamily="18" charset="0"/>
+                <a:cs typeface="Times New Roman" pitchFamily="18" charset="0"/>
+              </a:rPr>
+              <a:t>Metadata</a:t>
+            </a:r>
+          </a:p>
+        </p:txBody>
+      </p:sp>
       <p:sp>
         <p:nvSpPr>
           <p:cNvPr id="13" name="Rectangle 12"/>
@@ -8715,9 +9716,9 @@
           <p:nvPr/>
         </p:nvSpPr>
         <p:spPr>
-          <a:xfrm rot="16200000">
-            <a:off x="2472689" y="450680"/>
-            <a:ext cx="1138886" cy="278641"/>
+          <a:xfrm>
+            <a:off x="2214677" y="46657"/>
+            <a:ext cx="768103" cy="631407"/>
           </a:xfrm>
           <a:prstGeom prst="rect">
             <a:avLst/>
@@ -8772,9 +9773,9 @@
           <p:nvPr/>
         </p:nvSpPr>
         <p:spPr>
-          <a:xfrm rot="16200000">
-            <a:off x="-414460" y="450556"/>
-            <a:ext cx="1139141" cy="278638"/>
+          <a:xfrm>
+            <a:off x="248633" y="46658"/>
+            <a:ext cx="768103" cy="631408"/>
           </a:xfrm>
           <a:prstGeom prst="rect">
             <a:avLst/>
@@ -8835,898 +9836,10 @@
           </a:p>
         </p:txBody>
       </p:sp>
-      <p:sp>
-        <p:nvSpPr>
-          <p:cNvPr id="17" name="Rectangle 16"/>
-          <p:cNvSpPr/>
-          <p:nvPr/>
-        </p:nvSpPr>
-        <p:spPr>
-          <a:xfrm>
-            <a:off x="724350" y="438911"/>
-            <a:ext cx="453395" cy="259674"/>
-          </a:xfrm>
-          <a:prstGeom prst="rect">
-            <a:avLst/>
-          </a:prstGeom>
-          <a:solidFill>
-            <a:srgbClr val="FFFFCC"/>
-          </a:solidFill>
-          <a:ln w="12700">
-            <a:solidFill>
-              <a:schemeClr val="tx1"/>
-            </a:solidFill>
-          </a:ln>
-        </p:spPr>
-        <p:style>
-          <a:lnRef idx="2">
-            <a:schemeClr val="accent1">
-              <a:shade val="50000"/>
-            </a:schemeClr>
-          </a:lnRef>
-          <a:fillRef idx="1">
-            <a:schemeClr val="accent1"/>
-          </a:fillRef>
-          <a:effectRef idx="0">
-            <a:schemeClr val="accent1"/>
-          </a:effectRef>
-          <a:fontRef idx="minor">
-            <a:schemeClr val="lt1"/>
-          </a:fontRef>
-        </p:style>
-        <p:txBody>
-          <a:bodyPr rtlCol="0" anchor="ctr"/>
-          <a:lstStyle/>
-          <a:p>
-            <a:pPr algn="ctr"/>
-            <a:r>
-              <a:rPr lang="en-US" sz="900" dirty="0" smtClean="0">
-                <a:solidFill>
-                  <a:schemeClr val="tx1"/>
-                </a:solidFill>
-                <a:latin typeface="Times New Roman" pitchFamily="18" charset="0"/>
-                <a:cs typeface="Times New Roman" pitchFamily="18" charset="0"/>
-              </a:rPr>
-              <a:t>FIFO</a:t>
-            </a:r>
-          </a:p>
-        </p:txBody>
-      </p:sp>
-      <p:sp>
-        <p:nvSpPr>
-          <p:cNvPr id="18" name="Rectangle 17"/>
-          <p:cNvSpPr/>
-          <p:nvPr/>
-        </p:nvSpPr>
-        <p:spPr>
-          <a:xfrm>
-            <a:off x="724350" y="20814"/>
-            <a:ext cx="651851" cy="313294"/>
-          </a:xfrm>
-          <a:prstGeom prst="rect">
-            <a:avLst/>
-          </a:prstGeom>
-          <a:solidFill>
-            <a:srgbClr val="FFFFCC"/>
-          </a:solidFill>
-          <a:ln w="12700">
-            <a:solidFill>
-              <a:schemeClr val="tx1"/>
-            </a:solidFill>
-          </a:ln>
-        </p:spPr>
-        <p:style>
-          <a:lnRef idx="2">
-            <a:schemeClr val="accent1">
-              <a:shade val="50000"/>
-            </a:schemeClr>
-          </a:lnRef>
-          <a:fillRef idx="1">
-            <a:schemeClr val="accent1"/>
-          </a:fillRef>
-          <a:effectRef idx="0">
-            <a:schemeClr val="accent1"/>
-          </a:effectRef>
-          <a:fontRef idx="minor">
-            <a:schemeClr val="lt1"/>
-          </a:fontRef>
-        </p:style>
-        <p:txBody>
-          <a:bodyPr rtlCol="0" anchor="ctr"/>
-          <a:lstStyle/>
-          <a:p>
-            <a:pPr algn="ctr"/>
-            <a:r>
-              <a:rPr lang="en-US" sz="900" dirty="0" smtClean="0">
-                <a:solidFill>
-                  <a:schemeClr val="tx1"/>
-                </a:solidFill>
-                <a:latin typeface="Times New Roman" pitchFamily="18" charset="0"/>
-                <a:cs typeface="Times New Roman" pitchFamily="18" charset="0"/>
-              </a:rPr>
-              <a:t>Slack Tracking</a:t>
-            </a:r>
-          </a:p>
-        </p:txBody>
-      </p:sp>
-      <p:sp>
-        <p:nvSpPr>
-          <p:cNvPr id="19" name="Rectangle 18"/>
-          <p:cNvSpPr/>
-          <p:nvPr/>
-        </p:nvSpPr>
-        <p:spPr>
-          <a:xfrm>
-            <a:off x="1938106" y="438911"/>
-            <a:ext cx="418127" cy="259513"/>
-          </a:xfrm>
-          <a:prstGeom prst="rect">
-            <a:avLst/>
-          </a:prstGeom>
-          <a:solidFill>
-            <a:srgbClr val="FFFFCC"/>
-          </a:solidFill>
-          <a:ln w="12700">
-            <a:solidFill>
-              <a:schemeClr val="tx1"/>
-            </a:solidFill>
-          </a:ln>
-        </p:spPr>
-        <p:style>
-          <a:lnRef idx="2">
-            <a:schemeClr val="accent1">
-              <a:shade val="50000"/>
-            </a:schemeClr>
-          </a:lnRef>
-          <a:fillRef idx="1">
-            <a:schemeClr val="accent1"/>
-          </a:fillRef>
-          <a:effectRef idx="0">
-            <a:schemeClr val="accent1"/>
-          </a:effectRef>
-          <a:fontRef idx="minor">
-            <a:schemeClr val="lt1"/>
-          </a:fontRef>
-        </p:style>
-        <p:txBody>
-          <a:bodyPr rtlCol="0" anchor="ctr"/>
-          <a:lstStyle/>
-          <a:p>
-            <a:pPr algn="ctr"/>
-            <a:r>
-              <a:rPr lang="en-US" sz="900" dirty="0" smtClean="0">
-                <a:solidFill>
-                  <a:schemeClr val="tx1"/>
-                </a:solidFill>
-                <a:latin typeface="Times New Roman" pitchFamily="18" charset="0"/>
-                <a:cs typeface="Times New Roman" pitchFamily="18" charset="0"/>
-              </a:rPr>
-              <a:t>Drop</a:t>
-            </a:r>
-          </a:p>
-        </p:txBody>
-      </p:sp>
-      <p:sp>
-        <p:nvSpPr>
-          <p:cNvPr id="24" name="Rectangle 23"/>
-          <p:cNvSpPr/>
-          <p:nvPr/>
-        </p:nvSpPr>
-        <p:spPr>
-          <a:xfrm>
-            <a:off x="1327496" y="16404"/>
-            <a:ext cx="423675" cy="156647"/>
-          </a:xfrm>
-          <a:prstGeom prst="rect">
-            <a:avLst/>
-          </a:prstGeom>
-          <a:noFill/>
-          <a:ln w="12700">
-            <a:noFill/>
-          </a:ln>
-        </p:spPr>
-        <p:style>
-          <a:lnRef idx="2">
-            <a:schemeClr val="accent1">
-              <a:shade val="50000"/>
-            </a:schemeClr>
-          </a:lnRef>
-          <a:fillRef idx="1">
-            <a:schemeClr val="accent1"/>
-          </a:fillRef>
-          <a:effectRef idx="0">
-            <a:schemeClr val="accent1"/>
-          </a:effectRef>
-          <a:fontRef idx="minor">
-            <a:schemeClr val="lt1"/>
-          </a:fontRef>
-        </p:style>
-        <p:txBody>
-          <a:bodyPr rtlCol="0" anchor="ctr"/>
-          <a:lstStyle/>
-          <a:p>
-            <a:pPr algn="ctr"/>
-            <a:r>
-              <a:rPr lang="en-US" sz="900" dirty="0" smtClean="0">
-                <a:solidFill>
-                  <a:schemeClr val="tx1"/>
-                </a:solidFill>
-                <a:latin typeface="Times New Roman" pitchFamily="18" charset="0"/>
-                <a:cs typeface="Times New Roman" pitchFamily="18" charset="0"/>
-              </a:rPr>
-              <a:t>slack</a:t>
-            </a:r>
-          </a:p>
-        </p:txBody>
-      </p:sp>
-      <p:cxnSp>
-        <p:nvCxnSpPr>
-          <p:cNvPr id="26" name="Straight Arrow Connector 25"/>
-          <p:cNvCxnSpPr/>
-          <p:nvPr/>
-        </p:nvCxnSpPr>
-        <p:spPr>
-          <a:xfrm>
-            <a:off x="296814" y="581034"/>
-            <a:ext cx="428728" cy="0"/>
-          </a:xfrm>
-          <a:prstGeom prst="straightConnector1">
-            <a:avLst/>
-          </a:prstGeom>
-          <a:ln w="19050">
-            <a:solidFill>
-              <a:schemeClr val="tx1"/>
-            </a:solidFill>
-            <a:headEnd w="sm" len="sm"/>
-            <a:tailEnd type="arrow" w="sm" len="sm"/>
-          </a:ln>
-        </p:spPr>
-        <p:style>
-          <a:lnRef idx="1">
-            <a:schemeClr val="accent1"/>
-          </a:lnRef>
-          <a:fillRef idx="0">
-            <a:schemeClr val="accent1"/>
-          </a:fillRef>
-          <a:effectRef idx="0">
-            <a:schemeClr val="accent1"/>
-          </a:effectRef>
-          <a:fontRef idx="minor">
-            <a:schemeClr val="tx1"/>
-          </a:fontRef>
-        </p:style>
-      </p:cxnSp>
-      <p:cxnSp>
-        <p:nvCxnSpPr>
-          <p:cNvPr id="30" name="Straight Arrow Connector 29"/>
-          <p:cNvCxnSpPr/>
-          <p:nvPr/>
-        </p:nvCxnSpPr>
-        <p:spPr>
-          <a:xfrm flipV="1">
-            <a:off x="2356233" y="583370"/>
-            <a:ext cx="544734" cy="2"/>
-          </a:xfrm>
-          <a:prstGeom prst="straightConnector1">
-            <a:avLst/>
-          </a:prstGeom>
-          <a:ln w="19050">
-            <a:solidFill>
-              <a:schemeClr val="tx1"/>
-            </a:solidFill>
-            <a:headEnd w="sm" len="sm"/>
-            <a:tailEnd type="arrow" w="sm" len="sm"/>
-          </a:ln>
-        </p:spPr>
-        <p:style>
-          <a:lnRef idx="1">
-            <a:schemeClr val="accent1"/>
-          </a:lnRef>
-          <a:fillRef idx="0">
-            <a:schemeClr val="accent1"/>
-          </a:fillRef>
-          <a:effectRef idx="0">
-            <a:schemeClr val="accent1"/>
-          </a:effectRef>
-          <a:fontRef idx="minor">
-            <a:schemeClr val="tx1"/>
-          </a:fontRef>
-        </p:style>
-      </p:cxnSp>
-      <p:sp>
-        <p:nvSpPr>
-          <p:cNvPr id="32" name="Rectangle 31"/>
-          <p:cNvSpPr/>
-          <p:nvPr/>
-        </p:nvSpPr>
-        <p:spPr>
-          <a:xfrm>
-            <a:off x="242392" y="426723"/>
-            <a:ext cx="483150" cy="156647"/>
-          </a:xfrm>
-          <a:prstGeom prst="rect">
-            <a:avLst/>
-          </a:prstGeom>
-          <a:noFill/>
-          <a:ln w="12700">
-            <a:noFill/>
-          </a:ln>
-        </p:spPr>
-        <p:style>
-          <a:lnRef idx="2">
-            <a:schemeClr val="accent1">
-              <a:shade val="50000"/>
-            </a:schemeClr>
-          </a:lnRef>
-          <a:fillRef idx="1">
-            <a:schemeClr val="accent1"/>
-          </a:fillRef>
-          <a:effectRef idx="0">
-            <a:schemeClr val="accent1"/>
-          </a:effectRef>
-          <a:fontRef idx="minor">
-            <a:schemeClr val="lt1"/>
-          </a:fontRef>
-        </p:style>
-        <p:txBody>
-          <a:bodyPr rtlCol="0" anchor="ctr"/>
-          <a:lstStyle/>
-          <a:p>
-            <a:pPr algn="ctr"/>
-            <a:r>
-              <a:rPr lang="en-US" sz="900" dirty="0" smtClean="0">
-                <a:solidFill>
-                  <a:schemeClr val="tx1"/>
-                </a:solidFill>
-                <a:latin typeface="Times New Roman" pitchFamily="18" charset="0"/>
-                <a:cs typeface="Times New Roman" pitchFamily="18" charset="0"/>
-              </a:rPr>
-              <a:t>events</a:t>
-            </a:r>
-          </a:p>
-        </p:txBody>
-      </p:sp>
-      <p:sp>
-        <p:nvSpPr>
-          <p:cNvPr id="37" name="Rectangle 36"/>
-          <p:cNvSpPr/>
-          <p:nvPr/>
-        </p:nvSpPr>
-        <p:spPr>
-          <a:xfrm>
-            <a:off x="2283989" y="320830"/>
-            <a:ext cx="689222" cy="211786"/>
-          </a:xfrm>
-          <a:prstGeom prst="rect">
-            <a:avLst/>
-          </a:prstGeom>
-          <a:noFill/>
-          <a:ln w="12700">
-            <a:noFill/>
-          </a:ln>
-        </p:spPr>
-        <p:style>
-          <a:lnRef idx="2">
-            <a:schemeClr val="accent1">
-              <a:shade val="50000"/>
-            </a:schemeClr>
-          </a:lnRef>
-          <a:fillRef idx="1">
-            <a:schemeClr val="accent1"/>
-          </a:fillRef>
-          <a:effectRef idx="0">
-            <a:schemeClr val="accent1"/>
-          </a:effectRef>
-          <a:fontRef idx="minor">
-            <a:schemeClr val="lt1"/>
-          </a:fontRef>
-        </p:style>
-        <p:txBody>
-          <a:bodyPr rtlCol="0" anchor="ctr"/>
-          <a:lstStyle/>
-          <a:p>
-            <a:pPr algn="ctr"/>
-            <a:r>
-              <a:rPr lang="en-US" sz="900" dirty="0" smtClean="0">
-                <a:solidFill>
-                  <a:schemeClr val="tx1"/>
-                </a:solidFill>
-                <a:latin typeface="Times New Roman" pitchFamily="18" charset="0"/>
-                <a:cs typeface="Times New Roman" pitchFamily="18" charset="0"/>
-              </a:rPr>
-              <a:t>monitored events</a:t>
-            </a:r>
-          </a:p>
-        </p:txBody>
-      </p:sp>
-      <p:sp>
-        <p:nvSpPr>
-          <p:cNvPr id="25" name="Rectangle 24"/>
-          <p:cNvSpPr/>
-          <p:nvPr/>
-        </p:nvSpPr>
-        <p:spPr>
-          <a:xfrm>
-            <a:off x="1327496" y="438911"/>
-            <a:ext cx="460859" cy="259513"/>
-          </a:xfrm>
-          <a:prstGeom prst="rect">
-            <a:avLst/>
-          </a:prstGeom>
-          <a:solidFill>
-            <a:srgbClr val="FFFFCC"/>
-          </a:solidFill>
-          <a:ln w="12700">
-            <a:solidFill>
-              <a:schemeClr val="tx1"/>
-            </a:solidFill>
-          </a:ln>
-        </p:spPr>
-        <p:style>
-          <a:lnRef idx="2">
-            <a:schemeClr val="accent1">
-              <a:shade val="50000"/>
-            </a:schemeClr>
-          </a:lnRef>
-          <a:fillRef idx="1">
-            <a:schemeClr val="accent1"/>
-          </a:fillRef>
-          <a:effectRef idx="0">
-            <a:schemeClr val="accent1"/>
-          </a:effectRef>
-          <a:fontRef idx="minor">
-            <a:schemeClr val="lt1"/>
-          </a:fontRef>
-        </p:style>
-        <p:txBody>
-          <a:bodyPr rtlCol="0" anchor="ctr"/>
-          <a:lstStyle/>
-          <a:p>
-            <a:pPr algn="ctr"/>
-            <a:r>
-              <a:rPr lang="en-US" sz="900" dirty="0" smtClean="0">
-                <a:solidFill>
-                  <a:schemeClr val="tx1"/>
-                </a:solidFill>
-                <a:latin typeface="Times New Roman" pitchFamily="18" charset="0"/>
-                <a:cs typeface="Times New Roman" pitchFamily="18" charset="0"/>
-              </a:rPr>
-              <a:t>Filter</a:t>
-            </a:r>
-          </a:p>
-        </p:txBody>
-      </p:sp>
-      <p:cxnSp>
-        <p:nvCxnSpPr>
-          <p:cNvPr id="39" name="Straight Arrow Connector 38"/>
-          <p:cNvCxnSpPr/>
-          <p:nvPr/>
-        </p:nvCxnSpPr>
-        <p:spPr>
-          <a:xfrm>
-            <a:off x="1177744" y="574218"/>
-            <a:ext cx="149751" cy="0"/>
-          </a:xfrm>
-          <a:prstGeom prst="straightConnector1">
-            <a:avLst/>
-          </a:prstGeom>
-          <a:ln w="19050">
-            <a:solidFill>
-              <a:schemeClr val="tx1"/>
-            </a:solidFill>
-            <a:headEnd w="sm" len="sm"/>
-            <a:tailEnd type="arrow" w="sm" len="sm"/>
-          </a:ln>
-        </p:spPr>
-        <p:style>
-          <a:lnRef idx="1">
-            <a:schemeClr val="accent1"/>
-          </a:lnRef>
-          <a:fillRef idx="0">
-            <a:schemeClr val="accent1"/>
-          </a:fillRef>
-          <a:effectRef idx="0">
-            <a:schemeClr val="accent1"/>
-          </a:effectRef>
-          <a:fontRef idx="minor">
-            <a:schemeClr val="tx1"/>
-          </a:fontRef>
-        </p:style>
-      </p:cxnSp>
-      <p:cxnSp>
-        <p:nvCxnSpPr>
-          <p:cNvPr id="42" name="Straight Arrow Connector 41"/>
-          <p:cNvCxnSpPr/>
-          <p:nvPr/>
-        </p:nvCxnSpPr>
-        <p:spPr>
-          <a:xfrm>
-            <a:off x="1788355" y="574218"/>
-            <a:ext cx="149751" cy="0"/>
-          </a:xfrm>
-          <a:prstGeom prst="straightConnector1">
-            <a:avLst/>
-          </a:prstGeom>
-          <a:ln w="19050">
-            <a:solidFill>
-              <a:schemeClr val="tx1"/>
-            </a:solidFill>
-            <a:headEnd w="sm" len="sm"/>
-            <a:tailEnd type="arrow" w="sm" len="sm"/>
-          </a:ln>
-        </p:spPr>
-        <p:style>
-          <a:lnRef idx="1">
-            <a:schemeClr val="accent1"/>
-          </a:lnRef>
-          <a:fillRef idx="0">
-            <a:schemeClr val="accent1"/>
-          </a:fillRef>
-          <a:effectRef idx="0">
-            <a:schemeClr val="accent1"/>
-          </a:effectRef>
-          <a:fontRef idx="minor">
-            <a:schemeClr val="tx1"/>
-          </a:fontRef>
-        </p:style>
-      </p:cxnSp>
-      <p:cxnSp>
-        <p:nvCxnSpPr>
-          <p:cNvPr id="46" name="Straight Arrow Connector 45"/>
-          <p:cNvCxnSpPr/>
-          <p:nvPr/>
-        </p:nvCxnSpPr>
-        <p:spPr>
-          <a:xfrm flipV="1">
-            <a:off x="1376201" y="177461"/>
-            <a:ext cx="770969" cy="508"/>
-          </a:xfrm>
-          <a:prstGeom prst="straightConnector1">
-            <a:avLst/>
-          </a:prstGeom>
-          <a:ln w="19050">
-            <a:solidFill>
-              <a:schemeClr val="tx1"/>
-            </a:solidFill>
-            <a:headEnd w="sm" len="sm"/>
-            <a:tailEnd type="none" w="sm" len="sm"/>
-          </a:ln>
-        </p:spPr>
-        <p:style>
-          <a:lnRef idx="1">
-            <a:schemeClr val="accent1"/>
-          </a:lnRef>
-          <a:fillRef idx="0">
-            <a:schemeClr val="accent1"/>
-          </a:fillRef>
-          <a:effectRef idx="0">
-            <a:schemeClr val="accent1"/>
-          </a:effectRef>
-          <a:fontRef idx="minor">
-            <a:schemeClr val="tx1"/>
-          </a:fontRef>
-        </p:style>
-      </p:cxnSp>
-      <p:cxnSp>
-        <p:nvCxnSpPr>
-          <p:cNvPr id="49" name="Straight Arrow Connector 48"/>
-          <p:cNvCxnSpPr>
-            <a:endCxn id="19" idx="0"/>
-          </p:cNvCxnSpPr>
-          <p:nvPr/>
-        </p:nvCxnSpPr>
-        <p:spPr>
-          <a:xfrm>
-            <a:off x="2147169" y="177969"/>
-            <a:ext cx="1" cy="260942"/>
-          </a:xfrm>
-          <a:prstGeom prst="straightConnector1">
-            <a:avLst/>
-          </a:prstGeom>
-          <a:ln w="19050">
-            <a:solidFill>
-              <a:schemeClr val="tx1"/>
-            </a:solidFill>
-            <a:headEnd w="sm" len="sm"/>
-            <a:tailEnd type="arrow" w="sm" len="sm"/>
-          </a:ln>
-        </p:spPr>
-        <p:style>
-          <a:lnRef idx="1">
-            <a:schemeClr val="accent1"/>
-          </a:lnRef>
-          <a:fillRef idx="0">
-            <a:schemeClr val="accent1"/>
-          </a:fillRef>
-          <a:effectRef idx="0">
-            <a:schemeClr val="accent1"/>
-          </a:effectRef>
-          <a:fontRef idx="minor">
-            <a:schemeClr val="tx1"/>
-          </a:fontRef>
-        </p:style>
-      </p:cxnSp>
-      <p:cxnSp>
-        <p:nvCxnSpPr>
-          <p:cNvPr id="60" name="Straight Arrow Connector 59"/>
-          <p:cNvCxnSpPr/>
-          <p:nvPr/>
-        </p:nvCxnSpPr>
-        <p:spPr>
-          <a:xfrm>
-            <a:off x="2147169" y="698585"/>
-            <a:ext cx="1" cy="192025"/>
-          </a:xfrm>
-          <a:prstGeom prst="straightConnector1">
-            <a:avLst/>
-          </a:prstGeom>
-          <a:ln w="19050">
-            <a:solidFill>
-              <a:schemeClr val="tx1"/>
-            </a:solidFill>
-            <a:headEnd w="sm" len="sm"/>
-            <a:tailEnd type="arrow" w="sm" len="sm"/>
-          </a:ln>
-        </p:spPr>
-        <p:style>
-          <a:lnRef idx="1">
-            <a:schemeClr val="accent1"/>
-          </a:lnRef>
-          <a:fillRef idx="0">
-            <a:schemeClr val="accent1"/>
-          </a:fillRef>
-          <a:effectRef idx="0">
-            <a:schemeClr val="accent1"/>
-          </a:effectRef>
-          <a:fontRef idx="minor">
-            <a:schemeClr val="tx1"/>
-          </a:fontRef>
-        </p:style>
-      </p:cxnSp>
-      <p:cxnSp>
-        <p:nvCxnSpPr>
-          <p:cNvPr id="21" name="Straight Arrow Connector 20"/>
-          <p:cNvCxnSpPr/>
-          <p:nvPr/>
-        </p:nvCxnSpPr>
-        <p:spPr>
-          <a:xfrm flipV="1">
-            <a:off x="1561795" y="698585"/>
-            <a:ext cx="0" cy="192025"/>
-          </a:xfrm>
-          <a:prstGeom prst="straightConnector1">
-            <a:avLst/>
-          </a:prstGeom>
-          <a:ln w="19050">
-            <a:solidFill>
-              <a:schemeClr val="tx1"/>
-            </a:solidFill>
-            <a:headEnd w="sm" len="sm"/>
-            <a:tailEnd type="arrow" w="sm" len="sm"/>
-          </a:ln>
-        </p:spPr>
-        <p:style>
-          <a:lnRef idx="1">
-            <a:schemeClr val="accent1"/>
-          </a:lnRef>
-          <a:fillRef idx="0">
-            <a:schemeClr val="accent1"/>
-          </a:fillRef>
-          <a:effectRef idx="0">
-            <a:schemeClr val="accent1"/>
-          </a:effectRef>
-          <a:fontRef idx="minor">
-            <a:schemeClr val="tx1"/>
-          </a:fontRef>
-        </p:style>
-      </p:cxnSp>
-      <p:sp>
-        <p:nvSpPr>
-          <p:cNvPr id="23" name="Rectangle 22"/>
-          <p:cNvSpPr/>
-          <p:nvPr/>
-        </p:nvSpPr>
-        <p:spPr>
-          <a:xfrm>
-            <a:off x="793695" y="698585"/>
-            <a:ext cx="847009" cy="211786"/>
-          </a:xfrm>
-          <a:prstGeom prst="rect">
-            <a:avLst/>
-          </a:prstGeom>
-          <a:noFill/>
-          <a:ln w="12700">
-            <a:noFill/>
-          </a:ln>
-        </p:spPr>
-        <p:style>
-          <a:lnRef idx="2">
-            <a:schemeClr val="accent1">
-              <a:shade val="50000"/>
-            </a:schemeClr>
-          </a:lnRef>
-          <a:fillRef idx="1">
-            <a:schemeClr val="accent1"/>
-          </a:fillRef>
-          <a:effectRef idx="0">
-            <a:schemeClr val="accent1"/>
-          </a:effectRef>
-          <a:fontRef idx="minor">
-            <a:schemeClr val="lt1"/>
-          </a:fontRef>
-        </p:style>
-        <p:txBody>
-          <a:bodyPr rtlCol="0" anchor="ctr"/>
-          <a:lstStyle/>
-          <a:p>
-            <a:pPr algn="ctr"/>
-            <a:r>
-              <a:rPr lang="en-US" sz="900" dirty="0" smtClean="0">
-                <a:solidFill>
-                  <a:schemeClr val="tx1"/>
-                </a:solidFill>
-                <a:latin typeface="Times New Roman" pitchFamily="18" charset="0"/>
-                <a:cs typeface="Times New Roman" pitchFamily="18" charset="0"/>
-              </a:rPr>
-              <a:t>filter decision</a:t>
-            </a:r>
-          </a:p>
-        </p:txBody>
-      </p:sp>
-      <p:sp>
-        <p:nvSpPr>
-          <p:cNvPr id="27" name="Rectangle 26"/>
-          <p:cNvSpPr/>
-          <p:nvPr/>
-        </p:nvSpPr>
-        <p:spPr>
-          <a:xfrm>
-            <a:off x="2109065" y="698585"/>
-            <a:ext cx="643285" cy="211786"/>
-          </a:xfrm>
-          <a:prstGeom prst="rect">
-            <a:avLst/>
-          </a:prstGeom>
-          <a:noFill/>
-          <a:ln w="12700">
-            <a:noFill/>
-          </a:ln>
-        </p:spPr>
-        <p:style>
-          <a:lnRef idx="2">
-            <a:schemeClr val="accent1">
-              <a:shade val="50000"/>
-            </a:schemeClr>
-          </a:lnRef>
-          <a:fillRef idx="1">
-            <a:schemeClr val="accent1"/>
-          </a:fillRef>
-          <a:effectRef idx="0">
-            <a:schemeClr val="accent1"/>
-          </a:effectRef>
-          <a:fontRef idx="minor">
-            <a:schemeClr val="lt1"/>
-          </a:fontRef>
-        </p:style>
-        <p:txBody>
-          <a:bodyPr rtlCol="0" anchor="ctr"/>
-          <a:lstStyle/>
-          <a:p>
-            <a:pPr algn="ctr"/>
-            <a:r>
-              <a:rPr lang="en-US" sz="900" dirty="0" smtClean="0">
-                <a:solidFill>
-                  <a:schemeClr val="tx1"/>
-                </a:solidFill>
-                <a:latin typeface="Times New Roman" pitchFamily="18" charset="0"/>
-                <a:cs typeface="Times New Roman" pitchFamily="18" charset="0"/>
-              </a:rPr>
-              <a:t>invalidate</a:t>
-            </a:r>
-          </a:p>
-        </p:txBody>
-      </p:sp>
-      <p:cxnSp>
-        <p:nvCxnSpPr>
-          <p:cNvPr id="28" name="Straight Arrow Connector 27"/>
-          <p:cNvCxnSpPr/>
-          <p:nvPr/>
-        </p:nvCxnSpPr>
-        <p:spPr>
-          <a:xfrm flipH="1">
-            <a:off x="2356235" y="1025026"/>
-            <a:ext cx="546576" cy="0"/>
-          </a:xfrm>
-          <a:prstGeom prst="straightConnector1">
-            <a:avLst/>
-          </a:prstGeom>
-          <a:ln w="19050">
-            <a:solidFill>
-              <a:schemeClr val="tx1"/>
-            </a:solidFill>
-            <a:headEnd w="sm" len="sm"/>
-            <a:tailEnd type="arrow" w="sm" len="sm"/>
-          </a:ln>
-        </p:spPr>
-        <p:style>
-          <a:lnRef idx="1">
-            <a:schemeClr val="accent1"/>
-          </a:lnRef>
-          <a:fillRef idx="0">
-            <a:schemeClr val="accent1"/>
-          </a:fillRef>
-          <a:effectRef idx="0">
-            <a:schemeClr val="accent1"/>
-          </a:effectRef>
-          <a:fontRef idx="minor">
-            <a:schemeClr val="tx1"/>
-          </a:fontRef>
-        </p:style>
-      </p:cxnSp>
-      <p:sp>
-        <p:nvSpPr>
-          <p:cNvPr id="29" name="Rectangle 28"/>
-          <p:cNvSpPr/>
-          <p:nvPr/>
-        </p:nvSpPr>
-        <p:spPr>
-          <a:xfrm>
-            <a:off x="2329926" y="986064"/>
-            <a:ext cx="643285" cy="211786"/>
-          </a:xfrm>
-          <a:prstGeom prst="rect">
-            <a:avLst/>
-          </a:prstGeom>
-          <a:noFill/>
-          <a:ln w="12700">
-            <a:noFill/>
-          </a:ln>
-        </p:spPr>
-        <p:style>
-          <a:lnRef idx="2">
-            <a:schemeClr val="accent1">
-              <a:shade val="50000"/>
-            </a:schemeClr>
-          </a:lnRef>
-          <a:fillRef idx="1">
-            <a:schemeClr val="accent1"/>
-          </a:fillRef>
-          <a:effectRef idx="0">
-            <a:schemeClr val="accent1"/>
-          </a:effectRef>
-          <a:fontRef idx="minor">
-            <a:schemeClr val="lt1"/>
-          </a:fontRef>
-        </p:style>
-        <p:txBody>
-          <a:bodyPr rtlCol="0" anchor="ctr"/>
-          <a:lstStyle/>
-          <a:p>
-            <a:pPr algn="ctr"/>
-            <a:r>
-              <a:rPr lang="en-US" sz="900" dirty="0" smtClean="0">
-                <a:solidFill>
-                  <a:schemeClr val="tx1"/>
-                </a:solidFill>
-                <a:latin typeface="Times New Roman" pitchFamily="18" charset="0"/>
-                <a:cs typeface="Times New Roman" pitchFamily="18" charset="0"/>
-              </a:rPr>
-              <a:t>non-null</a:t>
-            </a:r>
-            <a:endParaRPr lang="en-US" sz="900" dirty="0" smtClean="0">
-              <a:solidFill>
-                <a:schemeClr val="tx1"/>
-              </a:solidFill>
-              <a:latin typeface="Times New Roman" pitchFamily="18" charset="0"/>
-              <a:cs typeface="Times New Roman" pitchFamily="18" charset="0"/>
-            </a:endParaRPr>
-          </a:p>
-        </p:txBody>
-      </p:sp>
     </p:spTree>
     <p:extLst>
       <p:ext uri="{BB962C8B-B14F-4D97-AF65-F5344CB8AC3E}">
-        <p14:creationId xmlns:p14="http://schemas.microsoft.com/office/powerpoint/2010/main" val="4134314914"/>
+        <p14:creationId xmlns:p14="http://schemas.microsoft.com/office/powerpoint/2010/main" val="3546894081"/>
       </p:ext>
     </p:extLst>
   </p:cSld>
@@ -9761,8 +9874,8 @@
         </p:nvSpPr>
         <p:spPr>
           <a:xfrm>
-            <a:off x="1715414" y="548186"/>
-            <a:ext cx="654105" cy="372935"/>
+            <a:off x="1327496" y="890609"/>
+            <a:ext cx="1028737" cy="268835"/>
           </a:xfrm>
           <a:prstGeom prst="rect">
             <a:avLst/>
@@ -9805,20 +9918,7 @@
                 <a:latin typeface="Times New Roman" pitchFamily="18" charset="0"/>
                 <a:cs typeface="Times New Roman" pitchFamily="18" charset="0"/>
               </a:rPr>
-              <a:t>Dataflow</a:t>
-            </a:r>
-          </a:p>
-          <a:p>
-            <a:pPr algn="ctr"/>
-            <a:r>
-              <a:rPr lang="en-US" sz="900" dirty="0" smtClean="0">
-                <a:solidFill>
-                  <a:schemeClr val="tx1"/>
-                </a:solidFill>
-                <a:latin typeface="Times New Roman" pitchFamily="18" charset="0"/>
-                <a:cs typeface="Times New Roman" pitchFamily="18" charset="0"/>
-              </a:rPr>
-              <a:t>Engine</a:t>
+              <a:t>Dataflow Engine</a:t>
             </a:r>
           </a:p>
         </p:txBody>
@@ -9833,7 +9933,7 @@
         </p:nvCxnSpPr>
         <p:spPr>
           <a:xfrm flipV="1">
-            <a:off x="225083" y="176952"/>
+            <a:off x="223891" y="177461"/>
             <a:ext cx="500459" cy="254"/>
           </a:xfrm>
           <a:prstGeom prst="straightConnector1">
@@ -9870,8 +9970,8 @@
         </p:nvSpPr>
         <p:spPr>
           <a:xfrm rot="16200000">
-            <a:off x="2602815" y="331520"/>
-            <a:ext cx="900561" cy="278641"/>
+            <a:off x="2472689" y="450680"/>
+            <a:ext cx="1138886" cy="278641"/>
           </a:xfrm>
           <a:prstGeom prst="rect">
             <a:avLst/>
@@ -9927,8 +10027,8 @@
         </p:nvSpPr>
         <p:spPr>
           <a:xfrm rot="16200000">
-            <a:off x="-299244" y="335341"/>
-            <a:ext cx="908710" cy="278638"/>
+            <a:off x="-414460" y="450556"/>
+            <a:ext cx="1139141" cy="278638"/>
           </a:xfrm>
           <a:prstGeom prst="rect">
             <a:avLst/>
@@ -9997,8 +10097,8 @@
         </p:nvSpPr>
         <p:spPr>
           <a:xfrm>
-            <a:off x="724350" y="653075"/>
-            <a:ext cx="654105" cy="163157"/>
+            <a:off x="724350" y="438911"/>
+            <a:ext cx="453395" cy="259674"/>
           </a:xfrm>
           <a:prstGeom prst="rect">
             <a:avLst/>
@@ -10054,8 +10154,8 @@
         </p:nvSpPr>
         <p:spPr>
           <a:xfrm>
-            <a:off x="725542" y="20305"/>
-            <a:ext cx="652912" cy="313294"/>
+            <a:off x="724350" y="20814"/>
+            <a:ext cx="651851" cy="313294"/>
           </a:xfrm>
           <a:prstGeom prst="rect">
             <a:avLst/>
@@ -10111,8 +10211,8 @@
         </p:nvSpPr>
         <p:spPr>
           <a:xfrm>
-            <a:off x="1715415" y="20559"/>
-            <a:ext cx="654105" cy="313294"/>
+            <a:off x="1938106" y="438911"/>
+            <a:ext cx="418127" cy="259513"/>
           </a:xfrm>
           <a:prstGeom prst="rect">
             <a:avLst/>
@@ -10155,51 +10255,11 @@
                 <a:latin typeface="Times New Roman" pitchFamily="18" charset="0"/>
                 <a:cs typeface="Times New Roman" pitchFamily="18" charset="0"/>
               </a:rPr>
-              <a:t>Dropping Policy</a:t>
-            </a:r>
-          </a:p>
-        </p:txBody>
-      </p:sp>
-      <p:cxnSp>
-        <p:nvCxnSpPr>
-          <p:cNvPr id="23" name="Straight Arrow Connector 22"/>
-          <p:cNvCxnSpPr>
-            <a:stCxn id="18" idx="3"/>
-            <a:endCxn id="19" idx="1"/>
-          </p:cNvCxnSpPr>
-          <p:nvPr/>
-        </p:nvCxnSpPr>
-        <p:spPr>
-          <a:xfrm>
-            <a:off x="1378454" y="176952"/>
-            <a:ext cx="336961" cy="254"/>
-          </a:xfrm>
-          <a:prstGeom prst="straightConnector1">
-            <a:avLst/>
-          </a:prstGeom>
-          <a:ln w="19050">
-            <a:solidFill>
-              <a:schemeClr val="tx1"/>
-            </a:solidFill>
-            <a:headEnd w="sm" len="sm"/>
-            <a:tailEnd type="arrow" w="sm" len="sm"/>
-          </a:ln>
-        </p:spPr>
-        <p:style>
-          <a:lnRef idx="1">
-            <a:schemeClr val="accent1"/>
-          </a:lnRef>
-          <a:fillRef idx="0">
-            <a:schemeClr val="accent1"/>
-          </a:fillRef>
-          <a:effectRef idx="0">
-            <a:schemeClr val="accent1"/>
-          </a:effectRef>
-          <a:fontRef idx="minor">
-            <a:schemeClr val="tx1"/>
-          </a:fontRef>
-        </p:style>
-      </p:cxnSp>
+              <a:t>Drop</a:t>
+            </a:r>
+          </a:p>
+        </p:txBody>
+      </p:sp>
       <p:sp>
         <p:nvSpPr>
           <p:cNvPr id="24" name="Rectangle 23"/>
@@ -10261,48 +10321,8 @@
         </p:nvCxnSpPr>
         <p:spPr>
           <a:xfrm>
-            <a:off x="296814" y="734654"/>
+            <a:off x="296814" y="581034"/>
             <a:ext cx="428728" cy="0"/>
-          </a:xfrm>
-          <a:prstGeom prst="straightConnector1">
-            <a:avLst/>
-          </a:prstGeom>
-          <a:ln w="19050">
-            <a:solidFill>
-              <a:schemeClr val="tx1"/>
-            </a:solidFill>
-            <a:headEnd w="sm" len="sm"/>
-            <a:tailEnd type="arrow" w="sm" len="sm"/>
-          </a:ln>
-        </p:spPr>
-        <p:style>
-          <a:lnRef idx="1">
-            <a:schemeClr val="accent1"/>
-          </a:lnRef>
-          <a:fillRef idx="0">
-            <a:schemeClr val="accent1"/>
-          </a:fillRef>
-          <a:effectRef idx="0">
-            <a:schemeClr val="accent1"/>
-          </a:effectRef>
-          <a:fontRef idx="minor">
-            <a:schemeClr val="tx1"/>
-          </a:fontRef>
-        </p:style>
-      </p:cxnSp>
-      <p:cxnSp>
-        <p:nvCxnSpPr>
-          <p:cNvPr id="28" name="Straight Arrow Connector 27"/>
-          <p:cNvCxnSpPr>
-            <a:stCxn id="17" idx="3"/>
-            <a:endCxn id="45" idx="1"/>
-          </p:cNvCxnSpPr>
-          <p:nvPr/>
-        </p:nvCxnSpPr>
-        <p:spPr>
-          <a:xfrm>
-            <a:off x="1378455" y="734654"/>
-            <a:ext cx="336959" cy="0"/>
           </a:xfrm>
           <a:prstGeom prst="straightConnector1">
             <a:avLst/>
@@ -10337,9 +10357,9 @@
           <p:nvPr/>
         </p:nvCxnSpPr>
         <p:spPr>
-          <a:xfrm>
-            <a:off x="2363973" y="733886"/>
-            <a:ext cx="544255" cy="767"/>
+          <a:xfrm flipV="1">
+            <a:off x="2356233" y="583370"/>
+            <a:ext cx="544734" cy="2"/>
           </a:xfrm>
           <a:prstGeom prst="straightConnector1">
             <a:avLst/>
@@ -10375,7 +10395,7 @@
         </p:nvSpPr>
         <p:spPr>
           <a:xfrm>
-            <a:off x="242392" y="580343"/>
+            <a:off x="242392" y="426723"/>
             <a:ext cx="483150" cy="156647"/>
           </a:xfrm>
           <a:prstGeom prst="rect">
@@ -10428,7 +10448,7 @@
         </p:nvSpPr>
         <p:spPr>
           <a:xfrm>
-            <a:off x="2291490" y="486799"/>
+            <a:off x="2283989" y="320830"/>
             <a:ext cx="689222" cy="211786"/>
           </a:xfrm>
           <a:prstGeom prst="rect">
@@ -10473,63 +10493,27 @@
           </a:p>
         </p:txBody>
       </p:sp>
-      <p:cxnSp>
-        <p:nvCxnSpPr>
-          <p:cNvPr id="48" name="Straight Arrow Connector 47"/>
-          <p:cNvCxnSpPr>
-            <a:stCxn id="19" idx="2"/>
-            <a:endCxn id="45" idx="0"/>
-          </p:cNvCxnSpPr>
-          <p:nvPr/>
-        </p:nvCxnSpPr>
-        <p:spPr>
-          <a:xfrm flipH="1">
-            <a:off x="2042467" y="333853"/>
-            <a:ext cx="1" cy="214333"/>
-          </a:xfrm>
-          <a:prstGeom prst="straightConnector1">
-            <a:avLst/>
-          </a:prstGeom>
-          <a:ln w="19050">
-            <a:solidFill>
-              <a:schemeClr val="tx1"/>
-            </a:solidFill>
-            <a:headEnd w="sm" len="sm"/>
-            <a:tailEnd type="arrow" w="sm" len="sm"/>
-          </a:ln>
-        </p:spPr>
-        <p:style>
-          <a:lnRef idx="1">
-            <a:schemeClr val="accent1"/>
-          </a:lnRef>
-          <a:fillRef idx="0">
-            <a:schemeClr val="accent1"/>
-          </a:fillRef>
-          <a:effectRef idx="0">
-            <a:schemeClr val="accent1"/>
-          </a:effectRef>
-          <a:fontRef idx="minor">
-            <a:schemeClr val="tx1"/>
-          </a:fontRef>
-        </p:style>
-      </p:cxnSp>
-      <p:sp>
-        <p:nvSpPr>
-          <p:cNvPr id="50" name="Rectangle 49"/>
+      <p:sp>
+        <p:nvSpPr>
+          <p:cNvPr id="25" name="Rectangle 24"/>
           <p:cNvSpPr/>
           <p:nvPr/>
         </p:nvSpPr>
         <p:spPr>
           <a:xfrm>
-            <a:off x="1484985" y="312277"/>
-            <a:ext cx="689222" cy="211786"/>
+            <a:off x="1327496" y="438911"/>
+            <a:ext cx="460859" cy="259513"/>
           </a:xfrm>
           <a:prstGeom prst="rect">
             <a:avLst/>
           </a:prstGeom>
-          <a:noFill/>
+          <a:solidFill>
+            <a:srgbClr val="FFFFCC"/>
+          </a:solidFill>
           <a:ln w="12700">
-            <a:noFill/>
+            <a:solidFill>
+              <a:schemeClr val="tx1"/>
+            </a:solidFill>
           </a:ln>
         </p:spPr>
         <p:style>
@@ -10561,7 +10545,427 @@
                 <a:latin typeface="Times New Roman" pitchFamily="18" charset="0"/>
                 <a:cs typeface="Times New Roman" pitchFamily="18" charset="0"/>
               </a:rPr>
-              <a:t>drop</a:t>
+              <a:t>Filter</a:t>
+            </a:r>
+          </a:p>
+        </p:txBody>
+      </p:sp>
+      <p:cxnSp>
+        <p:nvCxnSpPr>
+          <p:cNvPr id="39" name="Straight Arrow Connector 38"/>
+          <p:cNvCxnSpPr/>
+          <p:nvPr/>
+        </p:nvCxnSpPr>
+        <p:spPr>
+          <a:xfrm>
+            <a:off x="1177744" y="574218"/>
+            <a:ext cx="149751" cy="0"/>
+          </a:xfrm>
+          <a:prstGeom prst="straightConnector1">
+            <a:avLst/>
+          </a:prstGeom>
+          <a:ln w="19050">
+            <a:solidFill>
+              <a:schemeClr val="tx1"/>
+            </a:solidFill>
+            <a:headEnd w="sm" len="sm"/>
+            <a:tailEnd type="arrow" w="sm" len="sm"/>
+          </a:ln>
+        </p:spPr>
+        <p:style>
+          <a:lnRef idx="1">
+            <a:schemeClr val="accent1"/>
+          </a:lnRef>
+          <a:fillRef idx="0">
+            <a:schemeClr val="accent1"/>
+          </a:fillRef>
+          <a:effectRef idx="0">
+            <a:schemeClr val="accent1"/>
+          </a:effectRef>
+          <a:fontRef idx="minor">
+            <a:schemeClr val="tx1"/>
+          </a:fontRef>
+        </p:style>
+      </p:cxnSp>
+      <p:cxnSp>
+        <p:nvCxnSpPr>
+          <p:cNvPr id="42" name="Straight Arrow Connector 41"/>
+          <p:cNvCxnSpPr/>
+          <p:nvPr/>
+        </p:nvCxnSpPr>
+        <p:spPr>
+          <a:xfrm>
+            <a:off x="1788355" y="574218"/>
+            <a:ext cx="149751" cy="0"/>
+          </a:xfrm>
+          <a:prstGeom prst="straightConnector1">
+            <a:avLst/>
+          </a:prstGeom>
+          <a:ln w="19050">
+            <a:solidFill>
+              <a:schemeClr val="tx1"/>
+            </a:solidFill>
+            <a:headEnd w="sm" len="sm"/>
+            <a:tailEnd type="arrow" w="sm" len="sm"/>
+          </a:ln>
+        </p:spPr>
+        <p:style>
+          <a:lnRef idx="1">
+            <a:schemeClr val="accent1"/>
+          </a:lnRef>
+          <a:fillRef idx="0">
+            <a:schemeClr val="accent1"/>
+          </a:fillRef>
+          <a:effectRef idx="0">
+            <a:schemeClr val="accent1"/>
+          </a:effectRef>
+          <a:fontRef idx="minor">
+            <a:schemeClr val="tx1"/>
+          </a:fontRef>
+        </p:style>
+      </p:cxnSp>
+      <p:cxnSp>
+        <p:nvCxnSpPr>
+          <p:cNvPr id="46" name="Straight Arrow Connector 45"/>
+          <p:cNvCxnSpPr/>
+          <p:nvPr/>
+        </p:nvCxnSpPr>
+        <p:spPr>
+          <a:xfrm flipV="1">
+            <a:off x="1376201" y="177461"/>
+            <a:ext cx="770969" cy="508"/>
+          </a:xfrm>
+          <a:prstGeom prst="straightConnector1">
+            <a:avLst/>
+          </a:prstGeom>
+          <a:ln w="19050">
+            <a:solidFill>
+              <a:schemeClr val="tx1"/>
+            </a:solidFill>
+            <a:headEnd w="sm" len="sm"/>
+            <a:tailEnd type="none" w="sm" len="sm"/>
+          </a:ln>
+        </p:spPr>
+        <p:style>
+          <a:lnRef idx="1">
+            <a:schemeClr val="accent1"/>
+          </a:lnRef>
+          <a:fillRef idx="0">
+            <a:schemeClr val="accent1"/>
+          </a:fillRef>
+          <a:effectRef idx="0">
+            <a:schemeClr val="accent1"/>
+          </a:effectRef>
+          <a:fontRef idx="minor">
+            <a:schemeClr val="tx1"/>
+          </a:fontRef>
+        </p:style>
+      </p:cxnSp>
+      <p:cxnSp>
+        <p:nvCxnSpPr>
+          <p:cNvPr id="49" name="Straight Arrow Connector 48"/>
+          <p:cNvCxnSpPr>
+            <a:endCxn id="19" idx="0"/>
+          </p:cNvCxnSpPr>
+          <p:nvPr/>
+        </p:nvCxnSpPr>
+        <p:spPr>
+          <a:xfrm>
+            <a:off x="2147169" y="177969"/>
+            <a:ext cx="1" cy="260942"/>
+          </a:xfrm>
+          <a:prstGeom prst="straightConnector1">
+            <a:avLst/>
+          </a:prstGeom>
+          <a:ln w="19050">
+            <a:solidFill>
+              <a:schemeClr val="tx1"/>
+            </a:solidFill>
+            <a:headEnd w="sm" len="sm"/>
+            <a:tailEnd type="arrow" w="sm" len="sm"/>
+          </a:ln>
+        </p:spPr>
+        <p:style>
+          <a:lnRef idx="1">
+            <a:schemeClr val="accent1"/>
+          </a:lnRef>
+          <a:fillRef idx="0">
+            <a:schemeClr val="accent1"/>
+          </a:fillRef>
+          <a:effectRef idx="0">
+            <a:schemeClr val="accent1"/>
+          </a:effectRef>
+          <a:fontRef idx="minor">
+            <a:schemeClr val="tx1"/>
+          </a:fontRef>
+        </p:style>
+      </p:cxnSp>
+      <p:cxnSp>
+        <p:nvCxnSpPr>
+          <p:cNvPr id="60" name="Straight Arrow Connector 59"/>
+          <p:cNvCxnSpPr/>
+          <p:nvPr/>
+        </p:nvCxnSpPr>
+        <p:spPr>
+          <a:xfrm>
+            <a:off x="2147169" y="698585"/>
+            <a:ext cx="1" cy="192025"/>
+          </a:xfrm>
+          <a:prstGeom prst="straightConnector1">
+            <a:avLst/>
+          </a:prstGeom>
+          <a:ln w="19050">
+            <a:solidFill>
+              <a:schemeClr val="tx1"/>
+            </a:solidFill>
+            <a:headEnd w="sm" len="sm"/>
+            <a:tailEnd type="arrow" w="sm" len="sm"/>
+          </a:ln>
+        </p:spPr>
+        <p:style>
+          <a:lnRef idx="1">
+            <a:schemeClr val="accent1"/>
+          </a:lnRef>
+          <a:fillRef idx="0">
+            <a:schemeClr val="accent1"/>
+          </a:fillRef>
+          <a:effectRef idx="0">
+            <a:schemeClr val="accent1"/>
+          </a:effectRef>
+          <a:fontRef idx="minor">
+            <a:schemeClr val="tx1"/>
+          </a:fontRef>
+        </p:style>
+      </p:cxnSp>
+      <p:cxnSp>
+        <p:nvCxnSpPr>
+          <p:cNvPr id="21" name="Straight Arrow Connector 20"/>
+          <p:cNvCxnSpPr/>
+          <p:nvPr/>
+        </p:nvCxnSpPr>
+        <p:spPr>
+          <a:xfrm flipV="1">
+            <a:off x="1561795" y="698585"/>
+            <a:ext cx="0" cy="192025"/>
+          </a:xfrm>
+          <a:prstGeom prst="straightConnector1">
+            <a:avLst/>
+          </a:prstGeom>
+          <a:ln w="19050">
+            <a:solidFill>
+              <a:schemeClr val="tx1"/>
+            </a:solidFill>
+            <a:headEnd w="sm" len="sm"/>
+            <a:tailEnd type="arrow" w="sm" len="sm"/>
+          </a:ln>
+        </p:spPr>
+        <p:style>
+          <a:lnRef idx="1">
+            <a:schemeClr val="accent1"/>
+          </a:lnRef>
+          <a:fillRef idx="0">
+            <a:schemeClr val="accent1"/>
+          </a:fillRef>
+          <a:effectRef idx="0">
+            <a:schemeClr val="accent1"/>
+          </a:effectRef>
+          <a:fontRef idx="minor">
+            <a:schemeClr val="tx1"/>
+          </a:fontRef>
+        </p:style>
+      </p:cxnSp>
+      <p:sp>
+        <p:nvSpPr>
+          <p:cNvPr id="23" name="Rectangle 22"/>
+          <p:cNvSpPr/>
+          <p:nvPr/>
+        </p:nvSpPr>
+        <p:spPr>
+          <a:xfrm>
+            <a:off x="793695" y="698585"/>
+            <a:ext cx="847009" cy="211786"/>
+          </a:xfrm>
+          <a:prstGeom prst="rect">
+            <a:avLst/>
+          </a:prstGeom>
+          <a:noFill/>
+          <a:ln w="12700">
+            <a:noFill/>
+          </a:ln>
+        </p:spPr>
+        <p:style>
+          <a:lnRef idx="2">
+            <a:schemeClr val="accent1">
+              <a:shade val="50000"/>
+            </a:schemeClr>
+          </a:lnRef>
+          <a:fillRef idx="1">
+            <a:schemeClr val="accent1"/>
+          </a:fillRef>
+          <a:effectRef idx="0">
+            <a:schemeClr val="accent1"/>
+          </a:effectRef>
+          <a:fontRef idx="minor">
+            <a:schemeClr val="lt1"/>
+          </a:fontRef>
+        </p:style>
+        <p:txBody>
+          <a:bodyPr rtlCol="0" anchor="ctr"/>
+          <a:lstStyle/>
+          <a:p>
+            <a:pPr algn="ctr"/>
+            <a:r>
+              <a:rPr lang="en-US" sz="900" dirty="0" smtClean="0">
+                <a:solidFill>
+                  <a:schemeClr val="tx1"/>
+                </a:solidFill>
+                <a:latin typeface="Times New Roman" pitchFamily="18" charset="0"/>
+                <a:cs typeface="Times New Roman" pitchFamily="18" charset="0"/>
+              </a:rPr>
+              <a:t>filter decision</a:t>
+            </a:r>
+          </a:p>
+        </p:txBody>
+      </p:sp>
+      <p:sp>
+        <p:nvSpPr>
+          <p:cNvPr id="27" name="Rectangle 26"/>
+          <p:cNvSpPr/>
+          <p:nvPr/>
+        </p:nvSpPr>
+        <p:spPr>
+          <a:xfrm>
+            <a:off x="2109065" y="698585"/>
+            <a:ext cx="643285" cy="211786"/>
+          </a:xfrm>
+          <a:prstGeom prst="rect">
+            <a:avLst/>
+          </a:prstGeom>
+          <a:noFill/>
+          <a:ln w="12700">
+            <a:noFill/>
+          </a:ln>
+        </p:spPr>
+        <p:style>
+          <a:lnRef idx="2">
+            <a:schemeClr val="accent1">
+              <a:shade val="50000"/>
+            </a:schemeClr>
+          </a:lnRef>
+          <a:fillRef idx="1">
+            <a:schemeClr val="accent1"/>
+          </a:fillRef>
+          <a:effectRef idx="0">
+            <a:schemeClr val="accent1"/>
+          </a:effectRef>
+          <a:fontRef idx="minor">
+            <a:schemeClr val="lt1"/>
+          </a:fontRef>
+        </p:style>
+        <p:txBody>
+          <a:bodyPr rtlCol="0" anchor="ctr"/>
+          <a:lstStyle/>
+          <a:p>
+            <a:pPr algn="ctr"/>
+            <a:r>
+              <a:rPr lang="en-US" sz="900" dirty="0" smtClean="0">
+                <a:solidFill>
+                  <a:schemeClr val="tx1"/>
+                </a:solidFill>
+                <a:latin typeface="Times New Roman" pitchFamily="18" charset="0"/>
+                <a:cs typeface="Times New Roman" pitchFamily="18" charset="0"/>
+              </a:rPr>
+              <a:t>invalidate</a:t>
+            </a:r>
+          </a:p>
+        </p:txBody>
+      </p:sp>
+      <p:cxnSp>
+        <p:nvCxnSpPr>
+          <p:cNvPr id="28" name="Straight Arrow Connector 27"/>
+          <p:cNvCxnSpPr/>
+          <p:nvPr/>
+        </p:nvCxnSpPr>
+        <p:spPr>
+          <a:xfrm flipH="1">
+            <a:off x="2356235" y="1025026"/>
+            <a:ext cx="546576" cy="0"/>
+          </a:xfrm>
+          <a:prstGeom prst="straightConnector1">
+            <a:avLst/>
+          </a:prstGeom>
+          <a:ln w="19050">
+            <a:solidFill>
+              <a:schemeClr val="tx1"/>
+            </a:solidFill>
+            <a:headEnd w="sm" len="sm"/>
+            <a:tailEnd type="arrow" w="sm" len="sm"/>
+          </a:ln>
+        </p:spPr>
+        <p:style>
+          <a:lnRef idx="1">
+            <a:schemeClr val="accent1"/>
+          </a:lnRef>
+          <a:fillRef idx="0">
+            <a:schemeClr val="accent1"/>
+          </a:fillRef>
+          <a:effectRef idx="0">
+            <a:schemeClr val="accent1"/>
+          </a:effectRef>
+          <a:fontRef idx="minor">
+            <a:schemeClr val="tx1"/>
+          </a:fontRef>
+        </p:style>
+      </p:cxnSp>
+      <p:sp>
+        <p:nvSpPr>
+          <p:cNvPr id="29" name="Rectangle 28"/>
+          <p:cNvSpPr/>
+          <p:nvPr/>
+        </p:nvSpPr>
+        <p:spPr>
+          <a:xfrm>
+            <a:off x="2329926" y="986064"/>
+            <a:ext cx="643285" cy="211786"/>
+          </a:xfrm>
+          <a:prstGeom prst="rect">
+            <a:avLst/>
+          </a:prstGeom>
+          <a:noFill/>
+          <a:ln w="12700">
+            <a:noFill/>
+          </a:ln>
+        </p:spPr>
+        <p:style>
+          <a:lnRef idx="2">
+            <a:schemeClr val="accent1">
+              <a:shade val="50000"/>
+            </a:schemeClr>
+          </a:lnRef>
+          <a:fillRef idx="1">
+            <a:schemeClr val="accent1"/>
+          </a:fillRef>
+          <a:effectRef idx="0">
+            <a:schemeClr val="accent1"/>
+          </a:effectRef>
+          <a:fontRef idx="minor">
+            <a:schemeClr val="lt1"/>
+          </a:fontRef>
+        </p:style>
+        <p:txBody>
+          <a:bodyPr rtlCol="0" anchor="ctr"/>
+          <a:lstStyle/>
+          <a:p>
+            <a:pPr algn="ctr"/>
+            <a:r>
+              <a:rPr lang="en-US" sz="900" dirty="0" smtClean="0">
+                <a:solidFill>
+                  <a:schemeClr val="tx1"/>
+                </a:solidFill>
+                <a:latin typeface="Times New Roman" pitchFamily="18" charset="0"/>
+                <a:cs typeface="Times New Roman" pitchFamily="18" charset="0"/>
+              </a:rPr>
+              <a:t>non-null</a:t>
             </a:r>
           </a:p>
         </p:txBody>
@@ -10569,7 +10973,7 @@
     </p:spTree>
     <p:extLst>
       <p:ext uri="{BB962C8B-B14F-4D97-AF65-F5344CB8AC3E}">
-        <p14:creationId xmlns:p14="http://schemas.microsoft.com/office/powerpoint/2010/main" val="320129923"/>
+        <p14:creationId xmlns:p14="http://schemas.microsoft.com/office/powerpoint/2010/main" val="4134314914"/>
       </p:ext>
     </p:extLst>
   </p:cSld>
@@ -10598,16 +11002,16 @@
       </p:grpSpPr>
       <p:sp>
         <p:nvSpPr>
-          <p:cNvPr id="29" name="Oval 28"/>
+          <p:cNvPr id="45" name="Rectangle 44"/>
           <p:cNvSpPr/>
           <p:nvPr/>
         </p:nvSpPr>
         <p:spPr>
           <a:xfrm>
-            <a:off x="529519" y="45700"/>
-            <a:ext cx="230429" cy="230429"/>
-          </a:xfrm>
-          <a:prstGeom prst="ellipse">
+            <a:off x="1715414" y="548186"/>
+            <a:ext cx="654105" cy="372935"/>
+          </a:xfrm>
+          <a:prstGeom prst="rect">
             <a:avLst/>
           </a:prstGeom>
           <a:solidFill>
@@ -10648,60 +11052,9 @@
                 <a:latin typeface="Times New Roman" pitchFamily="18" charset="0"/>
                 <a:cs typeface="Times New Roman" pitchFamily="18" charset="0"/>
               </a:rPr>
-              <a:t>A</a:t>
-            </a:r>
-            <a:endParaRPr lang="en-US" sz="900" dirty="0">
-              <a:solidFill>
-                <a:schemeClr val="tx1"/>
-              </a:solidFill>
-              <a:latin typeface="Times New Roman" pitchFamily="18" charset="0"/>
-              <a:cs typeface="Times New Roman" pitchFamily="18" charset="0"/>
-            </a:endParaRPr>
-          </a:p>
-        </p:txBody>
-      </p:sp>
-      <p:sp>
-        <p:nvSpPr>
-          <p:cNvPr id="30" name="Oval 29"/>
-          <p:cNvSpPr/>
-          <p:nvPr/>
-        </p:nvSpPr>
-        <p:spPr>
-          <a:xfrm>
-            <a:off x="1002441" y="45702"/>
-            <a:ext cx="230429" cy="230429"/>
-          </a:xfrm>
-          <a:prstGeom prst="ellipse">
-            <a:avLst/>
-          </a:prstGeom>
-          <a:solidFill>
-            <a:srgbClr val="FFFFCC"/>
-          </a:solidFill>
-          <a:ln w="12700">
-            <a:solidFill>
-              <a:schemeClr val="tx1"/>
-            </a:solidFill>
-          </a:ln>
-        </p:spPr>
-        <p:style>
-          <a:lnRef idx="2">
-            <a:schemeClr val="accent1">
-              <a:shade val="50000"/>
-            </a:schemeClr>
-          </a:lnRef>
-          <a:fillRef idx="1">
-            <a:schemeClr val="accent1"/>
-          </a:fillRef>
-          <a:effectRef idx="0">
-            <a:schemeClr val="accent1"/>
-          </a:effectRef>
-          <a:fontRef idx="minor">
-            <a:schemeClr val="lt1"/>
-          </a:fontRef>
-        </p:style>
-        <p:txBody>
-          <a:bodyPr rtlCol="0" anchor="ctr"/>
-          <a:lstStyle/>
+              <a:t>Dataflow</a:t>
+            </a:r>
+          </a:p>
           <a:p>
             <a:pPr algn="ctr"/>
             <a:r>
@@ -10712,31 +11065,23 @@
                 <a:latin typeface="Times New Roman" pitchFamily="18" charset="0"/>
                 <a:cs typeface="Times New Roman" pitchFamily="18" charset="0"/>
               </a:rPr>
-              <a:t>B</a:t>
-            </a:r>
-            <a:endParaRPr lang="en-US" sz="900" dirty="0">
-              <a:solidFill>
-                <a:schemeClr val="tx1"/>
-              </a:solidFill>
-              <a:latin typeface="Times New Roman" pitchFamily="18" charset="0"/>
-              <a:cs typeface="Times New Roman" pitchFamily="18" charset="0"/>
-            </a:endParaRPr>
+              <a:t>Engine</a:t>
+            </a:r>
           </a:p>
         </p:txBody>
       </p:sp>
       <p:cxnSp>
         <p:nvCxnSpPr>
-          <p:cNvPr id="31" name="Straight Arrow Connector 30"/>
+          <p:cNvPr id="54" name="Straight Arrow Connector 53"/>
           <p:cNvCxnSpPr>
-            <a:stCxn id="29" idx="6"/>
-            <a:endCxn id="30" idx="2"/>
+            <a:endCxn id="18" idx="1"/>
           </p:cNvCxnSpPr>
           <p:nvPr/>
         </p:nvCxnSpPr>
         <p:spPr>
-          <a:xfrm>
-            <a:off x="759948" y="160915"/>
-            <a:ext cx="242493" cy="2"/>
+          <a:xfrm flipV="1">
+            <a:off x="225083" y="176952"/>
+            <a:ext cx="500459" cy="254"/>
           </a:xfrm>
           <a:prstGeom prst="straightConnector1">
             <a:avLst/>
@@ -10766,20 +11111,20 @@
       </p:cxnSp>
       <p:sp>
         <p:nvSpPr>
-          <p:cNvPr id="34" name="Oval 33"/>
+          <p:cNvPr id="13" name="Rectangle 12"/>
           <p:cNvSpPr/>
           <p:nvPr/>
         </p:nvSpPr>
         <p:spPr>
-          <a:xfrm>
-            <a:off x="1475363" y="46022"/>
-            <a:ext cx="230429" cy="230429"/>
-          </a:xfrm>
-          <a:prstGeom prst="ellipse">
+          <a:xfrm rot="16200000">
+            <a:off x="2602815" y="331520"/>
+            <a:ext cx="900561" cy="278641"/>
+          </a:xfrm>
+          <a:prstGeom prst="rect">
             <a:avLst/>
           </a:prstGeom>
           <a:solidFill>
-            <a:srgbClr val="FFFFCC"/>
+            <a:srgbClr val="66CCFF"/>
           </a:solidFill>
           <a:ln w="12700">
             <a:solidFill>
@@ -10816,336 +11161,27 @@
                 <a:latin typeface="Times New Roman" pitchFamily="18" charset="0"/>
                 <a:cs typeface="Times New Roman" pitchFamily="18" charset="0"/>
               </a:rPr>
-              <a:t>C</a:t>
-            </a:r>
-            <a:endParaRPr lang="en-US" sz="900" dirty="0">
-              <a:solidFill>
-                <a:schemeClr val="tx1"/>
-              </a:solidFill>
-              <a:latin typeface="Times New Roman" pitchFamily="18" charset="0"/>
-              <a:cs typeface="Times New Roman" pitchFamily="18" charset="0"/>
-            </a:endParaRPr>
-          </a:p>
-        </p:txBody>
-      </p:sp>
-      <p:cxnSp>
-        <p:nvCxnSpPr>
-          <p:cNvPr id="39" name="Straight Arrow Connector 38"/>
-          <p:cNvCxnSpPr/>
-          <p:nvPr/>
-        </p:nvCxnSpPr>
-        <p:spPr>
-          <a:xfrm>
-            <a:off x="1232870" y="161240"/>
-            <a:ext cx="242493" cy="2"/>
-          </a:xfrm>
-          <a:prstGeom prst="straightConnector1">
-            <a:avLst/>
-          </a:prstGeom>
-          <a:ln w="19050">
-            <a:solidFill>
-              <a:schemeClr val="tx1"/>
-            </a:solidFill>
-            <a:headEnd w="sm" len="sm"/>
-            <a:tailEnd type="arrow" w="sm" len="sm"/>
-          </a:ln>
-        </p:spPr>
-        <p:style>
-          <a:lnRef idx="1">
-            <a:schemeClr val="accent1"/>
-          </a:lnRef>
-          <a:fillRef idx="0">
-            <a:schemeClr val="accent1"/>
-          </a:fillRef>
-          <a:effectRef idx="0">
-            <a:schemeClr val="accent1"/>
-          </a:effectRef>
-          <a:fontRef idx="minor">
-            <a:schemeClr val="tx1"/>
-          </a:fontRef>
-        </p:style>
-      </p:cxnSp>
-      <p:sp>
-        <p:nvSpPr>
-          <p:cNvPr id="41" name="Oval 40"/>
+              <a:t>Monitoring Core</a:t>
+            </a:r>
+          </a:p>
+        </p:txBody>
+      </p:sp>
+      <p:sp>
+        <p:nvSpPr>
+          <p:cNvPr id="14" name="Rectangle 13"/>
           <p:cNvSpPr/>
           <p:nvPr/>
         </p:nvSpPr>
         <p:spPr>
-          <a:xfrm>
-            <a:off x="1948285" y="46022"/>
-            <a:ext cx="230429" cy="230429"/>
-          </a:xfrm>
-          <a:prstGeom prst="ellipse">
+          <a:xfrm rot="16200000">
+            <a:off x="-299244" y="335341"/>
+            <a:ext cx="908710" cy="278638"/>
+          </a:xfrm>
+          <a:prstGeom prst="rect">
             <a:avLst/>
           </a:prstGeom>
           <a:solidFill>
-            <a:srgbClr val="FFFFCC"/>
-          </a:solidFill>
-          <a:ln w="12700">
-            <a:solidFill>
-              <a:schemeClr val="tx1"/>
-            </a:solidFill>
-          </a:ln>
-        </p:spPr>
-        <p:style>
-          <a:lnRef idx="2">
-            <a:schemeClr val="accent1">
-              <a:shade val="50000"/>
-            </a:schemeClr>
-          </a:lnRef>
-          <a:fillRef idx="1">
-            <a:schemeClr val="accent1"/>
-          </a:fillRef>
-          <a:effectRef idx="0">
-            <a:schemeClr val="accent1"/>
-          </a:effectRef>
-          <a:fontRef idx="minor">
-            <a:schemeClr val="lt1"/>
-          </a:fontRef>
-        </p:style>
-        <p:txBody>
-          <a:bodyPr rtlCol="0" anchor="ctr"/>
-          <a:lstStyle/>
-          <a:p>
-            <a:pPr algn="ctr"/>
-            <a:r>
-              <a:rPr lang="en-US" sz="900" dirty="0">
-                <a:solidFill>
-                  <a:schemeClr val="tx1"/>
-                </a:solidFill>
-                <a:latin typeface="Times New Roman" pitchFamily="18" charset="0"/>
-                <a:cs typeface="Times New Roman" pitchFamily="18" charset="0"/>
-              </a:rPr>
-              <a:t>D</a:t>
-            </a:r>
-          </a:p>
-        </p:txBody>
-      </p:sp>
-      <p:cxnSp>
-        <p:nvCxnSpPr>
-          <p:cNvPr id="42" name="Straight Arrow Connector 41"/>
-          <p:cNvCxnSpPr/>
-          <p:nvPr/>
-        </p:nvCxnSpPr>
-        <p:spPr>
-          <a:xfrm>
-            <a:off x="1705792" y="161238"/>
-            <a:ext cx="242493" cy="2"/>
-          </a:xfrm>
-          <a:prstGeom prst="straightConnector1">
-            <a:avLst/>
-          </a:prstGeom>
-          <a:ln w="19050">
-            <a:solidFill>
-              <a:schemeClr val="tx1"/>
-            </a:solidFill>
-            <a:headEnd w="sm" len="sm"/>
-            <a:tailEnd type="arrow" w="sm" len="sm"/>
-          </a:ln>
-        </p:spPr>
-        <p:style>
-          <a:lnRef idx="1">
-            <a:schemeClr val="accent1"/>
-          </a:lnRef>
-          <a:fillRef idx="0">
-            <a:schemeClr val="accent1"/>
-          </a:fillRef>
-          <a:effectRef idx="0">
-            <a:schemeClr val="accent1"/>
-          </a:effectRef>
-          <a:fontRef idx="minor">
-            <a:schemeClr val="tx1"/>
-          </a:fontRef>
-        </p:style>
-      </p:cxnSp>
-      <p:cxnSp>
-        <p:nvCxnSpPr>
-          <p:cNvPr id="44" name="Straight Arrow Connector 43"/>
-          <p:cNvCxnSpPr/>
-          <p:nvPr/>
-        </p:nvCxnSpPr>
-        <p:spPr>
-          <a:xfrm>
-            <a:off x="2178714" y="161236"/>
-            <a:ext cx="242493" cy="2"/>
-          </a:xfrm>
-          <a:prstGeom prst="straightConnector1">
-            <a:avLst/>
-          </a:prstGeom>
-          <a:ln w="19050">
-            <a:solidFill>
-              <a:schemeClr val="tx1"/>
-            </a:solidFill>
-            <a:headEnd w="sm" len="sm"/>
-            <a:tailEnd type="arrow" w="sm" len="sm"/>
-          </a:ln>
-        </p:spPr>
-        <p:style>
-          <a:lnRef idx="1">
-            <a:schemeClr val="accent1"/>
-          </a:lnRef>
-          <a:fillRef idx="0">
-            <a:schemeClr val="accent1"/>
-          </a:fillRef>
-          <a:effectRef idx="0">
-            <a:schemeClr val="accent1"/>
-          </a:effectRef>
-          <a:fontRef idx="minor">
-            <a:schemeClr val="tx1"/>
-          </a:fontRef>
-        </p:style>
-      </p:cxnSp>
-      <p:sp>
-        <p:nvSpPr>
-          <p:cNvPr id="46" name="Oval 45"/>
-          <p:cNvSpPr/>
-          <p:nvPr/>
-        </p:nvSpPr>
-        <p:spPr>
-          <a:xfrm>
-            <a:off x="1475362" y="343520"/>
-            <a:ext cx="230429" cy="230429"/>
-          </a:xfrm>
-          <a:prstGeom prst="ellipse">
-            <a:avLst/>
-          </a:prstGeom>
-          <a:solidFill>
-            <a:srgbClr val="FFFFCC"/>
-          </a:solidFill>
-          <a:ln w="12700">
-            <a:solidFill>
-              <a:schemeClr val="tx1"/>
-            </a:solidFill>
-          </a:ln>
-        </p:spPr>
-        <p:style>
-          <a:lnRef idx="2">
-            <a:schemeClr val="accent1">
-              <a:shade val="50000"/>
-            </a:schemeClr>
-          </a:lnRef>
-          <a:fillRef idx="1">
-            <a:schemeClr val="accent1"/>
-          </a:fillRef>
-          <a:effectRef idx="0">
-            <a:schemeClr val="accent1"/>
-          </a:effectRef>
-          <a:fontRef idx="minor">
-            <a:schemeClr val="lt1"/>
-          </a:fontRef>
-        </p:style>
-        <p:txBody>
-          <a:bodyPr rtlCol="0" anchor="ctr"/>
-          <a:lstStyle/>
-          <a:p>
-            <a:pPr algn="ctr"/>
-            <a:r>
-              <a:rPr lang="en-US" sz="900" dirty="0">
-                <a:solidFill>
-                  <a:schemeClr val="tx1"/>
-                </a:solidFill>
-                <a:latin typeface="Times New Roman" pitchFamily="18" charset="0"/>
-                <a:cs typeface="Times New Roman" pitchFamily="18" charset="0"/>
-              </a:rPr>
-              <a:t>F</a:t>
-            </a:r>
-          </a:p>
-        </p:txBody>
-      </p:sp>
-      <p:cxnSp>
-        <p:nvCxnSpPr>
-          <p:cNvPr id="47" name="Straight Arrow Connector 46"/>
-          <p:cNvCxnSpPr>
-            <a:stCxn id="30" idx="5"/>
-            <a:endCxn id="46" idx="2"/>
-          </p:cNvCxnSpPr>
-          <p:nvPr/>
-        </p:nvCxnSpPr>
-        <p:spPr>
-          <a:xfrm>
-            <a:off x="1199124" y="242385"/>
-            <a:ext cx="276238" cy="216350"/>
-          </a:xfrm>
-          <a:prstGeom prst="straightConnector1">
-            <a:avLst/>
-          </a:prstGeom>
-          <a:ln w="19050">
-            <a:solidFill>
-              <a:schemeClr val="tx1"/>
-            </a:solidFill>
-            <a:headEnd w="sm" len="sm"/>
-            <a:tailEnd type="arrow" w="sm" len="sm"/>
-          </a:ln>
-        </p:spPr>
-        <p:style>
-          <a:lnRef idx="1">
-            <a:schemeClr val="accent1"/>
-          </a:lnRef>
-          <a:fillRef idx="0">
-            <a:schemeClr val="accent1"/>
-          </a:fillRef>
-          <a:effectRef idx="0">
-            <a:schemeClr val="accent1"/>
-          </a:effectRef>
-          <a:fontRef idx="minor">
-            <a:schemeClr val="tx1"/>
-          </a:fontRef>
-        </p:style>
-      </p:cxnSp>
-      <p:cxnSp>
-        <p:nvCxnSpPr>
-          <p:cNvPr id="51" name="Straight Arrow Connector 50"/>
-          <p:cNvCxnSpPr/>
-          <p:nvPr/>
-        </p:nvCxnSpPr>
-        <p:spPr>
-          <a:xfrm>
-            <a:off x="1709344" y="458735"/>
-            <a:ext cx="242493" cy="2"/>
-          </a:xfrm>
-          <a:prstGeom prst="straightConnector1">
-            <a:avLst/>
-          </a:prstGeom>
-          <a:ln w="19050">
-            <a:solidFill>
-              <a:schemeClr val="tx1"/>
-            </a:solidFill>
-            <a:headEnd w="sm" len="sm"/>
-            <a:tailEnd type="arrow" w="sm" len="sm"/>
-          </a:ln>
-        </p:spPr>
-        <p:style>
-          <a:lnRef idx="1">
-            <a:schemeClr val="accent1"/>
-          </a:lnRef>
-          <a:fillRef idx="0">
-            <a:schemeClr val="accent1"/>
-          </a:fillRef>
-          <a:effectRef idx="0">
-            <a:schemeClr val="accent1"/>
-          </a:effectRef>
-          <a:fontRef idx="minor">
-            <a:schemeClr val="tx1"/>
-          </a:fontRef>
-        </p:style>
-      </p:cxnSp>
-      <p:sp>
-        <p:nvSpPr>
-          <p:cNvPr id="2" name="Rectangle 1"/>
-          <p:cNvSpPr/>
-          <p:nvPr/>
-        </p:nvSpPr>
-        <p:spPr>
-          <a:xfrm>
-            <a:off x="1951837" y="343520"/>
-            <a:ext cx="230429" cy="230429"/>
-          </a:xfrm>
-          <a:prstGeom prst="rect">
-            <a:avLst/>
-          </a:prstGeom>
-          <a:solidFill>
-            <a:srgbClr val="FFFFCC"/>
+            <a:srgbClr val="66CCFF"/>
           </a:solidFill>
           <a:ln w="12700">
             <a:solidFill>
@@ -11182,60 +11218,9 @@
                 <a:latin typeface="Times New Roman" pitchFamily="18" charset="0"/>
                 <a:cs typeface="Times New Roman" pitchFamily="18" charset="0"/>
               </a:rPr>
-              <a:t>G</a:t>
-            </a:r>
-            <a:endParaRPr lang="en-US" sz="900" dirty="0">
-              <a:solidFill>
-                <a:schemeClr val="tx1"/>
-              </a:solidFill>
-              <a:latin typeface="Times New Roman" pitchFamily="18" charset="0"/>
-              <a:cs typeface="Times New Roman" pitchFamily="18" charset="0"/>
-            </a:endParaRPr>
-          </a:p>
-        </p:txBody>
-      </p:sp>
-      <p:sp>
-        <p:nvSpPr>
-          <p:cNvPr id="16" name="Rectangle 15"/>
-          <p:cNvSpPr/>
-          <p:nvPr/>
-        </p:nvSpPr>
-        <p:spPr>
-          <a:xfrm>
-            <a:off x="2421207" y="45699"/>
-            <a:ext cx="230429" cy="230429"/>
-          </a:xfrm>
-          <a:prstGeom prst="rect">
-            <a:avLst/>
-          </a:prstGeom>
-          <a:solidFill>
-            <a:srgbClr val="FFFFCC"/>
-          </a:solidFill>
-          <a:ln w="12700">
-            <a:solidFill>
-              <a:schemeClr val="tx1"/>
-            </a:solidFill>
-          </a:ln>
-        </p:spPr>
-        <p:style>
-          <a:lnRef idx="2">
-            <a:schemeClr val="accent1">
-              <a:shade val="50000"/>
-            </a:schemeClr>
-          </a:lnRef>
-          <a:fillRef idx="1">
-            <a:schemeClr val="accent1"/>
-          </a:fillRef>
-          <a:effectRef idx="0">
-            <a:schemeClr val="accent1"/>
-          </a:effectRef>
-          <a:fontRef idx="minor">
-            <a:schemeClr val="lt1"/>
-          </a:fontRef>
-        </p:style>
-        <p:txBody>
-          <a:bodyPr rtlCol="0" anchor="ctr"/>
-          <a:lstStyle/>
+              <a:t>Main</a:t>
+            </a:r>
+          </a:p>
           <a:p>
             <a:pPr algn="ctr"/>
             <a:r>
@@ -11246,35 +11231,598 @@
                 <a:latin typeface="Times New Roman" pitchFamily="18" charset="0"/>
                 <a:cs typeface="Times New Roman" pitchFamily="18" charset="0"/>
               </a:rPr>
-              <a:t>E</a:t>
-            </a:r>
-            <a:endParaRPr lang="en-US" sz="900" dirty="0">
-              <a:solidFill>
-                <a:schemeClr val="tx1"/>
-              </a:solidFill>
-              <a:latin typeface="Times New Roman" pitchFamily="18" charset="0"/>
-              <a:cs typeface="Times New Roman" pitchFamily="18" charset="0"/>
-            </a:endParaRPr>
+              <a:t>Core</a:t>
+            </a:r>
+          </a:p>
+        </p:txBody>
+      </p:sp>
+      <p:sp>
+        <p:nvSpPr>
+          <p:cNvPr id="17" name="Rectangle 16"/>
+          <p:cNvSpPr/>
+          <p:nvPr/>
+        </p:nvSpPr>
+        <p:spPr>
+          <a:xfrm>
+            <a:off x="724350" y="653075"/>
+            <a:ext cx="654105" cy="163157"/>
+          </a:xfrm>
+          <a:prstGeom prst="rect">
+            <a:avLst/>
+          </a:prstGeom>
+          <a:solidFill>
+            <a:srgbClr val="FFFFCC"/>
+          </a:solidFill>
+          <a:ln w="12700">
+            <a:solidFill>
+              <a:schemeClr val="tx1"/>
+            </a:solidFill>
+          </a:ln>
+        </p:spPr>
+        <p:style>
+          <a:lnRef idx="2">
+            <a:schemeClr val="accent1">
+              <a:shade val="50000"/>
+            </a:schemeClr>
+          </a:lnRef>
+          <a:fillRef idx="1">
+            <a:schemeClr val="accent1"/>
+          </a:fillRef>
+          <a:effectRef idx="0">
+            <a:schemeClr val="accent1"/>
+          </a:effectRef>
+          <a:fontRef idx="minor">
+            <a:schemeClr val="lt1"/>
+          </a:fontRef>
+        </p:style>
+        <p:txBody>
+          <a:bodyPr rtlCol="0" anchor="ctr"/>
+          <a:lstStyle/>
+          <a:p>
+            <a:pPr algn="ctr"/>
+            <a:r>
+              <a:rPr lang="en-US" sz="900" dirty="0" smtClean="0">
+                <a:solidFill>
+                  <a:schemeClr val="tx1"/>
+                </a:solidFill>
+                <a:latin typeface="Times New Roman" pitchFamily="18" charset="0"/>
+                <a:cs typeface="Times New Roman" pitchFamily="18" charset="0"/>
+              </a:rPr>
+              <a:t>FIFO</a:t>
+            </a:r>
+          </a:p>
+        </p:txBody>
+      </p:sp>
+      <p:sp>
+        <p:nvSpPr>
+          <p:cNvPr id="18" name="Rectangle 17"/>
+          <p:cNvSpPr/>
+          <p:nvPr/>
+        </p:nvSpPr>
+        <p:spPr>
+          <a:xfrm>
+            <a:off x="725542" y="20305"/>
+            <a:ext cx="652912" cy="313294"/>
+          </a:xfrm>
+          <a:prstGeom prst="rect">
+            <a:avLst/>
+          </a:prstGeom>
+          <a:solidFill>
+            <a:srgbClr val="FFFFCC"/>
+          </a:solidFill>
+          <a:ln w="12700">
+            <a:solidFill>
+              <a:schemeClr val="tx1"/>
+            </a:solidFill>
+          </a:ln>
+        </p:spPr>
+        <p:style>
+          <a:lnRef idx="2">
+            <a:schemeClr val="accent1">
+              <a:shade val="50000"/>
+            </a:schemeClr>
+          </a:lnRef>
+          <a:fillRef idx="1">
+            <a:schemeClr val="accent1"/>
+          </a:fillRef>
+          <a:effectRef idx="0">
+            <a:schemeClr val="accent1"/>
+          </a:effectRef>
+          <a:fontRef idx="minor">
+            <a:schemeClr val="lt1"/>
+          </a:fontRef>
+        </p:style>
+        <p:txBody>
+          <a:bodyPr rtlCol="0" anchor="ctr"/>
+          <a:lstStyle/>
+          <a:p>
+            <a:pPr algn="ctr"/>
+            <a:r>
+              <a:rPr lang="en-US" sz="900" dirty="0" smtClean="0">
+                <a:solidFill>
+                  <a:schemeClr val="tx1"/>
+                </a:solidFill>
+                <a:latin typeface="Times New Roman" pitchFamily="18" charset="0"/>
+                <a:cs typeface="Times New Roman" pitchFamily="18" charset="0"/>
+              </a:rPr>
+              <a:t>Slack Tracking</a:t>
+            </a:r>
+          </a:p>
+        </p:txBody>
+      </p:sp>
+      <p:sp>
+        <p:nvSpPr>
+          <p:cNvPr id="19" name="Rectangle 18"/>
+          <p:cNvSpPr/>
+          <p:nvPr/>
+        </p:nvSpPr>
+        <p:spPr>
+          <a:xfrm>
+            <a:off x="1715415" y="20559"/>
+            <a:ext cx="654105" cy="313294"/>
+          </a:xfrm>
+          <a:prstGeom prst="rect">
+            <a:avLst/>
+          </a:prstGeom>
+          <a:solidFill>
+            <a:srgbClr val="FFFFCC"/>
+          </a:solidFill>
+          <a:ln w="12700">
+            <a:solidFill>
+              <a:schemeClr val="tx1"/>
+            </a:solidFill>
+          </a:ln>
+        </p:spPr>
+        <p:style>
+          <a:lnRef idx="2">
+            <a:schemeClr val="accent1">
+              <a:shade val="50000"/>
+            </a:schemeClr>
+          </a:lnRef>
+          <a:fillRef idx="1">
+            <a:schemeClr val="accent1"/>
+          </a:fillRef>
+          <a:effectRef idx="0">
+            <a:schemeClr val="accent1"/>
+          </a:effectRef>
+          <a:fontRef idx="minor">
+            <a:schemeClr val="lt1"/>
+          </a:fontRef>
+        </p:style>
+        <p:txBody>
+          <a:bodyPr rtlCol="0" anchor="ctr"/>
+          <a:lstStyle/>
+          <a:p>
+            <a:pPr algn="ctr"/>
+            <a:r>
+              <a:rPr lang="en-US" sz="900" dirty="0" smtClean="0">
+                <a:solidFill>
+                  <a:schemeClr val="tx1"/>
+                </a:solidFill>
+                <a:latin typeface="Times New Roman" pitchFamily="18" charset="0"/>
+                <a:cs typeface="Times New Roman" pitchFamily="18" charset="0"/>
+              </a:rPr>
+              <a:t>Dropping Policy</a:t>
+            </a:r>
+          </a:p>
+        </p:txBody>
+      </p:sp>
+      <p:cxnSp>
+        <p:nvCxnSpPr>
+          <p:cNvPr id="23" name="Straight Arrow Connector 22"/>
+          <p:cNvCxnSpPr>
+            <a:stCxn id="18" idx="3"/>
+            <a:endCxn id="19" idx="1"/>
+          </p:cNvCxnSpPr>
+          <p:nvPr/>
+        </p:nvCxnSpPr>
+        <p:spPr>
+          <a:xfrm>
+            <a:off x="1378454" y="176952"/>
+            <a:ext cx="336961" cy="254"/>
+          </a:xfrm>
+          <a:prstGeom prst="straightConnector1">
+            <a:avLst/>
+          </a:prstGeom>
+          <a:ln w="19050">
+            <a:solidFill>
+              <a:schemeClr val="tx1"/>
+            </a:solidFill>
+            <a:headEnd w="sm" len="sm"/>
+            <a:tailEnd type="arrow" w="sm" len="sm"/>
+          </a:ln>
+        </p:spPr>
+        <p:style>
+          <a:lnRef idx="1">
+            <a:schemeClr val="accent1"/>
+          </a:lnRef>
+          <a:fillRef idx="0">
+            <a:schemeClr val="accent1"/>
+          </a:fillRef>
+          <a:effectRef idx="0">
+            <a:schemeClr val="accent1"/>
+          </a:effectRef>
+          <a:fontRef idx="minor">
+            <a:schemeClr val="tx1"/>
+          </a:fontRef>
+        </p:style>
+      </p:cxnSp>
+      <p:sp>
+        <p:nvSpPr>
+          <p:cNvPr id="24" name="Rectangle 23"/>
+          <p:cNvSpPr/>
+          <p:nvPr/>
+        </p:nvSpPr>
+        <p:spPr>
+          <a:xfrm>
+            <a:off x="1327496" y="16404"/>
+            <a:ext cx="423675" cy="156647"/>
+          </a:xfrm>
+          <a:prstGeom prst="rect">
+            <a:avLst/>
+          </a:prstGeom>
+          <a:noFill/>
+          <a:ln w="12700">
+            <a:noFill/>
+          </a:ln>
+        </p:spPr>
+        <p:style>
+          <a:lnRef idx="2">
+            <a:schemeClr val="accent1">
+              <a:shade val="50000"/>
+            </a:schemeClr>
+          </a:lnRef>
+          <a:fillRef idx="1">
+            <a:schemeClr val="accent1"/>
+          </a:fillRef>
+          <a:effectRef idx="0">
+            <a:schemeClr val="accent1"/>
+          </a:effectRef>
+          <a:fontRef idx="minor">
+            <a:schemeClr val="lt1"/>
+          </a:fontRef>
+        </p:style>
+        <p:txBody>
+          <a:bodyPr rtlCol="0" anchor="ctr"/>
+          <a:lstStyle/>
+          <a:p>
+            <a:pPr algn="ctr"/>
+            <a:r>
+              <a:rPr lang="en-US" sz="900" dirty="0" smtClean="0">
+                <a:solidFill>
+                  <a:schemeClr val="tx1"/>
+                </a:solidFill>
+                <a:latin typeface="Times New Roman" pitchFamily="18" charset="0"/>
+                <a:cs typeface="Times New Roman" pitchFamily="18" charset="0"/>
+              </a:rPr>
+              <a:t>slack</a:t>
+            </a:r>
+          </a:p>
+        </p:txBody>
+      </p:sp>
+      <p:cxnSp>
+        <p:nvCxnSpPr>
+          <p:cNvPr id="26" name="Straight Arrow Connector 25"/>
+          <p:cNvCxnSpPr/>
+          <p:nvPr/>
+        </p:nvCxnSpPr>
+        <p:spPr>
+          <a:xfrm>
+            <a:off x="296814" y="734654"/>
+            <a:ext cx="428728" cy="0"/>
+          </a:xfrm>
+          <a:prstGeom prst="straightConnector1">
+            <a:avLst/>
+          </a:prstGeom>
+          <a:ln w="19050">
+            <a:solidFill>
+              <a:schemeClr val="tx1"/>
+            </a:solidFill>
+            <a:headEnd w="sm" len="sm"/>
+            <a:tailEnd type="arrow" w="sm" len="sm"/>
+          </a:ln>
+        </p:spPr>
+        <p:style>
+          <a:lnRef idx="1">
+            <a:schemeClr val="accent1"/>
+          </a:lnRef>
+          <a:fillRef idx="0">
+            <a:schemeClr val="accent1"/>
+          </a:fillRef>
+          <a:effectRef idx="0">
+            <a:schemeClr val="accent1"/>
+          </a:effectRef>
+          <a:fontRef idx="minor">
+            <a:schemeClr val="tx1"/>
+          </a:fontRef>
+        </p:style>
+      </p:cxnSp>
+      <p:cxnSp>
+        <p:nvCxnSpPr>
+          <p:cNvPr id="28" name="Straight Arrow Connector 27"/>
+          <p:cNvCxnSpPr>
+            <a:stCxn id="17" idx="3"/>
+            <a:endCxn id="45" idx="1"/>
+          </p:cNvCxnSpPr>
+          <p:nvPr/>
+        </p:nvCxnSpPr>
+        <p:spPr>
+          <a:xfrm>
+            <a:off x="1378455" y="734654"/>
+            <a:ext cx="336959" cy="0"/>
+          </a:xfrm>
+          <a:prstGeom prst="straightConnector1">
+            <a:avLst/>
+          </a:prstGeom>
+          <a:ln w="19050">
+            <a:solidFill>
+              <a:schemeClr val="tx1"/>
+            </a:solidFill>
+            <a:headEnd w="sm" len="sm"/>
+            <a:tailEnd type="arrow" w="sm" len="sm"/>
+          </a:ln>
+        </p:spPr>
+        <p:style>
+          <a:lnRef idx="1">
+            <a:schemeClr val="accent1"/>
+          </a:lnRef>
+          <a:fillRef idx="0">
+            <a:schemeClr val="accent1"/>
+          </a:fillRef>
+          <a:effectRef idx="0">
+            <a:schemeClr val="accent1"/>
+          </a:effectRef>
+          <a:fontRef idx="minor">
+            <a:schemeClr val="tx1"/>
+          </a:fontRef>
+        </p:style>
+      </p:cxnSp>
+      <p:cxnSp>
+        <p:nvCxnSpPr>
+          <p:cNvPr id="30" name="Straight Arrow Connector 29"/>
+          <p:cNvCxnSpPr/>
+          <p:nvPr/>
+        </p:nvCxnSpPr>
+        <p:spPr>
+          <a:xfrm>
+            <a:off x="2363973" y="733886"/>
+            <a:ext cx="544255" cy="767"/>
+          </a:xfrm>
+          <a:prstGeom prst="straightConnector1">
+            <a:avLst/>
+          </a:prstGeom>
+          <a:ln w="19050">
+            <a:solidFill>
+              <a:schemeClr val="tx1"/>
+            </a:solidFill>
+            <a:headEnd w="sm" len="sm"/>
+            <a:tailEnd type="arrow" w="sm" len="sm"/>
+          </a:ln>
+        </p:spPr>
+        <p:style>
+          <a:lnRef idx="1">
+            <a:schemeClr val="accent1"/>
+          </a:lnRef>
+          <a:fillRef idx="0">
+            <a:schemeClr val="accent1"/>
+          </a:fillRef>
+          <a:effectRef idx="0">
+            <a:schemeClr val="accent1"/>
+          </a:effectRef>
+          <a:fontRef idx="minor">
+            <a:schemeClr val="tx1"/>
+          </a:fontRef>
+        </p:style>
+      </p:cxnSp>
+      <p:sp>
+        <p:nvSpPr>
+          <p:cNvPr id="32" name="Rectangle 31"/>
+          <p:cNvSpPr/>
+          <p:nvPr/>
+        </p:nvSpPr>
+        <p:spPr>
+          <a:xfrm>
+            <a:off x="242392" y="580343"/>
+            <a:ext cx="483150" cy="156647"/>
+          </a:xfrm>
+          <a:prstGeom prst="rect">
+            <a:avLst/>
+          </a:prstGeom>
+          <a:noFill/>
+          <a:ln w="12700">
+            <a:noFill/>
+          </a:ln>
+        </p:spPr>
+        <p:style>
+          <a:lnRef idx="2">
+            <a:schemeClr val="accent1">
+              <a:shade val="50000"/>
+            </a:schemeClr>
+          </a:lnRef>
+          <a:fillRef idx="1">
+            <a:schemeClr val="accent1"/>
+          </a:fillRef>
+          <a:effectRef idx="0">
+            <a:schemeClr val="accent1"/>
+          </a:effectRef>
+          <a:fontRef idx="minor">
+            <a:schemeClr val="lt1"/>
+          </a:fontRef>
+        </p:style>
+        <p:txBody>
+          <a:bodyPr rtlCol="0" anchor="ctr"/>
+          <a:lstStyle/>
+          <a:p>
+            <a:pPr algn="ctr"/>
+            <a:r>
+              <a:rPr lang="en-US" sz="900" dirty="0" smtClean="0">
+                <a:solidFill>
+                  <a:schemeClr val="tx1"/>
+                </a:solidFill>
+                <a:latin typeface="Times New Roman" pitchFamily="18" charset="0"/>
+                <a:cs typeface="Times New Roman" pitchFamily="18" charset="0"/>
+              </a:rPr>
+              <a:t>events</a:t>
+            </a:r>
+          </a:p>
+        </p:txBody>
+      </p:sp>
+      <p:sp>
+        <p:nvSpPr>
+          <p:cNvPr id="37" name="Rectangle 36"/>
+          <p:cNvSpPr/>
+          <p:nvPr/>
+        </p:nvSpPr>
+        <p:spPr>
+          <a:xfrm>
+            <a:off x="2291490" y="486799"/>
+            <a:ext cx="689222" cy="211786"/>
+          </a:xfrm>
+          <a:prstGeom prst="rect">
+            <a:avLst/>
+          </a:prstGeom>
+          <a:noFill/>
+          <a:ln w="12700">
+            <a:noFill/>
+          </a:ln>
+        </p:spPr>
+        <p:style>
+          <a:lnRef idx="2">
+            <a:schemeClr val="accent1">
+              <a:shade val="50000"/>
+            </a:schemeClr>
+          </a:lnRef>
+          <a:fillRef idx="1">
+            <a:schemeClr val="accent1"/>
+          </a:fillRef>
+          <a:effectRef idx="0">
+            <a:schemeClr val="accent1"/>
+          </a:effectRef>
+          <a:fontRef idx="minor">
+            <a:schemeClr val="lt1"/>
+          </a:fontRef>
+        </p:style>
+        <p:txBody>
+          <a:bodyPr rtlCol="0" anchor="ctr"/>
+          <a:lstStyle/>
+          <a:p>
+            <a:pPr algn="ctr"/>
+            <a:r>
+              <a:rPr lang="en-US" sz="900" dirty="0" smtClean="0">
+                <a:solidFill>
+                  <a:schemeClr val="tx1"/>
+                </a:solidFill>
+                <a:latin typeface="Times New Roman" pitchFamily="18" charset="0"/>
+                <a:cs typeface="Times New Roman" pitchFamily="18" charset="0"/>
+              </a:rPr>
+              <a:t>monitored events</a:t>
+            </a:r>
+          </a:p>
+        </p:txBody>
+      </p:sp>
+      <p:cxnSp>
+        <p:nvCxnSpPr>
+          <p:cNvPr id="48" name="Straight Arrow Connector 47"/>
+          <p:cNvCxnSpPr>
+            <a:stCxn id="19" idx="2"/>
+            <a:endCxn id="45" idx="0"/>
+          </p:cNvCxnSpPr>
+          <p:nvPr/>
+        </p:nvCxnSpPr>
+        <p:spPr>
+          <a:xfrm flipH="1">
+            <a:off x="2042467" y="333853"/>
+            <a:ext cx="1" cy="214333"/>
+          </a:xfrm>
+          <a:prstGeom prst="straightConnector1">
+            <a:avLst/>
+          </a:prstGeom>
+          <a:ln w="19050">
+            <a:solidFill>
+              <a:schemeClr val="tx1"/>
+            </a:solidFill>
+            <a:headEnd w="sm" len="sm"/>
+            <a:tailEnd type="arrow" w="sm" len="sm"/>
+          </a:ln>
+        </p:spPr>
+        <p:style>
+          <a:lnRef idx="1">
+            <a:schemeClr val="accent1"/>
+          </a:lnRef>
+          <a:fillRef idx="0">
+            <a:schemeClr val="accent1"/>
+          </a:fillRef>
+          <a:effectRef idx="0">
+            <a:schemeClr val="accent1"/>
+          </a:effectRef>
+          <a:fontRef idx="minor">
+            <a:schemeClr val="tx1"/>
+          </a:fontRef>
+        </p:style>
+      </p:cxnSp>
+      <p:sp>
+        <p:nvSpPr>
+          <p:cNvPr id="50" name="Rectangle 49"/>
+          <p:cNvSpPr/>
+          <p:nvPr/>
+        </p:nvSpPr>
+        <p:spPr>
+          <a:xfrm>
+            <a:off x="1484985" y="312277"/>
+            <a:ext cx="689222" cy="211786"/>
+          </a:xfrm>
+          <a:prstGeom prst="rect">
+            <a:avLst/>
+          </a:prstGeom>
+          <a:noFill/>
+          <a:ln w="12700">
+            <a:noFill/>
+          </a:ln>
+        </p:spPr>
+        <p:style>
+          <a:lnRef idx="2">
+            <a:schemeClr val="accent1">
+              <a:shade val="50000"/>
+            </a:schemeClr>
+          </a:lnRef>
+          <a:fillRef idx="1">
+            <a:schemeClr val="accent1"/>
+          </a:fillRef>
+          <a:effectRef idx="0">
+            <a:schemeClr val="accent1"/>
+          </a:effectRef>
+          <a:fontRef idx="minor">
+            <a:schemeClr val="lt1"/>
+          </a:fontRef>
+        </p:style>
+        <p:txBody>
+          <a:bodyPr rtlCol="0" anchor="ctr"/>
+          <a:lstStyle/>
+          <a:p>
+            <a:pPr algn="ctr"/>
+            <a:r>
+              <a:rPr lang="en-US" sz="900" dirty="0" smtClean="0">
+                <a:solidFill>
+                  <a:schemeClr val="tx1"/>
+                </a:solidFill>
+                <a:latin typeface="Times New Roman" pitchFamily="18" charset="0"/>
+                <a:cs typeface="Times New Roman" pitchFamily="18" charset="0"/>
+              </a:rPr>
+              <a:t>drop</a:t>
+            </a:r>
           </a:p>
         </p:txBody>
       </p:sp>
     </p:spTree>
     <p:extLst>
       <p:ext uri="{BB962C8B-B14F-4D97-AF65-F5344CB8AC3E}">
-        <p14:creationId xmlns:p14="http://schemas.microsoft.com/office/powerpoint/2010/main" val="2958256163"/>
+        <p14:creationId xmlns:p14="http://schemas.microsoft.com/office/powerpoint/2010/main" val="320129923"/>
       </p:ext>
     </p:extLst>
   </p:cSld>
   <p:clrMapOvr>
     <a:masterClrMapping/>
   </p:clrMapOvr>
-  <p:timing>
-    <p:tnLst>
-      <p:par>
-        <p:cTn id="1" dur="indefinite" restart="never" nodeType="tmRoot"/>
-      </p:par>
-    </p:tnLst>
-  </p:timing>
 </p:sld>
 </file>
 
@@ -11310,7 +11858,7 @@
             <a:avLst/>
           </a:prstGeom>
           <a:solidFill>
-            <a:srgbClr val="66CCFF"/>
+            <a:srgbClr val="FFFFCC"/>
           </a:solidFill>
           <a:ln w="12700">
             <a:solidFill>
@@ -11374,7 +11922,7 @@
             <a:avLst/>
           </a:prstGeom>
           <a:solidFill>
-            <a:srgbClr val="66CCFF"/>
+            <a:srgbClr val="FFFFCC"/>
           </a:solidFill>
           <a:ln w="12700">
             <a:solidFill>
@@ -11478,7 +12026,7 @@
             <a:avLst/>
           </a:prstGeom>
           <a:solidFill>
-            <a:srgbClr val="66CCFF"/>
+            <a:srgbClr val="FFFFCC"/>
           </a:solidFill>
           <a:ln w="12700">
             <a:solidFill>
@@ -11579,7 +12127,7 @@
             <a:avLst/>
           </a:prstGeom>
           <a:solidFill>
-            <a:srgbClr val="66CCFF"/>
+            <a:srgbClr val="FFFFCC"/>
           </a:solidFill>
           <a:ln w="12700">
             <a:solidFill>
@@ -11710,7 +12258,7 @@
             <a:avLst/>
           </a:prstGeom>
           <a:solidFill>
-            <a:srgbClr val="66CCFF"/>
+            <a:srgbClr val="FFFFCC"/>
           </a:solidFill>
           <a:ln w="12700">
             <a:solidFill>
@@ -11844,7 +12392,7 @@
             <a:avLst/>
           </a:prstGeom>
           <a:solidFill>
-            <a:srgbClr val="66CCFF"/>
+            <a:srgbClr val="FFFFCC"/>
           </a:solidFill>
           <a:ln w="12700">
             <a:solidFill>
@@ -11908,7 +12456,7 @@
             <a:avLst/>
           </a:prstGeom>
           <a:solidFill>
-            <a:srgbClr val="66CCFF"/>
+            <a:srgbClr val="FFFFCC"/>
           </a:solidFill>
           <a:ln w="12700">
             <a:solidFill>
@@ -11960,7 +12508,7 @@
     </p:spTree>
     <p:extLst>
       <p:ext uri="{BB962C8B-B14F-4D97-AF65-F5344CB8AC3E}">
-        <p14:creationId xmlns:p14="http://schemas.microsoft.com/office/powerpoint/2010/main" val="2553646245"/>
+        <p14:creationId xmlns:p14="http://schemas.microsoft.com/office/powerpoint/2010/main" val="2958256163"/>
       </p:ext>
     </p:extLst>
   </p:cSld>
@@ -12073,7 +12621,7 @@
             <a:avLst/>
           </a:prstGeom>
           <a:solidFill>
-            <a:srgbClr val="FFFFCC"/>
+            <a:srgbClr val="66CCFF"/>
           </a:solidFill>
           <a:ln w="12700">
             <a:solidFill>
@@ -12177,7 +12725,7 @@
             <a:avLst/>
           </a:prstGeom>
           <a:solidFill>
-            <a:srgbClr val="FFFFCC"/>
+            <a:srgbClr val="66CCFF"/>
           </a:solidFill>
           <a:ln w="12700">
             <a:solidFill>
@@ -12278,7 +12826,7 @@
             <a:avLst/>
           </a:prstGeom>
           <a:solidFill>
-            <a:srgbClr val="FFFFCC"/>
+            <a:srgbClr val="66CCFF"/>
           </a:solidFill>
           <a:ln w="12700">
             <a:solidFill>
@@ -12409,7 +12957,7 @@
             <a:avLst/>
           </a:prstGeom>
           <a:solidFill>
-            <a:srgbClr val="FFFFCC"/>
+            <a:srgbClr val="66CCFF"/>
           </a:solidFill>
           <a:ln w="12700">
             <a:solidFill>
@@ -12543,7 +13091,7 @@
             <a:avLst/>
           </a:prstGeom>
           <a:solidFill>
-            <a:srgbClr val="FFFFCC"/>
+            <a:srgbClr val="66CCFF"/>
           </a:solidFill>
           <a:ln w="12700">
             <a:solidFill>
@@ -12607,7 +13155,7 @@
             <a:avLst/>
           </a:prstGeom>
           <a:solidFill>
-            <a:srgbClr val="FFFFCC"/>
+            <a:srgbClr val="66CCFF"/>
           </a:solidFill>
           <a:ln w="12700">
             <a:solidFill>
@@ -12659,7 +13207,7 @@
     </p:spTree>
     <p:extLst>
       <p:ext uri="{BB962C8B-B14F-4D97-AF65-F5344CB8AC3E}">
-        <p14:creationId xmlns:p14="http://schemas.microsoft.com/office/powerpoint/2010/main" val="2263311733"/>
+        <p14:creationId xmlns:p14="http://schemas.microsoft.com/office/powerpoint/2010/main" val="2553646245"/>
       </p:ext>
     </p:extLst>
   </p:cSld>
@@ -12876,7 +13424,7 @@
             <a:avLst/>
           </a:prstGeom>
           <a:solidFill>
-            <a:srgbClr val="66CCFF"/>
+            <a:srgbClr val="FFFFCC"/>
           </a:solidFill>
           <a:ln w="12700">
             <a:solidFill>
@@ -13108,7 +13656,7 @@
             <a:avLst/>
           </a:prstGeom>
           <a:solidFill>
-            <a:srgbClr val="66CCFF"/>
+            <a:srgbClr val="FFFFCC"/>
           </a:solidFill>
           <a:ln w="12700">
             <a:solidFill>

--- a/figs_src/diagrams.pptx
+++ b/figs_src/diagrams.pptx
@@ -5,7 +5,7 @@
     <p:sldMasterId id="2147483648" r:id="rId1"/>
   </p:sldMasterIdLst>
   <p:notesMasterIdLst>
-    <p:notesMasterId r:id="rId16"/>
+    <p:notesMasterId r:id="rId17"/>
   </p:notesMasterIdLst>
   <p:sldIdLst>
     <p:sldId id="256" r:id="rId2"/>
@@ -13,18 +13,19 @@
     <p:sldId id="258" r:id="rId4"/>
     <p:sldId id="267" r:id="rId5"/>
     <p:sldId id="261" r:id="rId6"/>
-    <p:sldId id="266" r:id="rId7"/>
-    <p:sldId id="257" r:id="rId8"/>
-    <p:sldId id="262" r:id="rId9"/>
-    <p:sldId id="263" r:id="rId10"/>
-    <p:sldId id="264" r:id="rId11"/>
-    <p:sldId id="259" r:id="rId12"/>
-    <p:sldId id="260" r:id="rId13"/>
-    <p:sldId id="265" r:id="rId14"/>
-    <p:sldId id="268" r:id="rId15"/>
+    <p:sldId id="270" r:id="rId7"/>
+    <p:sldId id="266" r:id="rId8"/>
+    <p:sldId id="257" r:id="rId9"/>
+    <p:sldId id="262" r:id="rId10"/>
+    <p:sldId id="263" r:id="rId11"/>
+    <p:sldId id="264" r:id="rId12"/>
+    <p:sldId id="259" r:id="rId13"/>
+    <p:sldId id="260" r:id="rId14"/>
+    <p:sldId id="265" r:id="rId15"/>
+    <p:sldId id="268" r:id="rId16"/>
   </p:sldIdLst>
   <p:sldSz cx="3200400" cy="7772400"/>
-  <p:notesSz cx="7315200" cy="9601200"/>
+  <p:notesSz cx="2743200" cy="7315200"/>
   <p:defaultTextStyle>
     <a:defPPr>
       <a:defRPr lang="en-US"/>
@@ -157,18 +158,18 @@
         </p:nvSpPr>
         <p:spPr>
           <a:xfrm>
-            <a:off x="0" y="7"/>
-            <a:ext cx="3170240" cy="479426"/>
+            <a:off x="0" y="5"/>
+            <a:ext cx="1188840" cy="365277"/>
           </a:xfrm>
           <a:prstGeom prst="rect">
             <a:avLst/>
           </a:prstGeom>
         </p:spPr>
         <p:txBody>
-          <a:bodyPr vert="horz" lIns="91302" tIns="45651" rIns="91302" bIns="45651" rtlCol="0"/>
+          <a:bodyPr vert="horz" lIns="54279" tIns="27140" rIns="54279" bIns="27140" rtlCol="0"/>
           <a:lstStyle>
             <a:lvl1pPr algn="l">
-              <a:defRPr sz="1200"/>
+              <a:defRPr sz="700"/>
             </a:lvl1pPr>
           </a:lstStyle>
           <a:p>
@@ -188,18 +189,18 @@
         </p:nvSpPr>
         <p:spPr>
           <a:xfrm>
-            <a:off x="4143376" y="7"/>
-            <a:ext cx="3170240" cy="479426"/>
+            <a:off x="1553766" y="5"/>
+            <a:ext cx="1188840" cy="365277"/>
           </a:xfrm>
           <a:prstGeom prst="rect">
             <a:avLst/>
           </a:prstGeom>
         </p:spPr>
         <p:txBody>
-          <a:bodyPr vert="horz" lIns="91302" tIns="45651" rIns="91302" bIns="45651" rtlCol="0"/>
+          <a:bodyPr vert="horz" lIns="54279" tIns="27140" rIns="54279" bIns="27140" rtlCol="0"/>
           <a:lstStyle>
             <a:lvl1pPr algn="r">
-              <a:defRPr sz="1200"/>
+              <a:defRPr sz="700"/>
             </a:lvl1pPr>
           </a:lstStyle>
           <a:p>
@@ -223,8 +224,8 @@
         </p:nvSpPr>
         <p:spPr>
           <a:xfrm>
-            <a:off x="2917825" y="722313"/>
-            <a:ext cx="1482725" cy="3600450"/>
+            <a:off x="808038" y="550863"/>
+            <a:ext cx="1128712" cy="2743200"/>
           </a:xfrm>
           <a:prstGeom prst="rect">
             <a:avLst/>
@@ -237,7 +238,7 @@
           </a:ln>
         </p:spPr>
         <p:txBody>
-          <a:bodyPr vert="horz" lIns="91302" tIns="45651" rIns="91302" bIns="45651" rtlCol="0" anchor="ctr"/>
+          <a:bodyPr vert="horz" lIns="54279" tIns="27140" rIns="54279" bIns="27140" rtlCol="0" anchor="ctr"/>
           <a:lstStyle/>
           <a:p>
             <a:endParaRPr lang="en-US"/>
@@ -256,15 +257,15 @@
         </p:nvSpPr>
         <p:spPr>
           <a:xfrm>
-            <a:off x="731846" y="4560891"/>
-            <a:ext cx="5851525" cy="4319588"/>
+            <a:off x="274442" y="3474964"/>
+            <a:ext cx="2194322" cy="3291115"/>
           </a:xfrm>
           <a:prstGeom prst="rect">
             <a:avLst/>
           </a:prstGeom>
         </p:spPr>
         <p:txBody>
-          <a:bodyPr vert="horz" lIns="91302" tIns="45651" rIns="91302" bIns="45651" rtlCol="0"/>
+          <a:bodyPr vert="horz" lIns="54279" tIns="27140" rIns="54279" bIns="27140" rtlCol="0"/>
           <a:lstStyle/>
           <a:p>
             <a:pPr lvl="0"/>
@@ -316,18 +317,18 @@
         </p:nvSpPr>
         <p:spPr>
           <a:xfrm>
-            <a:off x="0" y="9120194"/>
-            <a:ext cx="3170240" cy="479426"/>
+            <a:off x="0" y="6948719"/>
+            <a:ext cx="1188840" cy="365277"/>
           </a:xfrm>
           <a:prstGeom prst="rect">
             <a:avLst/>
           </a:prstGeom>
         </p:spPr>
         <p:txBody>
-          <a:bodyPr vert="horz" lIns="91302" tIns="45651" rIns="91302" bIns="45651" rtlCol="0" anchor="b"/>
+          <a:bodyPr vert="horz" lIns="54279" tIns="27140" rIns="54279" bIns="27140" rtlCol="0" anchor="b"/>
           <a:lstStyle>
             <a:lvl1pPr algn="l">
-              <a:defRPr sz="1200"/>
+              <a:defRPr sz="700"/>
             </a:lvl1pPr>
           </a:lstStyle>
           <a:p>
@@ -347,18 +348,18 @@
         </p:nvSpPr>
         <p:spPr>
           <a:xfrm>
-            <a:off x="4143376" y="9120194"/>
-            <a:ext cx="3170240" cy="479426"/>
+            <a:off x="1553766" y="6948719"/>
+            <a:ext cx="1188840" cy="365277"/>
           </a:xfrm>
           <a:prstGeom prst="rect">
             <a:avLst/>
           </a:prstGeom>
         </p:spPr>
         <p:txBody>
-          <a:bodyPr vert="horz" lIns="91302" tIns="45651" rIns="91302" bIns="45651" rtlCol="0" anchor="b"/>
+          <a:bodyPr vert="horz" lIns="54279" tIns="27140" rIns="54279" bIns="27140" rtlCol="0" anchor="b"/>
           <a:lstStyle>
             <a:lvl1pPr algn="r">
-              <a:defRPr sz="1200"/>
+              <a:defRPr sz="700"/>
             </a:lvl1pPr>
           </a:lstStyle>
           <a:p>
@@ -4432,7 +4433,7 @@
             <a:avLst/>
           </a:prstGeom>
           <a:solidFill>
-            <a:srgbClr val="66CCFF"/>
+            <a:srgbClr val="FFFFCC"/>
           </a:solidFill>
           <a:ln w="12700">
             <a:solidFill>
@@ -4664,7 +4665,7 @@
             <a:avLst/>
           </a:prstGeom>
           <a:solidFill>
-            <a:srgbClr val="66CCFF"/>
+            <a:srgbClr val="FFFFCC"/>
           </a:solidFill>
           <a:ln w="12700">
             <a:solidFill>
@@ -4950,25 +4951,25 @@
       </p:grpSpPr>
       <p:sp>
         <p:nvSpPr>
-          <p:cNvPr id="3" name="Rectangle 2"/>
+          <p:cNvPr id="29" name="Oval 28"/>
           <p:cNvSpPr/>
           <p:nvPr/>
         </p:nvSpPr>
         <p:spPr>
           <a:xfrm>
-            <a:off x="1753820" y="65208"/>
-            <a:ext cx="649117" cy="1247858"/>
-          </a:xfrm>
-          <a:prstGeom prst="rect">
+            <a:off x="529519" y="45700"/>
+            <a:ext cx="230429" cy="230429"/>
+          </a:xfrm>
+          <a:prstGeom prst="ellipse">
             <a:avLst/>
           </a:prstGeom>
           <a:solidFill>
-            <a:schemeClr val="bg1">
-              <a:lumMod val="75000"/>
-            </a:schemeClr>
+            <a:srgbClr val="66CCFF"/>
           </a:solidFill>
-          <a:ln>
-            <a:noFill/>
+          <a:ln w="12700">
+            <a:solidFill>
+              <a:schemeClr val="tx1"/>
+            </a:solidFill>
           </a:ln>
         </p:spPr>
         <p:style>
@@ -4992,123 +4993,6 @@
           <a:lstStyle/>
           <a:p>
             <a:pPr algn="ctr"/>
-            <a:endParaRPr lang="en-US" sz="900"/>
-          </a:p>
-        </p:txBody>
-      </p:sp>
-      <p:cxnSp>
-        <p:nvCxnSpPr>
-          <p:cNvPr id="4" name="Straight Arrow Connector 3"/>
-          <p:cNvCxnSpPr/>
-          <p:nvPr/>
-        </p:nvCxnSpPr>
-        <p:spPr>
-          <a:xfrm flipV="1">
-            <a:off x="623931" y="45700"/>
-            <a:ext cx="0" cy="1205505"/>
-          </a:xfrm>
-          <a:prstGeom prst="straightConnector1">
-            <a:avLst/>
-          </a:prstGeom>
-          <a:ln w="19050">
-            <a:solidFill>
-              <a:schemeClr val="tx1"/>
-            </a:solidFill>
-            <a:headEnd w="sm" len="sm"/>
-            <a:tailEnd type="arrow" w="sm" len="sm"/>
-          </a:ln>
-        </p:spPr>
-        <p:style>
-          <a:lnRef idx="1">
-            <a:schemeClr val="accent1"/>
-          </a:lnRef>
-          <a:fillRef idx="0">
-            <a:schemeClr val="accent1"/>
-          </a:fillRef>
-          <a:effectRef idx="0">
-            <a:schemeClr val="accent1"/>
-          </a:effectRef>
-          <a:fontRef idx="minor">
-            <a:schemeClr val="tx1"/>
-          </a:fontRef>
-        </p:style>
-      </p:cxnSp>
-      <p:cxnSp>
-        <p:nvCxnSpPr>
-          <p:cNvPr id="6" name="Straight Arrow Connector 5"/>
-          <p:cNvCxnSpPr/>
-          <p:nvPr/>
-        </p:nvCxnSpPr>
-        <p:spPr>
-          <a:xfrm>
-            <a:off x="489960" y="852205"/>
-            <a:ext cx="2646440" cy="0"/>
-          </a:xfrm>
-          <a:prstGeom prst="straightConnector1">
-            <a:avLst/>
-          </a:prstGeom>
-          <a:ln w="19050">
-            <a:solidFill>
-              <a:schemeClr val="tx1"/>
-            </a:solidFill>
-            <a:headEnd w="sm" len="sm"/>
-            <a:tailEnd type="arrow" w="sm" len="sm"/>
-          </a:ln>
-        </p:spPr>
-        <p:style>
-          <a:lnRef idx="1">
-            <a:schemeClr val="accent1"/>
-          </a:lnRef>
-          <a:fillRef idx="0">
-            <a:schemeClr val="accent1"/>
-          </a:fillRef>
-          <a:effectRef idx="0">
-            <a:schemeClr val="accent1"/>
-          </a:effectRef>
-          <a:fontRef idx="minor">
-            <a:schemeClr val="tx1"/>
-          </a:fontRef>
-        </p:style>
-      </p:cxnSp>
-      <p:sp>
-        <p:nvSpPr>
-          <p:cNvPr id="8" name="Rectangle 7"/>
-          <p:cNvSpPr/>
-          <p:nvPr/>
-        </p:nvSpPr>
-        <p:spPr>
-          <a:xfrm>
-            <a:off x="2878581" y="843701"/>
-            <a:ext cx="437487" cy="200529"/>
-          </a:xfrm>
-          <a:prstGeom prst="rect">
-            <a:avLst/>
-          </a:prstGeom>
-          <a:noFill/>
-          <a:ln>
-            <a:noFill/>
-          </a:ln>
-        </p:spPr>
-        <p:style>
-          <a:lnRef idx="2">
-            <a:schemeClr val="accent2">
-              <a:shade val="50000"/>
-            </a:schemeClr>
-          </a:lnRef>
-          <a:fillRef idx="1">
-            <a:schemeClr val="accent2"/>
-          </a:fillRef>
-          <a:effectRef idx="0">
-            <a:schemeClr val="accent2"/>
-          </a:effectRef>
-          <a:fontRef idx="minor">
-            <a:schemeClr val="lt1"/>
-          </a:fontRef>
-        </p:style>
-        <p:txBody>
-          <a:bodyPr rtlCol="0" anchor="ctr"/>
-          <a:lstStyle/>
-          <a:p>
             <a:r>
               <a:rPr lang="en-US" sz="900" dirty="0" smtClean="0">
                 <a:solidFill>
@@ -5117,7 +5001,7 @@
                 <a:latin typeface="Times New Roman" pitchFamily="18" charset="0"/>
                 <a:cs typeface="Times New Roman" pitchFamily="18" charset="0"/>
               </a:rPr>
-              <a:t>time</a:t>
+              <a:t>A</a:t>
             </a:r>
             <a:endParaRPr lang="en-US" sz="900" dirty="0">
               <a:solidFill>
@@ -5131,34 +5015,38 @@
       </p:sp>
       <p:sp>
         <p:nvSpPr>
-          <p:cNvPr id="9" name="Rectangle 8"/>
+          <p:cNvPr id="30" name="Oval 29"/>
           <p:cNvSpPr/>
           <p:nvPr/>
         </p:nvSpPr>
         <p:spPr>
           <a:xfrm>
-            <a:off x="238490" y="46824"/>
-            <a:ext cx="500160" cy="200529"/>
-          </a:xfrm>
-          <a:prstGeom prst="rect">
-            <a:avLst/>
-          </a:prstGeom>
-          <a:noFill/>
-          <a:ln>
-            <a:noFill/>
+            <a:off x="1002441" y="45702"/>
+            <a:ext cx="230429" cy="230429"/>
+          </a:xfrm>
+          <a:prstGeom prst="ellipse">
+            <a:avLst/>
+          </a:prstGeom>
+          <a:solidFill>
+            <a:srgbClr val="FFFFCC"/>
+          </a:solidFill>
+          <a:ln w="12700">
+            <a:solidFill>
+              <a:schemeClr val="tx1"/>
+            </a:solidFill>
           </a:ln>
         </p:spPr>
         <p:style>
           <a:lnRef idx="2">
-            <a:schemeClr val="accent2">
+            <a:schemeClr val="accent1">
               <a:shade val="50000"/>
             </a:schemeClr>
           </a:lnRef>
           <a:fillRef idx="1">
-            <a:schemeClr val="accent2"/>
-          </a:fillRef>
-          <a:effectRef idx="0">
-            <a:schemeClr val="accent2"/>
+            <a:schemeClr val="accent1"/>
+          </a:fillRef>
+          <a:effectRef idx="0">
+            <a:schemeClr val="accent1"/>
           </a:effectRef>
           <a:fontRef idx="minor">
             <a:schemeClr val="lt1"/>
@@ -5168,6 +5056,7 @@
           <a:bodyPr rtlCol="0" anchor="ctr"/>
           <a:lstStyle/>
           <a:p>
+            <a:pPr algn="ctr"/>
             <a:r>
               <a:rPr lang="en-US" sz="900" dirty="0" smtClean="0">
                 <a:solidFill>
@@ -5176,7 +5065,7 @@
                 <a:latin typeface="Times New Roman" pitchFamily="18" charset="0"/>
                 <a:cs typeface="Times New Roman" pitchFamily="18" charset="0"/>
               </a:rPr>
-              <a:t>slack</a:t>
+              <a:t>B</a:t>
             </a:r>
             <a:endParaRPr lang="en-US" sz="900" dirty="0">
               <a:solidFill>
@@ -5190,21 +5079,24 @@
       </p:sp>
       <p:cxnSp>
         <p:nvCxnSpPr>
-          <p:cNvPr id="12" name="Straight Arrow Connector 11"/>
-          <p:cNvCxnSpPr/>
+          <p:cNvPr id="31" name="Straight Arrow Connector 30"/>
+          <p:cNvCxnSpPr>
+            <a:stCxn id="29" idx="6"/>
+            <a:endCxn id="30" idx="2"/>
+          </p:cNvCxnSpPr>
           <p:nvPr/>
         </p:nvCxnSpPr>
         <p:spPr>
-          <a:xfrm flipV="1">
-            <a:off x="623931" y="522839"/>
-            <a:ext cx="345645" cy="128836"/>
+          <a:xfrm>
+            <a:off x="759948" y="160915"/>
+            <a:ext cx="242493" cy="2"/>
           </a:xfrm>
           <a:prstGeom prst="straightConnector1">
             <a:avLst/>
           </a:prstGeom>
           <a:ln w="19050">
             <a:solidFill>
-              <a:srgbClr val="00B050"/>
+              <a:schemeClr val="tx1"/>
             </a:solidFill>
             <a:headEnd w="sm" len="sm"/>
             <a:tailEnd type="arrow" w="sm" len="sm"/>
@@ -5225,71 +5117,40 @@
           </a:fontRef>
         </p:style>
       </p:cxnSp>
-      <p:cxnSp>
-        <p:nvCxnSpPr>
-          <p:cNvPr id="21" name="Straight Connector 20"/>
-          <p:cNvCxnSpPr/>
-          <p:nvPr/>
-        </p:nvCxnSpPr>
-        <p:spPr>
-          <a:xfrm flipH="1">
-            <a:off x="575368" y="651675"/>
-            <a:ext cx="95890" cy="0"/>
-          </a:xfrm>
-          <a:prstGeom prst="line">
-            <a:avLst/>
-          </a:prstGeom>
-          <a:ln w="19050">
-            <a:solidFill>
-              <a:schemeClr val="tx1"/>
-            </a:solidFill>
-          </a:ln>
-        </p:spPr>
-        <p:style>
-          <a:lnRef idx="1">
-            <a:schemeClr val="accent1"/>
-          </a:lnRef>
-          <a:fillRef idx="0">
-            <a:schemeClr val="accent1"/>
-          </a:fillRef>
-          <a:effectRef idx="0">
-            <a:schemeClr val="accent1"/>
-          </a:effectRef>
-          <a:fontRef idx="minor">
-            <a:schemeClr val="tx1"/>
-          </a:fontRef>
-        </p:style>
-      </p:cxnSp>
-      <p:sp>
-        <p:nvSpPr>
-          <p:cNvPr id="23" name="Rectangle 22"/>
+      <p:sp>
+        <p:nvSpPr>
+          <p:cNvPr id="34" name="Oval 33"/>
           <p:cNvSpPr/>
           <p:nvPr/>
         </p:nvSpPr>
         <p:spPr>
           <a:xfrm>
-            <a:off x="199190" y="536461"/>
-            <a:ext cx="500160" cy="200529"/>
-          </a:xfrm>
-          <a:prstGeom prst="rect">
-            <a:avLst/>
-          </a:prstGeom>
-          <a:noFill/>
-          <a:ln>
-            <a:noFill/>
+            <a:off x="1475363" y="46022"/>
+            <a:ext cx="230429" cy="230429"/>
+          </a:xfrm>
+          <a:prstGeom prst="ellipse">
+            <a:avLst/>
+          </a:prstGeom>
+          <a:solidFill>
+            <a:srgbClr val="66CCFF"/>
+          </a:solidFill>
+          <a:ln w="12700">
+            <a:solidFill>
+              <a:schemeClr val="tx1"/>
+            </a:solidFill>
           </a:ln>
         </p:spPr>
         <p:style>
           <a:lnRef idx="2">
-            <a:schemeClr val="accent2">
+            <a:schemeClr val="accent1">
               <a:shade val="50000"/>
             </a:schemeClr>
           </a:lnRef>
           <a:fillRef idx="1">
-            <a:schemeClr val="accent2"/>
-          </a:fillRef>
-          <a:effectRef idx="0">
-            <a:schemeClr val="accent2"/>
+            <a:schemeClr val="accent1"/>
+          </a:fillRef>
+          <a:effectRef idx="0">
+            <a:schemeClr val="accent1"/>
           </a:effectRef>
           <a:fontRef idx="minor">
             <a:schemeClr val="lt1"/>
@@ -5299,6 +5160,7 @@
           <a:bodyPr rtlCol="0" anchor="ctr"/>
           <a:lstStyle/>
           <a:p>
+            <a:pPr algn="ctr"/>
             <a:r>
               <a:rPr lang="en-US" sz="900" dirty="0" smtClean="0">
                 <a:solidFill>
@@ -5307,7 +5169,7 @@
                 <a:latin typeface="Times New Roman" pitchFamily="18" charset="0"/>
                 <a:cs typeface="Times New Roman" pitchFamily="18" charset="0"/>
               </a:rPr>
-              <a:t>initial slack</a:t>
+              <a:t>C</a:t>
             </a:r>
             <a:endParaRPr lang="en-US" sz="900" dirty="0">
               <a:solidFill>
@@ -5319,36 +5181,342 @@
           </a:p>
         </p:txBody>
       </p:sp>
-      <p:sp>
-        <p:nvSpPr>
-          <p:cNvPr id="56" name="Rectangle 55"/>
+      <p:cxnSp>
+        <p:nvCxnSpPr>
+          <p:cNvPr id="39" name="Straight Arrow Connector 38"/>
+          <p:cNvCxnSpPr/>
+          <p:nvPr/>
+        </p:nvCxnSpPr>
+        <p:spPr>
+          <a:xfrm>
+            <a:off x="1232870" y="161240"/>
+            <a:ext cx="242493" cy="2"/>
+          </a:xfrm>
+          <a:prstGeom prst="straightConnector1">
+            <a:avLst/>
+          </a:prstGeom>
+          <a:ln w="19050">
+            <a:solidFill>
+              <a:schemeClr val="tx1"/>
+            </a:solidFill>
+            <a:headEnd w="sm" len="sm"/>
+            <a:tailEnd type="arrow" w="sm" len="sm"/>
+          </a:ln>
+        </p:spPr>
+        <p:style>
+          <a:lnRef idx="1">
+            <a:schemeClr val="accent1"/>
+          </a:lnRef>
+          <a:fillRef idx="0">
+            <a:schemeClr val="accent1"/>
+          </a:fillRef>
+          <a:effectRef idx="0">
+            <a:schemeClr val="accent1"/>
+          </a:effectRef>
+          <a:fontRef idx="minor">
+            <a:schemeClr val="tx1"/>
+          </a:fontRef>
+        </p:style>
+      </p:cxnSp>
+      <p:sp>
+        <p:nvSpPr>
+          <p:cNvPr id="41" name="Oval 40"/>
           <p:cNvSpPr/>
           <p:nvPr/>
         </p:nvSpPr>
         <p:spPr>
           <a:xfrm>
-            <a:off x="1078854" y="65207"/>
-            <a:ext cx="775204" cy="200529"/>
-          </a:xfrm>
-          <a:prstGeom prst="rect">
-            <a:avLst/>
-          </a:prstGeom>
-          <a:noFill/>
-          <a:ln>
-            <a:noFill/>
+            <a:off x="1948285" y="46022"/>
+            <a:ext cx="230429" cy="230429"/>
+          </a:xfrm>
+          <a:prstGeom prst="ellipse">
+            <a:avLst/>
+          </a:prstGeom>
+          <a:solidFill>
+            <a:srgbClr val="FFFFCC"/>
+          </a:solidFill>
+          <a:ln w="12700">
+            <a:solidFill>
+              <a:schemeClr val="tx1"/>
+            </a:solidFill>
           </a:ln>
         </p:spPr>
         <p:style>
           <a:lnRef idx="2">
-            <a:schemeClr val="accent2">
+            <a:schemeClr val="accent1">
               <a:shade val="50000"/>
             </a:schemeClr>
           </a:lnRef>
           <a:fillRef idx="1">
-            <a:schemeClr val="accent2"/>
-          </a:fillRef>
-          <a:effectRef idx="0">
-            <a:schemeClr val="accent2"/>
+            <a:schemeClr val="accent1"/>
+          </a:fillRef>
+          <a:effectRef idx="0">
+            <a:schemeClr val="accent1"/>
+          </a:effectRef>
+          <a:fontRef idx="minor">
+            <a:schemeClr val="lt1"/>
+          </a:fontRef>
+        </p:style>
+        <p:txBody>
+          <a:bodyPr rtlCol="0" anchor="ctr"/>
+          <a:lstStyle/>
+          <a:p>
+            <a:pPr algn="ctr"/>
+            <a:r>
+              <a:rPr lang="en-US" sz="900" dirty="0">
+                <a:solidFill>
+                  <a:schemeClr val="tx1"/>
+                </a:solidFill>
+                <a:latin typeface="Times New Roman" pitchFamily="18" charset="0"/>
+                <a:cs typeface="Times New Roman" pitchFamily="18" charset="0"/>
+              </a:rPr>
+              <a:t>D</a:t>
+            </a:r>
+          </a:p>
+        </p:txBody>
+      </p:sp>
+      <p:cxnSp>
+        <p:nvCxnSpPr>
+          <p:cNvPr id="42" name="Straight Arrow Connector 41"/>
+          <p:cNvCxnSpPr/>
+          <p:nvPr/>
+        </p:nvCxnSpPr>
+        <p:spPr>
+          <a:xfrm>
+            <a:off x="1705792" y="161238"/>
+            <a:ext cx="242493" cy="2"/>
+          </a:xfrm>
+          <a:prstGeom prst="straightConnector1">
+            <a:avLst/>
+          </a:prstGeom>
+          <a:ln w="19050">
+            <a:solidFill>
+              <a:schemeClr val="tx1"/>
+            </a:solidFill>
+            <a:headEnd w="sm" len="sm"/>
+            <a:tailEnd type="arrow" w="sm" len="sm"/>
+          </a:ln>
+        </p:spPr>
+        <p:style>
+          <a:lnRef idx="1">
+            <a:schemeClr val="accent1"/>
+          </a:lnRef>
+          <a:fillRef idx="0">
+            <a:schemeClr val="accent1"/>
+          </a:fillRef>
+          <a:effectRef idx="0">
+            <a:schemeClr val="accent1"/>
+          </a:effectRef>
+          <a:fontRef idx="minor">
+            <a:schemeClr val="tx1"/>
+          </a:fontRef>
+        </p:style>
+      </p:cxnSp>
+      <p:cxnSp>
+        <p:nvCxnSpPr>
+          <p:cNvPr id="44" name="Straight Arrow Connector 43"/>
+          <p:cNvCxnSpPr/>
+          <p:nvPr/>
+        </p:nvCxnSpPr>
+        <p:spPr>
+          <a:xfrm>
+            <a:off x="2178714" y="161236"/>
+            <a:ext cx="242493" cy="2"/>
+          </a:xfrm>
+          <a:prstGeom prst="straightConnector1">
+            <a:avLst/>
+          </a:prstGeom>
+          <a:ln w="19050">
+            <a:solidFill>
+              <a:schemeClr val="tx1"/>
+            </a:solidFill>
+            <a:headEnd w="sm" len="sm"/>
+            <a:tailEnd type="arrow" w="sm" len="sm"/>
+          </a:ln>
+        </p:spPr>
+        <p:style>
+          <a:lnRef idx="1">
+            <a:schemeClr val="accent1"/>
+          </a:lnRef>
+          <a:fillRef idx="0">
+            <a:schemeClr val="accent1"/>
+          </a:fillRef>
+          <a:effectRef idx="0">
+            <a:schemeClr val="accent1"/>
+          </a:effectRef>
+          <a:fontRef idx="minor">
+            <a:schemeClr val="tx1"/>
+          </a:fontRef>
+        </p:style>
+      </p:cxnSp>
+      <p:sp>
+        <p:nvSpPr>
+          <p:cNvPr id="46" name="Oval 45"/>
+          <p:cNvSpPr/>
+          <p:nvPr/>
+        </p:nvSpPr>
+        <p:spPr>
+          <a:xfrm>
+            <a:off x="1475362" y="343520"/>
+            <a:ext cx="230429" cy="230429"/>
+          </a:xfrm>
+          <a:prstGeom prst="ellipse">
+            <a:avLst/>
+          </a:prstGeom>
+          <a:solidFill>
+            <a:srgbClr val="66CCFF"/>
+          </a:solidFill>
+          <a:ln w="12700">
+            <a:solidFill>
+              <a:schemeClr val="tx1"/>
+            </a:solidFill>
+          </a:ln>
+        </p:spPr>
+        <p:style>
+          <a:lnRef idx="2">
+            <a:schemeClr val="accent1">
+              <a:shade val="50000"/>
+            </a:schemeClr>
+          </a:lnRef>
+          <a:fillRef idx="1">
+            <a:schemeClr val="accent1"/>
+          </a:fillRef>
+          <a:effectRef idx="0">
+            <a:schemeClr val="accent1"/>
+          </a:effectRef>
+          <a:fontRef idx="minor">
+            <a:schemeClr val="lt1"/>
+          </a:fontRef>
+        </p:style>
+        <p:txBody>
+          <a:bodyPr rtlCol="0" anchor="ctr"/>
+          <a:lstStyle/>
+          <a:p>
+            <a:pPr algn="ctr"/>
+            <a:r>
+              <a:rPr lang="en-US" sz="900" dirty="0">
+                <a:solidFill>
+                  <a:schemeClr val="tx1"/>
+                </a:solidFill>
+                <a:latin typeface="Times New Roman" pitchFamily="18" charset="0"/>
+                <a:cs typeface="Times New Roman" pitchFamily="18" charset="0"/>
+              </a:rPr>
+              <a:t>F</a:t>
+            </a:r>
+          </a:p>
+        </p:txBody>
+      </p:sp>
+      <p:cxnSp>
+        <p:nvCxnSpPr>
+          <p:cNvPr id="47" name="Straight Arrow Connector 46"/>
+          <p:cNvCxnSpPr>
+            <a:stCxn id="30" idx="5"/>
+            <a:endCxn id="46" idx="2"/>
+          </p:cNvCxnSpPr>
+          <p:nvPr/>
+        </p:nvCxnSpPr>
+        <p:spPr>
+          <a:xfrm>
+            <a:off x="1199124" y="242385"/>
+            <a:ext cx="276238" cy="216350"/>
+          </a:xfrm>
+          <a:prstGeom prst="straightConnector1">
+            <a:avLst/>
+          </a:prstGeom>
+          <a:ln w="19050">
+            <a:solidFill>
+              <a:schemeClr val="tx1"/>
+            </a:solidFill>
+            <a:headEnd w="sm" len="sm"/>
+            <a:tailEnd type="arrow" w="sm" len="sm"/>
+          </a:ln>
+        </p:spPr>
+        <p:style>
+          <a:lnRef idx="1">
+            <a:schemeClr val="accent1"/>
+          </a:lnRef>
+          <a:fillRef idx="0">
+            <a:schemeClr val="accent1"/>
+          </a:fillRef>
+          <a:effectRef idx="0">
+            <a:schemeClr val="accent1"/>
+          </a:effectRef>
+          <a:fontRef idx="minor">
+            <a:schemeClr val="tx1"/>
+          </a:fontRef>
+        </p:style>
+      </p:cxnSp>
+      <p:cxnSp>
+        <p:nvCxnSpPr>
+          <p:cNvPr id="51" name="Straight Arrow Connector 50"/>
+          <p:cNvCxnSpPr/>
+          <p:nvPr/>
+        </p:nvCxnSpPr>
+        <p:spPr>
+          <a:xfrm>
+            <a:off x="1709344" y="458735"/>
+            <a:ext cx="242493" cy="2"/>
+          </a:xfrm>
+          <a:prstGeom prst="straightConnector1">
+            <a:avLst/>
+          </a:prstGeom>
+          <a:ln w="19050">
+            <a:solidFill>
+              <a:schemeClr val="tx1"/>
+            </a:solidFill>
+            <a:headEnd w="sm" len="sm"/>
+            <a:tailEnd type="arrow" w="sm" len="sm"/>
+          </a:ln>
+        </p:spPr>
+        <p:style>
+          <a:lnRef idx="1">
+            <a:schemeClr val="accent1"/>
+          </a:lnRef>
+          <a:fillRef idx="0">
+            <a:schemeClr val="accent1"/>
+          </a:fillRef>
+          <a:effectRef idx="0">
+            <a:schemeClr val="accent1"/>
+          </a:effectRef>
+          <a:fontRef idx="minor">
+            <a:schemeClr val="tx1"/>
+          </a:fontRef>
+        </p:style>
+      </p:cxnSp>
+      <p:sp>
+        <p:nvSpPr>
+          <p:cNvPr id="2" name="Rectangle 1"/>
+          <p:cNvSpPr/>
+          <p:nvPr/>
+        </p:nvSpPr>
+        <p:spPr>
+          <a:xfrm>
+            <a:off x="1951837" y="343520"/>
+            <a:ext cx="230429" cy="230429"/>
+          </a:xfrm>
+          <a:prstGeom prst="rect">
+            <a:avLst/>
+          </a:prstGeom>
+          <a:solidFill>
+            <a:srgbClr val="FFFFCC"/>
+          </a:solidFill>
+          <a:ln w="12700">
+            <a:solidFill>
+              <a:schemeClr val="tx1"/>
+            </a:solidFill>
+          </a:ln>
+        </p:spPr>
+        <p:style>
+          <a:lnRef idx="2">
+            <a:schemeClr val="accent1">
+              <a:shade val="50000"/>
+            </a:schemeClr>
+          </a:lnRef>
+          <a:fillRef idx="1">
+            <a:schemeClr val="accent1"/>
+          </a:fillRef>
+          <a:effectRef idx="0">
+            <a:schemeClr val="accent1"/>
           </a:effectRef>
           <a:fontRef idx="minor">
             <a:schemeClr val="lt1"/>
@@ -5367,7 +5535,7 @@
                 <a:latin typeface="Times New Roman" pitchFamily="18" charset="0"/>
                 <a:cs typeface="Times New Roman" pitchFamily="18" charset="0"/>
               </a:rPr>
-              <a:t>monitoring overheads</a:t>
+              <a:t>G</a:t>
             </a:r>
             <a:endParaRPr lang="en-US" sz="900" dirty="0">
               <a:solidFill>
@@ -5379,258 +5547,40 @@
           </a:p>
         </p:txBody>
       </p:sp>
-      <p:cxnSp>
-        <p:nvCxnSpPr>
-          <p:cNvPr id="67" name="Straight Arrow Connector 66"/>
-          <p:cNvCxnSpPr/>
-          <p:nvPr/>
-        </p:nvCxnSpPr>
-        <p:spPr>
-          <a:xfrm>
-            <a:off x="969576" y="522839"/>
-            <a:ext cx="190634" cy="198834"/>
-          </a:xfrm>
-          <a:prstGeom prst="straightConnector1">
-            <a:avLst/>
-          </a:prstGeom>
-          <a:ln w="19050">
-            <a:solidFill>
-              <a:srgbClr val="C00000"/>
-            </a:solidFill>
-            <a:headEnd w="sm" len="sm"/>
-            <a:tailEnd type="arrow" w="sm" len="sm"/>
-          </a:ln>
-        </p:spPr>
-        <p:style>
-          <a:lnRef idx="1">
-            <a:schemeClr val="accent1"/>
-          </a:lnRef>
-          <a:fillRef idx="0">
-            <a:schemeClr val="accent1"/>
-          </a:fillRef>
-          <a:effectRef idx="0">
-            <a:schemeClr val="accent1"/>
-          </a:effectRef>
-          <a:fontRef idx="minor">
-            <a:schemeClr val="tx1"/>
-          </a:fontRef>
-        </p:style>
-      </p:cxnSp>
-      <p:cxnSp>
-        <p:nvCxnSpPr>
-          <p:cNvPr id="69" name="Straight Arrow Connector 68"/>
-          <p:cNvCxnSpPr/>
-          <p:nvPr/>
-        </p:nvCxnSpPr>
-        <p:spPr>
-          <a:xfrm flipV="1">
-            <a:off x="1160210" y="592837"/>
-            <a:ext cx="345645" cy="128836"/>
-          </a:xfrm>
-          <a:prstGeom prst="straightConnector1">
-            <a:avLst/>
-          </a:prstGeom>
-          <a:ln w="19050">
-            <a:solidFill>
-              <a:srgbClr val="00B050"/>
-            </a:solidFill>
-            <a:headEnd w="sm" len="sm"/>
-            <a:tailEnd type="arrow" w="sm" len="sm"/>
-          </a:ln>
-        </p:spPr>
-        <p:style>
-          <a:lnRef idx="1">
-            <a:schemeClr val="accent1"/>
-          </a:lnRef>
-          <a:fillRef idx="0">
-            <a:schemeClr val="accent1"/>
-          </a:fillRef>
-          <a:effectRef idx="0">
-            <a:schemeClr val="accent1"/>
-          </a:effectRef>
-          <a:fontRef idx="minor">
-            <a:schemeClr val="tx1"/>
-          </a:fontRef>
-        </p:style>
-      </p:cxnSp>
-      <p:cxnSp>
-        <p:nvCxnSpPr>
-          <p:cNvPr id="71" name="Straight Arrow Connector 70"/>
-          <p:cNvCxnSpPr/>
-          <p:nvPr/>
-        </p:nvCxnSpPr>
-        <p:spPr>
-          <a:xfrm flipH="1">
-            <a:off x="1064894" y="314535"/>
-            <a:ext cx="210531" cy="272722"/>
-          </a:xfrm>
-          <a:prstGeom prst="straightConnector1">
-            <a:avLst/>
-          </a:prstGeom>
-          <a:ln w="19050">
-            <a:solidFill>
-              <a:schemeClr val="tx1"/>
-            </a:solidFill>
-            <a:headEnd w="sm" len="sm"/>
-            <a:tailEnd type="arrow" w="sm" len="sm"/>
-          </a:ln>
-        </p:spPr>
-        <p:style>
-          <a:lnRef idx="1">
-            <a:schemeClr val="accent1"/>
-          </a:lnRef>
-          <a:fillRef idx="0">
-            <a:schemeClr val="accent1"/>
-          </a:fillRef>
-          <a:effectRef idx="0">
-            <a:schemeClr val="accent1"/>
-          </a:effectRef>
-          <a:fontRef idx="minor">
-            <a:schemeClr val="tx1"/>
-          </a:fontRef>
-        </p:style>
-      </p:cxnSp>
-      <p:cxnSp>
-        <p:nvCxnSpPr>
-          <p:cNvPr id="74" name="Straight Arrow Connector 73"/>
-          <p:cNvCxnSpPr/>
-          <p:nvPr/>
-        </p:nvCxnSpPr>
-        <p:spPr>
-          <a:xfrm>
-            <a:off x="1625986" y="314325"/>
-            <a:ext cx="0" cy="342930"/>
-          </a:xfrm>
-          <a:prstGeom prst="straightConnector1">
-            <a:avLst/>
-          </a:prstGeom>
-          <a:ln w="19050">
-            <a:solidFill>
-              <a:schemeClr val="tx1"/>
-            </a:solidFill>
-            <a:headEnd w="sm" len="sm"/>
-            <a:tailEnd type="arrow" w="sm" len="sm"/>
-          </a:ln>
-        </p:spPr>
-        <p:style>
-          <a:lnRef idx="1">
-            <a:schemeClr val="accent1"/>
-          </a:lnRef>
-          <a:fillRef idx="0">
-            <a:schemeClr val="accent1"/>
-          </a:fillRef>
-          <a:effectRef idx="0">
-            <a:schemeClr val="accent1"/>
-          </a:effectRef>
-          <a:fontRef idx="minor">
-            <a:schemeClr val="tx1"/>
-          </a:fontRef>
-        </p:style>
-      </p:cxnSp>
-      <p:cxnSp>
-        <p:nvCxnSpPr>
-          <p:cNvPr id="14" name="Straight Arrow Connector 13"/>
-          <p:cNvCxnSpPr/>
-          <p:nvPr/>
-        </p:nvCxnSpPr>
-        <p:spPr>
-          <a:xfrm>
-            <a:off x="1505855" y="595299"/>
-            <a:ext cx="422455" cy="440627"/>
-          </a:xfrm>
-          <a:prstGeom prst="straightConnector1">
-            <a:avLst/>
-          </a:prstGeom>
-          <a:ln w="19050">
-            <a:solidFill>
-              <a:srgbClr val="C00000"/>
-            </a:solidFill>
-            <a:headEnd w="sm" len="sm"/>
-            <a:tailEnd type="arrow" w="sm" len="sm"/>
-          </a:ln>
-        </p:spPr>
-        <p:style>
-          <a:lnRef idx="1">
-            <a:schemeClr val="accent1"/>
-          </a:lnRef>
-          <a:fillRef idx="0">
-            <a:schemeClr val="accent1"/>
-          </a:fillRef>
-          <a:effectRef idx="0">
-            <a:schemeClr val="accent1"/>
-          </a:effectRef>
-          <a:fontRef idx="minor">
-            <a:schemeClr val="tx1"/>
-          </a:fontRef>
-        </p:style>
-      </p:cxnSp>
-      <p:cxnSp>
-        <p:nvCxnSpPr>
-          <p:cNvPr id="46" name="Straight Arrow Connector 45"/>
-          <p:cNvCxnSpPr/>
-          <p:nvPr/>
-        </p:nvCxnSpPr>
-        <p:spPr>
-          <a:xfrm flipV="1">
-            <a:off x="1928310" y="657197"/>
-            <a:ext cx="1016065" cy="378729"/>
-          </a:xfrm>
-          <a:prstGeom prst="straightConnector1">
-            <a:avLst/>
-          </a:prstGeom>
-          <a:ln w="19050">
-            <a:solidFill>
-              <a:srgbClr val="00B050"/>
-            </a:solidFill>
-            <a:headEnd w="sm" len="sm"/>
-            <a:tailEnd type="arrow" w="sm" len="sm"/>
-          </a:ln>
-        </p:spPr>
-        <p:style>
-          <a:lnRef idx="1">
-            <a:schemeClr val="accent1"/>
-          </a:lnRef>
-          <a:fillRef idx="0">
-            <a:schemeClr val="accent1"/>
-          </a:fillRef>
-          <a:effectRef idx="0">
-            <a:schemeClr val="accent1"/>
-          </a:effectRef>
-          <a:fontRef idx="minor">
-            <a:schemeClr val="tx1"/>
-          </a:fontRef>
-        </p:style>
-      </p:cxnSp>
-      <p:sp>
-        <p:nvSpPr>
-          <p:cNvPr id="25" name="Rectangle 24"/>
+      <p:sp>
+        <p:nvSpPr>
+          <p:cNvPr id="16" name="Rectangle 15"/>
           <p:cNvSpPr/>
           <p:nvPr/>
         </p:nvSpPr>
         <p:spPr>
           <a:xfrm>
-            <a:off x="808787" y="1074130"/>
-            <a:ext cx="743462" cy="200529"/>
+            <a:off x="2421207" y="45699"/>
+            <a:ext cx="230429" cy="230429"/>
           </a:xfrm>
           <a:prstGeom prst="rect">
             <a:avLst/>
           </a:prstGeom>
-          <a:noFill/>
-          <a:ln>
-            <a:noFill/>
+          <a:solidFill>
+            <a:srgbClr val="FFFFCC"/>
+          </a:solidFill>
+          <a:ln w="12700">
+            <a:solidFill>
+              <a:schemeClr val="tx1"/>
+            </a:solidFill>
           </a:ln>
         </p:spPr>
         <p:style>
           <a:lnRef idx="2">
-            <a:schemeClr val="accent2">
+            <a:schemeClr val="accent1">
               <a:shade val="50000"/>
             </a:schemeClr>
           </a:lnRef>
           <a:fillRef idx="1">
-            <a:schemeClr val="accent2"/>
-          </a:fillRef>
-          <a:effectRef idx="0">
-            <a:schemeClr val="accent2"/>
+            <a:schemeClr val="accent1"/>
+          </a:fillRef>
+          <a:effectRef idx="0">
+            <a:schemeClr val="accent1"/>
           </a:effectRef>
           <a:fontRef idx="minor">
             <a:schemeClr val="lt1"/>
@@ -5649,7 +5599,7 @@
                 <a:latin typeface="Times New Roman" pitchFamily="18" charset="0"/>
                 <a:cs typeface="Times New Roman" pitchFamily="18" charset="0"/>
               </a:rPr>
-              <a:t>perform monitoring</a:t>
+              <a:t>E</a:t>
             </a:r>
             <a:endParaRPr lang="en-US" sz="900" dirty="0">
               <a:solidFill>
@@ -5661,136 +5611,23 @@
           </a:p>
         </p:txBody>
       </p:sp>
-      <p:sp>
-        <p:nvSpPr>
-          <p:cNvPr id="27" name="Rectangle 26"/>
-          <p:cNvSpPr/>
-          <p:nvPr/>
-        </p:nvSpPr>
-        <p:spPr>
-          <a:xfrm>
-            <a:off x="1713530" y="1074130"/>
-            <a:ext cx="729695" cy="200529"/>
-          </a:xfrm>
-          <a:prstGeom prst="rect">
-            <a:avLst/>
-          </a:prstGeom>
-          <a:noFill/>
-          <a:ln>
-            <a:noFill/>
-          </a:ln>
-        </p:spPr>
-        <p:style>
-          <a:lnRef idx="2">
-            <a:schemeClr val="accent2">
-              <a:shade val="50000"/>
-            </a:schemeClr>
-          </a:lnRef>
-          <a:fillRef idx="1">
-            <a:schemeClr val="accent2"/>
-          </a:fillRef>
-          <a:effectRef idx="0">
-            <a:schemeClr val="accent2"/>
-          </a:effectRef>
-          <a:fontRef idx="minor">
-            <a:schemeClr val="lt1"/>
-          </a:fontRef>
-        </p:style>
-        <p:txBody>
-          <a:bodyPr rtlCol="0" anchor="ctr"/>
-          <a:lstStyle/>
-          <a:p>
-            <a:pPr algn="ctr"/>
-            <a:r>
-              <a:rPr lang="en-US" sz="900" dirty="0" smtClean="0">
-                <a:solidFill>
-                  <a:schemeClr val="tx1"/>
-                </a:solidFill>
-                <a:latin typeface="Times New Roman" pitchFamily="18" charset="0"/>
-                <a:cs typeface="Times New Roman" pitchFamily="18" charset="0"/>
-              </a:rPr>
-              <a:t>drop monitoring</a:t>
-            </a:r>
-            <a:endParaRPr lang="en-US" sz="900" dirty="0">
-              <a:solidFill>
-                <a:schemeClr val="tx1"/>
-              </a:solidFill>
-              <a:latin typeface="Times New Roman" pitchFamily="18" charset="0"/>
-              <a:cs typeface="Times New Roman" pitchFamily="18" charset="0"/>
-            </a:endParaRPr>
-          </a:p>
-        </p:txBody>
-      </p:sp>
-      <p:sp>
-        <p:nvSpPr>
-          <p:cNvPr id="34" name="Rectangle 33"/>
-          <p:cNvSpPr/>
-          <p:nvPr/>
-        </p:nvSpPr>
-        <p:spPr>
-          <a:xfrm>
-            <a:off x="2392938" y="1074129"/>
-            <a:ext cx="743462" cy="200529"/>
-          </a:xfrm>
-          <a:prstGeom prst="rect">
-            <a:avLst/>
-          </a:prstGeom>
-          <a:noFill/>
-          <a:ln>
-            <a:noFill/>
-          </a:ln>
-        </p:spPr>
-        <p:style>
-          <a:lnRef idx="2">
-            <a:schemeClr val="accent2">
-              <a:shade val="50000"/>
-            </a:schemeClr>
-          </a:lnRef>
-          <a:fillRef idx="1">
-            <a:schemeClr val="accent2"/>
-          </a:fillRef>
-          <a:effectRef idx="0">
-            <a:schemeClr val="accent2"/>
-          </a:effectRef>
-          <a:fontRef idx="minor">
-            <a:schemeClr val="lt1"/>
-          </a:fontRef>
-        </p:style>
-        <p:txBody>
-          <a:bodyPr rtlCol="0" anchor="ctr"/>
-          <a:lstStyle/>
-          <a:p>
-            <a:pPr algn="ctr"/>
-            <a:r>
-              <a:rPr lang="en-US" sz="900" dirty="0" smtClean="0">
-                <a:solidFill>
-                  <a:schemeClr val="tx1"/>
-                </a:solidFill>
-                <a:latin typeface="Times New Roman" pitchFamily="18" charset="0"/>
-                <a:cs typeface="Times New Roman" pitchFamily="18" charset="0"/>
-              </a:rPr>
-              <a:t>perform monitoring</a:t>
-            </a:r>
-            <a:endParaRPr lang="en-US" sz="900" dirty="0">
-              <a:solidFill>
-                <a:schemeClr val="tx1"/>
-              </a:solidFill>
-              <a:latin typeface="Times New Roman" pitchFamily="18" charset="0"/>
-              <a:cs typeface="Times New Roman" pitchFamily="18" charset="0"/>
-            </a:endParaRPr>
-          </a:p>
-        </p:txBody>
-      </p:sp>
     </p:spTree>
     <p:extLst>
       <p:ext uri="{BB962C8B-B14F-4D97-AF65-F5344CB8AC3E}">
-        <p14:creationId xmlns:p14="http://schemas.microsoft.com/office/powerpoint/2010/main" val="1614472030"/>
+        <p14:creationId xmlns:p14="http://schemas.microsoft.com/office/powerpoint/2010/main" val="2263311733"/>
       </p:ext>
     </p:extLst>
   </p:cSld>
   <p:clrMapOvr>
     <a:masterClrMapping/>
   </p:clrMapOvr>
+  <p:timing>
+    <p:tnLst>
+      <p:par>
+        <p:cTn id="1" dur="indefinite" restart="never" nodeType="tmRoot"/>
+      </p:par>
+    </p:tnLst>
+  </p:timing>
 </p:sld>
 </file>
 
@@ -5813,104 +5650,25 @@
       </p:grpSpPr>
       <p:sp>
         <p:nvSpPr>
-          <p:cNvPr id="58" name="TextBox 57"/>
-          <p:cNvSpPr txBox="1"/>
-          <p:nvPr/>
-        </p:nvSpPr>
-        <p:spPr>
-          <a:xfrm>
-            <a:off x="1219126" y="186452"/>
-            <a:ext cx="342669" cy="230832"/>
+          <p:cNvPr id="3" name="Rectangle 2"/>
+          <p:cNvSpPr/>
+          <p:nvPr/>
+        </p:nvSpPr>
+        <p:spPr>
+          <a:xfrm>
+            <a:off x="1753820" y="65208"/>
+            <a:ext cx="649117" cy="1247858"/>
           </a:xfrm>
           <a:prstGeom prst="rect">
             <a:avLst/>
           </a:prstGeom>
-          <a:noFill/>
-          <a:ln w="12700">
+          <a:solidFill>
+            <a:schemeClr val="bg1">
+              <a:lumMod val="75000"/>
+            </a:schemeClr>
+          </a:solidFill>
+          <a:ln>
             <a:noFill/>
-          </a:ln>
-        </p:spPr>
-        <p:txBody>
-          <a:bodyPr wrap="square" rtlCol="0">
-            <a:spAutoFit/>
-          </a:bodyPr>
-          <a:lstStyle/>
-          <a:p>
-            <a:r>
-              <a:rPr lang="en-US" sz="900" dirty="0" err="1" smtClean="0">
-                <a:latin typeface="Times New Roman" pitchFamily="18" charset="0"/>
-                <a:cs typeface="Times New Roman" pitchFamily="18" charset="0"/>
-              </a:rPr>
-              <a:t>clk</a:t>
-            </a:r>
-            <a:endParaRPr lang="en-US" sz="900" dirty="0">
-              <a:latin typeface="Times New Roman" pitchFamily="18" charset="0"/>
-              <a:cs typeface="Times New Roman" pitchFamily="18" charset="0"/>
-            </a:endParaRPr>
-          </a:p>
-        </p:txBody>
-      </p:sp>
-      <p:sp>
-        <p:nvSpPr>
-          <p:cNvPr id="60" name="TextBox 59"/>
-          <p:cNvSpPr txBox="1"/>
-          <p:nvPr/>
-        </p:nvSpPr>
-        <p:spPr>
-          <a:xfrm>
-            <a:off x="102405" y="-67464"/>
-            <a:ext cx="750409" cy="369332"/>
-          </a:xfrm>
-          <a:prstGeom prst="rect">
-            <a:avLst/>
-          </a:prstGeom>
-          <a:noFill/>
-          <a:ln w="12700">
-            <a:noFill/>
-          </a:ln>
-        </p:spPr>
-        <p:txBody>
-          <a:bodyPr wrap="square" rtlCol="0">
-            <a:spAutoFit/>
-          </a:bodyPr>
-          <a:lstStyle/>
-          <a:p>
-            <a:pPr algn="ctr"/>
-            <a:r>
-              <a:rPr lang="en-US" sz="900" dirty="0" smtClean="0">
-                <a:latin typeface="Times New Roman" pitchFamily="18" charset="0"/>
-                <a:cs typeface="Times New Roman" pitchFamily="18" charset="0"/>
-              </a:rPr>
-              <a:t>overhead budget (%)</a:t>
-            </a:r>
-            <a:endParaRPr lang="en-US" sz="900" dirty="0">
-              <a:latin typeface="Times New Roman" pitchFamily="18" charset="0"/>
-              <a:cs typeface="Times New Roman" pitchFamily="18" charset="0"/>
-            </a:endParaRPr>
-          </a:p>
-        </p:txBody>
-      </p:sp>
-      <p:sp>
-        <p:nvSpPr>
-          <p:cNvPr id="53" name="Rectangle 52"/>
-          <p:cNvSpPr/>
-          <p:nvPr/>
-        </p:nvSpPr>
-        <p:spPr>
-          <a:xfrm>
-            <a:off x="1946307" y="50623"/>
-            <a:ext cx="596185" cy="317208"/>
-          </a:xfrm>
-          <a:prstGeom prst="rect">
-            <a:avLst/>
-          </a:prstGeom>
-          <a:solidFill>
-            <a:srgbClr val="FFFFCC"/>
-          </a:solidFill>
-          <a:ln w="12700">
-            <a:solidFill>
-              <a:schemeClr val="tx1"/>
-            </a:solidFill>
           </a:ln>
         </p:spPr>
         <p:style>
@@ -5934,6 +5692,123 @@
           <a:lstStyle/>
           <a:p>
             <a:pPr algn="ctr"/>
+            <a:endParaRPr lang="en-US" sz="900"/>
+          </a:p>
+        </p:txBody>
+      </p:sp>
+      <p:cxnSp>
+        <p:nvCxnSpPr>
+          <p:cNvPr id="4" name="Straight Arrow Connector 3"/>
+          <p:cNvCxnSpPr/>
+          <p:nvPr/>
+        </p:nvCxnSpPr>
+        <p:spPr>
+          <a:xfrm flipV="1">
+            <a:off x="623931" y="45700"/>
+            <a:ext cx="0" cy="1205505"/>
+          </a:xfrm>
+          <a:prstGeom prst="straightConnector1">
+            <a:avLst/>
+          </a:prstGeom>
+          <a:ln w="19050">
+            <a:solidFill>
+              <a:schemeClr val="tx1"/>
+            </a:solidFill>
+            <a:headEnd w="sm" len="sm"/>
+            <a:tailEnd type="arrow" w="sm" len="sm"/>
+          </a:ln>
+        </p:spPr>
+        <p:style>
+          <a:lnRef idx="1">
+            <a:schemeClr val="accent1"/>
+          </a:lnRef>
+          <a:fillRef idx="0">
+            <a:schemeClr val="accent1"/>
+          </a:fillRef>
+          <a:effectRef idx="0">
+            <a:schemeClr val="accent1"/>
+          </a:effectRef>
+          <a:fontRef idx="minor">
+            <a:schemeClr val="tx1"/>
+          </a:fontRef>
+        </p:style>
+      </p:cxnSp>
+      <p:cxnSp>
+        <p:nvCxnSpPr>
+          <p:cNvPr id="6" name="Straight Arrow Connector 5"/>
+          <p:cNvCxnSpPr/>
+          <p:nvPr/>
+        </p:nvCxnSpPr>
+        <p:spPr>
+          <a:xfrm>
+            <a:off x="489960" y="852205"/>
+            <a:ext cx="2646440" cy="0"/>
+          </a:xfrm>
+          <a:prstGeom prst="straightConnector1">
+            <a:avLst/>
+          </a:prstGeom>
+          <a:ln w="19050">
+            <a:solidFill>
+              <a:schemeClr val="tx1"/>
+            </a:solidFill>
+            <a:headEnd w="sm" len="sm"/>
+            <a:tailEnd type="arrow" w="sm" len="sm"/>
+          </a:ln>
+        </p:spPr>
+        <p:style>
+          <a:lnRef idx="1">
+            <a:schemeClr val="accent1"/>
+          </a:lnRef>
+          <a:fillRef idx="0">
+            <a:schemeClr val="accent1"/>
+          </a:fillRef>
+          <a:effectRef idx="0">
+            <a:schemeClr val="accent1"/>
+          </a:effectRef>
+          <a:fontRef idx="minor">
+            <a:schemeClr val="tx1"/>
+          </a:fontRef>
+        </p:style>
+      </p:cxnSp>
+      <p:sp>
+        <p:nvSpPr>
+          <p:cNvPr id="8" name="Rectangle 7"/>
+          <p:cNvSpPr/>
+          <p:nvPr/>
+        </p:nvSpPr>
+        <p:spPr>
+          <a:xfrm>
+            <a:off x="2878581" y="843701"/>
+            <a:ext cx="437487" cy="200529"/>
+          </a:xfrm>
+          <a:prstGeom prst="rect">
+            <a:avLst/>
+          </a:prstGeom>
+          <a:noFill/>
+          <a:ln>
+            <a:noFill/>
+          </a:ln>
+        </p:spPr>
+        <p:style>
+          <a:lnRef idx="2">
+            <a:schemeClr val="accent2">
+              <a:shade val="50000"/>
+            </a:schemeClr>
+          </a:lnRef>
+          <a:fillRef idx="1">
+            <a:schemeClr val="accent2"/>
+          </a:fillRef>
+          <a:effectRef idx="0">
+            <a:schemeClr val="accent2"/>
+          </a:effectRef>
+          <a:fontRef idx="minor">
+            <a:schemeClr val="lt1"/>
+          </a:fontRef>
+        </p:style>
+        <p:txBody>
+          <a:bodyPr rtlCol="0" anchor="ctr"/>
+          <a:lstStyle/>
+          <a:p>
             <a:r>
               <a:rPr lang="en-US" sz="900" dirty="0" smtClean="0">
                 <a:solidFill>
@@ -5942,7 +5817,7 @@
                 <a:latin typeface="Times New Roman" pitchFamily="18" charset="0"/>
                 <a:cs typeface="Times New Roman" pitchFamily="18" charset="0"/>
               </a:rPr>
-              <a:t>Slack Counter</a:t>
+              <a:t>time</a:t>
             </a:r>
             <a:endParaRPr lang="en-US" sz="900" dirty="0">
               <a:solidFill>
@@ -5954,193 +5829,36 @@
           </a:p>
         </p:txBody>
       </p:sp>
-      <p:cxnSp>
-        <p:nvCxnSpPr>
-          <p:cNvPr id="65" name="Straight Arrow Connector 64"/>
-          <p:cNvCxnSpPr/>
-          <p:nvPr/>
-        </p:nvCxnSpPr>
-        <p:spPr>
-          <a:xfrm flipV="1">
-            <a:off x="2244399" y="367832"/>
-            <a:ext cx="0" cy="164133"/>
-          </a:xfrm>
-          <a:prstGeom prst="straightConnector1">
-            <a:avLst/>
-          </a:prstGeom>
-          <a:ln w="19050">
-            <a:solidFill>
-              <a:schemeClr val="tx1"/>
-            </a:solidFill>
-            <a:headEnd w="sm" len="sm"/>
-            <a:tailEnd type="arrow" w="sm" len="sm"/>
-          </a:ln>
-        </p:spPr>
-        <p:style>
-          <a:lnRef idx="1">
-            <a:schemeClr val="accent1"/>
-          </a:lnRef>
-          <a:fillRef idx="0">
-            <a:schemeClr val="accent1"/>
-          </a:fillRef>
-          <a:effectRef idx="0">
-            <a:schemeClr val="accent1"/>
-          </a:effectRef>
-          <a:fontRef idx="minor">
-            <a:schemeClr val="tx1"/>
-          </a:fontRef>
-        </p:style>
-      </p:cxnSp>
-      <p:sp>
-        <p:nvSpPr>
-          <p:cNvPr id="67" name="TextBox 66"/>
-          <p:cNvSpPr txBox="1"/>
-          <p:nvPr/>
-        </p:nvSpPr>
-        <p:spPr>
-          <a:xfrm>
-            <a:off x="1987927" y="494905"/>
-            <a:ext cx="512943" cy="230832"/>
+      <p:sp>
+        <p:nvSpPr>
+          <p:cNvPr id="9" name="Rectangle 8"/>
+          <p:cNvSpPr/>
+          <p:nvPr/>
+        </p:nvSpPr>
+        <p:spPr>
+          <a:xfrm>
+            <a:off x="238490" y="46824"/>
+            <a:ext cx="500160" cy="200529"/>
           </a:xfrm>
           <a:prstGeom prst="rect">
             <a:avLst/>
           </a:prstGeom>
           <a:noFill/>
-          <a:ln w="12700">
+          <a:ln>
             <a:noFill/>
           </a:ln>
         </p:spPr>
-        <p:txBody>
-          <a:bodyPr wrap="square" rtlCol="0">
-            <a:spAutoFit/>
-          </a:bodyPr>
-          <a:lstStyle/>
-          <a:p>
-            <a:pPr algn="ctr"/>
-            <a:r>
-              <a:rPr lang="en-US" sz="900" dirty="0" smtClean="0">
-                <a:latin typeface="Times New Roman" pitchFamily="18" charset="0"/>
-                <a:cs typeface="Times New Roman" pitchFamily="18" charset="0"/>
-              </a:rPr>
-              <a:t>stall</a:t>
-            </a:r>
-            <a:endParaRPr lang="en-US" sz="900" dirty="0">
-              <a:latin typeface="Times New Roman" pitchFamily="18" charset="0"/>
-              <a:cs typeface="Times New Roman" pitchFamily="18" charset="0"/>
-            </a:endParaRPr>
-          </a:p>
-        </p:txBody>
-      </p:sp>
-      <p:sp>
-        <p:nvSpPr>
-          <p:cNvPr id="75" name="TextBox 74"/>
-          <p:cNvSpPr txBox="1"/>
-          <p:nvPr/>
-        </p:nvSpPr>
-        <p:spPr>
-          <a:xfrm>
-            <a:off x="2546647" y="797"/>
-            <a:ext cx="512943" cy="230832"/>
-          </a:xfrm>
-          <a:prstGeom prst="rect">
-            <a:avLst/>
-          </a:prstGeom>
-          <a:noFill/>
-          <a:ln w="12700">
-            <a:noFill/>
-          </a:ln>
-        </p:spPr>
-        <p:txBody>
-          <a:bodyPr wrap="square" rtlCol="0">
-            <a:spAutoFit/>
-          </a:bodyPr>
-          <a:lstStyle/>
-          <a:p>
-            <a:r>
-              <a:rPr lang="en-US" sz="900" dirty="0" smtClean="0">
-                <a:latin typeface="Times New Roman" pitchFamily="18" charset="0"/>
-                <a:cs typeface="Times New Roman" pitchFamily="18" charset="0"/>
-              </a:rPr>
-              <a:t>slack</a:t>
-            </a:r>
-            <a:endParaRPr lang="en-US" sz="900" dirty="0">
-              <a:latin typeface="Times New Roman" pitchFamily="18" charset="0"/>
-              <a:cs typeface="Times New Roman" pitchFamily="18" charset="0"/>
-            </a:endParaRPr>
-          </a:p>
-        </p:txBody>
-      </p:sp>
-      <p:cxnSp>
-        <p:nvCxnSpPr>
-          <p:cNvPr id="23" name="Straight Arrow Connector 22"/>
-          <p:cNvCxnSpPr/>
-          <p:nvPr/>
-        </p:nvCxnSpPr>
-        <p:spPr>
-          <a:xfrm>
-            <a:off x="755290" y="116213"/>
-            <a:ext cx="327954" cy="0"/>
-          </a:xfrm>
-          <a:prstGeom prst="straightConnector1">
-            <a:avLst/>
-          </a:prstGeom>
-          <a:ln w="19050">
-            <a:solidFill>
-              <a:schemeClr val="tx1"/>
-            </a:solidFill>
-            <a:headEnd w="sm" len="sm"/>
-            <a:tailEnd type="arrow" w="sm" len="sm"/>
-          </a:ln>
-        </p:spPr>
-        <p:style>
-          <a:lnRef idx="1">
-            <a:schemeClr val="accent1"/>
-          </a:lnRef>
-          <a:fillRef idx="0">
-            <a:schemeClr val="accent1"/>
-          </a:fillRef>
-          <a:effectRef idx="0">
-            <a:schemeClr val="accent1"/>
-          </a:effectRef>
-          <a:fontRef idx="minor">
-            <a:schemeClr val="tx1"/>
-          </a:fontRef>
-        </p:style>
-      </p:cxnSp>
-      <p:sp>
-        <p:nvSpPr>
-          <p:cNvPr id="16" name="Rectangle 15"/>
-          <p:cNvSpPr/>
-          <p:nvPr/>
-        </p:nvSpPr>
-        <p:spPr>
-          <a:xfrm>
-            <a:off x="1083244" y="45901"/>
-            <a:ext cx="401741" cy="140624"/>
-          </a:xfrm>
-          <a:prstGeom prst="rect">
-            <a:avLst/>
-          </a:prstGeom>
-          <a:solidFill>
-            <a:srgbClr val="FFFFCC"/>
-          </a:solidFill>
-          <a:ln w="12700">
-            <a:solidFill>
-              <a:schemeClr val="tx1"/>
-            </a:solidFill>
-          </a:ln>
-        </p:spPr>
         <p:style>
           <a:lnRef idx="2">
-            <a:schemeClr val="accent1">
+            <a:schemeClr val="accent2">
               <a:shade val="50000"/>
             </a:schemeClr>
           </a:lnRef>
           <a:fillRef idx="1">
-            <a:schemeClr val="accent1"/>
-          </a:fillRef>
-          <a:effectRef idx="0">
-            <a:schemeClr val="accent1"/>
+            <a:schemeClr val="accent2"/>
+          </a:fillRef>
+          <a:effectRef idx="0">
+            <a:schemeClr val="accent2"/>
           </a:effectRef>
           <a:fontRef idx="minor">
             <a:schemeClr val="lt1"/>
@@ -6150,7 +5868,6 @@
           <a:bodyPr rtlCol="0" anchor="ctr"/>
           <a:lstStyle/>
           <a:p>
-            <a:pPr algn="ctr"/>
             <a:r>
               <a:rPr lang="en-US" sz="900" dirty="0" smtClean="0">
                 <a:solidFill>
@@ -6159,7 +5876,7 @@
                 <a:latin typeface="Times New Roman" pitchFamily="18" charset="0"/>
                 <a:cs typeface="Times New Roman" pitchFamily="18" charset="0"/>
               </a:rPr>
-              <a:t>1/x</a:t>
+              <a:t>slack</a:t>
             </a:r>
             <a:endParaRPr lang="en-US" sz="900" dirty="0">
               <a:solidFill>
@@ -6171,62 +5888,214 @@
           </a:p>
         </p:txBody>
       </p:sp>
-      <p:sp>
-        <p:nvSpPr>
-          <p:cNvPr id="21" name="TextBox 20"/>
-          <p:cNvSpPr txBox="1"/>
-          <p:nvPr/>
-        </p:nvSpPr>
-        <p:spPr>
-          <a:xfrm>
-            <a:off x="1561795" y="-69515"/>
-            <a:ext cx="270055" cy="230832"/>
+      <p:cxnSp>
+        <p:nvCxnSpPr>
+          <p:cNvPr id="12" name="Straight Arrow Connector 11"/>
+          <p:cNvCxnSpPr/>
+          <p:nvPr/>
+        </p:nvCxnSpPr>
+        <p:spPr>
+          <a:xfrm flipV="1">
+            <a:off x="623931" y="522839"/>
+            <a:ext cx="345645" cy="128836"/>
+          </a:xfrm>
+          <a:prstGeom prst="straightConnector1">
+            <a:avLst/>
+          </a:prstGeom>
+          <a:ln w="19050">
+            <a:solidFill>
+              <a:srgbClr val="00B050"/>
+            </a:solidFill>
+            <a:headEnd w="sm" len="sm"/>
+            <a:tailEnd type="arrow" w="sm" len="sm"/>
+          </a:ln>
+        </p:spPr>
+        <p:style>
+          <a:lnRef idx="1">
+            <a:schemeClr val="accent1"/>
+          </a:lnRef>
+          <a:fillRef idx="0">
+            <a:schemeClr val="accent1"/>
+          </a:fillRef>
+          <a:effectRef idx="0">
+            <a:schemeClr val="accent1"/>
+          </a:effectRef>
+          <a:fontRef idx="minor">
+            <a:schemeClr val="tx1"/>
+          </a:fontRef>
+        </p:style>
+      </p:cxnSp>
+      <p:cxnSp>
+        <p:nvCxnSpPr>
+          <p:cNvPr id="21" name="Straight Connector 20"/>
+          <p:cNvCxnSpPr/>
+          <p:nvPr/>
+        </p:nvCxnSpPr>
+        <p:spPr>
+          <a:xfrm flipH="1">
+            <a:off x="575368" y="651675"/>
+            <a:ext cx="95890" cy="0"/>
+          </a:xfrm>
+          <a:prstGeom prst="line">
+            <a:avLst/>
+          </a:prstGeom>
+          <a:ln w="19050">
+            <a:solidFill>
+              <a:schemeClr val="tx1"/>
+            </a:solidFill>
+          </a:ln>
+        </p:spPr>
+        <p:style>
+          <a:lnRef idx="1">
+            <a:schemeClr val="accent1"/>
+          </a:lnRef>
+          <a:fillRef idx="0">
+            <a:schemeClr val="accent1"/>
+          </a:fillRef>
+          <a:effectRef idx="0">
+            <a:schemeClr val="accent1"/>
+          </a:effectRef>
+          <a:fontRef idx="minor">
+            <a:schemeClr val="tx1"/>
+          </a:fontRef>
+        </p:style>
+      </p:cxnSp>
+      <p:sp>
+        <p:nvSpPr>
+          <p:cNvPr id="23" name="Rectangle 22"/>
+          <p:cNvSpPr/>
+          <p:nvPr/>
+        </p:nvSpPr>
+        <p:spPr>
+          <a:xfrm>
+            <a:off x="199190" y="536461"/>
+            <a:ext cx="500160" cy="200529"/>
           </a:xfrm>
           <a:prstGeom prst="rect">
             <a:avLst/>
           </a:prstGeom>
           <a:noFill/>
-          <a:ln w="12700">
+          <a:ln>
             <a:noFill/>
           </a:ln>
         </p:spPr>
-        <p:txBody>
-          <a:bodyPr wrap="square" rtlCol="0">
-            <a:spAutoFit/>
-          </a:bodyPr>
+        <p:style>
+          <a:lnRef idx="2">
+            <a:schemeClr val="accent2">
+              <a:shade val="50000"/>
+            </a:schemeClr>
+          </a:lnRef>
+          <a:fillRef idx="1">
+            <a:schemeClr val="accent2"/>
+          </a:fillRef>
+          <a:effectRef idx="0">
+            <a:schemeClr val="accent2"/>
+          </a:effectRef>
+          <a:fontRef idx="minor">
+            <a:schemeClr val="lt1"/>
+          </a:fontRef>
+        </p:style>
+        <p:txBody>
+          <a:bodyPr rtlCol="0" anchor="ctr"/>
           <a:lstStyle/>
           <a:p>
             <a:r>
               <a:rPr lang="en-US" sz="900" dirty="0" smtClean="0">
+                <a:solidFill>
+                  <a:schemeClr val="tx1"/>
+                </a:solidFill>
                 <a:latin typeface="Times New Roman" pitchFamily="18" charset="0"/>
                 <a:cs typeface="Times New Roman" pitchFamily="18" charset="0"/>
               </a:rPr>
-              <a:t>k</a:t>
+              <a:t>initial slack</a:t>
             </a:r>
             <a:endParaRPr lang="en-US" sz="900" dirty="0">
+              <a:solidFill>
+                <a:schemeClr val="tx1"/>
+              </a:solidFill>
               <a:latin typeface="Times New Roman" pitchFamily="18" charset="0"/>
               <a:cs typeface="Times New Roman" pitchFamily="18" charset="0"/>
             </a:endParaRPr>
           </a:p>
         </p:txBody>
       </p:sp>
+      <p:sp>
+        <p:nvSpPr>
+          <p:cNvPr id="56" name="Rectangle 55"/>
+          <p:cNvSpPr/>
+          <p:nvPr/>
+        </p:nvSpPr>
+        <p:spPr>
+          <a:xfrm>
+            <a:off x="1078854" y="65207"/>
+            <a:ext cx="775204" cy="200529"/>
+          </a:xfrm>
+          <a:prstGeom prst="rect">
+            <a:avLst/>
+          </a:prstGeom>
+          <a:noFill/>
+          <a:ln>
+            <a:noFill/>
+          </a:ln>
+        </p:spPr>
+        <p:style>
+          <a:lnRef idx="2">
+            <a:schemeClr val="accent2">
+              <a:shade val="50000"/>
+            </a:schemeClr>
+          </a:lnRef>
+          <a:fillRef idx="1">
+            <a:schemeClr val="accent2"/>
+          </a:fillRef>
+          <a:effectRef idx="0">
+            <a:schemeClr val="accent2"/>
+          </a:effectRef>
+          <a:fontRef idx="minor">
+            <a:schemeClr val="lt1"/>
+          </a:fontRef>
+        </p:style>
+        <p:txBody>
+          <a:bodyPr rtlCol="0" anchor="ctr"/>
+          <a:lstStyle/>
+          <a:p>
+            <a:pPr algn="ctr"/>
+            <a:r>
+              <a:rPr lang="en-US" sz="900" dirty="0" smtClean="0">
+                <a:solidFill>
+                  <a:schemeClr val="tx1"/>
+                </a:solidFill>
+                <a:latin typeface="Times New Roman" pitchFamily="18" charset="0"/>
+                <a:cs typeface="Times New Roman" pitchFamily="18" charset="0"/>
+              </a:rPr>
+              <a:t>monitoring overheads</a:t>
+            </a:r>
+            <a:endParaRPr lang="en-US" sz="900" dirty="0">
+              <a:solidFill>
+                <a:schemeClr val="tx1"/>
+              </a:solidFill>
+              <a:latin typeface="Times New Roman" pitchFamily="18" charset="0"/>
+              <a:cs typeface="Times New Roman" pitchFamily="18" charset="0"/>
+            </a:endParaRPr>
+          </a:p>
+        </p:txBody>
+      </p:sp>
       <p:cxnSp>
         <p:nvCxnSpPr>
-          <p:cNvPr id="70" name="Straight Arrow Connector 69"/>
+          <p:cNvPr id="67" name="Straight Arrow Connector 66"/>
           <p:cNvCxnSpPr/>
           <p:nvPr/>
         </p:nvCxnSpPr>
         <p:spPr>
           <a:xfrm>
-            <a:off x="2542492" y="189399"/>
-            <a:ext cx="454958" cy="0"/>
+            <a:off x="969576" y="522839"/>
+            <a:ext cx="190634" cy="198834"/>
           </a:xfrm>
           <a:prstGeom prst="straightConnector1">
             <a:avLst/>
           </a:prstGeom>
           <a:ln w="19050">
             <a:solidFill>
-              <a:schemeClr val="tx1"/>
+              <a:srgbClr val="C00000"/>
             </a:solidFill>
             <a:headEnd w="sm" len="sm"/>
             <a:tailEnd type="arrow" w="sm" len="sm"/>
@@ -6249,21 +6118,21 @@
       </p:cxnSp>
       <p:cxnSp>
         <p:nvCxnSpPr>
-          <p:cNvPr id="24" name="Straight Arrow Connector 23"/>
+          <p:cNvPr id="69" name="Straight Arrow Connector 68"/>
           <p:cNvCxnSpPr/>
           <p:nvPr/>
         </p:nvCxnSpPr>
         <p:spPr>
-          <a:xfrm>
-            <a:off x="1484986" y="116213"/>
-            <a:ext cx="461321" cy="0"/>
+          <a:xfrm flipV="1">
+            <a:off x="1160210" y="592837"/>
+            <a:ext cx="345645" cy="128836"/>
           </a:xfrm>
           <a:prstGeom prst="straightConnector1">
             <a:avLst/>
           </a:prstGeom>
           <a:ln w="19050">
             <a:solidFill>
-              <a:schemeClr val="tx1"/>
+              <a:srgbClr val="00B050"/>
             </a:solidFill>
             <a:headEnd w="sm" len="sm"/>
             <a:tailEnd type="arrow" w="sm" len="sm"/>
@@ -6286,14 +6155,14 @@
       </p:cxnSp>
       <p:cxnSp>
         <p:nvCxnSpPr>
-          <p:cNvPr id="25" name="Straight Arrow Connector 24"/>
+          <p:cNvPr id="71" name="Straight Arrow Connector 70"/>
           <p:cNvCxnSpPr/>
           <p:nvPr/>
         </p:nvCxnSpPr>
         <p:spPr>
-          <a:xfrm>
-            <a:off x="1484985" y="301868"/>
-            <a:ext cx="461321" cy="0"/>
+          <a:xfrm flipH="1">
+            <a:off x="1064894" y="314535"/>
+            <a:ext cx="210531" cy="272722"/>
           </a:xfrm>
           <a:prstGeom prst="straightConnector1">
             <a:avLst/>
@@ -6321,10 +6190,301 @@
           </a:fontRef>
         </p:style>
       </p:cxnSp>
+      <p:cxnSp>
+        <p:nvCxnSpPr>
+          <p:cNvPr id="74" name="Straight Arrow Connector 73"/>
+          <p:cNvCxnSpPr/>
+          <p:nvPr/>
+        </p:nvCxnSpPr>
+        <p:spPr>
+          <a:xfrm>
+            <a:off x="1625986" y="314325"/>
+            <a:ext cx="0" cy="342930"/>
+          </a:xfrm>
+          <a:prstGeom prst="straightConnector1">
+            <a:avLst/>
+          </a:prstGeom>
+          <a:ln w="19050">
+            <a:solidFill>
+              <a:schemeClr val="tx1"/>
+            </a:solidFill>
+            <a:headEnd w="sm" len="sm"/>
+            <a:tailEnd type="arrow" w="sm" len="sm"/>
+          </a:ln>
+        </p:spPr>
+        <p:style>
+          <a:lnRef idx="1">
+            <a:schemeClr val="accent1"/>
+          </a:lnRef>
+          <a:fillRef idx="0">
+            <a:schemeClr val="accent1"/>
+          </a:fillRef>
+          <a:effectRef idx="0">
+            <a:schemeClr val="accent1"/>
+          </a:effectRef>
+          <a:fontRef idx="minor">
+            <a:schemeClr val="tx1"/>
+          </a:fontRef>
+        </p:style>
+      </p:cxnSp>
+      <p:cxnSp>
+        <p:nvCxnSpPr>
+          <p:cNvPr id="14" name="Straight Arrow Connector 13"/>
+          <p:cNvCxnSpPr/>
+          <p:nvPr/>
+        </p:nvCxnSpPr>
+        <p:spPr>
+          <a:xfrm>
+            <a:off x="1505855" y="595299"/>
+            <a:ext cx="422455" cy="440627"/>
+          </a:xfrm>
+          <a:prstGeom prst="straightConnector1">
+            <a:avLst/>
+          </a:prstGeom>
+          <a:ln w="19050">
+            <a:solidFill>
+              <a:srgbClr val="C00000"/>
+            </a:solidFill>
+            <a:headEnd w="sm" len="sm"/>
+            <a:tailEnd type="arrow" w="sm" len="sm"/>
+          </a:ln>
+        </p:spPr>
+        <p:style>
+          <a:lnRef idx="1">
+            <a:schemeClr val="accent1"/>
+          </a:lnRef>
+          <a:fillRef idx="0">
+            <a:schemeClr val="accent1"/>
+          </a:fillRef>
+          <a:effectRef idx="0">
+            <a:schemeClr val="accent1"/>
+          </a:effectRef>
+          <a:fontRef idx="minor">
+            <a:schemeClr val="tx1"/>
+          </a:fontRef>
+        </p:style>
+      </p:cxnSp>
+      <p:cxnSp>
+        <p:nvCxnSpPr>
+          <p:cNvPr id="46" name="Straight Arrow Connector 45"/>
+          <p:cNvCxnSpPr/>
+          <p:nvPr/>
+        </p:nvCxnSpPr>
+        <p:spPr>
+          <a:xfrm flipV="1">
+            <a:off x="1928310" y="657197"/>
+            <a:ext cx="1016065" cy="378729"/>
+          </a:xfrm>
+          <a:prstGeom prst="straightConnector1">
+            <a:avLst/>
+          </a:prstGeom>
+          <a:ln w="19050">
+            <a:solidFill>
+              <a:srgbClr val="00B050"/>
+            </a:solidFill>
+            <a:headEnd w="sm" len="sm"/>
+            <a:tailEnd type="arrow" w="sm" len="sm"/>
+          </a:ln>
+        </p:spPr>
+        <p:style>
+          <a:lnRef idx="1">
+            <a:schemeClr val="accent1"/>
+          </a:lnRef>
+          <a:fillRef idx="0">
+            <a:schemeClr val="accent1"/>
+          </a:fillRef>
+          <a:effectRef idx="0">
+            <a:schemeClr val="accent1"/>
+          </a:effectRef>
+          <a:fontRef idx="minor">
+            <a:schemeClr val="tx1"/>
+          </a:fontRef>
+        </p:style>
+      </p:cxnSp>
+      <p:sp>
+        <p:nvSpPr>
+          <p:cNvPr id="25" name="Rectangle 24"/>
+          <p:cNvSpPr/>
+          <p:nvPr/>
+        </p:nvSpPr>
+        <p:spPr>
+          <a:xfrm>
+            <a:off x="808787" y="1074130"/>
+            <a:ext cx="743462" cy="200529"/>
+          </a:xfrm>
+          <a:prstGeom prst="rect">
+            <a:avLst/>
+          </a:prstGeom>
+          <a:noFill/>
+          <a:ln>
+            <a:noFill/>
+          </a:ln>
+        </p:spPr>
+        <p:style>
+          <a:lnRef idx="2">
+            <a:schemeClr val="accent2">
+              <a:shade val="50000"/>
+            </a:schemeClr>
+          </a:lnRef>
+          <a:fillRef idx="1">
+            <a:schemeClr val="accent2"/>
+          </a:fillRef>
+          <a:effectRef idx="0">
+            <a:schemeClr val="accent2"/>
+          </a:effectRef>
+          <a:fontRef idx="minor">
+            <a:schemeClr val="lt1"/>
+          </a:fontRef>
+        </p:style>
+        <p:txBody>
+          <a:bodyPr rtlCol="0" anchor="ctr"/>
+          <a:lstStyle/>
+          <a:p>
+            <a:pPr algn="ctr"/>
+            <a:r>
+              <a:rPr lang="en-US" sz="900" dirty="0" smtClean="0">
+                <a:solidFill>
+                  <a:schemeClr val="tx1"/>
+                </a:solidFill>
+                <a:latin typeface="Times New Roman" pitchFamily="18" charset="0"/>
+                <a:cs typeface="Times New Roman" pitchFamily="18" charset="0"/>
+              </a:rPr>
+              <a:t>perform monitoring</a:t>
+            </a:r>
+            <a:endParaRPr lang="en-US" sz="900" dirty="0">
+              <a:solidFill>
+                <a:schemeClr val="tx1"/>
+              </a:solidFill>
+              <a:latin typeface="Times New Roman" pitchFamily="18" charset="0"/>
+              <a:cs typeface="Times New Roman" pitchFamily="18" charset="0"/>
+            </a:endParaRPr>
+          </a:p>
+        </p:txBody>
+      </p:sp>
+      <p:sp>
+        <p:nvSpPr>
+          <p:cNvPr id="27" name="Rectangle 26"/>
+          <p:cNvSpPr/>
+          <p:nvPr/>
+        </p:nvSpPr>
+        <p:spPr>
+          <a:xfrm>
+            <a:off x="1713530" y="1074130"/>
+            <a:ext cx="729695" cy="200529"/>
+          </a:xfrm>
+          <a:prstGeom prst="rect">
+            <a:avLst/>
+          </a:prstGeom>
+          <a:noFill/>
+          <a:ln>
+            <a:noFill/>
+          </a:ln>
+        </p:spPr>
+        <p:style>
+          <a:lnRef idx="2">
+            <a:schemeClr val="accent2">
+              <a:shade val="50000"/>
+            </a:schemeClr>
+          </a:lnRef>
+          <a:fillRef idx="1">
+            <a:schemeClr val="accent2"/>
+          </a:fillRef>
+          <a:effectRef idx="0">
+            <a:schemeClr val="accent2"/>
+          </a:effectRef>
+          <a:fontRef idx="minor">
+            <a:schemeClr val="lt1"/>
+          </a:fontRef>
+        </p:style>
+        <p:txBody>
+          <a:bodyPr rtlCol="0" anchor="ctr"/>
+          <a:lstStyle/>
+          <a:p>
+            <a:pPr algn="ctr"/>
+            <a:r>
+              <a:rPr lang="en-US" sz="900" dirty="0" smtClean="0">
+                <a:solidFill>
+                  <a:schemeClr val="tx1"/>
+                </a:solidFill>
+                <a:latin typeface="Times New Roman" pitchFamily="18" charset="0"/>
+                <a:cs typeface="Times New Roman" pitchFamily="18" charset="0"/>
+              </a:rPr>
+              <a:t>drop monitoring</a:t>
+            </a:r>
+            <a:endParaRPr lang="en-US" sz="900" dirty="0">
+              <a:solidFill>
+                <a:schemeClr val="tx1"/>
+              </a:solidFill>
+              <a:latin typeface="Times New Roman" pitchFamily="18" charset="0"/>
+              <a:cs typeface="Times New Roman" pitchFamily="18" charset="0"/>
+            </a:endParaRPr>
+          </a:p>
+        </p:txBody>
+      </p:sp>
+      <p:sp>
+        <p:nvSpPr>
+          <p:cNvPr id="34" name="Rectangle 33"/>
+          <p:cNvSpPr/>
+          <p:nvPr/>
+        </p:nvSpPr>
+        <p:spPr>
+          <a:xfrm>
+            <a:off x="2392938" y="1074129"/>
+            <a:ext cx="743462" cy="200529"/>
+          </a:xfrm>
+          <a:prstGeom prst="rect">
+            <a:avLst/>
+          </a:prstGeom>
+          <a:noFill/>
+          <a:ln>
+            <a:noFill/>
+          </a:ln>
+        </p:spPr>
+        <p:style>
+          <a:lnRef idx="2">
+            <a:schemeClr val="accent2">
+              <a:shade val="50000"/>
+            </a:schemeClr>
+          </a:lnRef>
+          <a:fillRef idx="1">
+            <a:schemeClr val="accent2"/>
+          </a:fillRef>
+          <a:effectRef idx="0">
+            <a:schemeClr val="accent2"/>
+          </a:effectRef>
+          <a:fontRef idx="minor">
+            <a:schemeClr val="lt1"/>
+          </a:fontRef>
+        </p:style>
+        <p:txBody>
+          <a:bodyPr rtlCol="0" anchor="ctr"/>
+          <a:lstStyle/>
+          <a:p>
+            <a:pPr algn="ctr"/>
+            <a:r>
+              <a:rPr lang="en-US" sz="900" dirty="0" smtClean="0">
+                <a:solidFill>
+                  <a:schemeClr val="tx1"/>
+                </a:solidFill>
+                <a:latin typeface="Times New Roman" pitchFamily="18" charset="0"/>
+                <a:cs typeface="Times New Roman" pitchFamily="18" charset="0"/>
+              </a:rPr>
+              <a:t>perform monitoring</a:t>
+            </a:r>
+            <a:endParaRPr lang="en-US" sz="900" dirty="0">
+              <a:solidFill>
+                <a:schemeClr val="tx1"/>
+              </a:solidFill>
+              <a:latin typeface="Times New Roman" pitchFamily="18" charset="0"/>
+              <a:cs typeface="Times New Roman" pitchFamily="18" charset="0"/>
+            </a:endParaRPr>
+          </a:p>
+        </p:txBody>
+      </p:sp>
     </p:spTree>
     <p:extLst>
       <p:ext uri="{BB962C8B-B14F-4D97-AF65-F5344CB8AC3E}">
-        <p14:creationId xmlns:p14="http://schemas.microsoft.com/office/powerpoint/2010/main" val="1210843306"/>
+        <p14:creationId xmlns:p14="http://schemas.microsoft.com/office/powerpoint/2010/main" val="1614472030"/>
       </p:ext>
     </p:extLst>
   </p:cSld>
@@ -6353,6 +6513,546 @@
       </p:grpSpPr>
       <p:sp>
         <p:nvSpPr>
+          <p:cNvPr id="58" name="TextBox 57"/>
+          <p:cNvSpPr txBox="1"/>
+          <p:nvPr/>
+        </p:nvSpPr>
+        <p:spPr>
+          <a:xfrm>
+            <a:off x="1219126" y="186452"/>
+            <a:ext cx="342669" cy="230832"/>
+          </a:xfrm>
+          <a:prstGeom prst="rect">
+            <a:avLst/>
+          </a:prstGeom>
+          <a:noFill/>
+          <a:ln w="12700">
+            <a:noFill/>
+          </a:ln>
+        </p:spPr>
+        <p:txBody>
+          <a:bodyPr wrap="square" rtlCol="0">
+            <a:spAutoFit/>
+          </a:bodyPr>
+          <a:lstStyle/>
+          <a:p>
+            <a:r>
+              <a:rPr lang="en-US" sz="900" dirty="0" err="1" smtClean="0">
+                <a:latin typeface="Times New Roman" pitchFamily="18" charset="0"/>
+                <a:cs typeface="Times New Roman" pitchFamily="18" charset="0"/>
+              </a:rPr>
+              <a:t>clk</a:t>
+            </a:r>
+            <a:endParaRPr lang="en-US" sz="900" dirty="0">
+              <a:latin typeface="Times New Roman" pitchFamily="18" charset="0"/>
+              <a:cs typeface="Times New Roman" pitchFamily="18" charset="0"/>
+            </a:endParaRPr>
+          </a:p>
+        </p:txBody>
+      </p:sp>
+      <p:sp>
+        <p:nvSpPr>
+          <p:cNvPr id="60" name="TextBox 59"/>
+          <p:cNvSpPr txBox="1"/>
+          <p:nvPr/>
+        </p:nvSpPr>
+        <p:spPr>
+          <a:xfrm>
+            <a:off x="102405" y="-67464"/>
+            <a:ext cx="750409" cy="369332"/>
+          </a:xfrm>
+          <a:prstGeom prst="rect">
+            <a:avLst/>
+          </a:prstGeom>
+          <a:noFill/>
+          <a:ln w="12700">
+            <a:noFill/>
+          </a:ln>
+        </p:spPr>
+        <p:txBody>
+          <a:bodyPr wrap="square" rtlCol="0">
+            <a:spAutoFit/>
+          </a:bodyPr>
+          <a:lstStyle/>
+          <a:p>
+            <a:pPr algn="ctr"/>
+            <a:r>
+              <a:rPr lang="en-US" sz="900" dirty="0" smtClean="0">
+                <a:latin typeface="Times New Roman" pitchFamily="18" charset="0"/>
+                <a:cs typeface="Times New Roman" pitchFamily="18" charset="0"/>
+              </a:rPr>
+              <a:t>overhead budget (%)</a:t>
+            </a:r>
+            <a:endParaRPr lang="en-US" sz="900" dirty="0">
+              <a:latin typeface="Times New Roman" pitchFamily="18" charset="0"/>
+              <a:cs typeface="Times New Roman" pitchFamily="18" charset="0"/>
+            </a:endParaRPr>
+          </a:p>
+        </p:txBody>
+      </p:sp>
+      <p:sp>
+        <p:nvSpPr>
+          <p:cNvPr id="53" name="Rectangle 52"/>
+          <p:cNvSpPr/>
+          <p:nvPr/>
+        </p:nvSpPr>
+        <p:spPr>
+          <a:xfrm>
+            <a:off x="1946307" y="50623"/>
+            <a:ext cx="596185" cy="317208"/>
+          </a:xfrm>
+          <a:prstGeom prst="rect">
+            <a:avLst/>
+          </a:prstGeom>
+          <a:solidFill>
+            <a:srgbClr val="FFFFCC"/>
+          </a:solidFill>
+          <a:ln w="12700">
+            <a:solidFill>
+              <a:schemeClr val="tx1"/>
+            </a:solidFill>
+          </a:ln>
+        </p:spPr>
+        <p:style>
+          <a:lnRef idx="2">
+            <a:schemeClr val="accent1">
+              <a:shade val="50000"/>
+            </a:schemeClr>
+          </a:lnRef>
+          <a:fillRef idx="1">
+            <a:schemeClr val="accent1"/>
+          </a:fillRef>
+          <a:effectRef idx="0">
+            <a:schemeClr val="accent1"/>
+          </a:effectRef>
+          <a:fontRef idx="minor">
+            <a:schemeClr val="lt1"/>
+          </a:fontRef>
+        </p:style>
+        <p:txBody>
+          <a:bodyPr rtlCol="0" anchor="ctr"/>
+          <a:lstStyle/>
+          <a:p>
+            <a:pPr algn="ctr"/>
+            <a:r>
+              <a:rPr lang="en-US" sz="900" dirty="0" smtClean="0">
+                <a:solidFill>
+                  <a:schemeClr val="tx1"/>
+                </a:solidFill>
+                <a:latin typeface="Times New Roman" pitchFamily="18" charset="0"/>
+                <a:cs typeface="Times New Roman" pitchFamily="18" charset="0"/>
+              </a:rPr>
+              <a:t>Slack Counter</a:t>
+            </a:r>
+            <a:endParaRPr lang="en-US" sz="900" dirty="0">
+              <a:solidFill>
+                <a:schemeClr val="tx1"/>
+              </a:solidFill>
+              <a:latin typeface="Times New Roman" pitchFamily="18" charset="0"/>
+              <a:cs typeface="Times New Roman" pitchFamily="18" charset="0"/>
+            </a:endParaRPr>
+          </a:p>
+        </p:txBody>
+      </p:sp>
+      <p:cxnSp>
+        <p:nvCxnSpPr>
+          <p:cNvPr id="65" name="Straight Arrow Connector 64"/>
+          <p:cNvCxnSpPr/>
+          <p:nvPr/>
+        </p:nvCxnSpPr>
+        <p:spPr>
+          <a:xfrm flipV="1">
+            <a:off x="2244399" y="367832"/>
+            <a:ext cx="0" cy="164133"/>
+          </a:xfrm>
+          <a:prstGeom prst="straightConnector1">
+            <a:avLst/>
+          </a:prstGeom>
+          <a:ln w="19050">
+            <a:solidFill>
+              <a:schemeClr val="tx1"/>
+            </a:solidFill>
+            <a:headEnd w="sm" len="sm"/>
+            <a:tailEnd type="arrow" w="sm" len="sm"/>
+          </a:ln>
+        </p:spPr>
+        <p:style>
+          <a:lnRef idx="1">
+            <a:schemeClr val="accent1"/>
+          </a:lnRef>
+          <a:fillRef idx="0">
+            <a:schemeClr val="accent1"/>
+          </a:fillRef>
+          <a:effectRef idx="0">
+            <a:schemeClr val="accent1"/>
+          </a:effectRef>
+          <a:fontRef idx="minor">
+            <a:schemeClr val="tx1"/>
+          </a:fontRef>
+        </p:style>
+      </p:cxnSp>
+      <p:sp>
+        <p:nvSpPr>
+          <p:cNvPr id="67" name="TextBox 66"/>
+          <p:cNvSpPr txBox="1"/>
+          <p:nvPr/>
+        </p:nvSpPr>
+        <p:spPr>
+          <a:xfrm>
+            <a:off x="1987927" y="494905"/>
+            <a:ext cx="512943" cy="230832"/>
+          </a:xfrm>
+          <a:prstGeom prst="rect">
+            <a:avLst/>
+          </a:prstGeom>
+          <a:noFill/>
+          <a:ln w="12700">
+            <a:noFill/>
+          </a:ln>
+        </p:spPr>
+        <p:txBody>
+          <a:bodyPr wrap="square" rtlCol="0">
+            <a:spAutoFit/>
+          </a:bodyPr>
+          <a:lstStyle/>
+          <a:p>
+            <a:pPr algn="ctr"/>
+            <a:r>
+              <a:rPr lang="en-US" sz="900" dirty="0" smtClean="0">
+                <a:latin typeface="Times New Roman" pitchFamily="18" charset="0"/>
+                <a:cs typeface="Times New Roman" pitchFamily="18" charset="0"/>
+              </a:rPr>
+              <a:t>stall</a:t>
+            </a:r>
+            <a:endParaRPr lang="en-US" sz="900" dirty="0">
+              <a:latin typeface="Times New Roman" pitchFamily="18" charset="0"/>
+              <a:cs typeface="Times New Roman" pitchFamily="18" charset="0"/>
+            </a:endParaRPr>
+          </a:p>
+        </p:txBody>
+      </p:sp>
+      <p:sp>
+        <p:nvSpPr>
+          <p:cNvPr id="75" name="TextBox 74"/>
+          <p:cNvSpPr txBox="1"/>
+          <p:nvPr/>
+        </p:nvSpPr>
+        <p:spPr>
+          <a:xfrm>
+            <a:off x="2546647" y="797"/>
+            <a:ext cx="512943" cy="230832"/>
+          </a:xfrm>
+          <a:prstGeom prst="rect">
+            <a:avLst/>
+          </a:prstGeom>
+          <a:noFill/>
+          <a:ln w="12700">
+            <a:noFill/>
+          </a:ln>
+        </p:spPr>
+        <p:txBody>
+          <a:bodyPr wrap="square" rtlCol="0">
+            <a:spAutoFit/>
+          </a:bodyPr>
+          <a:lstStyle/>
+          <a:p>
+            <a:r>
+              <a:rPr lang="en-US" sz="900" dirty="0" smtClean="0">
+                <a:latin typeface="Times New Roman" pitchFamily="18" charset="0"/>
+                <a:cs typeface="Times New Roman" pitchFamily="18" charset="0"/>
+              </a:rPr>
+              <a:t>slack</a:t>
+            </a:r>
+            <a:endParaRPr lang="en-US" sz="900" dirty="0">
+              <a:latin typeface="Times New Roman" pitchFamily="18" charset="0"/>
+              <a:cs typeface="Times New Roman" pitchFamily="18" charset="0"/>
+            </a:endParaRPr>
+          </a:p>
+        </p:txBody>
+      </p:sp>
+      <p:cxnSp>
+        <p:nvCxnSpPr>
+          <p:cNvPr id="23" name="Straight Arrow Connector 22"/>
+          <p:cNvCxnSpPr/>
+          <p:nvPr/>
+        </p:nvCxnSpPr>
+        <p:spPr>
+          <a:xfrm>
+            <a:off x="755290" y="116213"/>
+            <a:ext cx="327954" cy="0"/>
+          </a:xfrm>
+          <a:prstGeom prst="straightConnector1">
+            <a:avLst/>
+          </a:prstGeom>
+          <a:ln w="19050">
+            <a:solidFill>
+              <a:schemeClr val="tx1"/>
+            </a:solidFill>
+            <a:headEnd w="sm" len="sm"/>
+            <a:tailEnd type="arrow" w="sm" len="sm"/>
+          </a:ln>
+        </p:spPr>
+        <p:style>
+          <a:lnRef idx="1">
+            <a:schemeClr val="accent1"/>
+          </a:lnRef>
+          <a:fillRef idx="0">
+            <a:schemeClr val="accent1"/>
+          </a:fillRef>
+          <a:effectRef idx="0">
+            <a:schemeClr val="accent1"/>
+          </a:effectRef>
+          <a:fontRef idx="minor">
+            <a:schemeClr val="tx1"/>
+          </a:fontRef>
+        </p:style>
+      </p:cxnSp>
+      <p:sp>
+        <p:nvSpPr>
+          <p:cNvPr id="16" name="Rectangle 15"/>
+          <p:cNvSpPr/>
+          <p:nvPr/>
+        </p:nvSpPr>
+        <p:spPr>
+          <a:xfrm>
+            <a:off x="1083244" y="45901"/>
+            <a:ext cx="401741" cy="140624"/>
+          </a:xfrm>
+          <a:prstGeom prst="rect">
+            <a:avLst/>
+          </a:prstGeom>
+          <a:solidFill>
+            <a:srgbClr val="FFFFCC"/>
+          </a:solidFill>
+          <a:ln w="12700">
+            <a:solidFill>
+              <a:schemeClr val="tx1"/>
+            </a:solidFill>
+          </a:ln>
+        </p:spPr>
+        <p:style>
+          <a:lnRef idx="2">
+            <a:schemeClr val="accent1">
+              <a:shade val="50000"/>
+            </a:schemeClr>
+          </a:lnRef>
+          <a:fillRef idx="1">
+            <a:schemeClr val="accent1"/>
+          </a:fillRef>
+          <a:effectRef idx="0">
+            <a:schemeClr val="accent1"/>
+          </a:effectRef>
+          <a:fontRef idx="minor">
+            <a:schemeClr val="lt1"/>
+          </a:fontRef>
+        </p:style>
+        <p:txBody>
+          <a:bodyPr rtlCol="0" anchor="ctr"/>
+          <a:lstStyle/>
+          <a:p>
+            <a:pPr algn="ctr"/>
+            <a:r>
+              <a:rPr lang="en-US" sz="900" dirty="0" smtClean="0">
+                <a:solidFill>
+                  <a:schemeClr val="tx1"/>
+                </a:solidFill>
+                <a:latin typeface="Times New Roman" pitchFamily="18" charset="0"/>
+                <a:cs typeface="Times New Roman" pitchFamily="18" charset="0"/>
+              </a:rPr>
+              <a:t>1/x</a:t>
+            </a:r>
+            <a:endParaRPr lang="en-US" sz="900" dirty="0">
+              <a:solidFill>
+                <a:schemeClr val="tx1"/>
+              </a:solidFill>
+              <a:latin typeface="Times New Roman" pitchFamily="18" charset="0"/>
+              <a:cs typeface="Times New Roman" pitchFamily="18" charset="0"/>
+            </a:endParaRPr>
+          </a:p>
+        </p:txBody>
+      </p:sp>
+      <p:sp>
+        <p:nvSpPr>
+          <p:cNvPr id="21" name="TextBox 20"/>
+          <p:cNvSpPr txBox="1"/>
+          <p:nvPr/>
+        </p:nvSpPr>
+        <p:spPr>
+          <a:xfrm>
+            <a:off x="1561795" y="-69515"/>
+            <a:ext cx="270055" cy="230832"/>
+          </a:xfrm>
+          <a:prstGeom prst="rect">
+            <a:avLst/>
+          </a:prstGeom>
+          <a:noFill/>
+          <a:ln w="12700">
+            <a:noFill/>
+          </a:ln>
+        </p:spPr>
+        <p:txBody>
+          <a:bodyPr wrap="square" rtlCol="0">
+            <a:spAutoFit/>
+          </a:bodyPr>
+          <a:lstStyle/>
+          <a:p>
+            <a:r>
+              <a:rPr lang="en-US" sz="900" dirty="0" smtClean="0">
+                <a:latin typeface="Times New Roman" pitchFamily="18" charset="0"/>
+                <a:cs typeface="Times New Roman" pitchFamily="18" charset="0"/>
+              </a:rPr>
+              <a:t>k</a:t>
+            </a:r>
+            <a:endParaRPr lang="en-US" sz="900" dirty="0">
+              <a:latin typeface="Times New Roman" pitchFamily="18" charset="0"/>
+              <a:cs typeface="Times New Roman" pitchFamily="18" charset="0"/>
+            </a:endParaRPr>
+          </a:p>
+        </p:txBody>
+      </p:sp>
+      <p:cxnSp>
+        <p:nvCxnSpPr>
+          <p:cNvPr id="70" name="Straight Arrow Connector 69"/>
+          <p:cNvCxnSpPr/>
+          <p:nvPr/>
+        </p:nvCxnSpPr>
+        <p:spPr>
+          <a:xfrm>
+            <a:off x="2542492" y="189399"/>
+            <a:ext cx="454958" cy="0"/>
+          </a:xfrm>
+          <a:prstGeom prst="straightConnector1">
+            <a:avLst/>
+          </a:prstGeom>
+          <a:ln w="19050">
+            <a:solidFill>
+              <a:schemeClr val="tx1"/>
+            </a:solidFill>
+            <a:headEnd w="sm" len="sm"/>
+            <a:tailEnd type="arrow" w="sm" len="sm"/>
+          </a:ln>
+        </p:spPr>
+        <p:style>
+          <a:lnRef idx="1">
+            <a:schemeClr val="accent1"/>
+          </a:lnRef>
+          <a:fillRef idx="0">
+            <a:schemeClr val="accent1"/>
+          </a:fillRef>
+          <a:effectRef idx="0">
+            <a:schemeClr val="accent1"/>
+          </a:effectRef>
+          <a:fontRef idx="minor">
+            <a:schemeClr val="tx1"/>
+          </a:fontRef>
+        </p:style>
+      </p:cxnSp>
+      <p:cxnSp>
+        <p:nvCxnSpPr>
+          <p:cNvPr id="24" name="Straight Arrow Connector 23"/>
+          <p:cNvCxnSpPr/>
+          <p:nvPr/>
+        </p:nvCxnSpPr>
+        <p:spPr>
+          <a:xfrm>
+            <a:off x="1484986" y="116213"/>
+            <a:ext cx="461321" cy="0"/>
+          </a:xfrm>
+          <a:prstGeom prst="straightConnector1">
+            <a:avLst/>
+          </a:prstGeom>
+          <a:ln w="19050">
+            <a:solidFill>
+              <a:schemeClr val="tx1"/>
+            </a:solidFill>
+            <a:headEnd w="sm" len="sm"/>
+            <a:tailEnd type="arrow" w="sm" len="sm"/>
+          </a:ln>
+        </p:spPr>
+        <p:style>
+          <a:lnRef idx="1">
+            <a:schemeClr val="accent1"/>
+          </a:lnRef>
+          <a:fillRef idx="0">
+            <a:schemeClr val="accent1"/>
+          </a:fillRef>
+          <a:effectRef idx="0">
+            <a:schemeClr val="accent1"/>
+          </a:effectRef>
+          <a:fontRef idx="minor">
+            <a:schemeClr val="tx1"/>
+          </a:fontRef>
+        </p:style>
+      </p:cxnSp>
+      <p:cxnSp>
+        <p:nvCxnSpPr>
+          <p:cNvPr id="25" name="Straight Arrow Connector 24"/>
+          <p:cNvCxnSpPr/>
+          <p:nvPr/>
+        </p:nvCxnSpPr>
+        <p:spPr>
+          <a:xfrm>
+            <a:off x="1484985" y="301868"/>
+            <a:ext cx="461321" cy="0"/>
+          </a:xfrm>
+          <a:prstGeom prst="straightConnector1">
+            <a:avLst/>
+          </a:prstGeom>
+          <a:ln w="19050">
+            <a:solidFill>
+              <a:schemeClr val="tx1"/>
+            </a:solidFill>
+            <a:headEnd w="sm" len="sm"/>
+            <a:tailEnd type="arrow" w="sm" len="sm"/>
+          </a:ln>
+        </p:spPr>
+        <p:style>
+          <a:lnRef idx="1">
+            <a:schemeClr val="accent1"/>
+          </a:lnRef>
+          <a:fillRef idx="0">
+            <a:schemeClr val="accent1"/>
+          </a:fillRef>
+          <a:effectRef idx="0">
+            <a:schemeClr val="accent1"/>
+          </a:effectRef>
+          <a:fontRef idx="minor">
+            <a:schemeClr val="tx1"/>
+          </a:fontRef>
+        </p:style>
+      </p:cxnSp>
+    </p:spTree>
+    <p:extLst>
+      <p:ext uri="{BB962C8B-B14F-4D97-AF65-F5344CB8AC3E}">
+        <p14:creationId xmlns:p14="http://schemas.microsoft.com/office/powerpoint/2010/main" val="1210843306"/>
+      </p:ext>
+    </p:extLst>
+  </p:cSld>
+  <p:clrMapOvr>
+    <a:masterClrMapping/>
+  </p:clrMapOvr>
+</p:sld>
+</file>
+
+<file path=ppt/slides/slide14.xml><?xml version="1.0" encoding="utf-8"?>
+<p:sld xmlns:a="http://schemas.openxmlformats.org/drawingml/2006/main" xmlns:r="http://schemas.openxmlformats.org/officeDocument/2006/relationships" xmlns:p="http://schemas.openxmlformats.org/presentationml/2006/main">
+  <p:cSld>
+    <p:spTree>
+      <p:nvGrpSpPr>
+        <p:cNvPr id="1" name=""/>
+        <p:cNvGrpSpPr/>
+        <p:nvPr/>
+      </p:nvGrpSpPr>
+      <p:grpSpPr>
+        <a:xfrm>
+          <a:off x="0" y="0"/>
+          <a:ext cx="0" cy="0"/>
+          <a:chOff x="0" y="0"/>
+          <a:chExt cx="0" cy="0"/>
+        </a:xfrm>
+      </p:grpSpPr>
+      <p:sp>
+        <p:nvSpPr>
           <p:cNvPr id="48" name="Rectangle 47"/>
           <p:cNvSpPr/>
           <p:nvPr/>
@@ -7177,7 +7877,7 @@
 </p:sld>
 </file>
 
-<file path=ppt/slides/slide14.xml><?xml version="1.0" encoding="utf-8"?>
+<file path=ppt/slides/slide15.xml><?xml version="1.0" encoding="utf-8"?>
 <p:sld xmlns:a="http://schemas.openxmlformats.org/drawingml/2006/main" xmlns:r="http://schemas.openxmlformats.org/officeDocument/2006/relationships" xmlns:p="http://schemas.openxmlformats.org/presentationml/2006/main">
   <p:cSld>
     <p:spTree>
@@ -11008,8 +11708,8 @@
         </p:nvSpPr>
         <p:spPr>
           <a:xfrm>
-            <a:off x="1715414" y="548186"/>
-            <a:ext cx="654105" cy="372935"/>
+            <a:off x="1327496" y="621776"/>
+            <a:ext cx="1028737" cy="268835"/>
           </a:xfrm>
           <a:prstGeom prst="rect">
             <a:avLst/>
@@ -11052,63 +11752,11 @@
                 <a:latin typeface="Times New Roman" pitchFamily="18" charset="0"/>
                 <a:cs typeface="Times New Roman" pitchFamily="18" charset="0"/>
               </a:rPr>
-              <a:t>Dataflow</a:t>
-            </a:r>
-          </a:p>
-          <a:p>
-            <a:pPr algn="ctr"/>
-            <a:r>
-              <a:rPr lang="en-US" sz="900" dirty="0" smtClean="0">
-                <a:solidFill>
-                  <a:schemeClr val="tx1"/>
-                </a:solidFill>
-                <a:latin typeface="Times New Roman" pitchFamily="18" charset="0"/>
-                <a:cs typeface="Times New Roman" pitchFamily="18" charset="0"/>
-              </a:rPr>
-              <a:t>Engine</a:t>
-            </a:r>
-          </a:p>
-        </p:txBody>
-      </p:sp>
-      <p:cxnSp>
-        <p:nvCxnSpPr>
-          <p:cNvPr id="54" name="Straight Arrow Connector 53"/>
-          <p:cNvCxnSpPr>
-            <a:endCxn id="18" idx="1"/>
-          </p:cNvCxnSpPr>
-          <p:nvPr/>
-        </p:nvCxnSpPr>
-        <p:spPr>
-          <a:xfrm flipV="1">
-            <a:off x="225083" y="176952"/>
-            <a:ext cx="500459" cy="254"/>
-          </a:xfrm>
-          <a:prstGeom prst="straightConnector1">
-            <a:avLst/>
-          </a:prstGeom>
-          <a:ln w="19050">
-            <a:solidFill>
-              <a:schemeClr val="tx1"/>
-            </a:solidFill>
-            <a:headEnd w="sm" len="sm"/>
-            <a:tailEnd type="arrow" w="sm" len="sm"/>
-          </a:ln>
-        </p:spPr>
-        <p:style>
-          <a:lnRef idx="1">
-            <a:schemeClr val="accent1"/>
-          </a:lnRef>
-          <a:fillRef idx="0">
-            <a:schemeClr val="accent1"/>
-          </a:fillRef>
-          <a:effectRef idx="0">
-            <a:schemeClr val="accent1"/>
-          </a:effectRef>
-          <a:fontRef idx="minor">
-            <a:schemeClr val="tx1"/>
-          </a:fontRef>
-        </p:style>
-      </p:cxnSp>
+              <a:t>Dataflow Engine</a:t>
+            </a:r>
+          </a:p>
+        </p:txBody>
+      </p:sp>
       <p:sp>
         <p:nvSpPr>
           <p:cNvPr id="13" name="Rectangle 12"/>
@@ -11117,8 +11765,8 @@
         </p:nvSpPr>
         <p:spPr>
           <a:xfrm rot="16200000">
-            <a:off x="2602815" y="331520"/>
-            <a:ext cx="900561" cy="278641"/>
+            <a:off x="2600476" y="309633"/>
+            <a:ext cx="883314" cy="278641"/>
           </a:xfrm>
           <a:prstGeom prst="rect">
             <a:avLst/>
@@ -11174,8 +11822,8 @@
         </p:nvSpPr>
         <p:spPr>
           <a:xfrm rot="16200000">
-            <a:off x="-299244" y="335341"/>
-            <a:ext cx="908710" cy="278638"/>
+            <a:off x="-286548" y="309635"/>
+            <a:ext cx="883317" cy="278638"/>
           </a:xfrm>
           <a:prstGeom prst="rect">
             <a:avLst/>
@@ -11244,8 +11892,8 @@
         </p:nvSpPr>
         <p:spPr>
           <a:xfrm>
-            <a:off x="724350" y="653075"/>
-            <a:ext cx="654105" cy="163157"/>
+            <a:off x="724350" y="170078"/>
+            <a:ext cx="453395" cy="259674"/>
           </a:xfrm>
           <a:prstGeom prst="rect">
             <a:avLst/>
@@ -11295,14 +11943,14 @@
       </p:sp>
       <p:sp>
         <p:nvSpPr>
-          <p:cNvPr id="18" name="Rectangle 17"/>
+          <p:cNvPr id="19" name="Rectangle 18"/>
           <p:cNvSpPr/>
           <p:nvPr/>
         </p:nvSpPr>
         <p:spPr>
           <a:xfrm>
-            <a:off x="725542" y="20305"/>
-            <a:ext cx="652912" cy="313294"/>
+            <a:off x="1938106" y="170078"/>
+            <a:ext cx="418127" cy="259513"/>
           </a:xfrm>
           <a:prstGeom prst="rect">
             <a:avLst/>
@@ -11345,157 +11993,7 @@
                 <a:latin typeface="Times New Roman" pitchFamily="18" charset="0"/>
                 <a:cs typeface="Times New Roman" pitchFamily="18" charset="0"/>
               </a:rPr>
-              <a:t>Slack Tracking</a:t>
-            </a:r>
-          </a:p>
-        </p:txBody>
-      </p:sp>
-      <p:sp>
-        <p:nvSpPr>
-          <p:cNvPr id="19" name="Rectangle 18"/>
-          <p:cNvSpPr/>
-          <p:nvPr/>
-        </p:nvSpPr>
-        <p:spPr>
-          <a:xfrm>
-            <a:off x="1715415" y="20559"/>
-            <a:ext cx="654105" cy="313294"/>
-          </a:xfrm>
-          <a:prstGeom prst="rect">
-            <a:avLst/>
-          </a:prstGeom>
-          <a:solidFill>
-            <a:srgbClr val="FFFFCC"/>
-          </a:solidFill>
-          <a:ln w="12700">
-            <a:solidFill>
-              <a:schemeClr val="tx1"/>
-            </a:solidFill>
-          </a:ln>
-        </p:spPr>
-        <p:style>
-          <a:lnRef idx="2">
-            <a:schemeClr val="accent1">
-              <a:shade val="50000"/>
-            </a:schemeClr>
-          </a:lnRef>
-          <a:fillRef idx="1">
-            <a:schemeClr val="accent1"/>
-          </a:fillRef>
-          <a:effectRef idx="0">
-            <a:schemeClr val="accent1"/>
-          </a:effectRef>
-          <a:fontRef idx="minor">
-            <a:schemeClr val="lt1"/>
-          </a:fontRef>
-        </p:style>
-        <p:txBody>
-          <a:bodyPr rtlCol="0" anchor="ctr"/>
-          <a:lstStyle/>
-          <a:p>
-            <a:pPr algn="ctr"/>
-            <a:r>
-              <a:rPr lang="en-US" sz="900" dirty="0" smtClean="0">
-                <a:solidFill>
-                  <a:schemeClr val="tx1"/>
-                </a:solidFill>
-                <a:latin typeface="Times New Roman" pitchFamily="18" charset="0"/>
-                <a:cs typeface="Times New Roman" pitchFamily="18" charset="0"/>
-              </a:rPr>
-              <a:t>Dropping Policy</a:t>
-            </a:r>
-          </a:p>
-        </p:txBody>
-      </p:sp>
-      <p:cxnSp>
-        <p:nvCxnSpPr>
-          <p:cNvPr id="23" name="Straight Arrow Connector 22"/>
-          <p:cNvCxnSpPr>
-            <a:stCxn id="18" idx="3"/>
-            <a:endCxn id="19" idx="1"/>
-          </p:cNvCxnSpPr>
-          <p:nvPr/>
-        </p:nvCxnSpPr>
-        <p:spPr>
-          <a:xfrm>
-            <a:off x="1378454" y="176952"/>
-            <a:ext cx="336961" cy="254"/>
-          </a:xfrm>
-          <a:prstGeom prst="straightConnector1">
-            <a:avLst/>
-          </a:prstGeom>
-          <a:ln w="19050">
-            <a:solidFill>
-              <a:schemeClr val="tx1"/>
-            </a:solidFill>
-            <a:headEnd w="sm" len="sm"/>
-            <a:tailEnd type="arrow" w="sm" len="sm"/>
-          </a:ln>
-        </p:spPr>
-        <p:style>
-          <a:lnRef idx="1">
-            <a:schemeClr val="accent1"/>
-          </a:lnRef>
-          <a:fillRef idx="0">
-            <a:schemeClr val="accent1"/>
-          </a:fillRef>
-          <a:effectRef idx="0">
-            <a:schemeClr val="accent1"/>
-          </a:effectRef>
-          <a:fontRef idx="minor">
-            <a:schemeClr val="tx1"/>
-          </a:fontRef>
-        </p:style>
-      </p:cxnSp>
-      <p:sp>
-        <p:nvSpPr>
-          <p:cNvPr id="24" name="Rectangle 23"/>
-          <p:cNvSpPr/>
-          <p:nvPr/>
-        </p:nvSpPr>
-        <p:spPr>
-          <a:xfrm>
-            <a:off x="1327496" y="16404"/>
-            <a:ext cx="423675" cy="156647"/>
-          </a:xfrm>
-          <a:prstGeom prst="rect">
-            <a:avLst/>
-          </a:prstGeom>
-          <a:noFill/>
-          <a:ln w="12700">
-            <a:noFill/>
-          </a:ln>
-        </p:spPr>
-        <p:style>
-          <a:lnRef idx="2">
-            <a:schemeClr val="accent1">
-              <a:shade val="50000"/>
-            </a:schemeClr>
-          </a:lnRef>
-          <a:fillRef idx="1">
-            <a:schemeClr val="accent1"/>
-          </a:fillRef>
-          <a:effectRef idx="0">
-            <a:schemeClr val="accent1"/>
-          </a:effectRef>
-          <a:fontRef idx="minor">
-            <a:schemeClr val="lt1"/>
-          </a:fontRef>
-        </p:style>
-        <p:txBody>
-          <a:bodyPr rtlCol="0" anchor="ctr"/>
-          <a:lstStyle/>
-          <a:p>
-            <a:pPr algn="ctr"/>
-            <a:r>
-              <a:rPr lang="en-US" sz="900" dirty="0" smtClean="0">
-                <a:solidFill>
-                  <a:schemeClr val="tx1"/>
-                </a:solidFill>
-                <a:latin typeface="Times New Roman" pitchFamily="18" charset="0"/>
-                <a:cs typeface="Times New Roman" pitchFamily="18" charset="0"/>
-              </a:rPr>
-              <a:t>slack</a:t>
+              <a:t>Drop</a:t>
             </a:r>
           </a:p>
         </p:txBody>
@@ -11508,48 +12006,8 @@
         </p:nvCxnSpPr>
         <p:spPr>
           <a:xfrm>
-            <a:off x="296814" y="734654"/>
+            <a:off x="296814" y="312201"/>
             <a:ext cx="428728" cy="0"/>
-          </a:xfrm>
-          <a:prstGeom prst="straightConnector1">
-            <a:avLst/>
-          </a:prstGeom>
-          <a:ln w="19050">
-            <a:solidFill>
-              <a:schemeClr val="tx1"/>
-            </a:solidFill>
-            <a:headEnd w="sm" len="sm"/>
-            <a:tailEnd type="arrow" w="sm" len="sm"/>
-          </a:ln>
-        </p:spPr>
-        <p:style>
-          <a:lnRef idx="1">
-            <a:schemeClr val="accent1"/>
-          </a:lnRef>
-          <a:fillRef idx="0">
-            <a:schemeClr val="accent1"/>
-          </a:fillRef>
-          <a:effectRef idx="0">
-            <a:schemeClr val="accent1"/>
-          </a:effectRef>
-          <a:fontRef idx="minor">
-            <a:schemeClr val="tx1"/>
-          </a:fontRef>
-        </p:style>
-      </p:cxnSp>
-      <p:cxnSp>
-        <p:nvCxnSpPr>
-          <p:cNvPr id="28" name="Straight Arrow Connector 27"/>
-          <p:cNvCxnSpPr>
-            <a:stCxn id="17" idx="3"/>
-            <a:endCxn id="45" idx="1"/>
-          </p:cNvCxnSpPr>
-          <p:nvPr/>
-        </p:nvCxnSpPr>
-        <p:spPr>
-          <a:xfrm>
-            <a:off x="1378455" y="734654"/>
-            <a:ext cx="336959" cy="0"/>
           </a:xfrm>
           <a:prstGeom prst="straightConnector1">
             <a:avLst/>
@@ -11584,9 +12042,9 @@
           <p:nvPr/>
         </p:nvCxnSpPr>
         <p:spPr>
-          <a:xfrm>
-            <a:off x="2363973" y="733886"/>
-            <a:ext cx="544255" cy="767"/>
+          <a:xfrm flipV="1">
+            <a:off x="2356233" y="314537"/>
+            <a:ext cx="544734" cy="2"/>
           </a:xfrm>
           <a:prstGeom prst="straightConnector1">
             <a:avLst/>
@@ -11622,7 +12080,7 @@
         </p:nvSpPr>
         <p:spPr>
           <a:xfrm>
-            <a:off x="242392" y="580343"/>
+            <a:off x="242392" y="157890"/>
             <a:ext cx="483150" cy="156647"/>
           </a:xfrm>
           <a:prstGeom prst="rect">
@@ -11675,7 +12133,7 @@
         </p:nvSpPr>
         <p:spPr>
           <a:xfrm>
-            <a:off x="2291490" y="486799"/>
+            <a:off x="2283989" y="51997"/>
             <a:ext cx="689222" cy="211786"/>
           </a:xfrm>
           <a:prstGeom prst="rect">
@@ -11720,63 +12178,27 @@
           </a:p>
         </p:txBody>
       </p:sp>
-      <p:cxnSp>
-        <p:nvCxnSpPr>
-          <p:cNvPr id="48" name="Straight Arrow Connector 47"/>
-          <p:cNvCxnSpPr>
-            <a:stCxn id="19" idx="2"/>
-            <a:endCxn id="45" idx="0"/>
-          </p:cNvCxnSpPr>
-          <p:nvPr/>
-        </p:nvCxnSpPr>
-        <p:spPr>
-          <a:xfrm flipH="1">
-            <a:off x="2042467" y="333853"/>
-            <a:ext cx="1" cy="214333"/>
-          </a:xfrm>
-          <a:prstGeom prst="straightConnector1">
-            <a:avLst/>
-          </a:prstGeom>
-          <a:ln w="19050">
-            <a:solidFill>
-              <a:schemeClr val="tx1"/>
-            </a:solidFill>
-            <a:headEnd w="sm" len="sm"/>
-            <a:tailEnd type="arrow" w="sm" len="sm"/>
-          </a:ln>
-        </p:spPr>
-        <p:style>
-          <a:lnRef idx="1">
-            <a:schemeClr val="accent1"/>
-          </a:lnRef>
-          <a:fillRef idx="0">
-            <a:schemeClr val="accent1"/>
-          </a:fillRef>
-          <a:effectRef idx="0">
-            <a:schemeClr val="accent1"/>
-          </a:effectRef>
-          <a:fontRef idx="minor">
-            <a:schemeClr val="tx1"/>
-          </a:fontRef>
-        </p:style>
-      </p:cxnSp>
-      <p:sp>
-        <p:nvSpPr>
-          <p:cNvPr id="50" name="Rectangle 49"/>
+      <p:sp>
+        <p:nvSpPr>
+          <p:cNvPr id="25" name="Rectangle 24"/>
           <p:cNvSpPr/>
           <p:nvPr/>
         </p:nvSpPr>
         <p:spPr>
           <a:xfrm>
-            <a:off x="1484985" y="312277"/>
-            <a:ext cx="689222" cy="211786"/>
+            <a:off x="1327496" y="170078"/>
+            <a:ext cx="460859" cy="259513"/>
           </a:xfrm>
           <a:prstGeom prst="rect">
             <a:avLst/>
           </a:prstGeom>
-          <a:noFill/>
+          <a:solidFill>
+            <a:srgbClr val="FFFFCC"/>
+          </a:solidFill>
           <a:ln w="12700">
-            <a:noFill/>
+            <a:solidFill>
+              <a:schemeClr val="tx1"/>
+            </a:solidFill>
           </a:ln>
         </p:spPr>
         <p:style>
@@ -11808,7 +12230,351 @@
                 <a:latin typeface="Times New Roman" pitchFamily="18" charset="0"/>
                 <a:cs typeface="Times New Roman" pitchFamily="18" charset="0"/>
               </a:rPr>
-              <a:t>drop</a:t>
+              <a:t>Filter</a:t>
+            </a:r>
+          </a:p>
+        </p:txBody>
+      </p:sp>
+      <p:cxnSp>
+        <p:nvCxnSpPr>
+          <p:cNvPr id="39" name="Straight Arrow Connector 38"/>
+          <p:cNvCxnSpPr/>
+          <p:nvPr/>
+        </p:nvCxnSpPr>
+        <p:spPr>
+          <a:xfrm>
+            <a:off x="1177744" y="305385"/>
+            <a:ext cx="149751" cy="0"/>
+          </a:xfrm>
+          <a:prstGeom prst="straightConnector1">
+            <a:avLst/>
+          </a:prstGeom>
+          <a:ln w="19050">
+            <a:solidFill>
+              <a:schemeClr val="tx1"/>
+            </a:solidFill>
+            <a:headEnd w="sm" len="sm"/>
+            <a:tailEnd type="arrow" w="sm" len="sm"/>
+          </a:ln>
+        </p:spPr>
+        <p:style>
+          <a:lnRef idx="1">
+            <a:schemeClr val="accent1"/>
+          </a:lnRef>
+          <a:fillRef idx="0">
+            <a:schemeClr val="accent1"/>
+          </a:fillRef>
+          <a:effectRef idx="0">
+            <a:schemeClr val="accent1"/>
+          </a:effectRef>
+          <a:fontRef idx="minor">
+            <a:schemeClr val="tx1"/>
+          </a:fontRef>
+        </p:style>
+      </p:cxnSp>
+      <p:cxnSp>
+        <p:nvCxnSpPr>
+          <p:cNvPr id="42" name="Straight Arrow Connector 41"/>
+          <p:cNvCxnSpPr/>
+          <p:nvPr/>
+        </p:nvCxnSpPr>
+        <p:spPr>
+          <a:xfrm>
+            <a:off x="1788355" y="305385"/>
+            <a:ext cx="149751" cy="0"/>
+          </a:xfrm>
+          <a:prstGeom prst="straightConnector1">
+            <a:avLst/>
+          </a:prstGeom>
+          <a:ln w="19050">
+            <a:solidFill>
+              <a:schemeClr val="tx1"/>
+            </a:solidFill>
+            <a:headEnd w="sm" len="sm"/>
+            <a:tailEnd type="arrow" w="sm" len="sm"/>
+          </a:ln>
+        </p:spPr>
+        <p:style>
+          <a:lnRef idx="1">
+            <a:schemeClr val="accent1"/>
+          </a:lnRef>
+          <a:fillRef idx="0">
+            <a:schemeClr val="accent1"/>
+          </a:fillRef>
+          <a:effectRef idx="0">
+            <a:schemeClr val="accent1"/>
+          </a:effectRef>
+          <a:fontRef idx="minor">
+            <a:schemeClr val="tx1"/>
+          </a:fontRef>
+        </p:style>
+      </p:cxnSp>
+      <p:cxnSp>
+        <p:nvCxnSpPr>
+          <p:cNvPr id="60" name="Straight Arrow Connector 59"/>
+          <p:cNvCxnSpPr/>
+          <p:nvPr/>
+        </p:nvCxnSpPr>
+        <p:spPr>
+          <a:xfrm>
+            <a:off x="2147169" y="429752"/>
+            <a:ext cx="1" cy="192025"/>
+          </a:xfrm>
+          <a:prstGeom prst="straightConnector1">
+            <a:avLst/>
+          </a:prstGeom>
+          <a:ln w="19050">
+            <a:solidFill>
+              <a:schemeClr val="tx1"/>
+            </a:solidFill>
+            <a:headEnd w="sm" len="sm"/>
+            <a:tailEnd type="arrow" w="sm" len="sm"/>
+          </a:ln>
+        </p:spPr>
+        <p:style>
+          <a:lnRef idx="1">
+            <a:schemeClr val="accent1"/>
+          </a:lnRef>
+          <a:fillRef idx="0">
+            <a:schemeClr val="accent1"/>
+          </a:fillRef>
+          <a:effectRef idx="0">
+            <a:schemeClr val="accent1"/>
+          </a:effectRef>
+          <a:fontRef idx="minor">
+            <a:schemeClr val="tx1"/>
+          </a:fontRef>
+        </p:style>
+      </p:cxnSp>
+      <p:cxnSp>
+        <p:nvCxnSpPr>
+          <p:cNvPr id="21" name="Straight Arrow Connector 20"/>
+          <p:cNvCxnSpPr/>
+          <p:nvPr/>
+        </p:nvCxnSpPr>
+        <p:spPr>
+          <a:xfrm flipV="1">
+            <a:off x="1561795" y="429752"/>
+            <a:ext cx="0" cy="192025"/>
+          </a:xfrm>
+          <a:prstGeom prst="straightConnector1">
+            <a:avLst/>
+          </a:prstGeom>
+          <a:ln w="19050">
+            <a:solidFill>
+              <a:schemeClr val="tx1"/>
+            </a:solidFill>
+            <a:headEnd w="sm" len="sm"/>
+            <a:tailEnd type="arrow" w="sm" len="sm"/>
+          </a:ln>
+        </p:spPr>
+        <p:style>
+          <a:lnRef idx="1">
+            <a:schemeClr val="accent1"/>
+          </a:lnRef>
+          <a:fillRef idx="0">
+            <a:schemeClr val="accent1"/>
+          </a:fillRef>
+          <a:effectRef idx="0">
+            <a:schemeClr val="accent1"/>
+          </a:effectRef>
+          <a:fontRef idx="minor">
+            <a:schemeClr val="tx1"/>
+          </a:fontRef>
+        </p:style>
+      </p:cxnSp>
+      <p:sp>
+        <p:nvSpPr>
+          <p:cNvPr id="23" name="Rectangle 22"/>
+          <p:cNvSpPr/>
+          <p:nvPr/>
+        </p:nvSpPr>
+        <p:spPr>
+          <a:xfrm>
+            <a:off x="793695" y="429752"/>
+            <a:ext cx="847009" cy="211786"/>
+          </a:xfrm>
+          <a:prstGeom prst="rect">
+            <a:avLst/>
+          </a:prstGeom>
+          <a:noFill/>
+          <a:ln w="12700">
+            <a:noFill/>
+          </a:ln>
+        </p:spPr>
+        <p:style>
+          <a:lnRef idx="2">
+            <a:schemeClr val="accent1">
+              <a:shade val="50000"/>
+            </a:schemeClr>
+          </a:lnRef>
+          <a:fillRef idx="1">
+            <a:schemeClr val="accent1"/>
+          </a:fillRef>
+          <a:effectRef idx="0">
+            <a:schemeClr val="accent1"/>
+          </a:effectRef>
+          <a:fontRef idx="minor">
+            <a:schemeClr val="lt1"/>
+          </a:fontRef>
+        </p:style>
+        <p:txBody>
+          <a:bodyPr rtlCol="0" anchor="ctr"/>
+          <a:lstStyle/>
+          <a:p>
+            <a:pPr algn="ctr"/>
+            <a:r>
+              <a:rPr lang="en-US" sz="900" dirty="0" smtClean="0">
+                <a:solidFill>
+                  <a:schemeClr val="tx1"/>
+                </a:solidFill>
+                <a:latin typeface="Times New Roman" pitchFamily="18" charset="0"/>
+                <a:cs typeface="Times New Roman" pitchFamily="18" charset="0"/>
+              </a:rPr>
+              <a:t>filter decision</a:t>
+            </a:r>
+          </a:p>
+        </p:txBody>
+      </p:sp>
+      <p:sp>
+        <p:nvSpPr>
+          <p:cNvPr id="27" name="Rectangle 26"/>
+          <p:cNvSpPr/>
+          <p:nvPr/>
+        </p:nvSpPr>
+        <p:spPr>
+          <a:xfrm>
+            <a:off x="2109065" y="429752"/>
+            <a:ext cx="643285" cy="211786"/>
+          </a:xfrm>
+          <a:prstGeom prst="rect">
+            <a:avLst/>
+          </a:prstGeom>
+          <a:noFill/>
+          <a:ln w="12700">
+            <a:noFill/>
+          </a:ln>
+        </p:spPr>
+        <p:style>
+          <a:lnRef idx="2">
+            <a:schemeClr val="accent1">
+              <a:shade val="50000"/>
+            </a:schemeClr>
+          </a:lnRef>
+          <a:fillRef idx="1">
+            <a:schemeClr val="accent1"/>
+          </a:fillRef>
+          <a:effectRef idx="0">
+            <a:schemeClr val="accent1"/>
+          </a:effectRef>
+          <a:fontRef idx="minor">
+            <a:schemeClr val="lt1"/>
+          </a:fontRef>
+        </p:style>
+        <p:txBody>
+          <a:bodyPr rtlCol="0" anchor="ctr"/>
+          <a:lstStyle/>
+          <a:p>
+            <a:pPr algn="ctr"/>
+            <a:r>
+              <a:rPr lang="en-US" sz="900" dirty="0" smtClean="0">
+                <a:solidFill>
+                  <a:schemeClr val="tx1"/>
+                </a:solidFill>
+                <a:latin typeface="Times New Roman" pitchFamily="18" charset="0"/>
+                <a:cs typeface="Times New Roman" pitchFamily="18" charset="0"/>
+              </a:rPr>
+              <a:t>invalidate</a:t>
+            </a:r>
+          </a:p>
+        </p:txBody>
+      </p:sp>
+      <p:cxnSp>
+        <p:nvCxnSpPr>
+          <p:cNvPr id="28" name="Straight Arrow Connector 27"/>
+          <p:cNvCxnSpPr/>
+          <p:nvPr/>
+        </p:nvCxnSpPr>
+        <p:spPr>
+          <a:xfrm flipH="1">
+            <a:off x="2356235" y="756193"/>
+            <a:ext cx="546576" cy="0"/>
+          </a:xfrm>
+          <a:prstGeom prst="straightConnector1">
+            <a:avLst/>
+          </a:prstGeom>
+          <a:ln w="19050">
+            <a:solidFill>
+              <a:schemeClr val="tx1"/>
+            </a:solidFill>
+            <a:headEnd w="sm" len="sm"/>
+            <a:tailEnd type="arrow" w="sm" len="sm"/>
+          </a:ln>
+        </p:spPr>
+        <p:style>
+          <a:lnRef idx="1">
+            <a:schemeClr val="accent1"/>
+          </a:lnRef>
+          <a:fillRef idx="0">
+            <a:schemeClr val="accent1"/>
+          </a:fillRef>
+          <a:effectRef idx="0">
+            <a:schemeClr val="accent1"/>
+          </a:effectRef>
+          <a:fontRef idx="minor">
+            <a:schemeClr val="tx1"/>
+          </a:fontRef>
+        </p:style>
+      </p:cxnSp>
+      <p:sp>
+        <p:nvSpPr>
+          <p:cNvPr id="29" name="Rectangle 28"/>
+          <p:cNvSpPr/>
+          <p:nvPr/>
+        </p:nvSpPr>
+        <p:spPr>
+          <a:xfrm>
+            <a:off x="2329926" y="717231"/>
+            <a:ext cx="643285" cy="211786"/>
+          </a:xfrm>
+          <a:prstGeom prst="rect">
+            <a:avLst/>
+          </a:prstGeom>
+          <a:noFill/>
+          <a:ln w="12700">
+            <a:noFill/>
+          </a:ln>
+        </p:spPr>
+        <p:style>
+          <a:lnRef idx="2">
+            <a:schemeClr val="accent1">
+              <a:shade val="50000"/>
+            </a:schemeClr>
+          </a:lnRef>
+          <a:fillRef idx="1">
+            <a:schemeClr val="accent1"/>
+          </a:fillRef>
+          <a:effectRef idx="0">
+            <a:schemeClr val="accent1"/>
+          </a:effectRef>
+          <a:fontRef idx="minor">
+            <a:schemeClr val="lt1"/>
+          </a:fontRef>
+        </p:style>
+        <p:txBody>
+          <a:bodyPr rtlCol="0" anchor="ctr"/>
+          <a:lstStyle/>
+          <a:p>
+            <a:pPr algn="ctr"/>
+            <a:r>
+              <a:rPr lang="en-US" sz="900" dirty="0" smtClean="0">
+                <a:solidFill>
+                  <a:schemeClr val="tx1"/>
+                </a:solidFill>
+                <a:latin typeface="Times New Roman" pitchFamily="18" charset="0"/>
+                <a:cs typeface="Times New Roman" pitchFamily="18" charset="0"/>
+              </a:rPr>
+              <a:t>non-null</a:t>
             </a:r>
           </a:p>
         </p:txBody>
@@ -11816,7 +12582,7 @@
     </p:spTree>
     <p:extLst>
       <p:ext uri="{BB962C8B-B14F-4D97-AF65-F5344CB8AC3E}">
-        <p14:creationId xmlns:p14="http://schemas.microsoft.com/office/powerpoint/2010/main" val="320129923"/>
+        <p14:creationId xmlns:p14="http://schemas.microsoft.com/office/powerpoint/2010/main" val="794097082"/>
       </p:ext>
     </p:extLst>
   </p:cSld>
@@ -11845,16 +12611,16 @@
       </p:grpSpPr>
       <p:sp>
         <p:nvSpPr>
-          <p:cNvPr id="29" name="Oval 28"/>
+          <p:cNvPr id="45" name="Rectangle 44"/>
           <p:cNvSpPr/>
           <p:nvPr/>
         </p:nvSpPr>
         <p:spPr>
           <a:xfrm>
-            <a:off x="529519" y="45700"/>
-            <a:ext cx="230429" cy="230429"/>
-          </a:xfrm>
-          <a:prstGeom prst="ellipse">
+            <a:off x="1715414" y="548186"/>
+            <a:ext cx="654105" cy="372935"/>
+          </a:xfrm>
+          <a:prstGeom prst="rect">
             <a:avLst/>
           </a:prstGeom>
           <a:solidFill>
@@ -11895,60 +12661,9 @@
                 <a:latin typeface="Times New Roman" pitchFamily="18" charset="0"/>
                 <a:cs typeface="Times New Roman" pitchFamily="18" charset="0"/>
               </a:rPr>
-              <a:t>A</a:t>
-            </a:r>
-            <a:endParaRPr lang="en-US" sz="900" dirty="0">
-              <a:solidFill>
-                <a:schemeClr val="tx1"/>
-              </a:solidFill>
-              <a:latin typeface="Times New Roman" pitchFamily="18" charset="0"/>
-              <a:cs typeface="Times New Roman" pitchFamily="18" charset="0"/>
-            </a:endParaRPr>
-          </a:p>
-        </p:txBody>
-      </p:sp>
-      <p:sp>
-        <p:nvSpPr>
-          <p:cNvPr id="30" name="Oval 29"/>
-          <p:cNvSpPr/>
-          <p:nvPr/>
-        </p:nvSpPr>
-        <p:spPr>
-          <a:xfrm>
-            <a:off x="1002441" y="45702"/>
-            <a:ext cx="230429" cy="230429"/>
-          </a:xfrm>
-          <a:prstGeom prst="ellipse">
-            <a:avLst/>
-          </a:prstGeom>
-          <a:solidFill>
-            <a:srgbClr val="FFFFCC"/>
-          </a:solidFill>
-          <a:ln w="12700">
-            <a:solidFill>
-              <a:schemeClr val="tx1"/>
-            </a:solidFill>
-          </a:ln>
-        </p:spPr>
-        <p:style>
-          <a:lnRef idx="2">
-            <a:schemeClr val="accent1">
-              <a:shade val="50000"/>
-            </a:schemeClr>
-          </a:lnRef>
-          <a:fillRef idx="1">
-            <a:schemeClr val="accent1"/>
-          </a:fillRef>
-          <a:effectRef idx="0">
-            <a:schemeClr val="accent1"/>
-          </a:effectRef>
-          <a:fontRef idx="minor">
-            <a:schemeClr val="lt1"/>
-          </a:fontRef>
-        </p:style>
-        <p:txBody>
-          <a:bodyPr rtlCol="0" anchor="ctr"/>
-          <a:lstStyle/>
+              <a:t>Dataflow</a:t>
+            </a:r>
+          </a:p>
           <a:p>
             <a:pPr algn="ctr"/>
             <a:r>
@@ -11959,31 +12674,23 @@
                 <a:latin typeface="Times New Roman" pitchFamily="18" charset="0"/>
                 <a:cs typeface="Times New Roman" pitchFamily="18" charset="0"/>
               </a:rPr>
-              <a:t>B</a:t>
-            </a:r>
-            <a:endParaRPr lang="en-US" sz="900" dirty="0">
-              <a:solidFill>
-                <a:schemeClr val="tx1"/>
-              </a:solidFill>
-              <a:latin typeface="Times New Roman" pitchFamily="18" charset="0"/>
-              <a:cs typeface="Times New Roman" pitchFamily="18" charset="0"/>
-            </a:endParaRPr>
+              <a:t>Engine</a:t>
+            </a:r>
           </a:p>
         </p:txBody>
       </p:sp>
       <p:cxnSp>
         <p:nvCxnSpPr>
-          <p:cNvPr id="31" name="Straight Arrow Connector 30"/>
+          <p:cNvPr id="54" name="Straight Arrow Connector 53"/>
           <p:cNvCxnSpPr>
-            <a:stCxn id="29" idx="6"/>
-            <a:endCxn id="30" idx="2"/>
+            <a:endCxn id="18" idx="1"/>
           </p:cNvCxnSpPr>
           <p:nvPr/>
         </p:nvCxnSpPr>
         <p:spPr>
-          <a:xfrm>
-            <a:off x="759948" y="160915"/>
-            <a:ext cx="242493" cy="2"/>
+          <a:xfrm flipV="1">
+            <a:off x="225083" y="176952"/>
+            <a:ext cx="500459" cy="254"/>
           </a:xfrm>
           <a:prstGeom prst="straightConnector1">
             <a:avLst/>
@@ -12013,20 +12720,20 @@
       </p:cxnSp>
       <p:sp>
         <p:nvSpPr>
-          <p:cNvPr id="34" name="Oval 33"/>
+          <p:cNvPr id="13" name="Rectangle 12"/>
           <p:cNvSpPr/>
           <p:nvPr/>
         </p:nvSpPr>
         <p:spPr>
-          <a:xfrm>
-            <a:off x="1475363" y="46022"/>
-            <a:ext cx="230429" cy="230429"/>
-          </a:xfrm>
-          <a:prstGeom prst="ellipse">
+          <a:xfrm rot="16200000">
+            <a:off x="2602815" y="331520"/>
+            <a:ext cx="900561" cy="278641"/>
+          </a:xfrm>
+          <a:prstGeom prst="rect">
             <a:avLst/>
           </a:prstGeom>
           <a:solidFill>
-            <a:srgbClr val="FFFFCC"/>
+            <a:srgbClr val="66CCFF"/>
           </a:solidFill>
           <a:ln w="12700">
             <a:solidFill>
@@ -12063,336 +12770,27 @@
                 <a:latin typeface="Times New Roman" pitchFamily="18" charset="0"/>
                 <a:cs typeface="Times New Roman" pitchFamily="18" charset="0"/>
               </a:rPr>
-              <a:t>C</a:t>
-            </a:r>
-            <a:endParaRPr lang="en-US" sz="900" dirty="0">
-              <a:solidFill>
-                <a:schemeClr val="tx1"/>
-              </a:solidFill>
-              <a:latin typeface="Times New Roman" pitchFamily="18" charset="0"/>
-              <a:cs typeface="Times New Roman" pitchFamily="18" charset="0"/>
-            </a:endParaRPr>
-          </a:p>
-        </p:txBody>
-      </p:sp>
-      <p:cxnSp>
-        <p:nvCxnSpPr>
-          <p:cNvPr id="39" name="Straight Arrow Connector 38"/>
-          <p:cNvCxnSpPr/>
-          <p:nvPr/>
-        </p:nvCxnSpPr>
-        <p:spPr>
-          <a:xfrm>
-            <a:off x="1232870" y="161240"/>
-            <a:ext cx="242493" cy="2"/>
-          </a:xfrm>
-          <a:prstGeom prst="straightConnector1">
-            <a:avLst/>
-          </a:prstGeom>
-          <a:ln w="19050">
-            <a:solidFill>
-              <a:schemeClr val="tx1"/>
-            </a:solidFill>
-            <a:headEnd w="sm" len="sm"/>
-            <a:tailEnd type="arrow" w="sm" len="sm"/>
-          </a:ln>
-        </p:spPr>
-        <p:style>
-          <a:lnRef idx="1">
-            <a:schemeClr val="accent1"/>
-          </a:lnRef>
-          <a:fillRef idx="0">
-            <a:schemeClr val="accent1"/>
-          </a:fillRef>
-          <a:effectRef idx="0">
-            <a:schemeClr val="accent1"/>
-          </a:effectRef>
-          <a:fontRef idx="minor">
-            <a:schemeClr val="tx1"/>
-          </a:fontRef>
-        </p:style>
-      </p:cxnSp>
-      <p:sp>
-        <p:nvSpPr>
-          <p:cNvPr id="41" name="Oval 40"/>
+              <a:t>Monitoring Core</a:t>
+            </a:r>
+          </a:p>
+        </p:txBody>
+      </p:sp>
+      <p:sp>
+        <p:nvSpPr>
+          <p:cNvPr id="14" name="Rectangle 13"/>
           <p:cNvSpPr/>
           <p:nvPr/>
         </p:nvSpPr>
         <p:spPr>
-          <a:xfrm>
-            <a:off x="1948285" y="46022"/>
-            <a:ext cx="230429" cy="230429"/>
-          </a:xfrm>
-          <a:prstGeom prst="ellipse">
+          <a:xfrm rot="16200000">
+            <a:off x="-299244" y="335341"/>
+            <a:ext cx="908710" cy="278638"/>
+          </a:xfrm>
+          <a:prstGeom prst="rect">
             <a:avLst/>
           </a:prstGeom>
           <a:solidFill>
-            <a:srgbClr val="FFFFCC"/>
-          </a:solidFill>
-          <a:ln w="12700">
-            <a:solidFill>
-              <a:schemeClr val="tx1"/>
-            </a:solidFill>
-          </a:ln>
-        </p:spPr>
-        <p:style>
-          <a:lnRef idx="2">
-            <a:schemeClr val="accent1">
-              <a:shade val="50000"/>
-            </a:schemeClr>
-          </a:lnRef>
-          <a:fillRef idx="1">
-            <a:schemeClr val="accent1"/>
-          </a:fillRef>
-          <a:effectRef idx="0">
-            <a:schemeClr val="accent1"/>
-          </a:effectRef>
-          <a:fontRef idx="minor">
-            <a:schemeClr val="lt1"/>
-          </a:fontRef>
-        </p:style>
-        <p:txBody>
-          <a:bodyPr rtlCol="0" anchor="ctr"/>
-          <a:lstStyle/>
-          <a:p>
-            <a:pPr algn="ctr"/>
-            <a:r>
-              <a:rPr lang="en-US" sz="900" dirty="0">
-                <a:solidFill>
-                  <a:schemeClr val="tx1"/>
-                </a:solidFill>
-                <a:latin typeface="Times New Roman" pitchFamily="18" charset="0"/>
-                <a:cs typeface="Times New Roman" pitchFamily="18" charset="0"/>
-              </a:rPr>
-              <a:t>D</a:t>
-            </a:r>
-          </a:p>
-        </p:txBody>
-      </p:sp>
-      <p:cxnSp>
-        <p:nvCxnSpPr>
-          <p:cNvPr id="42" name="Straight Arrow Connector 41"/>
-          <p:cNvCxnSpPr/>
-          <p:nvPr/>
-        </p:nvCxnSpPr>
-        <p:spPr>
-          <a:xfrm>
-            <a:off x="1705792" y="161238"/>
-            <a:ext cx="242493" cy="2"/>
-          </a:xfrm>
-          <a:prstGeom prst="straightConnector1">
-            <a:avLst/>
-          </a:prstGeom>
-          <a:ln w="19050">
-            <a:solidFill>
-              <a:schemeClr val="tx1"/>
-            </a:solidFill>
-            <a:headEnd w="sm" len="sm"/>
-            <a:tailEnd type="arrow" w="sm" len="sm"/>
-          </a:ln>
-        </p:spPr>
-        <p:style>
-          <a:lnRef idx="1">
-            <a:schemeClr val="accent1"/>
-          </a:lnRef>
-          <a:fillRef idx="0">
-            <a:schemeClr val="accent1"/>
-          </a:fillRef>
-          <a:effectRef idx="0">
-            <a:schemeClr val="accent1"/>
-          </a:effectRef>
-          <a:fontRef idx="minor">
-            <a:schemeClr val="tx1"/>
-          </a:fontRef>
-        </p:style>
-      </p:cxnSp>
-      <p:cxnSp>
-        <p:nvCxnSpPr>
-          <p:cNvPr id="44" name="Straight Arrow Connector 43"/>
-          <p:cNvCxnSpPr/>
-          <p:nvPr/>
-        </p:nvCxnSpPr>
-        <p:spPr>
-          <a:xfrm>
-            <a:off x="2178714" y="161236"/>
-            <a:ext cx="242493" cy="2"/>
-          </a:xfrm>
-          <a:prstGeom prst="straightConnector1">
-            <a:avLst/>
-          </a:prstGeom>
-          <a:ln w="19050">
-            <a:solidFill>
-              <a:schemeClr val="tx1"/>
-            </a:solidFill>
-            <a:headEnd w="sm" len="sm"/>
-            <a:tailEnd type="arrow" w="sm" len="sm"/>
-          </a:ln>
-        </p:spPr>
-        <p:style>
-          <a:lnRef idx="1">
-            <a:schemeClr val="accent1"/>
-          </a:lnRef>
-          <a:fillRef idx="0">
-            <a:schemeClr val="accent1"/>
-          </a:fillRef>
-          <a:effectRef idx="0">
-            <a:schemeClr val="accent1"/>
-          </a:effectRef>
-          <a:fontRef idx="minor">
-            <a:schemeClr val="tx1"/>
-          </a:fontRef>
-        </p:style>
-      </p:cxnSp>
-      <p:sp>
-        <p:nvSpPr>
-          <p:cNvPr id="46" name="Oval 45"/>
-          <p:cNvSpPr/>
-          <p:nvPr/>
-        </p:nvSpPr>
-        <p:spPr>
-          <a:xfrm>
-            <a:off x="1475362" y="343520"/>
-            <a:ext cx="230429" cy="230429"/>
-          </a:xfrm>
-          <a:prstGeom prst="ellipse">
-            <a:avLst/>
-          </a:prstGeom>
-          <a:solidFill>
-            <a:srgbClr val="FFFFCC"/>
-          </a:solidFill>
-          <a:ln w="12700">
-            <a:solidFill>
-              <a:schemeClr val="tx1"/>
-            </a:solidFill>
-          </a:ln>
-        </p:spPr>
-        <p:style>
-          <a:lnRef idx="2">
-            <a:schemeClr val="accent1">
-              <a:shade val="50000"/>
-            </a:schemeClr>
-          </a:lnRef>
-          <a:fillRef idx="1">
-            <a:schemeClr val="accent1"/>
-          </a:fillRef>
-          <a:effectRef idx="0">
-            <a:schemeClr val="accent1"/>
-          </a:effectRef>
-          <a:fontRef idx="minor">
-            <a:schemeClr val="lt1"/>
-          </a:fontRef>
-        </p:style>
-        <p:txBody>
-          <a:bodyPr rtlCol="0" anchor="ctr"/>
-          <a:lstStyle/>
-          <a:p>
-            <a:pPr algn="ctr"/>
-            <a:r>
-              <a:rPr lang="en-US" sz="900" dirty="0">
-                <a:solidFill>
-                  <a:schemeClr val="tx1"/>
-                </a:solidFill>
-                <a:latin typeface="Times New Roman" pitchFamily="18" charset="0"/>
-                <a:cs typeface="Times New Roman" pitchFamily="18" charset="0"/>
-              </a:rPr>
-              <a:t>F</a:t>
-            </a:r>
-          </a:p>
-        </p:txBody>
-      </p:sp>
-      <p:cxnSp>
-        <p:nvCxnSpPr>
-          <p:cNvPr id="47" name="Straight Arrow Connector 46"/>
-          <p:cNvCxnSpPr>
-            <a:stCxn id="30" idx="5"/>
-            <a:endCxn id="46" idx="2"/>
-          </p:cNvCxnSpPr>
-          <p:nvPr/>
-        </p:nvCxnSpPr>
-        <p:spPr>
-          <a:xfrm>
-            <a:off x="1199124" y="242385"/>
-            <a:ext cx="276238" cy="216350"/>
-          </a:xfrm>
-          <a:prstGeom prst="straightConnector1">
-            <a:avLst/>
-          </a:prstGeom>
-          <a:ln w="19050">
-            <a:solidFill>
-              <a:schemeClr val="tx1"/>
-            </a:solidFill>
-            <a:headEnd w="sm" len="sm"/>
-            <a:tailEnd type="arrow" w="sm" len="sm"/>
-          </a:ln>
-        </p:spPr>
-        <p:style>
-          <a:lnRef idx="1">
-            <a:schemeClr val="accent1"/>
-          </a:lnRef>
-          <a:fillRef idx="0">
-            <a:schemeClr val="accent1"/>
-          </a:fillRef>
-          <a:effectRef idx="0">
-            <a:schemeClr val="accent1"/>
-          </a:effectRef>
-          <a:fontRef idx="minor">
-            <a:schemeClr val="tx1"/>
-          </a:fontRef>
-        </p:style>
-      </p:cxnSp>
-      <p:cxnSp>
-        <p:nvCxnSpPr>
-          <p:cNvPr id="51" name="Straight Arrow Connector 50"/>
-          <p:cNvCxnSpPr/>
-          <p:nvPr/>
-        </p:nvCxnSpPr>
-        <p:spPr>
-          <a:xfrm>
-            <a:off x="1709344" y="458735"/>
-            <a:ext cx="242493" cy="2"/>
-          </a:xfrm>
-          <a:prstGeom prst="straightConnector1">
-            <a:avLst/>
-          </a:prstGeom>
-          <a:ln w="19050">
-            <a:solidFill>
-              <a:schemeClr val="tx1"/>
-            </a:solidFill>
-            <a:headEnd w="sm" len="sm"/>
-            <a:tailEnd type="arrow" w="sm" len="sm"/>
-          </a:ln>
-        </p:spPr>
-        <p:style>
-          <a:lnRef idx="1">
-            <a:schemeClr val="accent1"/>
-          </a:lnRef>
-          <a:fillRef idx="0">
-            <a:schemeClr val="accent1"/>
-          </a:fillRef>
-          <a:effectRef idx="0">
-            <a:schemeClr val="accent1"/>
-          </a:effectRef>
-          <a:fontRef idx="minor">
-            <a:schemeClr val="tx1"/>
-          </a:fontRef>
-        </p:style>
-      </p:cxnSp>
-      <p:sp>
-        <p:nvSpPr>
-          <p:cNvPr id="2" name="Rectangle 1"/>
-          <p:cNvSpPr/>
-          <p:nvPr/>
-        </p:nvSpPr>
-        <p:spPr>
-          <a:xfrm>
-            <a:off x="1951837" y="343520"/>
-            <a:ext cx="230429" cy="230429"/>
-          </a:xfrm>
-          <a:prstGeom prst="rect">
-            <a:avLst/>
-          </a:prstGeom>
-          <a:solidFill>
-            <a:srgbClr val="FFFFCC"/>
+            <a:srgbClr val="66CCFF"/>
           </a:solidFill>
           <a:ln w="12700">
             <a:solidFill>
@@ -12429,60 +12827,9 @@
                 <a:latin typeface="Times New Roman" pitchFamily="18" charset="0"/>
                 <a:cs typeface="Times New Roman" pitchFamily="18" charset="0"/>
               </a:rPr>
-              <a:t>G</a:t>
-            </a:r>
-            <a:endParaRPr lang="en-US" sz="900" dirty="0">
-              <a:solidFill>
-                <a:schemeClr val="tx1"/>
-              </a:solidFill>
-              <a:latin typeface="Times New Roman" pitchFamily="18" charset="0"/>
-              <a:cs typeface="Times New Roman" pitchFamily="18" charset="0"/>
-            </a:endParaRPr>
-          </a:p>
-        </p:txBody>
-      </p:sp>
-      <p:sp>
-        <p:nvSpPr>
-          <p:cNvPr id="16" name="Rectangle 15"/>
-          <p:cNvSpPr/>
-          <p:nvPr/>
-        </p:nvSpPr>
-        <p:spPr>
-          <a:xfrm>
-            <a:off x="2421207" y="45699"/>
-            <a:ext cx="230429" cy="230429"/>
-          </a:xfrm>
-          <a:prstGeom prst="rect">
-            <a:avLst/>
-          </a:prstGeom>
-          <a:solidFill>
-            <a:srgbClr val="FFFFCC"/>
-          </a:solidFill>
-          <a:ln w="12700">
-            <a:solidFill>
-              <a:schemeClr val="tx1"/>
-            </a:solidFill>
-          </a:ln>
-        </p:spPr>
-        <p:style>
-          <a:lnRef idx="2">
-            <a:schemeClr val="accent1">
-              <a:shade val="50000"/>
-            </a:schemeClr>
-          </a:lnRef>
-          <a:fillRef idx="1">
-            <a:schemeClr val="accent1"/>
-          </a:fillRef>
-          <a:effectRef idx="0">
-            <a:schemeClr val="accent1"/>
-          </a:effectRef>
-          <a:fontRef idx="minor">
-            <a:schemeClr val="lt1"/>
-          </a:fontRef>
-        </p:style>
-        <p:txBody>
-          <a:bodyPr rtlCol="0" anchor="ctr"/>
-          <a:lstStyle/>
+              <a:t>Main</a:t>
+            </a:r>
+          </a:p>
           <a:p>
             <a:pPr algn="ctr"/>
             <a:r>
@@ -12493,35 +12840,598 @@
                 <a:latin typeface="Times New Roman" pitchFamily="18" charset="0"/>
                 <a:cs typeface="Times New Roman" pitchFamily="18" charset="0"/>
               </a:rPr>
-              <a:t>E</a:t>
-            </a:r>
-            <a:endParaRPr lang="en-US" sz="900" dirty="0">
-              <a:solidFill>
-                <a:schemeClr val="tx1"/>
-              </a:solidFill>
-              <a:latin typeface="Times New Roman" pitchFamily="18" charset="0"/>
-              <a:cs typeface="Times New Roman" pitchFamily="18" charset="0"/>
-            </a:endParaRPr>
+              <a:t>Core</a:t>
+            </a:r>
+          </a:p>
+        </p:txBody>
+      </p:sp>
+      <p:sp>
+        <p:nvSpPr>
+          <p:cNvPr id="17" name="Rectangle 16"/>
+          <p:cNvSpPr/>
+          <p:nvPr/>
+        </p:nvSpPr>
+        <p:spPr>
+          <a:xfrm>
+            <a:off x="724350" y="653075"/>
+            <a:ext cx="654105" cy="163157"/>
+          </a:xfrm>
+          <a:prstGeom prst="rect">
+            <a:avLst/>
+          </a:prstGeom>
+          <a:solidFill>
+            <a:srgbClr val="FFFFCC"/>
+          </a:solidFill>
+          <a:ln w="12700">
+            <a:solidFill>
+              <a:schemeClr val="tx1"/>
+            </a:solidFill>
+          </a:ln>
+        </p:spPr>
+        <p:style>
+          <a:lnRef idx="2">
+            <a:schemeClr val="accent1">
+              <a:shade val="50000"/>
+            </a:schemeClr>
+          </a:lnRef>
+          <a:fillRef idx="1">
+            <a:schemeClr val="accent1"/>
+          </a:fillRef>
+          <a:effectRef idx="0">
+            <a:schemeClr val="accent1"/>
+          </a:effectRef>
+          <a:fontRef idx="minor">
+            <a:schemeClr val="lt1"/>
+          </a:fontRef>
+        </p:style>
+        <p:txBody>
+          <a:bodyPr rtlCol="0" anchor="ctr"/>
+          <a:lstStyle/>
+          <a:p>
+            <a:pPr algn="ctr"/>
+            <a:r>
+              <a:rPr lang="en-US" sz="900" dirty="0" smtClean="0">
+                <a:solidFill>
+                  <a:schemeClr val="tx1"/>
+                </a:solidFill>
+                <a:latin typeface="Times New Roman" pitchFamily="18" charset="0"/>
+                <a:cs typeface="Times New Roman" pitchFamily="18" charset="0"/>
+              </a:rPr>
+              <a:t>FIFO</a:t>
+            </a:r>
+          </a:p>
+        </p:txBody>
+      </p:sp>
+      <p:sp>
+        <p:nvSpPr>
+          <p:cNvPr id="18" name="Rectangle 17"/>
+          <p:cNvSpPr/>
+          <p:nvPr/>
+        </p:nvSpPr>
+        <p:spPr>
+          <a:xfrm>
+            <a:off x="725542" y="20305"/>
+            <a:ext cx="652912" cy="313294"/>
+          </a:xfrm>
+          <a:prstGeom prst="rect">
+            <a:avLst/>
+          </a:prstGeom>
+          <a:solidFill>
+            <a:srgbClr val="FFFFCC"/>
+          </a:solidFill>
+          <a:ln w="12700">
+            <a:solidFill>
+              <a:schemeClr val="tx1"/>
+            </a:solidFill>
+          </a:ln>
+        </p:spPr>
+        <p:style>
+          <a:lnRef idx="2">
+            <a:schemeClr val="accent1">
+              <a:shade val="50000"/>
+            </a:schemeClr>
+          </a:lnRef>
+          <a:fillRef idx="1">
+            <a:schemeClr val="accent1"/>
+          </a:fillRef>
+          <a:effectRef idx="0">
+            <a:schemeClr val="accent1"/>
+          </a:effectRef>
+          <a:fontRef idx="minor">
+            <a:schemeClr val="lt1"/>
+          </a:fontRef>
+        </p:style>
+        <p:txBody>
+          <a:bodyPr rtlCol="0" anchor="ctr"/>
+          <a:lstStyle/>
+          <a:p>
+            <a:pPr algn="ctr"/>
+            <a:r>
+              <a:rPr lang="en-US" sz="900" dirty="0" smtClean="0">
+                <a:solidFill>
+                  <a:schemeClr val="tx1"/>
+                </a:solidFill>
+                <a:latin typeface="Times New Roman" pitchFamily="18" charset="0"/>
+                <a:cs typeface="Times New Roman" pitchFamily="18" charset="0"/>
+              </a:rPr>
+              <a:t>Slack Tracking</a:t>
+            </a:r>
+          </a:p>
+        </p:txBody>
+      </p:sp>
+      <p:sp>
+        <p:nvSpPr>
+          <p:cNvPr id="19" name="Rectangle 18"/>
+          <p:cNvSpPr/>
+          <p:nvPr/>
+        </p:nvSpPr>
+        <p:spPr>
+          <a:xfrm>
+            <a:off x="1715415" y="20559"/>
+            <a:ext cx="654105" cy="313294"/>
+          </a:xfrm>
+          <a:prstGeom prst="rect">
+            <a:avLst/>
+          </a:prstGeom>
+          <a:solidFill>
+            <a:srgbClr val="FFFFCC"/>
+          </a:solidFill>
+          <a:ln w="12700">
+            <a:solidFill>
+              <a:schemeClr val="tx1"/>
+            </a:solidFill>
+          </a:ln>
+        </p:spPr>
+        <p:style>
+          <a:lnRef idx="2">
+            <a:schemeClr val="accent1">
+              <a:shade val="50000"/>
+            </a:schemeClr>
+          </a:lnRef>
+          <a:fillRef idx="1">
+            <a:schemeClr val="accent1"/>
+          </a:fillRef>
+          <a:effectRef idx="0">
+            <a:schemeClr val="accent1"/>
+          </a:effectRef>
+          <a:fontRef idx="minor">
+            <a:schemeClr val="lt1"/>
+          </a:fontRef>
+        </p:style>
+        <p:txBody>
+          <a:bodyPr rtlCol="0" anchor="ctr"/>
+          <a:lstStyle/>
+          <a:p>
+            <a:pPr algn="ctr"/>
+            <a:r>
+              <a:rPr lang="en-US" sz="900" dirty="0" smtClean="0">
+                <a:solidFill>
+                  <a:schemeClr val="tx1"/>
+                </a:solidFill>
+                <a:latin typeface="Times New Roman" pitchFamily="18" charset="0"/>
+                <a:cs typeface="Times New Roman" pitchFamily="18" charset="0"/>
+              </a:rPr>
+              <a:t>Dropping Policy</a:t>
+            </a:r>
+          </a:p>
+        </p:txBody>
+      </p:sp>
+      <p:cxnSp>
+        <p:nvCxnSpPr>
+          <p:cNvPr id="23" name="Straight Arrow Connector 22"/>
+          <p:cNvCxnSpPr>
+            <a:stCxn id="18" idx="3"/>
+            <a:endCxn id="19" idx="1"/>
+          </p:cNvCxnSpPr>
+          <p:nvPr/>
+        </p:nvCxnSpPr>
+        <p:spPr>
+          <a:xfrm>
+            <a:off x="1378454" y="176952"/>
+            <a:ext cx="336961" cy="254"/>
+          </a:xfrm>
+          <a:prstGeom prst="straightConnector1">
+            <a:avLst/>
+          </a:prstGeom>
+          <a:ln w="19050">
+            <a:solidFill>
+              <a:schemeClr val="tx1"/>
+            </a:solidFill>
+            <a:headEnd w="sm" len="sm"/>
+            <a:tailEnd type="arrow" w="sm" len="sm"/>
+          </a:ln>
+        </p:spPr>
+        <p:style>
+          <a:lnRef idx="1">
+            <a:schemeClr val="accent1"/>
+          </a:lnRef>
+          <a:fillRef idx="0">
+            <a:schemeClr val="accent1"/>
+          </a:fillRef>
+          <a:effectRef idx="0">
+            <a:schemeClr val="accent1"/>
+          </a:effectRef>
+          <a:fontRef idx="minor">
+            <a:schemeClr val="tx1"/>
+          </a:fontRef>
+        </p:style>
+      </p:cxnSp>
+      <p:sp>
+        <p:nvSpPr>
+          <p:cNvPr id="24" name="Rectangle 23"/>
+          <p:cNvSpPr/>
+          <p:nvPr/>
+        </p:nvSpPr>
+        <p:spPr>
+          <a:xfrm>
+            <a:off x="1327496" y="16404"/>
+            <a:ext cx="423675" cy="156647"/>
+          </a:xfrm>
+          <a:prstGeom prst="rect">
+            <a:avLst/>
+          </a:prstGeom>
+          <a:noFill/>
+          <a:ln w="12700">
+            <a:noFill/>
+          </a:ln>
+        </p:spPr>
+        <p:style>
+          <a:lnRef idx="2">
+            <a:schemeClr val="accent1">
+              <a:shade val="50000"/>
+            </a:schemeClr>
+          </a:lnRef>
+          <a:fillRef idx="1">
+            <a:schemeClr val="accent1"/>
+          </a:fillRef>
+          <a:effectRef idx="0">
+            <a:schemeClr val="accent1"/>
+          </a:effectRef>
+          <a:fontRef idx="minor">
+            <a:schemeClr val="lt1"/>
+          </a:fontRef>
+        </p:style>
+        <p:txBody>
+          <a:bodyPr rtlCol="0" anchor="ctr"/>
+          <a:lstStyle/>
+          <a:p>
+            <a:pPr algn="ctr"/>
+            <a:r>
+              <a:rPr lang="en-US" sz="900" dirty="0" smtClean="0">
+                <a:solidFill>
+                  <a:schemeClr val="tx1"/>
+                </a:solidFill>
+                <a:latin typeface="Times New Roman" pitchFamily="18" charset="0"/>
+                <a:cs typeface="Times New Roman" pitchFamily="18" charset="0"/>
+              </a:rPr>
+              <a:t>slack</a:t>
+            </a:r>
+          </a:p>
+        </p:txBody>
+      </p:sp>
+      <p:cxnSp>
+        <p:nvCxnSpPr>
+          <p:cNvPr id="26" name="Straight Arrow Connector 25"/>
+          <p:cNvCxnSpPr/>
+          <p:nvPr/>
+        </p:nvCxnSpPr>
+        <p:spPr>
+          <a:xfrm>
+            <a:off x="296814" y="734654"/>
+            <a:ext cx="428728" cy="0"/>
+          </a:xfrm>
+          <a:prstGeom prst="straightConnector1">
+            <a:avLst/>
+          </a:prstGeom>
+          <a:ln w="19050">
+            <a:solidFill>
+              <a:schemeClr val="tx1"/>
+            </a:solidFill>
+            <a:headEnd w="sm" len="sm"/>
+            <a:tailEnd type="arrow" w="sm" len="sm"/>
+          </a:ln>
+        </p:spPr>
+        <p:style>
+          <a:lnRef idx="1">
+            <a:schemeClr val="accent1"/>
+          </a:lnRef>
+          <a:fillRef idx="0">
+            <a:schemeClr val="accent1"/>
+          </a:fillRef>
+          <a:effectRef idx="0">
+            <a:schemeClr val="accent1"/>
+          </a:effectRef>
+          <a:fontRef idx="minor">
+            <a:schemeClr val="tx1"/>
+          </a:fontRef>
+        </p:style>
+      </p:cxnSp>
+      <p:cxnSp>
+        <p:nvCxnSpPr>
+          <p:cNvPr id="28" name="Straight Arrow Connector 27"/>
+          <p:cNvCxnSpPr>
+            <a:stCxn id="17" idx="3"/>
+            <a:endCxn id="45" idx="1"/>
+          </p:cNvCxnSpPr>
+          <p:nvPr/>
+        </p:nvCxnSpPr>
+        <p:spPr>
+          <a:xfrm>
+            <a:off x="1378455" y="734654"/>
+            <a:ext cx="336959" cy="0"/>
+          </a:xfrm>
+          <a:prstGeom prst="straightConnector1">
+            <a:avLst/>
+          </a:prstGeom>
+          <a:ln w="19050">
+            <a:solidFill>
+              <a:schemeClr val="tx1"/>
+            </a:solidFill>
+            <a:headEnd w="sm" len="sm"/>
+            <a:tailEnd type="arrow" w="sm" len="sm"/>
+          </a:ln>
+        </p:spPr>
+        <p:style>
+          <a:lnRef idx="1">
+            <a:schemeClr val="accent1"/>
+          </a:lnRef>
+          <a:fillRef idx="0">
+            <a:schemeClr val="accent1"/>
+          </a:fillRef>
+          <a:effectRef idx="0">
+            <a:schemeClr val="accent1"/>
+          </a:effectRef>
+          <a:fontRef idx="minor">
+            <a:schemeClr val="tx1"/>
+          </a:fontRef>
+        </p:style>
+      </p:cxnSp>
+      <p:cxnSp>
+        <p:nvCxnSpPr>
+          <p:cNvPr id="30" name="Straight Arrow Connector 29"/>
+          <p:cNvCxnSpPr/>
+          <p:nvPr/>
+        </p:nvCxnSpPr>
+        <p:spPr>
+          <a:xfrm>
+            <a:off x="2363973" y="733886"/>
+            <a:ext cx="544255" cy="767"/>
+          </a:xfrm>
+          <a:prstGeom prst="straightConnector1">
+            <a:avLst/>
+          </a:prstGeom>
+          <a:ln w="19050">
+            <a:solidFill>
+              <a:schemeClr val="tx1"/>
+            </a:solidFill>
+            <a:headEnd w="sm" len="sm"/>
+            <a:tailEnd type="arrow" w="sm" len="sm"/>
+          </a:ln>
+        </p:spPr>
+        <p:style>
+          <a:lnRef idx="1">
+            <a:schemeClr val="accent1"/>
+          </a:lnRef>
+          <a:fillRef idx="0">
+            <a:schemeClr val="accent1"/>
+          </a:fillRef>
+          <a:effectRef idx="0">
+            <a:schemeClr val="accent1"/>
+          </a:effectRef>
+          <a:fontRef idx="minor">
+            <a:schemeClr val="tx1"/>
+          </a:fontRef>
+        </p:style>
+      </p:cxnSp>
+      <p:sp>
+        <p:nvSpPr>
+          <p:cNvPr id="32" name="Rectangle 31"/>
+          <p:cNvSpPr/>
+          <p:nvPr/>
+        </p:nvSpPr>
+        <p:spPr>
+          <a:xfrm>
+            <a:off x="242392" y="580343"/>
+            <a:ext cx="483150" cy="156647"/>
+          </a:xfrm>
+          <a:prstGeom prst="rect">
+            <a:avLst/>
+          </a:prstGeom>
+          <a:noFill/>
+          <a:ln w="12700">
+            <a:noFill/>
+          </a:ln>
+        </p:spPr>
+        <p:style>
+          <a:lnRef idx="2">
+            <a:schemeClr val="accent1">
+              <a:shade val="50000"/>
+            </a:schemeClr>
+          </a:lnRef>
+          <a:fillRef idx="1">
+            <a:schemeClr val="accent1"/>
+          </a:fillRef>
+          <a:effectRef idx="0">
+            <a:schemeClr val="accent1"/>
+          </a:effectRef>
+          <a:fontRef idx="minor">
+            <a:schemeClr val="lt1"/>
+          </a:fontRef>
+        </p:style>
+        <p:txBody>
+          <a:bodyPr rtlCol="0" anchor="ctr"/>
+          <a:lstStyle/>
+          <a:p>
+            <a:pPr algn="ctr"/>
+            <a:r>
+              <a:rPr lang="en-US" sz="900" dirty="0" smtClean="0">
+                <a:solidFill>
+                  <a:schemeClr val="tx1"/>
+                </a:solidFill>
+                <a:latin typeface="Times New Roman" pitchFamily="18" charset="0"/>
+                <a:cs typeface="Times New Roman" pitchFamily="18" charset="0"/>
+              </a:rPr>
+              <a:t>events</a:t>
+            </a:r>
+          </a:p>
+        </p:txBody>
+      </p:sp>
+      <p:sp>
+        <p:nvSpPr>
+          <p:cNvPr id="37" name="Rectangle 36"/>
+          <p:cNvSpPr/>
+          <p:nvPr/>
+        </p:nvSpPr>
+        <p:spPr>
+          <a:xfrm>
+            <a:off x="2291490" y="486799"/>
+            <a:ext cx="689222" cy="211786"/>
+          </a:xfrm>
+          <a:prstGeom prst="rect">
+            <a:avLst/>
+          </a:prstGeom>
+          <a:noFill/>
+          <a:ln w="12700">
+            <a:noFill/>
+          </a:ln>
+        </p:spPr>
+        <p:style>
+          <a:lnRef idx="2">
+            <a:schemeClr val="accent1">
+              <a:shade val="50000"/>
+            </a:schemeClr>
+          </a:lnRef>
+          <a:fillRef idx="1">
+            <a:schemeClr val="accent1"/>
+          </a:fillRef>
+          <a:effectRef idx="0">
+            <a:schemeClr val="accent1"/>
+          </a:effectRef>
+          <a:fontRef idx="minor">
+            <a:schemeClr val="lt1"/>
+          </a:fontRef>
+        </p:style>
+        <p:txBody>
+          <a:bodyPr rtlCol="0" anchor="ctr"/>
+          <a:lstStyle/>
+          <a:p>
+            <a:pPr algn="ctr"/>
+            <a:r>
+              <a:rPr lang="en-US" sz="900" dirty="0" smtClean="0">
+                <a:solidFill>
+                  <a:schemeClr val="tx1"/>
+                </a:solidFill>
+                <a:latin typeface="Times New Roman" pitchFamily="18" charset="0"/>
+                <a:cs typeface="Times New Roman" pitchFamily="18" charset="0"/>
+              </a:rPr>
+              <a:t>monitored events</a:t>
+            </a:r>
+          </a:p>
+        </p:txBody>
+      </p:sp>
+      <p:cxnSp>
+        <p:nvCxnSpPr>
+          <p:cNvPr id="48" name="Straight Arrow Connector 47"/>
+          <p:cNvCxnSpPr>
+            <a:stCxn id="19" idx="2"/>
+            <a:endCxn id="45" idx="0"/>
+          </p:cNvCxnSpPr>
+          <p:nvPr/>
+        </p:nvCxnSpPr>
+        <p:spPr>
+          <a:xfrm flipH="1">
+            <a:off x="2042467" y="333853"/>
+            <a:ext cx="1" cy="214333"/>
+          </a:xfrm>
+          <a:prstGeom prst="straightConnector1">
+            <a:avLst/>
+          </a:prstGeom>
+          <a:ln w="19050">
+            <a:solidFill>
+              <a:schemeClr val="tx1"/>
+            </a:solidFill>
+            <a:headEnd w="sm" len="sm"/>
+            <a:tailEnd type="arrow" w="sm" len="sm"/>
+          </a:ln>
+        </p:spPr>
+        <p:style>
+          <a:lnRef idx="1">
+            <a:schemeClr val="accent1"/>
+          </a:lnRef>
+          <a:fillRef idx="0">
+            <a:schemeClr val="accent1"/>
+          </a:fillRef>
+          <a:effectRef idx="0">
+            <a:schemeClr val="accent1"/>
+          </a:effectRef>
+          <a:fontRef idx="minor">
+            <a:schemeClr val="tx1"/>
+          </a:fontRef>
+        </p:style>
+      </p:cxnSp>
+      <p:sp>
+        <p:nvSpPr>
+          <p:cNvPr id="50" name="Rectangle 49"/>
+          <p:cNvSpPr/>
+          <p:nvPr/>
+        </p:nvSpPr>
+        <p:spPr>
+          <a:xfrm>
+            <a:off x="1484985" y="312277"/>
+            <a:ext cx="689222" cy="211786"/>
+          </a:xfrm>
+          <a:prstGeom prst="rect">
+            <a:avLst/>
+          </a:prstGeom>
+          <a:noFill/>
+          <a:ln w="12700">
+            <a:noFill/>
+          </a:ln>
+        </p:spPr>
+        <p:style>
+          <a:lnRef idx="2">
+            <a:schemeClr val="accent1">
+              <a:shade val="50000"/>
+            </a:schemeClr>
+          </a:lnRef>
+          <a:fillRef idx="1">
+            <a:schemeClr val="accent1"/>
+          </a:fillRef>
+          <a:effectRef idx="0">
+            <a:schemeClr val="accent1"/>
+          </a:effectRef>
+          <a:fontRef idx="minor">
+            <a:schemeClr val="lt1"/>
+          </a:fontRef>
+        </p:style>
+        <p:txBody>
+          <a:bodyPr rtlCol="0" anchor="ctr"/>
+          <a:lstStyle/>
+          <a:p>
+            <a:pPr algn="ctr"/>
+            <a:r>
+              <a:rPr lang="en-US" sz="900" dirty="0" smtClean="0">
+                <a:solidFill>
+                  <a:schemeClr val="tx1"/>
+                </a:solidFill>
+                <a:latin typeface="Times New Roman" pitchFamily="18" charset="0"/>
+                <a:cs typeface="Times New Roman" pitchFamily="18" charset="0"/>
+              </a:rPr>
+              <a:t>drop</a:t>
+            </a:r>
           </a:p>
         </p:txBody>
       </p:sp>
     </p:spTree>
     <p:extLst>
       <p:ext uri="{BB962C8B-B14F-4D97-AF65-F5344CB8AC3E}">
-        <p14:creationId xmlns:p14="http://schemas.microsoft.com/office/powerpoint/2010/main" val="2958256163"/>
+        <p14:creationId xmlns:p14="http://schemas.microsoft.com/office/powerpoint/2010/main" val="320129923"/>
       </p:ext>
     </p:extLst>
   </p:cSld>
   <p:clrMapOvr>
     <a:masterClrMapping/>
   </p:clrMapOvr>
-  <p:timing>
-    <p:tnLst>
-      <p:par>
-        <p:cTn id="1" dur="indefinite" restart="never" nodeType="tmRoot"/>
-      </p:par>
-    </p:tnLst>
-  </p:timing>
 </p:sld>
 </file>
 
@@ -12557,7 +13467,7 @@
             <a:avLst/>
           </a:prstGeom>
           <a:solidFill>
-            <a:srgbClr val="66CCFF"/>
+            <a:srgbClr val="FFFFCC"/>
           </a:solidFill>
           <a:ln w="12700">
             <a:solidFill>
@@ -12621,7 +13531,7 @@
             <a:avLst/>
           </a:prstGeom>
           <a:solidFill>
-            <a:srgbClr val="66CCFF"/>
+            <a:srgbClr val="FFFFCC"/>
           </a:solidFill>
           <a:ln w="12700">
             <a:solidFill>
@@ -12725,7 +13635,7 @@
             <a:avLst/>
           </a:prstGeom>
           <a:solidFill>
-            <a:srgbClr val="66CCFF"/>
+            <a:srgbClr val="FFFFCC"/>
           </a:solidFill>
           <a:ln w="12700">
             <a:solidFill>
@@ -12826,7 +13736,7 @@
             <a:avLst/>
           </a:prstGeom>
           <a:solidFill>
-            <a:srgbClr val="66CCFF"/>
+            <a:srgbClr val="FFFFCC"/>
           </a:solidFill>
           <a:ln w="12700">
             <a:solidFill>
@@ -12957,7 +13867,7 @@
             <a:avLst/>
           </a:prstGeom>
           <a:solidFill>
-            <a:srgbClr val="66CCFF"/>
+            <a:srgbClr val="FFFFCC"/>
           </a:solidFill>
           <a:ln w="12700">
             <a:solidFill>
@@ -13091,7 +14001,7 @@
             <a:avLst/>
           </a:prstGeom>
           <a:solidFill>
-            <a:srgbClr val="66CCFF"/>
+            <a:srgbClr val="FFFFCC"/>
           </a:solidFill>
           <a:ln w="12700">
             <a:solidFill>
@@ -13155,7 +14065,7 @@
             <a:avLst/>
           </a:prstGeom>
           <a:solidFill>
-            <a:srgbClr val="66CCFF"/>
+            <a:srgbClr val="FFFFCC"/>
           </a:solidFill>
           <a:ln w="12700">
             <a:solidFill>
@@ -13207,7 +14117,7 @@
     </p:spTree>
     <p:extLst>
       <p:ext uri="{BB962C8B-B14F-4D97-AF65-F5344CB8AC3E}">
-        <p14:creationId xmlns:p14="http://schemas.microsoft.com/office/powerpoint/2010/main" val="2553646245"/>
+        <p14:creationId xmlns:p14="http://schemas.microsoft.com/office/powerpoint/2010/main" val="2958256163"/>
       </p:ext>
     </p:extLst>
   </p:cSld>
@@ -13320,7 +14230,7 @@
             <a:avLst/>
           </a:prstGeom>
           <a:solidFill>
-            <a:srgbClr val="FFFFCC"/>
+            <a:srgbClr val="66CCFF"/>
           </a:solidFill>
           <a:ln w="12700">
             <a:solidFill>
@@ -13424,7 +14334,7 @@
             <a:avLst/>
           </a:prstGeom>
           <a:solidFill>
-            <a:srgbClr val="FFFFCC"/>
+            <a:srgbClr val="66CCFF"/>
           </a:solidFill>
           <a:ln w="12700">
             <a:solidFill>
@@ -13525,7 +14435,7 @@
             <a:avLst/>
           </a:prstGeom>
           <a:solidFill>
-            <a:srgbClr val="FFFFCC"/>
+            <a:srgbClr val="66CCFF"/>
           </a:solidFill>
           <a:ln w="12700">
             <a:solidFill>
@@ -13656,7 +14566,7 @@
             <a:avLst/>
           </a:prstGeom>
           <a:solidFill>
-            <a:srgbClr val="FFFFCC"/>
+            <a:srgbClr val="66CCFF"/>
           </a:solidFill>
           <a:ln w="12700">
             <a:solidFill>
@@ -13790,7 +14700,7 @@
             <a:avLst/>
           </a:prstGeom>
           <a:solidFill>
-            <a:srgbClr val="FFFFCC"/>
+            <a:srgbClr val="66CCFF"/>
           </a:solidFill>
           <a:ln w="12700">
             <a:solidFill>
@@ -13854,7 +14764,7 @@
             <a:avLst/>
           </a:prstGeom>
           <a:solidFill>
-            <a:srgbClr val="FFFFCC"/>
+            <a:srgbClr val="66CCFF"/>
           </a:solidFill>
           <a:ln w="12700">
             <a:solidFill>
@@ -13906,7 +14816,7 @@
     </p:spTree>
     <p:extLst>
       <p:ext uri="{BB962C8B-B14F-4D97-AF65-F5344CB8AC3E}">
-        <p14:creationId xmlns:p14="http://schemas.microsoft.com/office/powerpoint/2010/main" val="2263311733"/>
+        <p14:creationId xmlns:p14="http://schemas.microsoft.com/office/powerpoint/2010/main" val="2553646245"/>
       </p:ext>
     </p:extLst>
   </p:cSld>

--- a/figs_src/diagrams.pptx
+++ b/figs_src/diagrams.pptx
@@ -5,7 +5,7 @@
     <p:sldMasterId id="2147483648" r:id="rId1"/>
   </p:sldMasterIdLst>
   <p:notesMasterIdLst>
-    <p:notesMasterId r:id="rId17"/>
+    <p:notesMasterId r:id="rId18"/>
   </p:notesMasterIdLst>
   <p:sldIdLst>
     <p:sldId id="256" r:id="rId2"/>
@@ -23,6 +23,7 @@
     <p:sldId id="260" r:id="rId14"/>
     <p:sldId id="265" r:id="rId15"/>
     <p:sldId id="268" r:id="rId16"/>
+    <p:sldId id="271" r:id="rId17"/>
   </p:sldIdLst>
   <p:sldSz cx="3200400" cy="7772400"/>
   <p:notesSz cx="2743200" cy="7315200"/>
@@ -7894,27 +7895,63 @@
           <a:chExt cx="0" cy="0"/>
         </a:xfrm>
       </p:grpSpPr>
-      <p:sp>
-        <p:nvSpPr>
-          <p:cNvPr id="17" name="Rectangle 16"/>
+      <p:cxnSp>
+        <p:nvCxnSpPr>
+          <p:cNvPr id="59" name="Straight Arrow Connector 58"/>
+          <p:cNvCxnSpPr>
+            <a:stCxn id="26" idx="2"/>
+            <a:endCxn id="25" idx="0"/>
+          </p:cNvCxnSpPr>
+          <p:nvPr/>
+        </p:nvCxnSpPr>
+        <p:spPr>
+          <a:xfrm flipH="1">
+            <a:off x="1050456" y="315226"/>
+            <a:ext cx="1" cy="272818"/>
+          </a:xfrm>
+          <a:prstGeom prst="straightConnector1">
+            <a:avLst/>
+          </a:prstGeom>
+          <a:ln w="19050">
+            <a:solidFill>
+              <a:schemeClr val="tx1"/>
+            </a:solidFill>
+            <a:headEnd w="sm" len="sm"/>
+            <a:tailEnd type="arrow" w="sm" len="sm"/>
+          </a:ln>
+        </p:spPr>
+        <p:style>
+          <a:lnRef idx="1">
+            <a:schemeClr val="accent1"/>
+          </a:lnRef>
+          <a:fillRef idx="0">
+            <a:schemeClr val="accent1"/>
+          </a:fillRef>
+          <a:effectRef idx="0">
+            <a:schemeClr val="accent1"/>
+          </a:effectRef>
+          <a:fontRef idx="minor">
+            <a:schemeClr val="tx1"/>
+          </a:fontRef>
+        </p:style>
+      </p:cxnSp>
+      <p:sp>
+        <p:nvSpPr>
+          <p:cNvPr id="24" name="Rectangle 23"/>
           <p:cNvSpPr/>
           <p:nvPr/>
         </p:nvSpPr>
         <p:spPr>
           <a:xfrm>
-            <a:off x="25595" y="53775"/>
-            <a:ext cx="566328" cy="259674"/>
+            <a:off x="971462" y="315226"/>
+            <a:ext cx="436713" cy="211786"/>
           </a:xfrm>
           <a:prstGeom prst="rect">
             <a:avLst/>
           </a:prstGeom>
-          <a:solidFill>
-            <a:srgbClr val="FFFFCC"/>
-          </a:solidFill>
+          <a:noFill/>
           <a:ln w="12700">
-            <a:solidFill>
-              <a:schemeClr val="tx1"/>
-            </a:solidFill>
+            <a:noFill/>
           </a:ln>
         </p:spPr>
         <p:style>
@@ -7946,21 +7983,28 @@
                 <a:latin typeface="Times New Roman" pitchFamily="18" charset="0"/>
                 <a:cs typeface="Times New Roman" pitchFamily="18" charset="0"/>
               </a:rPr>
-              <a:t>FIFO</a:t>
-            </a:r>
-          </a:p>
-        </p:txBody>
-      </p:sp>
-      <p:sp>
-        <p:nvSpPr>
-          <p:cNvPr id="21" name="Rectangle 20"/>
+              <a:t>yes</a:t>
+            </a:r>
+            <a:endParaRPr lang="en-US" sz="900" dirty="0" smtClean="0">
+              <a:solidFill>
+                <a:schemeClr val="tx1"/>
+              </a:solidFill>
+              <a:latin typeface="Times New Roman" pitchFamily="18" charset="0"/>
+              <a:cs typeface="Times New Roman" pitchFamily="18" charset="0"/>
+            </a:endParaRPr>
+          </a:p>
+        </p:txBody>
+      </p:sp>
+      <p:sp>
+        <p:nvSpPr>
+          <p:cNvPr id="25" name="Rectangle 24"/>
           <p:cNvSpPr/>
           <p:nvPr/>
         </p:nvSpPr>
         <p:spPr>
           <a:xfrm>
-            <a:off x="25594" y="516140"/>
-            <a:ext cx="566328" cy="307240"/>
+            <a:off x="563264" y="588044"/>
+            <a:ext cx="974383" cy="264797"/>
           </a:xfrm>
           <a:prstGeom prst="rect">
             <a:avLst/>
@@ -7995,16 +8039,6 @@
           <a:lstStyle/>
           <a:p>
             <a:pPr algn="ctr"/>
-            <a:r>
-              <a:rPr lang="en-US" sz="900" dirty="0" err="1" smtClean="0">
-                <a:solidFill>
-                  <a:schemeClr val="tx1"/>
-                </a:solidFill>
-                <a:latin typeface="Times New Roman" pitchFamily="18" charset="0"/>
-                <a:cs typeface="Times New Roman" pitchFamily="18" charset="0"/>
-              </a:rPr>
-              <a:t>Config</a:t>
-            </a:r>
             <a:r>
               <a:rPr lang="en-US" sz="900" dirty="0" smtClean="0">
                 <a:solidFill>
@@ -8013,68 +8047,39 @@
                 <a:latin typeface="Times New Roman" pitchFamily="18" charset="0"/>
                 <a:cs typeface="Times New Roman" pitchFamily="18" charset="0"/>
               </a:rPr>
-              <a:t> Table</a:t>
-            </a:r>
-          </a:p>
-        </p:txBody>
-      </p:sp>
-      <p:cxnSp>
-        <p:nvCxnSpPr>
-          <p:cNvPr id="22" name="Straight Arrow Connector 21"/>
-          <p:cNvCxnSpPr>
-            <a:stCxn id="17" idx="2"/>
-            <a:endCxn id="21" idx="0"/>
-          </p:cNvCxnSpPr>
-          <p:nvPr/>
-        </p:nvCxnSpPr>
-        <p:spPr>
-          <a:xfrm flipH="1">
-            <a:off x="308758" y="313449"/>
-            <a:ext cx="1" cy="202691"/>
-          </a:xfrm>
-          <a:prstGeom prst="straightConnector1">
-            <a:avLst/>
-          </a:prstGeom>
-          <a:ln w="19050">
-            <a:solidFill>
-              <a:schemeClr val="tx1"/>
-            </a:solidFill>
-            <a:headEnd w="sm" len="sm"/>
-            <a:tailEnd type="arrow" w="sm" len="sm"/>
-          </a:ln>
-        </p:spPr>
-        <p:style>
-          <a:lnRef idx="1">
-            <a:schemeClr val="accent1"/>
-          </a:lnRef>
-          <a:fillRef idx="0">
-            <a:schemeClr val="accent1"/>
-          </a:fillRef>
-          <a:effectRef idx="0">
-            <a:schemeClr val="accent1"/>
-          </a:effectRef>
-          <a:fontRef idx="minor">
-            <a:schemeClr val="tx1"/>
-          </a:fontRef>
-        </p:style>
-      </p:cxnSp>
-      <p:sp>
-        <p:nvSpPr>
-          <p:cNvPr id="27" name="Rectangle 26"/>
+              <a:t>droppable event?</a:t>
+            </a:r>
+            <a:endParaRPr lang="en-US" sz="900" dirty="0" smtClean="0">
+              <a:solidFill>
+                <a:schemeClr val="tx1"/>
+              </a:solidFill>
+              <a:latin typeface="Times New Roman" pitchFamily="18" charset="0"/>
+              <a:cs typeface="Times New Roman" pitchFamily="18" charset="0"/>
+            </a:endParaRPr>
+          </a:p>
+        </p:txBody>
+      </p:sp>
+      <p:sp>
+        <p:nvSpPr>
+          <p:cNvPr id="26" name="Rectangle 25"/>
           <p:cNvSpPr/>
           <p:nvPr/>
         </p:nvSpPr>
         <p:spPr>
           <a:xfrm>
-            <a:off x="219688" y="294774"/>
-            <a:ext cx="689222" cy="211786"/>
+            <a:off x="563265" y="50428"/>
+            <a:ext cx="974383" cy="264798"/>
           </a:xfrm>
           <a:prstGeom prst="rect">
             <a:avLst/>
           </a:prstGeom>
-          <a:noFill/>
+          <a:solidFill>
+            <a:srgbClr val="FFFFCC"/>
+          </a:solidFill>
           <a:ln w="12700">
-            <a:noFill/>
+            <a:solidFill>
+              <a:schemeClr val="tx1"/>
+            </a:solidFill>
           </a:ln>
         </p:spPr>
         <p:style>
@@ -8098,16 +8103,6 @@
           <a:lstStyle/>
           <a:p>
             <a:pPr algn="ctr"/>
-            <a:r>
-              <a:rPr lang="en-US" sz="900" dirty="0" err="1" smtClean="0">
-                <a:solidFill>
-                  <a:schemeClr val="tx1"/>
-                </a:solidFill>
-                <a:latin typeface="Times New Roman" pitchFamily="18" charset="0"/>
-                <a:cs typeface="Times New Roman" pitchFamily="18" charset="0"/>
-              </a:rPr>
-              <a:t>inst</a:t>
-            </a:r>
             <a:r>
               <a:rPr lang="en-US" sz="900" dirty="0" smtClean="0">
                 <a:solidFill>
@@ -8116,32 +8111,35 @@
                 <a:latin typeface="Times New Roman" pitchFamily="18" charset="0"/>
                 <a:cs typeface="Times New Roman" pitchFamily="18" charset="0"/>
               </a:rPr>
-              <a:t> type</a:t>
-            </a:r>
-          </a:p>
-        </p:txBody>
-      </p:sp>
-      <p:sp>
-        <p:nvSpPr>
-          <p:cNvPr id="28" name="Rectangle 27"/>
+              <a:t>slack &lt; 0</a:t>
+            </a:r>
+            <a:endParaRPr lang="en-US" sz="900" dirty="0" smtClean="0">
+              <a:solidFill>
+                <a:schemeClr val="tx1"/>
+              </a:solidFill>
+              <a:latin typeface="Times New Roman" pitchFamily="18" charset="0"/>
+              <a:cs typeface="Times New Roman" pitchFamily="18" charset="0"/>
+            </a:endParaRPr>
+          </a:p>
+        </p:txBody>
+      </p:sp>
+      <p:sp>
+        <p:nvSpPr>
+          <p:cNvPr id="71" name="Rectangle 70"/>
           <p:cNvSpPr/>
           <p:nvPr/>
         </p:nvSpPr>
         <p:spPr>
           <a:xfrm>
-            <a:off x="908910" y="53775"/>
-            <a:ext cx="691290" cy="529595"/>
+            <a:off x="1555476" y="1121040"/>
+            <a:ext cx="893554" cy="231438"/>
           </a:xfrm>
           <a:prstGeom prst="rect">
             <a:avLst/>
           </a:prstGeom>
-          <a:solidFill>
-            <a:srgbClr val="FFFFCC"/>
-          </a:solidFill>
+          <a:noFill/>
           <a:ln w="12700">
-            <a:solidFill>
-              <a:schemeClr val="tx1"/>
-            </a:solidFill>
+            <a:noFill/>
           </a:ln>
         </p:spPr>
         <p:style>
@@ -8165,6 +8163,16 @@
           <a:lstStyle/>
           <a:p>
             <a:pPr algn="ctr"/>
+            <a:r>
+              <a:rPr lang="en-US" sz="900" dirty="0">
+                <a:solidFill>
+                  <a:schemeClr val="tx1"/>
+                </a:solidFill>
+                <a:latin typeface="Times New Roman" pitchFamily="18" charset="0"/>
+                <a:cs typeface="Times New Roman" pitchFamily="18" charset="0"/>
+              </a:rPr>
+              <a:t>m</a:t>
+            </a:r>
             <a:r>
               <a:rPr lang="en-US" sz="900" dirty="0" smtClean="0">
                 <a:solidFill>
@@ -8173,69 +8181,35 @@
                 <a:latin typeface="Times New Roman" pitchFamily="18" charset="0"/>
                 <a:cs typeface="Times New Roman" pitchFamily="18" charset="0"/>
               </a:rPr>
-              <a:t>Address Generation Unit</a:t>
-            </a:r>
-          </a:p>
-        </p:txBody>
-      </p:sp>
-      <p:cxnSp>
-        <p:nvCxnSpPr>
-          <p:cNvPr id="34" name="Straight Arrow Connector 33"/>
-          <p:cNvCxnSpPr/>
-          <p:nvPr/>
-        </p:nvCxnSpPr>
-        <p:spPr>
-          <a:xfrm>
-            <a:off x="591923" y="124002"/>
-            <a:ext cx="316987" cy="0"/>
-          </a:xfrm>
-          <a:prstGeom prst="straightConnector1">
-            <a:avLst/>
-          </a:prstGeom>
-          <a:ln w="19050">
-            <a:solidFill>
-              <a:schemeClr val="tx1"/>
-            </a:solidFill>
-            <a:headEnd w="sm" len="sm"/>
-            <a:tailEnd type="arrow" w="sm" len="sm"/>
-          </a:ln>
-        </p:spPr>
-        <p:style>
-          <a:lnRef idx="1">
-            <a:schemeClr val="accent1"/>
-          </a:lnRef>
-          <a:fillRef idx="0">
-            <a:schemeClr val="accent1"/>
-          </a:fillRef>
-          <a:effectRef idx="0">
-            <a:schemeClr val="accent1"/>
-          </a:effectRef>
-          <a:fontRef idx="minor">
-            <a:schemeClr val="tx1"/>
-          </a:fontRef>
-        </p:style>
-      </p:cxnSp>
-      <p:sp>
-        <p:nvSpPr>
-          <p:cNvPr id="31" name="Rectangle 30"/>
+              <a:t>onitor events</a:t>
+            </a:r>
+            <a:endParaRPr lang="en-US" sz="900" dirty="0" smtClean="0">
+              <a:solidFill>
+                <a:schemeClr val="tx1"/>
+              </a:solidFill>
+              <a:latin typeface="Times New Roman" pitchFamily="18" charset="0"/>
+              <a:cs typeface="Times New Roman" pitchFamily="18" charset="0"/>
+            </a:endParaRPr>
+          </a:p>
+        </p:txBody>
+      </p:sp>
+      <p:sp>
+        <p:nvSpPr>
+          <p:cNvPr id="72" name="Rectangle 71"/>
           <p:cNvSpPr/>
           <p:nvPr/>
         </p:nvSpPr>
         <p:spPr>
           <a:xfrm>
-            <a:off x="985720" y="130585"/>
-            <a:ext cx="691290" cy="529595"/>
+            <a:off x="706645" y="1121040"/>
+            <a:ext cx="687619" cy="231438"/>
           </a:xfrm>
           <a:prstGeom prst="rect">
             <a:avLst/>
           </a:prstGeom>
-          <a:solidFill>
-            <a:srgbClr val="FFFFCC"/>
-          </a:solidFill>
+          <a:noFill/>
           <a:ln w="12700">
-            <a:solidFill>
-              <a:schemeClr val="tx1"/>
-            </a:solidFill>
+            <a:noFill/>
           </a:ln>
         </p:spPr>
         <p:style>
@@ -8259,6 +8233,16 @@
           <a:lstStyle/>
           <a:p>
             <a:pPr algn="ctr"/>
+            <a:r>
+              <a:rPr lang="en-US" sz="900" dirty="0">
+                <a:solidFill>
+                  <a:schemeClr val="tx1"/>
+                </a:solidFill>
+                <a:latin typeface="Times New Roman" pitchFamily="18" charset="0"/>
+                <a:cs typeface="Times New Roman" pitchFamily="18" charset="0"/>
+              </a:rPr>
+              <a:t>d</a:t>
+            </a:r>
             <a:r>
               <a:rPr lang="en-US" sz="900" dirty="0" smtClean="0">
                 <a:solidFill>
@@ -8267,32 +8251,146 @@
                 <a:latin typeface="Times New Roman" pitchFamily="18" charset="0"/>
                 <a:cs typeface="Times New Roman" pitchFamily="18" charset="0"/>
               </a:rPr>
-              <a:t>Address Generation Unit</a:t>
-            </a:r>
-          </a:p>
-        </p:txBody>
-      </p:sp>
-      <p:sp>
-        <p:nvSpPr>
-          <p:cNvPr id="33" name="Rectangle 32"/>
+              <a:t>rop event</a:t>
+            </a:r>
+            <a:endParaRPr lang="en-US" sz="900" dirty="0" smtClean="0">
+              <a:solidFill>
+                <a:schemeClr val="tx1"/>
+              </a:solidFill>
+              <a:latin typeface="Times New Roman" pitchFamily="18" charset="0"/>
+              <a:cs typeface="Times New Roman" pitchFamily="18" charset="0"/>
+            </a:endParaRPr>
+          </a:p>
+        </p:txBody>
+      </p:sp>
+      <p:cxnSp>
+        <p:nvCxnSpPr>
+          <p:cNvPr id="77" name="Straight Arrow Connector 76"/>
+          <p:cNvCxnSpPr/>
+          <p:nvPr/>
+        </p:nvCxnSpPr>
+        <p:spPr>
+          <a:xfrm>
+            <a:off x="2002253" y="182827"/>
+            <a:ext cx="0" cy="976618"/>
+          </a:xfrm>
+          <a:prstGeom prst="straightConnector1">
+            <a:avLst/>
+          </a:prstGeom>
+          <a:ln w="19050">
+            <a:solidFill>
+              <a:schemeClr val="tx1"/>
+            </a:solidFill>
+            <a:headEnd w="sm" len="sm"/>
+            <a:tailEnd type="arrow" w="sm" len="sm"/>
+          </a:ln>
+        </p:spPr>
+        <p:style>
+          <a:lnRef idx="1">
+            <a:schemeClr val="accent1"/>
+          </a:lnRef>
+          <a:fillRef idx="0">
+            <a:schemeClr val="accent1"/>
+          </a:fillRef>
+          <a:effectRef idx="0">
+            <a:schemeClr val="accent1"/>
+          </a:effectRef>
+          <a:fontRef idx="minor">
+            <a:schemeClr val="tx1"/>
+          </a:fontRef>
+        </p:style>
+      </p:cxnSp>
+      <p:cxnSp>
+        <p:nvCxnSpPr>
+          <p:cNvPr id="78" name="Straight Arrow Connector 77"/>
+          <p:cNvCxnSpPr/>
+          <p:nvPr/>
+        </p:nvCxnSpPr>
+        <p:spPr>
+          <a:xfrm>
+            <a:off x="1542172" y="733174"/>
+            <a:ext cx="464605" cy="0"/>
+          </a:xfrm>
+          <a:prstGeom prst="straightConnector1">
+            <a:avLst/>
+          </a:prstGeom>
+          <a:ln w="19050">
+            <a:solidFill>
+              <a:schemeClr val="tx1"/>
+            </a:solidFill>
+            <a:headEnd w="sm" len="sm"/>
+            <a:tailEnd type="none" w="sm" len="sm"/>
+          </a:ln>
+        </p:spPr>
+        <p:style>
+          <a:lnRef idx="1">
+            <a:schemeClr val="accent1"/>
+          </a:lnRef>
+          <a:fillRef idx="0">
+            <a:schemeClr val="accent1"/>
+          </a:fillRef>
+          <a:effectRef idx="0">
+            <a:schemeClr val="accent1"/>
+          </a:effectRef>
+          <a:fontRef idx="minor">
+            <a:schemeClr val="tx1"/>
+          </a:fontRef>
+        </p:style>
+      </p:cxnSp>
+      <p:cxnSp>
+        <p:nvCxnSpPr>
+          <p:cNvPr id="80" name="Straight Arrow Connector 79"/>
+          <p:cNvCxnSpPr/>
+          <p:nvPr/>
+        </p:nvCxnSpPr>
+        <p:spPr>
+          <a:xfrm>
+            <a:off x="1537648" y="182827"/>
+            <a:ext cx="464605" cy="0"/>
+          </a:xfrm>
+          <a:prstGeom prst="straightConnector1">
+            <a:avLst/>
+          </a:prstGeom>
+          <a:ln w="19050">
+            <a:solidFill>
+              <a:schemeClr val="tx1"/>
+            </a:solidFill>
+            <a:headEnd w="sm" len="sm"/>
+            <a:tailEnd type="none" w="sm" len="sm"/>
+          </a:ln>
+        </p:spPr>
+        <p:style>
+          <a:lnRef idx="1">
+            <a:schemeClr val="accent1"/>
+          </a:lnRef>
+          <a:fillRef idx="0">
+            <a:schemeClr val="accent1"/>
+          </a:fillRef>
+          <a:effectRef idx="0">
+            <a:schemeClr val="accent1"/>
+          </a:effectRef>
+          <a:fontRef idx="minor">
+            <a:schemeClr val="tx1"/>
+          </a:fontRef>
+        </p:style>
+      </p:cxnSp>
+      <p:sp>
+        <p:nvSpPr>
+          <p:cNvPr id="83" name="Rectangle 82"/>
           <p:cNvSpPr/>
           <p:nvPr/>
         </p:nvSpPr>
         <p:spPr>
           <a:xfrm>
-            <a:off x="1061310" y="207395"/>
-            <a:ext cx="691290" cy="529595"/>
+            <a:off x="1460488" y="-8651"/>
+            <a:ext cx="436713" cy="211786"/>
           </a:xfrm>
           <a:prstGeom prst="rect">
             <a:avLst/>
           </a:prstGeom>
-          <a:solidFill>
-            <a:srgbClr val="FFFFCC"/>
-          </a:solidFill>
+          <a:noFill/>
           <a:ln w="12700">
-            <a:solidFill>
-              <a:schemeClr val="tx1"/>
-            </a:solidFill>
+            <a:noFill/>
           </a:ln>
         </p:spPr>
         <p:style>
@@ -8324,217 +8422,35 @@
                 <a:latin typeface="Times New Roman" pitchFamily="18" charset="0"/>
                 <a:cs typeface="Times New Roman" pitchFamily="18" charset="0"/>
               </a:rPr>
-              <a:t>Address Generation Unit</a:t>
-            </a:r>
-          </a:p>
-        </p:txBody>
-      </p:sp>
-      <p:cxnSp>
-        <p:nvCxnSpPr>
-          <p:cNvPr id="40" name="Straight Arrow Connector 39"/>
-          <p:cNvCxnSpPr/>
-          <p:nvPr/>
-        </p:nvCxnSpPr>
-        <p:spPr>
-          <a:xfrm>
-            <a:off x="591923" y="183612"/>
-            <a:ext cx="393797" cy="0"/>
-          </a:xfrm>
-          <a:prstGeom prst="straightConnector1">
-            <a:avLst/>
-          </a:prstGeom>
-          <a:ln w="19050">
-            <a:solidFill>
-              <a:schemeClr val="tx1"/>
-            </a:solidFill>
-            <a:headEnd w="sm" len="sm"/>
-            <a:tailEnd type="arrow" w="sm" len="sm"/>
-          </a:ln>
-        </p:spPr>
-        <p:style>
-          <a:lnRef idx="1">
-            <a:schemeClr val="accent1"/>
-          </a:lnRef>
-          <a:fillRef idx="0">
-            <a:schemeClr val="accent1"/>
-          </a:fillRef>
-          <a:effectRef idx="0">
-            <a:schemeClr val="accent1"/>
-          </a:effectRef>
-          <a:fontRef idx="minor">
-            <a:schemeClr val="tx1"/>
-          </a:fontRef>
-        </p:style>
-      </p:cxnSp>
-      <p:cxnSp>
-        <p:nvCxnSpPr>
-          <p:cNvPr id="41" name="Straight Arrow Connector 40"/>
-          <p:cNvCxnSpPr/>
-          <p:nvPr/>
-        </p:nvCxnSpPr>
-        <p:spPr>
-          <a:xfrm>
-            <a:off x="591922" y="237725"/>
-            <a:ext cx="469388" cy="0"/>
-          </a:xfrm>
-          <a:prstGeom prst="straightConnector1">
-            <a:avLst/>
-          </a:prstGeom>
-          <a:ln w="19050">
-            <a:solidFill>
-              <a:schemeClr val="tx1"/>
-            </a:solidFill>
-            <a:headEnd w="sm" len="sm"/>
-            <a:tailEnd type="arrow" w="sm" len="sm"/>
-          </a:ln>
-        </p:spPr>
-        <p:style>
-          <a:lnRef idx="1">
-            <a:schemeClr val="accent1"/>
-          </a:lnRef>
-          <a:fillRef idx="0">
-            <a:schemeClr val="accent1"/>
-          </a:fillRef>
-          <a:effectRef idx="0">
-            <a:schemeClr val="accent1"/>
-          </a:effectRef>
-          <a:fontRef idx="minor">
-            <a:schemeClr val="tx1"/>
-          </a:fontRef>
-        </p:style>
-      </p:cxnSp>
-      <p:cxnSp>
-        <p:nvCxnSpPr>
-          <p:cNvPr id="43" name="Straight Arrow Connector 42"/>
-          <p:cNvCxnSpPr/>
-          <p:nvPr/>
-        </p:nvCxnSpPr>
-        <p:spPr>
-          <a:xfrm>
-            <a:off x="591922" y="698585"/>
-            <a:ext cx="469388" cy="0"/>
-          </a:xfrm>
-          <a:prstGeom prst="straightConnector1">
-            <a:avLst/>
-          </a:prstGeom>
-          <a:ln w="19050">
-            <a:solidFill>
-              <a:schemeClr val="tx1"/>
-            </a:solidFill>
-            <a:headEnd w="sm" len="sm"/>
-            <a:tailEnd type="arrow" w="sm" len="sm"/>
-          </a:ln>
-        </p:spPr>
-        <p:style>
-          <a:lnRef idx="1">
-            <a:schemeClr val="accent1"/>
-          </a:lnRef>
-          <a:fillRef idx="0">
-            <a:schemeClr val="accent1"/>
-          </a:fillRef>
-          <a:effectRef idx="0">
-            <a:schemeClr val="accent1"/>
-          </a:effectRef>
-          <a:fontRef idx="minor">
-            <a:schemeClr val="tx1"/>
-          </a:fontRef>
-        </p:style>
-      </p:cxnSp>
-      <p:cxnSp>
-        <p:nvCxnSpPr>
-          <p:cNvPr id="44" name="Straight Arrow Connector 43"/>
-          <p:cNvCxnSpPr/>
-          <p:nvPr/>
-        </p:nvCxnSpPr>
-        <p:spPr>
-          <a:xfrm>
-            <a:off x="591923" y="621775"/>
-            <a:ext cx="393797" cy="0"/>
-          </a:xfrm>
-          <a:prstGeom prst="straightConnector1">
-            <a:avLst/>
-          </a:prstGeom>
-          <a:ln w="19050">
-            <a:solidFill>
-              <a:schemeClr val="tx1"/>
-            </a:solidFill>
-            <a:headEnd w="sm" len="sm"/>
-            <a:tailEnd type="arrow" w="sm" len="sm"/>
-          </a:ln>
-        </p:spPr>
-        <p:style>
-          <a:lnRef idx="1">
-            <a:schemeClr val="accent1"/>
-          </a:lnRef>
-          <a:fillRef idx="0">
-            <a:schemeClr val="accent1"/>
-          </a:fillRef>
-          <a:effectRef idx="0">
-            <a:schemeClr val="accent1"/>
-          </a:effectRef>
-          <a:fontRef idx="minor">
-            <a:schemeClr val="tx1"/>
-          </a:fontRef>
-        </p:style>
-      </p:cxnSp>
-      <p:cxnSp>
-        <p:nvCxnSpPr>
-          <p:cNvPr id="47" name="Straight Arrow Connector 46"/>
-          <p:cNvCxnSpPr/>
-          <p:nvPr/>
-        </p:nvCxnSpPr>
-        <p:spPr>
-          <a:xfrm>
-            <a:off x="591922" y="544965"/>
-            <a:ext cx="316988" cy="0"/>
-          </a:xfrm>
-          <a:prstGeom prst="straightConnector1">
-            <a:avLst/>
-          </a:prstGeom>
-          <a:ln w="19050">
-            <a:solidFill>
-              <a:schemeClr val="tx1"/>
-            </a:solidFill>
-            <a:headEnd w="sm" len="sm"/>
-            <a:tailEnd type="arrow" w="sm" len="sm"/>
-          </a:ln>
-        </p:spPr>
-        <p:style>
-          <a:lnRef idx="1">
-            <a:schemeClr val="accent1"/>
-          </a:lnRef>
-          <a:fillRef idx="0">
-            <a:schemeClr val="accent1"/>
-          </a:fillRef>
-          <a:effectRef idx="0">
-            <a:schemeClr val="accent1"/>
-          </a:effectRef>
-          <a:fontRef idx="minor">
-            <a:schemeClr val="tx1"/>
-          </a:fontRef>
-        </p:style>
-      </p:cxnSp>
-      <p:sp>
-        <p:nvSpPr>
-          <p:cNvPr id="48" name="Rectangle 47"/>
+              <a:t>no</a:t>
+            </a:r>
+            <a:endParaRPr lang="en-US" sz="900" dirty="0" smtClean="0">
+              <a:solidFill>
+                <a:schemeClr val="tx1"/>
+              </a:solidFill>
+              <a:latin typeface="Times New Roman" pitchFamily="18" charset="0"/>
+              <a:cs typeface="Times New Roman" pitchFamily="18" charset="0"/>
+            </a:endParaRPr>
+          </a:p>
+        </p:txBody>
+      </p:sp>
+      <p:sp>
+        <p:nvSpPr>
+          <p:cNvPr id="84" name="Rectangle 83"/>
           <p:cNvSpPr/>
           <p:nvPr/>
         </p:nvSpPr>
         <p:spPr>
           <a:xfrm>
-            <a:off x="2061059" y="53775"/>
-            <a:ext cx="614481" cy="769605"/>
+            <a:off x="1460487" y="544965"/>
+            <a:ext cx="436713" cy="211786"/>
           </a:xfrm>
           <a:prstGeom prst="rect">
             <a:avLst/>
           </a:prstGeom>
-          <a:solidFill>
-            <a:srgbClr val="FFFFCC"/>
-          </a:solidFill>
+          <a:noFill/>
           <a:ln w="12700">
-            <a:solidFill>
-              <a:schemeClr val="tx1"/>
-            </a:solidFill>
+            <a:noFill/>
           </a:ln>
         </p:spPr>
         <p:style>
@@ -8566,21 +8482,30 @@
                 <a:latin typeface="Times New Roman" pitchFamily="18" charset="0"/>
                 <a:cs typeface="Times New Roman" pitchFamily="18" charset="0"/>
               </a:rPr>
-              <a:t>Dataflow Flags</a:t>
-            </a:r>
+              <a:t>no</a:t>
+            </a:r>
+            <a:endParaRPr lang="en-US" sz="900" dirty="0" smtClean="0">
+              <a:solidFill>
+                <a:schemeClr val="tx1"/>
+              </a:solidFill>
+              <a:latin typeface="Times New Roman" pitchFamily="18" charset="0"/>
+              <a:cs typeface="Times New Roman" pitchFamily="18" charset="0"/>
+            </a:endParaRPr>
           </a:p>
         </p:txBody>
       </p:sp>
       <p:cxnSp>
         <p:nvCxnSpPr>
-          <p:cNvPr id="50" name="Straight Arrow Connector 49"/>
-          <p:cNvCxnSpPr/>
+          <p:cNvPr id="86" name="Straight Arrow Connector 85"/>
+          <p:cNvCxnSpPr>
+            <a:stCxn id="25" idx="2"/>
+          </p:cNvCxnSpPr>
           <p:nvPr/>
         </p:nvCxnSpPr>
         <p:spPr>
-          <a:xfrm>
-            <a:off x="1752600" y="236487"/>
-            <a:ext cx="308459" cy="0"/>
+          <a:xfrm flipH="1">
+            <a:off x="1050455" y="852841"/>
+            <a:ext cx="1" cy="306604"/>
           </a:xfrm>
           <a:prstGeom prst="straightConnector1">
             <a:avLst/>
@@ -8608,84 +8533,659 @@
           </a:fontRef>
         </p:style>
       </p:cxnSp>
-      <p:cxnSp>
-        <p:nvCxnSpPr>
-          <p:cNvPr id="51" name="Straight Arrow Connector 50"/>
-          <p:cNvCxnSpPr/>
-          <p:nvPr/>
-        </p:nvCxnSpPr>
-        <p:spPr>
-          <a:xfrm>
-            <a:off x="1750770" y="318572"/>
-            <a:ext cx="308459" cy="0"/>
-          </a:xfrm>
-          <a:prstGeom prst="straightConnector1">
-            <a:avLst/>
-          </a:prstGeom>
-          <a:ln w="19050">
-            <a:solidFill>
-              <a:schemeClr val="tx1"/>
-            </a:solidFill>
-            <a:headEnd w="sm" len="sm"/>
-            <a:tailEnd type="arrow" w="sm" len="sm"/>
-          </a:ln>
-        </p:spPr>
-        <p:style>
-          <a:lnRef idx="1">
-            <a:schemeClr val="accent1"/>
-          </a:lnRef>
-          <a:fillRef idx="0">
-            <a:schemeClr val="accent1"/>
-          </a:fillRef>
-          <a:effectRef idx="0">
-            <a:schemeClr val="accent1"/>
-          </a:effectRef>
-          <a:fontRef idx="minor">
-            <a:schemeClr val="tx1"/>
-          </a:fontRef>
-        </p:style>
-      </p:cxnSp>
-      <p:cxnSp>
-        <p:nvCxnSpPr>
-          <p:cNvPr id="52" name="Straight Arrow Connector 51"/>
-          <p:cNvCxnSpPr/>
-          <p:nvPr/>
-        </p:nvCxnSpPr>
-        <p:spPr>
-          <a:xfrm>
-            <a:off x="1752600" y="669760"/>
-            <a:ext cx="308459" cy="0"/>
-          </a:xfrm>
-          <a:prstGeom prst="straightConnector1">
-            <a:avLst/>
-          </a:prstGeom>
-          <a:ln w="19050">
-            <a:solidFill>
-              <a:schemeClr val="tx1"/>
-            </a:solidFill>
-            <a:headEnd w="sm" len="sm"/>
-            <a:tailEnd type="arrow" w="sm" len="sm"/>
-          </a:ln>
-        </p:spPr>
-        <p:style>
-          <a:lnRef idx="1">
-            <a:schemeClr val="accent1"/>
-          </a:lnRef>
-          <a:fillRef idx="0">
-            <a:schemeClr val="accent1"/>
-          </a:fillRef>
-          <a:effectRef idx="0">
-            <a:schemeClr val="accent1"/>
-          </a:effectRef>
-          <a:fontRef idx="minor">
-            <a:schemeClr val="tx1"/>
-          </a:fontRef>
-        </p:style>
-      </p:cxnSp>
+      <p:sp>
+        <p:nvSpPr>
+          <p:cNvPr id="87" name="Rectangle 86"/>
+          <p:cNvSpPr/>
+          <p:nvPr/>
+        </p:nvSpPr>
+        <p:spPr>
+          <a:xfrm>
+            <a:off x="971462" y="852205"/>
+            <a:ext cx="436713" cy="211786"/>
+          </a:xfrm>
+          <a:prstGeom prst="rect">
+            <a:avLst/>
+          </a:prstGeom>
+          <a:noFill/>
+          <a:ln w="12700">
+            <a:noFill/>
+          </a:ln>
+        </p:spPr>
+        <p:style>
+          <a:lnRef idx="2">
+            <a:schemeClr val="accent1">
+              <a:shade val="50000"/>
+            </a:schemeClr>
+          </a:lnRef>
+          <a:fillRef idx="1">
+            <a:schemeClr val="accent1"/>
+          </a:fillRef>
+          <a:effectRef idx="0">
+            <a:schemeClr val="accent1"/>
+          </a:effectRef>
+          <a:fontRef idx="minor">
+            <a:schemeClr val="lt1"/>
+          </a:fontRef>
+        </p:style>
+        <p:txBody>
+          <a:bodyPr rtlCol="0" anchor="ctr"/>
+          <a:lstStyle/>
+          <a:p>
+            <a:pPr algn="ctr"/>
+            <a:r>
+              <a:rPr lang="en-US" sz="900" dirty="0" smtClean="0">
+                <a:solidFill>
+                  <a:schemeClr val="tx1"/>
+                </a:solidFill>
+                <a:latin typeface="Times New Roman" pitchFamily="18" charset="0"/>
+                <a:cs typeface="Times New Roman" pitchFamily="18" charset="0"/>
+              </a:rPr>
+              <a:t>yes</a:t>
+            </a:r>
+            <a:endParaRPr lang="en-US" sz="900" dirty="0" smtClean="0">
+              <a:solidFill>
+                <a:schemeClr val="tx1"/>
+              </a:solidFill>
+              <a:latin typeface="Times New Roman" pitchFamily="18" charset="0"/>
+              <a:cs typeface="Times New Roman" pitchFamily="18" charset="0"/>
+            </a:endParaRPr>
+          </a:p>
+        </p:txBody>
+      </p:sp>
     </p:spTree>
     <p:extLst>
       <p:ext uri="{BB962C8B-B14F-4D97-AF65-F5344CB8AC3E}">
         <p14:creationId xmlns:p14="http://schemas.microsoft.com/office/powerpoint/2010/main" val="3286239923"/>
+      </p:ext>
+    </p:extLst>
+  </p:cSld>
+  <p:clrMapOvr>
+    <a:masterClrMapping/>
+  </p:clrMapOvr>
+</p:sld>
+</file>
+
+<file path=ppt/slides/slide16.xml><?xml version="1.0" encoding="utf-8"?>
+<p:sld xmlns:a="http://schemas.openxmlformats.org/drawingml/2006/main" xmlns:r="http://schemas.openxmlformats.org/officeDocument/2006/relationships" xmlns:p="http://schemas.openxmlformats.org/presentationml/2006/main">
+  <p:cSld>
+    <p:spTree>
+      <p:nvGrpSpPr>
+        <p:cNvPr id="1" name=""/>
+        <p:cNvGrpSpPr/>
+        <p:nvPr/>
+      </p:nvGrpSpPr>
+      <p:grpSpPr>
+        <a:xfrm>
+          <a:off x="0" y="0"/>
+          <a:ext cx="0" cy="0"/>
+          <a:chOff x="0" y="0"/>
+          <a:chExt cx="0" cy="0"/>
+        </a:xfrm>
+      </p:grpSpPr>
+      <p:cxnSp>
+        <p:nvCxnSpPr>
+          <p:cNvPr id="47" name="Straight Connector 46"/>
+          <p:cNvCxnSpPr/>
+          <p:nvPr/>
+        </p:nvCxnSpPr>
+        <p:spPr>
+          <a:xfrm flipH="1" flipV="1">
+            <a:off x="775939" y="151691"/>
+            <a:ext cx="1143655" cy="954397"/>
+          </a:xfrm>
+          <a:prstGeom prst="line">
+            <a:avLst/>
+          </a:prstGeom>
+          <a:ln w="19050">
+            <a:solidFill>
+              <a:schemeClr val="bg1">
+                <a:lumMod val="75000"/>
+              </a:schemeClr>
+            </a:solidFill>
+            <a:prstDash val="dash"/>
+            <a:headEnd type="arrow" w="sm" len="sm"/>
+            <a:tailEnd type="arrow" w="sm" len="sm"/>
+          </a:ln>
+        </p:spPr>
+        <p:style>
+          <a:lnRef idx="1">
+            <a:schemeClr val="accent1"/>
+          </a:lnRef>
+          <a:fillRef idx="0">
+            <a:schemeClr val="accent1"/>
+          </a:fillRef>
+          <a:effectRef idx="0">
+            <a:schemeClr val="accent1"/>
+          </a:effectRef>
+          <a:fontRef idx="minor">
+            <a:schemeClr val="tx1"/>
+          </a:fontRef>
+        </p:style>
+      </p:cxnSp>
+      <p:cxnSp>
+        <p:nvCxnSpPr>
+          <p:cNvPr id="4" name="Straight Arrow Connector 3"/>
+          <p:cNvCxnSpPr/>
+          <p:nvPr/>
+        </p:nvCxnSpPr>
+        <p:spPr>
+          <a:xfrm flipV="1">
+            <a:off x="701475" y="45700"/>
+            <a:ext cx="0" cy="1167099"/>
+          </a:xfrm>
+          <a:prstGeom prst="straightConnector1">
+            <a:avLst/>
+          </a:prstGeom>
+          <a:ln w="19050">
+            <a:solidFill>
+              <a:schemeClr val="tx1"/>
+            </a:solidFill>
+            <a:headEnd w="sm" len="sm"/>
+            <a:tailEnd type="arrow" w="sm" len="sm"/>
+          </a:ln>
+        </p:spPr>
+        <p:style>
+          <a:lnRef idx="1">
+            <a:schemeClr val="accent1"/>
+          </a:lnRef>
+          <a:fillRef idx="0">
+            <a:schemeClr val="accent1"/>
+          </a:fillRef>
+          <a:effectRef idx="0">
+            <a:schemeClr val="accent1"/>
+          </a:effectRef>
+          <a:fontRef idx="minor">
+            <a:schemeClr val="tx1"/>
+          </a:fontRef>
+        </p:style>
+      </p:cxnSp>
+      <p:cxnSp>
+        <p:nvCxnSpPr>
+          <p:cNvPr id="6" name="Straight Arrow Connector 5"/>
+          <p:cNvCxnSpPr/>
+          <p:nvPr/>
+        </p:nvCxnSpPr>
+        <p:spPr>
+          <a:xfrm>
+            <a:off x="625244" y="1121039"/>
+            <a:ext cx="1459390" cy="0"/>
+          </a:xfrm>
+          <a:prstGeom prst="straightConnector1">
+            <a:avLst/>
+          </a:prstGeom>
+          <a:ln w="19050">
+            <a:solidFill>
+              <a:schemeClr val="tx1"/>
+            </a:solidFill>
+            <a:headEnd w="sm" len="sm"/>
+            <a:tailEnd type="arrow" w="sm" len="sm"/>
+          </a:ln>
+        </p:spPr>
+        <p:style>
+          <a:lnRef idx="1">
+            <a:schemeClr val="accent1"/>
+          </a:lnRef>
+          <a:fillRef idx="0">
+            <a:schemeClr val="accent1"/>
+          </a:fillRef>
+          <a:effectRef idx="0">
+            <a:schemeClr val="accent1"/>
+          </a:effectRef>
+          <a:fontRef idx="minor">
+            <a:schemeClr val="tx1"/>
+          </a:fontRef>
+        </p:style>
+      </p:cxnSp>
+      <p:sp>
+        <p:nvSpPr>
+          <p:cNvPr id="8" name="Rectangle 7"/>
+          <p:cNvSpPr/>
+          <p:nvPr/>
+        </p:nvSpPr>
+        <p:spPr>
+          <a:xfrm>
+            <a:off x="1021650" y="1112536"/>
+            <a:ext cx="1178199" cy="200529"/>
+          </a:xfrm>
+          <a:prstGeom prst="rect">
+            <a:avLst/>
+          </a:prstGeom>
+          <a:noFill/>
+          <a:ln>
+            <a:noFill/>
+          </a:ln>
+        </p:spPr>
+        <p:style>
+          <a:lnRef idx="2">
+            <a:schemeClr val="accent2">
+              <a:shade val="50000"/>
+            </a:schemeClr>
+          </a:lnRef>
+          <a:fillRef idx="1">
+            <a:schemeClr val="accent2"/>
+          </a:fillRef>
+          <a:effectRef idx="0">
+            <a:schemeClr val="accent2"/>
+          </a:effectRef>
+          <a:fontRef idx="minor">
+            <a:schemeClr val="lt1"/>
+          </a:fontRef>
+        </p:style>
+        <p:txBody>
+          <a:bodyPr rtlCol="0" anchor="ctr"/>
+          <a:lstStyle/>
+          <a:p>
+            <a:r>
+              <a:rPr lang="en-US" sz="900" dirty="0" smtClean="0">
+                <a:solidFill>
+                  <a:schemeClr val="tx1"/>
+                </a:solidFill>
+                <a:latin typeface="Times New Roman" pitchFamily="18" charset="0"/>
+                <a:cs typeface="Times New Roman" pitchFamily="18" charset="0"/>
+              </a:rPr>
+              <a:t>overhead matching</a:t>
+            </a:r>
+            <a:endParaRPr lang="en-US" sz="900" dirty="0">
+              <a:solidFill>
+                <a:schemeClr val="tx1"/>
+              </a:solidFill>
+              <a:latin typeface="Times New Roman" pitchFamily="18" charset="0"/>
+              <a:cs typeface="Times New Roman" pitchFamily="18" charset="0"/>
+            </a:endParaRPr>
+          </a:p>
+        </p:txBody>
+      </p:sp>
+      <p:sp>
+        <p:nvSpPr>
+          <p:cNvPr id="9" name="Rectangle 8"/>
+          <p:cNvSpPr/>
+          <p:nvPr/>
+        </p:nvSpPr>
+        <p:spPr>
+          <a:xfrm rot="16200000">
+            <a:off x="281924" y="528985"/>
+            <a:ext cx="597840" cy="200529"/>
+          </a:xfrm>
+          <a:prstGeom prst="rect">
+            <a:avLst/>
+          </a:prstGeom>
+          <a:noFill/>
+          <a:ln>
+            <a:noFill/>
+          </a:ln>
+        </p:spPr>
+        <p:style>
+          <a:lnRef idx="2">
+            <a:schemeClr val="accent2">
+              <a:shade val="50000"/>
+            </a:schemeClr>
+          </a:lnRef>
+          <a:fillRef idx="1">
+            <a:schemeClr val="accent2"/>
+          </a:fillRef>
+          <a:effectRef idx="0">
+            <a:schemeClr val="accent2"/>
+          </a:effectRef>
+          <a:fontRef idx="minor">
+            <a:schemeClr val="lt1"/>
+          </a:fontRef>
+        </p:style>
+        <p:txBody>
+          <a:bodyPr rtlCol="0" anchor="ctr"/>
+          <a:lstStyle/>
+          <a:p>
+            <a:r>
+              <a:rPr lang="en-US" sz="900" dirty="0" smtClean="0">
+                <a:solidFill>
+                  <a:schemeClr val="tx1"/>
+                </a:solidFill>
+                <a:latin typeface="Times New Roman" pitchFamily="18" charset="0"/>
+                <a:cs typeface="Times New Roman" pitchFamily="18" charset="0"/>
+              </a:rPr>
+              <a:t>coverage</a:t>
+            </a:r>
+            <a:endParaRPr lang="en-US" sz="900" dirty="0">
+              <a:solidFill>
+                <a:schemeClr val="tx1"/>
+              </a:solidFill>
+              <a:latin typeface="Times New Roman" pitchFamily="18" charset="0"/>
+              <a:cs typeface="Times New Roman" pitchFamily="18" charset="0"/>
+            </a:endParaRPr>
+          </a:p>
+        </p:txBody>
+      </p:sp>
+      <p:sp>
+        <p:nvSpPr>
+          <p:cNvPr id="43" name="Rectangle 42"/>
+          <p:cNvSpPr/>
+          <p:nvPr/>
+        </p:nvSpPr>
+        <p:spPr>
+          <a:xfrm>
+            <a:off x="931676" y="152411"/>
+            <a:ext cx="1075341" cy="200529"/>
+          </a:xfrm>
+          <a:prstGeom prst="rect">
+            <a:avLst/>
+          </a:prstGeom>
+          <a:noFill/>
+          <a:ln>
+            <a:noFill/>
+          </a:ln>
+        </p:spPr>
+        <p:style>
+          <a:lnRef idx="2">
+            <a:schemeClr val="accent2">
+              <a:shade val="50000"/>
+            </a:schemeClr>
+          </a:lnRef>
+          <a:fillRef idx="1">
+            <a:schemeClr val="accent2"/>
+          </a:fillRef>
+          <a:effectRef idx="0">
+            <a:schemeClr val="accent2"/>
+          </a:effectRef>
+          <a:fontRef idx="minor">
+            <a:schemeClr val="lt1"/>
+          </a:fontRef>
+        </p:style>
+        <p:txBody>
+          <a:bodyPr rtlCol="0" anchor="ctr"/>
+          <a:lstStyle/>
+          <a:p>
+            <a:r>
+              <a:rPr lang="en-US" sz="900" dirty="0" smtClean="0">
+                <a:solidFill>
+                  <a:schemeClr val="tx1"/>
+                </a:solidFill>
+                <a:latin typeface="Times New Roman" pitchFamily="18" charset="0"/>
+                <a:cs typeface="Times New Roman" pitchFamily="18" charset="0"/>
+              </a:rPr>
+              <a:t>source dropping</a:t>
+            </a:r>
+            <a:endParaRPr lang="en-US" sz="900" dirty="0">
+              <a:solidFill>
+                <a:schemeClr val="tx1"/>
+              </a:solidFill>
+              <a:latin typeface="Times New Roman" pitchFamily="18" charset="0"/>
+              <a:cs typeface="Times New Roman" pitchFamily="18" charset="0"/>
+            </a:endParaRPr>
+          </a:p>
+        </p:txBody>
+      </p:sp>
+      <p:sp>
+        <p:nvSpPr>
+          <p:cNvPr id="45" name="Cross 44"/>
+          <p:cNvSpPr/>
+          <p:nvPr/>
+        </p:nvSpPr>
+        <p:spPr>
+          <a:xfrm rot="2691789">
+            <a:off x="841131" y="205085"/>
+            <a:ext cx="115215" cy="115215"/>
+          </a:xfrm>
+          <a:prstGeom prst="plus">
+            <a:avLst>
+              <a:gd name="adj" fmla="val 50000"/>
+            </a:avLst>
+          </a:prstGeom>
+          <a:solidFill>
+            <a:schemeClr val="tx1"/>
+          </a:solidFill>
+          <a:ln>
+            <a:solidFill>
+              <a:schemeClr val="tx1"/>
+            </a:solidFill>
+          </a:ln>
+        </p:spPr>
+        <p:style>
+          <a:lnRef idx="2">
+            <a:schemeClr val="accent1">
+              <a:shade val="50000"/>
+            </a:schemeClr>
+          </a:lnRef>
+          <a:fillRef idx="1">
+            <a:schemeClr val="accent1"/>
+          </a:fillRef>
+          <a:effectRef idx="0">
+            <a:schemeClr val="accent1"/>
+          </a:effectRef>
+          <a:fontRef idx="minor">
+            <a:schemeClr val="lt1"/>
+          </a:fontRef>
+        </p:style>
+        <p:txBody>
+          <a:bodyPr rtlCol="0" anchor="ctr"/>
+          <a:lstStyle/>
+          <a:p>
+            <a:pPr algn="ctr"/>
+            <a:endParaRPr lang="en-US"/>
+          </a:p>
+        </p:txBody>
+      </p:sp>
+      <p:sp>
+        <p:nvSpPr>
+          <p:cNvPr id="55" name="Rectangle 54"/>
+          <p:cNvSpPr/>
+          <p:nvPr/>
+        </p:nvSpPr>
+        <p:spPr>
+          <a:xfrm>
+            <a:off x="1317021" y="468155"/>
+            <a:ext cx="1166494" cy="200529"/>
+          </a:xfrm>
+          <a:prstGeom prst="rect">
+            <a:avLst/>
+          </a:prstGeom>
+          <a:noFill/>
+          <a:ln>
+            <a:noFill/>
+          </a:ln>
+        </p:spPr>
+        <p:style>
+          <a:lnRef idx="2">
+            <a:schemeClr val="accent2">
+              <a:shade val="50000"/>
+            </a:schemeClr>
+          </a:lnRef>
+          <a:fillRef idx="1">
+            <a:schemeClr val="accent2"/>
+          </a:fillRef>
+          <a:effectRef idx="0">
+            <a:schemeClr val="accent2"/>
+          </a:effectRef>
+          <a:fontRef idx="minor">
+            <a:schemeClr val="lt1"/>
+          </a:fontRef>
+        </p:style>
+        <p:txBody>
+          <a:bodyPr rtlCol="0" anchor="ctr"/>
+          <a:lstStyle/>
+          <a:p>
+            <a:r>
+              <a:rPr lang="en-US" sz="900" dirty="0" smtClean="0">
+                <a:solidFill>
+                  <a:schemeClr val="tx1"/>
+                </a:solidFill>
+                <a:latin typeface="Times New Roman" pitchFamily="18" charset="0"/>
+                <a:cs typeface="Times New Roman" pitchFamily="18" charset="0"/>
+              </a:rPr>
+              <a:t>sub-flow dropping</a:t>
+            </a:r>
+            <a:endParaRPr lang="en-US" sz="900" dirty="0">
+              <a:solidFill>
+                <a:schemeClr val="tx1"/>
+              </a:solidFill>
+              <a:latin typeface="Times New Roman" pitchFamily="18" charset="0"/>
+              <a:cs typeface="Times New Roman" pitchFamily="18" charset="0"/>
+            </a:endParaRPr>
+          </a:p>
+        </p:txBody>
+      </p:sp>
+      <p:sp>
+        <p:nvSpPr>
+          <p:cNvPr id="59" name="Cross 58"/>
+          <p:cNvSpPr/>
+          <p:nvPr/>
+        </p:nvSpPr>
+        <p:spPr>
+          <a:xfrm rot="2691789">
+            <a:off x="1240012" y="528005"/>
+            <a:ext cx="115215" cy="115215"/>
+          </a:xfrm>
+          <a:prstGeom prst="plus">
+            <a:avLst>
+              <a:gd name="adj" fmla="val 50000"/>
+            </a:avLst>
+          </a:prstGeom>
+          <a:solidFill>
+            <a:schemeClr val="tx1"/>
+          </a:solidFill>
+          <a:ln>
+            <a:solidFill>
+              <a:schemeClr val="tx1"/>
+            </a:solidFill>
+          </a:ln>
+        </p:spPr>
+        <p:style>
+          <a:lnRef idx="2">
+            <a:schemeClr val="accent1">
+              <a:shade val="50000"/>
+            </a:schemeClr>
+          </a:lnRef>
+          <a:fillRef idx="1">
+            <a:schemeClr val="accent1"/>
+          </a:fillRef>
+          <a:effectRef idx="0">
+            <a:schemeClr val="accent1"/>
+          </a:effectRef>
+          <a:fontRef idx="minor">
+            <a:schemeClr val="lt1"/>
+          </a:fontRef>
+        </p:style>
+        <p:txBody>
+          <a:bodyPr rtlCol="0" anchor="ctr"/>
+          <a:lstStyle/>
+          <a:p>
+            <a:pPr algn="ctr"/>
+            <a:endParaRPr lang="en-US"/>
+          </a:p>
+        </p:txBody>
+      </p:sp>
+      <p:sp>
+        <p:nvSpPr>
+          <p:cNvPr id="18" name="Rectangle 17"/>
+          <p:cNvSpPr/>
+          <p:nvPr/>
+        </p:nvSpPr>
+        <p:spPr>
+          <a:xfrm>
+            <a:off x="1739476" y="831694"/>
+            <a:ext cx="1166494" cy="200529"/>
+          </a:xfrm>
+          <a:prstGeom prst="rect">
+            <a:avLst/>
+          </a:prstGeom>
+          <a:noFill/>
+          <a:ln>
+            <a:noFill/>
+          </a:ln>
+        </p:spPr>
+        <p:style>
+          <a:lnRef idx="2">
+            <a:schemeClr val="accent2">
+              <a:shade val="50000"/>
+            </a:schemeClr>
+          </a:lnRef>
+          <a:fillRef idx="1">
+            <a:schemeClr val="accent2"/>
+          </a:fillRef>
+          <a:effectRef idx="0">
+            <a:schemeClr val="accent2"/>
+          </a:effectRef>
+          <a:fontRef idx="minor">
+            <a:schemeClr val="lt1"/>
+          </a:fontRef>
+        </p:style>
+        <p:txBody>
+          <a:bodyPr rtlCol="0" anchor="ctr"/>
+          <a:lstStyle/>
+          <a:p>
+            <a:r>
+              <a:rPr lang="en-US" sz="900" dirty="0" smtClean="0">
+                <a:solidFill>
+                  <a:schemeClr val="tx1"/>
+                </a:solidFill>
+                <a:latin typeface="Times New Roman" pitchFamily="18" charset="0"/>
+                <a:cs typeface="Times New Roman" pitchFamily="18" charset="0"/>
+              </a:rPr>
+              <a:t>unrestricted dropping</a:t>
+            </a:r>
+            <a:endParaRPr lang="en-US" sz="900" dirty="0">
+              <a:solidFill>
+                <a:schemeClr val="tx1"/>
+              </a:solidFill>
+              <a:latin typeface="Times New Roman" pitchFamily="18" charset="0"/>
+              <a:cs typeface="Times New Roman" pitchFamily="18" charset="0"/>
+            </a:endParaRPr>
+          </a:p>
+        </p:txBody>
+      </p:sp>
+      <p:sp>
+        <p:nvSpPr>
+          <p:cNvPr id="19" name="Cross 18"/>
+          <p:cNvSpPr/>
+          <p:nvPr/>
+        </p:nvSpPr>
+        <p:spPr>
+          <a:xfrm rot="2691789">
+            <a:off x="1662467" y="891544"/>
+            <a:ext cx="115215" cy="115215"/>
+          </a:xfrm>
+          <a:prstGeom prst="plus">
+            <a:avLst>
+              <a:gd name="adj" fmla="val 50000"/>
+            </a:avLst>
+          </a:prstGeom>
+          <a:solidFill>
+            <a:schemeClr val="tx1"/>
+          </a:solidFill>
+          <a:ln>
+            <a:solidFill>
+              <a:schemeClr val="tx1"/>
+            </a:solidFill>
+          </a:ln>
+        </p:spPr>
+        <p:style>
+          <a:lnRef idx="2">
+            <a:schemeClr val="accent1">
+              <a:shade val="50000"/>
+            </a:schemeClr>
+          </a:lnRef>
+          <a:fillRef idx="1">
+            <a:schemeClr val="accent1"/>
+          </a:fillRef>
+          <a:effectRef idx="0">
+            <a:schemeClr val="accent1"/>
+          </a:effectRef>
+          <a:fontRef idx="minor">
+            <a:schemeClr val="lt1"/>
+          </a:fontRef>
+        </p:style>
+        <p:txBody>
+          <a:bodyPr rtlCol="0" anchor="ctr"/>
+          <a:lstStyle/>
+          <a:p>
+            <a:pPr algn="ctr"/>
+            <a:endParaRPr lang="en-US"/>
+          </a:p>
+        </p:txBody>
+      </p:sp>
+    </p:spTree>
+    <p:extLst>
+      <p:ext uri="{BB962C8B-B14F-4D97-AF65-F5344CB8AC3E}">
+        <p14:creationId xmlns:p14="http://schemas.microsoft.com/office/powerpoint/2010/main" val="2267601811"/>
       </p:ext>
     </p:extLst>
   </p:cSld>

--- a/figs_src/diagrams.pptx
+++ b/figs_src/diagrams.pptx
@@ -5,7 +5,7 @@
     <p:sldMasterId id="2147483648" r:id="rId1"/>
   </p:sldMasterIdLst>
   <p:notesMasterIdLst>
-    <p:notesMasterId r:id="rId18"/>
+    <p:notesMasterId r:id="rId22"/>
   </p:notesMasterIdLst>
   <p:sldIdLst>
     <p:sldId id="256" r:id="rId2"/>
@@ -24,6 +24,10 @@
     <p:sldId id="265" r:id="rId15"/>
     <p:sldId id="268" r:id="rId16"/>
     <p:sldId id="271" r:id="rId17"/>
+    <p:sldId id="272" r:id="rId18"/>
+    <p:sldId id="279" r:id="rId19"/>
+    <p:sldId id="280" r:id="rId20"/>
+    <p:sldId id="281" r:id="rId21"/>
   </p:sldIdLst>
   <p:sldSz cx="3200400" cy="7772400"/>
   <p:notesSz cx="2743200" cy="7315200"/>
@@ -167,7 +171,7 @@
           </a:prstGeom>
         </p:spPr>
         <p:txBody>
-          <a:bodyPr vert="horz" lIns="54279" tIns="27140" rIns="54279" bIns="27140" rtlCol="0"/>
+          <a:bodyPr vert="horz" lIns="54261" tIns="27131" rIns="54261" bIns="27131" rtlCol="0"/>
           <a:lstStyle>
             <a:lvl1pPr algn="l">
               <a:defRPr sz="700"/>
@@ -198,7 +202,7 @@
           </a:prstGeom>
         </p:spPr>
         <p:txBody>
-          <a:bodyPr vert="horz" lIns="54279" tIns="27140" rIns="54279" bIns="27140" rtlCol="0"/>
+          <a:bodyPr vert="horz" lIns="54261" tIns="27131" rIns="54261" bIns="27131" rtlCol="0"/>
           <a:lstStyle>
             <a:lvl1pPr algn="r">
               <a:defRPr sz="700"/>
@@ -207,7 +211,7 @@
           <a:p>
             <a:fld id="{843567C3-09B7-4EC5-8695-9659B6A4537F}" type="datetimeFigureOut">
               <a:rPr lang="en-US" smtClean="0"/>
-              <a:t>5/29/2014</a:t>
+              <a:t>9/5/2014</a:t>
             </a:fld>
             <a:endParaRPr lang="en-US"/>
           </a:p>
@@ -239,7 +243,7 @@
           </a:ln>
         </p:spPr>
         <p:txBody>
-          <a:bodyPr vert="horz" lIns="54279" tIns="27140" rIns="54279" bIns="27140" rtlCol="0" anchor="ctr"/>
+          <a:bodyPr vert="horz" lIns="54261" tIns="27131" rIns="54261" bIns="27131" rtlCol="0" anchor="ctr"/>
           <a:lstStyle/>
           <a:p>
             <a:endParaRPr lang="en-US"/>
@@ -266,7 +270,7 @@
           </a:prstGeom>
         </p:spPr>
         <p:txBody>
-          <a:bodyPr vert="horz" lIns="54279" tIns="27140" rIns="54279" bIns="27140" rtlCol="0"/>
+          <a:bodyPr vert="horz" lIns="54261" tIns="27131" rIns="54261" bIns="27131" rtlCol="0"/>
           <a:lstStyle/>
           <a:p>
             <a:pPr lvl="0"/>
@@ -326,7 +330,7 @@
           </a:prstGeom>
         </p:spPr>
         <p:txBody>
-          <a:bodyPr vert="horz" lIns="54279" tIns="27140" rIns="54279" bIns="27140" rtlCol="0" anchor="b"/>
+          <a:bodyPr vert="horz" lIns="54261" tIns="27131" rIns="54261" bIns="27131" rtlCol="0" anchor="b"/>
           <a:lstStyle>
             <a:lvl1pPr algn="l">
               <a:defRPr sz="700"/>
@@ -357,7 +361,7 @@
           </a:prstGeom>
         </p:spPr>
         <p:txBody>
-          <a:bodyPr vert="horz" lIns="54279" tIns="27140" rIns="54279" bIns="27140" rtlCol="0" anchor="b"/>
+          <a:bodyPr vert="horz" lIns="54261" tIns="27131" rIns="54261" bIns="27131" rtlCol="0" anchor="b"/>
           <a:lstStyle>
             <a:lvl1pPr algn="r">
               <a:defRPr sz="700"/>
@@ -657,7 +661,7 @@
             <a:fld id="{1D8BD707-D9CF-40AE-B4C6-C98DA3205C09}" type="datetimeFigureOut">
               <a:rPr lang="en-US" smtClean="0"/>
               <a:pPr/>
-              <a:t>5/29/2014</a:t>
+              <a:t>9/5/2014</a:t>
             </a:fld>
             <a:endParaRPr lang="en-US"/>
           </a:p>
@@ -824,7 +828,7 @@
             <a:fld id="{1D8BD707-D9CF-40AE-B4C6-C98DA3205C09}" type="datetimeFigureOut">
               <a:rPr lang="en-US" smtClean="0"/>
               <a:pPr/>
-              <a:t>5/29/2014</a:t>
+              <a:t>9/5/2014</a:t>
             </a:fld>
             <a:endParaRPr lang="en-US"/>
           </a:p>
@@ -1001,7 +1005,7 @@
             <a:fld id="{1D8BD707-D9CF-40AE-B4C6-C98DA3205C09}" type="datetimeFigureOut">
               <a:rPr lang="en-US" smtClean="0"/>
               <a:pPr/>
-              <a:t>5/29/2014</a:t>
+              <a:t>9/5/2014</a:t>
             </a:fld>
             <a:endParaRPr lang="en-US"/>
           </a:p>
@@ -1168,7 +1172,7 @@
             <a:fld id="{1D8BD707-D9CF-40AE-B4C6-C98DA3205C09}" type="datetimeFigureOut">
               <a:rPr lang="en-US" smtClean="0"/>
               <a:pPr/>
-              <a:t>5/29/2014</a:t>
+              <a:t>9/5/2014</a:t>
             </a:fld>
             <a:endParaRPr lang="en-US"/>
           </a:p>
@@ -1411,7 +1415,7 @@
             <a:fld id="{1D8BD707-D9CF-40AE-B4C6-C98DA3205C09}" type="datetimeFigureOut">
               <a:rPr lang="en-US" smtClean="0"/>
               <a:pPr/>
-              <a:t>5/29/2014</a:t>
+              <a:t>9/5/2014</a:t>
             </a:fld>
             <a:endParaRPr lang="en-US"/>
           </a:p>
@@ -1696,7 +1700,7 @@
             <a:fld id="{1D8BD707-D9CF-40AE-B4C6-C98DA3205C09}" type="datetimeFigureOut">
               <a:rPr lang="en-US" smtClean="0"/>
               <a:pPr/>
-              <a:t>5/29/2014</a:t>
+              <a:t>9/5/2014</a:t>
             </a:fld>
             <a:endParaRPr lang="en-US"/>
           </a:p>
@@ -2115,7 +2119,7 @@
             <a:fld id="{1D8BD707-D9CF-40AE-B4C6-C98DA3205C09}" type="datetimeFigureOut">
               <a:rPr lang="en-US" smtClean="0"/>
               <a:pPr/>
-              <a:t>5/29/2014</a:t>
+              <a:t>9/5/2014</a:t>
             </a:fld>
             <a:endParaRPr lang="en-US"/>
           </a:p>
@@ -2230,7 +2234,7 @@
             <a:fld id="{1D8BD707-D9CF-40AE-B4C6-C98DA3205C09}" type="datetimeFigureOut">
               <a:rPr lang="en-US" smtClean="0"/>
               <a:pPr/>
-              <a:t>5/29/2014</a:t>
+              <a:t>9/5/2014</a:t>
             </a:fld>
             <a:endParaRPr lang="en-US"/>
           </a:p>
@@ -2322,7 +2326,7 @@
             <a:fld id="{1D8BD707-D9CF-40AE-B4C6-C98DA3205C09}" type="datetimeFigureOut">
               <a:rPr lang="en-US" smtClean="0"/>
               <a:pPr/>
-              <a:t>5/29/2014</a:t>
+              <a:t>9/5/2014</a:t>
             </a:fld>
             <a:endParaRPr lang="en-US"/>
           </a:p>
@@ -2596,7 +2600,7 @@
             <a:fld id="{1D8BD707-D9CF-40AE-B4C6-C98DA3205C09}" type="datetimeFigureOut">
               <a:rPr lang="en-US" smtClean="0"/>
               <a:pPr/>
-              <a:t>5/29/2014</a:t>
+              <a:t>9/5/2014</a:t>
             </a:fld>
             <a:endParaRPr lang="en-US"/>
           </a:p>
@@ -2846,7 +2850,7 @@
             <a:fld id="{1D8BD707-D9CF-40AE-B4C6-C98DA3205C09}" type="datetimeFigureOut">
               <a:rPr lang="en-US" smtClean="0"/>
               <a:pPr/>
-              <a:t>5/29/2014</a:t>
+              <a:t>9/5/2014</a:t>
             </a:fld>
             <a:endParaRPr lang="en-US"/>
           </a:p>
@@ -3056,7 +3060,7 @@
             <a:fld id="{1D8BD707-D9CF-40AE-B4C6-C98DA3205C09}" type="datetimeFigureOut">
               <a:rPr lang="en-US" smtClean="0"/>
               <a:pPr/>
-              <a:t>5/29/2014</a:t>
+              <a:t>9/5/2014</a:t>
             </a:fld>
             <a:endParaRPr lang="en-US"/>
           </a:p>
@@ -7985,13 +7989,6 @@
               </a:rPr>
               <a:t>yes</a:t>
             </a:r>
-            <a:endParaRPr lang="en-US" sz="900" dirty="0" smtClean="0">
-              <a:solidFill>
-                <a:schemeClr val="tx1"/>
-              </a:solidFill>
-              <a:latin typeface="Times New Roman" pitchFamily="18" charset="0"/>
-              <a:cs typeface="Times New Roman" pitchFamily="18" charset="0"/>
-            </a:endParaRPr>
           </a:p>
         </p:txBody>
       </p:sp>
@@ -8049,13 +8046,6 @@
               </a:rPr>
               <a:t>droppable event?</a:t>
             </a:r>
-            <a:endParaRPr lang="en-US" sz="900" dirty="0" smtClean="0">
-              <a:solidFill>
-                <a:schemeClr val="tx1"/>
-              </a:solidFill>
-              <a:latin typeface="Times New Roman" pitchFamily="18" charset="0"/>
-              <a:cs typeface="Times New Roman" pitchFamily="18" charset="0"/>
-            </a:endParaRPr>
           </a:p>
         </p:txBody>
       </p:sp>
@@ -8113,13 +8103,6 @@
               </a:rPr>
               <a:t>slack &lt; 0</a:t>
             </a:r>
-            <a:endParaRPr lang="en-US" sz="900" dirty="0" smtClean="0">
-              <a:solidFill>
-                <a:schemeClr val="tx1"/>
-              </a:solidFill>
-              <a:latin typeface="Times New Roman" pitchFamily="18" charset="0"/>
-              <a:cs typeface="Times New Roman" pitchFamily="18" charset="0"/>
-            </a:endParaRPr>
           </a:p>
         </p:txBody>
       </p:sp>
@@ -8183,13 +8166,6 @@
               </a:rPr>
               <a:t>onitor events</a:t>
             </a:r>
-            <a:endParaRPr lang="en-US" sz="900" dirty="0" smtClean="0">
-              <a:solidFill>
-                <a:schemeClr val="tx1"/>
-              </a:solidFill>
-              <a:latin typeface="Times New Roman" pitchFamily="18" charset="0"/>
-              <a:cs typeface="Times New Roman" pitchFamily="18" charset="0"/>
-            </a:endParaRPr>
           </a:p>
         </p:txBody>
       </p:sp>
@@ -8253,13 +8229,6 @@
               </a:rPr>
               <a:t>rop event</a:t>
             </a:r>
-            <a:endParaRPr lang="en-US" sz="900" dirty="0" smtClean="0">
-              <a:solidFill>
-                <a:schemeClr val="tx1"/>
-              </a:solidFill>
-              <a:latin typeface="Times New Roman" pitchFamily="18" charset="0"/>
-              <a:cs typeface="Times New Roman" pitchFamily="18" charset="0"/>
-            </a:endParaRPr>
           </a:p>
         </p:txBody>
       </p:sp>
@@ -8424,13 +8393,6 @@
               </a:rPr>
               <a:t>no</a:t>
             </a:r>
-            <a:endParaRPr lang="en-US" sz="900" dirty="0" smtClean="0">
-              <a:solidFill>
-                <a:schemeClr val="tx1"/>
-              </a:solidFill>
-              <a:latin typeface="Times New Roman" pitchFamily="18" charset="0"/>
-              <a:cs typeface="Times New Roman" pitchFamily="18" charset="0"/>
-            </a:endParaRPr>
           </a:p>
         </p:txBody>
       </p:sp>
@@ -8484,13 +8446,6 @@
               </a:rPr>
               <a:t>no</a:t>
             </a:r>
-            <a:endParaRPr lang="en-US" sz="900" dirty="0" smtClean="0">
-              <a:solidFill>
-                <a:schemeClr val="tx1"/>
-              </a:solidFill>
-              <a:latin typeface="Times New Roman" pitchFamily="18" charset="0"/>
-              <a:cs typeface="Times New Roman" pitchFamily="18" charset="0"/>
-            </a:endParaRPr>
           </a:p>
         </p:txBody>
       </p:sp>
@@ -8583,13 +8538,6 @@
               </a:rPr>
               <a:t>yes</a:t>
             </a:r>
-            <a:endParaRPr lang="en-US" sz="900" dirty="0" smtClean="0">
-              <a:solidFill>
-                <a:schemeClr val="tx1"/>
-              </a:solidFill>
-              <a:latin typeface="Times New Roman" pitchFamily="18" charset="0"/>
-              <a:cs typeface="Times New Roman" pitchFamily="18" charset="0"/>
-            </a:endParaRPr>
           </a:p>
         </p:txBody>
       </p:sp>
@@ -9195,6 +9143,2284 @@
 </p:sld>
 </file>
 
+<file path=ppt/slides/slide17.xml><?xml version="1.0" encoding="utf-8"?>
+<p:sld xmlns:a="http://schemas.openxmlformats.org/drawingml/2006/main" xmlns:r="http://schemas.openxmlformats.org/officeDocument/2006/relationships" xmlns:p="http://schemas.openxmlformats.org/presentationml/2006/main">
+  <p:cSld>
+    <p:spTree>
+      <p:nvGrpSpPr>
+        <p:cNvPr id="1" name=""/>
+        <p:cNvGrpSpPr/>
+        <p:nvPr/>
+      </p:nvGrpSpPr>
+      <p:grpSpPr>
+        <a:xfrm>
+          <a:off x="0" y="0"/>
+          <a:ext cx="0" cy="0"/>
+          <a:chOff x="0" y="0"/>
+          <a:chExt cx="0" cy="0"/>
+        </a:xfrm>
+      </p:grpSpPr>
+      <p:sp>
+        <p:nvSpPr>
+          <p:cNvPr id="10" name="Rectangle 9"/>
+          <p:cNvSpPr/>
+          <p:nvPr/>
+        </p:nvSpPr>
+        <p:spPr>
+          <a:xfrm>
+            <a:off x="25595" y="199723"/>
+            <a:ext cx="1459389" cy="1458988"/>
+          </a:xfrm>
+          <a:prstGeom prst="rect">
+            <a:avLst/>
+          </a:prstGeom>
+          <a:solidFill>
+            <a:srgbClr val="FFFFCC"/>
+          </a:solidFill>
+          <a:ln w="12700">
+            <a:solidFill>
+              <a:schemeClr val="tx1"/>
+            </a:solidFill>
+          </a:ln>
+        </p:spPr>
+        <p:style>
+          <a:lnRef idx="2">
+            <a:schemeClr val="accent1">
+              <a:shade val="50000"/>
+            </a:schemeClr>
+          </a:lnRef>
+          <a:fillRef idx="1">
+            <a:schemeClr val="accent1"/>
+          </a:fillRef>
+          <a:effectRef idx="0">
+            <a:schemeClr val="accent1"/>
+          </a:effectRef>
+          <a:fontRef idx="minor">
+            <a:schemeClr val="lt1"/>
+          </a:fontRef>
+        </p:style>
+        <p:txBody>
+          <a:bodyPr rtlCol="0" anchor="ctr"/>
+          <a:lstStyle/>
+          <a:p>
+            <a:r>
+              <a:rPr lang="en-US" sz="900" dirty="0">
+                <a:solidFill>
+                  <a:schemeClr val="tx1"/>
+                </a:solidFill>
+                <a:latin typeface="Consolas" pitchFamily="49" charset="0"/>
+                <a:cs typeface="Consolas" pitchFamily="49" charset="0"/>
+              </a:rPr>
+              <a:t>char </a:t>
+            </a:r>
+            <a:r>
+              <a:rPr lang="en-US" sz="900" dirty="0" smtClean="0">
+                <a:solidFill>
+                  <a:schemeClr val="tx1"/>
+                </a:solidFill>
+                <a:latin typeface="Consolas" pitchFamily="49" charset="0"/>
+                <a:cs typeface="Consolas" pitchFamily="49" charset="0"/>
+              </a:rPr>
+              <a:t>*x </a:t>
+            </a:r>
+            <a:r>
+              <a:rPr lang="en-US" sz="900" dirty="0">
+                <a:solidFill>
+                  <a:schemeClr val="tx1"/>
+                </a:solidFill>
+                <a:latin typeface="Consolas" pitchFamily="49" charset="0"/>
+                <a:cs typeface="Consolas" pitchFamily="49" charset="0"/>
+              </a:rPr>
+              <a:t>= </a:t>
+            </a:r>
+            <a:r>
+              <a:rPr lang="en-US" sz="900" dirty="0" err="1" smtClean="0">
+                <a:solidFill>
+                  <a:schemeClr val="tx1"/>
+                </a:solidFill>
+                <a:latin typeface="Consolas" pitchFamily="49" charset="0"/>
+                <a:cs typeface="Consolas" pitchFamily="49" charset="0"/>
+              </a:rPr>
+              <a:t>malloc</a:t>
+            </a:r>
+            <a:r>
+              <a:rPr lang="en-US" sz="900" dirty="0" smtClean="0">
+                <a:solidFill>
+                  <a:schemeClr val="tx1"/>
+                </a:solidFill>
+                <a:latin typeface="Consolas" pitchFamily="49" charset="0"/>
+                <a:cs typeface="Consolas" pitchFamily="49" charset="0"/>
+              </a:rPr>
+              <a:t>(8);</a:t>
+            </a:r>
+            <a:endParaRPr lang="en-US" sz="900" dirty="0">
+              <a:solidFill>
+                <a:schemeClr val="tx1"/>
+              </a:solidFill>
+              <a:latin typeface="Consolas" pitchFamily="49" charset="0"/>
+              <a:cs typeface="Consolas" pitchFamily="49" charset="0"/>
+            </a:endParaRPr>
+          </a:p>
+          <a:p>
+            <a:endParaRPr lang="en-US" sz="900" dirty="0">
+              <a:solidFill>
+                <a:schemeClr val="tx1"/>
+              </a:solidFill>
+              <a:latin typeface="Consolas" pitchFamily="49" charset="0"/>
+              <a:cs typeface="Consolas" pitchFamily="49" charset="0"/>
+            </a:endParaRPr>
+          </a:p>
+          <a:p>
+            <a:r>
+              <a:rPr lang="en-US" sz="900" dirty="0">
+                <a:solidFill>
+                  <a:schemeClr val="tx1"/>
+                </a:solidFill>
+                <a:latin typeface="Consolas" pitchFamily="49" charset="0"/>
+                <a:cs typeface="Consolas" pitchFamily="49" charset="0"/>
+              </a:rPr>
+              <a:t>char </a:t>
+            </a:r>
+            <a:r>
+              <a:rPr lang="en-US" sz="900" dirty="0" smtClean="0">
+                <a:solidFill>
+                  <a:schemeClr val="tx1"/>
+                </a:solidFill>
+                <a:latin typeface="Consolas" pitchFamily="49" charset="0"/>
+                <a:cs typeface="Consolas" pitchFamily="49" charset="0"/>
+              </a:rPr>
+              <a:t>*y </a:t>
+            </a:r>
+            <a:r>
+              <a:rPr lang="en-US" sz="900" dirty="0">
+                <a:solidFill>
+                  <a:schemeClr val="tx1"/>
+                </a:solidFill>
+                <a:latin typeface="Consolas" pitchFamily="49" charset="0"/>
+                <a:cs typeface="Consolas" pitchFamily="49" charset="0"/>
+              </a:rPr>
+              <a:t>= </a:t>
+            </a:r>
+            <a:r>
+              <a:rPr lang="en-US" sz="900" dirty="0" smtClean="0">
+                <a:solidFill>
+                  <a:schemeClr val="tx1"/>
+                </a:solidFill>
+                <a:latin typeface="Consolas" pitchFamily="49" charset="0"/>
+                <a:cs typeface="Consolas" pitchFamily="49" charset="0"/>
+              </a:rPr>
+              <a:t>x </a:t>
+            </a:r>
+            <a:r>
+              <a:rPr lang="en-US" sz="900" dirty="0">
+                <a:solidFill>
+                  <a:schemeClr val="tx1"/>
+                </a:solidFill>
+                <a:latin typeface="Consolas" pitchFamily="49" charset="0"/>
+                <a:cs typeface="Consolas" pitchFamily="49" charset="0"/>
+              </a:rPr>
+              <a:t>+ </a:t>
+            </a:r>
+            <a:r>
+              <a:rPr lang="en-US" sz="900" dirty="0" smtClean="0">
+                <a:solidFill>
+                  <a:schemeClr val="tx1"/>
+                </a:solidFill>
+                <a:latin typeface="Consolas" pitchFamily="49" charset="0"/>
+                <a:cs typeface="Consolas" pitchFamily="49" charset="0"/>
+              </a:rPr>
+              <a:t>4;</a:t>
+            </a:r>
+            <a:endParaRPr lang="en-US" sz="900" dirty="0">
+              <a:solidFill>
+                <a:schemeClr val="tx1"/>
+              </a:solidFill>
+              <a:latin typeface="Consolas" pitchFamily="49" charset="0"/>
+              <a:cs typeface="Consolas" pitchFamily="49" charset="0"/>
+            </a:endParaRPr>
+          </a:p>
+          <a:p>
+            <a:endParaRPr lang="en-US" sz="900" dirty="0">
+              <a:solidFill>
+                <a:schemeClr val="tx1"/>
+              </a:solidFill>
+              <a:latin typeface="Consolas" pitchFamily="49" charset="0"/>
+              <a:cs typeface="Consolas" pitchFamily="49" charset="0"/>
+            </a:endParaRPr>
+          </a:p>
+          <a:p>
+            <a:r>
+              <a:rPr lang="en-US" sz="900" dirty="0" smtClean="0">
+                <a:solidFill>
+                  <a:schemeClr val="tx1"/>
+                </a:solidFill>
+                <a:latin typeface="Consolas" pitchFamily="49" charset="0"/>
+                <a:cs typeface="Consolas" pitchFamily="49" charset="0"/>
+              </a:rPr>
+              <a:t>x[7] </a:t>
+            </a:r>
+            <a:r>
+              <a:rPr lang="en-US" sz="900" dirty="0">
+                <a:solidFill>
+                  <a:schemeClr val="tx1"/>
+                </a:solidFill>
+                <a:latin typeface="Consolas" pitchFamily="49" charset="0"/>
+                <a:cs typeface="Consolas" pitchFamily="49" charset="0"/>
+              </a:rPr>
+              <a:t>= 1;</a:t>
+            </a:r>
+          </a:p>
+          <a:p>
+            <a:endParaRPr lang="en-US" sz="900" dirty="0">
+              <a:solidFill>
+                <a:schemeClr val="tx1"/>
+              </a:solidFill>
+              <a:latin typeface="Consolas" pitchFamily="49" charset="0"/>
+              <a:cs typeface="Consolas" pitchFamily="49" charset="0"/>
+            </a:endParaRPr>
+          </a:p>
+          <a:p>
+            <a:r>
+              <a:rPr lang="en-US" sz="900" dirty="0" smtClean="0">
+                <a:solidFill>
+                  <a:schemeClr val="tx1"/>
+                </a:solidFill>
+                <a:latin typeface="Consolas" pitchFamily="49" charset="0"/>
+                <a:cs typeface="Consolas" pitchFamily="49" charset="0"/>
+              </a:rPr>
+              <a:t>y[7] </a:t>
+            </a:r>
+            <a:r>
+              <a:rPr lang="en-US" sz="900" dirty="0">
+                <a:solidFill>
+                  <a:schemeClr val="tx1"/>
+                </a:solidFill>
+                <a:latin typeface="Consolas" pitchFamily="49" charset="0"/>
+                <a:cs typeface="Consolas" pitchFamily="49" charset="0"/>
+              </a:rPr>
+              <a:t>= 1;</a:t>
+            </a:r>
+          </a:p>
+        </p:txBody>
+      </p:sp>
+      <p:sp>
+        <p:nvSpPr>
+          <p:cNvPr id="15" name="TextBox 14"/>
+          <p:cNvSpPr txBox="1"/>
+          <p:nvPr/>
+        </p:nvSpPr>
+        <p:spPr>
+          <a:xfrm>
+            <a:off x="334110" y="-31110"/>
+            <a:ext cx="768100" cy="230832"/>
+          </a:xfrm>
+          <a:prstGeom prst="rect">
+            <a:avLst/>
+          </a:prstGeom>
+          <a:noFill/>
+        </p:spPr>
+        <p:txBody>
+          <a:bodyPr wrap="square" rtlCol="0">
+            <a:spAutoFit/>
+          </a:bodyPr>
+          <a:lstStyle/>
+          <a:p>
+            <a:pPr algn="ctr"/>
+            <a:r>
+              <a:rPr lang="en-US" sz="900" dirty="0" smtClean="0">
+                <a:latin typeface="Times New Roman" pitchFamily="18" charset="0"/>
+                <a:cs typeface="Times New Roman" pitchFamily="18" charset="0"/>
+              </a:rPr>
+              <a:t>Main Core</a:t>
+            </a:r>
+            <a:endParaRPr lang="en-US" sz="900" dirty="0">
+              <a:latin typeface="Times New Roman" pitchFamily="18" charset="0"/>
+              <a:cs typeface="Times New Roman" pitchFamily="18" charset="0"/>
+            </a:endParaRPr>
+          </a:p>
+        </p:txBody>
+      </p:sp>
+      <p:sp>
+        <p:nvSpPr>
+          <p:cNvPr id="16" name="TextBox 15"/>
+          <p:cNvSpPr txBox="1"/>
+          <p:nvPr/>
+        </p:nvSpPr>
+        <p:spPr>
+          <a:xfrm>
+            <a:off x="1984249" y="-31110"/>
+            <a:ext cx="768100" cy="230832"/>
+          </a:xfrm>
+          <a:prstGeom prst="rect">
+            <a:avLst/>
+          </a:prstGeom>
+          <a:noFill/>
+        </p:spPr>
+        <p:txBody>
+          <a:bodyPr wrap="square" rtlCol="0">
+            <a:spAutoFit/>
+          </a:bodyPr>
+          <a:lstStyle/>
+          <a:p>
+            <a:pPr algn="ctr"/>
+            <a:r>
+              <a:rPr lang="en-US" sz="900" dirty="0" smtClean="0">
+                <a:latin typeface="Times New Roman" pitchFamily="18" charset="0"/>
+                <a:cs typeface="Times New Roman" pitchFamily="18" charset="0"/>
+              </a:rPr>
+              <a:t>Monitor</a:t>
+            </a:r>
+            <a:endParaRPr lang="en-US" sz="900" dirty="0">
+              <a:latin typeface="Times New Roman" pitchFamily="18" charset="0"/>
+              <a:cs typeface="Times New Roman" pitchFamily="18" charset="0"/>
+            </a:endParaRPr>
+          </a:p>
+        </p:txBody>
+      </p:sp>
+      <p:sp>
+        <p:nvSpPr>
+          <p:cNvPr id="17" name="Rectangle 16"/>
+          <p:cNvSpPr/>
+          <p:nvPr/>
+        </p:nvSpPr>
+        <p:spPr>
+          <a:xfrm>
+            <a:off x="1600200" y="194373"/>
+            <a:ext cx="1536199" cy="1464337"/>
+          </a:xfrm>
+          <a:prstGeom prst="rect">
+            <a:avLst/>
+          </a:prstGeom>
+          <a:solidFill>
+            <a:srgbClr val="FFFFCC"/>
+          </a:solidFill>
+          <a:ln w="12700">
+            <a:solidFill>
+              <a:schemeClr val="tx1"/>
+            </a:solidFill>
+            <a:prstDash val="solid"/>
+          </a:ln>
+        </p:spPr>
+        <p:style>
+          <a:lnRef idx="2">
+            <a:schemeClr val="accent1">
+              <a:shade val="50000"/>
+            </a:schemeClr>
+          </a:lnRef>
+          <a:fillRef idx="1">
+            <a:schemeClr val="accent1"/>
+          </a:fillRef>
+          <a:effectRef idx="0">
+            <a:schemeClr val="accent1"/>
+          </a:effectRef>
+          <a:fontRef idx="minor">
+            <a:schemeClr val="lt1"/>
+          </a:fontRef>
+        </p:style>
+        <p:txBody>
+          <a:bodyPr rtlCol="0" anchor="ctr"/>
+          <a:lstStyle/>
+          <a:p>
+            <a:r>
+              <a:rPr lang="en-US" sz="900" dirty="0" smtClean="0">
+                <a:solidFill>
+                  <a:schemeClr val="tx1"/>
+                </a:solidFill>
+                <a:latin typeface="Consolas" pitchFamily="49" charset="0"/>
+                <a:cs typeface="Consolas" pitchFamily="49" charset="0"/>
+              </a:rPr>
+              <a:t>metadata[x] = {x,x+7}</a:t>
+            </a:r>
+          </a:p>
+          <a:p>
+            <a:endParaRPr lang="en-US" sz="900" dirty="0">
+              <a:solidFill>
+                <a:schemeClr val="tx1"/>
+              </a:solidFill>
+              <a:latin typeface="Consolas" pitchFamily="49" charset="0"/>
+              <a:cs typeface="Consolas" pitchFamily="49" charset="0"/>
+            </a:endParaRPr>
+          </a:p>
+          <a:p>
+            <a:r>
+              <a:rPr lang="en-US" sz="900" dirty="0" smtClean="0">
+                <a:solidFill>
+                  <a:schemeClr val="tx1"/>
+                </a:solidFill>
+                <a:latin typeface="Consolas" pitchFamily="49" charset="0"/>
+                <a:cs typeface="Consolas" pitchFamily="49" charset="0"/>
+              </a:rPr>
+              <a:t>metadata[y] = </a:t>
+            </a:r>
+          </a:p>
+          <a:p>
+            <a:r>
+              <a:rPr lang="en-US" sz="900" dirty="0">
+                <a:solidFill>
+                  <a:schemeClr val="tx1"/>
+                </a:solidFill>
+                <a:latin typeface="Consolas" pitchFamily="49" charset="0"/>
+                <a:cs typeface="Consolas" pitchFamily="49" charset="0"/>
+              </a:rPr>
+              <a:t> </a:t>
+            </a:r>
+            <a:r>
+              <a:rPr lang="en-US" sz="900" dirty="0" smtClean="0">
+                <a:solidFill>
+                  <a:schemeClr val="tx1"/>
+                </a:solidFill>
+                <a:latin typeface="Consolas" pitchFamily="49" charset="0"/>
+                <a:cs typeface="Consolas" pitchFamily="49" charset="0"/>
+              </a:rPr>
+              <a:t> metadata[x]</a:t>
+            </a:r>
+          </a:p>
+          <a:p>
+            <a:endParaRPr lang="en-US" sz="900" dirty="0">
+              <a:solidFill>
+                <a:schemeClr val="tx1"/>
+              </a:solidFill>
+              <a:latin typeface="Consolas" pitchFamily="49" charset="0"/>
+              <a:cs typeface="Consolas" pitchFamily="49" charset="0"/>
+            </a:endParaRPr>
+          </a:p>
+          <a:p>
+            <a:r>
+              <a:rPr lang="en-US" sz="900" dirty="0" smtClean="0">
+                <a:solidFill>
+                  <a:schemeClr val="tx1"/>
+                </a:solidFill>
+                <a:latin typeface="Consolas" pitchFamily="49" charset="0"/>
+                <a:cs typeface="Consolas" pitchFamily="49" charset="0"/>
+              </a:rPr>
+              <a:t>x+7 in metadata[x]?</a:t>
+            </a:r>
+          </a:p>
+          <a:p>
+            <a:r>
+              <a:rPr lang="en-US" sz="900" dirty="0" smtClean="0">
+                <a:solidFill>
+                  <a:schemeClr val="tx1"/>
+                </a:solidFill>
+                <a:latin typeface="Consolas" pitchFamily="49" charset="0"/>
+                <a:cs typeface="Consolas" pitchFamily="49" charset="0"/>
+              </a:rPr>
+              <a:t>  Yes.</a:t>
+            </a:r>
+            <a:endParaRPr lang="en-US" sz="900" dirty="0">
+              <a:solidFill>
+                <a:schemeClr val="tx1"/>
+              </a:solidFill>
+              <a:latin typeface="Consolas" pitchFamily="49" charset="0"/>
+              <a:cs typeface="Consolas" pitchFamily="49" charset="0"/>
+            </a:endParaRPr>
+          </a:p>
+          <a:p>
+            <a:endParaRPr lang="en-US" sz="900" dirty="0">
+              <a:solidFill>
+                <a:schemeClr val="tx1"/>
+              </a:solidFill>
+              <a:latin typeface="Consolas" pitchFamily="49" charset="0"/>
+              <a:cs typeface="Consolas" pitchFamily="49" charset="0"/>
+            </a:endParaRPr>
+          </a:p>
+          <a:p>
+            <a:r>
+              <a:rPr lang="en-US" sz="900" dirty="0" smtClean="0">
+                <a:solidFill>
+                  <a:schemeClr val="tx1"/>
+                </a:solidFill>
+                <a:latin typeface="Consolas" pitchFamily="49" charset="0"/>
+                <a:cs typeface="Consolas" pitchFamily="49" charset="0"/>
+              </a:rPr>
+              <a:t>y+7 in metadata[y]?</a:t>
+            </a:r>
+          </a:p>
+          <a:p>
+            <a:r>
+              <a:rPr lang="en-US" sz="900" dirty="0">
+                <a:solidFill>
+                  <a:schemeClr val="tx1"/>
+                </a:solidFill>
+                <a:latin typeface="Consolas" pitchFamily="49" charset="0"/>
+                <a:cs typeface="Consolas" pitchFamily="49" charset="0"/>
+              </a:rPr>
+              <a:t> </a:t>
+            </a:r>
+            <a:r>
+              <a:rPr lang="en-US" sz="900" dirty="0" smtClean="0">
+                <a:solidFill>
+                  <a:schemeClr val="tx1"/>
+                </a:solidFill>
+                <a:latin typeface="Consolas" pitchFamily="49" charset="0"/>
+                <a:cs typeface="Consolas" pitchFamily="49" charset="0"/>
+              </a:rPr>
+              <a:t> No, raise error.</a:t>
+            </a:r>
+          </a:p>
+        </p:txBody>
+      </p:sp>
+      <p:cxnSp>
+        <p:nvCxnSpPr>
+          <p:cNvPr id="20" name="Straight Arrow Connector 19"/>
+          <p:cNvCxnSpPr/>
+          <p:nvPr/>
+        </p:nvCxnSpPr>
+        <p:spPr>
+          <a:xfrm flipV="1">
+            <a:off x="1177744" y="621775"/>
+            <a:ext cx="499265" cy="153620"/>
+          </a:xfrm>
+          <a:prstGeom prst="straightConnector1">
+            <a:avLst/>
+          </a:prstGeom>
+          <a:ln w="19050">
+            <a:solidFill>
+              <a:schemeClr val="tx1"/>
+            </a:solidFill>
+            <a:headEnd w="sm" len="sm"/>
+            <a:tailEnd type="arrow" w="sm" len="sm"/>
+          </a:ln>
+        </p:spPr>
+        <p:style>
+          <a:lnRef idx="1">
+            <a:schemeClr val="accent1"/>
+          </a:lnRef>
+          <a:fillRef idx="0">
+            <a:schemeClr val="accent1"/>
+          </a:fillRef>
+          <a:effectRef idx="0">
+            <a:schemeClr val="accent1"/>
+          </a:effectRef>
+          <a:fontRef idx="minor">
+            <a:schemeClr val="tx1"/>
+          </a:fontRef>
+        </p:style>
+      </p:cxnSp>
+      <p:cxnSp>
+        <p:nvCxnSpPr>
+          <p:cNvPr id="28" name="Straight Arrow Connector 27"/>
+          <p:cNvCxnSpPr/>
+          <p:nvPr/>
+        </p:nvCxnSpPr>
+        <p:spPr>
+          <a:xfrm>
+            <a:off x="713843" y="1075458"/>
+            <a:ext cx="963167" cy="0"/>
+          </a:xfrm>
+          <a:prstGeom prst="straightConnector1">
+            <a:avLst/>
+          </a:prstGeom>
+          <a:ln w="19050">
+            <a:solidFill>
+              <a:schemeClr val="tx1"/>
+            </a:solidFill>
+            <a:headEnd w="sm" len="sm"/>
+            <a:tailEnd type="arrow" w="sm" len="sm"/>
+          </a:ln>
+        </p:spPr>
+        <p:style>
+          <a:lnRef idx="1">
+            <a:schemeClr val="accent1"/>
+          </a:lnRef>
+          <a:fillRef idx="0">
+            <a:schemeClr val="accent1"/>
+          </a:fillRef>
+          <a:effectRef idx="0">
+            <a:schemeClr val="accent1"/>
+          </a:effectRef>
+          <a:fontRef idx="minor">
+            <a:schemeClr val="tx1"/>
+          </a:fontRef>
+        </p:style>
+      </p:cxnSp>
+      <p:cxnSp>
+        <p:nvCxnSpPr>
+          <p:cNvPr id="30" name="Straight Arrow Connector 29"/>
+          <p:cNvCxnSpPr/>
+          <p:nvPr/>
+        </p:nvCxnSpPr>
+        <p:spPr>
+          <a:xfrm>
+            <a:off x="713842" y="1351470"/>
+            <a:ext cx="963168" cy="115215"/>
+          </a:xfrm>
+          <a:prstGeom prst="straightConnector1">
+            <a:avLst/>
+          </a:prstGeom>
+          <a:ln w="19050">
+            <a:solidFill>
+              <a:schemeClr val="tx1"/>
+            </a:solidFill>
+            <a:headEnd w="sm" len="sm"/>
+            <a:tailEnd type="arrow" w="sm" len="sm"/>
+          </a:ln>
+        </p:spPr>
+        <p:style>
+          <a:lnRef idx="1">
+            <a:schemeClr val="accent1"/>
+          </a:lnRef>
+          <a:fillRef idx="0">
+            <a:schemeClr val="accent1"/>
+          </a:fillRef>
+          <a:effectRef idx="0">
+            <a:schemeClr val="accent1"/>
+          </a:effectRef>
+          <a:fontRef idx="minor">
+            <a:schemeClr val="tx1"/>
+          </a:fontRef>
+        </p:style>
+      </p:cxnSp>
+      <p:cxnSp>
+        <p:nvCxnSpPr>
+          <p:cNvPr id="31" name="Straight Arrow Connector 30"/>
+          <p:cNvCxnSpPr/>
+          <p:nvPr/>
+        </p:nvCxnSpPr>
+        <p:spPr>
+          <a:xfrm flipV="1">
+            <a:off x="1389208" y="391345"/>
+            <a:ext cx="287802" cy="91376"/>
+          </a:xfrm>
+          <a:prstGeom prst="straightConnector1">
+            <a:avLst/>
+          </a:prstGeom>
+          <a:ln w="19050">
+            <a:solidFill>
+              <a:schemeClr val="tx1"/>
+            </a:solidFill>
+            <a:headEnd w="sm" len="sm"/>
+            <a:tailEnd type="arrow" w="sm" len="sm"/>
+          </a:ln>
+        </p:spPr>
+        <p:style>
+          <a:lnRef idx="1">
+            <a:schemeClr val="accent1"/>
+          </a:lnRef>
+          <a:fillRef idx="0">
+            <a:schemeClr val="accent1"/>
+          </a:fillRef>
+          <a:effectRef idx="0">
+            <a:schemeClr val="accent1"/>
+          </a:effectRef>
+          <a:fontRef idx="minor">
+            <a:schemeClr val="tx1"/>
+          </a:fontRef>
+        </p:style>
+      </p:cxnSp>
+    </p:spTree>
+    <p:extLst>
+      <p:ext uri="{BB962C8B-B14F-4D97-AF65-F5344CB8AC3E}">
+        <p14:creationId xmlns:p14="http://schemas.microsoft.com/office/powerpoint/2010/main" val="39776090"/>
+      </p:ext>
+    </p:extLst>
+  </p:cSld>
+  <p:clrMapOvr>
+    <a:masterClrMapping/>
+  </p:clrMapOvr>
+</p:sld>
+</file>
+
+<file path=ppt/slides/slide18.xml><?xml version="1.0" encoding="utf-8"?>
+<p:sld xmlns:a="http://schemas.openxmlformats.org/drawingml/2006/main" xmlns:r="http://schemas.openxmlformats.org/officeDocument/2006/relationships" xmlns:p="http://schemas.openxmlformats.org/presentationml/2006/main">
+  <p:cSld>
+    <p:spTree>
+      <p:nvGrpSpPr>
+        <p:cNvPr id="1" name=""/>
+        <p:cNvGrpSpPr/>
+        <p:nvPr/>
+      </p:nvGrpSpPr>
+      <p:grpSpPr>
+        <a:xfrm>
+          <a:off x="0" y="0"/>
+          <a:ext cx="0" cy="0"/>
+          <a:chOff x="0" y="0"/>
+          <a:chExt cx="0" cy="0"/>
+        </a:xfrm>
+      </p:grpSpPr>
+      <p:sp>
+        <p:nvSpPr>
+          <p:cNvPr id="10" name="Rectangle 9"/>
+          <p:cNvSpPr/>
+          <p:nvPr/>
+        </p:nvSpPr>
+        <p:spPr>
+          <a:xfrm>
+            <a:off x="25595" y="199723"/>
+            <a:ext cx="1459389" cy="1458988"/>
+          </a:xfrm>
+          <a:prstGeom prst="rect">
+            <a:avLst/>
+          </a:prstGeom>
+          <a:solidFill>
+            <a:srgbClr val="FFFFCC"/>
+          </a:solidFill>
+          <a:ln w="12700">
+            <a:solidFill>
+              <a:schemeClr val="tx1"/>
+            </a:solidFill>
+          </a:ln>
+        </p:spPr>
+        <p:style>
+          <a:lnRef idx="2">
+            <a:schemeClr val="accent1">
+              <a:shade val="50000"/>
+            </a:schemeClr>
+          </a:lnRef>
+          <a:fillRef idx="1">
+            <a:schemeClr val="accent1"/>
+          </a:fillRef>
+          <a:effectRef idx="0">
+            <a:schemeClr val="accent1"/>
+          </a:effectRef>
+          <a:fontRef idx="minor">
+            <a:schemeClr val="lt1"/>
+          </a:fontRef>
+        </p:style>
+        <p:txBody>
+          <a:bodyPr rtlCol="0" anchor="ctr"/>
+          <a:lstStyle/>
+          <a:p>
+            <a:r>
+              <a:rPr lang="en-US" sz="900" dirty="0">
+                <a:solidFill>
+                  <a:schemeClr val="tx1"/>
+                </a:solidFill>
+                <a:latin typeface="Consolas" pitchFamily="49" charset="0"/>
+                <a:cs typeface="Consolas" pitchFamily="49" charset="0"/>
+              </a:rPr>
+              <a:t>char </a:t>
+            </a:r>
+            <a:r>
+              <a:rPr lang="en-US" sz="900" dirty="0" smtClean="0">
+                <a:solidFill>
+                  <a:schemeClr val="tx1"/>
+                </a:solidFill>
+                <a:latin typeface="Consolas" pitchFamily="49" charset="0"/>
+                <a:cs typeface="Consolas" pitchFamily="49" charset="0"/>
+              </a:rPr>
+              <a:t>*x </a:t>
+            </a:r>
+            <a:r>
+              <a:rPr lang="en-US" sz="900" dirty="0">
+                <a:solidFill>
+                  <a:schemeClr val="tx1"/>
+                </a:solidFill>
+                <a:latin typeface="Consolas" pitchFamily="49" charset="0"/>
+                <a:cs typeface="Consolas" pitchFamily="49" charset="0"/>
+              </a:rPr>
+              <a:t>= </a:t>
+            </a:r>
+            <a:r>
+              <a:rPr lang="en-US" sz="900" dirty="0" err="1" smtClean="0">
+                <a:solidFill>
+                  <a:schemeClr val="tx1"/>
+                </a:solidFill>
+                <a:latin typeface="Consolas" pitchFamily="49" charset="0"/>
+                <a:cs typeface="Consolas" pitchFamily="49" charset="0"/>
+              </a:rPr>
+              <a:t>malloc</a:t>
+            </a:r>
+            <a:r>
+              <a:rPr lang="en-US" sz="900" dirty="0" smtClean="0">
+                <a:solidFill>
+                  <a:schemeClr val="tx1"/>
+                </a:solidFill>
+                <a:latin typeface="Consolas" pitchFamily="49" charset="0"/>
+                <a:cs typeface="Consolas" pitchFamily="49" charset="0"/>
+              </a:rPr>
+              <a:t>(8);</a:t>
+            </a:r>
+            <a:endParaRPr lang="en-US" sz="900" dirty="0">
+              <a:solidFill>
+                <a:schemeClr val="tx1"/>
+              </a:solidFill>
+              <a:latin typeface="Consolas" pitchFamily="49" charset="0"/>
+              <a:cs typeface="Consolas" pitchFamily="49" charset="0"/>
+            </a:endParaRPr>
+          </a:p>
+          <a:p>
+            <a:endParaRPr lang="en-US" sz="900" dirty="0">
+              <a:solidFill>
+                <a:schemeClr val="tx1"/>
+              </a:solidFill>
+              <a:latin typeface="Consolas" pitchFamily="49" charset="0"/>
+              <a:cs typeface="Consolas" pitchFamily="49" charset="0"/>
+            </a:endParaRPr>
+          </a:p>
+          <a:p>
+            <a:r>
+              <a:rPr lang="en-US" sz="900" dirty="0">
+                <a:solidFill>
+                  <a:schemeClr val="tx1"/>
+                </a:solidFill>
+                <a:latin typeface="Consolas" pitchFamily="49" charset="0"/>
+                <a:cs typeface="Consolas" pitchFamily="49" charset="0"/>
+              </a:rPr>
+              <a:t>char </a:t>
+            </a:r>
+            <a:r>
+              <a:rPr lang="en-US" sz="900" dirty="0" smtClean="0">
+                <a:solidFill>
+                  <a:schemeClr val="tx1"/>
+                </a:solidFill>
+                <a:latin typeface="Consolas" pitchFamily="49" charset="0"/>
+                <a:cs typeface="Consolas" pitchFamily="49" charset="0"/>
+              </a:rPr>
+              <a:t>*y </a:t>
+            </a:r>
+            <a:r>
+              <a:rPr lang="en-US" sz="900" dirty="0">
+                <a:solidFill>
+                  <a:schemeClr val="tx1"/>
+                </a:solidFill>
+                <a:latin typeface="Consolas" pitchFamily="49" charset="0"/>
+                <a:cs typeface="Consolas" pitchFamily="49" charset="0"/>
+              </a:rPr>
+              <a:t>= </a:t>
+            </a:r>
+            <a:r>
+              <a:rPr lang="en-US" sz="900" dirty="0" smtClean="0">
+                <a:solidFill>
+                  <a:schemeClr val="tx1"/>
+                </a:solidFill>
+                <a:latin typeface="Consolas" pitchFamily="49" charset="0"/>
+                <a:cs typeface="Consolas" pitchFamily="49" charset="0"/>
+              </a:rPr>
+              <a:t>x </a:t>
+            </a:r>
+            <a:r>
+              <a:rPr lang="en-US" sz="900" dirty="0">
+                <a:solidFill>
+                  <a:schemeClr val="tx1"/>
+                </a:solidFill>
+                <a:latin typeface="Consolas" pitchFamily="49" charset="0"/>
+                <a:cs typeface="Consolas" pitchFamily="49" charset="0"/>
+              </a:rPr>
+              <a:t>+ </a:t>
+            </a:r>
+            <a:r>
+              <a:rPr lang="en-US" sz="900" dirty="0" smtClean="0">
+                <a:solidFill>
+                  <a:schemeClr val="tx1"/>
+                </a:solidFill>
+                <a:latin typeface="Consolas" pitchFamily="49" charset="0"/>
+                <a:cs typeface="Consolas" pitchFamily="49" charset="0"/>
+              </a:rPr>
+              <a:t>4;</a:t>
+            </a:r>
+            <a:endParaRPr lang="en-US" sz="900" dirty="0">
+              <a:solidFill>
+                <a:schemeClr val="tx1"/>
+              </a:solidFill>
+              <a:latin typeface="Consolas" pitchFamily="49" charset="0"/>
+              <a:cs typeface="Consolas" pitchFamily="49" charset="0"/>
+            </a:endParaRPr>
+          </a:p>
+          <a:p>
+            <a:endParaRPr lang="en-US" sz="900" dirty="0">
+              <a:solidFill>
+                <a:schemeClr val="tx1"/>
+              </a:solidFill>
+              <a:latin typeface="Consolas" pitchFamily="49" charset="0"/>
+              <a:cs typeface="Consolas" pitchFamily="49" charset="0"/>
+            </a:endParaRPr>
+          </a:p>
+          <a:p>
+            <a:r>
+              <a:rPr lang="en-US" sz="900" dirty="0" smtClean="0">
+                <a:solidFill>
+                  <a:schemeClr val="tx1"/>
+                </a:solidFill>
+                <a:latin typeface="Consolas" pitchFamily="49" charset="0"/>
+                <a:cs typeface="Consolas" pitchFamily="49" charset="0"/>
+              </a:rPr>
+              <a:t>x[7] </a:t>
+            </a:r>
+            <a:r>
+              <a:rPr lang="en-US" sz="900" dirty="0">
+                <a:solidFill>
+                  <a:schemeClr val="tx1"/>
+                </a:solidFill>
+                <a:latin typeface="Consolas" pitchFamily="49" charset="0"/>
+                <a:cs typeface="Consolas" pitchFamily="49" charset="0"/>
+              </a:rPr>
+              <a:t>= 1;</a:t>
+            </a:r>
+          </a:p>
+          <a:p>
+            <a:endParaRPr lang="en-US" sz="900" dirty="0">
+              <a:solidFill>
+                <a:schemeClr val="tx1"/>
+              </a:solidFill>
+              <a:latin typeface="Consolas" pitchFamily="49" charset="0"/>
+              <a:cs typeface="Consolas" pitchFamily="49" charset="0"/>
+            </a:endParaRPr>
+          </a:p>
+          <a:p>
+            <a:r>
+              <a:rPr lang="en-US" sz="900" dirty="0" smtClean="0">
+                <a:solidFill>
+                  <a:schemeClr val="tx1"/>
+                </a:solidFill>
+                <a:latin typeface="Consolas" pitchFamily="49" charset="0"/>
+                <a:cs typeface="Consolas" pitchFamily="49" charset="0"/>
+              </a:rPr>
+              <a:t>y[7] </a:t>
+            </a:r>
+            <a:r>
+              <a:rPr lang="en-US" sz="900" dirty="0">
+                <a:solidFill>
+                  <a:schemeClr val="tx1"/>
+                </a:solidFill>
+                <a:latin typeface="Consolas" pitchFamily="49" charset="0"/>
+                <a:cs typeface="Consolas" pitchFamily="49" charset="0"/>
+              </a:rPr>
+              <a:t>= 1;</a:t>
+            </a:r>
+          </a:p>
+        </p:txBody>
+      </p:sp>
+      <p:sp>
+        <p:nvSpPr>
+          <p:cNvPr id="15" name="TextBox 14"/>
+          <p:cNvSpPr txBox="1"/>
+          <p:nvPr/>
+        </p:nvSpPr>
+        <p:spPr>
+          <a:xfrm>
+            <a:off x="334110" y="-31110"/>
+            <a:ext cx="768100" cy="230832"/>
+          </a:xfrm>
+          <a:prstGeom prst="rect">
+            <a:avLst/>
+          </a:prstGeom>
+          <a:noFill/>
+        </p:spPr>
+        <p:txBody>
+          <a:bodyPr wrap="square" rtlCol="0">
+            <a:spAutoFit/>
+          </a:bodyPr>
+          <a:lstStyle/>
+          <a:p>
+            <a:pPr algn="ctr"/>
+            <a:r>
+              <a:rPr lang="en-US" sz="900" dirty="0" smtClean="0">
+                <a:latin typeface="Times New Roman" pitchFamily="18" charset="0"/>
+                <a:cs typeface="Times New Roman" pitchFamily="18" charset="0"/>
+              </a:rPr>
+              <a:t>Main Core</a:t>
+            </a:r>
+            <a:endParaRPr lang="en-US" sz="900" dirty="0">
+              <a:latin typeface="Times New Roman" pitchFamily="18" charset="0"/>
+              <a:cs typeface="Times New Roman" pitchFamily="18" charset="0"/>
+            </a:endParaRPr>
+          </a:p>
+        </p:txBody>
+      </p:sp>
+      <p:sp>
+        <p:nvSpPr>
+          <p:cNvPr id="16" name="TextBox 15"/>
+          <p:cNvSpPr txBox="1"/>
+          <p:nvPr/>
+        </p:nvSpPr>
+        <p:spPr>
+          <a:xfrm>
+            <a:off x="1984249" y="-31110"/>
+            <a:ext cx="768100" cy="230832"/>
+          </a:xfrm>
+          <a:prstGeom prst="rect">
+            <a:avLst/>
+          </a:prstGeom>
+          <a:noFill/>
+        </p:spPr>
+        <p:txBody>
+          <a:bodyPr wrap="square" rtlCol="0">
+            <a:spAutoFit/>
+          </a:bodyPr>
+          <a:lstStyle/>
+          <a:p>
+            <a:pPr algn="ctr"/>
+            <a:r>
+              <a:rPr lang="en-US" sz="900" dirty="0" smtClean="0">
+                <a:latin typeface="Times New Roman" pitchFamily="18" charset="0"/>
+                <a:cs typeface="Times New Roman" pitchFamily="18" charset="0"/>
+              </a:rPr>
+              <a:t>Monitor</a:t>
+            </a:r>
+            <a:endParaRPr lang="en-US" sz="900" dirty="0">
+              <a:latin typeface="Times New Roman" pitchFamily="18" charset="0"/>
+              <a:cs typeface="Times New Roman" pitchFamily="18" charset="0"/>
+            </a:endParaRPr>
+          </a:p>
+        </p:txBody>
+      </p:sp>
+      <p:sp>
+        <p:nvSpPr>
+          <p:cNvPr id="17" name="Rectangle 16"/>
+          <p:cNvSpPr/>
+          <p:nvPr/>
+        </p:nvSpPr>
+        <p:spPr>
+          <a:xfrm>
+            <a:off x="1600200" y="194373"/>
+            <a:ext cx="1536199" cy="1464337"/>
+          </a:xfrm>
+          <a:prstGeom prst="rect">
+            <a:avLst/>
+          </a:prstGeom>
+          <a:solidFill>
+            <a:srgbClr val="FFFFCC"/>
+          </a:solidFill>
+          <a:ln w="12700">
+            <a:solidFill>
+              <a:schemeClr val="tx1"/>
+            </a:solidFill>
+            <a:prstDash val="solid"/>
+          </a:ln>
+        </p:spPr>
+        <p:style>
+          <a:lnRef idx="2">
+            <a:schemeClr val="accent1">
+              <a:shade val="50000"/>
+            </a:schemeClr>
+          </a:lnRef>
+          <a:fillRef idx="1">
+            <a:schemeClr val="accent1"/>
+          </a:fillRef>
+          <a:effectRef idx="0">
+            <a:schemeClr val="accent1"/>
+          </a:effectRef>
+          <a:fontRef idx="minor">
+            <a:schemeClr val="lt1"/>
+          </a:fontRef>
+        </p:style>
+        <p:txBody>
+          <a:bodyPr rtlCol="0" anchor="ctr"/>
+          <a:lstStyle/>
+          <a:p>
+            <a:r>
+              <a:rPr lang="en-US" sz="900" dirty="0" smtClean="0">
+                <a:solidFill>
+                  <a:schemeClr val="tx1"/>
+                </a:solidFill>
+                <a:latin typeface="Consolas" pitchFamily="49" charset="0"/>
+                <a:cs typeface="Consolas" pitchFamily="49" charset="0"/>
+              </a:rPr>
+              <a:t>metadata[x] = {x,x+7}</a:t>
+            </a:r>
+          </a:p>
+          <a:p>
+            <a:endParaRPr lang="en-US" sz="900" dirty="0">
+              <a:solidFill>
+                <a:schemeClr val="tx1"/>
+              </a:solidFill>
+              <a:latin typeface="Consolas" pitchFamily="49" charset="0"/>
+              <a:cs typeface="Consolas" pitchFamily="49" charset="0"/>
+            </a:endParaRPr>
+          </a:p>
+          <a:p>
+            <a:r>
+              <a:rPr lang="en-US" sz="900" dirty="0" smtClean="0">
+                <a:solidFill>
+                  <a:schemeClr val="tx1"/>
+                </a:solidFill>
+                <a:latin typeface="Consolas" pitchFamily="49" charset="0"/>
+                <a:cs typeface="Consolas" pitchFamily="49" charset="0"/>
+              </a:rPr>
+              <a:t>metadata[y] = </a:t>
+            </a:r>
+          </a:p>
+          <a:p>
+            <a:r>
+              <a:rPr lang="en-US" sz="900" dirty="0">
+                <a:solidFill>
+                  <a:schemeClr val="tx1"/>
+                </a:solidFill>
+                <a:latin typeface="Consolas" pitchFamily="49" charset="0"/>
+                <a:cs typeface="Consolas" pitchFamily="49" charset="0"/>
+              </a:rPr>
+              <a:t> </a:t>
+            </a:r>
+            <a:r>
+              <a:rPr lang="en-US" sz="900" dirty="0" smtClean="0">
+                <a:solidFill>
+                  <a:schemeClr val="tx1"/>
+                </a:solidFill>
+                <a:latin typeface="Consolas" pitchFamily="49" charset="0"/>
+                <a:cs typeface="Consolas" pitchFamily="49" charset="0"/>
+              </a:rPr>
+              <a:t> metadata[x]</a:t>
+            </a:r>
+          </a:p>
+          <a:p>
+            <a:endParaRPr lang="en-US" sz="900" dirty="0">
+              <a:solidFill>
+                <a:schemeClr val="tx1"/>
+              </a:solidFill>
+              <a:latin typeface="Consolas" pitchFamily="49" charset="0"/>
+              <a:cs typeface="Consolas" pitchFamily="49" charset="0"/>
+            </a:endParaRPr>
+          </a:p>
+          <a:p>
+            <a:r>
+              <a:rPr lang="en-US" sz="900" dirty="0" smtClean="0">
+                <a:solidFill>
+                  <a:schemeClr val="tx1"/>
+                </a:solidFill>
+                <a:latin typeface="Consolas" pitchFamily="49" charset="0"/>
+                <a:cs typeface="Consolas" pitchFamily="49" charset="0"/>
+              </a:rPr>
+              <a:t>x+7 in metadata[x]?</a:t>
+            </a:r>
+          </a:p>
+          <a:p>
+            <a:r>
+              <a:rPr lang="en-US" sz="900" dirty="0" smtClean="0">
+                <a:solidFill>
+                  <a:schemeClr val="tx1"/>
+                </a:solidFill>
+                <a:latin typeface="Consolas" pitchFamily="49" charset="0"/>
+                <a:cs typeface="Consolas" pitchFamily="49" charset="0"/>
+              </a:rPr>
+              <a:t>  Yes.</a:t>
+            </a:r>
+            <a:endParaRPr lang="en-US" sz="900" dirty="0">
+              <a:solidFill>
+                <a:schemeClr val="tx1"/>
+              </a:solidFill>
+              <a:latin typeface="Consolas" pitchFamily="49" charset="0"/>
+              <a:cs typeface="Consolas" pitchFamily="49" charset="0"/>
+            </a:endParaRPr>
+          </a:p>
+          <a:p>
+            <a:endParaRPr lang="en-US" sz="900" dirty="0">
+              <a:solidFill>
+                <a:schemeClr val="tx1"/>
+              </a:solidFill>
+              <a:latin typeface="Consolas" pitchFamily="49" charset="0"/>
+              <a:cs typeface="Consolas" pitchFamily="49" charset="0"/>
+            </a:endParaRPr>
+          </a:p>
+          <a:p>
+            <a:r>
+              <a:rPr lang="en-US" sz="900" dirty="0" smtClean="0">
+                <a:solidFill>
+                  <a:schemeClr val="tx1"/>
+                </a:solidFill>
+                <a:latin typeface="Consolas" pitchFamily="49" charset="0"/>
+                <a:cs typeface="Consolas" pitchFamily="49" charset="0"/>
+              </a:rPr>
+              <a:t>y+7 in metadata[y]?</a:t>
+            </a:r>
+          </a:p>
+          <a:p>
+            <a:r>
+              <a:rPr lang="en-US" sz="900" dirty="0">
+                <a:solidFill>
+                  <a:schemeClr val="tx1"/>
+                </a:solidFill>
+                <a:latin typeface="Consolas" pitchFamily="49" charset="0"/>
+                <a:cs typeface="Consolas" pitchFamily="49" charset="0"/>
+              </a:rPr>
+              <a:t> </a:t>
+            </a:r>
+            <a:r>
+              <a:rPr lang="en-US" sz="900" dirty="0" smtClean="0">
+                <a:solidFill>
+                  <a:schemeClr val="tx1"/>
+                </a:solidFill>
+                <a:latin typeface="Consolas" pitchFamily="49" charset="0"/>
+                <a:cs typeface="Consolas" pitchFamily="49" charset="0"/>
+              </a:rPr>
+              <a:t> No, raise error.</a:t>
+            </a:r>
+          </a:p>
+        </p:txBody>
+      </p:sp>
+      <p:cxnSp>
+        <p:nvCxnSpPr>
+          <p:cNvPr id="20" name="Straight Arrow Connector 19"/>
+          <p:cNvCxnSpPr/>
+          <p:nvPr/>
+        </p:nvCxnSpPr>
+        <p:spPr>
+          <a:xfrm flipV="1">
+            <a:off x="1177744" y="621775"/>
+            <a:ext cx="499265" cy="153620"/>
+          </a:xfrm>
+          <a:prstGeom prst="straightConnector1">
+            <a:avLst/>
+          </a:prstGeom>
+          <a:ln w="19050">
+            <a:solidFill>
+              <a:schemeClr val="tx1"/>
+            </a:solidFill>
+            <a:headEnd w="sm" len="sm"/>
+            <a:tailEnd type="arrow" w="sm" len="sm"/>
+          </a:ln>
+        </p:spPr>
+        <p:style>
+          <a:lnRef idx="1">
+            <a:schemeClr val="accent1"/>
+          </a:lnRef>
+          <a:fillRef idx="0">
+            <a:schemeClr val="accent1"/>
+          </a:fillRef>
+          <a:effectRef idx="0">
+            <a:schemeClr val="accent1"/>
+          </a:effectRef>
+          <a:fontRef idx="minor">
+            <a:schemeClr val="tx1"/>
+          </a:fontRef>
+        </p:style>
+      </p:cxnSp>
+      <p:cxnSp>
+        <p:nvCxnSpPr>
+          <p:cNvPr id="28" name="Straight Arrow Connector 27"/>
+          <p:cNvCxnSpPr/>
+          <p:nvPr/>
+        </p:nvCxnSpPr>
+        <p:spPr>
+          <a:xfrm>
+            <a:off x="713843" y="1075458"/>
+            <a:ext cx="963167" cy="0"/>
+          </a:xfrm>
+          <a:prstGeom prst="straightConnector1">
+            <a:avLst/>
+          </a:prstGeom>
+          <a:ln w="19050">
+            <a:solidFill>
+              <a:schemeClr val="tx1"/>
+            </a:solidFill>
+            <a:headEnd w="sm" len="sm"/>
+            <a:tailEnd type="arrow" w="sm" len="sm"/>
+          </a:ln>
+        </p:spPr>
+        <p:style>
+          <a:lnRef idx="1">
+            <a:schemeClr val="accent1"/>
+          </a:lnRef>
+          <a:fillRef idx="0">
+            <a:schemeClr val="accent1"/>
+          </a:fillRef>
+          <a:effectRef idx="0">
+            <a:schemeClr val="accent1"/>
+          </a:effectRef>
+          <a:fontRef idx="minor">
+            <a:schemeClr val="tx1"/>
+          </a:fontRef>
+        </p:style>
+      </p:cxnSp>
+      <p:cxnSp>
+        <p:nvCxnSpPr>
+          <p:cNvPr id="30" name="Straight Arrow Connector 29"/>
+          <p:cNvCxnSpPr/>
+          <p:nvPr/>
+        </p:nvCxnSpPr>
+        <p:spPr>
+          <a:xfrm>
+            <a:off x="713842" y="1351470"/>
+            <a:ext cx="963168" cy="115215"/>
+          </a:xfrm>
+          <a:prstGeom prst="straightConnector1">
+            <a:avLst/>
+          </a:prstGeom>
+          <a:ln w="19050">
+            <a:solidFill>
+              <a:schemeClr val="tx1"/>
+            </a:solidFill>
+            <a:headEnd w="sm" len="sm"/>
+            <a:tailEnd type="arrow" w="sm" len="sm"/>
+          </a:ln>
+        </p:spPr>
+        <p:style>
+          <a:lnRef idx="1">
+            <a:schemeClr val="accent1"/>
+          </a:lnRef>
+          <a:fillRef idx="0">
+            <a:schemeClr val="accent1"/>
+          </a:fillRef>
+          <a:effectRef idx="0">
+            <a:schemeClr val="accent1"/>
+          </a:effectRef>
+          <a:fontRef idx="minor">
+            <a:schemeClr val="tx1"/>
+          </a:fontRef>
+        </p:style>
+      </p:cxnSp>
+      <p:cxnSp>
+        <p:nvCxnSpPr>
+          <p:cNvPr id="31" name="Straight Arrow Connector 30"/>
+          <p:cNvCxnSpPr/>
+          <p:nvPr/>
+        </p:nvCxnSpPr>
+        <p:spPr>
+          <a:xfrm flipV="1">
+            <a:off x="1389208" y="391345"/>
+            <a:ext cx="287802" cy="91376"/>
+          </a:xfrm>
+          <a:prstGeom prst="straightConnector1">
+            <a:avLst/>
+          </a:prstGeom>
+          <a:ln w="19050">
+            <a:solidFill>
+              <a:schemeClr val="tx1"/>
+            </a:solidFill>
+            <a:headEnd w="sm" len="sm"/>
+            <a:tailEnd type="arrow" w="sm" len="sm"/>
+          </a:ln>
+        </p:spPr>
+        <p:style>
+          <a:lnRef idx="1">
+            <a:schemeClr val="accent1"/>
+          </a:lnRef>
+          <a:fillRef idx="0">
+            <a:schemeClr val="accent1"/>
+          </a:fillRef>
+          <a:effectRef idx="0">
+            <a:schemeClr val="accent1"/>
+          </a:effectRef>
+          <a:fontRef idx="minor">
+            <a:schemeClr val="tx1"/>
+          </a:fontRef>
+        </p:style>
+      </p:cxnSp>
+      <p:sp>
+        <p:nvSpPr>
+          <p:cNvPr id="11" name="Cross 10"/>
+          <p:cNvSpPr/>
+          <p:nvPr/>
+        </p:nvSpPr>
+        <p:spPr>
+          <a:xfrm rot="2672377">
+            <a:off x="1452313" y="968301"/>
+            <a:ext cx="192025" cy="192025"/>
+          </a:xfrm>
+          <a:prstGeom prst="plus">
+            <a:avLst>
+              <a:gd name="adj" fmla="val 41501"/>
+            </a:avLst>
+          </a:prstGeom>
+          <a:solidFill>
+            <a:srgbClr val="C00000"/>
+          </a:solidFill>
+          <a:ln>
+            <a:noFill/>
+          </a:ln>
+        </p:spPr>
+        <p:style>
+          <a:lnRef idx="2">
+            <a:schemeClr val="accent1">
+              <a:shade val="50000"/>
+            </a:schemeClr>
+          </a:lnRef>
+          <a:fillRef idx="1">
+            <a:schemeClr val="accent1"/>
+          </a:fillRef>
+          <a:effectRef idx="0">
+            <a:schemeClr val="accent1"/>
+          </a:effectRef>
+          <a:fontRef idx="minor">
+            <a:schemeClr val="lt1"/>
+          </a:fontRef>
+        </p:style>
+        <p:txBody>
+          <a:bodyPr rtlCol="0" anchor="ctr"/>
+          <a:lstStyle/>
+          <a:p>
+            <a:pPr algn="ctr"/>
+            <a:endParaRPr lang="en-US"/>
+          </a:p>
+        </p:txBody>
+      </p:sp>
+      <p:cxnSp>
+        <p:nvCxnSpPr>
+          <p:cNvPr id="12" name="Straight Arrow Connector 11"/>
+          <p:cNvCxnSpPr/>
+          <p:nvPr/>
+        </p:nvCxnSpPr>
+        <p:spPr>
+          <a:xfrm>
+            <a:off x="1684103" y="1005825"/>
+            <a:ext cx="1206212" cy="0"/>
+          </a:xfrm>
+          <a:prstGeom prst="straightConnector1">
+            <a:avLst/>
+          </a:prstGeom>
+          <a:ln w="19050">
+            <a:solidFill>
+              <a:srgbClr val="C00000"/>
+            </a:solidFill>
+            <a:headEnd w="sm" len="sm"/>
+            <a:tailEnd type="none" w="sm" len="sm"/>
+          </a:ln>
+        </p:spPr>
+        <p:style>
+          <a:lnRef idx="1">
+            <a:schemeClr val="accent1"/>
+          </a:lnRef>
+          <a:fillRef idx="0">
+            <a:schemeClr val="accent1"/>
+          </a:fillRef>
+          <a:effectRef idx="0">
+            <a:schemeClr val="accent1"/>
+          </a:effectRef>
+          <a:fontRef idx="minor">
+            <a:schemeClr val="tx1"/>
+          </a:fontRef>
+        </p:style>
+      </p:cxnSp>
+      <p:cxnSp>
+        <p:nvCxnSpPr>
+          <p:cNvPr id="13" name="Straight Arrow Connector 12"/>
+          <p:cNvCxnSpPr/>
+          <p:nvPr/>
+        </p:nvCxnSpPr>
+        <p:spPr>
+          <a:xfrm>
+            <a:off x="1824463" y="1159445"/>
+            <a:ext cx="224557" cy="0"/>
+          </a:xfrm>
+          <a:prstGeom prst="straightConnector1">
+            <a:avLst/>
+          </a:prstGeom>
+          <a:ln w="19050">
+            <a:solidFill>
+              <a:srgbClr val="C00000"/>
+            </a:solidFill>
+            <a:headEnd w="sm" len="sm"/>
+            <a:tailEnd type="none" w="sm" len="sm"/>
+          </a:ln>
+        </p:spPr>
+        <p:style>
+          <a:lnRef idx="1">
+            <a:schemeClr val="accent1"/>
+          </a:lnRef>
+          <a:fillRef idx="0">
+            <a:schemeClr val="accent1"/>
+          </a:fillRef>
+          <a:effectRef idx="0">
+            <a:schemeClr val="accent1"/>
+          </a:effectRef>
+          <a:fontRef idx="minor">
+            <a:schemeClr val="tx1"/>
+          </a:fontRef>
+        </p:style>
+      </p:cxnSp>
+    </p:spTree>
+    <p:extLst>
+      <p:ext uri="{BB962C8B-B14F-4D97-AF65-F5344CB8AC3E}">
+        <p14:creationId xmlns:p14="http://schemas.microsoft.com/office/powerpoint/2010/main" val="742180553"/>
+      </p:ext>
+    </p:extLst>
+  </p:cSld>
+  <p:clrMapOvr>
+    <a:masterClrMapping/>
+  </p:clrMapOvr>
+</p:sld>
+</file>
+
+<file path=ppt/slides/slide19.xml><?xml version="1.0" encoding="utf-8"?>
+<p:sld xmlns:a="http://schemas.openxmlformats.org/drawingml/2006/main" xmlns:r="http://schemas.openxmlformats.org/officeDocument/2006/relationships" xmlns:p="http://schemas.openxmlformats.org/presentationml/2006/main">
+  <p:cSld>
+    <p:spTree>
+      <p:nvGrpSpPr>
+        <p:cNvPr id="1" name=""/>
+        <p:cNvGrpSpPr/>
+        <p:nvPr/>
+      </p:nvGrpSpPr>
+      <p:grpSpPr>
+        <a:xfrm>
+          <a:off x="0" y="0"/>
+          <a:ext cx="0" cy="0"/>
+          <a:chOff x="0" y="0"/>
+          <a:chExt cx="0" cy="0"/>
+        </a:xfrm>
+      </p:grpSpPr>
+      <p:sp>
+        <p:nvSpPr>
+          <p:cNvPr id="10" name="Rectangle 9"/>
+          <p:cNvSpPr/>
+          <p:nvPr/>
+        </p:nvSpPr>
+        <p:spPr>
+          <a:xfrm>
+            <a:off x="25595" y="199723"/>
+            <a:ext cx="1459389" cy="1458988"/>
+          </a:xfrm>
+          <a:prstGeom prst="rect">
+            <a:avLst/>
+          </a:prstGeom>
+          <a:solidFill>
+            <a:srgbClr val="FFFFCC"/>
+          </a:solidFill>
+          <a:ln w="12700">
+            <a:solidFill>
+              <a:schemeClr val="tx1"/>
+            </a:solidFill>
+          </a:ln>
+        </p:spPr>
+        <p:style>
+          <a:lnRef idx="2">
+            <a:schemeClr val="accent1">
+              <a:shade val="50000"/>
+            </a:schemeClr>
+          </a:lnRef>
+          <a:fillRef idx="1">
+            <a:schemeClr val="accent1"/>
+          </a:fillRef>
+          <a:effectRef idx="0">
+            <a:schemeClr val="accent1"/>
+          </a:effectRef>
+          <a:fontRef idx="minor">
+            <a:schemeClr val="lt1"/>
+          </a:fontRef>
+        </p:style>
+        <p:txBody>
+          <a:bodyPr rtlCol="0" anchor="ctr"/>
+          <a:lstStyle/>
+          <a:p>
+            <a:r>
+              <a:rPr lang="en-US" sz="900" dirty="0">
+                <a:solidFill>
+                  <a:schemeClr val="tx1"/>
+                </a:solidFill>
+                <a:latin typeface="Consolas" pitchFamily="49" charset="0"/>
+                <a:cs typeface="Consolas" pitchFamily="49" charset="0"/>
+              </a:rPr>
+              <a:t>char </a:t>
+            </a:r>
+            <a:r>
+              <a:rPr lang="en-US" sz="900" dirty="0" smtClean="0">
+                <a:solidFill>
+                  <a:schemeClr val="tx1"/>
+                </a:solidFill>
+                <a:latin typeface="Consolas" pitchFamily="49" charset="0"/>
+                <a:cs typeface="Consolas" pitchFamily="49" charset="0"/>
+              </a:rPr>
+              <a:t>*x </a:t>
+            </a:r>
+            <a:r>
+              <a:rPr lang="en-US" sz="900" dirty="0">
+                <a:solidFill>
+                  <a:schemeClr val="tx1"/>
+                </a:solidFill>
+                <a:latin typeface="Consolas" pitchFamily="49" charset="0"/>
+                <a:cs typeface="Consolas" pitchFamily="49" charset="0"/>
+              </a:rPr>
+              <a:t>= </a:t>
+            </a:r>
+            <a:r>
+              <a:rPr lang="en-US" sz="900" dirty="0" err="1" smtClean="0">
+                <a:solidFill>
+                  <a:schemeClr val="tx1"/>
+                </a:solidFill>
+                <a:latin typeface="Consolas" pitchFamily="49" charset="0"/>
+                <a:cs typeface="Consolas" pitchFamily="49" charset="0"/>
+              </a:rPr>
+              <a:t>malloc</a:t>
+            </a:r>
+            <a:r>
+              <a:rPr lang="en-US" sz="900" dirty="0" smtClean="0">
+                <a:solidFill>
+                  <a:schemeClr val="tx1"/>
+                </a:solidFill>
+                <a:latin typeface="Consolas" pitchFamily="49" charset="0"/>
+                <a:cs typeface="Consolas" pitchFamily="49" charset="0"/>
+              </a:rPr>
+              <a:t>(8);</a:t>
+            </a:r>
+            <a:endParaRPr lang="en-US" sz="900" dirty="0">
+              <a:solidFill>
+                <a:schemeClr val="tx1"/>
+              </a:solidFill>
+              <a:latin typeface="Consolas" pitchFamily="49" charset="0"/>
+              <a:cs typeface="Consolas" pitchFamily="49" charset="0"/>
+            </a:endParaRPr>
+          </a:p>
+          <a:p>
+            <a:endParaRPr lang="en-US" sz="900" dirty="0">
+              <a:solidFill>
+                <a:schemeClr val="tx1"/>
+              </a:solidFill>
+              <a:latin typeface="Consolas" pitchFamily="49" charset="0"/>
+              <a:cs typeface="Consolas" pitchFamily="49" charset="0"/>
+            </a:endParaRPr>
+          </a:p>
+          <a:p>
+            <a:r>
+              <a:rPr lang="en-US" sz="900" dirty="0">
+                <a:solidFill>
+                  <a:schemeClr val="tx1"/>
+                </a:solidFill>
+                <a:latin typeface="Consolas" pitchFamily="49" charset="0"/>
+                <a:cs typeface="Consolas" pitchFamily="49" charset="0"/>
+              </a:rPr>
+              <a:t>char </a:t>
+            </a:r>
+            <a:r>
+              <a:rPr lang="en-US" sz="900" dirty="0" smtClean="0">
+                <a:solidFill>
+                  <a:schemeClr val="tx1"/>
+                </a:solidFill>
+                <a:latin typeface="Consolas" pitchFamily="49" charset="0"/>
+                <a:cs typeface="Consolas" pitchFamily="49" charset="0"/>
+              </a:rPr>
+              <a:t>*y </a:t>
+            </a:r>
+            <a:r>
+              <a:rPr lang="en-US" sz="900" dirty="0">
+                <a:solidFill>
+                  <a:schemeClr val="tx1"/>
+                </a:solidFill>
+                <a:latin typeface="Consolas" pitchFamily="49" charset="0"/>
+                <a:cs typeface="Consolas" pitchFamily="49" charset="0"/>
+              </a:rPr>
+              <a:t>= </a:t>
+            </a:r>
+            <a:r>
+              <a:rPr lang="en-US" sz="900" dirty="0" smtClean="0">
+                <a:solidFill>
+                  <a:schemeClr val="tx1"/>
+                </a:solidFill>
+                <a:latin typeface="Consolas" pitchFamily="49" charset="0"/>
+                <a:cs typeface="Consolas" pitchFamily="49" charset="0"/>
+              </a:rPr>
+              <a:t>x </a:t>
+            </a:r>
+            <a:r>
+              <a:rPr lang="en-US" sz="900" dirty="0">
+                <a:solidFill>
+                  <a:schemeClr val="tx1"/>
+                </a:solidFill>
+                <a:latin typeface="Consolas" pitchFamily="49" charset="0"/>
+                <a:cs typeface="Consolas" pitchFamily="49" charset="0"/>
+              </a:rPr>
+              <a:t>+ </a:t>
+            </a:r>
+            <a:r>
+              <a:rPr lang="en-US" sz="900" dirty="0" smtClean="0">
+                <a:solidFill>
+                  <a:schemeClr val="tx1"/>
+                </a:solidFill>
+                <a:latin typeface="Consolas" pitchFamily="49" charset="0"/>
+                <a:cs typeface="Consolas" pitchFamily="49" charset="0"/>
+              </a:rPr>
+              <a:t>4;</a:t>
+            </a:r>
+            <a:endParaRPr lang="en-US" sz="900" dirty="0">
+              <a:solidFill>
+                <a:schemeClr val="tx1"/>
+              </a:solidFill>
+              <a:latin typeface="Consolas" pitchFamily="49" charset="0"/>
+              <a:cs typeface="Consolas" pitchFamily="49" charset="0"/>
+            </a:endParaRPr>
+          </a:p>
+          <a:p>
+            <a:endParaRPr lang="en-US" sz="900" dirty="0">
+              <a:solidFill>
+                <a:schemeClr val="tx1"/>
+              </a:solidFill>
+              <a:latin typeface="Consolas" pitchFamily="49" charset="0"/>
+              <a:cs typeface="Consolas" pitchFamily="49" charset="0"/>
+            </a:endParaRPr>
+          </a:p>
+          <a:p>
+            <a:r>
+              <a:rPr lang="en-US" sz="900" dirty="0" smtClean="0">
+                <a:solidFill>
+                  <a:schemeClr val="tx1"/>
+                </a:solidFill>
+                <a:latin typeface="Consolas" pitchFamily="49" charset="0"/>
+                <a:cs typeface="Consolas" pitchFamily="49" charset="0"/>
+              </a:rPr>
+              <a:t>x[7] </a:t>
+            </a:r>
+            <a:r>
+              <a:rPr lang="en-US" sz="900" dirty="0">
+                <a:solidFill>
+                  <a:schemeClr val="tx1"/>
+                </a:solidFill>
+                <a:latin typeface="Consolas" pitchFamily="49" charset="0"/>
+                <a:cs typeface="Consolas" pitchFamily="49" charset="0"/>
+              </a:rPr>
+              <a:t>= 1;</a:t>
+            </a:r>
+          </a:p>
+          <a:p>
+            <a:endParaRPr lang="en-US" sz="900" dirty="0">
+              <a:solidFill>
+                <a:schemeClr val="tx1"/>
+              </a:solidFill>
+              <a:latin typeface="Consolas" pitchFamily="49" charset="0"/>
+              <a:cs typeface="Consolas" pitchFamily="49" charset="0"/>
+            </a:endParaRPr>
+          </a:p>
+          <a:p>
+            <a:r>
+              <a:rPr lang="en-US" sz="900" dirty="0" smtClean="0">
+                <a:solidFill>
+                  <a:schemeClr val="tx1"/>
+                </a:solidFill>
+                <a:latin typeface="Consolas" pitchFamily="49" charset="0"/>
+                <a:cs typeface="Consolas" pitchFamily="49" charset="0"/>
+              </a:rPr>
+              <a:t>y[7] </a:t>
+            </a:r>
+            <a:r>
+              <a:rPr lang="en-US" sz="900" dirty="0">
+                <a:solidFill>
+                  <a:schemeClr val="tx1"/>
+                </a:solidFill>
+                <a:latin typeface="Consolas" pitchFamily="49" charset="0"/>
+                <a:cs typeface="Consolas" pitchFamily="49" charset="0"/>
+              </a:rPr>
+              <a:t>= 1;</a:t>
+            </a:r>
+          </a:p>
+        </p:txBody>
+      </p:sp>
+      <p:sp>
+        <p:nvSpPr>
+          <p:cNvPr id="15" name="TextBox 14"/>
+          <p:cNvSpPr txBox="1"/>
+          <p:nvPr/>
+        </p:nvSpPr>
+        <p:spPr>
+          <a:xfrm>
+            <a:off x="334110" y="-31110"/>
+            <a:ext cx="768100" cy="230832"/>
+          </a:xfrm>
+          <a:prstGeom prst="rect">
+            <a:avLst/>
+          </a:prstGeom>
+          <a:noFill/>
+        </p:spPr>
+        <p:txBody>
+          <a:bodyPr wrap="square" rtlCol="0">
+            <a:spAutoFit/>
+          </a:bodyPr>
+          <a:lstStyle/>
+          <a:p>
+            <a:pPr algn="ctr"/>
+            <a:r>
+              <a:rPr lang="en-US" sz="900" dirty="0" smtClean="0">
+                <a:latin typeface="Times New Roman" pitchFamily="18" charset="0"/>
+                <a:cs typeface="Times New Roman" pitchFamily="18" charset="0"/>
+              </a:rPr>
+              <a:t>Main Core</a:t>
+            </a:r>
+            <a:endParaRPr lang="en-US" sz="900" dirty="0">
+              <a:latin typeface="Times New Roman" pitchFamily="18" charset="0"/>
+              <a:cs typeface="Times New Roman" pitchFamily="18" charset="0"/>
+            </a:endParaRPr>
+          </a:p>
+        </p:txBody>
+      </p:sp>
+      <p:sp>
+        <p:nvSpPr>
+          <p:cNvPr id="16" name="TextBox 15"/>
+          <p:cNvSpPr txBox="1"/>
+          <p:nvPr/>
+        </p:nvSpPr>
+        <p:spPr>
+          <a:xfrm>
+            <a:off x="1984249" y="-31110"/>
+            <a:ext cx="768100" cy="230832"/>
+          </a:xfrm>
+          <a:prstGeom prst="rect">
+            <a:avLst/>
+          </a:prstGeom>
+          <a:noFill/>
+        </p:spPr>
+        <p:txBody>
+          <a:bodyPr wrap="square" rtlCol="0">
+            <a:spAutoFit/>
+          </a:bodyPr>
+          <a:lstStyle/>
+          <a:p>
+            <a:pPr algn="ctr"/>
+            <a:r>
+              <a:rPr lang="en-US" sz="900" dirty="0" smtClean="0">
+                <a:latin typeface="Times New Roman" pitchFamily="18" charset="0"/>
+                <a:cs typeface="Times New Roman" pitchFamily="18" charset="0"/>
+              </a:rPr>
+              <a:t>Monitor</a:t>
+            </a:r>
+            <a:endParaRPr lang="en-US" sz="900" dirty="0">
+              <a:latin typeface="Times New Roman" pitchFamily="18" charset="0"/>
+              <a:cs typeface="Times New Roman" pitchFamily="18" charset="0"/>
+            </a:endParaRPr>
+          </a:p>
+        </p:txBody>
+      </p:sp>
+      <p:sp>
+        <p:nvSpPr>
+          <p:cNvPr id="17" name="Rectangle 16"/>
+          <p:cNvSpPr/>
+          <p:nvPr/>
+        </p:nvSpPr>
+        <p:spPr>
+          <a:xfrm>
+            <a:off x="1600200" y="194373"/>
+            <a:ext cx="1536199" cy="1464337"/>
+          </a:xfrm>
+          <a:prstGeom prst="rect">
+            <a:avLst/>
+          </a:prstGeom>
+          <a:solidFill>
+            <a:srgbClr val="FFFFCC"/>
+          </a:solidFill>
+          <a:ln w="12700">
+            <a:solidFill>
+              <a:schemeClr val="tx1"/>
+            </a:solidFill>
+            <a:prstDash val="solid"/>
+          </a:ln>
+        </p:spPr>
+        <p:style>
+          <a:lnRef idx="2">
+            <a:schemeClr val="accent1">
+              <a:shade val="50000"/>
+            </a:schemeClr>
+          </a:lnRef>
+          <a:fillRef idx="1">
+            <a:schemeClr val="accent1"/>
+          </a:fillRef>
+          <a:effectRef idx="0">
+            <a:schemeClr val="accent1"/>
+          </a:effectRef>
+          <a:fontRef idx="minor">
+            <a:schemeClr val="lt1"/>
+          </a:fontRef>
+        </p:style>
+        <p:txBody>
+          <a:bodyPr rtlCol="0" anchor="ctr"/>
+          <a:lstStyle/>
+          <a:p>
+            <a:r>
+              <a:rPr lang="en-US" sz="900" dirty="0" smtClean="0">
+                <a:solidFill>
+                  <a:schemeClr val="tx1"/>
+                </a:solidFill>
+                <a:latin typeface="Consolas" pitchFamily="49" charset="0"/>
+                <a:cs typeface="Consolas" pitchFamily="49" charset="0"/>
+              </a:rPr>
+              <a:t>metadata[x] = {x,x+7}</a:t>
+            </a:r>
+          </a:p>
+          <a:p>
+            <a:endParaRPr lang="en-US" sz="900" dirty="0">
+              <a:solidFill>
+                <a:schemeClr val="tx1"/>
+              </a:solidFill>
+              <a:latin typeface="Consolas" pitchFamily="49" charset="0"/>
+              <a:cs typeface="Consolas" pitchFamily="49" charset="0"/>
+            </a:endParaRPr>
+          </a:p>
+          <a:p>
+            <a:r>
+              <a:rPr lang="en-US" sz="900" dirty="0" smtClean="0">
+                <a:solidFill>
+                  <a:schemeClr val="tx1"/>
+                </a:solidFill>
+                <a:latin typeface="Consolas" pitchFamily="49" charset="0"/>
+                <a:cs typeface="Consolas" pitchFamily="49" charset="0"/>
+              </a:rPr>
+              <a:t>metadata[y] = </a:t>
+            </a:r>
+          </a:p>
+          <a:p>
+            <a:r>
+              <a:rPr lang="en-US" sz="900" dirty="0">
+                <a:solidFill>
+                  <a:schemeClr val="tx1"/>
+                </a:solidFill>
+                <a:latin typeface="Consolas" pitchFamily="49" charset="0"/>
+                <a:cs typeface="Consolas" pitchFamily="49" charset="0"/>
+              </a:rPr>
+              <a:t> </a:t>
+            </a:r>
+            <a:r>
+              <a:rPr lang="en-US" sz="900" dirty="0" smtClean="0">
+                <a:solidFill>
+                  <a:schemeClr val="tx1"/>
+                </a:solidFill>
+                <a:latin typeface="Consolas" pitchFamily="49" charset="0"/>
+                <a:cs typeface="Consolas" pitchFamily="49" charset="0"/>
+              </a:rPr>
+              <a:t> metadata[x]</a:t>
+            </a:r>
+          </a:p>
+          <a:p>
+            <a:endParaRPr lang="en-US" sz="900" dirty="0">
+              <a:solidFill>
+                <a:schemeClr val="tx1"/>
+              </a:solidFill>
+              <a:latin typeface="Consolas" pitchFamily="49" charset="0"/>
+              <a:cs typeface="Consolas" pitchFamily="49" charset="0"/>
+            </a:endParaRPr>
+          </a:p>
+          <a:p>
+            <a:r>
+              <a:rPr lang="en-US" sz="900" dirty="0" smtClean="0">
+                <a:solidFill>
+                  <a:schemeClr val="tx1"/>
+                </a:solidFill>
+                <a:latin typeface="Consolas" pitchFamily="49" charset="0"/>
+                <a:cs typeface="Consolas" pitchFamily="49" charset="0"/>
+              </a:rPr>
+              <a:t>x+7 in metadata[x]?</a:t>
+            </a:r>
+          </a:p>
+          <a:p>
+            <a:r>
+              <a:rPr lang="en-US" sz="900" dirty="0" smtClean="0">
+                <a:solidFill>
+                  <a:schemeClr val="tx1"/>
+                </a:solidFill>
+                <a:latin typeface="Consolas" pitchFamily="49" charset="0"/>
+                <a:cs typeface="Consolas" pitchFamily="49" charset="0"/>
+              </a:rPr>
+              <a:t>  Yes.</a:t>
+            </a:r>
+            <a:endParaRPr lang="en-US" sz="900" dirty="0">
+              <a:solidFill>
+                <a:schemeClr val="tx1"/>
+              </a:solidFill>
+              <a:latin typeface="Consolas" pitchFamily="49" charset="0"/>
+              <a:cs typeface="Consolas" pitchFamily="49" charset="0"/>
+            </a:endParaRPr>
+          </a:p>
+          <a:p>
+            <a:endParaRPr lang="en-US" sz="900" dirty="0">
+              <a:solidFill>
+                <a:schemeClr val="tx1"/>
+              </a:solidFill>
+              <a:latin typeface="Consolas" pitchFamily="49" charset="0"/>
+              <a:cs typeface="Consolas" pitchFamily="49" charset="0"/>
+            </a:endParaRPr>
+          </a:p>
+          <a:p>
+            <a:r>
+              <a:rPr lang="en-US" sz="900" dirty="0" smtClean="0">
+                <a:solidFill>
+                  <a:schemeClr val="tx1"/>
+                </a:solidFill>
+                <a:latin typeface="Consolas" pitchFamily="49" charset="0"/>
+                <a:cs typeface="Consolas" pitchFamily="49" charset="0"/>
+              </a:rPr>
+              <a:t>y+7 in metadata[y]?</a:t>
+            </a:r>
+          </a:p>
+          <a:p>
+            <a:r>
+              <a:rPr lang="en-US" sz="900" dirty="0">
+                <a:solidFill>
+                  <a:schemeClr val="tx1"/>
+                </a:solidFill>
+                <a:latin typeface="Consolas" pitchFamily="49" charset="0"/>
+                <a:cs typeface="Consolas" pitchFamily="49" charset="0"/>
+              </a:rPr>
+              <a:t> </a:t>
+            </a:r>
+            <a:r>
+              <a:rPr lang="en-US" sz="900" dirty="0" smtClean="0">
+                <a:solidFill>
+                  <a:schemeClr val="tx1"/>
+                </a:solidFill>
+                <a:latin typeface="Consolas" pitchFamily="49" charset="0"/>
+                <a:cs typeface="Consolas" pitchFamily="49" charset="0"/>
+              </a:rPr>
+              <a:t> No, raise error.</a:t>
+            </a:r>
+          </a:p>
+        </p:txBody>
+      </p:sp>
+      <p:cxnSp>
+        <p:nvCxnSpPr>
+          <p:cNvPr id="20" name="Straight Arrow Connector 19"/>
+          <p:cNvCxnSpPr/>
+          <p:nvPr/>
+        </p:nvCxnSpPr>
+        <p:spPr>
+          <a:xfrm flipV="1">
+            <a:off x="1177744" y="621775"/>
+            <a:ext cx="499265" cy="153620"/>
+          </a:xfrm>
+          <a:prstGeom prst="straightConnector1">
+            <a:avLst/>
+          </a:prstGeom>
+          <a:ln w="19050">
+            <a:solidFill>
+              <a:schemeClr val="tx1"/>
+            </a:solidFill>
+            <a:headEnd w="sm" len="sm"/>
+            <a:tailEnd type="arrow" w="sm" len="sm"/>
+          </a:ln>
+        </p:spPr>
+        <p:style>
+          <a:lnRef idx="1">
+            <a:schemeClr val="accent1"/>
+          </a:lnRef>
+          <a:fillRef idx="0">
+            <a:schemeClr val="accent1"/>
+          </a:fillRef>
+          <a:effectRef idx="0">
+            <a:schemeClr val="accent1"/>
+          </a:effectRef>
+          <a:fontRef idx="minor">
+            <a:schemeClr val="tx1"/>
+          </a:fontRef>
+        </p:style>
+      </p:cxnSp>
+      <p:cxnSp>
+        <p:nvCxnSpPr>
+          <p:cNvPr id="28" name="Straight Arrow Connector 27"/>
+          <p:cNvCxnSpPr/>
+          <p:nvPr/>
+        </p:nvCxnSpPr>
+        <p:spPr>
+          <a:xfrm>
+            <a:off x="713843" y="1075458"/>
+            <a:ext cx="963167" cy="0"/>
+          </a:xfrm>
+          <a:prstGeom prst="straightConnector1">
+            <a:avLst/>
+          </a:prstGeom>
+          <a:ln w="19050">
+            <a:solidFill>
+              <a:schemeClr val="tx1"/>
+            </a:solidFill>
+            <a:headEnd w="sm" len="sm"/>
+            <a:tailEnd type="arrow" w="sm" len="sm"/>
+          </a:ln>
+        </p:spPr>
+        <p:style>
+          <a:lnRef idx="1">
+            <a:schemeClr val="accent1"/>
+          </a:lnRef>
+          <a:fillRef idx="0">
+            <a:schemeClr val="accent1"/>
+          </a:fillRef>
+          <a:effectRef idx="0">
+            <a:schemeClr val="accent1"/>
+          </a:effectRef>
+          <a:fontRef idx="minor">
+            <a:schemeClr val="tx1"/>
+          </a:fontRef>
+        </p:style>
+      </p:cxnSp>
+      <p:cxnSp>
+        <p:nvCxnSpPr>
+          <p:cNvPr id="30" name="Straight Arrow Connector 29"/>
+          <p:cNvCxnSpPr/>
+          <p:nvPr/>
+        </p:nvCxnSpPr>
+        <p:spPr>
+          <a:xfrm>
+            <a:off x="713842" y="1351470"/>
+            <a:ext cx="963168" cy="115215"/>
+          </a:xfrm>
+          <a:prstGeom prst="straightConnector1">
+            <a:avLst/>
+          </a:prstGeom>
+          <a:ln w="19050">
+            <a:solidFill>
+              <a:schemeClr val="tx1"/>
+            </a:solidFill>
+            <a:headEnd w="sm" len="sm"/>
+            <a:tailEnd type="arrow" w="sm" len="sm"/>
+          </a:ln>
+        </p:spPr>
+        <p:style>
+          <a:lnRef idx="1">
+            <a:schemeClr val="accent1"/>
+          </a:lnRef>
+          <a:fillRef idx="0">
+            <a:schemeClr val="accent1"/>
+          </a:fillRef>
+          <a:effectRef idx="0">
+            <a:schemeClr val="accent1"/>
+          </a:effectRef>
+          <a:fontRef idx="minor">
+            <a:schemeClr val="tx1"/>
+          </a:fontRef>
+        </p:style>
+      </p:cxnSp>
+      <p:cxnSp>
+        <p:nvCxnSpPr>
+          <p:cNvPr id="31" name="Straight Arrow Connector 30"/>
+          <p:cNvCxnSpPr/>
+          <p:nvPr/>
+        </p:nvCxnSpPr>
+        <p:spPr>
+          <a:xfrm flipV="1">
+            <a:off x="1389208" y="391345"/>
+            <a:ext cx="287802" cy="91376"/>
+          </a:xfrm>
+          <a:prstGeom prst="straightConnector1">
+            <a:avLst/>
+          </a:prstGeom>
+          <a:ln w="19050">
+            <a:solidFill>
+              <a:schemeClr val="tx1"/>
+            </a:solidFill>
+            <a:headEnd w="sm" len="sm"/>
+            <a:tailEnd type="arrow" w="sm" len="sm"/>
+          </a:ln>
+        </p:spPr>
+        <p:style>
+          <a:lnRef idx="1">
+            <a:schemeClr val="accent1"/>
+          </a:lnRef>
+          <a:fillRef idx="0">
+            <a:schemeClr val="accent1"/>
+          </a:fillRef>
+          <a:effectRef idx="0">
+            <a:schemeClr val="accent1"/>
+          </a:effectRef>
+          <a:fontRef idx="minor">
+            <a:schemeClr val="tx1"/>
+          </a:fontRef>
+        </p:style>
+      </p:cxnSp>
+      <p:cxnSp>
+        <p:nvCxnSpPr>
+          <p:cNvPr id="11" name="Straight Arrow Connector 10"/>
+          <p:cNvCxnSpPr/>
+          <p:nvPr/>
+        </p:nvCxnSpPr>
+        <p:spPr>
+          <a:xfrm>
+            <a:off x="1688553" y="1428280"/>
+            <a:ext cx="1206212" cy="0"/>
+          </a:xfrm>
+          <a:prstGeom prst="straightConnector1">
+            <a:avLst/>
+          </a:prstGeom>
+          <a:ln w="19050">
+            <a:solidFill>
+              <a:srgbClr val="C00000"/>
+            </a:solidFill>
+            <a:headEnd w="sm" len="sm"/>
+            <a:tailEnd type="none" w="sm" len="sm"/>
+          </a:ln>
+        </p:spPr>
+        <p:style>
+          <a:lnRef idx="1">
+            <a:schemeClr val="accent1"/>
+          </a:lnRef>
+          <a:fillRef idx="0">
+            <a:schemeClr val="accent1"/>
+          </a:fillRef>
+          <a:effectRef idx="0">
+            <a:schemeClr val="accent1"/>
+          </a:effectRef>
+          <a:fontRef idx="minor">
+            <a:schemeClr val="tx1"/>
+          </a:fontRef>
+        </p:style>
+      </p:cxnSp>
+      <p:cxnSp>
+        <p:nvCxnSpPr>
+          <p:cNvPr id="12" name="Straight Arrow Connector 11"/>
+          <p:cNvCxnSpPr/>
+          <p:nvPr/>
+        </p:nvCxnSpPr>
+        <p:spPr>
+          <a:xfrm>
+            <a:off x="1824463" y="1543495"/>
+            <a:ext cx="966292" cy="0"/>
+          </a:xfrm>
+          <a:prstGeom prst="straightConnector1">
+            <a:avLst/>
+          </a:prstGeom>
+          <a:ln w="19050">
+            <a:solidFill>
+              <a:srgbClr val="C00000"/>
+            </a:solidFill>
+            <a:headEnd w="sm" len="sm"/>
+            <a:tailEnd type="none" w="sm" len="sm"/>
+          </a:ln>
+        </p:spPr>
+        <p:style>
+          <a:lnRef idx="1">
+            <a:schemeClr val="accent1"/>
+          </a:lnRef>
+          <a:fillRef idx="0">
+            <a:schemeClr val="accent1"/>
+          </a:fillRef>
+          <a:effectRef idx="0">
+            <a:schemeClr val="accent1"/>
+          </a:effectRef>
+          <a:fontRef idx="minor">
+            <a:schemeClr val="tx1"/>
+          </a:fontRef>
+        </p:style>
+      </p:cxnSp>
+      <p:sp>
+        <p:nvSpPr>
+          <p:cNvPr id="13" name="Cross 12"/>
+          <p:cNvSpPr/>
+          <p:nvPr/>
+        </p:nvSpPr>
+        <p:spPr>
+          <a:xfrm rot="2672377">
+            <a:off x="1459836" y="1370672"/>
+            <a:ext cx="192025" cy="192025"/>
+          </a:xfrm>
+          <a:prstGeom prst="plus">
+            <a:avLst>
+              <a:gd name="adj" fmla="val 41501"/>
+            </a:avLst>
+          </a:prstGeom>
+          <a:solidFill>
+            <a:srgbClr val="C00000"/>
+          </a:solidFill>
+          <a:ln>
+            <a:noFill/>
+          </a:ln>
+        </p:spPr>
+        <p:style>
+          <a:lnRef idx="2">
+            <a:schemeClr val="accent1">
+              <a:shade val="50000"/>
+            </a:schemeClr>
+          </a:lnRef>
+          <a:fillRef idx="1">
+            <a:schemeClr val="accent1"/>
+          </a:fillRef>
+          <a:effectRef idx="0">
+            <a:schemeClr val="accent1"/>
+          </a:effectRef>
+          <a:fontRef idx="minor">
+            <a:schemeClr val="lt1"/>
+          </a:fontRef>
+        </p:style>
+        <p:txBody>
+          <a:bodyPr rtlCol="0" anchor="ctr"/>
+          <a:lstStyle/>
+          <a:p>
+            <a:pPr algn="ctr"/>
+            <a:endParaRPr lang="en-US"/>
+          </a:p>
+        </p:txBody>
+      </p:sp>
+    </p:spTree>
+    <p:extLst>
+      <p:ext uri="{BB962C8B-B14F-4D97-AF65-F5344CB8AC3E}">
+        <p14:creationId xmlns:p14="http://schemas.microsoft.com/office/powerpoint/2010/main" val="2603741435"/>
+      </p:ext>
+    </p:extLst>
+  </p:cSld>
+  <p:clrMapOvr>
+    <a:masterClrMapping/>
+  </p:clrMapOvr>
+</p:sld>
+</file>
+
 <file path=ppt/slides/slide2.xml><?xml version="1.0" encoding="utf-8"?>
 <p:sld xmlns:a="http://schemas.openxmlformats.org/drawingml/2006/main" xmlns:r="http://schemas.openxmlformats.org/officeDocument/2006/relationships" xmlns:p="http://schemas.openxmlformats.org/presentationml/2006/main">
   <p:cSld>
@@ -9740,6 +11966,816 @@
     <p:extLst>
       <p:ext uri="{BB962C8B-B14F-4D97-AF65-F5344CB8AC3E}">
         <p14:creationId xmlns:p14="http://schemas.microsoft.com/office/powerpoint/2010/main" val="2005262311"/>
+      </p:ext>
+    </p:extLst>
+  </p:cSld>
+  <p:clrMapOvr>
+    <a:masterClrMapping/>
+  </p:clrMapOvr>
+</p:sld>
+</file>
+
+<file path=ppt/slides/slide20.xml><?xml version="1.0" encoding="utf-8"?>
+<p:sld xmlns:a="http://schemas.openxmlformats.org/drawingml/2006/main" xmlns:r="http://schemas.openxmlformats.org/officeDocument/2006/relationships" xmlns:p="http://schemas.openxmlformats.org/presentationml/2006/main">
+  <p:cSld>
+    <p:spTree>
+      <p:nvGrpSpPr>
+        <p:cNvPr id="1" name=""/>
+        <p:cNvGrpSpPr/>
+        <p:nvPr/>
+      </p:nvGrpSpPr>
+      <p:grpSpPr>
+        <a:xfrm>
+          <a:off x="0" y="0"/>
+          <a:ext cx="0" cy="0"/>
+          <a:chOff x="0" y="0"/>
+          <a:chExt cx="0" cy="0"/>
+        </a:xfrm>
+      </p:grpSpPr>
+      <p:sp>
+        <p:nvSpPr>
+          <p:cNvPr id="10" name="Rectangle 9"/>
+          <p:cNvSpPr/>
+          <p:nvPr/>
+        </p:nvSpPr>
+        <p:spPr>
+          <a:xfrm>
+            <a:off x="25595" y="199723"/>
+            <a:ext cx="1459389" cy="1458988"/>
+          </a:xfrm>
+          <a:prstGeom prst="rect">
+            <a:avLst/>
+          </a:prstGeom>
+          <a:solidFill>
+            <a:srgbClr val="FFFFCC"/>
+          </a:solidFill>
+          <a:ln w="12700">
+            <a:solidFill>
+              <a:schemeClr val="tx1"/>
+            </a:solidFill>
+          </a:ln>
+        </p:spPr>
+        <p:style>
+          <a:lnRef idx="2">
+            <a:schemeClr val="accent1">
+              <a:shade val="50000"/>
+            </a:schemeClr>
+          </a:lnRef>
+          <a:fillRef idx="1">
+            <a:schemeClr val="accent1"/>
+          </a:fillRef>
+          <a:effectRef idx="0">
+            <a:schemeClr val="accent1"/>
+          </a:effectRef>
+          <a:fontRef idx="minor">
+            <a:schemeClr val="lt1"/>
+          </a:fontRef>
+        </p:style>
+        <p:txBody>
+          <a:bodyPr rtlCol="0" anchor="ctr"/>
+          <a:lstStyle/>
+          <a:p>
+            <a:r>
+              <a:rPr lang="en-US" sz="900" dirty="0">
+                <a:solidFill>
+                  <a:schemeClr val="tx1"/>
+                </a:solidFill>
+                <a:latin typeface="Consolas" pitchFamily="49" charset="0"/>
+                <a:cs typeface="Consolas" pitchFamily="49" charset="0"/>
+              </a:rPr>
+              <a:t>char </a:t>
+            </a:r>
+            <a:r>
+              <a:rPr lang="en-US" sz="900" dirty="0" smtClean="0">
+                <a:solidFill>
+                  <a:schemeClr val="tx1"/>
+                </a:solidFill>
+                <a:latin typeface="Consolas" pitchFamily="49" charset="0"/>
+                <a:cs typeface="Consolas" pitchFamily="49" charset="0"/>
+              </a:rPr>
+              <a:t>*x </a:t>
+            </a:r>
+            <a:r>
+              <a:rPr lang="en-US" sz="900" dirty="0">
+                <a:solidFill>
+                  <a:schemeClr val="tx1"/>
+                </a:solidFill>
+                <a:latin typeface="Consolas" pitchFamily="49" charset="0"/>
+                <a:cs typeface="Consolas" pitchFamily="49" charset="0"/>
+              </a:rPr>
+              <a:t>= </a:t>
+            </a:r>
+            <a:r>
+              <a:rPr lang="en-US" sz="900" dirty="0" err="1" smtClean="0">
+                <a:solidFill>
+                  <a:schemeClr val="tx1"/>
+                </a:solidFill>
+                <a:latin typeface="Consolas" pitchFamily="49" charset="0"/>
+                <a:cs typeface="Consolas" pitchFamily="49" charset="0"/>
+              </a:rPr>
+              <a:t>malloc</a:t>
+            </a:r>
+            <a:r>
+              <a:rPr lang="en-US" sz="900" dirty="0" smtClean="0">
+                <a:solidFill>
+                  <a:schemeClr val="tx1"/>
+                </a:solidFill>
+                <a:latin typeface="Consolas" pitchFamily="49" charset="0"/>
+                <a:cs typeface="Consolas" pitchFamily="49" charset="0"/>
+              </a:rPr>
+              <a:t>(8);</a:t>
+            </a:r>
+            <a:endParaRPr lang="en-US" sz="900" dirty="0">
+              <a:solidFill>
+                <a:schemeClr val="tx1"/>
+              </a:solidFill>
+              <a:latin typeface="Consolas" pitchFamily="49" charset="0"/>
+              <a:cs typeface="Consolas" pitchFamily="49" charset="0"/>
+            </a:endParaRPr>
+          </a:p>
+          <a:p>
+            <a:endParaRPr lang="en-US" sz="900" dirty="0">
+              <a:solidFill>
+                <a:schemeClr val="tx1"/>
+              </a:solidFill>
+              <a:latin typeface="Consolas" pitchFamily="49" charset="0"/>
+              <a:cs typeface="Consolas" pitchFamily="49" charset="0"/>
+            </a:endParaRPr>
+          </a:p>
+          <a:p>
+            <a:r>
+              <a:rPr lang="en-US" sz="900" dirty="0">
+                <a:solidFill>
+                  <a:schemeClr val="tx1"/>
+                </a:solidFill>
+                <a:latin typeface="Consolas" pitchFamily="49" charset="0"/>
+                <a:cs typeface="Consolas" pitchFamily="49" charset="0"/>
+              </a:rPr>
+              <a:t>char </a:t>
+            </a:r>
+            <a:r>
+              <a:rPr lang="en-US" sz="900" dirty="0" smtClean="0">
+                <a:solidFill>
+                  <a:schemeClr val="tx1"/>
+                </a:solidFill>
+                <a:latin typeface="Consolas" pitchFamily="49" charset="0"/>
+                <a:cs typeface="Consolas" pitchFamily="49" charset="0"/>
+              </a:rPr>
+              <a:t>*y </a:t>
+            </a:r>
+            <a:r>
+              <a:rPr lang="en-US" sz="900" dirty="0">
+                <a:solidFill>
+                  <a:schemeClr val="tx1"/>
+                </a:solidFill>
+                <a:latin typeface="Consolas" pitchFamily="49" charset="0"/>
+                <a:cs typeface="Consolas" pitchFamily="49" charset="0"/>
+              </a:rPr>
+              <a:t>= </a:t>
+            </a:r>
+            <a:r>
+              <a:rPr lang="en-US" sz="900" dirty="0" smtClean="0">
+                <a:solidFill>
+                  <a:schemeClr val="tx1"/>
+                </a:solidFill>
+                <a:latin typeface="Consolas" pitchFamily="49" charset="0"/>
+                <a:cs typeface="Consolas" pitchFamily="49" charset="0"/>
+              </a:rPr>
+              <a:t>x </a:t>
+            </a:r>
+            <a:r>
+              <a:rPr lang="en-US" sz="900" dirty="0">
+                <a:solidFill>
+                  <a:schemeClr val="tx1"/>
+                </a:solidFill>
+                <a:latin typeface="Consolas" pitchFamily="49" charset="0"/>
+                <a:cs typeface="Consolas" pitchFamily="49" charset="0"/>
+              </a:rPr>
+              <a:t>+ </a:t>
+            </a:r>
+            <a:r>
+              <a:rPr lang="en-US" sz="900" dirty="0" smtClean="0">
+                <a:solidFill>
+                  <a:schemeClr val="tx1"/>
+                </a:solidFill>
+                <a:latin typeface="Consolas" pitchFamily="49" charset="0"/>
+                <a:cs typeface="Consolas" pitchFamily="49" charset="0"/>
+              </a:rPr>
+              <a:t>4;</a:t>
+            </a:r>
+            <a:endParaRPr lang="en-US" sz="900" dirty="0">
+              <a:solidFill>
+                <a:schemeClr val="tx1"/>
+              </a:solidFill>
+              <a:latin typeface="Consolas" pitchFamily="49" charset="0"/>
+              <a:cs typeface="Consolas" pitchFamily="49" charset="0"/>
+            </a:endParaRPr>
+          </a:p>
+          <a:p>
+            <a:endParaRPr lang="en-US" sz="900" dirty="0">
+              <a:solidFill>
+                <a:schemeClr val="tx1"/>
+              </a:solidFill>
+              <a:latin typeface="Consolas" pitchFamily="49" charset="0"/>
+              <a:cs typeface="Consolas" pitchFamily="49" charset="0"/>
+            </a:endParaRPr>
+          </a:p>
+          <a:p>
+            <a:r>
+              <a:rPr lang="en-US" sz="900" dirty="0" smtClean="0">
+                <a:solidFill>
+                  <a:schemeClr val="tx1"/>
+                </a:solidFill>
+                <a:latin typeface="Consolas" pitchFamily="49" charset="0"/>
+                <a:cs typeface="Consolas" pitchFamily="49" charset="0"/>
+              </a:rPr>
+              <a:t>x[7] </a:t>
+            </a:r>
+            <a:r>
+              <a:rPr lang="en-US" sz="900" dirty="0">
+                <a:solidFill>
+                  <a:schemeClr val="tx1"/>
+                </a:solidFill>
+                <a:latin typeface="Consolas" pitchFamily="49" charset="0"/>
+                <a:cs typeface="Consolas" pitchFamily="49" charset="0"/>
+              </a:rPr>
+              <a:t>= 1;</a:t>
+            </a:r>
+          </a:p>
+          <a:p>
+            <a:endParaRPr lang="en-US" sz="900" dirty="0">
+              <a:solidFill>
+                <a:schemeClr val="tx1"/>
+              </a:solidFill>
+              <a:latin typeface="Consolas" pitchFamily="49" charset="0"/>
+              <a:cs typeface="Consolas" pitchFamily="49" charset="0"/>
+            </a:endParaRPr>
+          </a:p>
+          <a:p>
+            <a:r>
+              <a:rPr lang="en-US" sz="900" dirty="0" smtClean="0">
+                <a:solidFill>
+                  <a:schemeClr val="tx1"/>
+                </a:solidFill>
+                <a:latin typeface="Consolas" pitchFamily="49" charset="0"/>
+                <a:cs typeface="Consolas" pitchFamily="49" charset="0"/>
+              </a:rPr>
+              <a:t>y[7] </a:t>
+            </a:r>
+            <a:r>
+              <a:rPr lang="en-US" sz="900" dirty="0">
+                <a:solidFill>
+                  <a:schemeClr val="tx1"/>
+                </a:solidFill>
+                <a:latin typeface="Consolas" pitchFamily="49" charset="0"/>
+                <a:cs typeface="Consolas" pitchFamily="49" charset="0"/>
+              </a:rPr>
+              <a:t>= 1;</a:t>
+            </a:r>
+          </a:p>
+        </p:txBody>
+      </p:sp>
+      <p:sp>
+        <p:nvSpPr>
+          <p:cNvPr id="15" name="TextBox 14"/>
+          <p:cNvSpPr txBox="1"/>
+          <p:nvPr/>
+        </p:nvSpPr>
+        <p:spPr>
+          <a:xfrm>
+            <a:off x="334110" y="-31110"/>
+            <a:ext cx="768100" cy="230832"/>
+          </a:xfrm>
+          <a:prstGeom prst="rect">
+            <a:avLst/>
+          </a:prstGeom>
+          <a:noFill/>
+        </p:spPr>
+        <p:txBody>
+          <a:bodyPr wrap="square" rtlCol="0">
+            <a:spAutoFit/>
+          </a:bodyPr>
+          <a:lstStyle/>
+          <a:p>
+            <a:pPr algn="ctr"/>
+            <a:r>
+              <a:rPr lang="en-US" sz="900" dirty="0" smtClean="0">
+                <a:latin typeface="Times New Roman" pitchFamily="18" charset="0"/>
+                <a:cs typeface="Times New Roman" pitchFamily="18" charset="0"/>
+              </a:rPr>
+              <a:t>Main Core</a:t>
+            </a:r>
+            <a:endParaRPr lang="en-US" sz="900" dirty="0">
+              <a:latin typeface="Times New Roman" pitchFamily="18" charset="0"/>
+              <a:cs typeface="Times New Roman" pitchFamily="18" charset="0"/>
+            </a:endParaRPr>
+          </a:p>
+        </p:txBody>
+      </p:sp>
+      <p:sp>
+        <p:nvSpPr>
+          <p:cNvPr id="16" name="TextBox 15"/>
+          <p:cNvSpPr txBox="1"/>
+          <p:nvPr/>
+        </p:nvSpPr>
+        <p:spPr>
+          <a:xfrm>
+            <a:off x="1984249" y="-31110"/>
+            <a:ext cx="768100" cy="230832"/>
+          </a:xfrm>
+          <a:prstGeom prst="rect">
+            <a:avLst/>
+          </a:prstGeom>
+          <a:noFill/>
+        </p:spPr>
+        <p:txBody>
+          <a:bodyPr wrap="square" rtlCol="0">
+            <a:spAutoFit/>
+          </a:bodyPr>
+          <a:lstStyle/>
+          <a:p>
+            <a:pPr algn="ctr"/>
+            <a:r>
+              <a:rPr lang="en-US" sz="900" dirty="0" smtClean="0">
+                <a:latin typeface="Times New Roman" pitchFamily="18" charset="0"/>
+                <a:cs typeface="Times New Roman" pitchFamily="18" charset="0"/>
+              </a:rPr>
+              <a:t>Monitor</a:t>
+            </a:r>
+            <a:endParaRPr lang="en-US" sz="900" dirty="0">
+              <a:latin typeface="Times New Roman" pitchFamily="18" charset="0"/>
+              <a:cs typeface="Times New Roman" pitchFamily="18" charset="0"/>
+            </a:endParaRPr>
+          </a:p>
+        </p:txBody>
+      </p:sp>
+      <p:sp>
+        <p:nvSpPr>
+          <p:cNvPr id="17" name="Rectangle 16"/>
+          <p:cNvSpPr/>
+          <p:nvPr/>
+        </p:nvSpPr>
+        <p:spPr>
+          <a:xfrm>
+            <a:off x="1600200" y="194373"/>
+            <a:ext cx="1536199" cy="1464337"/>
+          </a:xfrm>
+          <a:prstGeom prst="rect">
+            <a:avLst/>
+          </a:prstGeom>
+          <a:solidFill>
+            <a:srgbClr val="FFFFCC"/>
+          </a:solidFill>
+          <a:ln w="12700">
+            <a:solidFill>
+              <a:schemeClr val="tx1"/>
+            </a:solidFill>
+            <a:prstDash val="solid"/>
+          </a:ln>
+        </p:spPr>
+        <p:style>
+          <a:lnRef idx="2">
+            <a:schemeClr val="accent1">
+              <a:shade val="50000"/>
+            </a:schemeClr>
+          </a:lnRef>
+          <a:fillRef idx="1">
+            <a:schemeClr val="accent1"/>
+          </a:fillRef>
+          <a:effectRef idx="0">
+            <a:schemeClr val="accent1"/>
+          </a:effectRef>
+          <a:fontRef idx="minor">
+            <a:schemeClr val="lt1"/>
+          </a:fontRef>
+        </p:style>
+        <p:txBody>
+          <a:bodyPr rtlCol="0" anchor="ctr"/>
+          <a:lstStyle/>
+          <a:p>
+            <a:r>
+              <a:rPr lang="en-US" sz="900" dirty="0" smtClean="0">
+                <a:solidFill>
+                  <a:schemeClr val="tx1"/>
+                </a:solidFill>
+                <a:latin typeface="Consolas" pitchFamily="49" charset="0"/>
+                <a:cs typeface="Consolas" pitchFamily="49" charset="0"/>
+              </a:rPr>
+              <a:t>metadata[x] = {x,x+7}</a:t>
+            </a:r>
+          </a:p>
+          <a:p>
+            <a:endParaRPr lang="en-US" sz="900" dirty="0">
+              <a:solidFill>
+                <a:schemeClr val="tx1"/>
+              </a:solidFill>
+              <a:latin typeface="Consolas" pitchFamily="49" charset="0"/>
+              <a:cs typeface="Consolas" pitchFamily="49" charset="0"/>
+            </a:endParaRPr>
+          </a:p>
+          <a:p>
+            <a:r>
+              <a:rPr lang="en-US" sz="900" dirty="0" smtClean="0">
+                <a:solidFill>
+                  <a:schemeClr val="tx1"/>
+                </a:solidFill>
+                <a:latin typeface="Consolas" pitchFamily="49" charset="0"/>
+                <a:cs typeface="Consolas" pitchFamily="49" charset="0"/>
+              </a:rPr>
+              <a:t>metadata[y] = </a:t>
+            </a:r>
+          </a:p>
+          <a:p>
+            <a:r>
+              <a:rPr lang="en-US" sz="900" dirty="0">
+                <a:solidFill>
+                  <a:schemeClr val="tx1"/>
+                </a:solidFill>
+                <a:latin typeface="Consolas" pitchFamily="49" charset="0"/>
+                <a:cs typeface="Consolas" pitchFamily="49" charset="0"/>
+              </a:rPr>
+              <a:t> </a:t>
+            </a:r>
+            <a:r>
+              <a:rPr lang="en-US" sz="900" dirty="0" smtClean="0">
+                <a:solidFill>
+                  <a:schemeClr val="tx1"/>
+                </a:solidFill>
+                <a:latin typeface="Consolas" pitchFamily="49" charset="0"/>
+                <a:cs typeface="Consolas" pitchFamily="49" charset="0"/>
+              </a:rPr>
+              <a:t> metadata[x]</a:t>
+            </a:r>
+          </a:p>
+          <a:p>
+            <a:endParaRPr lang="en-US" sz="900" dirty="0">
+              <a:solidFill>
+                <a:schemeClr val="tx1"/>
+              </a:solidFill>
+              <a:latin typeface="Consolas" pitchFamily="49" charset="0"/>
+              <a:cs typeface="Consolas" pitchFamily="49" charset="0"/>
+            </a:endParaRPr>
+          </a:p>
+          <a:p>
+            <a:r>
+              <a:rPr lang="en-US" sz="900" dirty="0" smtClean="0">
+                <a:solidFill>
+                  <a:schemeClr val="tx1"/>
+                </a:solidFill>
+                <a:latin typeface="Consolas" pitchFamily="49" charset="0"/>
+                <a:cs typeface="Consolas" pitchFamily="49" charset="0"/>
+              </a:rPr>
+              <a:t>x+7 in metadata[x]?</a:t>
+            </a:r>
+          </a:p>
+          <a:p>
+            <a:r>
+              <a:rPr lang="en-US" sz="900" dirty="0" smtClean="0">
+                <a:solidFill>
+                  <a:schemeClr val="tx1"/>
+                </a:solidFill>
+                <a:latin typeface="Consolas" pitchFamily="49" charset="0"/>
+                <a:cs typeface="Consolas" pitchFamily="49" charset="0"/>
+              </a:rPr>
+              <a:t>  </a:t>
+            </a:r>
+            <a:r>
+              <a:rPr lang="en-US" sz="900" dirty="0" smtClean="0">
+                <a:solidFill>
+                  <a:srgbClr val="C00000"/>
+                </a:solidFill>
+                <a:latin typeface="Consolas" pitchFamily="49" charset="0"/>
+                <a:cs typeface="Consolas" pitchFamily="49" charset="0"/>
+              </a:rPr>
+              <a:t>No, raise error.</a:t>
+            </a:r>
+            <a:endParaRPr lang="en-US" sz="900" dirty="0">
+              <a:solidFill>
+                <a:srgbClr val="C00000"/>
+              </a:solidFill>
+              <a:latin typeface="Consolas" pitchFamily="49" charset="0"/>
+              <a:cs typeface="Consolas" pitchFamily="49" charset="0"/>
+            </a:endParaRPr>
+          </a:p>
+          <a:p>
+            <a:endParaRPr lang="en-US" sz="900" dirty="0">
+              <a:solidFill>
+                <a:schemeClr val="tx1"/>
+              </a:solidFill>
+              <a:latin typeface="Consolas" pitchFamily="49" charset="0"/>
+              <a:cs typeface="Consolas" pitchFamily="49" charset="0"/>
+            </a:endParaRPr>
+          </a:p>
+          <a:p>
+            <a:r>
+              <a:rPr lang="en-US" sz="900" dirty="0" smtClean="0">
+                <a:solidFill>
+                  <a:schemeClr val="tx1"/>
+                </a:solidFill>
+                <a:latin typeface="Consolas" pitchFamily="49" charset="0"/>
+                <a:cs typeface="Consolas" pitchFamily="49" charset="0"/>
+              </a:rPr>
+              <a:t>y+7 in metadata[y]?</a:t>
+            </a:r>
+          </a:p>
+          <a:p>
+            <a:r>
+              <a:rPr lang="en-US" sz="900" dirty="0">
+                <a:solidFill>
+                  <a:schemeClr val="tx1"/>
+                </a:solidFill>
+                <a:latin typeface="Consolas" pitchFamily="49" charset="0"/>
+                <a:cs typeface="Consolas" pitchFamily="49" charset="0"/>
+              </a:rPr>
+              <a:t> </a:t>
+            </a:r>
+            <a:r>
+              <a:rPr lang="en-US" sz="900" dirty="0" smtClean="0">
+                <a:solidFill>
+                  <a:schemeClr val="tx1"/>
+                </a:solidFill>
+                <a:latin typeface="Consolas" pitchFamily="49" charset="0"/>
+                <a:cs typeface="Consolas" pitchFamily="49" charset="0"/>
+              </a:rPr>
+              <a:t> No, raise error.</a:t>
+            </a:r>
+          </a:p>
+        </p:txBody>
+      </p:sp>
+      <p:cxnSp>
+        <p:nvCxnSpPr>
+          <p:cNvPr id="20" name="Straight Arrow Connector 19"/>
+          <p:cNvCxnSpPr/>
+          <p:nvPr/>
+        </p:nvCxnSpPr>
+        <p:spPr>
+          <a:xfrm flipV="1">
+            <a:off x="1177744" y="621775"/>
+            <a:ext cx="499265" cy="153620"/>
+          </a:xfrm>
+          <a:prstGeom prst="straightConnector1">
+            <a:avLst/>
+          </a:prstGeom>
+          <a:ln w="19050">
+            <a:solidFill>
+              <a:schemeClr val="tx1"/>
+            </a:solidFill>
+            <a:headEnd w="sm" len="sm"/>
+            <a:tailEnd type="arrow" w="sm" len="sm"/>
+          </a:ln>
+        </p:spPr>
+        <p:style>
+          <a:lnRef idx="1">
+            <a:schemeClr val="accent1"/>
+          </a:lnRef>
+          <a:fillRef idx="0">
+            <a:schemeClr val="accent1"/>
+          </a:fillRef>
+          <a:effectRef idx="0">
+            <a:schemeClr val="accent1"/>
+          </a:effectRef>
+          <a:fontRef idx="minor">
+            <a:schemeClr val="tx1"/>
+          </a:fontRef>
+        </p:style>
+      </p:cxnSp>
+      <p:cxnSp>
+        <p:nvCxnSpPr>
+          <p:cNvPr id="28" name="Straight Arrow Connector 27"/>
+          <p:cNvCxnSpPr/>
+          <p:nvPr/>
+        </p:nvCxnSpPr>
+        <p:spPr>
+          <a:xfrm>
+            <a:off x="713843" y="1075458"/>
+            <a:ext cx="963167" cy="0"/>
+          </a:xfrm>
+          <a:prstGeom prst="straightConnector1">
+            <a:avLst/>
+          </a:prstGeom>
+          <a:ln w="19050">
+            <a:solidFill>
+              <a:schemeClr val="tx1"/>
+            </a:solidFill>
+            <a:headEnd w="sm" len="sm"/>
+            <a:tailEnd type="arrow" w="sm" len="sm"/>
+          </a:ln>
+        </p:spPr>
+        <p:style>
+          <a:lnRef idx="1">
+            <a:schemeClr val="accent1"/>
+          </a:lnRef>
+          <a:fillRef idx="0">
+            <a:schemeClr val="accent1"/>
+          </a:fillRef>
+          <a:effectRef idx="0">
+            <a:schemeClr val="accent1"/>
+          </a:effectRef>
+          <a:fontRef idx="minor">
+            <a:schemeClr val="tx1"/>
+          </a:fontRef>
+        </p:style>
+      </p:cxnSp>
+      <p:cxnSp>
+        <p:nvCxnSpPr>
+          <p:cNvPr id="30" name="Straight Arrow Connector 29"/>
+          <p:cNvCxnSpPr/>
+          <p:nvPr/>
+        </p:nvCxnSpPr>
+        <p:spPr>
+          <a:xfrm>
+            <a:off x="713842" y="1351470"/>
+            <a:ext cx="963168" cy="115215"/>
+          </a:xfrm>
+          <a:prstGeom prst="straightConnector1">
+            <a:avLst/>
+          </a:prstGeom>
+          <a:ln w="19050">
+            <a:solidFill>
+              <a:schemeClr val="tx1"/>
+            </a:solidFill>
+            <a:headEnd w="sm" len="sm"/>
+            <a:tailEnd type="arrow" w="sm" len="sm"/>
+          </a:ln>
+        </p:spPr>
+        <p:style>
+          <a:lnRef idx="1">
+            <a:schemeClr val="accent1"/>
+          </a:lnRef>
+          <a:fillRef idx="0">
+            <a:schemeClr val="accent1"/>
+          </a:fillRef>
+          <a:effectRef idx="0">
+            <a:schemeClr val="accent1"/>
+          </a:effectRef>
+          <a:fontRef idx="minor">
+            <a:schemeClr val="tx1"/>
+          </a:fontRef>
+        </p:style>
+      </p:cxnSp>
+      <p:cxnSp>
+        <p:nvCxnSpPr>
+          <p:cNvPr id="31" name="Straight Arrow Connector 30"/>
+          <p:cNvCxnSpPr/>
+          <p:nvPr/>
+        </p:nvCxnSpPr>
+        <p:spPr>
+          <a:xfrm flipV="1">
+            <a:off x="1389208" y="391345"/>
+            <a:ext cx="287802" cy="91376"/>
+          </a:xfrm>
+          <a:prstGeom prst="straightConnector1">
+            <a:avLst/>
+          </a:prstGeom>
+          <a:ln w="19050">
+            <a:solidFill>
+              <a:schemeClr val="tx1"/>
+            </a:solidFill>
+            <a:headEnd w="sm" len="sm"/>
+            <a:tailEnd type="arrow" w="sm" len="sm"/>
+          </a:ln>
+        </p:spPr>
+        <p:style>
+          <a:lnRef idx="1">
+            <a:schemeClr val="accent1"/>
+          </a:lnRef>
+          <a:fillRef idx="0">
+            <a:schemeClr val="accent1"/>
+          </a:fillRef>
+          <a:effectRef idx="0">
+            <a:schemeClr val="accent1"/>
+          </a:effectRef>
+          <a:fontRef idx="minor">
+            <a:schemeClr val="tx1"/>
+          </a:fontRef>
+        </p:style>
+      </p:cxnSp>
+      <p:cxnSp>
+        <p:nvCxnSpPr>
+          <p:cNvPr id="11" name="Straight Arrow Connector 10"/>
+          <p:cNvCxnSpPr/>
+          <p:nvPr/>
+        </p:nvCxnSpPr>
+        <p:spPr>
+          <a:xfrm>
+            <a:off x="1704503" y="301254"/>
+            <a:ext cx="1316682" cy="0"/>
+          </a:xfrm>
+          <a:prstGeom prst="straightConnector1">
+            <a:avLst/>
+          </a:prstGeom>
+          <a:ln w="19050">
+            <a:solidFill>
+              <a:srgbClr val="C00000"/>
+            </a:solidFill>
+            <a:headEnd w="sm" len="sm"/>
+            <a:tailEnd type="none" w="sm" len="sm"/>
+          </a:ln>
+        </p:spPr>
+        <p:style>
+          <a:lnRef idx="1">
+            <a:schemeClr val="accent1"/>
+          </a:lnRef>
+          <a:fillRef idx="0">
+            <a:schemeClr val="accent1"/>
+          </a:fillRef>
+          <a:effectRef idx="0">
+            <a:schemeClr val="accent1"/>
+          </a:effectRef>
+          <a:fontRef idx="minor">
+            <a:schemeClr val="tx1"/>
+          </a:fontRef>
+        </p:style>
+      </p:cxnSp>
+      <p:sp>
+        <p:nvSpPr>
+          <p:cNvPr id="12" name="Cross 11"/>
+          <p:cNvSpPr/>
+          <p:nvPr/>
+        </p:nvSpPr>
+        <p:spPr>
+          <a:xfrm rot="2672377">
+            <a:off x="1445221" y="341020"/>
+            <a:ext cx="192025" cy="192025"/>
+          </a:xfrm>
+          <a:prstGeom prst="plus">
+            <a:avLst>
+              <a:gd name="adj" fmla="val 41501"/>
+            </a:avLst>
+          </a:prstGeom>
+          <a:solidFill>
+            <a:srgbClr val="C00000"/>
+          </a:solidFill>
+          <a:ln>
+            <a:noFill/>
+          </a:ln>
+        </p:spPr>
+        <p:style>
+          <a:lnRef idx="2">
+            <a:schemeClr val="accent1">
+              <a:shade val="50000"/>
+            </a:schemeClr>
+          </a:lnRef>
+          <a:fillRef idx="1">
+            <a:schemeClr val="accent1"/>
+          </a:fillRef>
+          <a:effectRef idx="0">
+            <a:schemeClr val="accent1"/>
+          </a:effectRef>
+          <a:fontRef idx="minor">
+            <a:schemeClr val="lt1"/>
+          </a:fontRef>
+        </p:style>
+        <p:txBody>
+          <a:bodyPr rtlCol="0" anchor="ctr"/>
+          <a:lstStyle/>
+          <a:p>
+            <a:pPr algn="ctr"/>
+            <a:endParaRPr lang="en-US"/>
+          </a:p>
+        </p:txBody>
+      </p:sp>
+      <p:cxnSp>
+        <p:nvCxnSpPr>
+          <p:cNvPr id="13" name="Straight Arrow Connector 12"/>
+          <p:cNvCxnSpPr/>
+          <p:nvPr/>
+        </p:nvCxnSpPr>
+        <p:spPr>
+          <a:xfrm flipH="1">
+            <a:off x="2675540" y="391345"/>
+            <a:ext cx="96012" cy="535196"/>
+          </a:xfrm>
+          <a:prstGeom prst="straightConnector1">
+            <a:avLst/>
+          </a:prstGeom>
+          <a:ln w="19050">
+            <a:solidFill>
+              <a:srgbClr val="C00000"/>
+            </a:solidFill>
+            <a:headEnd w="sm" len="sm"/>
+            <a:tailEnd type="arrow" w="sm" len="sm"/>
+          </a:ln>
+        </p:spPr>
+        <p:style>
+          <a:lnRef idx="1">
+            <a:schemeClr val="accent1"/>
+          </a:lnRef>
+          <a:fillRef idx="0">
+            <a:schemeClr val="accent1"/>
+          </a:fillRef>
+          <a:effectRef idx="0">
+            <a:schemeClr val="accent1"/>
+          </a:effectRef>
+          <a:fontRef idx="minor">
+            <a:schemeClr val="tx1"/>
+          </a:fontRef>
+        </p:style>
+      </p:cxnSp>
+    </p:spTree>
+    <p:extLst>
+      <p:ext uri="{BB962C8B-B14F-4D97-AF65-F5344CB8AC3E}">
+        <p14:creationId xmlns:p14="http://schemas.microsoft.com/office/powerpoint/2010/main" val="2337282895"/>
       </p:ext>
     </p:extLst>
   </p:cSld>

--- a/figs_src/diagrams.pptx
+++ b/figs_src/diagrams.pptx
@@ -5,7 +5,7 @@
     <p:sldMasterId id="2147483648" r:id="rId1"/>
   </p:sldMasterIdLst>
   <p:notesMasterIdLst>
-    <p:notesMasterId r:id="rId22"/>
+    <p:notesMasterId r:id="rId23"/>
   </p:notesMasterIdLst>
   <p:sldIdLst>
     <p:sldId id="256" r:id="rId2"/>
@@ -28,6 +28,7 @@
     <p:sldId id="279" r:id="rId19"/>
     <p:sldId id="280" r:id="rId20"/>
     <p:sldId id="281" r:id="rId21"/>
+    <p:sldId id="282" r:id="rId22"/>
   </p:sldIdLst>
   <p:sldSz cx="3200400" cy="7772400"/>
   <p:notesSz cx="2743200" cy="7315200"/>
@@ -211,7 +212,7 @@
           <a:p>
             <a:fld id="{843567C3-09B7-4EC5-8695-9659B6A4537F}" type="datetimeFigureOut">
               <a:rPr lang="en-US" smtClean="0"/>
-              <a:t>9/5/2014</a:t>
+              <a:t>9/11/2014</a:t>
             </a:fld>
             <a:endParaRPr lang="en-US"/>
           </a:p>
@@ -661,7 +662,7 @@
             <a:fld id="{1D8BD707-D9CF-40AE-B4C6-C98DA3205C09}" type="datetimeFigureOut">
               <a:rPr lang="en-US" smtClean="0"/>
               <a:pPr/>
-              <a:t>9/5/2014</a:t>
+              <a:t>9/11/2014</a:t>
             </a:fld>
             <a:endParaRPr lang="en-US"/>
           </a:p>
@@ -828,7 +829,7 @@
             <a:fld id="{1D8BD707-D9CF-40AE-B4C6-C98DA3205C09}" type="datetimeFigureOut">
               <a:rPr lang="en-US" smtClean="0"/>
               <a:pPr/>
-              <a:t>9/5/2014</a:t>
+              <a:t>9/11/2014</a:t>
             </a:fld>
             <a:endParaRPr lang="en-US"/>
           </a:p>
@@ -1005,7 +1006,7 @@
             <a:fld id="{1D8BD707-D9CF-40AE-B4C6-C98DA3205C09}" type="datetimeFigureOut">
               <a:rPr lang="en-US" smtClean="0"/>
               <a:pPr/>
-              <a:t>9/5/2014</a:t>
+              <a:t>9/11/2014</a:t>
             </a:fld>
             <a:endParaRPr lang="en-US"/>
           </a:p>
@@ -1172,7 +1173,7 @@
             <a:fld id="{1D8BD707-D9CF-40AE-B4C6-C98DA3205C09}" type="datetimeFigureOut">
               <a:rPr lang="en-US" smtClean="0"/>
               <a:pPr/>
-              <a:t>9/5/2014</a:t>
+              <a:t>9/11/2014</a:t>
             </a:fld>
             <a:endParaRPr lang="en-US"/>
           </a:p>
@@ -1415,7 +1416,7 @@
             <a:fld id="{1D8BD707-D9CF-40AE-B4C6-C98DA3205C09}" type="datetimeFigureOut">
               <a:rPr lang="en-US" smtClean="0"/>
               <a:pPr/>
-              <a:t>9/5/2014</a:t>
+              <a:t>9/11/2014</a:t>
             </a:fld>
             <a:endParaRPr lang="en-US"/>
           </a:p>
@@ -1700,7 +1701,7 @@
             <a:fld id="{1D8BD707-D9CF-40AE-B4C6-C98DA3205C09}" type="datetimeFigureOut">
               <a:rPr lang="en-US" smtClean="0"/>
               <a:pPr/>
-              <a:t>9/5/2014</a:t>
+              <a:t>9/11/2014</a:t>
             </a:fld>
             <a:endParaRPr lang="en-US"/>
           </a:p>
@@ -2119,7 +2120,7 @@
             <a:fld id="{1D8BD707-D9CF-40AE-B4C6-C98DA3205C09}" type="datetimeFigureOut">
               <a:rPr lang="en-US" smtClean="0"/>
               <a:pPr/>
-              <a:t>9/5/2014</a:t>
+              <a:t>9/11/2014</a:t>
             </a:fld>
             <a:endParaRPr lang="en-US"/>
           </a:p>
@@ -2234,7 +2235,7 @@
             <a:fld id="{1D8BD707-D9CF-40AE-B4C6-C98DA3205C09}" type="datetimeFigureOut">
               <a:rPr lang="en-US" smtClean="0"/>
               <a:pPr/>
-              <a:t>9/5/2014</a:t>
+              <a:t>9/11/2014</a:t>
             </a:fld>
             <a:endParaRPr lang="en-US"/>
           </a:p>
@@ -2326,7 +2327,7 @@
             <a:fld id="{1D8BD707-D9CF-40AE-B4C6-C98DA3205C09}" type="datetimeFigureOut">
               <a:rPr lang="en-US" smtClean="0"/>
               <a:pPr/>
-              <a:t>9/5/2014</a:t>
+              <a:t>9/11/2014</a:t>
             </a:fld>
             <a:endParaRPr lang="en-US"/>
           </a:p>
@@ -2600,7 +2601,7 @@
             <a:fld id="{1D8BD707-D9CF-40AE-B4C6-C98DA3205C09}" type="datetimeFigureOut">
               <a:rPr lang="en-US" smtClean="0"/>
               <a:pPr/>
-              <a:t>9/5/2014</a:t>
+              <a:t>9/11/2014</a:t>
             </a:fld>
             <a:endParaRPr lang="en-US"/>
           </a:p>
@@ -2850,7 +2851,7 @@
             <a:fld id="{1D8BD707-D9CF-40AE-B4C6-C98DA3205C09}" type="datetimeFigureOut">
               <a:rPr lang="en-US" smtClean="0"/>
               <a:pPr/>
-              <a:t>9/5/2014</a:t>
+              <a:t>9/11/2014</a:t>
             </a:fld>
             <a:endParaRPr lang="en-US"/>
           </a:p>
@@ -3060,7 +3061,7 @@
             <a:fld id="{1D8BD707-D9CF-40AE-B4C6-C98DA3205C09}" type="datetimeFigureOut">
               <a:rPr lang="en-US" smtClean="0"/>
               <a:pPr/>
-              <a:t>9/5/2014</a:t>
+              <a:t>9/11/2014</a:t>
             </a:fld>
             <a:endParaRPr lang="en-US"/>
           </a:p>
@@ -12776,6 +12777,1036 @@
     <p:extLst>
       <p:ext uri="{BB962C8B-B14F-4D97-AF65-F5344CB8AC3E}">
         <p14:creationId xmlns:p14="http://schemas.microsoft.com/office/powerpoint/2010/main" val="2337282895"/>
+      </p:ext>
+    </p:extLst>
+  </p:cSld>
+  <p:clrMapOvr>
+    <a:masterClrMapping/>
+  </p:clrMapOvr>
+</p:sld>
+</file>
+
+<file path=ppt/slides/slide21.xml><?xml version="1.0" encoding="utf-8"?>
+<p:sld xmlns:a="http://schemas.openxmlformats.org/drawingml/2006/main" xmlns:r="http://schemas.openxmlformats.org/officeDocument/2006/relationships" xmlns:p="http://schemas.openxmlformats.org/presentationml/2006/main">
+  <p:cSld>
+    <p:spTree>
+      <p:nvGrpSpPr>
+        <p:cNvPr id="1" name=""/>
+        <p:cNvGrpSpPr/>
+        <p:nvPr/>
+      </p:nvGrpSpPr>
+      <p:grpSpPr>
+        <a:xfrm>
+          <a:off x="0" y="0"/>
+          <a:ext cx="0" cy="0"/>
+          <a:chOff x="0" y="0"/>
+          <a:chExt cx="0" cy="0"/>
+        </a:xfrm>
+      </p:grpSpPr>
+      <p:sp>
+        <p:nvSpPr>
+          <p:cNvPr id="4" name="TextBox 3"/>
+          <p:cNvSpPr txBox="1"/>
+          <p:nvPr/>
+        </p:nvSpPr>
+        <p:spPr>
+          <a:xfrm>
+            <a:off x="25595" y="164543"/>
+            <a:ext cx="1382580" cy="1384995"/>
+          </a:xfrm>
+          <a:prstGeom prst="rect">
+            <a:avLst/>
+          </a:prstGeom>
+          <a:noFill/>
+        </p:spPr>
+        <p:txBody>
+          <a:bodyPr wrap="square" rtlCol="0">
+            <a:spAutoFit/>
+          </a:bodyPr>
+          <a:lstStyle/>
+          <a:p>
+            <a:r>
+              <a:rPr lang="en-US" sz="600" dirty="0">
+                <a:latin typeface="Consolas" pitchFamily="49" charset="0"/>
+                <a:cs typeface="Consolas" pitchFamily="49" charset="0"/>
+              </a:rPr>
+              <a:t>1: call </a:t>
+            </a:r>
+            <a:r>
+              <a:rPr lang="en-US" sz="600" dirty="0" err="1">
+                <a:latin typeface="Consolas" pitchFamily="49" charset="0"/>
+                <a:cs typeface="Consolas" pitchFamily="49" charset="0"/>
+              </a:rPr>
+              <a:t>malloc</a:t>
+            </a:r>
+            <a:r>
+              <a:rPr lang="en-US" sz="600" dirty="0">
+                <a:latin typeface="Consolas" pitchFamily="49" charset="0"/>
+                <a:cs typeface="Consolas" pitchFamily="49" charset="0"/>
+              </a:rPr>
+              <a:t> ;return pointer 0x12340000 in r1</a:t>
+            </a:r>
+          </a:p>
+          <a:p>
+            <a:endParaRPr lang="en-US" sz="600" dirty="0" smtClean="0">
+              <a:latin typeface="Consolas" pitchFamily="49" charset="0"/>
+              <a:cs typeface="Consolas" pitchFamily="49" charset="0"/>
+            </a:endParaRPr>
+          </a:p>
+          <a:p>
+            <a:r>
+              <a:rPr lang="en-US" sz="600" dirty="0" smtClean="0">
+                <a:latin typeface="Consolas" pitchFamily="49" charset="0"/>
+                <a:cs typeface="Consolas" pitchFamily="49" charset="0"/>
+              </a:rPr>
+              <a:t>2</a:t>
+            </a:r>
+            <a:r>
+              <a:rPr lang="en-US" sz="600" dirty="0">
+                <a:latin typeface="Consolas" pitchFamily="49" charset="0"/>
+                <a:cs typeface="Consolas" pitchFamily="49" charset="0"/>
+              </a:rPr>
+              <a:t>: </a:t>
+            </a:r>
+            <a:r>
+              <a:rPr lang="en-US" sz="600" dirty="0" err="1" smtClean="0">
+                <a:latin typeface="Consolas" pitchFamily="49" charset="0"/>
+                <a:cs typeface="Consolas" pitchFamily="49" charset="0"/>
+              </a:rPr>
+              <a:t>mov</a:t>
+            </a:r>
+            <a:r>
+              <a:rPr lang="en-US" sz="600" dirty="0" smtClean="0">
+                <a:latin typeface="Consolas" pitchFamily="49" charset="0"/>
+                <a:cs typeface="Consolas" pitchFamily="49" charset="0"/>
+              </a:rPr>
+              <a:t> </a:t>
+            </a:r>
+            <a:r>
+              <a:rPr lang="en-US" sz="600" dirty="0">
+                <a:latin typeface="Consolas" pitchFamily="49" charset="0"/>
+                <a:cs typeface="Consolas" pitchFamily="49" charset="0"/>
+              </a:rPr>
+              <a:t>r2</a:t>
+            </a:r>
+            <a:r>
+              <a:rPr lang="en-US" sz="600" dirty="0" smtClean="0">
+                <a:latin typeface="Consolas" pitchFamily="49" charset="0"/>
+                <a:cs typeface="Consolas" pitchFamily="49" charset="0"/>
+              </a:rPr>
+              <a:t>, #8</a:t>
+            </a:r>
+          </a:p>
+          <a:p>
+            <a:r>
+              <a:rPr lang="en-US" sz="600" dirty="0">
+                <a:latin typeface="Consolas" pitchFamily="49" charset="0"/>
+                <a:cs typeface="Consolas" pitchFamily="49" charset="0"/>
+              </a:rPr>
+              <a:t> </a:t>
+            </a:r>
+            <a:r>
+              <a:rPr lang="en-US" sz="600" dirty="0" smtClean="0">
+                <a:latin typeface="Consolas" pitchFamily="49" charset="0"/>
+                <a:cs typeface="Consolas" pitchFamily="49" charset="0"/>
+              </a:rPr>
+              <a:t> ; r2 is not a pointer</a:t>
+            </a:r>
+            <a:endParaRPr lang="en-US" sz="600" dirty="0">
+              <a:latin typeface="Consolas" pitchFamily="49" charset="0"/>
+              <a:cs typeface="Consolas" pitchFamily="49" charset="0"/>
+            </a:endParaRPr>
+          </a:p>
+          <a:p>
+            <a:endParaRPr lang="en-US" sz="600" dirty="0">
+              <a:latin typeface="Consolas" pitchFamily="49" charset="0"/>
+              <a:cs typeface="Consolas" pitchFamily="49" charset="0"/>
+            </a:endParaRPr>
+          </a:p>
+          <a:p>
+            <a:r>
+              <a:rPr lang="en-US" sz="600" dirty="0">
+                <a:latin typeface="Consolas" pitchFamily="49" charset="0"/>
+                <a:cs typeface="Consolas" pitchFamily="49" charset="0"/>
+              </a:rPr>
+              <a:t>3a: </a:t>
+            </a:r>
+            <a:r>
+              <a:rPr lang="en-US" sz="600" dirty="0" err="1">
+                <a:latin typeface="Consolas" pitchFamily="49" charset="0"/>
+                <a:cs typeface="Consolas" pitchFamily="49" charset="0"/>
+              </a:rPr>
+              <a:t>mov</a:t>
+            </a:r>
+            <a:r>
+              <a:rPr lang="en-US" sz="600" dirty="0">
+                <a:latin typeface="Consolas" pitchFamily="49" charset="0"/>
+                <a:cs typeface="Consolas" pitchFamily="49" charset="0"/>
+              </a:rPr>
+              <a:t> r3, #1</a:t>
+            </a:r>
+          </a:p>
+          <a:p>
+            <a:endParaRPr lang="en-US" sz="600" dirty="0">
+              <a:latin typeface="Consolas" pitchFamily="49" charset="0"/>
+              <a:cs typeface="Consolas" pitchFamily="49" charset="0"/>
+            </a:endParaRPr>
+          </a:p>
+          <a:p>
+            <a:r>
+              <a:rPr lang="en-US" sz="600" dirty="0">
+                <a:latin typeface="Consolas" pitchFamily="49" charset="0"/>
+                <a:cs typeface="Consolas" pitchFamily="49" charset="0"/>
+              </a:rPr>
+              <a:t>3b: </a:t>
+            </a:r>
+            <a:r>
+              <a:rPr lang="en-US" sz="600" dirty="0" err="1">
+                <a:latin typeface="Consolas" pitchFamily="49" charset="0"/>
+                <a:cs typeface="Consolas" pitchFamily="49" charset="0"/>
+              </a:rPr>
+              <a:t>str</a:t>
+            </a:r>
+            <a:r>
+              <a:rPr lang="en-US" sz="600" dirty="0">
+                <a:latin typeface="Consolas" pitchFamily="49" charset="0"/>
+                <a:cs typeface="Consolas" pitchFamily="49" charset="0"/>
+              </a:rPr>
+              <a:t> r3, [r1, #12]</a:t>
+            </a:r>
+          </a:p>
+          <a:p>
+            <a:r>
+              <a:rPr lang="en-US" sz="600" dirty="0">
+                <a:latin typeface="Consolas" pitchFamily="49" charset="0"/>
+                <a:cs typeface="Consolas" pitchFamily="49" charset="0"/>
+              </a:rPr>
+              <a:t>    ; store to 0x1234000c</a:t>
+            </a:r>
+          </a:p>
+          <a:p>
+            <a:endParaRPr lang="en-US" sz="600" dirty="0">
+              <a:latin typeface="Consolas" pitchFamily="49" charset="0"/>
+              <a:cs typeface="Consolas" pitchFamily="49" charset="0"/>
+            </a:endParaRPr>
+          </a:p>
+          <a:p>
+            <a:endParaRPr lang="en-US" sz="600" dirty="0">
+              <a:latin typeface="Consolas" pitchFamily="49" charset="0"/>
+              <a:cs typeface="Consolas" pitchFamily="49" charset="0"/>
+            </a:endParaRPr>
+          </a:p>
+          <a:p>
+            <a:endParaRPr lang="en-US" sz="600" dirty="0" smtClean="0">
+              <a:latin typeface="Consolas" pitchFamily="49" charset="0"/>
+              <a:cs typeface="Consolas" pitchFamily="49" charset="0"/>
+            </a:endParaRPr>
+          </a:p>
+          <a:p>
+            <a:r>
+              <a:rPr lang="en-US" sz="600" dirty="0" smtClean="0">
+                <a:latin typeface="Consolas" pitchFamily="49" charset="0"/>
+                <a:cs typeface="Consolas" pitchFamily="49" charset="0"/>
+              </a:rPr>
+              <a:t>4</a:t>
+            </a:r>
+            <a:r>
+              <a:rPr lang="en-US" sz="600" dirty="0">
+                <a:latin typeface="Consolas" pitchFamily="49" charset="0"/>
+                <a:cs typeface="Consolas" pitchFamily="49" charset="0"/>
+              </a:rPr>
+              <a:t>: </a:t>
+            </a:r>
+            <a:r>
+              <a:rPr lang="en-US" sz="600" dirty="0" smtClean="0">
+                <a:latin typeface="Consolas" pitchFamily="49" charset="0"/>
+                <a:cs typeface="Consolas" pitchFamily="49" charset="0"/>
+              </a:rPr>
+              <a:t>add r2, r2</a:t>
+            </a:r>
+            <a:r>
+              <a:rPr lang="en-US" sz="600" dirty="0">
+                <a:latin typeface="Consolas" pitchFamily="49" charset="0"/>
+                <a:cs typeface="Consolas" pitchFamily="49" charset="0"/>
+              </a:rPr>
+              <a:t>, </a:t>
+            </a:r>
+            <a:r>
+              <a:rPr lang="en-US" sz="600" dirty="0" smtClean="0">
+                <a:latin typeface="Consolas" pitchFamily="49" charset="0"/>
+                <a:cs typeface="Consolas" pitchFamily="49" charset="0"/>
+              </a:rPr>
+              <a:t>r3</a:t>
+            </a:r>
+            <a:endParaRPr lang="en-US" sz="600" dirty="0">
+              <a:latin typeface="Consolas" pitchFamily="49" charset="0"/>
+              <a:cs typeface="Consolas" pitchFamily="49" charset="0"/>
+            </a:endParaRPr>
+          </a:p>
+        </p:txBody>
+      </p:sp>
+      <p:sp>
+        <p:nvSpPr>
+          <p:cNvPr id="6" name="TextBox 5"/>
+          <p:cNvSpPr txBox="1"/>
+          <p:nvPr/>
+        </p:nvSpPr>
+        <p:spPr>
+          <a:xfrm>
+            <a:off x="192012" y="-23007"/>
+            <a:ext cx="1152150" cy="215444"/>
+          </a:xfrm>
+          <a:prstGeom prst="rect">
+            <a:avLst/>
+          </a:prstGeom>
+          <a:noFill/>
+        </p:spPr>
+        <p:txBody>
+          <a:bodyPr wrap="square" rtlCol="0">
+            <a:spAutoFit/>
+          </a:bodyPr>
+          <a:lstStyle/>
+          <a:p>
+            <a:r>
+              <a:rPr lang="en-US" sz="800" dirty="0" smtClean="0">
+                <a:latin typeface="Times New Roman" pitchFamily="18" charset="0"/>
+                <a:cs typeface="Times New Roman" pitchFamily="18" charset="0"/>
+              </a:rPr>
+              <a:t>Main Core (Assembly)</a:t>
+            </a:r>
+            <a:endParaRPr lang="en-US" sz="800" dirty="0">
+              <a:latin typeface="Times New Roman" pitchFamily="18" charset="0"/>
+              <a:cs typeface="Times New Roman" pitchFamily="18" charset="0"/>
+            </a:endParaRPr>
+          </a:p>
+        </p:txBody>
+      </p:sp>
+      <p:sp>
+        <p:nvSpPr>
+          <p:cNvPr id="7" name="TextBox 6"/>
+          <p:cNvSpPr txBox="1"/>
+          <p:nvPr/>
+        </p:nvSpPr>
+        <p:spPr>
+          <a:xfrm>
+            <a:off x="1781675" y="-23007"/>
+            <a:ext cx="976117" cy="215444"/>
+          </a:xfrm>
+          <a:prstGeom prst="rect">
+            <a:avLst/>
+          </a:prstGeom>
+          <a:noFill/>
+        </p:spPr>
+        <p:txBody>
+          <a:bodyPr wrap="square" rtlCol="0">
+            <a:spAutoFit/>
+          </a:bodyPr>
+          <a:lstStyle/>
+          <a:p>
+            <a:pPr algn="ctr"/>
+            <a:r>
+              <a:rPr lang="en-US" sz="800" dirty="0" smtClean="0">
+                <a:latin typeface="Times New Roman" pitchFamily="18" charset="0"/>
+                <a:cs typeface="Times New Roman" pitchFamily="18" charset="0"/>
+              </a:rPr>
+              <a:t>Null Filtering</a:t>
+            </a:r>
+            <a:endParaRPr lang="en-US" sz="800" dirty="0">
+              <a:latin typeface="Times New Roman" pitchFamily="18" charset="0"/>
+              <a:cs typeface="Times New Roman" pitchFamily="18" charset="0"/>
+            </a:endParaRPr>
+          </a:p>
+        </p:txBody>
+      </p:sp>
+      <p:sp>
+        <p:nvSpPr>
+          <p:cNvPr id="9" name="TextBox 8"/>
+          <p:cNvSpPr txBox="1"/>
+          <p:nvPr/>
+        </p:nvSpPr>
+        <p:spPr>
+          <a:xfrm>
+            <a:off x="1351867" y="164543"/>
+            <a:ext cx="1835735" cy="1661993"/>
+          </a:xfrm>
+          <a:prstGeom prst="rect">
+            <a:avLst/>
+          </a:prstGeom>
+          <a:noFill/>
+        </p:spPr>
+        <p:txBody>
+          <a:bodyPr wrap="square" rtlCol="0">
+            <a:spAutoFit/>
+          </a:bodyPr>
+          <a:lstStyle/>
+          <a:p>
+            <a:r>
+              <a:rPr lang="en-US" sz="600" dirty="0" smtClean="0">
+                <a:latin typeface="Consolas" pitchFamily="49" charset="0"/>
+                <a:cs typeface="Consolas" pitchFamily="49" charset="0"/>
+              </a:rPr>
+              <a:t>1: </a:t>
+            </a:r>
+            <a:r>
+              <a:rPr lang="en-US" sz="600" dirty="0" err="1" smtClean="0">
+                <a:latin typeface="Consolas" pitchFamily="49" charset="0"/>
+                <a:cs typeface="Consolas" pitchFamily="49" charset="0"/>
+              </a:rPr>
+              <a:t>rf_null</a:t>
+            </a:r>
+            <a:r>
+              <a:rPr lang="en-US" sz="600" dirty="0" smtClean="0">
+                <a:latin typeface="Consolas" pitchFamily="49" charset="0"/>
+                <a:cs typeface="Consolas" pitchFamily="49" charset="0"/>
+              </a:rPr>
+              <a:t>[1] = </a:t>
+            </a:r>
+            <a:r>
+              <a:rPr lang="en-US" sz="600" dirty="0" smtClean="0">
+                <a:latin typeface="Consolas" pitchFamily="49" charset="0"/>
+                <a:cs typeface="Consolas" pitchFamily="49" charset="0"/>
+              </a:rPr>
+              <a:t>false</a:t>
+            </a:r>
+            <a:endParaRPr lang="en-US" sz="600" dirty="0">
+              <a:latin typeface="Consolas" pitchFamily="49" charset="0"/>
+              <a:cs typeface="Consolas" pitchFamily="49" charset="0"/>
+            </a:endParaRPr>
+          </a:p>
+          <a:p>
+            <a:endParaRPr lang="en-US" sz="600" dirty="0" smtClean="0">
+              <a:latin typeface="Consolas" pitchFamily="49" charset="0"/>
+              <a:cs typeface="Consolas" pitchFamily="49" charset="0"/>
+            </a:endParaRPr>
+          </a:p>
+          <a:p>
+            <a:endParaRPr lang="en-US" sz="600" dirty="0" smtClean="0">
+              <a:latin typeface="Consolas" pitchFamily="49" charset="0"/>
+              <a:cs typeface="Consolas" pitchFamily="49" charset="0"/>
+            </a:endParaRPr>
+          </a:p>
+          <a:p>
+            <a:r>
+              <a:rPr lang="en-US" sz="600" dirty="0" smtClean="0">
+                <a:latin typeface="Consolas" pitchFamily="49" charset="0"/>
+                <a:cs typeface="Consolas" pitchFamily="49" charset="0"/>
+              </a:rPr>
+              <a:t>2</a:t>
+            </a:r>
+            <a:r>
+              <a:rPr lang="en-US" sz="600" dirty="0" smtClean="0">
+                <a:latin typeface="Consolas" pitchFamily="49" charset="0"/>
+                <a:cs typeface="Consolas" pitchFamily="49" charset="0"/>
+              </a:rPr>
+              <a:t>: </a:t>
+            </a:r>
+            <a:r>
+              <a:rPr lang="en-US" sz="600" dirty="0" err="1" smtClean="0">
+                <a:latin typeface="Consolas" pitchFamily="49" charset="0"/>
+                <a:cs typeface="Consolas" pitchFamily="49" charset="0"/>
+              </a:rPr>
+              <a:t>rf_null</a:t>
+            </a:r>
+            <a:r>
+              <a:rPr lang="en-US" sz="600" dirty="0" smtClean="0">
+                <a:latin typeface="Consolas" pitchFamily="49" charset="0"/>
+                <a:cs typeface="Consolas" pitchFamily="49" charset="0"/>
+              </a:rPr>
+              <a:t>[2] = true</a:t>
+            </a:r>
+            <a:endParaRPr lang="en-US" sz="600" dirty="0" smtClean="0">
+              <a:latin typeface="Consolas" pitchFamily="49" charset="0"/>
+              <a:cs typeface="Consolas" pitchFamily="49" charset="0"/>
+            </a:endParaRPr>
+          </a:p>
+          <a:p>
+            <a:endParaRPr lang="en-US" sz="600" dirty="0">
+              <a:latin typeface="Consolas" pitchFamily="49" charset="0"/>
+              <a:cs typeface="Consolas" pitchFamily="49" charset="0"/>
+            </a:endParaRPr>
+          </a:p>
+          <a:p>
+            <a:endParaRPr lang="en-US" sz="600" dirty="0" smtClean="0">
+              <a:latin typeface="Consolas" pitchFamily="49" charset="0"/>
+              <a:cs typeface="Consolas" pitchFamily="49" charset="0"/>
+            </a:endParaRPr>
+          </a:p>
+          <a:p>
+            <a:r>
+              <a:rPr lang="en-US" sz="600" dirty="0" smtClean="0">
+                <a:latin typeface="Consolas" pitchFamily="49" charset="0"/>
+                <a:cs typeface="Consolas" pitchFamily="49" charset="0"/>
+              </a:rPr>
+              <a:t>3</a:t>
+            </a:r>
+            <a:r>
+              <a:rPr lang="en-US" sz="600" dirty="0" smtClean="0">
+                <a:latin typeface="Consolas" pitchFamily="49" charset="0"/>
+                <a:cs typeface="Consolas" pitchFamily="49" charset="0"/>
+              </a:rPr>
+              <a:t>: </a:t>
+            </a:r>
+            <a:r>
+              <a:rPr lang="en-US" sz="600" dirty="0" err="1" smtClean="0">
+                <a:latin typeface="Consolas" pitchFamily="49" charset="0"/>
+                <a:cs typeface="Consolas" pitchFamily="49" charset="0"/>
+              </a:rPr>
+              <a:t>rf_null</a:t>
+            </a:r>
+            <a:r>
+              <a:rPr lang="en-US" sz="600" dirty="0" smtClean="0">
+                <a:latin typeface="Consolas" pitchFamily="49" charset="0"/>
+                <a:cs typeface="Consolas" pitchFamily="49" charset="0"/>
+              </a:rPr>
+              <a:t>[3] = true</a:t>
+            </a:r>
+          </a:p>
+          <a:p>
+            <a:endParaRPr lang="en-US" sz="600" dirty="0">
+              <a:latin typeface="Consolas" pitchFamily="49" charset="0"/>
+              <a:cs typeface="Consolas" pitchFamily="49" charset="0"/>
+            </a:endParaRPr>
+          </a:p>
+          <a:p>
+            <a:r>
+              <a:rPr lang="en-US" sz="600" dirty="0" smtClean="0">
+                <a:latin typeface="Consolas" pitchFamily="49" charset="0"/>
+                <a:cs typeface="Consolas" pitchFamily="49" charset="0"/>
+              </a:rPr>
+              <a:t>3b</a:t>
+            </a:r>
+            <a:r>
+              <a:rPr lang="en-US" sz="600" dirty="0" smtClean="0">
+                <a:latin typeface="Consolas" pitchFamily="49" charset="0"/>
+                <a:cs typeface="Consolas" pitchFamily="49" charset="0"/>
+              </a:rPr>
+              <a:t>: </a:t>
+            </a:r>
+            <a:r>
+              <a:rPr lang="en-US" sz="600" dirty="0" smtClean="0">
+                <a:latin typeface="Consolas" pitchFamily="49" charset="0"/>
+                <a:cs typeface="Consolas" pitchFamily="49" charset="0"/>
+              </a:rPr>
+              <a:t>if (</a:t>
+            </a:r>
+            <a:r>
+              <a:rPr lang="en-US" sz="600" dirty="0" err="1" smtClean="0">
+                <a:latin typeface="Consolas" pitchFamily="49" charset="0"/>
+                <a:cs typeface="Consolas" pitchFamily="49" charset="0"/>
+              </a:rPr>
+              <a:t>rf_null</a:t>
+            </a:r>
+            <a:r>
+              <a:rPr lang="en-US" sz="600" dirty="0" smtClean="0">
+                <a:latin typeface="Consolas" pitchFamily="49" charset="0"/>
+                <a:cs typeface="Consolas" pitchFamily="49" charset="0"/>
+              </a:rPr>
+              <a:t>[1] &amp;&amp; </a:t>
+            </a:r>
+            <a:r>
+              <a:rPr lang="en-US" sz="600" dirty="0" err="1" smtClean="0">
+                <a:latin typeface="Consolas" pitchFamily="49" charset="0"/>
+                <a:cs typeface="Consolas" pitchFamily="49" charset="0"/>
+              </a:rPr>
+              <a:t>rf_null</a:t>
+            </a:r>
+            <a:r>
+              <a:rPr lang="en-US" sz="600" dirty="0" smtClean="0">
+                <a:latin typeface="Consolas" pitchFamily="49" charset="0"/>
+                <a:cs typeface="Consolas" pitchFamily="49" charset="0"/>
+              </a:rPr>
+              <a:t>[3]) {</a:t>
+            </a:r>
+          </a:p>
+          <a:p>
+            <a:r>
+              <a:rPr lang="en-US" sz="600" dirty="0">
+                <a:latin typeface="Consolas" pitchFamily="49" charset="0"/>
+                <a:cs typeface="Consolas" pitchFamily="49" charset="0"/>
+              </a:rPr>
+              <a:t> </a:t>
+            </a:r>
+            <a:r>
+              <a:rPr lang="en-US" sz="600" dirty="0" smtClean="0">
+                <a:latin typeface="Consolas" pitchFamily="49" charset="0"/>
+                <a:cs typeface="Consolas" pitchFamily="49" charset="0"/>
+              </a:rPr>
+              <a:t>    </a:t>
+            </a:r>
+            <a:r>
+              <a:rPr lang="en-US" sz="600" dirty="0" smtClean="0">
+                <a:latin typeface="Consolas" pitchFamily="49" charset="0"/>
+                <a:cs typeface="Consolas" pitchFamily="49" charset="0"/>
+              </a:rPr>
+              <a:t> // </a:t>
+            </a:r>
+            <a:r>
+              <a:rPr lang="en-US" sz="600" dirty="0" smtClean="0">
+                <a:latin typeface="Consolas" pitchFamily="49" charset="0"/>
+                <a:cs typeface="Consolas" pitchFamily="49" charset="0"/>
+              </a:rPr>
+              <a:t>drop monitoring</a:t>
+            </a:r>
+          </a:p>
+          <a:p>
+            <a:r>
+              <a:rPr lang="en-US" sz="600" dirty="0">
+                <a:latin typeface="Consolas" pitchFamily="49" charset="0"/>
+                <a:cs typeface="Consolas" pitchFamily="49" charset="0"/>
+              </a:rPr>
+              <a:t> </a:t>
+            </a:r>
+            <a:r>
+              <a:rPr lang="en-US" sz="600" dirty="0" smtClean="0">
+                <a:latin typeface="Consolas" pitchFamily="49" charset="0"/>
+                <a:cs typeface="Consolas" pitchFamily="49" charset="0"/>
+              </a:rPr>
+              <a:t>  </a:t>
+            </a:r>
+            <a:r>
+              <a:rPr lang="en-US" sz="600" dirty="0" smtClean="0">
+                <a:latin typeface="Consolas" pitchFamily="49" charset="0"/>
+                <a:cs typeface="Consolas" pitchFamily="49" charset="0"/>
+              </a:rPr>
+              <a:t> }</a:t>
+            </a:r>
+          </a:p>
+          <a:p>
+            <a:r>
+              <a:rPr lang="en-US" sz="600" dirty="0" smtClean="0">
+                <a:latin typeface="Consolas" pitchFamily="49" charset="0"/>
+                <a:cs typeface="Consolas" pitchFamily="49" charset="0"/>
+              </a:rPr>
+              <a:t>    </a:t>
+            </a:r>
+            <a:r>
+              <a:rPr lang="en-US" sz="600" dirty="0" err="1" smtClean="0">
+                <a:latin typeface="Consolas" pitchFamily="49" charset="0"/>
+                <a:cs typeface="Consolas" pitchFamily="49" charset="0"/>
+              </a:rPr>
+              <a:t>mem_null</a:t>
+            </a:r>
+            <a:r>
+              <a:rPr lang="en-US" sz="600" dirty="0" smtClean="0">
+                <a:latin typeface="Consolas" pitchFamily="49" charset="0"/>
+                <a:cs typeface="Consolas" pitchFamily="49" charset="0"/>
+              </a:rPr>
+              <a:t>[r3 + 12] = </a:t>
+            </a:r>
+            <a:r>
+              <a:rPr lang="en-US" sz="600" dirty="0" err="1" smtClean="0">
+                <a:latin typeface="Consolas" pitchFamily="49" charset="0"/>
+                <a:cs typeface="Consolas" pitchFamily="49" charset="0"/>
+              </a:rPr>
+              <a:t>rf_null</a:t>
+            </a:r>
+            <a:r>
+              <a:rPr lang="en-US" sz="600" dirty="0" smtClean="0">
+                <a:latin typeface="Consolas" pitchFamily="49" charset="0"/>
+                <a:cs typeface="Consolas" pitchFamily="49" charset="0"/>
+              </a:rPr>
+              <a:t>[r3]</a:t>
+            </a:r>
+            <a:endParaRPr lang="en-US" sz="600" dirty="0" smtClean="0">
+              <a:latin typeface="Consolas" pitchFamily="49" charset="0"/>
+              <a:cs typeface="Consolas" pitchFamily="49" charset="0"/>
+            </a:endParaRPr>
+          </a:p>
+          <a:p>
+            <a:endParaRPr lang="en-US" sz="600" dirty="0" smtClean="0">
+              <a:latin typeface="Consolas" pitchFamily="49" charset="0"/>
+              <a:cs typeface="Consolas" pitchFamily="49" charset="0"/>
+            </a:endParaRPr>
+          </a:p>
+          <a:p>
+            <a:r>
+              <a:rPr lang="en-US" sz="600" dirty="0">
+                <a:latin typeface="Consolas" pitchFamily="49" charset="0"/>
+                <a:cs typeface="Consolas" pitchFamily="49" charset="0"/>
+              </a:rPr>
+              <a:t>4</a:t>
+            </a:r>
+            <a:r>
+              <a:rPr lang="en-US" sz="600" dirty="0" smtClean="0">
+                <a:latin typeface="Consolas" pitchFamily="49" charset="0"/>
+                <a:cs typeface="Consolas" pitchFamily="49" charset="0"/>
+              </a:rPr>
+              <a:t>: </a:t>
+            </a:r>
+            <a:r>
+              <a:rPr lang="en-US" sz="600" dirty="0" smtClean="0">
+                <a:latin typeface="Consolas" pitchFamily="49" charset="0"/>
+                <a:cs typeface="Consolas" pitchFamily="49" charset="0"/>
+              </a:rPr>
+              <a:t>if (</a:t>
+            </a:r>
+            <a:r>
+              <a:rPr lang="en-US" sz="600" dirty="0" err="1" smtClean="0">
+                <a:latin typeface="Consolas" pitchFamily="49" charset="0"/>
+                <a:cs typeface="Consolas" pitchFamily="49" charset="0"/>
+              </a:rPr>
+              <a:t>rf_null</a:t>
+            </a:r>
+            <a:r>
+              <a:rPr lang="en-US" sz="600" dirty="0" smtClean="0">
+                <a:latin typeface="Consolas" pitchFamily="49" charset="0"/>
+                <a:cs typeface="Consolas" pitchFamily="49" charset="0"/>
+              </a:rPr>
+              <a:t>[2] &amp;&amp; </a:t>
+            </a:r>
+            <a:r>
+              <a:rPr lang="en-US" sz="600" dirty="0" err="1" smtClean="0">
+                <a:latin typeface="Consolas" pitchFamily="49" charset="0"/>
+                <a:cs typeface="Consolas" pitchFamily="49" charset="0"/>
+              </a:rPr>
+              <a:t>rf_null</a:t>
+            </a:r>
+            <a:r>
+              <a:rPr lang="en-US" sz="600" dirty="0" smtClean="0">
+                <a:latin typeface="Consolas" pitchFamily="49" charset="0"/>
+                <a:cs typeface="Consolas" pitchFamily="49" charset="0"/>
+              </a:rPr>
+              <a:t>[3]) {</a:t>
+            </a:r>
+          </a:p>
+          <a:p>
+            <a:r>
+              <a:rPr lang="en-US" sz="600" dirty="0">
+                <a:latin typeface="Consolas" pitchFamily="49" charset="0"/>
+                <a:cs typeface="Consolas" pitchFamily="49" charset="0"/>
+              </a:rPr>
+              <a:t> </a:t>
+            </a:r>
+            <a:r>
+              <a:rPr lang="en-US" sz="600" dirty="0" smtClean="0">
+                <a:latin typeface="Consolas" pitchFamily="49" charset="0"/>
+                <a:cs typeface="Consolas" pitchFamily="49" charset="0"/>
+              </a:rPr>
+              <a:t>    // drop monitoring</a:t>
+            </a:r>
+          </a:p>
+          <a:p>
+            <a:r>
+              <a:rPr lang="en-US" sz="600" dirty="0">
+                <a:latin typeface="Consolas" pitchFamily="49" charset="0"/>
+                <a:cs typeface="Consolas" pitchFamily="49" charset="0"/>
+              </a:rPr>
+              <a:t> </a:t>
+            </a:r>
+            <a:r>
+              <a:rPr lang="en-US" sz="600" dirty="0" smtClean="0">
+                <a:latin typeface="Consolas" pitchFamily="49" charset="0"/>
+                <a:cs typeface="Consolas" pitchFamily="49" charset="0"/>
+              </a:rPr>
+              <a:t>  }</a:t>
+            </a:r>
+          </a:p>
+          <a:p>
+            <a:r>
+              <a:rPr lang="en-US" sz="600" dirty="0">
+                <a:latin typeface="Consolas" pitchFamily="49" charset="0"/>
+                <a:cs typeface="Consolas" pitchFamily="49" charset="0"/>
+              </a:rPr>
+              <a:t> </a:t>
+            </a:r>
+            <a:r>
+              <a:rPr lang="en-US" sz="600" dirty="0" smtClean="0">
+                <a:latin typeface="Consolas" pitchFamily="49" charset="0"/>
+                <a:cs typeface="Consolas" pitchFamily="49" charset="0"/>
+              </a:rPr>
+              <a:t>  </a:t>
+            </a:r>
+            <a:r>
+              <a:rPr lang="en-US" sz="600" dirty="0" err="1" smtClean="0">
+                <a:latin typeface="Consolas" pitchFamily="49" charset="0"/>
+                <a:cs typeface="Consolas" pitchFamily="49" charset="0"/>
+              </a:rPr>
+              <a:t>rf_null</a:t>
+            </a:r>
+            <a:r>
+              <a:rPr lang="en-US" sz="600" dirty="0" smtClean="0">
+                <a:latin typeface="Consolas" pitchFamily="49" charset="0"/>
+                <a:cs typeface="Consolas" pitchFamily="49" charset="0"/>
+              </a:rPr>
+              <a:t>[r3] = </a:t>
+            </a:r>
+            <a:r>
+              <a:rPr lang="en-US" sz="600" dirty="0" err="1" smtClean="0">
+                <a:latin typeface="Consolas" pitchFamily="49" charset="0"/>
+                <a:cs typeface="Consolas" pitchFamily="49" charset="0"/>
+              </a:rPr>
+              <a:t>rf_null</a:t>
+            </a:r>
+            <a:r>
+              <a:rPr lang="en-US" sz="600" dirty="0" smtClean="0">
+                <a:latin typeface="Consolas" pitchFamily="49" charset="0"/>
+                <a:cs typeface="Consolas" pitchFamily="49" charset="0"/>
+              </a:rPr>
+              <a:t>[3] &amp; </a:t>
+            </a:r>
+            <a:r>
+              <a:rPr lang="en-US" sz="600" dirty="0" err="1" smtClean="0">
+                <a:latin typeface="Consolas" pitchFamily="49" charset="0"/>
+                <a:cs typeface="Consolas" pitchFamily="49" charset="0"/>
+              </a:rPr>
+              <a:t>rf_null</a:t>
+            </a:r>
+            <a:r>
+              <a:rPr lang="en-US" sz="600" dirty="0" smtClean="0">
+                <a:latin typeface="Consolas" pitchFamily="49" charset="0"/>
+                <a:cs typeface="Consolas" pitchFamily="49" charset="0"/>
+              </a:rPr>
+              <a:t>[2]</a:t>
+            </a:r>
+            <a:endParaRPr lang="en-US" sz="600" dirty="0">
+              <a:latin typeface="Consolas" pitchFamily="49" charset="0"/>
+              <a:cs typeface="Consolas" pitchFamily="49" charset="0"/>
+            </a:endParaRPr>
+          </a:p>
+        </p:txBody>
+      </p:sp>
+      <p:cxnSp>
+        <p:nvCxnSpPr>
+          <p:cNvPr id="10" name="Straight Connector 9"/>
+          <p:cNvCxnSpPr/>
+          <p:nvPr/>
+        </p:nvCxnSpPr>
+        <p:spPr>
+          <a:xfrm>
+            <a:off x="25594" y="429750"/>
+            <a:ext cx="3162008" cy="0"/>
+          </a:xfrm>
+          <a:prstGeom prst="line">
+            <a:avLst/>
+          </a:prstGeom>
+          <a:ln>
+            <a:solidFill>
+              <a:schemeClr val="bg1">
+                <a:lumMod val="75000"/>
+              </a:schemeClr>
+            </a:solidFill>
+            <a:prstDash val="solid"/>
+          </a:ln>
+        </p:spPr>
+        <p:style>
+          <a:lnRef idx="1">
+            <a:schemeClr val="accent1"/>
+          </a:lnRef>
+          <a:fillRef idx="0">
+            <a:schemeClr val="accent1"/>
+          </a:fillRef>
+          <a:effectRef idx="0">
+            <a:schemeClr val="accent1"/>
+          </a:effectRef>
+          <a:fontRef idx="minor">
+            <a:schemeClr val="tx1"/>
+          </a:fontRef>
+        </p:style>
+      </p:cxnSp>
+      <p:cxnSp>
+        <p:nvCxnSpPr>
+          <p:cNvPr id="11" name="Straight Connector 10"/>
+          <p:cNvCxnSpPr/>
+          <p:nvPr/>
+        </p:nvCxnSpPr>
+        <p:spPr>
+          <a:xfrm>
+            <a:off x="31994" y="736990"/>
+            <a:ext cx="3162006" cy="0"/>
+          </a:xfrm>
+          <a:prstGeom prst="line">
+            <a:avLst/>
+          </a:prstGeom>
+          <a:ln>
+            <a:solidFill>
+              <a:schemeClr val="bg1">
+                <a:lumMod val="75000"/>
+              </a:schemeClr>
+            </a:solidFill>
+            <a:prstDash val="solid"/>
+          </a:ln>
+        </p:spPr>
+        <p:style>
+          <a:lnRef idx="1">
+            <a:schemeClr val="accent1"/>
+          </a:lnRef>
+          <a:fillRef idx="0">
+            <a:schemeClr val="accent1"/>
+          </a:fillRef>
+          <a:effectRef idx="0">
+            <a:schemeClr val="accent1"/>
+          </a:effectRef>
+          <a:fontRef idx="minor">
+            <a:schemeClr val="tx1"/>
+          </a:fontRef>
+        </p:style>
+      </p:cxnSp>
+      <p:cxnSp>
+        <p:nvCxnSpPr>
+          <p:cNvPr id="12" name="Straight Connector 11"/>
+          <p:cNvCxnSpPr/>
+          <p:nvPr/>
+        </p:nvCxnSpPr>
+        <p:spPr>
+          <a:xfrm>
+            <a:off x="38393" y="1351470"/>
+            <a:ext cx="3162007" cy="0"/>
+          </a:xfrm>
+          <a:prstGeom prst="line">
+            <a:avLst/>
+          </a:prstGeom>
+          <a:ln>
+            <a:solidFill>
+              <a:schemeClr val="bg1">
+                <a:lumMod val="75000"/>
+              </a:schemeClr>
+            </a:solidFill>
+            <a:prstDash val="solid"/>
+          </a:ln>
+        </p:spPr>
+        <p:style>
+          <a:lnRef idx="1">
+            <a:schemeClr val="accent1"/>
+          </a:lnRef>
+          <a:fillRef idx="0">
+            <a:schemeClr val="accent1"/>
+          </a:fillRef>
+          <a:effectRef idx="0">
+            <a:schemeClr val="accent1"/>
+          </a:effectRef>
+          <a:fontRef idx="minor">
+            <a:schemeClr val="tx1"/>
+          </a:fontRef>
+        </p:style>
+      </p:cxnSp>
+      <p:cxnSp>
+        <p:nvCxnSpPr>
+          <p:cNvPr id="13" name="Straight Connector 12"/>
+          <p:cNvCxnSpPr/>
+          <p:nvPr/>
+        </p:nvCxnSpPr>
+        <p:spPr>
+          <a:xfrm>
+            <a:off x="41409" y="890610"/>
+            <a:ext cx="3149209" cy="342"/>
+          </a:xfrm>
+          <a:prstGeom prst="line">
+            <a:avLst/>
+          </a:prstGeom>
+          <a:ln>
+            <a:solidFill>
+              <a:schemeClr val="bg1">
+                <a:lumMod val="75000"/>
+              </a:schemeClr>
+            </a:solidFill>
+            <a:prstDash val="solid"/>
+          </a:ln>
+        </p:spPr>
+        <p:style>
+          <a:lnRef idx="1">
+            <a:schemeClr val="accent1"/>
+          </a:lnRef>
+          <a:fillRef idx="0">
+            <a:schemeClr val="accent1"/>
+          </a:fillRef>
+          <a:effectRef idx="0">
+            <a:schemeClr val="accent1"/>
+          </a:effectRef>
+          <a:fontRef idx="minor">
+            <a:schemeClr val="tx1"/>
+          </a:fontRef>
+        </p:style>
+      </p:cxnSp>
+      <p:cxnSp>
+        <p:nvCxnSpPr>
+          <p:cNvPr id="14" name="Straight Connector 13"/>
+          <p:cNvCxnSpPr/>
+          <p:nvPr/>
+        </p:nvCxnSpPr>
+        <p:spPr>
+          <a:xfrm>
+            <a:off x="1351867" y="164541"/>
+            <a:ext cx="0" cy="1609384"/>
+          </a:xfrm>
+          <a:prstGeom prst="line">
+            <a:avLst/>
+          </a:prstGeom>
+          <a:ln>
+            <a:solidFill>
+              <a:schemeClr val="tx1"/>
+            </a:solidFill>
+          </a:ln>
+        </p:spPr>
+        <p:style>
+          <a:lnRef idx="1">
+            <a:schemeClr val="accent1"/>
+          </a:lnRef>
+          <a:fillRef idx="0">
+            <a:schemeClr val="accent1"/>
+          </a:fillRef>
+          <a:effectRef idx="0">
+            <a:schemeClr val="accent1"/>
+          </a:effectRef>
+          <a:fontRef idx="minor">
+            <a:schemeClr val="tx1"/>
+          </a:fontRef>
+        </p:style>
+      </p:cxnSp>
+      <p:sp>
+        <p:nvSpPr>
+          <p:cNvPr id="16" name="Rectangle 15"/>
+          <p:cNvSpPr/>
+          <p:nvPr/>
+        </p:nvSpPr>
+        <p:spPr>
+          <a:xfrm>
+            <a:off x="25596" y="164546"/>
+            <a:ext cx="3162006" cy="1609379"/>
+          </a:xfrm>
+          <a:prstGeom prst="rect">
+            <a:avLst/>
+          </a:prstGeom>
+          <a:noFill/>
+          <a:ln w="12700">
+            <a:solidFill>
+              <a:schemeClr val="tx1"/>
+            </a:solidFill>
+          </a:ln>
+        </p:spPr>
+        <p:style>
+          <a:lnRef idx="2">
+            <a:schemeClr val="accent1">
+              <a:shade val="50000"/>
+            </a:schemeClr>
+          </a:lnRef>
+          <a:fillRef idx="1">
+            <a:schemeClr val="accent1"/>
+          </a:fillRef>
+          <a:effectRef idx="0">
+            <a:schemeClr val="accent1"/>
+          </a:effectRef>
+          <a:fontRef idx="minor">
+            <a:schemeClr val="lt1"/>
+          </a:fontRef>
+        </p:style>
+        <p:txBody>
+          <a:bodyPr rtlCol="0" anchor="ctr"/>
+          <a:lstStyle/>
+          <a:p>
+            <a:endParaRPr lang="en-US" sz="900" dirty="0">
+              <a:solidFill>
+                <a:schemeClr val="tx1"/>
+              </a:solidFill>
+              <a:latin typeface="Consolas" pitchFamily="49" charset="0"/>
+              <a:cs typeface="Consolas" pitchFamily="49" charset="0"/>
+            </a:endParaRPr>
+          </a:p>
+        </p:txBody>
+      </p:sp>
+    </p:spTree>
+    <p:extLst>
+      <p:ext uri="{BB962C8B-B14F-4D97-AF65-F5344CB8AC3E}">
+        <p14:creationId xmlns:p14="http://schemas.microsoft.com/office/powerpoint/2010/main" val="2657819292"/>
       </p:ext>
     </p:extLst>
   </p:cSld>

--- a/figs_src/diagrams.pptx
+++ b/figs_src/diagrams.pptx
@@ -172,7 +172,7 @@
           </a:prstGeom>
         </p:spPr>
         <p:txBody>
-          <a:bodyPr vert="horz" lIns="54261" tIns="27131" rIns="54261" bIns="27131" rtlCol="0"/>
+          <a:bodyPr vert="horz" lIns="54252" tIns="27126" rIns="54252" bIns="27126" rtlCol="0"/>
           <a:lstStyle>
             <a:lvl1pPr algn="l">
               <a:defRPr sz="700"/>
@@ -203,7 +203,7 @@
           </a:prstGeom>
         </p:spPr>
         <p:txBody>
-          <a:bodyPr vert="horz" lIns="54261" tIns="27131" rIns="54261" bIns="27131" rtlCol="0"/>
+          <a:bodyPr vert="horz" lIns="54252" tIns="27126" rIns="54252" bIns="27126" rtlCol="0"/>
           <a:lstStyle>
             <a:lvl1pPr algn="r">
               <a:defRPr sz="700"/>
@@ -244,7 +244,7 @@
           </a:ln>
         </p:spPr>
         <p:txBody>
-          <a:bodyPr vert="horz" lIns="54261" tIns="27131" rIns="54261" bIns="27131" rtlCol="0" anchor="ctr"/>
+          <a:bodyPr vert="horz" lIns="54252" tIns="27126" rIns="54252" bIns="27126" rtlCol="0" anchor="ctr"/>
           <a:lstStyle/>
           <a:p>
             <a:endParaRPr lang="en-US"/>
@@ -271,7 +271,7 @@
           </a:prstGeom>
         </p:spPr>
         <p:txBody>
-          <a:bodyPr vert="horz" lIns="54261" tIns="27131" rIns="54261" bIns="27131" rtlCol="0"/>
+          <a:bodyPr vert="horz" lIns="54252" tIns="27126" rIns="54252" bIns="27126" rtlCol="0"/>
           <a:lstStyle/>
           <a:p>
             <a:pPr lvl="0"/>
@@ -331,7 +331,7 @@
           </a:prstGeom>
         </p:spPr>
         <p:txBody>
-          <a:bodyPr vert="horz" lIns="54261" tIns="27131" rIns="54261" bIns="27131" rtlCol="0" anchor="b"/>
+          <a:bodyPr vert="horz" lIns="54252" tIns="27126" rIns="54252" bIns="27126" rtlCol="0" anchor="b"/>
           <a:lstStyle>
             <a:lvl1pPr algn="l">
               <a:defRPr sz="700"/>
@@ -362,7 +362,7 @@
           </a:prstGeom>
         </p:spPr>
         <p:txBody>
-          <a:bodyPr vert="horz" lIns="54261" tIns="27131" rIns="54261" bIns="27131" rtlCol="0" anchor="b"/>
+          <a:bodyPr vert="horz" lIns="54252" tIns="27126" rIns="54252" bIns="27126" rtlCol="0" anchor="b"/>
           <a:lstStyle>
             <a:lvl1pPr algn="r">
               <a:defRPr sz="700"/>
@@ -11765,7 +11765,7 @@
                 <a:latin typeface="Times New Roman" pitchFamily="18" charset="0"/>
                 <a:cs typeface="Times New Roman" pitchFamily="18" charset="0"/>
               </a:rPr>
-              <a:t>Monitoring Core</a:t>
+              <a:t>Monitor</a:t>
             </a:r>
           </a:p>
         </p:txBody>
@@ -11822,20 +11822,7 @@
                 <a:latin typeface="Times New Roman" pitchFamily="18" charset="0"/>
                 <a:cs typeface="Times New Roman" pitchFamily="18" charset="0"/>
               </a:rPr>
-              <a:t>Main</a:t>
-            </a:r>
-          </a:p>
-          <a:p>
-            <a:pPr algn="ctr"/>
-            <a:r>
-              <a:rPr lang="en-US" sz="900" dirty="0" smtClean="0">
-                <a:solidFill>
-                  <a:schemeClr val="tx1"/>
-                </a:solidFill>
-                <a:latin typeface="Times New Roman" pitchFamily="18" charset="0"/>
-                <a:cs typeface="Times New Roman" pitchFamily="18" charset="0"/>
-              </a:rPr>
-              <a:t>Core</a:t>
+              <a:t>Main Core</a:t>
             </a:r>
           </a:p>
         </p:txBody>
@@ -11954,6 +11941,127 @@
               <a:t>monitoring event</a:t>
             </a:r>
             <a:endParaRPr lang="en-US" sz="900" dirty="0">
+              <a:solidFill>
+                <a:schemeClr val="tx1"/>
+              </a:solidFill>
+              <a:latin typeface="Times New Roman" pitchFamily="18" charset="0"/>
+              <a:cs typeface="Times New Roman" pitchFamily="18" charset="0"/>
+            </a:endParaRPr>
+          </a:p>
+        </p:txBody>
+      </p:sp>
+      <p:sp>
+        <p:nvSpPr>
+          <p:cNvPr id="17" name="Rectangle 16"/>
+          <p:cNvSpPr/>
+          <p:nvPr/>
+        </p:nvSpPr>
+        <p:spPr>
+          <a:xfrm>
+            <a:off x="140810" y="500223"/>
+            <a:ext cx="729695" cy="177841"/>
+          </a:xfrm>
+          <a:prstGeom prst="rect">
+            <a:avLst/>
+          </a:prstGeom>
+          <a:solidFill>
+            <a:srgbClr val="66CCFF"/>
+          </a:solidFill>
+          <a:ln w="9525">
+            <a:solidFill>
+              <a:schemeClr val="tx1"/>
+            </a:solidFill>
+          </a:ln>
+        </p:spPr>
+        <p:style>
+          <a:lnRef idx="2">
+            <a:schemeClr val="accent1">
+              <a:shade val="50000"/>
+            </a:schemeClr>
+          </a:lnRef>
+          <a:fillRef idx="1">
+            <a:schemeClr val="accent1"/>
+          </a:fillRef>
+          <a:effectRef idx="0">
+            <a:schemeClr val="accent1"/>
+          </a:effectRef>
+          <a:fontRef idx="minor">
+            <a:schemeClr val="lt1"/>
+          </a:fontRef>
+        </p:style>
+        <p:txBody>
+          <a:bodyPr rtlCol="0" anchor="ctr"/>
+          <a:lstStyle/>
+          <a:p>
+            <a:pPr algn="ctr"/>
+            <a:r>
+              <a:rPr lang="en-US" sz="800" dirty="0" smtClean="0">
+                <a:solidFill>
+                  <a:schemeClr val="tx1"/>
+                </a:solidFill>
+                <a:latin typeface="Times New Roman" pitchFamily="18" charset="0"/>
+                <a:cs typeface="Times New Roman" pitchFamily="18" charset="0"/>
+              </a:rPr>
+              <a:t>Register File</a:t>
+            </a:r>
+          </a:p>
+        </p:txBody>
+      </p:sp>
+      <p:sp>
+        <p:nvSpPr>
+          <p:cNvPr id="18" name="Rectangle 17"/>
+          <p:cNvSpPr/>
+          <p:nvPr/>
+        </p:nvSpPr>
+        <p:spPr>
+          <a:xfrm>
+            <a:off x="2445110" y="500223"/>
+            <a:ext cx="729695" cy="177841"/>
+          </a:xfrm>
+          <a:prstGeom prst="rect">
+            <a:avLst/>
+          </a:prstGeom>
+          <a:solidFill>
+            <a:srgbClr val="66CCFF"/>
+          </a:solidFill>
+          <a:ln w="9525">
+            <a:solidFill>
+              <a:schemeClr val="tx1"/>
+            </a:solidFill>
+          </a:ln>
+        </p:spPr>
+        <p:style>
+          <a:lnRef idx="2">
+            <a:schemeClr val="accent1">
+              <a:shade val="50000"/>
+            </a:schemeClr>
+          </a:lnRef>
+          <a:fillRef idx="1">
+            <a:schemeClr val="accent1"/>
+          </a:fillRef>
+          <a:effectRef idx="0">
+            <a:schemeClr val="accent1"/>
+          </a:effectRef>
+          <a:fontRef idx="minor">
+            <a:schemeClr val="lt1"/>
+          </a:fontRef>
+        </p:style>
+        <p:txBody>
+          <a:bodyPr rtlCol="0" anchor="ctr"/>
+          <a:lstStyle/>
+          <a:p>
+            <a:pPr algn="ctr"/>
+            <a:r>
+              <a:rPr lang="en-US" sz="800" dirty="0" smtClean="0">
+                <a:solidFill>
+                  <a:schemeClr val="tx1"/>
+                </a:solidFill>
+                <a:latin typeface="Times New Roman" pitchFamily="18" charset="0"/>
+                <a:cs typeface="Times New Roman" pitchFamily="18" charset="0"/>
+              </a:rPr>
+              <a:t>RF Metadata</a:t>
+            </a:r>
+            <a:endParaRPr lang="en-US" sz="800" dirty="0" smtClean="0">
               <a:solidFill>
                 <a:schemeClr val="tx1"/>
               </a:solidFill>
@@ -13159,14 +13267,7 @@
                 <a:latin typeface="Consolas" pitchFamily="49" charset="0"/>
                 <a:cs typeface="Consolas" pitchFamily="49" charset="0"/>
               </a:rPr>
-              <a:t>[1] = </a:t>
-            </a:r>
-            <a:r>
-              <a:rPr lang="en-US" sz="600" dirty="0" smtClean="0">
-                <a:latin typeface="Consolas" pitchFamily="49" charset="0"/>
-                <a:cs typeface="Consolas" pitchFamily="49" charset="0"/>
-              </a:rPr>
-              <a:t>false</a:t>
+              <a:t>[1] = false</a:t>
             </a:r>
             <a:endParaRPr lang="en-US" sz="600" dirty="0">
               <a:latin typeface="Consolas" pitchFamily="49" charset="0"/>
@@ -13191,41 +13292,171 @@
                 <a:latin typeface="Consolas" pitchFamily="49" charset="0"/>
                 <a:cs typeface="Consolas" pitchFamily="49" charset="0"/>
               </a:rPr>
-              <a:t>2</a:t>
+              <a:t>2: </a:t>
+            </a:r>
+            <a:r>
+              <a:rPr lang="en-US" sz="600" dirty="0" err="1" smtClean="0">
+                <a:latin typeface="Consolas" pitchFamily="49" charset="0"/>
+                <a:cs typeface="Consolas" pitchFamily="49" charset="0"/>
+              </a:rPr>
+              <a:t>rf_null</a:t>
             </a:r>
             <a:r>
               <a:rPr lang="en-US" sz="600" dirty="0" smtClean="0">
                 <a:latin typeface="Consolas" pitchFamily="49" charset="0"/>
                 <a:cs typeface="Consolas" pitchFamily="49" charset="0"/>
               </a:rPr>
-              <a:t>: </a:t>
-            </a:r>
-            <a:r>
-              <a:rPr lang="en-US" sz="600" dirty="0" err="1" smtClean="0">
-                <a:latin typeface="Consolas" pitchFamily="49" charset="0"/>
-                <a:cs typeface="Consolas" pitchFamily="49" charset="0"/>
-              </a:rPr>
-              <a:t>rf_null</a:t>
-            </a:r>
-            <a:r>
-              <a:rPr lang="en-US" sz="600" dirty="0" smtClean="0">
-                <a:latin typeface="Consolas" pitchFamily="49" charset="0"/>
-                <a:cs typeface="Consolas" pitchFamily="49" charset="0"/>
-              </a:rPr>
               <a:t>[2] = true</a:t>
             </a:r>
+          </a:p>
+          <a:p>
+            <a:endParaRPr lang="en-US" sz="600" dirty="0">
+              <a:latin typeface="Consolas" pitchFamily="49" charset="0"/>
+              <a:cs typeface="Consolas" pitchFamily="49" charset="0"/>
+            </a:endParaRPr>
+          </a:p>
+          <a:p>
             <a:endParaRPr lang="en-US" sz="600" dirty="0" smtClean="0">
               <a:latin typeface="Consolas" pitchFamily="49" charset="0"/>
               <a:cs typeface="Consolas" pitchFamily="49" charset="0"/>
             </a:endParaRPr>
           </a:p>
           <a:p>
+            <a:r>
+              <a:rPr lang="en-US" sz="600" dirty="0" smtClean="0">
+                <a:latin typeface="Consolas" pitchFamily="49" charset="0"/>
+                <a:cs typeface="Consolas" pitchFamily="49" charset="0"/>
+              </a:rPr>
+              <a:t>3: </a:t>
+            </a:r>
+            <a:r>
+              <a:rPr lang="en-US" sz="600" dirty="0" err="1" smtClean="0">
+                <a:latin typeface="Consolas" pitchFamily="49" charset="0"/>
+                <a:cs typeface="Consolas" pitchFamily="49" charset="0"/>
+              </a:rPr>
+              <a:t>rf_null</a:t>
+            </a:r>
+            <a:r>
+              <a:rPr lang="en-US" sz="600" dirty="0" smtClean="0">
+                <a:latin typeface="Consolas" pitchFamily="49" charset="0"/>
+                <a:cs typeface="Consolas" pitchFamily="49" charset="0"/>
+              </a:rPr>
+              <a:t>[3] = true</a:t>
+            </a:r>
+          </a:p>
+          <a:p>
             <a:endParaRPr lang="en-US" sz="600" dirty="0">
               <a:latin typeface="Consolas" pitchFamily="49" charset="0"/>
               <a:cs typeface="Consolas" pitchFamily="49" charset="0"/>
             </a:endParaRPr>
           </a:p>
           <a:p>
+            <a:r>
+              <a:rPr lang="en-US" sz="600" dirty="0" smtClean="0">
+                <a:latin typeface="Consolas" pitchFamily="49" charset="0"/>
+                <a:cs typeface="Consolas" pitchFamily="49" charset="0"/>
+              </a:rPr>
+              <a:t>3b: if (</a:t>
+            </a:r>
+            <a:r>
+              <a:rPr lang="en-US" sz="600" dirty="0" err="1" smtClean="0">
+                <a:latin typeface="Consolas" pitchFamily="49" charset="0"/>
+                <a:cs typeface="Consolas" pitchFamily="49" charset="0"/>
+              </a:rPr>
+              <a:t>rf_null</a:t>
+            </a:r>
+            <a:r>
+              <a:rPr lang="en-US" sz="600" dirty="0" smtClean="0">
+                <a:latin typeface="Consolas" pitchFamily="49" charset="0"/>
+                <a:cs typeface="Consolas" pitchFamily="49" charset="0"/>
+              </a:rPr>
+              <a:t>[1] &amp;&amp; </a:t>
+            </a:r>
+            <a:r>
+              <a:rPr lang="en-US" sz="600" dirty="0" err="1" smtClean="0">
+                <a:latin typeface="Consolas" pitchFamily="49" charset="0"/>
+                <a:cs typeface="Consolas" pitchFamily="49" charset="0"/>
+              </a:rPr>
+              <a:t>rf_null</a:t>
+            </a:r>
+            <a:r>
+              <a:rPr lang="en-US" sz="600" dirty="0" smtClean="0">
+                <a:latin typeface="Consolas" pitchFamily="49" charset="0"/>
+                <a:cs typeface="Consolas" pitchFamily="49" charset="0"/>
+              </a:rPr>
+              <a:t>[3]) {</a:t>
+            </a:r>
+          </a:p>
+          <a:p>
+            <a:r>
+              <a:rPr lang="en-US" sz="600" dirty="0">
+                <a:latin typeface="Consolas" pitchFamily="49" charset="0"/>
+                <a:cs typeface="Consolas" pitchFamily="49" charset="0"/>
+              </a:rPr>
+              <a:t> </a:t>
+            </a:r>
+            <a:r>
+              <a:rPr lang="en-US" sz="600" dirty="0" smtClean="0">
+                <a:latin typeface="Consolas" pitchFamily="49" charset="0"/>
+                <a:cs typeface="Consolas" pitchFamily="49" charset="0"/>
+              </a:rPr>
+              <a:t>     // drop monitoring</a:t>
+            </a:r>
+          </a:p>
+          <a:p>
+            <a:r>
+              <a:rPr lang="en-US" sz="600" dirty="0">
+                <a:latin typeface="Consolas" pitchFamily="49" charset="0"/>
+                <a:cs typeface="Consolas" pitchFamily="49" charset="0"/>
+              </a:rPr>
+              <a:t> </a:t>
+            </a:r>
+            <a:r>
+              <a:rPr lang="en-US" sz="600" dirty="0" smtClean="0">
+                <a:latin typeface="Consolas" pitchFamily="49" charset="0"/>
+                <a:cs typeface="Consolas" pitchFamily="49" charset="0"/>
+              </a:rPr>
+              <a:t>   }</a:t>
+            </a:r>
+          </a:p>
+          <a:p>
+            <a:r>
+              <a:rPr lang="en-US" sz="600" dirty="0" smtClean="0">
+                <a:latin typeface="Consolas" pitchFamily="49" charset="0"/>
+                <a:cs typeface="Consolas" pitchFamily="49" charset="0"/>
+              </a:rPr>
+              <a:t>    </a:t>
+            </a:r>
+            <a:r>
+              <a:rPr lang="en-US" sz="600" dirty="0" err="1" smtClean="0">
+                <a:latin typeface="Consolas" pitchFamily="49" charset="0"/>
+                <a:cs typeface="Consolas" pitchFamily="49" charset="0"/>
+              </a:rPr>
+              <a:t>mem_null</a:t>
+            </a:r>
+            <a:r>
+              <a:rPr lang="en-US" sz="600" dirty="0" smtClean="0">
+                <a:latin typeface="Consolas" pitchFamily="49" charset="0"/>
+                <a:cs typeface="Consolas" pitchFamily="49" charset="0"/>
+              </a:rPr>
+              <a:t>[r3 + 12] = </a:t>
+            </a:r>
+            <a:r>
+              <a:rPr lang="en-US" sz="600" dirty="0" err="1" smtClean="0">
+                <a:latin typeface="Consolas" pitchFamily="49" charset="0"/>
+                <a:cs typeface="Consolas" pitchFamily="49" charset="0"/>
+              </a:rPr>
+              <a:t>rf_null</a:t>
+            </a:r>
+            <a:r>
+              <a:rPr lang="en-US" sz="600" dirty="0" smtClean="0">
+                <a:latin typeface="Consolas" pitchFamily="49" charset="0"/>
+                <a:cs typeface="Consolas" pitchFamily="49" charset="0"/>
+              </a:rPr>
+              <a:t>[r3]</a:t>
+            </a:r>
+          </a:p>
+          <a:p>
             <a:endParaRPr lang="en-US" sz="600" dirty="0" smtClean="0">
               <a:latin typeface="Consolas" pitchFamily="49" charset="0"/>
               <a:cs typeface="Consolas" pitchFamily="49" charset="0"/>
@@ -13233,212 +13464,18 @@
           </a:p>
           <a:p>
             <a:r>
+              <a:rPr lang="en-US" sz="600" dirty="0">
+                <a:latin typeface="Consolas" pitchFamily="49" charset="0"/>
+                <a:cs typeface="Consolas" pitchFamily="49" charset="0"/>
+              </a:rPr>
+              <a:t>4</a:t>
+            </a:r>
+            <a:r>
               <a:rPr lang="en-US" sz="600" dirty="0" smtClean="0">
                 <a:latin typeface="Consolas" pitchFamily="49" charset="0"/>
                 <a:cs typeface="Consolas" pitchFamily="49" charset="0"/>
               </a:rPr>
-              <a:t>3</a:t>
-            </a:r>
-            <a:r>
-              <a:rPr lang="en-US" sz="600" dirty="0" smtClean="0">
-                <a:latin typeface="Consolas" pitchFamily="49" charset="0"/>
-                <a:cs typeface="Consolas" pitchFamily="49" charset="0"/>
-              </a:rPr>
-              <a:t>: </a:t>
-            </a:r>
-            <a:r>
-              <a:rPr lang="en-US" sz="600" dirty="0" err="1" smtClean="0">
-                <a:latin typeface="Consolas" pitchFamily="49" charset="0"/>
-                <a:cs typeface="Consolas" pitchFamily="49" charset="0"/>
-              </a:rPr>
-              <a:t>rf_null</a:t>
-            </a:r>
-            <a:r>
-              <a:rPr lang="en-US" sz="600" dirty="0" smtClean="0">
-                <a:latin typeface="Consolas" pitchFamily="49" charset="0"/>
-                <a:cs typeface="Consolas" pitchFamily="49" charset="0"/>
-              </a:rPr>
-              <a:t>[3] = true</a:t>
-            </a:r>
-          </a:p>
-          <a:p>
-            <a:endParaRPr lang="en-US" sz="600" dirty="0">
-              <a:latin typeface="Consolas" pitchFamily="49" charset="0"/>
-              <a:cs typeface="Consolas" pitchFamily="49" charset="0"/>
-            </a:endParaRPr>
-          </a:p>
-          <a:p>
-            <a:r>
-              <a:rPr lang="en-US" sz="600" dirty="0" smtClean="0">
-                <a:latin typeface="Consolas" pitchFamily="49" charset="0"/>
-                <a:cs typeface="Consolas" pitchFamily="49" charset="0"/>
-              </a:rPr>
-              <a:t>3b</a:t>
-            </a:r>
-            <a:r>
-              <a:rPr lang="en-US" sz="600" dirty="0" smtClean="0">
-                <a:latin typeface="Consolas" pitchFamily="49" charset="0"/>
-                <a:cs typeface="Consolas" pitchFamily="49" charset="0"/>
-              </a:rPr>
-              <a:t>: </a:t>
-            </a:r>
-            <a:r>
-              <a:rPr lang="en-US" sz="600" dirty="0" smtClean="0">
-                <a:latin typeface="Consolas" pitchFamily="49" charset="0"/>
-                <a:cs typeface="Consolas" pitchFamily="49" charset="0"/>
-              </a:rPr>
-              <a:t>if (</a:t>
-            </a:r>
-            <a:r>
-              <a:rPr lang="en-US" sz="600" dirty="0" err="1" smtClean="0">
-                <a:latin typeface="Consolas" pitchFamily="49" charset="0"/>
-                <a:cs typeface="Consolas" pitchFamily="49" charset="0"/>
-              </a:rPr>
-              <a:t>rf_null</a:t>
-            </a:r>
-            <a:r>
-              <a:rPr lang="en-US" sz="600" dirty="0" smtClean="0">
-                <a:latin typeface="Consolas" pitchFamily="49" charset="0"/>
-                <a:cs typeface="Consolas" pitchFamily="49" charset="0"/>
-              </a:rPr>
-              <a:t>[1] &amp;&amp; </a:t>
-            </a:r>
-            <a:r>
-              <a:rPr lang="en-US" sz="600" dirty="0" err="1" smtClean="0">
-                <a:latin typeface="Consolas" pitchFamily="49" charset="0"/>
-                <a:cs typeface="Consolas" pitchFamily="49" charset="0"/>
-              </a:rPr>
-              <a:t>rf_null</a:t>
-            </a:r>
-            <a:r>
-              <a:rPr lang="en-US" sz="600" dirty="0" smtClean="0">
-                <a:latin typeface="Consolas" pitchFamily="49" charset="0"/>
-                <a:cs typeface="Consolas" pitchFamily="49" charset="0"/>
-              </a:rPr>
-              <a:t>[3]) {</a:t>
-            </a:r>
-          </a:p>
-          <a:p>
-            <a:r>
-              <a:rPr lang="en-US" sz="600" dirty="0">
-                <a:latin typeface="Consolas" pitchFamily="49" charset="0"/>
-                <a:cs typeface="Consolas" pitchFamily="49" charset="0"/>
-              </a:rPr>
-              <a:t> </a:t>
-            </a:r>
-            <a:r>
-              <a:rPr lang="en-US" sz="600" dirty="0" smtClean="0">
-                <a:latin typeface="Consolas" pitchFamily="49" charset="0"/>
-                <a:cs typeface="Consolas" pitchFamily="49" charset="0"/>
-              </a:rPr>
-              <a:t>    </a:t>
-            </a:r>
-            <a:r>
-              <a:rPr lang="en-US" sz="600" dirty="0" smtClean="0">
-                <a:latin typeface="Consolas" pitchFamily="49" charset="0"/>
-                <a:cs typeface="Consolas" pitchFamily="49" charset="0"/>
-              </a:rPr>
-              <a:t> // </a:t>
-            </a:r>
-            <a:r>
-              <a:rPr lang="en-US" sz="600" dirty="0" smtClean="0">
-                <a:latin typeface="Consolas" pitchFamily="49" charset="0"/>
-                <a:cs typeface="Consolas" pitchFamily="49" charset="0"/>
-              </a:rPr>
-              <a:t>drop monitoring</a:t>
-            </a:r>
-          </a:p>
-          <a:p>
-            <a:r>
-              <a:rPr lang="en-US" sz="600" dirty="0">
-                <a:latin typeface="Consolas" pitchFamily="49" charset="0"/>
-                <a:cs typeface="Consolas" pitchFamily="49" charset="0"/>
-              </a:rPr>
-              <a:t> </a:t>
-            </a:r>
-            <a:r>
-              <a:rPr lang="en-US" sz="600" dirty="0" smtClean="0">
-                <a:latin typeface="Consolas" pitchFamily="49" charset="0"/>
-                <a:cs typeface="Consolas" pitchFamily="49" charset="0"/>
-              </a:rPr>
-              <a:t>  </a:t>
-            </a:r>
-            <a:r>
-              <a:rPr lang="en-US" sz="600" dirty="0" smtClean="0">
-                <a:latin typeface="Consolas" pitchFamily="49" charset="0"/>
-                <a:cs typeface="Consolas" pitchFamily="49" charset="0"/>
-              </a:rPr>
-              <a:t> }</a:t>
-            </a:r>
-          </a:p>
-          <a:p>
-            <a:r>
-              <a:rPr lang="en-US" sz="600" dirty="0" smtClean="0">
-                <a:latin typeface="Consolas" pitchFamily="49" charset="0"/>
-                <a:cs typeface="Consolas" pitchFamily="49" charset="0"/>
-              </a:rPr>
-              <a:t>    </a:t>
-            </a:r>
-            <a:r>
-              <a:rPr lang="en-US" sz="600" dirty="0" err="1" smtClean="0">
-                <a:latin typeface="Consolas" pitchFamily="49" charset="0"/>
-                <a:cs typeface="Consolas" pitchFamily="49" charset="0"/>
-              </a:rPr>
-              <a:t>mem_null</a:t>
-            </a:r>
-            <a:r>
-              <a:rPr lang="en-US" sz="600" dirty="0" smtClean="0">
-                <a:latin typeface="Consolas" pitchFamily="49" charset="0"/>
-                <a:cs typeface="Consolas" pitchFamily="49" charset="0"/>
-              </a:rPr>
-              <a:t>[r3 + 12] = </a:t>
-            </a:r>
-            <a:r>
-              <a:rPr lang="en-US" sz="600" dirty="0" err="1" smtClean="0">
-                <a:latin typeface="Consolas" pitchFamily="49" charset="0"/>
-                <a:cs typeface="Consolas" pitchFamily="49" charset="0"/>
-              </a:rPr>
-              <a:t>rf_null</a:t>
-            </a:r>
-            <a:r>
-              <a:rPr lang="en-US" sz="600" dirty="0" smtClean="0">
-                <a:latin typeface="Consolas" pitchFamily="49" charset="0"/>
-                <a:cs typeface="Consolas" pitchFamily="49" charset="0"/>
-              </a:rPr>
-              <a:t>[r3]</a:t>
-            </a:r>
-            <a:endParaRPr lang="en-US" sz="600" dirty="0" smtClean="0">
-              <a:latin typeface="Consolas" pitchFamily="49" charset="0"/>
-              <a:cs typeface="Consolas" pitchFamily="49" charset="0"/>
-            </a:endParaRPr>
-          </a:p>
-          <a:p>
-            <a:endParaRPr lang="en-US" sz="600" dirty="0" smtClean="0">
-              <a:latin typeface="Consolas" pitchFamily="49" charset="0"/>
-              <a:cs typeface="Consolas" pitchFamily="49" charset="0"/>
-            </a:endParaRPr>
-          </a:p>
-          <a:p>
-            <a:r>
-              <a:rPr lang="en-US" sz="600" dirty="0">
-                <a:latin typeface="Consolas" pitchFamily="49" charset="0"/>
-                <a:cs typeface="Consolas" pitchFamily="49" charset="0"/>
-              </a:rPr>
-              <a:t>4</a:t>
-            </a:r>
-            <a:r>
-              <a:rPr lang="en-US" sz="600" dirty="0" smtClean="0">
-                <a:latin typeface="Consolas" pitchFamily="49" charset="0"/>
-                <a:cs typeface="Consolas" pitchFamily="49" charset="0"/>
-              </a:rPr>
-              <a:t>: </a:t>
-            </a:r>
-            <a:r>
-              <a:rPr lang="en-US" sz="600" dirty="0" smtClean="0">
-                <a:latin typeface="Consolas" pitchFamily="49" charset="0"/>
-                <a:cs typeface="Consolas" pitchFamily="49" charset="0"/>
-              </a:rPr>
-              <a:t>if (</a:t>
+              <a:t>: if (</a:t>
             </a:r>
             <a:r>
               <a:rPr lang="en-US" sz="600" dirty="0" err="1" smtClean="0">

--- a/figs_src/diagrams.pptx
+++ b/figs_src/diagrams.pptx
@@ -212,7 +212,7 @@
           <a:p>
             <a:fld id="{843567C3-09B7-4EC5-8695-9659B6A4537F}" type="datetimeFigureOut">
               <a:rPr lang="en-US" smtClean="0"/>
-              <a:t>9/11/2014</a:t>
+              <a:t>9/12/2014</a:t>
             </a:fld>
             <a:endParaRPr lang="en-US"/>
           </a:p>
@@ -662,7 +662,7 @@
             <a:fld id="{1D8BD707-D9CF-40AE-B4C6-C98DA3205C09}" type="datetimeFigureOut">
               <a:rPr lang="en-US" smtClean="0"/>
               <a:pPr/>
-              <a:t>9/11/2014</a:t>
+              <a:t>9/12/2014</a:t>
             </a:fld>
             <a:endParaRPr lang="en-US"/>
           </a:p>
@@ -829,7 +829,7 @@
             <a:fld id="{1D8BD707-D9CF-40AE-B4C6-C98DA3205C09}" type="datetimeFigureOut">
               <a:rPr lang="en-US" smtClean="0"/>
               <a:pPr/>
-              <a:t>9/11/2014</a:t>
+              <a:t>9/12/2014</a:t>
             </a:fld>
             <a:endParaRPr lang="en-US"/>
           </a:p>
@@ -1006,7 +1006,7 @@
             <a:fld id="{1D8BD707-D9CF-40AE-B4C6-C98DA3205C09}" type="datetimeFigureOut">
               <a:rPr lang="en-US" smtClean="0"/>
               <a:pPr/>
-              <a:t>9/11/2014</a:t>
+              <a:t>9/12/2014</a:t>
             </a:fld>
             <a:endParaRPr lang="en-US"/>
           </a:p>
@@ -1173,7 +1173,7 @@
             <a:fld id="{1D8BD707-D9CF-40AE-B4C6-C98DA3205C09}" type="datetimeFigureOut">
               <a:rPr lang="en-US" smtClean="0"/>
               <a:pPr/>
-              <a:t>9/11/2014</a:t>
+              <a:t>9/12/2014</a:t>
             </a:fld>
             <a:endParaRPr lang="en-US"/>
           </a:p>
@@ -1416,7 +1416,7 @@
             <a:fld id="{1D8BD707-D9CF-40AE-B4C6-C98DA3205C09}" type="datetimeFigureOut">
               <a:rPr lang="en-US" smtClean="0"/>
               <a:pPr/>
-              <a:t>9/11/2014</a:t>
+              <a:t>9/12/2014</a:t>
             </a:fld>
             <a:endParaRPr lang="en-US"/>
           </a:p>
@@ -1701,7 +1701,7 @@
             <a:fld id="{1D8BD707-D9CF-40AE-B4C6-C98DA3205C09}" type="datetimeFigureOut">
               <a:rPr lang="en-US" smtClean="0"/>
               <a:pPr/>
-              <a:t>9/11/2014</a:t>
+              <a:t>9/12/2014</a:t>
             </a:fld>
             <a:endParaRPr lang="en-US"/>
           </a:p>
@@ -2120,7 +2120,7 @@
             <a:fld id="{1D8BD707-D9CF-40AE-B4C6-C98DA3205C09}" type="datetimeFigureOut">
               <a:rPr lang="en-US" smtClean="0"/>
               <a:pPr/>
-              <a:t>9/11/2014</a:t>
+              <a:t>9/12/2014</a:t>
             </a:fld>
             <a:endParaRPr lang="en-US"/>
           </a:p>
@@ -2235,7 +2235,7 @@
             <a:fld id="{1D8BD707-D9CF-40AE-B4C6-C98DA3205C09}" type="datetimeFigureOut">
               <a:rPr lang="en-US" smtClean="0"/>
               <a:pPr/>
-              <a:t>9/11/2014</a:t>
+              <a:t>9/12/2014</a:t>
             </a:fld>
             <a:endParaRPr lang="en-US"/>
           </a:p>
@@ -2327,7 +2327,7 @@
             <a:fld id="{1D8BD707-D9CF-40AE-B4C6-C98DA3205C09}" type="datetimeFigureOut">
               <a:rPr lang="en-US" smtClean="0"/>
               <a:pPr/>
-              <a:t>9/11/2014</a:t>
+              <a:t>9/12/2014</a:t>
             </a:fld>
             <a:endParaRPr lang="en-US"/>
           </a:p>
@@ -2601,7 +2601,7 @@
             <a:fld id="{1D8BD707-D9CF-40AE-B4C6-C98DA3205C09}" type="datetimeFigureOut">
               <a:rPr lang="en-US" smtClean="0"/>
               <a:pPr/>
-              <a:t>9/11/2014</a:t>
+              <a:t>9/12/2014</a:t>
             </a:fld>
             <a:endParaRPr lang="en-US"/>
           </a:p>
@@ -2851,7 +2851,7 @@
             <a:fld id="{1D8BD707-D9CF-40AE-B4C6-C98DA3205C09}" type="datetimeFigureOut">
               <a:rPr lang="en-US" smtClean="0"/>
               <a:pPr/>
-              <a:t>9/11/2014</a:t>
+              <a:t>9/12/2014</a:t>
             </a:fld>
             <a:endParaRPr lang="en-US"/>
           </a:p>
@@ -3061,7 +3061,7 @@
             <a:fld id="{1D8BD707-D9CF-40AE-B4C6-C98DA3205C09}" type="datetimeFigureOut">
               <a:rPr lang="en-US" smtClean="0"/>
               <a:pPr/>
-              <a:t>9/11/2014</a:t>
+              <a:t>9/12/2014</a:t>
             </a:fld>
             <a:endParaRPr lang="en-US"/>
           </a:p>
@@ -12061,13 +12061,6 @@
               </a:rPr>
               <a:t>RF Metadata</a:t>
             </a:r>
-            <a:endParaRPr lang="en-US" sz="800" dirty="0" smtClean="0">
-              <a:solidFill>
-                <a:schemeClr val="tx1"/>
-              </a:solidFill>
-              <a:latin typeface="Times New Roman" pitchFamily="18" charset="0"/>
-              <a:cs typeface="Times New Roman" pitchFamily="18" charset="0"/>
-            </a:endParaRPr>
           </a:p>
         </p:txBody>
       </p:sp>
@@ -13161,8 +13154,8 @@
         </p:nvSpPr>
         <p:spPr>
           <a:xfrm>
-            <a:off x="192012" y="-23007"/>
-            <a:ext cx="1152150" cy="215444"/>
+            <a:off x="70398" y="-23007"/>
+            <a:ext cx="1292974" cy="230832"/>
           </a:xfrm>
           <a:prstGeom prst="rect">
             <a:avLst/>
@@ -13176,13 +13169,13 @@
           <a:lstStyle/>
           <a:p>
             <a:r>
-              <a:rPr lang="en-US" sz="800" dirty="0" smtClean="0">
+              <a:rPr lang="en-US" sz="900" dirty="0" smtClean="0">
                 <a:latin typeface="Times New Roman" pitchFamily="18" charset="0"/>
                 <a:cs typeface="Times New Roman" pitchFamily="18" charset="0"/>
               </a:rPr>
               <a:t>Main Core (Assembly)</a:t>
             </a:r>
-            <a:endParaRPr lang="en-US" sz="800" dirty="0">
+            <a:endParaRPr lang="en-US" sz="900" dirty="0">
               <a:latin typeface="Times New Roman" pitchFamily="18" charset="0"/>
               <a:cs typeface="Times New Roman" pitchFamily="18" charset="0"/>
             </a:endParaRPr>
@@ -13198,7 +13191,7 @@
         <p:spPr>
           <a:xfrm>
             <a:off x="1781675" y="-23007"/>
-            <a:ext cx="976117" cy="215444"/>
+            <a:ext cx="976117" cy="230832"/>
           </a:xfrm>
           <a:prstGeom prst="rect">
             <a:avLst/>
@@ -13213,13 +13206,13 @@
           <a:p>
             <a:pPr algn="ctr"/>
             <a:r>
-              <a:rPr lang="en-US" sz="800" dirty="0" smtClean="0">
+              <a:rPr lang="en-US" sz="900" dirty="0" smtClean="0">
                 <a:latin typeface="Times New Roman" pitchFamily="18" charset="0"/>
                 <a:cs typeface="Times New Roman" pitchFamily="18" charset="0"/>
               </a:rPr>
               <a:t>Null Filtering</a:t>
             </a:r>
-            <a:endParaRPr lang="en-US" sz="800" dirty="0">
+            <a:endParaRPr lang="en-US" sz="900" dirty="0">
               <a:latin typeface="Times New Roman" pitchFamily="18" charset="0"/>
               <a:cs typeface="Times New Roman" pitchFamily="18" charset="0"/>
             </a:endParaRPr>

--- a/figs_src/diagrams.pptx
+++ b/figs_src/diagrams.pptx
@@ -198,7 +198,7 @@
           <a:p>
             <a:fld id="{843567C3-09B7-4EC5-8695-9659B6A4537F}" type="datetimeFigureOut">
               <a:rPr lang="en-US" smtClean="0"/>
-              <a:t>9/12/2014</a:t>
+              <a:t>12/4/2014</a:t>
             </a:fld>
             <a:endParaRPr lang="en-US"/>
           </a:p>
@@ -648,7 +648,7 @@
             <a:fld id="{1D8BD707-D9CF-40AE-B4C6-C98DA3205C09}" type="datetimeFigureOut">
               <a:rPr lang="en-US" smtClean="0"/>
               <a:pPr/>
-              <a:t>9/12/2014</a:t>
+              <a:t>12/4/2014</a:t>
             </a:fld>
             <a:endParaRPr lang="en-US"/>
           </a:p>
@@ -815,7 +815,7 @@
             <a:fld id="{1D8BD707-D9CF-40AE-B4C6-C98DA3205C09}" type="datetimeFigureOut">
               <a:rPr lang="en-US" smtClean="0"/>
               <a:pPr/>
-              <a:t>9/12/2014</a:t>
+              <a:t>12/4/2014</a:t>
             </a:fld>
             <a:endParaRPr lang="en-US"/>
           </a:p>
@@ -992,7 +992,7 @@
             <a:fld id="{1D8BD707-D9CF-40AE-B4C6-C98DA3205C09}" type="datetimeFigureOut">
               <a:rPr lang="en-US" smtClean="0"/>
               <a:pPr/>
-              <a:t>9/12/2014</a:t>
+              <a:t>12/4/2014</a:t>
             </a:fld>
             <a:endParaRPr lang="en-US"/>
           </a:p>
@@ -1159,7 +1159,7 @@
             <a:fld id="{1D8BD707-D9CF-40AE-B4C6-C98DA3205C09}" type="datetimeFigureOut">
               <a:rPr lang="en-US" smtClean="0"/>
               <a:pPr/>
-              <a:t>9/12/2014</a:t>
+              <a:t>12/4/2014</a:t>
             </a:fld>
             <a:endParaRPr lang="en-US"/>
           </a:p>
@@ -1402,7 +1402,7 @@
             <a:fld id="{1D8BD707-D9CF-40AE-B4C6-C98DA3205C09}" type="datetimeFigureOut">
               <a:rPr lang="en-US" smtClean="0"/>
               <a:pPr/>
-              <a:t>9/12/2014</a:t>
+              <a:t>12/4/2014</a:t>
             </a:fld>
             <a:endParaRPr lang="en-US"/>
           </a:p>
@@ -1687,7 +1687,7 @@
             <a:fld id="{1D8BD707-D9CF-40AE-B4C6-C98DA3205C09}" type="datetimeFigureOut">
               <a:rPr lang="en-US" smtClean="0"/>
               <a:pPr/>
-              <a:t>9/12/2014</a:t>
+              <a:t>12/4/2014</a:t>
             </a:fld>
             <a:endParaRPr lang="en-US"/>
           </a:p>
@@ -2106,7 +2106,7 @@
             <a:fld id="{1D8BD707-D9CF-40AE-B4C6-C98DA3205C09}" type="datetimeFigureOut">
               <a:rPr lang="en-US" smtClean="0"/>
               <a:pPr/>
-              <a:t>9/12/2014</a:t>
+              <a:t>12/4/2014</a:t>
             </a:fld>
             <a:endParaRPr lang="en-US"/>
           </a:p>
@@ -2221,7 +2221,7 @@
             <a:fld id="{1D8BD707-D9CF-40AE-B4C6-C98DA3205C09}" type="datetimeFigureOut">
               <a:rPr lang="en-US" smtClean="0"/>
               <a:pPr/>
-              <a:t>9/12/2014</a:t>
+              <a:t>12/4/2014</a:t>
             </a:fld>
             <a:endParaRPr lang="en-US"/>
           </a:p>
@@ -2313,7 +2313,7 @@
             <a:fld id="{1D8BD707-D9CF-40AE-B4C6-C98DA3205C09}" type="datetimeFigureOut">
               <a:rPr lang="en-US" smtClean="0"/>
               <a:pPr/>
-              <a:t>9/12/2014</a:t>
+              <a:t>12/4/2014</a:t>
             </a:fld>
             <a:endParaRPr lang="en-US"/>
           </a:p>
@@ -2587,7 +2587,7 @@
             <a:fld id="{1D8BD707-D9CF-40AE-B4C6-C98DA3205C09}" type="datetimeFigureOut">
               <a:rPr lang="en-US" smtClean="0"/>
               <a:pPr/>
-              <a:t>9/12/2014</a:t>
+              <a:t>12/4/2014</a:t>
             </a:fld>
             <a:endParaRPr lang="en-US"/>
           </a:p>
@@ -2837,7 +2837,7 @@
             <a:fld id="{1D8BD707-D9CF-40AE-B4C6-C98DA3205C09}" type="datetimeFigureOut">
               <a:rPr lang="en-US" smtClean="0"/>
               <a:pPr/>
-              <a:t>9/12/2014</a:t>
+              <a:t>12/4/2014</a:t>
             </a:fld>
             <a:endParaRPr lang="en-US"/>
           </a:p>
@@ -3047,7 +3047,7 @@
             <a:fld id="{1D8BD707-D9CF-40AE-B4C6-C98DA3205C09}" type="datetimeFigureOut">
               <a:rPr lang="en-US" smtClean="0"/>
               <a:pPr/>
-              <a:t>9/12/2014</a:t>
+              <a:t>12/4/2014</a:t>
             </a:fld>
             <a:endParaRPr lang="en-US"/>
           </a:p>
@@ -4809,6 +4809,13 @@
   <p:clrMapOvr>
     <a:masterClrMapping/>
   </p:clrMapOvr>
+  <p:timing>
+    <p:tnLst>
+      <p:par>
+        <p:cTn id="1" dur="indefinite" restart="never" nodeType="tmRoot"/>
+      </p:par>
+    </p:tnLst>
+  </p:timing>
 </p:sld>
 </file>
 
@@ -5682,7 +5689,7 @@
         <p:spPr>
           <a:xfrm>
             <a:off x="1351867" y="164541"/>
-            <a:ext cx="0" cy="1609384"/>
+            <a:ext cx="0" cy="1661995"/>
           </a:xfrm>
           <a:prstGeom prst="line">
             <a:avLst/>
@@ -5717,7 +5724,7 @@
         <p:spPr>
           <a:xfrm>
             <a:off x="25596" y="164546"/>
-            <a:ext cx="3162006" cy="1609379"/>
+            <a:ext cx="3162006" cy="1661990"/>
           </a:xfrm>
           <a:prstGeom prst="rect">
             <a:avLst/>
@@ -5769,6 +5776,13 @@
   <p:clrMapOvr>
     <a:masterClrMapping/>
   </p:clrMapOvr>
+  <p:timing>
+    <p:tnLst>
+      <p:par>
+        <p:cTn id="1" dur="indefinite" restart="never" nodeType="tmRoot"/>
+      </p:par>
+    </p:tnLst>
+  </p:timing>
 </p:sld>
 </file>
 
@@ -6635,6 +6649,13 @@
   <p:clrMapOvr>
     <a:masterClrMapping/>
   </p:clrMapOvr>
+  <p:timing>
+    <p:tnLst>
+      <p:par>
+        <p:cTn id="1" dur="indefinite" restart="never" nodeType="tmRoot"/>
+      </p:par>
+    </p:tnLst>
+  </p:timing>
 </p:sld>
 </file>
 

--- a/figs_src/diagrams.pptx
+++ b/figs_src/diagrams.pptx
@@ -161,7 +161,7 @@
           </a:prstGeom>
         </p:spPr>
         <p:txBody>
-          <a:bodyPr vert="horz" lIns="54222" tIns="27111" rIns="54222" bIns="27111" rtlCol="0"/>
+          <a:bodyPr vert="horz" lIns="54213" tIns="27106" rIns="54213" bIns="27106" rtlCol="0"/>
           <a:lstStyle>
             <a:lvl1pPr algn="l">
               <a:defRPr sz="700"/>
@@ -192,7 +192,7 @@
           </a:prstGeom>
         </p:spPr>
         <p:txBody>
-          <a:bodyPr vert="horz" lIns="54222" tIns="27111" rIns="54222" bIns="27111" rtlCol="0"/>
+          <a:bodyPr vert="horz" lIns="54213" tIns="27106" rIns="54213" bIns="27106" rtlCol="0"/>
           <a:lstStyle>
             <a:lvl1pPr algn="r">
               <a:defRPr sz="700"/>
@@ -201,7 +201,7 @@
           <a:p>
             <a:fld id="{843567C3-09B7-4EC5-8695-9659B6A4537F}" type="datetimeFigureOut">
               <a:rPr lang="en-US" smtClean="0"/>
-              <a:t>12/16/2014</a:t>
+              <a:t>12/19/2014</a:t>
             </a:fld>
             <a:endParaRPr lang="en-US"/>
           </a:p>
@@ -233,7 +233,7 @@
           </a:ln>
         </p:spPr>
         <p:txBody>
-          <a:bodyPr vert="horz" lIns="54222" tIns="27111" rIns="54222" bIns="27111" rtlCol="0" anchor="ctr"/>
+          <a:bodyPr vert="horz" lIns="54213" tIns="27106" rIns="54213" bIns="27106" rtlCol="0" anchor="ctr"/>
           <a:lstStyle/>
           <a:p>
             <a:endParaRPr lang="en-US"/>
@@ -260,7 +260,7 @@
           </a:prstGeom>
         </p:spPr>
         <p:txBody>
-          <a:bodyPr vert="horz" lIns="54222" tIns="27111" rIns="54222" bIns="27111" rtlCol="0"/>
+          <a:bodyPr vert="horz" lIns="54213" tIns="27106" rIns="54213" bIns="27106" rtlCol="0"/>
           <a:lstStyle/>
           <a:p>
             <a:pPr lvl="0"/>
@@ -320,7 +320,7 @@
           </a:prstGeom>
         </p:spPr>
         <p:txBody>
-          <a:bodyPr vert="horz" lIns="54222" tIns="27111" rIns="54222" bIns="27111" rtlCol="0" anchor="b"/>
+          <a:bodyPr vert="horz" lIns="54213" tIns="27106" rIns="54213" bIns="27106" rtlCol="0" anchor="b"/>
           <a:lstStyle>
             <a:lvl1pPr algn="l">
               <a:defRPr sz="700"/>
@@ -351,7 +351,7 @@
           </a:prstGeom>
         </p:spPr>
         <p:txBody>
-          <a:bodyPr vert="horz" lIns="54222" tIns="27111" rIns="54222" bIns="27111" rtlCol="0" anchor="b"/>
+          <a:bodyPr vert="horz" lIns="54213" tIns="27106" rIns="54213" bIns="27106" rtlCol="0" anchor="b"/>
           <a:lstStyle>
             <a:lvl1pPr algn="r">
               <a:defRPr sz="700"/>
@@ -735,7 +735,7 @@
             <a:fld id="{1D8BD707-D9CF-40AE-B4C6-C98DA3205C09}" type="datetimeFigureOut">
               <a:rPr lang="en-US" smtClean="0"/>
               <a:pPr/>
-              <a:t>12/16/2014</a:t>
+              <a:t>12/19/2014</a:t>
             </a:fld>
             <a:endParaRPr lang="en-US"/>
           </a:p>
@@ -902,7 +902,7 @@
             <a:fld id="{1D8BD707-D9CF-40AE-B4C6-C98DA3205C09}" type="datetimeFigureOut">
               <a:rPr lang="en-US" smtClean="0"/>
               <a:pPr/>
-              <a:t>12/16/2014</a:t>
+              <a:t>12/19/2014</a:t>
             </a:fld>
             <a:endParaRPr lang="en-US"/>
           </a:p>
@@ -1079,7 +1079,7 @@
             <a:fld id="{1D8BD707-D9CF-40AE-B4C6-C98DA3205C09}" type="datetimeFigureOut">
               <a:rPr lang="en-US" smtClean="0"/>
               <a:pPr/>
-              <a:t>12/16/2014</a:t>
+              <a:t>12/19/2014</a:t>
             </a:fld>
             <a:endParaRPr lang="en-US"/>
           </a:p>
@@ -1246,7 +1246,7 @@
             <a:fld id="{1D8BD707-D9CF-40AE-B4C6-C98DA3205C09}" type="datetimeFigureOut">
               <a:rPr lang="en-US" smtClean="0"/>
               <a:pPr/>
-              <a:t>12/16/2014</a:t>
+              <a:t>12/19/2014</a:t>
             </a:fld>
             <a:endParaRPr lang="en-US"/>
           </a:p>
@@ -1489,7 +1489,7 @@
             <a:fld id="{1D8BD707-D9CF-40AE-B4C6-C98DA3205C09}" type="datetimeFigureOut">
               <a:rPr lang="en-US" smtClean="0"/>
               <a:pPr/>
-              <a:t>12/16/2014</a:t>
+              <a:t>12/19/2014</a:t>
             </a:fld>
             <a:endParaRPr lang="en-US"/>
           </a:p>
@@ -1774,7 +1774,7 @@
             <a:fld id="{1D8BD707-D9CF-40AE-B4C6-C98DA3205C09}" type="datetimeFigureOut">
               <a:rPr lang="en-US" smtClean="0"/>
               <a:pPr/>
-              <a:t>12/16/2014</a:t>
+              <a:t>12/19/2014</a:t>
             </a:fld>
             <a:endParaRPr lang="en-US"/>
           </a:p>
@@ -2193,7 +2193,7 @@
             <a:fld id="{1D8BD707-D9CF-40AE-B4C6-C98DA3205C09}" type="datetimeFigureOut">
               <a:rPr lang="en-US" smtClean="0"/>
               <a:pPr/>
-              <a:t>12/16/2014</a:t>
+              <a:t>12/19/2014</a:t>
             </a:fld>
             <a:endParaRPr lang="en-US"/>
           </a:p>
@@ -2308,7 +2308,7 @@
             <a:fld id="{1D8BD707-D9CF-40AE-B4C6-C98DA3205C09}" type="datetimeFigureOut">
               <a:rPr lang="en-US" smtClean="0"/>
               <a:pPr/>
-              <a:t>12/16/2014</a:t>
+              <a:t>12/19/2014</a:t>
             </a:fld>
             <a:endParaRPr lang="en-US"/>
           </a:p>
@@ -2400,7 +2400,7 @@
             <a:fld id="{1D8BD707-D9CF-40AE-B4C6-C98DA3205C09}" type="datetimeFigureOut">
               <a:rPr lang="en-US" smtClean="0"/>
               <a:pPr/>
-              <a:t>12/16/2014</a:t>
+              <a:t>12/19/2014</a:t>
             </a:fld>
             <a:endParaRPr lang="en-US"/>
           </a:p>
@@ -2674,7 +2674,7 @@
             <a:fld id="{1D8BD707-D9CF-40AE-B4C6-C98DA3205C09}" type="datetimeFigureOut">
               <a:rPr lang="en-US" smtClean="0"/>
               <a:pPr/>
-              <a:t>12/16/2014</a:t>
+              <a:t>12/19/2014</a:t>
             </a:fld>
             <a:endParaRPr lang="en-US"/>
           </a:p>
@@ -2924,7 +2924,7 @@
             <a:fld id="{1D8BD707-D9CF-40AE-B4C6-C98DA3205C09}" type="datetimeFigureOut">
               <a:rPr lang="en-US" smtClean="0"/>
               <a:pPr/>
-              <a:t>12/16/2014</a:t>
+              <a:t>12/19/2014</a:t>
             </a:fld>
             <a:endParaRPr lang="en-US"/>
           </a:p>
@@ -3134,7 +3134,7 @@
             <a:fld id="{1D8BD707-D9CF-40AE-B4C6-C98DA3205C09}" type="datetimeFigureOut">
               <a:rPr lang="en-US" smtClean="0"/>
               <a:pPr/>
-              <a:t>12/16/2014</a:t>
+              <a:t>12/19/2014</a:t>
             </a:fld>
             <a:endParaRPr lang="en-US"/>
           </a:p>
@@ -3516,18 +3516,18 @@
         </p:nvCxnSpPr>
         <p:spPr>
           <a:xfrm>
-            <a:off x="2099465" y="362360"/>
+            <a:off x="2095137" y="362360"/>
             <a:ext cx="268835" cy="1"/>
           </a:xfrm>
           <a:prstGeom prst="straightConnector1">
             <a:avLst/>
           </a:prstGeom>
-          <a:ln w="19050">
-            <a:solidFill>
-              <a:schemeClr val="tx1"/>
-            </a:solidFill>
-            <a:headEnd w="sm" len="sm"/>
-            <a:tailEnd type="arrow" w="sm" len="sm"/>
+          <a:ln w="12700">
+            <a:solidFill>
+              <a:schemeClr val="tx1"/>
+            </a:solidFill>
+            <a:headEnd type="none" w="med" len="med"/>
+            <a:tailEnd type="triangle" w="med" len="med"/>
           </a:ln>
         </p:spPr>
         <p:style>
@@ -3556,18 +3556,18 @@
         </p:nvCxnSpPr>
         <p:spPr>
           <a:xfrm flipV="1">
-            <a:off x="870505" y="362360"/>
+            <a:off x="866177" y="362360"/>
             <a:ext cx="576075" cy="2"/>
           </a:xfrm>
           <a:prstGeom prst="straightConnector1">
             <a:avLst/>
           </a:prstGeom>
-          <a:ln w="19050">
-            <a:solidFill>
-              <a:schemeClr val="tx1"/>
-            </a:solidFill>
-            <a:headEnd w="sm" len="sm"/>
-            <a:tailEnd type="arrow" w="sm" len="sm"/>
+          <a:ln w="12700">
+            <a:solidFill>
+              <a:schemeClr val="tx1"/>
+            </a:solidFill>
+            <a:headEnd type="none" w="med" len="med"/>
+            <a:tailEnd type="triangle" w="med" len="med"/>
           </a:ln>
         </p:spPr>
         <p:style>
@@ -3596,18 +3596,18 @@
         </p:nvCxnSpPr>
         <p:spPr>
           <a:xfrm>
-            <a:off x="467253" y="678066"/>
+            <a:off x="462925" y="678066"/>
             <a:ext cx="0" cy="219688"/>
           </a:xfrm>
           <a:prstGeom prst="straightConnector1">
             <a:avLst/>
           </a:prstGeom>
-          <a:ln w="19050">
-            <a:solidFill>
-              <a:schemeClr val="tx1"/>
-            </a:solidFill>
-            <a:headEnd type="arrow" w="sm" len="sm"/>
-            <a:tailEnd type="arrow" w="sm" len="sm"/>
+          <a:ln w="12700">
+            <a:solidFill>
+              <a:schemeClr val="tx1"/>
+            </a:solidFill>
+            <a:headEnd type="triangle" w="med" len="med"/>
+            <a:tailEnd type="triangle" w="med" len="med"/>
           </a:ln>
         </p:spPr>
         <p:style>
@@ -3633,14 +3633,14 @@
         </p:nvSpPr>
         <p:spPr>
           <a:xfrm>
-            <a:off x="64000" y="897754"/>
+            <a:off x="59672" y="897754"/>
             <a:ext cx="806505" cy="315705"/>
           </a:xfrm>
           <a:prstGeom prst="rect">
             <a:avLst/>
           </a:prstGeom>
           <a:solidFill>
-            <a:srgbClr val="66CCFF"/>
+            <a:srgbClr val="FFFFCC"/>
           </a:solidFill>
           <a:ln w="12700">
             <a:solidFill>
@@ -3693,18 +3693,18 @@
         </p:nvCxnSpPr>
         <p:spPr>
           <a:xfrm>
-            <a:off x="2771553" y="678064"/>
+            <a:off x="2767225" y="678064"/>
             <a:ext cx="0" cy="219690"/>
           </a:xfrm>
           <a:prstGeom prst="straightConnector1">
             <a:avLst/>
           </a:prstGeom>
-          <a:ln w="19050">
-            <a:solidFill>
-              <a:schemeClr val="tx1"/>
-            </a:solidFill>
-            <a:headEnd type="arrow" w="sm" len="sm"/>
-            <a:tailEnd type="arrow" w="sm" len="sm"/>
+          <a:ln w="12700">
+            <a:solidFill>
+              <a:schemeClr val="tx1"/>
+            </a:solidFill>
+            <a:headEnd type="triangle" w="med" len="med"/>
+            <a:tailEnd type="triangle" w="med" len="med"/>
           </a:ln>
         </p:spPr>
         <p:style>
@@ -3730,14 +3730,14 @@
         </p:nvSpPr>
         <p:spPr>
           <a:xfrm>
-            <a:off x="2368300" y="897754"/>
+            <a:off x="2363972" y="897754"/>
             <a:ext cx="806505" cy="315705"/>
           </a:xfrm>
           <a:prstGeom prst="rect">
             <a:avLst/>
           </a:prstGeom>
           <a:solidFill>
-            <a:srgbClr val="66CCFF"/>
+            <a:srgbClr val="FFFFCC"/>
           </a:solidFill>
           <a:ln w="12700">
             <a:solidFill>
@@ -3787,14 +3787,14 @@
         </p:nvSpPr>
         <p:spPr>
           <a:xfrm>
-            <a:off x="2368300" y="46657"/>
+            <a:off x="2363972" y="46657"/>
             <a:ext cx="806505" cy="631407"/>
           </a:xfrm>
           <a:prstGeom prst="rect">
             <a:avLst/>
           </a:prstGeom>
           <a:solidFill>
-            <a:srgbClr val="66CCFF"/>
+            <a:srgbClr val="FFFFCC"/>
           </a:solidFill>
           <a:ln w="12700">
             <a:solidFill>
@@ -3864,14 +3864,14 @@
         </p:nvSpPr>
         <p:spPr>
           <a:xfrm>
-            <a:off x="64000" y="46658"/>
+            <a:off x="59672" y="46658"/>
             <a:ext cx="806505" cy="631408"/>
           </a:xfrm>
           <a:prstGeom prst="rect">
             <a:avLst/>
           </a:prstGeom>
           <a:solidFill>
-            <a:srgbClr val="66CCFF"/>
+            <a:srgbClr val="FFFFCC"/>
           </a:solidFill>
           <a:ln w="12700">
             <a:solidFill>
@@ -3941,14 +3941,14 @@
         </p:nvSpPr>
         <p:spPr>
           <a:xfrm>
-            <a:off x="1446580" y="224496"/>
+            <a:off x="1442252" y="224496"/>
             <a:ext cx="652885" cy="275727"/>
           </a:xfrm>
           <a:prstGeom prst="rect">
             <a:avLst/>
           </a:prstGeom>
           <a:solidFill>
-            <a:srgbClr val="66CCFF"/>
+            <a:srgbClr val="FFFFCC"/>
           </a:solidFill>
           <a:ln w="12700">
             <a:solidFill>
@@ -4005,14 +4005,14 @@
         </p:nvSpPr>
         <p:spPr>
           <a:xfrm>
-            <a:off x="818975" y="0"/>
+            <a:off x="814647" y="0"/>
             <a:ext cx="781225" cy="413589"/>
           </a:xfrm>
           <a:prstGeom prst="rect">
             <a:avLst/>
           </a:prstGeom>
           <a:noFill/>
-          <a:ln>
+          <a:ln w="12700">
             <a:noFill/>
           </a:ln>
         </p:spPr>
@@ -4064,16 +4064,16 @@
         </p:nvSpPr>
         <p:spPr>
           <a:xfrm>
-            <a:off x="2560326" y="413588"/>
+            <a:off x="2555998" y="413588"/>
             <a:ext cx="614480" cy="264475"/>
           </a:xfrm>
           <a:prstGeom prst="rect">
             <a:avLst/>
           </a:prstGeom>
           <a:solidFill>
-            <a:srgbClr val="66CCFF"/>
+            <a:srgbClr val="FFFFCC"/>
           </a:solidFill>
-          <a:ln w="9525">
+          <a:ln w="12700">
             <a:solidFill>
               <a:schemeClr val="tx1"/>
             </a:solidFill>
@@ -4121,16 +4121,16 @@
         </p:nvSpPr>
         <p:spPr>
           <a:xfrm>
-            <a:off x="256025" y="413587"/>
+            <a:off x="251697" y="413587"/>
             <a:ext cx="614480" cy="264475"/>
           </a:xfrm>
           <a:prstGeom prst="rect">
             <a:avLst/>
           </a:prstGeom>
           <a:solidFill>
-            <a:srgbClr val="66CCFF"/>
+            <a:srgbClr val="FFFFCC"/>
           </a:solidFill>
-          <a:ln w="9525">
+          <a:ln w="12700">
             <a:solidFill>
               <a:schemeClr val="tx1"/>
             </a:solidFill>
@@ -4158,7 +4158,7 @@
           <a:p>
             <a:pPr algn="ctr"/>
             <a:r>
-              <a:rPr lang="en-US" sz="800" smtClean="0">
+              <a:rPr lang="en-US" sz="800" dirty="0" smtClean="0">
                 <a:solidFill>
                   <a:schemeClr val="tx1"/>
                 </a:solidFill>
@@ -4167,13 +4167,6 @@
               </a:rPr>
               <a:t>Register File</a:t>
             </a:r>
-            <a:endParaRPr lang="en-US" sz="800" dirty="0" smtClean="0">
-              <a:solidFill>
-                <a:schemeClr val="tx1"/>
-              </a:solidFill>
-              <a:latin typeface="Arial" pitchFamily="34" charset="0"/>
-              <a:cs typeface="Arial" pitchFamily="34" charset="0"/>
-            </a:endParaRPr>
           </a:p>
         </p:txBody>
       </p:sp>
@@ -4222,7 +4215,7 @@
             <a:avLst/>
           </a:prstGeom>
           <a:solidFill>
-            <a:srgbClr val="66CCFF"/>
+            <a:srgbClr val="A6CEE3"/>
           </a:solidFill>
           <a:ln w="12700">
             <a:solidFill>
@@ -4352,12 +4345,12 @@
           <a:prstGeom prst="straightConnector1">
             <a:avLst/>
           </a:prstGeom>
-          <a:ln w="19050">
+          <a:ln w="12700">
             <a:solidFill>
               <a:schemeClr val="tx1"/>
             </a:solidFill>
             <a:headEnd w="sm" len="sm"/>
-            <a:tailEnd type="arrow" w="sm" len="sm"/>
+            <a:tailEnd type="triangle" w="med" len="med"/>
           </a:ln>
         </p:spPr>
         <p:style>
@@ -4453,12 +4446,12 @@
           <a:prstGeom prst="straightConnector1">
             <a:avLst/>
           </a:prstGeom>
-          <a:ln w="19050">
+          <a:ln w="12700">
             <a:solidFill>
               <a:schemeClr val="tx1"/>
             </a:solidFill>
             <a:headEnd w="sm" len="sm"/>
-            <a:tailEnd type="arrow" w="sm" len="sm"/>
+            <a:tailEnd type="triangle" w="med" len="med"/>
           </a:ln>
         </p:spPr>
         <p:style>
@@ -4547,12 +4540,12 @@
           <a:prstGeom prst="straightConnector1">
             <a:avLst/>
           </a:prstGeom>
-          <a:ln w="19050">
+          <a:ln w="12700">
             <a:solidFill>
               <a:schemeClr val="tx1"/>
             </a:solidFill>
             <a:headEnd w="sm" len="sm"/>
-            <a:tailEnd type="arrow" w="sm" len="sm"/>
+            <a:tailEnd type="triangle" w="med" len="med"/>
           </a:ln>
         </p:spPr>
         <p:style>
@@ -4584,12 +4577,12 @@
           <a:prstGeom prst="straightConnector1">
             <a:avLst/>
           </a:prstGeom>
-          <a:ln w="19050">
+          <a:ln w="12700">
             <a:solidFill>
               <a:schemeClr val="tx1"/>
             </a:solidFill>
             <a:headEnd w="sm" len="sm"/>
-            <a:tailEnd type="arrow" w="sm" len="sm"/>
+            <a:tailEnd type="triangle" w="med" len="med"/>
           </a:ln>
         </p:spPr>
         <p:style>
@@ -4681,12 +4674,12 @@
           <a:prstGeom prst="straightConnector1">
             <a:avLst/>
           </a:prstGeom>
-          <a:ln w="19050">
+          <a:ln w="12700">
             <a:solidFill>
               <a:schemeClr val="tx1"/>
             </a:solidFill>
             <a:headEnd w="sm" len="sm"/>
-            <a:tailEnd type="arrow" w="sm" len="sm"/>
+            <a:tailEnd type="triangle" w="med" len="med"/>
           </a:ln>
         </p:spPr>
         <p:style>
@@ -4718,12 +4711,12 @@
           <a:prstGeom prst="straightConnector1">
             <a:avLst/>
           </a:prstGeom>
-          <a:ln w="19050">
+          <a:ln w="12700">
             <a:solidFill>
               <a:schemeClr val="tx1"/>
             </a:solidFill>
             <a:headEnd w="sm" len="sm"/>
-            <a:tailEnd type="arrow" w="sm" len="sm"/>
+            <a:tailEnd type="triangle" w="med" len="med"/>
           </a:ln>
         </p:spPr>
         <p:style>
@@ -4923,12 +4916,12 @@
           <a:prstGeom prst="straightConnector1">
             <a:avLst/>
           </a:prstGeom>
-          <a:ln w="19050">
+          <a:ln w="12700">
             <a:solidFill>
               <a:schemeClr val="tx1"/>
             </a:solidFill>
             <a:headEnd w="sm" len="sm"/>
-            <a:tailEnd type="arrow" w="sm" len="sm"/>
+            <a:tailEnd type="triangle" w="med" len="med"/>
           </a:ln>
         </p:spPr>
         <p:style>
@@ -4961,7 +4954,7 @@
             <a:avLst/>
           </a:prstGeom>
           <a:solidFill>
-            <a:srgbClr val="FFFFCC"/>
+            <a:srgbClr val="A6CEE3"/>
           </a:solidFill>
           <a:ln w="12700">
             <a:solidFill>
@@ -5033,12 +5026,12 @@
           <a:prstGeom prst="straightConnector1">
             <a:avLst/>
           </a:prstGeom>
-          <a:ln w="19050">
-            <a:solidFill>
-              <a:schemeClr val="tx1"/>
-            </a:solidFill>
-            <a:headEnd type="arrow" w="sm" len="sm"/>
-            <a:tailEnd type="arrow" w="sm" len="sm"/>
+          <a:ln w="12700">
+            <a:solidFill>
+              <a:schemeClr val="tx1"/>
+            </a:solidFill>
+            <a:headEnd type="triangle" w="med" len="med"/>
+            <a:tailEnd type="triangle" w="med" len="med"/>
           </a:ln>
         </p:spPr>
         <p:style>
@@ -5071,7 +5064,7 @@
             <a:avLst/>
           </a:prstGeom>
           <a:solidFill>
-            <a:srgbClr val="FFFFCC"/>
+            <a:srgbClr val="A6CEE3"/>
           </a:solidFill>
           <a:ln w="12700">
             <a:solidFill>
@@ -5130,12 +5123,12 @@
           <a:prstGeom prst="straightConnector1">
             <a:avLst/>
           </a:prstGeom>
-          <a:ln w="19050">
+          <a:ln w="12700">
             <a:solidFill>
               <a:schemeClr val="tx1"/>
             </a:solidFill>
             <a:headEnd w="sm" len="sm"/>
-            <a:tailEnd type="arrow" w="sm" len="sm"/>
+            <a:tailEnd type="triangle" w="med" len="med"/>
           </a:ln>
         </p:spPr>
         <p:style>
@@ -5170,12 +5163,12 @@
           <a:prstGeom prst="straightConnector1">
             <a:avLst/>
           </a:prstGeom>
-          <a:ln w="19050">
-            <a:solidFill>
-              <a:schemeClr val="tx1"/>
-            </a:solidFill>
-            <a:headEnd type="arrow" w="sm" len="sm"/>
-            <a:tailEnd type="arrow" w="sm" len="sm"/>
+          <a:ln w="12700">
+            <a:solidFill>
+              <a:schemeClr val="tx1"/>
+            </a:solidFill>
+            <a:headEnd type="triangle" w="med" len="med"/>
+            <a:tailEnd type="triangle" w="med" len="med"/>
           </a:ln>
         </p:spPr>
         <p:style>
@@ -5208,7 +5201,7 @@
             <a:avLst/>
           </a:prstGeom>
           <a:solidFill>
-            <a:srgbClr val="66CCFF"/>
+            <a:srgbClr val="FFFFCC"/>
           </a:solidFill>
           <a:ln w="12700">
             <a:solidFill>
@@ -5267,12 +5260,12 @@
           <a:prstGeom prst="straightConnector1">
             <a:avLst/>
           </a:prstGeom>
-          <a:ln w="19050">
-            <a:solidFill>
-              <a:schemeClr val="tx1"/>
-            </a:solidFill>
-            <a:headEnd type="arrow" w="sm" len="sm"/>
-            <a:tailEnd type="arrow" w="sm" len="sm"/>
+          <a:ln w="12700">
+            <a:solidFill>
+              <a:schemeClr val="tx1"/>
+            </a:solidFill>
+            <a:headEnd type="triangle" w="med" len="med"/>
+            <a:tailEnd type="triangle" w="med" len="med"/>
           </a:ln>
         </p:spPr>
         <p:style>
@@ -5305,7 +5298,7 @@
             <a:avLst/>
           </a:prstGeom>
           <a:solidFill>
-            <a:srgbClr val="66CCFF"/>
+            <a:srgbClr val="FFFFCC"/>
           </a:solidFill>
           <a:ln w="12700">
             <a:solidFill>
@@ -5362,7 +5355,7 @@
             <a:avLst/>
           </a:prstGeom>
           <a:solidFill>
-            <a:srgbClr val="66CCFF"/>
+            <a:srgbClr val="FFFFCC"/>
           </a:solidFill>
           <a:ln w="12700">
             <a:solidFill>
@@ -5426,7 +5419,7 @@
             <a:avLst/>
           </a:prstGeom>
           <a:solidFill>
-            <a:srgbClr val="66CCFF"/>
+            <a:srgbClr val="FFFFCC"/>
           </a:solidFill>
           <a:ln w="12700">
             <a:solidFill>
@@ -5496,7 +5489,7 @@
             <a:avLst/>
           </a:prstGeom>
           <a:solidFill>
-            <a:srgbClr val="66CCFF"/>
+            <a:srgbClr val="FFFFCC"/>
           </a:solidFill>
           <a:ln w="12700">
             <a:solidFill>
@@ -5562,12 +5555,12 @@
           <a:prstGeom prst="straightConnector1">
             <a:avLst/>
           </a:prstGeom>
-          <a:ln w="19050">
+          <a:ln w="12700">
             <a:solidFill>
               <a:schemeClr val="tx1"/>
             </a:solidFill>
             <a:headEnd w="sm" len="sm"/>
-            <a:tailEnd type="arrow" w="sm" len="sm"/>
+            <a:tailEnd type="triangle" w="med" len="med"/>
           </a:ln>
         </p:spPr>
         <p:style>
@@ -12718,28 +12711,7 @@
                 <a:latin typeface="Consolas" pitchFamily="49" charset="0"/>
                 <a:cs typeface="Consolas" pitchFamily="49" charset="0"/>
               </a:rPr>
-              <a:t>     // </a:t>
-            </a:r>
-            <a:r>
-              <a:rPr lang="en-US" sz="600" dirty="0" smtClean="0">
-                <a:latin typeface="Consolas" pitchFamily="49" charset="0"/>
-                <a:cs typeface="Consolas" pitchFamily="49" charset="0"/>
-              </a:rPr>
-              <a:t>filter</a:t>
-            </a:r>
-            <a:r>
-              <a:rPr lang="en-US" sz="600" dirty="0" smtClean="0">
-                <a:latin typeface="Consolas" pitchFamily="49" charset="0"/>
-                <a:cs typeface="Consolas" pitchFamily="49" charset="0"/>
-              </a:rPr>
-              <a:t> </a:t>
-            </a:r>
-            <a:r>
-              <a:rPr lang="en-US" sz="600" dirty="0" smtClean="0">
-                <a:latin typeface="Consolas" pitchFamily="49" charset="0"/>
-                <a:cs typeface="Consolas" pitchFamily="49" charset="0"/>
-              </a:rPr>
-              <a:t>monitoring</a:t>
+              <a:t>     // filter monitoring</a:t>
             </a:r>
           </a:p>
           <a:p>
@@ -12858,28 +12830,7 @@
                 <a:latin typeface="Consolas" pitchFamily="49" charset="0"/>
                 <a:cs typeface="Consolas" pitchFamily="49" charset="0"/>
               </a:rPr>
-              <a:t>    // </a:t>
-            </a:r>
-            <a:r>
-              <a:rPr lang="en-US" sz="600" dirty="0" smtClean="0">
-                <a:latin typeface="Consolas" pitchFamily="49" charset="0"/>
-                <a:cs typeface="Consolas" pitchFamily="49" charset="0"/>
-              </a:rPr>
-              <a:t>filter</a:t>
-            </a:r>
-            <a:r>
-              <a:rPr lang="en-US" sz="600" dirty="0" smtClean="0">
-                <a:latin typeface="Consolas" pitchFamily="49" charset="0"/>
-                <a:cs typeface="Consolas" pitchFamily="49" charset="0"/>
-              </a:rPr>
-              <a:t> </a:t>
-            </a:r>
-            <a:r>
-              <a:rPr lang="en-US" sz="600" dirty="0" smtClean="0">
-                <a:latin typeface="Consolas" pitchFamily="49" charset="0"/>
-                <a:cs typeface="Consolas" pitchFamily="49" charset="0"/>
-              </a:rPr>
-              <a:t>monitoring</a:t>
+              <a:t>    // filter monitoring</a:t>
             </a:r>
           </a:p>
           <a:p>
@@ -14821,7 +14772,7 @@
             <a:avLst/>
           </a:prstGeom>
           <a:solidFill>
-            <a:srgbClr val="66CCFF"/>
+            <a:srgbClr val="A6CEE3"/>
           </a:solidFill>
           <a:ln w="12700">
             <a:solidFill>
@@ -14885,7 +14836,7 @@
             <a:avLst/>
           </a:prstGeom>
           <a:solidFill>
-            <a:srgbClr val="66CCFF"/>
+            <a:srgbClr val="A6CEE3"/>
           </a:solidFill>
           <a:ln w="12700">
             <a:solidFill>
@@ -14951,12 +14902,12 @@
           <a:prstGeom prst="straightConnector1">
             <a:avLst/>
           </a:prstGeom>
-          <a:ln w="19050">
+          <a:ln w="12700">
             <a:solidFill>
               <a:schemeClr val="tx1"/>
             </a:solidFill>
             <a:headEnd w="sm" len="sm"/>
-            <a:tailEnd type="arrow" w="sm" len="sm"/>
+            <a:tailEnd type="triangle" w="med" len="med"/>
           </a:ln>
         </p:spPr>
         <p:style>
@@ -14989,7 +14940,7 @@
             <a:avLst/>
           </a:prstGeom>
           <a:solidFill>
-            <a:srgbClr val="66CCFF"/>
+            <a:srgbClr val="A6CEE3"/>
           </a:solidFill>
           <a:ln w="12700">
             <a:solidFill>
@@ -15052,12 +15003,12 @@
           <a:prstGeom prst="straightConnector1">
             <a:avLst/>
           </a:prstGeom>
-          <a:ln w="19050">
+          <a:ln w="12700">
             <a:solidFill>
               <a:schemeClr val="tx1"/>
             </a:solidFill>
             <a:headEnd w="sm" len="sm"/>
-            <a:tailEnd type="arrow" w="sm" len="sm"/>
+            <a:tailEnd type="triangle" w="med" len="med"/>
           </a:ln>
         </p:spPr>
         <p:style>
@@ -15090,7 +15041,7 @@
             <a:avLst/>
           </a:prstGeom>
           <a:solidFill>
-            <a:srgbClr val="66CCFF"/>
+            <a:srgbClr val="A6CEE3"/>
           </a:solidFill>
           <a:ln w="12700">
             <a:solidFill>
@@ -15146,12 +15097,12 @@
           <a:prstGeom prst="straightConnector1">
             <a:avLst/>
           </a:prstGeom>
-          <a:ln w="19050">
+          <a:ln w="12700">
             <a:solidFill>
               <a:schemeClr val="tx1"/>
             </a:solidFill>
             <a:headEnd w="sm" len="sm"/>
-            <a:tailEnd type="arrow" w="sm" len="sm"/>
+            <a:tailEnd type="triangle" w="med" len="med"/>
           </a:ln>
         </p:spPr>
         <p:style>
@@ -15183,12 +15134,12 @@
           <a:prstGeom prst="straightConnector1">
             <a:avLst/>
           </a:prstGeom>
-          <a:ln w="19050">
+          <a:ln w="12700">
             <a:solidFill>
               <a:schemeClr val="tx1"/>
             </a:solidFill>
             <a:headEnd w="sm" len="sm"/>
-            <a:tailEnd type="arrow" w="sm" len="sm"/>
+            <a:tailEnd type="triangle" w="med" len="med"/>
           </a:ln>
         </p:spPr>
         <p:style>
@@ -15221,7 +15172,7 @@
             <a:avLst/>
           </a:prstGeom>
           <a:solidFill>
-            <a:srgbClr val="66CCFF"/>
+            <a:srgbClr val="A6CEE3"/>
           </a:solidFill>
           <a:ln w="12700">
             <a:solidFill>
@@ -15280,12 +15231,12 @@
           <a:prstGeom prst="straightConnector1">
             <a:avLst/>
           </a:prstGeom>
-          <a:ln w="19050">
+          <a:ln w="12700">
             <a:solidFill>
               <a:schemeClr val="tx1"/>
             </a:solidFill>
             <a:headEnd w="sm" len="sm"/>
-            <a:tailEnd type="arrow" w="sm" len="sm"/>
+            <a:tailEnd type="triangle" w="med" len="med"/>
           </a:ln>
         </p:spPr>
         <p:style>
@@ -15317,12 +15268,12 @@
           <a:prstGeom prst="straightConnector1">
             <a:avLst/>
           </a:prstGeom>
-          <a:ln w="19050">
+          <a:ln w="12700">
             <a:solidFill>
               <a:schemeClr val="tx1"/>
             </a:solidFill>
             <a:headEnd w="sm" len="sm"/>
-            <a:tailEnd type="arrow" w="sm" len="sm"/>
+            <a:tailEnd type="triangle" w="med" len="med"/>
           </a:ln>
         </p:spPr>
         <p:style>
@@ -15355,7 +15306,7 @@
             <a:avLst/>
           </a:prstGeom>
           <a:solidFill>
-            <a:srgbClr val="66CCFF"/>
+            <a:srgbClr val="A6CEE3"/>
           </a:solidFill>
           <a:ln w="12700">
             <a:solidFill>
@@ -15419,7 +15370,7 @@
             <a:avLst/>
           </a:prstGeom>
           <a:solidFill>
-            <a:srgbClr val="66CCFF"/>
+            <a:srgbClr val="A6CEE3"/>
           </a:solidFill>
           <a:ln w="12700">
             <a:solidFill>

--- a/figs_src/diagrams.pptx
+++ b/figs_src/diagrams.pptx
@@ -5,7 +5,7 @@
     <p:sldMasterId id="2147483648" r:id="rId1"/>
   </p:sldMasterIdLst>
   <p:notesMasterIdLst>
-    <p:notesMasterId r:id="rId12"/>
+    <p:notesMasterId r:id="rId13"/>
   </p:notesMasterIdLst>
   <p:sldIdLst>
     <p:sldId id="269" r:id="rId2"/>
@@ -18,6 +18,7 @@
     <p:sldId id="257" r:id="rId9"/>
     <p:sldId id="262" r:id="rId10"/>
     <p:sldId id="263" r:id="rId11"/>
+    <p:sldId id="277" r:id="rId12"/>
   </p:sldIdLst>
   <p:sldSz cx="3200400" cy="7772400"/>
   <p:notesSz cx="2743200" cy="7315200"/>
@@ -161,7 +162,7 @@
           </a:prstGeom>
         </p:spPr>
         <p:txBody>
-          <a:bodyPr vert="horz" lIns="54213" tIns="27106" rIns="54213" bIns="27106" rtlCol="0"/>
+          <a:bodyPr vert="horz" lIns="54204" tIns="27101" rIns="54204" bIns="27101" rtlCol="0"/>
           <a:lstStyle>
             <a:lvl1pPr algn="l">
               <a:defRPr sz="700"/>
@@ -192,7 +193,7 @@
           </a:prstGeom>
         </p:spPr>
         <p:txBody>
-          <a:bodyPr vert="horz" lIns="54213" tIns="27106" rIns="54213" bIns="27106" rtlCol="0"/>
+          <a:bodyPr vert="horz" lIns="54204" tIns="27101" rIns="54204" bIns="27101" rtlCol="0"/>
           <a:lstStyle>
             <a:lvl1pPr algn="r">
               <a:defRPr sz="700"/>
@@ -201,7 +202,7 @@
           <a:p>
             <a:fld id="{843567C3-09B7-4EC5-8695-9659B6A4537F}" type="datetimeFigureOut">
               <a:rPr lang="en-US" smtClean="0"/>
-              <a:t>12/19/2014</a:t>
+              <a:t>1/4/2015</a:t>
             </a:fld>
             <a:endParaRPr lang="en-US"/>
           </a:p>
@@ -233,7 +234,7 @@
           </a:ln>
         </p:spPr>
         <p:txBody>
-          <a:bodyPr vert="horz" lIns="54213" tIns="27106" rIns="54213" bIns="27106" rtlCol="0" anchor="ctr"/>
+          <a:bodyPr vert="horz" lIns="54204" tIns="27101" rIns="54204" bIns="27101" rtlCol="0" anchor="ctr"/>
           <a:lstStyle/>
           <a:p>
             <a:endParaRPr lang="en-US"/>
@@ -260,7 +261,7 @@
           </a:prstGeom>
         </p:spPr>
         <p:txBody>
-          <a:bodyPr vert="horz" lIns="54213" tIns="27106" rIns="54213" bIns="27106" rtlCol="0"/>
+          <a:bodyPr vert="horz" lIns="54204" tIns="27101" rIns="54204" bIns="27101" rtlCol="0"/>
           <a:lstStyle/>
           <a:p>
             <a:pPr lvl="0"/>
@@ -320,7 +321,7 @@
           </a:prstGeom>
         </p:spPr>
         <p:txBody>
-          <a:bodyPr vert="horz" lIns="54213" tIns="27106" rIns="54213" bIns="27106" rtlCol="0" anchor="b"/>
+          <a:bodyPr vert="horz" lIns="54204" tIns="27101" rIns="54204" bIns="27101" rtlCol="0" anchor="b"/>
           <a:lstStyle>
             <a:lvl1pPr algn="l">
               <a:defRPr sz="700"/>
@@ -351,7 +352,7 @@
           </a:prstGeom>
         </p:spPr>
         <p:txBody>
-          <a:bodyPr vert="horz" lIns="54213" tIns="27106" rIns="54213" bIns="27106" rtlCol="0" anchor="b"/>
+          <a:bodyPr vert="horz" lIns="54204" tIns="27101" rIns="54204" bIns="27101" rtlCol="0" anchor="b"/>
           <a:lstStyle>
             <a:lvl1pPr algn="r">
               <a:defRPr sz="700"/>
@@ -735,7 +736,7 @@
             <a:fld id="{1D8BD707-D9CF-40AE-B4C6-C98DA3205C09}" type="datetimeFigureOut">
               <a:rPr lang="en-US" smtClean="0"/>
               <a:pPr/>
-              <a:t>12/19/2014</a:t>
+              <a:t>1/4/2015</a:t>
             </a:fld>
             <a:endParaRPr lang="en-US"/>
           </a:p>
@@ -902,7 +903,7 @@
             <a:fld id="{1D8BD707-D9CF-40AE-B4C6-C98DA3205C09}" type="datetimeFigureOut">
               <a:rPr lang="en-US" smtClean="0"/>
               <a:pPr/>
-              <a:t>12/19/2014</a:t>
+              <a:t>1/4/2015</a:t>
             </a:fld>
             <a:endParaRPr lang="en-US"/>
           </a:p>
@@ -1079,7 +1080,7 @@
             <a:fld id="{1D8BD707-D9CF-40AE-B4C6-C98DA3205C09}" type="datetimeFigureOut">
               <a:rPr lang="en-US" smtClean="0"/>
               <a:pPr/>
-              <a:t>12/19/2014</a:t>
+              <a:t>1/4/2015</a:t>
             </a:fld>
             <a:endParaRPr lang="en-US"/>
           </a:p>
@@ -1246,7 +1247,7 @@
             <a:fld id="{1D8BD707-D9CF-40AE-B4C6-C98DA3205C09}" type="datetimeFigureOut">
               <a:rPr lang="en-US" smtClean="0"/>
               <a:pPr/>
-              <a:t>12/19/2014</a:t>
+              <a:t>1/4/2015</a:t>
             </a:fld>
             <a:endParaRPr lang="en-US"/>
           </a:p>
@@ -1489,7 +1490,7 @@
             <a:fld id="{1D8BD707-D9CF-40AE-B4C6-C98DA3205C09}" type="datetimeFigureOut">
               <a:rPr lang="en-US" smtClean="0"/>
               <a:pPr/>
-              <a:t>12/19/2014</a:t>
+              <a:t>1/4/2015</a:t>
             </a:fld>
             <a:endParaRPr lang="en-US"/>
           </a:p>
@@ -1774,7 +1775,7 @@
             <a:fld id="{1D8BD707-D9CF-40AE-B4C6-C98DA3205C09}" type="datetimeFigureOut">
               <a:rPr lang="en-US" smtClean="0"/>
               <a:pPr/>
-              <a:t>12/19/2014</a:t>
+              <a:t>1/4/2015</a:t>
             </a:fld>
             <a:endParaRPr lang="en-US"/>
           </a:p>
@@ -2193,7 +2194,7 @@
             <a:fld id="{1D8BD707-D9CF-40AE-B4C6-C98DA3205C09}" type="datetimeFigureOut">
               <a:rPr lang="en-US" smtClean="0"/>
               <a:pPr/>
-              <a:t>12/19/2014</a:t>
+              <a:t>1/4/2015</a:t>
             </a:fld>
             <a:endParaRPr lang="en-US"/>
           </a:p>
@@ -2308,7 +2309,7 @@
             <a:fld id="{1D8BD707-D9CF-40AE-B4C6-C98DA3205C09}" type="datetimeFigureOut">
               <a:rPr lang="en-US" smtClean="0"/>
               <a:pPr/>
-              <a:t>12/19/2014</a:t>
+              <a:t>1/4/2015</a:t>
             </a:fld>
             <a:endParaRPr lang="en-US"/>
           </a:p>
@@ -2400,7 +2401,7 @@
             <a:fld id="{1D8BD707-D9CF-40AE-B4C6-C98DA3205C09}" type="datetimeFigureOut">
               <a:rPr lang="en-US" smtClean="0"/>
               <a:pPr/>
-              <a:t>12/19/2014</a:t>
+              <a:t>1/4/2015</a:t>
             </a:fld>
             <a:endParaRPr lang="en-US"/>
           </a:p>
@@ -2674,7 +2675,7 @@
             <a:fld id="{1D8BD707-D9CF-40AE-B4C6-C98DA3205C09}" type="datetimeFigureOut">
               <a:rPr lang="en-US" smtClean="0"/>
               <a:pPr/>
-              <a:t>12/19/2014</a:t>
+              <a:t>1/4/2015</a:t>
             </a:fld>
             <a:endParaRPr lang="en-US"/>
           </a:p>
@@ -2924,7 +2925,7 @@
             <a:fld id="{1D8BD707-D9CF-40AE-B4C6-C98DA3205C09}" type="datetimeFigureOut">
               <a:rPr lang="en-US" smtClean="0"/>
               <a:pPr/>
-              <a:t>12/19/2014</a:t>
+              <a:t>1/4/2015</a:t>
             </a:fld>
             <a:endParaRPr lang="en-US"/>
           </a:p>
@@ -3134,7 +3135,7 @@
             <a:fld id="{1D8BD707-D9CF-40AE-B4C6-C98DA3205C09}" type="datetimeFigureOut">
               <a:rPr lang="en-US" smtClean="0"/>
               <a:pPr/>
-              <a:t>12/19/2014</a:t>
+              <a:t>1/4/2015</a:t>
             </a:fld>
             <a:endParaRPr lang="en-US"/>
           </a:p>
@@ -4882,6 +4883,705 @@
 </p:sld>
 </file>
 
+<file path=ppt/slides/slide11.xml><?xml version="1.0" encoding="utf-8"?>
+<p:sld xmlns:a="http://schemas.openxmlformats.org/drawingml/2006/main" xmlns:r="http://schemas.openxmlformats.org/officeDocument/2006/relationships" xmlns:p="http://schemas.openxmlformats.org/presentationml/2006/main">
+  <p:cSld>
+    <p:spTree>
+      <p:nvGrpSpPr>
+        <p:cNvPr id="1" name=""/>
+        <p:cNvGrpSpPr/>
+        <p:nvPr/>
+      </p:nvGrpSpPr>
+      <p:grpSpPr>
+        <a:xfrm>
+          <a:off x="0" y="0"/>
+          <a:ext cx="0" cy="0"/>
+          <a:chOff x="0" y="0"/>
+          <a:chExt cx="0" cy="0"/>
+        </a:xfrm>
+      </p:grpSpPr>
+      <p:sp>
+        <p:nvSpPr>
+          <p:cNvPr id="29" name="Oval 28"/>
+          <p:cNvSpPr/>
+          <p:nvPr/>
+        </p:nvSpPr>
+        <p:spPr>
+          <a:xfrm>
+            <a:off x="529519" y="45700"/>
+            <a:ext cx="230429" cy="230429"/>
+          </a:xfrm>
+          <a:prstGeom prst="ellipse">
+            <a:avLst/>
+          </a:prstGeom>
+          <a:solidFill>
+            <a:srgbClr val="A6CEE3"/>
+          </a:solidFill>
+          <a:ln w="12700">
+            <a:solidFill>
+              <a:schemeClr val="tx1"/>
+            </a:solidFill>
+          </a:ln>
+        </p:spPr>
+        <p:style>
+          <a:lnRef idx="2">
+            <a:schemeClr val="accent1">
+              <a:shade val="50000"/>
+            </a:schemeClr>
+          </a:lnRef>
+          <a:fillRef idx="1">
+            <a:schemeClr val="accent1"/>
+          </a:fillRef>
+          <a:effectRef idx="0">
+            <a:schemeClr val="accent1"/>
+          </a:effectRef>
+          <a:fontRef idx="minor">
+            <a:schemeClr val="lt1"/>
+          </a:fontRef>
+        </p:style>
+        <p:txBody>
+          <a:bodyPr rtlCol="0" anchor="ctr"/>
+          <a:lstStyle/>
+          <a:p>
+            <a:pPr algn="ctr"/>
+            <a:r>
+              <a:rPr lang="en-US" sz="800" dirty="0" smtClean="0">
+                <a:solidFill>
+                  <a:schemeClr val="tx1"/>
+                </a:solidFill>
+                <a:latin typeface="Arial" pitchFamily="34" charset="0"/>
+                <a:cs typeface="Arial" pitchFamily="34" charset="0"/>
+              </a:rPr>
+              <a:t>A</a:t>
+            </a:r>
+            <a:endParaRPr lang="en-US" sz="800" dirty="0">
+              <a:solidFill>
+                <a:schemeClr val="tx1"/>
+              </a:solidFill>
+              <a:latin typeface="Arial" pitchFamily="34" charset="0"/>
+              <a:cs typeface="Arial" pitchFamily="34" charset="0"/>
+            </a:endParaRPr>
+          </a:p>
+        </p:txBody>
+      </p:sp>
+      <p:sp>
+        <p:nvSpPr>
+          <p:cNvPr id="30" name="Oval 29"/>
+          <p:cNvSpPr/>
+          <p:nvPr/>
+        </p:nvSpPr>
+        <p:spPr>
+          <a:xfrm>
+            <a:off x="1002441" y="45702"/>
+            <a:ext cx="230429" cy="230429"/>
+          </a:xfrm>
+          <a:prstGeom prst="ellipse">
+            <a:avLst/>
+          </a:prstGeom>
+          <a:solidFill>
+            <a:srgbClr val="FFFFCC"/>
+          </a:solidFill>
+          <a:ln w="12700">
+            <a:solidFill>
+              <a:schemeClr val="tx1"/>
+            </a:solidFill>
+          </a:ln>
+        </p:spPr>
+        <p:style>
+          <a:lnRef idx="2">
+            <a:schemeClr val="accent1">
+              <a:shade val="50000"/>
+            </a:schemeClr>
+          </a:lnRef>
+          <a:fillRef idx="1">
+            <a:schemeClr val="accent1"/>
+          </a:fillRef>
+          <a:effectRef idx="0">
+            <a:schemeClr val="accent1"/>
+          </a:effectRef>
+          <a:fontRef idx="minor">
+            <a:schemeClr val="lt1"/>
+          </a:fontRef>
+        </p:style>
+        <p:txBody>
+          <a:bodyPr rtlCol="0" anchor="ctr"/>
+          <a:lstStyle/>
+          <a:p>
+            <a:pPr algn="ctr"/>
+            <a:r>
+              <a:rPr lang="en-US" sz="800" dirty="0" smtClean="0">
+                <a:solidFill>
+                  <a:schemeClr val="tx1"/>
+                </a:solidFill>
+                <a:latin typeface="Arial" pitchFamily="34" charset="0"/>
+                <a:cs typeface="Arial" pitchFamily="34" charset="0"/>
+              </a:rPr>
+              <a:t>B</a:t>
+            </a:r>
+            <a:endParaRPr lang="en-US" sz="800" dirty="0">
+              <a:solidFill>
+                <a:schemeClr val="tx1"/>
+              </a:solidFill>
+              <a:latin typeface="Arial" pitchFamily="34" charset="0"/>
+              <a:cs typeface="Arial" pitchFamily="34" charset="0"/>
+            </a:endParaRPr>
+          </a:p>
+        </p:txBody>
+      </p:sp>
+      <p:cxnSp>
+        <p:nvCxnSpPr>
+          <p:cNvPr id="31" name="Straight Arrow Connector 30"/>
+          <p:cNvCxnSpPr>
+            <a:stCxn id="29" idx="6"/>
+            <a:endCxn id="30" idx="2"/>
+          </p:cNvCxnSpPr>
+          <p:nvPr/>
+        </p:nvCxnSpPr>
+        <p:spPr>
+          <a:xfrm>
+            <a:off x="759948" y="160915"/>
+            <a:ext cx="242493" cy="2"/>
+          </a:xfrm>
+          <a:prstGeom prst="straightConnector1">
+            <a:avLst/>
+          </a:prstGeom>
+          <a:ln w="12700">
+            <a:solidFill>
+              <a:schemeClr val="tx1"/>
+            </a:solidFill>
+            <a:headEnd w="sm" len="sm"/>
+            <a:tailEnd type="triangle" w="med" len="med"/>
+          </a:ln>
+        </p:spPr>
+        <p:style>
+          <a:lnRef idx="1">
+            <a:schemeClr val="accent1"/>
+          </a:lnRef>
+          <a:fillRef idx="0">
+            <a:schemeClr val="accent1"/>
+          </a:fillRef>
+          <a:effectRef idx="0">
+            <a:schemeClr val="accent1"/>
+          </a:effectRef>
+          <a:fontRef idx="minor">
+            <a:schemeClr val="tx1"/>
+          </a:fontRef>
+        </p:style>
+      </p:cxnSp>
+      <p:sp>
+        <p:nvSpPr>
+          <p:cNvPr id="34" name="Oval 33"/>
+          <p:cNvSpPr/>
+          <p:nvPr/>
+        </p:nvSpPr>
+        <p:spPr>
+          <a:xfrm>
+            <a:off x="1475363" y="46022"/>
+            <a:ext cx="230429" cy="230429"/>
+          </a:xfrm>
+          <a:prstGeom prst="ellipse">
+            <a:avLst/>
+          </a:prstGeom>
+          <a:solidFill>
+            <a:srgbClr val="A6CEE3"/>
+          </a:solidFill>
+          <a:ln w="12700">
+            <a:solidFill>
+              <a:schemeClr val="tx1"/>
+            </a:solidFill>
+          </a:ln>
+        </p:spPr>
+        <p:style>
+          <a:lnRef idx="2">
+            <a:schemeClr val="accent1">
+              <a:shade val="50000"/>
+            </a:schemeClr>
+          </a:lnRef>
+          <a:fillRef idx="1">
+            <a:schemeClr val="accent1"/>
+          </a:fillRef>
+          <a:effectRef idx="0">
+            <a:schemeClr val="accent1"/>
+          </a:effectRef>
+          <a:fontRef idx="minor">
+            <a:schemeClr val="lt1"/>
+          </a:fontRef>
+        </p:style>
+        <p:txBody>
+          <a:bodyPr rtlCol="0" anchor="ctr"/>
+          <a:lstStyle/>
+          <a:p>
+            <a:pPr algn="ctr"/>
+            <a:r>
+              <a:rPr lang="en-US" sz="800" dirty="0" smtClean="0">
+                <a:solidFill>
+                  <a:schemeClr val="tx1"/>
+                </a:solidFill>
+                <a:latin typeface="Arial" pitchFamily="34" charset="0"/>
+                <a:cs typeface="Arial" pitchFamily="34" charset="0"/>
+              </a:rPr>
+              <a:t>C</a:t>
+            </a:r>
+            <a:endParaRPr lang="en-US" sz="800" dirty="0">
+              <a:solidFill>
+                <a:schemeClr val="tx1"/>
+              </a:solidFill>
+              <a:latin typeface="Arial" pitchFamily="34" charset="0"/>
+              <a:cs typeface="Arial" pitchFamily="34" charset="0"/>
+            </a:endParaRPr>
+          </a:p>
+        </p:txBody>
+      </p:sp>
+      <p:cxnSp>
+        <p:nvCxnSpPr>
+          <p:cNvPr id="39" name="Straight Arrow Connector 38"/>
+          <p:cNvCxnSpPr/>
+          <p:nvPr/>
+        </p:nvCxnSpPr>
+        <p:spPr>
+          <a:xfrm>
+            <a:off x="1232870" y="161240"/>
+            <a:ext cx="242493" cy="2"/>
+          </a:xfrm>
+          <a:prstGeom prst="straightConnector1">
+            <a:avLst/>
+          </a:prstGeom>
+          <a:ln w="12700">
+            <a:solidFill>
+              <a:schemeClr val="tx1"/>
+            </a:solidFill>
+            <a:headEnd w="sm" len="sm"/>
+            <a:tailEnd type="triangle" w="med" len="med"/>
+          </a:ln>
+        </p:spPr>
+        <p:style>
+          <a:lnRef idx="1">
+            <a:schemeClr val="accent1"/>
+          </a:lnRef>
+          <a:fillRef idx="0">
+            <a:schemeClr val="accent1"/>
+          </a:fillRef>
+          <a:effectRef idx="0">
+            <a:schemeClr val="accent1"/>
+          </a:effectRef>
+          <a:fontRef idx="minor">
+            <a:schemeClr val="tx1"/>
+          </a:fontRef>
+        </p:style>
+      </p:cxnSp>
+      <p:sp>
+        <p:nvSpPr>
+          <p:cNvPr id="41" name="Oval 40"/>
+          <p:cNvSpPr/>
+          <p:nvPr/>
+        </p:nvSpPr>
+        <p:spPr>
+          <a:xfrm>
+            <a:off x="1948285" y="46022"/>
+            <a:ext cx="230429" cy="230429"/>
+          </a:xfrm>
+          <a:prstGeom prst="ellipse">
+            <a:avLst/>
+          </a:prstGeom>
+          <a:solidFill>
+            <a:srgbClr val="FFFFCC"/>
+          </a:solidFill>
+          <a:ln w="12700">
+            <a:solidFill>
+              <a:schemeClr val="tx1"/>
+            </a:solidFill>
+          </a:ln>
+        </p:spPr>
+        <p:style>
+          <a:lnRef idx="2">
+            <a:schemeClr val="accent1">
+              <a:shade val="50000"/>
+            </a:schemeClr>
+          </a:lnRef>
+          <a:fillRef idx="1">
+            <a:schemeClr val="accent1"/>
+          </a:fillRef>
+          <a:effectRef idx="0">
+            <a:schemeClr val="accent1"/>
+          </a:effectRef>
+          <a:fontRef idx="minor">
+            <a:schemeClr val="lt1"/>
+          </a:fontRef>
+        </p:style>
+        <p:txBody>
+          <a:bodyPr rtlCol="0" anchor="ctr"/>
+          <a:lstStyle/>
+          <a:p>
+            <a:pPr algn="ctr"/>
+            <a:r>
+              <a:rPr lang="en-US" sz="800" dirty="0">
+                <a:solidFill>
+                  <a:schemeClr val="tx1"/>
+                </a:solidFill>
+                <a:latin typeface="Arial" pitchFamily="34" charset="0"/>
+                <a:cs typeface="Arial" pitchFamily="34" charset="0"/>
+              </a:rPr>
+              <a:t>D</a:t>
+            </a:r>
+          </a:p>
+        </p:txBody>
+      </p:sp>
+      <p:cxnSp>
+        <p:nvCxnSpPr>
+          <p:cNvPr id="42" name="Straight Arrow Connector 41"/>
+          <p:cNvCxnSpPr/>
+          <p:nvPr/>
+        </p:nvCxnSpPr>
+        <p:spPr>
+          <a:xfrm>
+            <a:off x="1705792" y="161238"/>
+            <a:ext cx="242493" cy="2"/>
+          </a:xfrm>
+          <a:prstGeom prst="straightConnector1">
+            <a:avLst/>
+          </a:prstGeom>
+          <a:ln w="12700">
+            <a:solidFill>
+              <a:schemeClr val="tx1"/>
+            </a:solidFill>
+            <a:headEnd w="sm" len="sm"/>
+            <a:tailEnd type="triangle" w="med" len="med"/>
+          </a:ln>
+        </p:spPr>
+        <p:style>
+          <a:lnRef idx="1">
+            <a:schemeClr val="accent1"/>
+          </a:lnRef>
+          <a:fillRef idx="0">
+            <a:schemeClr val="accent1"/>
+          </a:fillRef>
+          <a:effectRef idx="0">
+            <a:schemeClr val="accent1"/>
+          </a:effectRef>
+          <a:fontRef idx="minor">
+            <a:schemeClr val="tx1"/>
+          </a:fontRef>
+        </p:style>
+      </p:cxnSp>
+      <p:cxnSp>
+        <p:nvCxnSpPr>
+          <p:cNvPr id="44" name="Straight Arrow Connector 43"/>
+          <p:cNvCxnSpPr/>
+          <p:nvPr/>
+        </p:nvCxnSpPr>
+        <p:spPr>
+          <a:xfrm>
+            <a:off x="2178714" y="161236"/>
+            <a:ext cx="242493" cy="2"/>
+          </a:xfrm>
+          <a:prstGeom prst="straightConnector1">
+            <a:avLst/>
+          </a:prstGeom>
+          <a:ln w="12700">
+            <a:solidFill>
+              <a:schemeClr val="tx1"/>
+            </a:solidFill>
+            <a:headEnd w="sm" len="sm"/>
+            <a:tailEnd type="triangle" w="med" len="med"/>
+          </a:ln>
+        </p:spPr>
+        <p:style>
+          <a:lnRef idx="1">
+            <a:schemeClr val="accent1"/>
+          </a:lnRef>
+          <a:fillRef idx="0">
+            <a:schemeClr val="accent1"/>
+          </a:fillRef>
+          <a:effectRef idx="0">
+            <a:schemeClr val="accent1"/>
+          </a:effectRef>
+          <a:fontRef idx="minor">
+            <a:schemeClr val="tx1"/>
+          </a:fontRef>
+        </p:style>
+      </p:cxnSp>
+      <p:sp>
+        <p:nvSpPr>
+          <p:cNvPr id="46" name="Oval 45"/>
+          <p:cNvSpPr/>
+          <p:nvPr/>
+        </p:nvSpPr>
+        <p:spPr>
+          <a:xfrm>
+            <a:off x="1475362" y="343520"/>
+            <a:ext cx="230429" cy="230429"/>
+          </a:xfrm>
+          <a:prstGeom prst="ellipse">
+            <a:avLst/>
+          </a:prstGeom>
+          <a:solidFill>
+            <a:srgbClr val="A6CEE3"/>
+          </a:solidFill>
+          <a:ln w="12700">
+            <a:solidFill>
+              <a:schemeClr val="tx1"/>
+            </a:solidFill>
+          </a:ln>
+        </p:spPr>
+        <p:style>
+          <a:lnRef idx="2">
+            <a:schemeClr val="accent1">
+              <a:shade val="50000"/>
+            </a:schemeClr>
+          </a:lnRef>
+          <a:fillRef idx="1">
+            <a:schemeClr val="accent1"/>
+          </a:fillRef>
+          <a:effectRef idx="0">
+            <a:schemeClr val="accent1"/>
+          </a:effectRef>
+          <a:fontRef idx="minor">
+            <a:schemeClr val="lt1"/>
+          </a:fontRef>
+        </p:style>
+        <p:txBody>
+          <a:bodyPr rtlCol="0" anchor="ctr"/>
+          <a:lstStyle/>
+          <a:p>
+            <a:pPr algn="ctr"/>
+            <a:r>
+              <a:rPr lang="en-US" sz="800" dirty="0">
+                <a:solidFill>
+                  <a:schemeClr val="tx1"/>
+                </a:solidFill>
+                <a:latin typeface="Arial" pitchFamily="34" charset="0"/>
+                <a:cs typeface="Arial" pitchFamily="34" charset="0"/>
+              </a:rPr>
+              <a:t>F</a:t>
+            </a:r>
+          </a:p>
+        </p:txBody>
+      </p:sp>
+      <p:cxnSp>
+        <p:nvCxnSpPr>
+          <p:cNvPr id="47" name="Straight Arrow Connector 46"/>
+          <p:cNvCxnSpPr>
+            <a:stCxn id="30" idx="5"/>
+            <a:endCxn id="46" idx="2"/>
+          </p:cNvCxnSpPr>
+          <p:nvPr/>
+        </p:nvCxnSpPr>
+        <p:spPr>
+          <a:xfrm>
+            <a:off x="1199124" y="242385"/>
+            <a:ext cx="276238" cy="216350"/>
+          </a:xfrm>
+          <a:prstGeom prst="straightConnector1">
+            <a:avLst/>
+          </a:prstGeom>
+          <a:ln w="12700">
+            <a:solidFill>
+              <a:schemeClr val="tx1"/>
+            </a:solidFill>
+            <a:headEnd w="sm" len="sm"/>
+            <a:tailEnd type="triangle" w="med" len="med"/>
+          </a:ln>
+        </p:spPr>
+        <p:style>
+          <a:lnRef idx="1">
+            <a:schemeClr val="accent1"/>
+          </a:lnRef>
+          <a:fillRef idx="0">
+            <a:schemeClr val="accent1"/>
+          </a:fillRef>
+          <a:effectRef idx="0">
+            <a:schemeClr val="accent1"/>
+          </a:effectRef>
+          <a:fontRef idx="minor">
+            <a:schemeClr val="tx1"/>
+          </a:fontRef>
+        </p:style>
+      </p:cxnSp>
+      <p:cxnSp>
+        <p:nvCxnSpPr>
+          <p:cNvPr id="51" name="Straight Arrow Connector 50"/>
+          <p:cNvCxnSpPr/>
+          <p:nvPr/>
+        </p:nvCxnSpPr>
+        <p:spPr>
+          <a:xfrm>
+            <a:off x="1709344" y="458735"/>
+            <a:ext cx="242493" cy="2"/>
+          </a:xfrm>
+          <a:prstGeom prst="straightConnector1">
+            <a:avLst/>
+          </a:prstGeom>
+          <a:ln w="12700">
+            <a:solidFill>
+              <a:schemeClr val="tx1"/>
+            </a:solidFill>
+            <a:headEnd w="sm" len="sm"/>
+            <a:tailEnd type="triangle" w="med" len="med"/>
+          </a:ln>
+        </p:spPr>
+        <p:style>
+          <a:lnRef idx="1">
+            <a:schemeClr val="accent1"/>
+          </a:lnRef>
+          <a:fillRef idx="0">
+            <a:schemeClr val="accent1"/>
+          </a:fillRef>
+          <a:effectRef idx="0">
+            <a:schemeClr val="accent1"/>
+          </a:effectRef>
+          <a:fontRef idx="minor">
+            <a:schemeClr val="tx1"/>
+          </a:fontRef>
+        </p:style>
+      </p:cxnSp>
+      <p:sp>
+        <p:nvSpPr>
+          <p:cNvPr id="2" name="Rectangle 1"/>
+          <p:cNvSpPr/>
+          <p:nvPr/>
+        </p:nvSpPr>
+        <p:spPr>
+          <a:xfrm>
+            <a:off x="1951837" y="343520"/>
+            <a:ext cx="230429" cy="230429"/>
+          </a:xfrm>
+          <a:prstGeom prst="rect">
+            <a:avLst/>
+          </a:prstGeom>
+          <a:solidFill>
+            <a:srgbClr val="FFFFCC"/>
+          </a:solidFill>
+          <a:ln w="12700">
+            <a:solidFill>
+              <a:schemeClr val="tx1"/>
+            </a:solidFill>
+          </a:ln>
+        </p:spPr>
+        <p:style>
+          <a:lnRef idx="2">
+            <a:schemeClr val="accent1">
+              <a:shade val="50000"/>
+            </a:schemeClr>
+          </a:lnRef>
+          <a:fillRef idx="1">
+            <a:schemeClr val="accent1"/>
+          </a:fillRef>
+          <a:effectRef idx="0">
+            <a:schemeClr val="accent1"/>
+          </a:effectRef>
+          <a:fontRef idx="minor">
+            <a:schemeClr val="lt1"/>
+          </a:fontRef>
+        </p:style>
+        <p:txBody>
+          <a:bodyPr rtlCol="0" anchor="ctr"/>
+          <a:lstStyle/>
+          <a:p>
+            <a:pPr algn="ctr"/>
+            <a:r>
+              <a:rPr lang="en-US" sz="800" dirty="0" smtClean="0">
+                <a:solidFill>
+                  <a:schemeClr val="tx1"/>
+                </a:solidFill>
+                <a:latin typeface="Arial" pitchFamily="34" charset="0"/>
+                <a:cs typeface="Arial" pitchFamily="34" charset="0"/>
+              </a:rPr>
+              <a:t>G</a:t>
+            </a:r>
+            <a:endParaRPr lang="en-US" sz="800" dirty="0">
+              <a:solidFill>
+                <a:schemeClr val="tx1"/>
+              </a:solidFill>
+              <a:latin typeface="Arial" pitchFamily="34" charset="0"/>
+              <a:cs typeface="Arial" pitchFamily="34" charset="0"/>
+            </a:endParaRPr>
+          </a:p>
+        </p:txBody>
+      </p:sp>
+      <p:sp>
+        <p:nvSpPr>
+          <p:cNvPr id="16" name="Rectangle 15"/>
+          <p:cNvSpPr/>
+          <p:nvPr/>
+        </p:nvSpPr>
+        <p:spPr>
+          <a:xfrm>
+            <a:off x="2421207" y="45699"/>
+            <a:ext cx="230429" cy="230429"/>
+          </a:xfrm>
+          <a:prstGeom prst="rect">
+            <a:avLst/>
+          </a:prstGeom>
+          <a:solidFill>
+            <a:srgbClr val="FFFFCC"/>
+          </a:solidFill>
+          <a:ln w="12700">
+            <a:solidFill>
+              <a:schemeClr val="tx1"/>
+            </a:solidFill>
+          </a:ln>
+        </p:spPr>
+        <p:style>
+          <a:lnRef idx="2">
+            <a:schemeClr val="accent1">
+              <a:shade val="50000"/>
+            </a:schemeClr>
+          </a:lnRef>
+          <a:fillRef idx="1">
+            <a:schemeClr val="accent1"/>
+          </a:fillRef>
+          <a:effectRef idx="0">
+            <a:schemeClr val="accent1"/>
+          </a:effectRef>
+          <a:fontRef idx="minor">
+            <a:schemeClr val="lt1"/>
+          </a:fontRef>
+        </p:style>
+        <p:txBody>
+          <a:bodyPr rtlCol="0" anchor="ctr"/>
+          <a:lstStyle/>
+          <a:p>
+            <a:pPr algn="ctr"/>
+            <a:r>
+              <a:rPr lang="en-US" sz="800" dirty="0" smtClean="0">
+                <a:solidFill>
+                  <a:schemeClr val="tx1"/>
+                </a:solidFill>
+                <a:latin typeface="Arial" pitchFamily="34" charset="0"/>
+                <a:cs typeface="Arial" pitchFamily="34" charset="0"/>
+              </a:rPr>
+              <a:t>E</a:t>
+            </a:r>
+            <a:endParaRPr lang="en-US" sz="800" dirty="0">
+              <a:solidFill>
+                <a:schemeClr val="tx1"/>
+              </a:solidFill>
+              <a:latin typeface="Arial" pitchFamily="34" charset="0"/>
+              <a:cs typeface="Arial" pitchFamily="34" charset="0"/>
+            </a:endParaRPr>
+          </a:p>
+        </p:txBody>
+      </p:sp>
+    </p:spTree>
+    <p:extLst>
+      <p:ext uri="{BB962C8B-B14F-4D97-AF65-F5344CB8AC3E}">
+        <p14:creationId xmlns:p14="http://schemas.microsoft.com/office/powerpoint/2010/main" val="1413777466"/>
+      </p:ext>
+    </p:extLst>
+  </p:cSld>
+  <p:clrMapOvr>
+    <a:masterClrMapping/>
+  </p:clrMapOvr>
+  <p:timing>
+    <p:tnLst>
+      <p:par>
+        <p:cTn id="1" dur="indefinite" restart="never" nodeType="tmRoot"/>
+      </p:par>
+    </p:tnLst>
+  </p:timing>
+</p:sld>
+</file>
+
 <file path=ppt/slides/slide2.xml><?xml version="1.0" encoding="utf-8"?>
 <p:sld xmlns:a="http://schemas.openxmlformats.org/drawingml/2006/main" xmlns:r="http://schemas.openxmlformats.org/officeDocument/2006/relationships" xmlns:p="http://schemas.openxmlformats.org/presentationml/2006/main">
   <p:cSld>
@@ -13193,7 +13893,7 @@
         </p:nvSpPr>
         <p:spPr>
           <a:xfrm>
-            <a:off x="1753820" y="65208"/>
+            <a:off x="1657035" y="65208"/>
             <a:ext cx="649117" cy="1247858"/>
           </a:xfrm>
           <a:prstGeom prst="rect">
@@ -13244,13 +13944,13 @@
         </p:nvCxnSpPr>
         <p:spPr>
           <a:xfrm flipV="1">
-            <a:off x="623931" y="45700"/>
-            <a:ext cx="0" cy="1205505"/>
+            <a:off x="527146" y="45701"/>
+            <a:ext cx="0" cy="1228957"/>
           </a:xfrm>
           <a:prstGeom prst="straightConnector1">
             <a:avLst/>
           </a:prstGeom>
-          <a:ln w="19050">
+          <a:ln w="12700">
             <a:solidFill>
               <a:schemeClr val="tx1"/>
             </a:solidFill>
@@ -13281,13 +13981,13 @@
         </p:nvCxnSpPr>
         <p:spPr>
           <a:xfrm>
-            <a:off x="489960" y="852205"/>
+            <a:off x="393175" y="852205"/>
             <a:ext cx="2646440" cy="0"/>
           </a:xfrm>
           <a:prstGeom prst="straightConnector1">
             <a:avLst/>
           </a:prstGeom>
-          <a:ln w="19050">
+          <a:ln w="12700">
             <a:solidFill>
               <a:schemeClr val="tx1"/>
             </a:solidFill>
@@ -13318,7 +14018,7 @@
         </p:nvSpPr>
         <p:spPr>
           <a:xfrm>
-            <a:off x="2878581" y="843701"/>
+            <a:off x="2781796" y="843701"/>
             <a:ext cx="437487" cy="200529"/>
           </a:xfrm>
           <a:prstGeom prst="rect">
@@ -13377,7 +14077,7 @@
         </p:nvSpPr>
         <p:spPr>
           <a:xfrm>
-            <a:off x="238490" y="46824"/>
+            <a:off x="141705" y="46824"/>
             <a:ext cx="500160" cy="200529"/>
           </a:xfrm>
           <a:prstGeom prst="rect">
@@ -13436,18 +14136,18 @@
         </p:nvCxnSpPr>
         <p:spPr>
           <a:xfrm flipV="1">
-            <a:off x="623931" y="522839"/>
+            <a:off x="527146" y="522839"/>
             <a:ext cx="345645" cy="128836"/>
           </a:xfrm>
           <a:prstGeom prst="straightConnector1">
             <a:avLst/>
           </a:prstGeom>
-          <a:ln w="19050">
-            <a:solidFill>
-              <a:srgbClr val="00B050"/>
+          <a:ln w="12700">
+            <a:solidFill>
+              <a:srgbClr val="33A02C"/>
             </a:solidFill>
             <a:headEnd w="sm" len="sm"/>
-            <a:tailEnd type="arrow" w="sm" len="sm"/>
+            <a:tailEnd type="triangle" w="med" len="med"/>
           </a:ln>
         </p:spPr>
         <p:style>
@@ -13473,13 +14173,13 @@
         </p:nvCxnSpPr>
         <p:spPr>
           <a:xfrm flipH="1">
-            <a:off x="575368" y="651675"/>
+            <a:off x="478583" y="651675"/>
             <a:ext cx="95890" cy="0"/>
           </a:xfrm>
           <a:prstGeom prst="line">
             <a:avLst/>
           </a:prstGeom>
-          <a:ln w="19050">
+          <a:ln w="12700">
             <a:solidFill>
               <a:schemeClr val="tx1"/>
             </a:solidFill>
@@ -13508,7 +14208,7 @@
         </p:nvSpPr>
         <p:spPr>
           <a:xfrm>
-            <a:off x="199190" y="536461"/>
+            <a:off x="102405" y="536461"/>
             <a:ext cx="500160" cy="200529"/>
           </a:xfrm>
           <a:prstGeom prst="rect">
@@ -13567,7 +14267,7 @@
         </p:nvSpPr>
         <p:spPr>
           <a:xfrm>
-            <a:off x="1078854" y="65207"/>
+            <a:off x="982069" y="65207"/>
             <a:ext cx="775204" cy="200529"/>
           </a:xfrm>
           <a:prstGeom prst="rect">
@@ -13627,18 +14327,18 @@
         </p:nvCxnSpPr>
         <p:spPr>
           <a:xfrm>
-            <a:off x="969576" y="522839"/>
+            <a:off x="872791" y="522839"/>
             <a:ext cx="190634" cy="198834"/>
           </a:xfrm>
           <a:prstGeom prst="straightConnector1">
             <a:avLst/>
           </a:prstGeom>
-          <a:ln w="19050">
-            <a:solidFill>
-              <a:srgbClr val="C00000"/>
+          <a:ln w="12700">
+            <a:solidFill>
+              <a:srgbClr val="E31A1C"/>
             </a:solidFill>
             <a:headEnd w="sm" len="sm"/>
-            <a:tailEnd type="arrow" w="sm" len="sm"/>
+            <a:tailEnd type="triangle" w="med" len="med"/>
           </a:ln>
         </p:spPr>
         <p:style>
@@ -13664,18 +14364,18 @@
         </p:nvCxnSpPr>
         <p:spPr>
           <a:xfrm flipV="1">
-            <a:off x="1160210" y="592837"/>
+            <a:off x="1063425" y="592837"/>
             <a:ext cx="345645" cy="128836"/>
           </a:xfrm>
           <a:prstGeom prst="straightConnector1">
             <a:avLst/>
           </a:prstGeom>
-          <a:ln w="19050">
-            <a:solidFill>
-              <a:srgbClr val="00B050"/>
+          <a:ln w="12700">
+            <a:solidFill>
+              <a:srgbClr val="33A02C"/>
             </a:solidFill>
             <a:headEnd w="sm" len="sm"/>
-            <a:tailEnd type="arrow" w="sm" len="sm"/>
+            <a:tailEnd type="triangle" w="med" len="med"/>
           </a:ln>
         </p:spPr>
         <p:style>
@@ -13701,18 +14401,18 @@
         </p:nvCxnSpPr>
         <p:spPr>
           <a:xfrm flipH="1">
-            <a:off x="1064894" y="314535"/>
+            <a:off x="968109" y="314535"/>
             <a:ext cx="210531" cy="272722"/>
           </a:xfrm>
           <a:prstGeom prst="straightConnector1">
             <a:avLst/>
           </a:prstGeom>
-          <a:ln w="19050">
+          <a:ln w="12700">
             <a:solidFill>
               <a:schemeClr val="tx1"/>
             </a:solidFill>
             <a:headEnd w="sm" len="sm"/>
-            <a:tailEnd type="arrow" w="sm" len="sm"/>
+            <a:tailEnd type="triangle" w="med" len="med"/>
           </a:ln>
         </p:spPr>
         <p:style>
@@ -13738,18 +14438,18 @@
         </p:nvCxnSpPr>
         <p:spPr>
           <a:xfrm>
-            <a:off x="1625986" y="314325"/>
+            <a:off x="1529201" y="314325"/>
             <a:ext cx="0" cy="342930"/>
           </a:xfrm>
           <a:prstGeom prst="straightConnector1">
             <a:avLst/>
           </a:prstGeom>
-          <a:ln w="19050">
+          <a:ln w="12700">
             <a:solidFill>
               <a:schemeClr val="tx1"/>
             </a:solidFill>
             <a:headEnd w="sm" len="sm"/>
-            <a:tailEnd type="arrow" w="sm" len="sm"/>
+            <a:tailEnd type="triangle" w="med" len="med"/>
           </a:ln>
         </p:spPr>
         <p:style>
@@ -13775,18 +14475,18 @@
         </p:nvCxnSpPr>
         <p:spPr>
           <a:xfrm>
-            <a:off x="1505855" y="595299"/>
+            <a:off x="1409070" y="595299"/>
             <a:ext cx="422455" cy="440627"/>
           </a:xfrm>
           <a:prstGeom prst="straightConnector1">
             <a:avLst/>
           </a:prstGeom>
-          <a:ln w="19050">
-            <a:solidFill>
-              <a:srgbClr val="C00000"/>
+          <a:ln w="12700">
+            <a:solidFill>
+              <a:srgbClr val="E31A1C"/>
             </a:solidFill>
             <a:headEnd w="sm" len="sm"/>
-            <a:tailEnd type="arrow" w="sm" len="sm"/>
+            <a:tailEnd type="triangle" w="med" len="med"/>
           </a:ln>
         </p:spPr>
         <p:style>
@@ -13812,18 +14512,18 @@
         </p:nvCxnSpPr>
         <p:spPr>
           <a:xfrm flipV="1">
-            <a:off x="1928310" y="657197"/>
+            <a:off x="1831525" y="657197"/>
             <a:ext cx="1016065" cy="378729"/>
           </a:xfrm>
           <a:prstGeom prst="straightConnector1">
             <a:avLst/>
           </a:prstGeom>
-          <a:ln w="19050">
-            <a:solidFill>
-              <a:srgbClr val="00B050"/>
+          <a:ln w="12700">
+            <a:solidFill>
+              <a:srgbClr val="33A02C"/>
             </a:solidFill>
             <a:headEnd w="sm" len="sm"/>
-            <a:tailEnd type="arrow" w="sm" len="sm"/>
+            <a:tailEnd type="triangle" w="med" len="med"/>
           </a:ln>
         </p:spPr>
         <p:style>
@@ -13849,7 +14549,7 @@
         </p:nvSpPr>
         <p:spPr>
           <a:xfrm>
-            <a:off x="808787" y="1074130"/>
+            <a:off x="712002" y="1074130"/>
             <a:ext cx="743462" cy="200529"/>
           </a:xfrm>
           <a:prstGeom prst="rect">
@@ -13909,7 +14609,7 @@
         </p:nvSpPr>
         <p:spPr>
           <a:xfrm>
-            <a:off x="1713530" y="1074130"/>
+            <a:off x="1616745" y="1074130"/>
             <a:ext cx="729695" cy="200529"/>
           </a:xfrm>
           <a:prstGeom prst="rect">
@@ -13969,7 +14669,7 @@
         </p:nvSpPr>
         <p:spPr>
           <a:xfrm>
-            <a:off x="2392938" y="1074129"/>
+            <a:off x="2296153" y="1074129"/>
             <a:ext cx="743462" cy="200529"/>
           </a:xfrm>
           <a:prstGeom prst="rect">
